--- a/Week 4/Session 4 - Goodness of Fit in Multilevel Models and Random Intercept Models.pptx
+++ b/Week 4/Session 4 - Goodness of Fit in Multilevel Models and Random Intercept Models.pptx
@@ -194,95 +194,1710 @@
 <file path=ppt/changesInfos/changesInfo1.xml><?xml version="1.0" encoding="utf-8"?>
 <pc:chgInfo xmlns:a="http://schemas.openxmlformats.org/drawingml/2006/main" xmlns:r="http://schemas.openxmlformats.org/officeDocument/2006/relationships" xmlns:ac="http://schemas.microsoft.com/office/drawing/2013/main/command" xmlns:pc="http://schemas.microsoft.com/office/powerpoint/2013/main/command">
   <pc:docChgLst>
-    <pc:chgData name="Mike B" userId="5c4bf6a326bf31f5" providerId="LiveId" clId="{3432D430-2FD5-4C55-B9AB-5F320ADAA244}"/>
-    <pc:docChg chg="modSld">
-      <pc:chgData name="Mike B" userId="5c4bf6a326bf31f5" providerId="LiveId" clId="{3432D430-2FD5-4C55-B9AB-5F320ADAA244}" dt="2022-02-21T17:18:01.634" v="67" actId="20577"/>
+    <pc:chgData name="Mike B" userId="5c4bf6a326bf31f5" providerId="LiveId" clId="{7DF94DDA-9ECE-405F-9D9F-F38BC4F3E028}"/>
+    <pc:docChg chg="undo custSel addSld delSld modSld sldOrd">
+      <pc:chgData name="Mike B" userId="5c4bf6a326bf31f5" providerId="LiveId" clId="{7DF94DDA-9ECE-405F-9D9F-F38BC4F3E028}" dt="2021-03-01T14:51:30.738" v="6740" actId="20577"/>
       <pc:docMkLst>
         <pc:docMk/>
       </pc:docMkLst>
       <pc:sldChg chg="modSp mod">
-        <pc:chgData name="Mike B" userId="5c4bf6a326bf31f5" providerId="LiveId" clId="{3432D430-2FD5-4C55-B9AB-5F320ADAA244}" dt="2022-02-12T20:23:00.273" v="10" actId="20577"/>
+        <pc:chgData name="Mike B" userId="5c4bf6a326bf31f5" providerId="LiveId" clId="{7DF94DDA-9ECE-405F-9D9F-F38BC4F3E028}" dt="2021-02-28T14:27:22.530" v="37" actId="20577"/>
+        <pc:sldMkLst>
+          <pc:docMk/>
+          <pc:sldMk cId="0" sldId="256"/>
+        </pc:sldMkLst>
+        <pc:spChg chg="mod">
+          <ac:chgData name="Mike B" userId="5c4bf6a326bf31f5" providerId="LiveId" clId="{7DF94DDA-9ECE-405F-9D9F-F38BC4F3E028}" dt="2021-02-28T14:27:22.530" v="37" actId="20577"/>
+          <ac:spMkLst>
+            <pc:docMk/>
+            <pc:sldMk cId="0" sldId="256"/>
+            <ac:spMk id="2051" creationId="{00000000-0000-0000-0000-000000000000}"/>
+          </ac:spMkLst>
+        </pc:spChg>
+      </pc:sldChg>
+      <pc:sldChg chg="modSp mod">
+        <pc:chgData name="Mike B" userId="5c4bf6a326bf31f5" providerId="LiveId" clId="{7DF94DDA-9ECE-405F-9D9F-F38BC4F3E028}" dt="2021-02-28T15:30:37.664" v="1166" actId="20577"/>
+        <pc:sldMkLst>
+          <pc:docMk/>
+          <pc:sldMk cId="0" sldId="287"/>
+        </pc:sldMkLst>
+        <pc:spChg chg="mod">
+          <ac:chgData name="Mike B" userId="5c4bf6a326bf31f5" providerId="LiveId" clId="{7DF94DDA-9ECE-405F-9D9F-F38BC4F3E028}" dt="2021-02-28T15:30:37.664" v="1166" actId="20577"/>
+          <ac:spMkLst>
+            <pc:docMk/>
+            <pc:sldMk cId="0" sldId="287"/>
+            <ac:spMk id="119811" creationId="{00000000-0000-0000-0000-000000000000}"/>
+          </ac:spMkLst>
+        </pc:spChg>
+      </pc:sldChg>
+      <pc:sldChg chg="modSp mod">
+        <pc:chgData name="Mike B" userId="5c4bf6a326bf31f5" providerId="LiveId" clId="{7DF94DDA-9ECE-405F-9D9F-F38BC4F3E028}" dt="2021-03-01T00:11:14.246" v="2813" actId="20578"/>
+        <pc:sldMkLst>
+          <pc:docMk/>
+          <pc:sldMk cId="1782408873" sldId="342"/>
+        </pc:sldMkLst>
+        <pc:spChg chg="mod">
+          <ac:chgData name="Mike B" userId="5c4bf6a326bf31f5" providerId="LiveId" clId="{7DF94DDA-9ECE-405F-9D9F-F38BC4F3E028}" dt="2021-03-01T00:11:14.246" v="2813" actId="20578"/>
+          <ac:spMkLst>
+            <pc:docMk/>
+            <pc:sldMk cId="1782408873" sldId="342"/>
+            <ac:spMk id="3" creationId="{00000000-0000-0000-0000-000000000000}"/>
+          </ac:spMkLst>
+        </pc:spChg>
+        <pc:spChg chg="mod">
+          <ac:chgData name="Mike B" userId="5c4bf6a326bf31f5" providerId="LiveId" clId="{7DF94DDA-9ECE-405F-9D9F-F38BC4F3E028}" dt="2021-02-28T14:30:53.135" v="212" actId="313"/>
+          <ac:spMkLst>
+            <pc:docMk/>
+            <pc:sldMk cId="1782408873" sldId="342"/>
+            <ac:spMk id="4" creationId="{00000000-0000-0000-0000-000000000000}"/>
+          </ac:spMkLst>
+        </pc:spChg>
+      </pc:sldChg>
+      <pc:sldChg chg="modSp mod">
+        <pc:chgData name="Mike B" userId="5c4bf6a326bf31f5" providerId="LiveId" clId="{7DF94DDA-9ECE-405F-9D9F-F38BC4F3E028}" dt="2021-03-01T04:02:11.234" v="3284" actId="20578"/>
+        <pc:sldMkLst>
+          <pc:docMk/>
+          <pc:sldMk cId="529469595" sldId="360"/>
+        </pc:sldMkLst>
+        <pc:spChg chg="mod">
+          <ac:chgData name="Mike B" userId="5c4bf6a326bf31f5" providerId="LiveId" clId="{7DF94DDA-9ECE-405F-9D9F-F38BC4F3E028}" dt="2021-03-01T04:02:11.234" v="3284" actId="20578"/>
+          <ac:spMkLst>
+            <pc:docMk/>
+            <pc:sldMk cId="529469595" sldId="360"/>
+            <ac:spMk id="3" creationId="{00000000-0000-0000-0000-000000000000}"/>
+          </ac:spMkLst>
+        </pc:spChg>
+        <pc:spChg chg="mod">
+          <ac:chgData name="Mike B" userId="5c4bf6a326bf31f5" providerId="LiveId" clId="{7DF94DDA-9ECE-405F-9D9F-F38BC4F3E028}" dt="2021-02-28T14:28:54.668" v="179" actId="20577"/>
+          <ac:spMkLst>
+            <pc:docMk/>
+            <pc:sldMk cId="529469595" sldId="360"/>
+            <ac:spMk id="4" creationId="{00000000-0000-0000-0000-000000000000}"/>
+          </ac:spMkLst>
+        </pc:spChg>
+      </pc:sldChg>
+      <pc:sldChg chg="modSp mod">
+        <pc:chgData name="Mike B" userId="5c4bf6a326bf31f5" providerId="LiveId" clId="{7DF94DDA-9ECE-405F-9D9F-F38BC4F3E028}" dt="2021-03-01T00:18:14.394" v="3085" actId="113"/>
+        <pc:sldMkLst>
+          <pc:docMk/>
+          <pc:sldMk cId="3710951061" sldId="361"/>
+        </pc:sldMkLst>
+        <pc:spChg chg="mod">
+          <ac:chgData name="Mike B" userId="5c4bf6a326bf31f5" providerId="LiveId" clId="{7DF94DDA-9ECE-405F-9D9F-F38BC4F3E028}" dt="2021-03-01T00:18:14.394" v="3085" actId="113"/>
+          <ac:spMkLst>
+            <pc:docMk/>
+            <pc:sldMk cId="3710951061" sldId="361"/>
+            <ac:spMk id="118787" creationId="{00000000-0000-0000-0000-000000000000}"/>
+          </ac:spMkLst>
+        </pc:spChg>
+      </pc:sldChg>
+      <pc:sldChg chg="modSp mod modAnim">
+        <pc:chgData name="Mike B" userId="5c4bf6a326bf31f5" providerId="LiveId" clId="{7DF94DDA-9ECE-405F-9D9F-F38BC4F3E028}" dt="2021-03-01T00:10:15.194" v="2812" actId="20577"/>
+        <pc:sldMkLst>
+          <pc:docMk/>
+          <pc:sldMk cId="2370785148" sldId="380"/>
+        </pc:sldMkLst>
+        <pc:spChg chg="mod">
+          <ac:chgData name="Mike B" userId="5c4bf6a326bf31f5" providerId="LiveId" clId="{7DF94DDA-9ECE-405F-9D9F-F38BC4F3E028}" dt="2021-02-28T14:39:21.274" v="577" actId="20577"/>
+          <ac:spMkLst>
+            <pc:docMk/>
+            <pc:sldMk cId="2370785148" sldId="380"/>
+            <ac:spMk id="118786" creationId="{00000000-0000-0000-0000-000000000000}"/>
+          </ac:spMkLst>
+        </pc:spChg>
+        <pc:spChg chg="mod">
+          <ac:chgData name="Mike B" userId="5c4bf6a326bf31f5" providerId="LiveId" clId="{7DF94DDA-9ECE-405F-9D9F-F38BC4F3E028}" dt="2021-03-01T00:10:15.194" v="2812" actId="20577"/>
+          <ac:spMkLst>
+            <pc:docMk/>
+            <pc:sldMk cId="2370785148" sldId="380"/>
+            <ac:spMk id="118787" creationId="{00000000-0000-0000-0000-000000000000}"/>
+          </ac:spMkLst>
+        </pc:spChg>
+      </pc:sldChg>
+      <pc:sldChg chg="del">
+        <pc:chgData name="Mike B" userId="5c4bf6a326bf31f5" providerId="LiveId" clId="{7DF94DDA-9ECE-405F-9D9F-F38BC4F3E028}" dt="2021-02-28T14:29:38.514" v="210" actId="2696"/>
+        <pc:sldMkLst>
+          <pc:docMk/>
+          <pc:sldMk cId="3304678067" sldId="381"/>
+        </pc:sldMkLst>
+      </pc:sldChg>
+      <pc:sldChg chg="del">
+        <pc:chgData name="Mike B" userId="5c4bf6a326bf31f5" providerId="LiveId" clId="{7DF94DDA-9ECE-405F-9D9F-F38BC4F3E028}" dt="2021-02-28T14:38:07.393" v="538" actId="2696"/>
+        <pc:sldMkLst>
+          <pc:docMk/>
+          <pc:sldMk cId="2102527257" sldId="383"/>
+        </pc:sldMkLst>
+      </pc:sldChg>
+      <pc:sldChg chg="del">
+        <pc:chgData name="Mike B" userId="5c4bf6a326bf31f5" providerId="LiveId" clId="{7DF94DDA-9ECE-405F-9D9F-F38BC4F3E028}" dt="2021-02-28T14:38:07.393" v="538" actId="2696"/>
+        <pc:sldMkLst>
+          <pc:docMk/>
+          <pc:sldMk cId="1773852483" sldId="384"/>
+        </pc:sldMkLst>
+      </pc:sldChg>
+      <pc:sldChg chg="del">
+        <pc:chgData name="Mike B" userId="5c4bf6a326bf31f5" providerId="LiveId" clId="{7DF94DDA-9ECE-405F-9D9F-F38BC4F3E028}" dt="2021-02-28T14:33:26.575" v="422" actId="2696"/>
+        <pc:sldMkLst>
+          <pc:docMk/>
+          <pc:sldMk cId="3247148916" sldId="385"/>
+        </pc:sldMkLst>
+      </pc:sldChg>
+      <pc:sldChg chg="del">
+        <pc:chgData name="Mike B" userId="5c4bf6a326bf31f5" providerId="LiveId" clId="{7DF94DDA-9ECE-405F-9D9F-F38BC4F3E028}" dt="2021-02-28T14:33:26.575" v="422" actId="2696"/>
+        <pc:sldMkLst>
+          <pc:docMk/>
+          <pc:sldMk cId="348951182" sldId="386"/>
+        </pc:sldMkLst>
+      </pc:sldChg>
+      <pc:sldChg chg="del">
+        <pc:chgData name="Mike B" userId="5c4bf6a326bf31f5" providerId="LiveId" clId="{7DF94DDA-9ECE-405F-9D9F-F38BC4F3E028}" dt="2021-02-28T14:33:26.575" v="422" actId="2696"/>
+        <pc:sldMkLst>
+          <pc:docMk/>
+          <pc:sldMk cId="2557632002" sldId="387"/>
+        </pc:sldMkLst>
+      </pc:sldChg>
+      <pc:sldChg chg="del">
+        <pc:chgData name="Mike B" userId="5c4bf6a326bf31f5" providerId="LiveId" clId="{7DF94DDA-9ECE-405F-9D9F-F38BC4F3E028}" dt="2021-02-28T14:33:26.575" v="422" actId="2696"/>
+        <pc:sldMkLst>
+          <pc:docMk/>
+          <pc:sldMk cId="953520603" sldId="388"/>
+        </pc:sldMkLst>
+      </pc:sldChg>
+      <pc:sldChg chg="del">
+        <pc:chgData name="Mike B" userId="5c4bf6a326bf31f5" providerId="LiveId" clId="{7DF94DDA-9ECE-405F-9D9F-F38BC4F3E028}" dt="2021-02-28T14:33:26.575" v="422" actId="2696"/>
+        <pc:sldMkLst>
+          <pc:docMk/>
+          <pc:sldMk cId="2172460907" sldId="389"/>
+        </pc:sldMkLst>
+      </pc:sldChg>
+      <pc:sldChg chg="del">
+        <pc:chgData name="Mike B" userId="5c4bf6a326bf31f5" providerId="LiveId" clId="{7DF94DDA-9ECE-405F-9D9F-F38BC4F3E028}" dt="2021-02-28T14:33:26.575" v="422" actId="2696"/>
+        <pc:sldMkLst>
+          <pc:docMk/>
+          <pc:sldMk cId="2684770879" sldId="390"/>
+        </pc:sldMkLst>
+      </pc:sldChg>
+      <pc:sldChg chg="del">
+        <pc:chgData name="Mike B" userId="5c4bf6a326bf31f5" providerId="LiveId" clId="{7DF94DDA-9ECE-405F-9D9F-F38BC4F3E028}" dt="2021-02-28T14:33:26.575" v="422" actId="2696"/>
+        <pc:sldMkLst>
+          <pc:docMk/>
+          <pc:sldMk cId="3991076418" sldId="391"/>
+        </pc:sldMkLst>
+      </pc:sldChg>
+      <pc:sldChg chg="del">
+        <pc:chgData name="Mike B" userId="5c4bf6a326bf31f5" providerId="LiveId" clId="{7DF94DDA-9ECE-405F-9D9F-F38BC4F3E028}" dt="2021-02-28T14:33:26.575" v="422" actId="2696"/>
+        <pc:sldMkLst>
+          <pc:docMk/>
+          <pc:sldMk cId="1164431390" sldId="392"/>
+        </pc:sldMkLst>
+      </pc:sldChg>
+      <pc:sldChg chg="del">
+        <pc:chgData name="Mike B" userId="5c4bf6a326bf31f5" providerId="LiveId" clId="{7DF94DDA-9ECE-405F-9D9F-F38BC4F3E028}" dt="2021-02-28T14:33:26.575" v="422" actId="2696"/>
+        <pc:sldMkLst>
+          <pc:docMk/>
+          <pc:sldMk cId="2386565080" sldId="393"/>
+        </pc:sldMkLst>
+      </pc:sldChg>
+      <pc:sldChg chg="del">
+        <pc:chgData name="Mike B" userId="5c4bf6a326bf31f5" providerId="LiveId" clId="{7DF94DDA-9ECE-405F-9D9F-F38BC4F3E028}" dt="2021-02-28T14:33:26.575" v="422" actId="2696"/>
+        <pc:sldMkLst>
+          <pc:docMk/>
+          <pc:sldMk cId="4142567852" sldId="394"/>
+        </pc:sldMkLst>
+      </pc:sldChg>
+      <pc:sldChg chg="del">
+        <pc:chgData name="Mike B" userId="5c4bf6a326bf31f5" providerId="LiveId" clId="{7DF94DDA-9ECE-405F-9D9F-F38BC4F3E028}" dt="2021-02-28T14:33:26.575" v="422" actId="2696"/>
+        <pc:sldMkLst>
+          <pc:docMk/>
+          <pc:sldMk cId="2197577944" sldId="395"/>
+        </pc:sldMkLst>
+      </pc:sldChg>
+      <pc:sldChg chg="del">
+        <pc:chgData name="Mike B" userId="5c4bf6a326bf31f5" providerId="LiveId" clId="{7DF94DDA-9ECE-405F-9D9F-F38BC4F3E028}" dt="2021-02-28T14:33:26.575" v="422" actId="2696"/>
+        <pc:sldMkLst>
+          <pc:docMk/>
+          <pc:sldMk cId="2091025658" sldId="396"/>
+        </pc:sldMkLst>
+      </pc:sldChg>
+      <pc:sldChg chg="del">
+        <pc:chgData name="Mike B" userId="5c4bf6a326bf31f5" providerId="LiveId" clId="{7DF94DDA-9ECE-405F-9D9F-F38BC4F3E028}" dt="2021-02-28T14:33:26.575" v="422" actId="2696"/>
+        <pc:sldMkLst>
+          <pc:docMk/>
+          <pc:sldMk cId="1031395241" sldId="397"/>
+        </pc:sldMkLst>
+      </pc:sldChg>
+      <pc:sldChg chg="del">
+        <pc:chgData name="Mike B" userId="5c4bf6a326bf31f5" providerId="LiveId" clId="{7DF94DDA-9ECE-405F-9D9F-F38BC4F3E028}" dt="2021-02-28T14:33:26.575" v="422" actId="2696"/>
+        <pc:sldMkLst>
+          <pc:docMk/>
+          <pc:sldMk cId="2995682161" sldId="398"/>
+        </pc:sldMkLst>
+      </pc:sldChg>
+      <pc:sldChg chg="del">
+        <pc:chgData name="Mike B" userId="5c4bf6a326bf31f5" providerId="LiveId" clId="{7DF94DDA-9ECE-405F-9D9F-F38BC4F3E028}" dt="2021-02-28T14:33:26.575" v="422" actId="2696"/>
+        <pc:sldMkLst>
+          <pc:docMk/>
+          <pc:sldMk cId="1880314613" sldId="399"/>
+        </pc:sldMkLst>
+      </pc:sldChg>
+      <pc:sldChg chg="del">
+        <pc:chgData name="Mike B" userId="5c4bf6a326bf31f5" providerId="LiveId" clId="{7DF94DDA-9ECE-405F-9D9F-F38BC4F3E028}" dt="2021-02-28T14:33:26.575" v="422" actId="2696"/>
+        <pc:sldMkLst>
+          <pc:docMk/>
+          <pc:sldMk cId="3453158775" sldId="400"/>
+        </pc:sldMkLst>
+      </pc:sldChg>
+      <pc:sldChg chg="del">
+        <pc:chgData name="Mike B" userId="5c4bf6a326bf31f5" providerId="LiveId" clId="{7DF94DDA-9ECE-405F-9D9F-F38BC4F3E028}" dt="2021-02-28T14:33:26.575" v="422" actId="2696"/>
+        <pc:sldMkLst>
+          <pc:docMk/>
+          <pc:sldMk cId="481810420" sldId="401"/>
+        </pc:sldMkLst>
+      </pc:sldChg>
+      <pc:sldChg chg="del">
+        <pc:chgData name="Mike B" userId="5c4bf6a326bf31f5" providerId="LiveId" clId="{7DF94DDA-9ECE-405F-9D9F-F38BC4F3E028}" dt="2021-02-28T14:33:26.575" v="422" actId="2696"/>
+        <pc:sldMkLst>
+          <pc:docMk/>
+          <pc:sldMk cId="2904931866" sldId="402"/>
+        </pc:sldMkLst>
+      </pc:sldChg>
+      <pc:sldChg chg="del">
+        <pc:chgData name="Mike B" userId="5c4bf6a326bf31f5" providerId="LiveId" clId="{7DF94DDA-9ECE-405F-9D9F-F38BC4F3E028}" dt="2021-02-28T14:29:38.514" v="210" actId="2696"/>
+        <pc:sldMkLst>
+          <pc:docMk/>
+          <pc:sldMk cId="748917724" sldId="403"/>
+        </pc:sldMkLst>
+      </pc:sldChg>
+      <pc:sldChg chg="del">
+        <pc:chgData name="Mike B" userId="5c4bf6a326bf31f5" providerId="LiveId" clId="{7DF94DDA-9ECE-405F-9D9F-F38BC4F3E028}" dt="2021-02-28T14:29:38.514" v="210" actId="2696"/>
+        <pc:sldMkLst>
+          <pc:docMk/>
+          <pc:sldMk cId="809038985" sldId="404"/>
+        </pc:sldMkLst>
+      </pc:sldChg>
+      <pc:sldChg chg="del">
+        <pc:chgData name="Mike B" userId="5c4bf6a326bf31f5" providerId="LiveId" clId="{7DF94DDA-9ECE-405F-9D9F-F38BC4F3E028}" dt="2021-02-28T14:29:38.514" v="210" actId="2696"/>
+        <pc:sldMkLst>
+          <pc:docMk/>
+          <pc:sldMk cId="2541846438" sldId="405"/>
+        </pc:sldMkLst>
+      </pc:sldChg>
+      <pc:sldChg chg="del">
+        <pc:chgData name="Mike B" userId="5c4bf6a326bf31f5" providerId="LiveId" clId="{7DF94DDA-9ECE-405F-9D9F-F38BC4F3E028}" dt="2021-02-28T14:29:38.514" v="210" actId="2696"/>
+        <pc:sldMkLst>
+          <pc:docMk/>
+          <pc:sldMk cId="1493681060" sldId="406"/>
+        </pc:sldMkLst>
+      </pc:sldChg>
+      <pc:sldChg chg="del">
+        <pc:chgData name="Mike B" userId="5c4bf6a326bf31f5" providerId="LiveId" clId="{7DF94DDA-9ECE-405F-9D9F-F38BC4F3E028}" dt="2021-02-28T14:29:38.514" v="210" actId="2696"/>
+        <pc:sldMkLst>
+          <pc:docMk/>
+          <pc:sldMk cId="4065525516" sldId="407"/>
+        </pc:sldMkLst>
+      </pc:sldChg>
+      <pc:sldChg chg="del">
+        <pc:chgData name="Mike B" userId="5c4bf6a326bf31f5" providerId="LiveId" clId="{7DF94DDA-9ECE-405F-9D9F-F38BC4F3E028}" dt="2021-02-28T14:29:38.514" v="210" actId="2696"/>
+        <pc:sldMkLst>
+          <pc:docMk/>
+          <pc:sldMk cId="2884384314" sldId="408"/>
+        </pc:sldMkLst>
+      </pc:sldChg>
+      <pc:sldChg chg="del">
+        <pc:chgData name="Mike B" userId="5c4bf6a326bf31f5" providerId="LiveId" clId="{7DF94DDA-9ECE-405F-9D9F-F38BC4F3E028}" dt="2021-02-28T14:29:38.514" v="210" actId="2696"/>
+        <pc:sldMkLst>
+          <pc:docMk/>
+          <pc:sldMk cId="782311710" sldId="409"/>
+        </pc:sldMkLst>
+      </pc:sldChg>
+      <pc:sldChg chg="del">
+        <pc:chgData name="Mike B" userId="5c4bf6a326bf31f5" providerId="LiveId" clId="{7DF94DDA-9ECE-405F-9D9F-F38BC4F3E028}" dt="2021-02-28T15:28:32.625" v="1161" actId="47"/>
+        <pc:sldMkLst>
+          <pc:docMk/>
+          <pc:sldMk cId="2207373313" sldId="410"/>
+        </pc:sldMkLst>
+      </pc:sldChg>
+      <pc:sldChg chg="del">
+        <pc:chgData name="Mike B" userId="5c4bf6a326bf31f5" providerId="LiveId" clId="{7DF94DDA-9ECE-405F-9D9F-F38BC4F3E028}" dt="2021-02-28T14:29:27.564" v="209" actId="2696"/>
+        <pc:sldMkLst>
+          <pc:docMk/>
+          <pc:sldMk cId="1530070045" sldId="411"/>
+        </pc:sldMkLst>
+      </pc:sldChg>
+      <pc:sldChg chg="del">
+        <pc:chgData name="Mike B" userId="5c4bf6a326bf31f5" providerId="LiveId" clId="{7DF94DDA-9ECE-405F-9D9F-F38BC4F3E028}" dt="2021-02-28T14:29:27.564" v="209" actId="2696"/>
+        <pc:sldMkLst>
+          <pc:docMk/>
+          <pc:sldMk cId="3518937777" sldId="414"/>
+        </pc:sldMkLst>
+      </pc:sldChg>
+      <pc:sldChg chg="del">
+        <pc:chgData name="Mike B" userId="5c4bf6a326bf31f5" providerId="LiveId" clId="{7DF94DDA-9ECE-405F-9D9F-F38BC4F3E028}" dt="2021-02-28T14:29:43.307" v="211" actId="2696"/>
+        <pc:sldMkLst>
+          <pc:docMk/>
+          <pc:sldMk cId="405960990" sldId="415"/>
+        </pc:sldMkLst>
+      </pc:sldChg>
+      <pc:sldChg chg="del">
+        <pc:chgData name="Mike B" userId="5c4bf6a326bf31f5" providerId="LiveId" clId="{7DF94DDA-9ECE-405F-9D9F-F38BC4F3E028}" dt="2021-02-28T14:33:26.575" v="422" actId="2696"/>
+        <pc:sldMkLst>
+          <pc:docMk/>
+          <pc:sldMk cId="2584877679" sldId="416"/>
+        </pc:sldMkLst>
+      </pc:sldChg>
+      <pc:sldChg chg="del">
+        <pc:chgData name="Mike B" userId="5c4bf6a326bf31f5" providerId="LiveId" clId="{7DF94DDA-9ECE-405F-9D9F-F38BC4F3E028}" dt="2021-02-28T14:33:26.575" v="422" actId="2696"/>
+        <pc:sldMkLst>
+          <pc:docMk/>
+          <pc:sldMk cId="3705536975" sldId="417"/>
+        </pc:sldMkLst>
+      </pc:sldChg>
+      <pc:sldChg chg="del">
+        <pc:chgData name="Mike B" userId="5c4bf6a326bf31f5" providerId="LiveId" clId="{7DF94DDA-9ECE-405F-9D9F-F38BC4F3E028}" dt="2021-02-28T14:33:26.575" v="422" actId="2696"/>
+        <pc:sldMkLst>
+          <pc:docMk/>
+          <pc:sldMk cId="913647142" sldId="418"/>
+        </pc:sldMkLst>
+      </pc:sldChg>
+      <pc:sldChg chg="del">
+        <pc:chgData name="Mike B" userId="5c4bf6a326bf31f5" providerId="LiveId" clId="{7DF94DDA-9ECE-405F-9D9F-F38BC4F3E028}" dt="2021-02-28T14:29:27.564" v="209" actId="2696"/>
+        <pc:sldMkLst>
+          <pc:docMk/>
+          <pc:sldMk cId="1909264245" sldId="419"/>
+        </pc:sldMkLst>
+      </pc:sldChg>
+      <pc:sldChg chg="del">
+        <pc:chgData name="Mike B" userId="5c4bf6a326bf31f5" providerId="LiveId" clId="{7DF94DDA-9ECE-405F-9D9F-F38BC4F3E028}" dt="2021-02-28T14:29:27.564" v="209" actId="2696"/>
+        <pc:sldMkLst>
+          <pc:docMk/>
+          <pc:sldMk cId="3306923412" sldId="420"/>
+        </pc:sldMkLst>
+      </pc:sldChg>
+      <pc:sldChg chg="delSp modSp add mod modAnim">
+        <pc:chgData name="Mike B" userId="5c4bf6a326bf31f5" providerId="LiveId" clId="{7DF94DDA-9ECE-405F-9D9F-F38BC4F3E028}" dt="2021-03-01T04:06:26.618" v="3299" actId="207"/>
         <pc:sldMkLst>
           <pc:docMk/>
           <pc:sldMk cId="3723772096" sldId="461"/>
         </pc:sldMkLst>
         <pc:spChg chg="mod">
-          <ac:chgData name="Mike B" userId="5c4bf6a326bf31f5" providerId="LiveId" clId="{3432D430-2FD5-4C55-B9AB-5F320ADAA244}" dt="2022-02-12T20:23:00.273" v="10" actId="20577"/>
+          <ac:chgData name="Mike B" userId="5c4bf6a326bf31f5" providerId="LiveId" clId="{7DF94DDA-9ECE-405F-9D9F-F38BC4F3E028}" dt="2021-02-28T15:30:54.940" v="1175" actId="20577"/>
           <ac:spMkLst>
             <pc:docMk/>
             <pc:sldMk cId="3723772096" sldId="461"/>
             <ac:spMk id="2" creationId="{00000000-0000-0000-0000-000000000000}"/>
           </ac:spMkLst>
         </pc:spChg>
-      </pc:sldChg>
-      <pc:sldChg chg="modSp">
-        <pc:chgData name="Mike B" userId="5c4bf6a326bf31f5" providerId="LiveId" clId="{3432D430-2FD5-4C55-B9AB-5F320ADAA244}" dt="2022-02-12T20:23:21.673" v="11" actId="20577"/>
+        <pc:spChg chg="mod">
+          <ac:chgData name="Mike B" userId="5c4bf6a326bf31f5" providerId="LiveId" clId="{7DF94DDA-9ECE-405F-9D9F-F38BC4F3E028}" dt="2021-03-01T04:06:26.618" v="3299" actId="207"/>
+          <ac:spMkLst>
+            <pc:docMk/>
+            <pc:sldMk cId="3723772096" sldId="461"/>
+            <ac:spMk id="3" creationId="{00000000-0000-0000-0000-000000000000}"/>
+          </ac:spMkLst>
+        </pc:spChg>
+        <pc:cxnChg chg="del">
+          <ac:chgData name="Mike B" userId="5c4bf6a326bf31f5" providerId="LiveId" clId="{7DF94DDA-9ECE-405F-9D9F-F38BC4F3E028}" dt="2021-02-28T15:03:56.308" v="1061" actId="478"/>
+          <ac:cxnSpMkLst>
+            <pc:docMk/>
+            <pc:sldMk cId="3723772096" sldId="461"/>
+            <ac:cxnSpMk id="4" creationId="{00000000-0000-0000-0000-000000000000}"/>
+          </ac:cxnSpMkLst>
+        </pc:cxnChg>
+      </pc:sldChg>
+      <pc:sldChg chg="addSp delSp modSp add mod">
+        <pc:chgData name="Mike B" userId="5c4bf6a326bf31f5" providerId="LiveId" clId="{7DF94DDA-9ECE-405F-9D9F-F38BC4F3E028}" dt="2021-02-28T23:36:18.382" v="1727" actId="1076"/>
+        <pc:sldMkLst>
+          <pc:docMk/>
+          <pc:sldMk cId="19532457" sldId="479"/>
+        </pc:sldMkLst>
+        <pc:spChg chg="mod">
+          <ac:chgData name="Mike B" userId="5c4bf6a326bf31f5" providerId="LiveId" clId="{7DF94DDA-9ECE-405F-9D9F-F38BC4F3E028}" dt="2021-02-28T15:38:57.406" v="1245" actId="20577"/>
+          <ac:spMkLst>
+            <pc:docMk/>
+            <pc:sldMk cId="19532457" sldId="479"/>
+            <ac:spMk id="3" creationId="{00000000-0000-0000-0000-000000000000}"/>
+          </ac:spMkLst>
+        </pc:spChg>
+        <pc:spChg chg="add mod">
+          <ac:chgData name="Mike B" userId="5c4bf6a326bf31f5" providerId="LiveId" clId="{7DF94DDA-9ECE-405F-9D9F-F38BC4F3E028}" dt="2021-02-28T23:36:18.382" v="1727" actId="1076"/>
+          <ac:spMkLst>
+            <pc:docMk/>
+            <pc:sldMk cId="19532457" sldId="479"/>
+            <ac:spMk id="4" creationId="{E9479C41-BAB3-429A-8F34-7D64BCF3E453}"/>
+          </ac:spMkLst>
+        </pc:spChg>
+        <pc:cxnChg chg="del">
+          <ac:chgData name="Mike B" userId="5c4bf6a326bf31f5" providerId="LiveId" clId="{7DF94DDA-9ECE-405F-9D9F-F38BC4F3E028}" dt="2021-02-28T15:04:14.940" v="1066" actId="478"/>
+          <ac:cxnSpMkLst>
+            <pc:docMk/>
+            <pc:sldMk cId="19532457" sldId="479"/>
+            <ac:cxnSpMk id="4" creationId="{00000000-0000-0000-0000-000000000000}"/>
+          </ac:cxnSpMkLst>
+        </pc:cxnChg>
+      </pc:sldChg>
+      <pc:sldChg chg="delSp modSp add mod">
+        <pc:chgData name="Mike B" userId="5c4bf6a326bf31f5" providerId="LiveId" clId="{7DF94DDA-9ECE-405F-9D9F-F38BC4F3E028}" dt="2021-03-01T04:06:32.551" v="3300" actId="207"/>
+        <pc:sldMkLst>
+          <pc:docMk/>
+          <pc:sldMk cId="1059591430" sldId="527"/>
+        </pc:sldMkLst>
+        <pc:spChg chg="mod">
+          <ac:chgData name="Mike B" userId="5c4bf6a326bf31f5" providerId="LiveId" clId="{7DF94DDA-9ECE-405F-9D9F-F38BC4F3E028}" dt="2021-02-28T15:03:40.182" v="1058" actId="27636"/>
+          <ac:spMkLst>
+            <pc:docMk/>
+            <pc:sldMk cId="1059591430" sldId="527"/>
+            <ac:spMk id="2" creationId="{00000000-0000-0000-0000-000000000000}"/>
+          </ac:spMkLst>
+        </pc:spChg>
+        <pc:spChg chg="mod">
+          <ac:chgData name="Mike B" userId="5c4bf6a326bf31f5" providerId="LiveId" clId="{7DF94DDA-9ECE-405F-9D9F-F38BC4F3E028}" dt="2021-03-01T04:06:32.551" v="3300" actId="207"/>
+          <ac:spMkLst>
+            <pc:docMk/>
+            <pc:sldMk cId="1059591430" sldId="527"/>
+            <ac:spMk id="3" creationId="{00000000-0000-0000-0000-000000000000}"/>
+          </ac:spMkLst>
+        </pc:spChg>
+        <pc:cxnChg chg="del">
+          <ac:chgData name="Mike B" userId="5c4bf6a326bf31f5" providerId="LiveId" clId="{7DF94DDA-9ECE-405F-9D9F-F38BC4F3E028}" dt="2021-02-28T15:04:03.582" v="1063" actId="478"/>
+          <ac:cxnSpMkLst>
+            <pc:docMk/>
+            <pc:sldMk cId="1059591430" sldId="527"/>
+            <ac:cxnSpMk id="4" creationId="{00000000-0000-0000-0000-000000000000}"/>
+          </ac:cxnSpMkLst>
+        </pc:cxnChg>
+      </pc:sldChg>
+      <pc:sldChg chg="delSp modSp add mod">
+        <pc:chgData name="Mike B" userId="5c4bf6a326bf31f5" providerId="LiveId" clId="{7DF94DDA-9ECE-405F-9D9F-F38BC4F3E028}" dt="2021-03-01T04:06:53.159" v="3302" actId="207"/>
         <pc:sldMkLst>
           <pc:docMk/>
           <pc:sldMk cId="881136697" sldId="529"/>
         </pc:sldMkLst>
         <pc:spChg chg="mod">
-          <ac:chgData name="Mike B" userId="5c4bf6a326bf31f5" providerId="LiveId" clId="{3432D430-2FD5-4C55-B9AB-5F320ADAA244}" dt="2022-02-12T20:23:21.673" v="11" actId="20577"/>
+          <ac:chgData name="Mike B" userId="5c4bf6a326bf31f5" providerId="LiveId" clId="{7DF94DDA-9ECE-405F-9D9F-F38BC4F3E028}" dt="2021-03-01T04:06:53.159" v="3302" actId="207"/>
           <ac:spMkLst>
             <pc:docMk/>
             <pc:sldMk cId="881136697" sldId="529"/>
             <ac:spMk id="3" creationId="{00000000-0000-0000-0000-000000000000}"/>
           </ac:spMkLst>
         </pc:spChg>
-      </pc:sldChg>
-      <pc:sldChg chg="modSp mod">
-        <pc:chgData name="Mike B" userId="5c4bf6a326bf31f5" providerId="LiveId" clId="{3432D430-2FD5-4C55-B9AB-5F320ADAA244}" dt="2022-02-12T20:25:33.498" v="39" actId="20577"/>
+        <pc:cxnChg chg="del">
+          <ac:chgData name="Mike B" userId="5c4bf6a326bf31f5" providerId="LiveId" clId="{7DF94DDA-9ECE-405F-9D9F-F38BC4F3E028}" dt="2021-02-28T15:04:07.755" v="1064" actId="478"/>
+          <ac:cxnSpMkLst>
+            <pc:docMk/>
+            <pc:sldMk cId="881136697" sldId="529"/>
+            <ac:cxnSpMk id="4" creationId="{00000000-0000-0000-0000-000000000000}"/>
+          </ac:cxnSpMkLst>
+        </pc:cxnChg>
+      </pc:sldChg>
+      <pc:sldChg chg="delSp modSp add mod">
+        <pc:chgData name="Mike B" userId="5c4bf6a326bf31f5" providerId="LiveId" clId="{7DF94DDA-9ECE-405F-9D9F-F38BC4F3E028}" dt="2021-03-01T04:07:01.320" v="3303" actId="207"/>
+        <pc:sldMkLst>
+          <pc:docMk/>
+          <pc:sldMk cId="1325292419" sldId="530"/>
+        </pc:sldMkLst>
+        <pc:spChg chg="mod">
+          <ac:chgData name="Mike B" userId="5c4bf6a326bf31f5" providerId="LiveId" clId="{7DF94DDA-9ECE-405F-9D9F-F38BC4F3E028}" dt="2021-03-01T04:07:01.320" v="3303" actId="207"/>
+          <ac:spMkLst>
+            <pc:docMk/>
+            <pc:sldMk cId="1325292419" sldId="530"/>
+            <ac:spMk id="3" creationId="{00000000-0000-0000-0000-000000000000}"/>
+          </ac:spMkLst>
+        </pc:spChg>
+        <pc:cxnChg chg="del">
+          <ac:chgData name="Mike B" userId="5c4bf6a326bf31f5" providerId="LiveId" clId="{7DF94DDA-9ECE-405F-9D9F-F38BC4F3E028}" dt="2021-02-28T15:04:18.639" v="1067" actId="478"/>
+          <ac:cxnSpMkLst>
+            <pc:docMk/>
+            <pc:sldMk cId="1325292419" sldId="530"/>
+            <ac:cxnSpMk id="4" creationId="{00000000-0000-0000-0000-000000000000}"/>
+          </ac:cxnSpMkLst>
+        </pc:cxnChg>
+      </pc:sldChg>
+      <pc:sldChg chg="delSp modSp add mod">
+        <pc:chgData name="Mike B" userId="5c4bf6a326bf31f5" providerId="LiveId" clId="{7DF94DDA-9ECE-405F-9D9F-F38BC4F3E028}" dt="2021-03-01T04:51:41.079" v="4283" actId="313"/>
+        <pc:sldMkLst>
+          <pc:docMk/>
+          <pc:sldMk cId="1907372075" sldId="531"/>
+        </pc:sldMkLst>
+        <pc:spChg chg="mod">
+          <ac:chgData name="Mike B" userId="5c4bf6a326bf31f5" providerId="LiveId" clId="{7DF94DDA-9ECE-405F-9D9F-F38BC4F3E028}" dt="2021-03-01T04:07:47.090" v="3314" actId="207"/>
+          <ac:spMkLst>
+            <pc:docMk/>
+            <pc:sldMk cId="1907372075" sldId="531"/>
+            <ac:spMk id="3" creationId="{00000000-0000-0000-0000-000000000000}"/>
+          </ac:spMkLst>
+        </pc:spChg>
+        <pc:spChg chg="mod">
+          <ac:chgData name="Mike B" userId="5c4bf6a326bf31f5" providerId="LiveId" clId="{7DF94DDA-9ECE-405F-9D9F-F38BC4F3E028}" dt="2021-02-28T23:40:16.938" v="1767" actId="1035"/>
+          <ac:spMkLst>
+            <pc:docMk/>
+            <pc:sldMk cId="1907372075" sldId="531"/>
+            <ac:spMk id="5" creationId="{00000000-0000-0000-0000-000000000000}"/>
+          </ac:spMkLst>
+        </pc:spChg>
+        <pc:spChg chg="mod">
+          <ac:chgData name="Mike B" userId="5c4bf6a326bf31f5" providerId="LiveId" clId="{7DF94DDA-9ECE-405F-9D9F-F38BC4F3E028}" dt="2021-03-01T04:51:41.079" v="4283" actId="313"/>
+          <ac:spMkLst>
+            <pc:docMk/>
+            <pc:sldMk cId="1907372075" sldId="531"/>
+            <ac:spMk id="6" creationId="{00000000-0000-0000-0000-000000000000}"/>
+          </ac:spMkLst>
+        </pc:spChg>
+        <pc:cxnChg chg="del">
+          <ac:chgData name="Mike B" userId="5c4bf6a326bf31f5" providerId="LiveId" clId="{7DF94DDA-9ECE-405F-9D9F-F38BC4F3E028}" dt="2021-02-28T15:06:33.272" v="1078" actId="478"/>
+          <ac:cxnSpMkLst>
+            <pc:docMk/>
+            <pc:sldMk cId="1907372075" sldId="531"/>
+            <ac:cxnSpMk id="4" creationId="{00000000-0000-0000-0000-000000000000}"/>
+          </ac:cxnSpMkLst>
+        </pc:cxnChg>
+      </pc:sldChg>
+      <pc:sldChg chg="delSp modSp add mod">
+        <pc:chgData name="Mike B" userId="5c4bf6a326bf31f5" providerId="LiveId" clId="{7DF94DDA-9ECE-405F-9D9F-F38BC4F3E028}" dt="2021-03-01T04:08:08.652" v="3320" actId="207"/>
+        <pc:sldMkLst>
+          <pc:docMk/>
+          <pc:sldMk cId="93588987" sldId="532"/>
+        </pc:sldMkLst>
+        <pc:spChg chg="mod">
+          <ac:chgData name="Mike B" userId="5c4bf6a326bf31f5" providerId="LiveId" clId="{7DF94DDA-9ECE-405F-9D9F-F38BC4F3E028}" dt="2021-02-28T23:45:49.089" v="1873" actId="20577"/>
+          <ac:spMkLst>
+            <pc:docMk/>
+            <pc:sldMk cId="93588987" sldId="532"/>
+            <ac:spMk id="2" creationId="{00000000-0000-0000-0000-000000000000}"/>
+          </ac:spMkLst>
+        </pc:spChg>
+        <pc:spChg chg="mod">
+          <ac:chgData name="Mike B" userId="5c4bf6a326bf31f5" providerId="LiveId" clId="{7DF94DDA-9ECE-405F-9D9F-F38BC4F3E028}" dt="2021-03-01T04:08:08.652" v="3320" actId="207"/>
+          <ac:spMkLst>
+            <pc:docMk/>
+            <pc:sldMk cId="93588987" sldId="532"/>
+            <ac:spMk id="3" creationId="{00000000-0000-0000-0000-000000000000}"/>
+          </ac:spMkLst>
+        </pc:spChg>
+        <pc:cxnChg chg="del">
+          <ac:chgData name="Mike B" userId="5c4bf6a326bf31f5" providerId="LiveId" clId="{7DF94DDA-9ECE-405F-9D9F-F38BC4F3E028}" dt="2021-02-28T15:08:47.183" v="1090" actId="478"/>
+          <ac:cxnSpMkLst>
+            <pc:docMk/>
+            <pc:sldMk cId="93588987" sldId="532"/>
+            <ac:cxnSpMk id="4" creationId="{00000000-0000-0000-0000-000000000000}"/>
+          </ac:cxnSpMkLst>
+        </pc:cxnChg>
+      </pc:sldChg>
+      <pc:sldChg chg="delSp add del mod">
+        <pc:chgData name="Mike B" userId="5c4bf6a326bf31f5" providerId="LiveId" clId="{7DF94DDA-9ECE-405F-9D9F-F38BC4F3E028}" dt="2021-02-28T15:31:05.802" v="1176" actId="47"/>
+        <pc:sldMkLst>
+          <pc:docMk/>
+          <pc:sldMk cId="175656085" sldId="534"/>
+        </pc:sldMkLst>
+        <pc:cxnChg chg="del">
+          <ac:chgData name="Mike B" userId="5c4bf6a326bf31f5" providerId="LiveId" clId="{7DF94DDA-9ECE-405F-9D9F-F38BC4F3E028}" dt="2021-02-28T15:04:00.088" v="1062" actId="478"/>
+          <ac:cxnSpMkLst>
+            <pc:docMk/>
+            <pc:sldMk cId="175656085" sldId="534"/>
+            <ac:cxnSpMk id="4" creationId="{00000000-0000-0000-0000-000000000000}"/>
+          </ac:cxnSpMkLst>
+        </pc:cxnChg>
+      </pc:sldChg>
+      <pc:sldChg chg="delSp modSp add mod">
+        <pc:chgData name="Mike B" userId="5c4bf6a326bf31f5" providerId="LiveId" clId="{7DF94DDA-9ECE-405F-9D9F-F38BC4F3E028}" dt="2021-03-01T04:08:34.571" v="3341" actId="207"/>
+        <pc:sldMkLst>
+          <pc:docMk/>
+          <pc:sldMk cId="2978715153" sldId="535"/>
+        </pc:sldMkLst>
+        <pc:spChg chg="mod">
+          <ac:chgData name="Mike B" userId="5c4bf6a326bf31f5" providerId="LiveId" clId="{7DF94DDA-9ECE-405F-9D9F-F38BC4F3E028}" dt="2021-02-28T15:10:31.101" v="1109" actId="20577"/>
+          <ac:spMkLst>
+            <pc:docMk/>
+            <pc:sldMk cId="2978715153" sldId="535"/>
+            <ac:spMk id="2" creationId="{00000000-0000-0000-0000-000000000000}"/>
+          </ac:spMkLst>
+        </pc:spChg>
+        <pc:spChg chg="mod">
+          <ac:chgData name="Mike B" userId="5c4bf6a326bf31f5" providerId="LiveId" clId="{7DF94DDA-9ECE-405F-9D9F-F38BC4F3E028}" dt="2021-03-01T04:08:34.571" v="3341" actId="207"/>
+          <ac:spMkLst>
+            <pc:docMk/>
+            <pc:sldMk cId="2978715153" sldId="535"/>
+            <ac:spMk id="3" creationId="{00000000-0000-0000-0000-000000000000}"/>
+          </ac:spMkLst>
+        </pc:spChg>
+        <pc:cxnChg chg="del">
+          <ac:chgData name="Mike B" userId="5c4bf6a326bf31f5" providerId="LiveId" clId="{7DF94DDA-9ECE-405F-9D9F-F38BC4F3E028}" dt="2021-02-28T15:10:26.391" v="1097" actId="478"/>
+          <ac:cxnSpMkLst>
+            <pc:docMk/>
+            <pc:sldMk cId="2978715153" sldId="535"/>
+            <ac:cxnSpMk id="4" creationId="{00000000-0000-0000-0000-000000000000}"/>
+          </ac:cxnSpMkLst>
+        </pc:cxnChg>
+      </pc:sldChg>
+      <pc:sldChg chg="delSp modSp add mod modAnim">
+        <pc:chgData name="Mike B" userId="5c4bf6a326bf31f5" providerId="LiveId" clId="{7DF94DDA-9ECE-405F-9D9F-F38BC4F3E028}" dt="2021-03-01T04:07:10.674" v="3305" actId="207"/>
+        <pc:sldMkLst>
+          <pc:docMk/>
+          <pc:sldMk cId="3692545775" sldId="539"/>
+        </pc:sldMkLst>
+        <pc:spChg chg="mod">
+          <ac:chgData name="Mike B" userId="5c4bf6a326bf31f5" providerId="LiveId" clId="{7DF94DDA-9ECE-405F-9D9F-F38BC4F3E028}" dt="2021-03-01T04:07:10.674" v="3305" actId="207"/>
+          <ac:spMkLst>
+            <pc:docMk/>
+            <pc:sldMk cId="3692545775" sldId="539"/>
+            <ac:spMk id="3" creationId="{00000000-0000-0000-0000-000000000000}"/>
+          </ac:spMkLst>
+        </pc:spChg>
+        <pc:cxnChg chg="del">
+          <ac:chgData name="Mike B" userId="5c4bf6a326bf31f5" providerId="LiveId" clId="{7DF94DDA-9ECE-405F-9D9F-F38BC4F3E028}" dt="2021-02-28T15:04:22.525" v="1068" actId="478"/>
+          <ac:cxnSpMkLst>
+            <pc:docMk/>
+            <pc:sldMk cId="3692545775" sldId="539"/>
+            <ac:cxnSpMk id="4" creationId="{00000000-0000-0000-0000-000000000000}"/>
+          </ac:cxnSpMkLst>
+        </pc:cxnChg>
+      </pc:sldChg>
+      <pc:sldChg chg="delSp modSp add mod">
+        <pc:chgData name="Mike B" userId="5c4bf6a326bf31f5" providerId="LiveId" clId="{7DF94DDA-9ECE-405F-9D9F-F38BC4F3E028}" dt="2021-03-01T04:07:19.815" v="3307" actId="207"/>
+        <pc:sldMkLst>
+          <pc:docMk/>
+          <pc:sldMk cId="3962995087" sldId="540"/>
+        </pc:sldMkLst>
+        <pc:spChg chg="mod">
+          <ac:chgData name="Mike B" userId="5c4bf6a326bf31f5" providerId="LiveId" clId="{7DF94DDA-9ECE-405F-9D9F-F38BC4F3E028}" dt="2021-03-01T04:07:19.815" v="3307" actId="207"/>
+          <ac:spMkLst>
+            <pc:docMk/>
+            <pc:sldMk cId="3962995087" sldId="540"/>
+            <ac:spMk id="3" creationId="{00000000-0000-0000-0000-000000000000}"/>
+          </ac:spMkLst>
+        </pc:spChg>
+        <pc:spChg chg="mod">
+          <ac:chgData name="Mike B" userId="5c4bf6a326bf31f5" providerId="LiveId" clId="{7DF94DDA-9ECE-405F-9D9F-F38BC4F3E028}" dt="2021-02-28T23:37:45.814" v="1741" actId="1076"/>
+          <ac:spMkLst>
+            <pc:docMk/>
+            <pc:sldMk cId="3962995087" sldId="540"/>
+            <ac:spMk id="6" creationId="{6A45DF02-8249-4545-B6E2-1EB0E8B565D6}"/>
+          </ac:spMkLst>
+        </pc:spChg>
+        <pc:cxnChg chg="del">
+          <ac:chgData name="Mike B" userId="5c4bf6a326bf31f5" providerId="LiveId" clId="{7DF94DDA-9ECE-405F-9D9F-F38BC4F3E028}" dt="2021-02-28T15:04:28.879" v="1070" actId="478"/>
+          <ac:cxnSpMkLst>
+            <pc:docMk/>
+            <pc:sldMk cId="3962995087" sldId="540"/>
+            <ac:cxnSpMk id="4" creationId="{00000000-0000-0000-0000-000000000000}"/>
+          </ac:cxnSpMkLst>
+        </pc:cxnChg>
+      </pc:sldChg>
+      <pc:sldChg chg="addSp delSp modSp add mod">
+        <pc:chgData name="Mike B" userId="5c4bf6a326bf31f5" providerId="LiveId" clId="{7DF94DDA-9ECE-405F-9D9F-F38BC4F3E028}" dt="2021-03-01T04:07:25.838" v="3309" actId="207"/>
+        <pc:sldMkLst>
+          <pc:docMk/>
+          <pc:sldMk cId="3582481671" sldId="541"/>
+        </pc:sldMkLst>
+        <pc:spChg chg="mod">
+          <ac:chgData name="Mike B" userId="5c4bf6a326bf31f5" providerId="LiveId" clId="{7DF94DDA-9ECE-405F-9D9F-F38BC4F3E028}" dt="2021-03-01T04:07:23.129" v="3308" actId="207"/>
+          <ac:spMkLst>
+            <pc:docMk/>
+            <pc:sldMk cId="3582481671" sldId="541"/>
+            <ac:spMk id="3" creationId="{00000000-0000-0000-0000-000000000000}"/>
+          </ac:spMkLst>
+        </pc:spChg>
+        <pc:spChg chg="mod">
+          <ac:chgData name="Mike B" userId="5c4bf6a326bf31f5" providerId="LiveId" clId="{7DF94DDA-9ECE-405F-9D9F-F38BC4F3E028}" dt="2021-02-28T23:38:01.993" v="1744" actId="1076"/>
+          <ac:spMkLst>
+            <pc:docMk/>
+            <pc:sldMk cId="3582481671" sldId="541"/>
+            <ac:spMk id="6" creationId="{A3160733-2392-4DF5-84F8-18CEA7EDDAE6}"/>
+          </ac:spMkLst>
+        </pc:spChg>
+        <pc:spChg chg="add mod">
+          <ac:chgData name="Mike B" userId="5c4bf6a326bf31f5" providerId="LiveId" clId="{7DF94DDA-9ECE-405F-9D9F-F38BC4F3E028}" dt="2021-03-01T04:07:25.838" v="3309" actId="207"/>
+          <ac:spMkLst>
+            <pc:docMk/>
+            <pc:sldMk cId="3582481671" sldId="541"/>
+            <ac:spMk id="7" creationId="{6EA6FD59-23CF-40B8-BDF1-443A09C544E8}"/>
+          </ac:spMkLst>
+        </pc:spChg>
+        <pc:spChg chg="add mod">
+          <ac:chgData name="Mike B" userId="5c4bf6a326bf31f5" providerId="LiveId" clId="{7DF94DDA-9ECE-405F-9D9F-F38BC4F3E028}" dt="2021-02-28T23:38:39.483" v="1750" actId="1076"/>
+          <ac:spMkLst>
+            <pc:docMk/>
+            <pc:sldMk cId="3582481671" sldId="541"/>
+            <ac:spMk id="8" creationId="{C7D25D19-4B94-449C-886D-DA7BC54D1279}"/>
+          </ac:spMkLst>
+        </pc:spChg>
+        <pc:cxnChg chg="del">
+          <ac:chgData name="Mike B" userId="5c4bf6a326bf31f5" providerId="LiveId" clId="{7DF94DDA-9ECE-405F-9D9F-F38BC4F3E028}" dt="2021-02-28T15:04:32.367" v="1071" actId="478"/>
+          <ac:cxnSpMkLst>
+            <pc:docMk/>
+            <pc:sldMk cId="3582481671" sldId="541"/>
+            <ac:cxnSpMk id="4" creationId="{00000000-0000-0000-0000-000000000000}"/>
+          </ac:cxnSpMkLst>
+        </pc:cxnChg>
+      </pc:sldChg>
+      <pc:sldChg chg="delSp modSp add mod">
+        <pc:chgData name="Mike B" userId="5c4bf6a326bf31f5" providerId="LiveId" clId="{7DF94DDA-9ECE-405F-9D9F-F38BC4F3E028}" dt="2021-03-01T04:07:31.105" v="3310" actId="207"/>
+        <pc:sldMkLst>
+          <pc:docMk/>
+          <pc:sldMk cId="3588296458" sldId="542"/>
+        </pc:sldMkLst>
+        <pc:spChg chg="mod">
+          <ac:chgData name="Mike B" userId="5c4bf6a326bf31f5" providerId="LiveId" clId="{7DF94DDA-9ECE-405F-9D9F-F38BC4F3E028}" dt="2021-03-01T04:07:31.105" v="3310" actId="207"/>
+          <ac:spMkLst>
+            <pc:docMk/>
+            <pc:sldMk cId="3588296458" sldId="542"/>
+            <ac:spMk id="3" creationId="{00000000-0000-0000-0000-000000000000}"/>
+          </ac:spMkLst>
+        </pc:spChg>
+        <pc:cxnChg chg="del">
+          <ac:chgData name="Mike B" userId="5c4bf6a326bf31f5" providerId="LiveId" clId="{7DF94DDA-9ECE-405F-9D9F-F38BC4F3E028}" dt="2021-02-28T15:04:42.670" v="1074" actId="478"/>
+          <ac:cxnSpMkLst>
+            <pc:docMk/>
+            <pc:sldMk cId="3588296458" sldId="542"/>
+            <ac:cxnSpMk id="4" creationId="{00000000-0000-0000-0000-000000000000}"/>
+          </ac:cxnSpMkLst>
+        </pc:cxnChg>
+      </pc:sldChg>
+      <pc:sldChg chg="delSp modSp add mod">
+        <pc:chgData name="Mike B" userId="5c4bf6a326bf31f5" providerId="LiveId" clId="{7DF94DDA-9ECE-405F-9D9F-F38BC4F3E028}" dt="2021-03-01T04:50:29.739" v="4278" actId="1035"/>
+        <pc:sldMkLst>
+          <pc:docMk/>
+          <pc:sldMk cId="2842592576" sldId="543"/>
+        </pc:sldMkLst>
+        <pc:spChg chg="mod">
+          <ac:chgData name="Mike B" userId="5c4bf6a326bf31f5" providerId="LiveId" clId="{7DF94DDA-9ECE-405F-9D9F-F38BC4F3E028}" dt="2021-02-28T15:03:40.239" v="1059" actId="27636"/>
+          <ac:spMkLst>
+            <pc:docMk/>
+            <pc:sldMk cId="2842592576" sldId="543"/>
+            <ac:spMk id="2" creationId="{00000000-0000-0000-0000-000000000000}"/>
+          </ac:spMkLst>
+        </pc:spChg>
+        <pc:spChg chg="mod">
+          <ac:chgData name="Mike B" userId="5c4bf6a326bf31f5" providerId="LiveId" clId="{7DF94DDA-9ECE-405F-9D9F-F38BC4F3E028}" dt="2021-03-01T04:07:36.304" v="3311" actId="207"/>
+          <ac:spMkLst>
+            <pc:docMk/>
+            <pc:sldMk cId="2842592576" sldId="543"/>
+            <ac:spMk id="3" creationId="{00000000-0000-0000-0000-000000000000}"/>
+          </ac:spMkLst>
+        </pc:spChg>
+        <pc:spChg chg="mod">
+          <ac:chgData name="Mike B" userId="5c4bf6a326bf31f5" providerId="LiveId" clId="{7DF94DDA-9ECE-405F-9D9F-F38BC4F3E028}" dt="2021-03-01T04:50:29.739" v="4278" actId="1035"/>
+          <ac:spMkLst>
+            <pc:docMk/>
+            <pc:sldMk cId="2842592576" sldId="543"/>
+            <ac:spMk id="10" creationId="{83801C14-2201-4CF4-AF88-5AE428E47E94}"/>
+          </ac:spMkLst>
+        </pc:spChg>
+        <pc:cxnChg chg="del">
+          <ac:chgData name="Mike B" userId="5c4bf6a326bf31f5" providerId="LiveId" clId="{7DF94DDA-9ECE-405F-9D9F-F38BC4F3E028}" dt="2021-02-28T15:04:46.009" v="1075" actId="478"/>
+          <ac:cxnSpMkLst>
+            <pc:docMk/>
+            <pc:sldMk cId="2842592576" sldId="543"/>
+            <ac:cxnSpMk id="4" creationId="{00000000-0000-0000-0000-000000000000}"/>
+          </ac:cxnSpMkLst>
+        </pc:cxnChg>
+      </pc:sldChg>
+      <pc:sldChg chg="addSp delSp modSp add mod">
+        <pc:chgData name="Mike B" userId="5c4bf6a326bf31f5" providerId="LiveId" clId="{7DF94DDA-9ECE-405F-9D9F-F38BC4F3E028}" dt="2021-03-01T04:51:44.564" v="4285" actId="313"/>
+        <pc:sldMkLst>
+          <pc:docMk/>
+          <pc:sldMk cId="1827963335" sldId="546"/>
+        </pc:sldMkLst>
+        <pc:spChg chg="mod">
+          <ac:chgData name="Mike B" userId="5c4bf6a326bf31f5" providerId="LiveId" clId="{7DF94DDA-9ECE-405F-9D9F-F38BC4F3E028}" dt="2021-03-01T04:07:50.322" v="3315" actId="207"/>
+          <ac:spMkLst>
+            <pc:docMk/>
+            <pc:sldMk cId="1827963335" sldId="546"/>
+            <ac:spMk id="3" creationId="{00000000-0000-0000-0000-000000000000}"/>
+          </ac:spMkLst>
+        </pc:spChg>
+        <pc:spChg chg="del mod">
+          <ac:chgData name="Mike B" userId="5c4bf6a326bf31f5" providerId="LiveId" clId="{7DF94DDA-9ECE-405F-9D9F-F38BC4F3E028}" dt="2021-02-28T23:43:33.588" v="1821" actId="478"/>
+          <ac:spMkLst>
+            <pc:docMk/>
+            <pc:sldMk cId="1827963335" sldId="546"/>
+            <ac:spMk id="5" creationId="{00000000-0000-0000-0000-000000000000}"/>
+          </ac:spMkLst>
+        </pc:spChg>
+        <pc:spChg chg="add mod">
+          <ac:chgData name="Mike B" userId="5c4bf6a326bf31f5" providerId="LiveId" clId="{7DF94DDA-9ECE-405F-9D9F-F38BC4F3E028}" dt="2021-03-01T04:51:07.052" v="4279"/>
+          <ac:spMkLst>
+            <pc:docMk/>
+            <pc:sldMk cId="1827963335" sldId="546"/>
+            <ac:spMk id="5" creationId="{A3327086-DF26-4D4D-BB7B-5BB6AB656859}"/>
+          </ac:spMkLst>
+        </pc:spChg>
+        <pc:spChg chg="del mod">
+          <ac:chgData name="Mike B" userId="5c4bf6a326bf31f5" providerId="LiveId" clId="{7DF94DDA-9ECE-405F-9D9F-F38BC4F3E028}" dt="2021-02-28T23:43:33.588" v="1821" actId="478"/>
+          <ac:spMkLst>
+            <pc:docMk/>
+            <pc:sldMk cId="1827963335" sldId="546"/>
+            <ac:spMk id="6" creationId="{00000000-0000-0000-0000-000000000000}"/>
+          </ac:spMkLst>
+        </pc:spChg>
+        <pc:spChg chg="add mod">
+          <ac:chgData name="Mike B" userId="5c4bf6a326bf31f5" providerId="LiveId" clId="{7DF94DDA-9ECE-405F-9D9F-F38BC4F3E028}" dt="2021-03-01T04:51:44.564" v="4285" actId="313"/>
+          <ac:spMkLst>
+            <pc:docMk/>
+            <pc:sldMk cId="1827963335" sldId="546"/>
+            <ac:spMk id="6" creationId="{4B7B5741-F367-4F71-BCE4-52C01146FFBB}"/>
+          </ac:spMkLst>
+        </pc:spChg>
+        <pc:cxnChg chg="del">
+          <ac:chgData name="Mike B" userId="5c4bf6a326bf31f5" providerId="LiveId" clId="{7DF94DDA-9ECE-405F-9D9F-F38BC4F3E028}" dt="2021-02-28T15:06:36.127" v="1079" actId="478"/>
+          <ac:cxnSpMkLst>
+            <pc:docMk/>
+            <pc:sldMk cId="1827963335" sldId="546"/>
+            <ac:cxnSpMk id="4" creationId="{00000000-0000-0000-0000-000000000000}"/>
+          </ac:cxnSpMkLst>
+        </pc:cxnChg>
+      </pc:sldChg>
+      <pc:sldChg chg="addSp delSp modSp add mod">
+        <pc:chgData name="Mike B" userId="5c4bf6a326bf31f5" providerId="LiveId" clId="{7DF94DDA-9ECE-405F-9D9F-F38BC4F3E028}" dt="2021-03-01T04:51:47.755" v="4287" actId="313"/>
         <pc:sldMkLst>
           <pc:docMk/>
           <pc:sldMk cId="834623402" sldId="547"/>
         </pc:sldMkLst>
         <pc:spChg chg="mod">
-          <ac:chgData name="Mike B" userId="5c4bf6a326bf31f5" providerId="LiveId" clId="{3432D430-2FD5-4C55-B9AB-5F320ADAA244}" dt="2022-02-12T20:25:33.498" v="39" actId="20577"/>
+          <ac:chgData name="Mike B" userId="5c4bf6a326bf31f5" providerId="LiveId" clId="{7DF94DDA-9ECE-405F-9D9F-F38BC4F3E028}" dt="2021-03-01T04:07:53.533" v="3316" actId="207"/>
           <ac:spMkLst>
             <pc:docMk/>
             <pc:sldMk cId="834623402" sldId="547"/>
             <ac:spMk id="3" creationId="{00000000-0000-0000-0000-000000000000}"/>
           </ac:spMkLst>
         </pc:spChg>
-      </pc:sldChg>
-      <pc:sldChg chg="modSp mod">
-        <pc:chgData name="Mike B" userId="5c4bf6a326bf31f5" providerId="LiveId" clId="{3432D430-2FD5-4C55-B9AB-5F320ADAA244}" dt="2022-02-12T20:25:57.985" v="51" actId="20577"/>
+        <pc:spChg chg="del">
+          <ac:chgData name="Mike B" userId="5c4bf6a326bf31f5" providerId="LiveId" clId="{7DF94DDA-9ECE-405F-9D9F-F38BC4F3E028}" dt="2021-02-28T23:43:37.769" v="1822" actId="478"/>
+          <ac:spMkLst>
+            <pc:docMk/>
+            <pc:sldMk cId="834623402" sldId="547"/>
+            <ac:spMk id="5" creationId="{00000000-0000-0000-0000-000000000000}"/>
+          </ac:spMkLst>
+        </pc:spChg>
+        <pc:spChg chg="add mod">
+          <ac:chgData name="Mike B" userId="5c4bf6a326bf31f5" providerId="LiveId" clId="{7DF94DDA-9ECE-405F-9D9F-F38BC4F3E028}" dt="2021-03-01T04:51:09.948" v="4280"/>
+          <ac:spMkLst>
+            <pc:docMk/>
+            <pc:sldMk cId="834623402" sldId="547"/>
+            <ac:spMk id="5" creationId="{69863AD1-5CB6-4D26-9D87-3588D49B02FC}"/>
+          </ac:spMkLst>
+        </pc:spChg>
+        <pc:spChg chg="del">
+          <ac:chgData name="Mike B" userId="5c4bf6a326bf31f5" providerId="LiveId" clId="{7DF94DDA-9ECE-405F-9D9F-F38BC4F3E028}" dt="2021-02-28T23:43:37.769" v="1822" actId="478"/>
+          <ac:spMkLst>
+            <pc:docMk/>
+            <pc:sldMk cId="834623402" sldId="547"/>
+            <ac:spMk id="6" creationId="{00000000-0000-0000-0000-000000000000}"/>
+          </ac:spMkLst>
+        </pc:spChg>
+        <pc:spChg chg="add mod">
+          <ac:chgData name="Mike B" userId="5c4bf6a326bf31f5" providerId="LiveId" clId="{7DF94DDA-9ECE-405F-9D9F-F38BC4F3E028}" dt="2021-03-01T04:51:47.755" v="4287" actId="313"/>
+          <ac:spMkLst>
+            <pc:docMk/>
+            <pc:sldMk cId="834623402" sldId="547"/>
+            <ac:spMk id="6" creationId="{D49A8A5D-B3F1-4DEA-83AA-1CAC0EB4225A}"/>
+          </ac:spMkLst>
+        </pc:spChg>
+        <pc:cxnChg chg="del">
+          <ac:chgData name="Mike B" userId="5c4bf6a326bf31f5" providerId="LiveId" clId="{7DF94DDA-9ECE-405F-9D9F-F38BC4F3E028}" dt="2021-02-28T15:06:39.176" v="1080" actId="478"/>
+          <ac:cxnSpMkLst>
+            <pc:docMk/>
+            <pc:sldMk cId="834623402" sldId="547"/>
+            <ac:cxnSpMk id="4" creationId="{00000000-0000-0000-0000-000000000000}"/>
+          </ac:cxnSpMkLst>
+        </pc:cxnChg>
+      </pc:sldChg>
+      <pc:sldChg chg="delSp modSp add mod">
+        <pc:chgData name="Mike B" userId="5c4bf6a326bf31f5" providerId="LiveId" clId="{7DF94DDA-9ECE-405F-9D9F-F38BC4F3E028}" dt="2021-03-01T14:51:30.738" v="6740" actId="20577"/>
         <pc:sldMkLst>
           <pc:docMk/>
           <pc:sldMk cId="3625575901" sldId="551"/>
         </pc:sldMkLst>
         <pc:spChg chg="mod">
-          <ac:chgData name="Mike B" userId="5c4bf6a326bf31f5" providerId="LiveId" clId="{3432D430-2FD5-4C55-B9AB-5F320ADAA244}" dt="2022-02-12T20:25:57.985" v="51" actId="20577"/>
+          <ac:chgData name="Mike B" userId="5c4bf6a326bf31f5" providerId="LiveId" clId="{7DF94DDA-9ECE-405F-9D9F-F38BC4F3E028}" dt="2021-02-28T15:07:10.969" v="1085" actId="27636"/>
+          <ac:spMkLst>
+            <pc:docMk/>
+            <pc:sldMk cId="3625575901" sldId="551"/>
+            <ac:spMk id="2" creationId="{00000000-0000-0000-0000-000000000000}"/>
+          </ac:spMkLst>
+        </pc:spChg>
+        <pc:spChg chg="mod">
+          <ac:chgData name="Mike B" userId="5c4bf6a326bf31f5" providerId="LiveId" clId="{7DF94DDA-9ECE-405F-9D9F-F38BC4F3E028}" dt="2021-03-01T14:51:30.738" v="6740" actId="20577"/>
           <ac:spMkLst>
             <pc:docMk/>
             <pc:sldMk cId="3625575901" sldId="551"/>
             <ac:spMk id="3" creationId="{00000000-0000-0000-0000-000000000000}"/>
           </ac:spMkLst>
         </pc:spChg>
-      </pc:sldChg>
-      <pc:sldChg chg="modSp modAnim">
-        <pc:chgData name="Mike B" userId="5c4bf6a326bf31f5" providerId="LiveId" clId="{3432D430-2FD5-4C55-B9AB-5F320ADAA244}" dt="2022-02-12T20:27:24.449" v="59" actId="20577"/>
+        <pc:cxnChg chg="del">
+          <ac:chgData name="Mike B" userId="5c4bf6a326bf31f5" providerId="LiveId" clId="{7DF94DDA-9ECE-405F-9D9F-F38BC4F3E028}" dt="2021-02-28T15:07:14.030" v="1086" actId="478"/>
+          <ac:cxnSpMkLst>
+            <pc:docMk/>
+            <pc:sldMk cId="3625575901" sldId="551"/>
+            <ac:cxnSpMk id="4" creationId="{00000000-0000-0000-0000-000000000000}"/>
+          </ac:cxnSpMkLst>
+        </pc:cxnChg>
+      </pc:sldChg>
+      <pc:sldChg chg="delSp modSp add mod">
+        <pc:chgData name="Mike B" userId="5c4bf6a326bf31f5" providerId="LiveId" clId="{7DF94DDA-9ECE-405F-9D9F-F38BC4F3E028}" dt="2021-03-01T05:06:03.442" v="5306" actId="1036"/>
+        <pc:sldMkLst>
+          <pc:docMk/>
+          <pc:sldMk cId="533390830" sldId="552"/>
+        </pc:sldMkLst>
+        <pc:spChg chg="mod">
+          <ac:chgData name="Mike B" userId="5c4bf6a326bf31f5" providerId="LiveId" clId="{7DF94DDA-9ECE-405F-9D9F-F38BC4F3E028}" dt="2021-03-01T05:06:03.442" v="5306" actId="1036"/>
+          <ac:spMkLst>
+            <pc:docMk/>
+            <pc:sldMk cId="533390830" sldId="552"/>
+            <ac:spMk id="3" creationId="{00000000-0000-0000-0000-000000000000}"/>
+          </ac:spMkLst>
+        </pc:spChg>
+        <pc:spChg chg="mod">
+          <ac:chgData name="Mike B" userId="5c4bf6a326bf31f5" providerId="LiveId" clId="{7DF94DDA-9ECE-405F-9D9F-F38BC4F3E028}" dt="2021-03-01T05:06:01.927" v="5305" actId="1076"/>
+          <ac:spMkLst>
+            <pc:docMk/>
+            <pc:sldMk cId="533390830" sldId="552"/>
+            <ac:spMk id="7" creationId="{C413173A-4A0D-47EB-9649-021A8D753F9C}"/>
+          </ac:spMkLst>
+        </pc:spChg>
+        <pc:cxnChg chg="del">
+          <ac:chgData name="Mike B" userId="5c4bf6a326bf31f5" providerId="LiveId" clId="{7DF94DDA-9ECE-405F-9D9F-F38BC4F3E028}" dt="2021-02-28T15:08:50.495" v="1091" actId="478"/>
+          <ac:cxnSpMkLst>
+            <pc:docMk/>
+            <pc:sldMk cId="533390830" sldId="552"/>
+            <ac:cxnSpMk id="4" creationId="{00000000-0000-0000-0000-000000000000}"/>
+          </ac:cxnSpMkLst>
+        </pc:cxnChg>
+      </pc:sldChg>
+      <pc:sldChg chg="delSp modSp add mod">
+        <pc:chgData name="Mike B" userId="5c4bf6a326bf31f5" providerId="LiveId" clId="{7DF94DDA-9ECE-405F-9D9F-F38BC4F3E028}" dt="2021-03-01T04:08:18.906" v="3322" actId="207"/>
+        <pc:sldMkLst>
+          <pc:docMk/>
+          <pc:sldMk cId="1479224400" sldId="553"/>
+        </pc:sldMkLst>
+        <pc:spChg chg="mod">
+          <ac:chgData name="Mike B" userId="5c4bf6a326bf31f5" providerId="LiveId" clId="{7DF94DDA-9ECE-405F-9D9F-F38BC4F3E028}" dt="2021-03-01T04:08:18.906" v="3322" actId="207"/>
+          <ac:spMkLst>
+            <pc:docMk/>
+            <pc:sldMk cId="1479224400" sldId="553"/>
+            <ac:spMk id="3" creationId="{00000000-0000-0000-0000-000000000000}"/>
+          </ac:spMkLst>
+        </pc:spChg>
+        <pc:grpChg chg="mod">
+          <ac:chgData name="Mike B" userId="5c4bf6a326bf31f5" providerId="LiveId" clId="{7DF94DDA-9ECE-405F-9D9F-F38BC4F3E028}" dt="2021-02-28T23:46:31.373" v="1923" actId="1038"/>
+          <ac:grpSpMkLst>
+            <pc:docMk/>
+            <pc:sldMk cId="1479224400" sldId="553"/>
+            <ac:grpSpMk id="17" creationId="{B7CBF61A-3F8E-4AAD-8EA6-A6FF15A6EA08}"/>
+          </ac:grpSpMkLst>
+        </pc:grpChg>
+        <pc:cxnChg chg="del">
+          <ac:chgData name="Mike B" userId="5c4bf6a326bf31f5" providerId="LiveId" clId="{7DF94DDA-9ECE-405F-9D9F-F38BC4F3E028}" dt="2021-02-28T15:08:58.938" v="1093" actId="478"/>
+          <ac:cxnSpMkLst>
+            <pc:docMk/>
+            <pc:sldMk cId="1479224400" sldId="553"/>
+            <ac:cxnSpMk id="4" creationId="{00000000-0000-0000-0000-000000000000}"/>
+          </ac:cxnSpMkLst>
+        </pc:cxnChg>
+      </pc:sldChg>
+      <pc:sldChg chg="delSp modSp add mod">
+        <pc:chgData name="Mike B" userId="5c4bf6a326bf31f5" providerId="LiveId" clId="{7DF94DDA-9ECE-405F-9D9F-F38BC4F3E028}" dt="2021-03-01T04:08:21.809" v="3323" actId="207"/>
+        <pc:sldMkLst>
+          <pc:docMk/>
+          <pc:sldMk cId="2740653528" sldId="554"/>
+        </pc:sldMkLst>
+        <pc:spChg chg="mod">
+          <ac:chgData name="Mike B" userId="5c4bf6a326bf31f5" providerId="LiveId" clId="{7DF94DDA-9ECE-405F-9D9F-F38BC4F3E028}" dt="2021-03-01T04:08:21.809" v="3323" actId="207"/>
+          <ac:spMkLst>
+            <pc:docMk/>
+            <pc:sldMk cId="2740653528" sldId="554"/>
+            <ac:spMk id="3" creationId="{00000000-0000-0000-0000-000000000000}"/>
+          </ac:spMkLst>
+        </pc:spChg>
+        <pc:grpChg chg="mod">
+          <ac:chgData name="Mike B" userId="5c4bf6a326bf31f5" providerId="LiveId" clId="{7DF94DDA-9ECE-405F-9D9F-F38BC4F3E028}" dt="2021-02-28T23:46:49.216" v="1986" actId="1035"/>
+          <ac:grpSpMkLst>
+            <pc:docMk/>
+            <pc:sldMk cId="2740653528" sldId="554"/>
+            <ac:grpSpMk id="19" creationId="{DFD401AF-AF20-4133-82D3-07D5623B08CB}"/>
+          </ac:grpSpMkLst>
+        </pc:grpChg>
+        <pc:cxnChg chg="del">
+          <ac:chgData name="Mike B" userId="5c4bf6a326bf31f5" providerId="LiveId" clId="{7DF94DDA-9ECE-405F-9D9F-F38BC4F3E028}" dt="2021-02-28T15:09:01.947" v="1094" actId="478"/>
+          <ac:cxnSpMkLst>
+            <pc:docMk/>
+            <pc:sldMk cId="2740653528" sldId="554"/>
+            <ac:cxnSpMk id="4" creationId="{00000000-0000-0000-0000-000000000000}"/>
+          </ac:cxnSpMkLst>
+        </pc:cxnChg>
+      </pc:sldChg>
+      <pc:sldChg chg="addSp delSp modSp add mod modAnim">
+        <pc:chgData name="Mike B" userId="5c4bf6a326bf31f5" providerId="LiveId" clId="{7DF94DDA-9ECE-405F-9D9F-F38BC4F3E028}" dt="2021-03-01T04:08:38.453" v="3342" actId="207"/>
+        <pc:sldMkLst>
+          <pc:docMk/>
+          <pc:sldMk cId="2399125548" sldId="561"/>
+        </pc:sldMkLst>
+        <pc:spChg chg="mod">
+          <ac:chgData name="Mike B" userId="5c4bf6a326bf31f5" providerId="LiveId" clId="{7DF94DDA-9ECE-405F-9D9F-F38BC4F3E028}" dt="2021-03-01T04:08:38.453" v="3342" actId="207"/>
+          <ac:spMkLst>
+            <pc:docMk/>
+            <pc:sldMk cId="2399125548" sldId="561"/>
+            <ac:spMk id="3" creationId="{00000000-0000-0000-0000-000000000000}"/>
+          </ac:spMkLst>
+        </pc:spChg>
+        <pc:spChg chg="mod">
+          <ac:chgData name="Mike B" userId="5c4bf6a326bf31f5" providerId="LiveId" clId="{7DF94DDA-9ECE-405F-9D9F-F38BC4F3E028}" dt="2021-02-28T23:48:09.098" v="2054" actId="1076"/>
+          <ac:spMkLst>
+            <pc:docMk/>
+            <pc:sldMk cId="2399125548" sldId="561"/>
+            <ac:spMk id="5" creationId="{00000000-0000-0000-0000-000000000000}"/>
+          </ac:spMkLst>
+        </pc:spChg>
+        <pc:spChg chg="add mod">
+          <ac:chgData name="Mike B" userId="5c4bf6a326bf31f5" providerId="LiveId" clId="{7DF94DDA-9ECE-405F-9D9F-F38BC4F3E028}" dt="2021-02-28T23:48:36.858" v="2062" actId="120"/>
+          <ac:spMkLst>
+            <pc:docMk/>
+            <pc:sldMk cId="2399125548" sldId="561"/>
+            <ac:spMk id="7" creationId="{771FB87A-D6FC-4FC1-81B0-C49E36365831}"/>
+          </ac:spMkLst>
+        </pc:spChg>
+        <pc:spChg chg="add mod">
+          <ac:chgData name="Mike B" userId="5c4bf6a326bf31f5" providerId="LiveId" clId="{7DF94DDA-9ECE-405F-9D9F-F38BC4F3E028}" dt="2021-02-28T23:48:11.987" v="2057" actId="1036"/>
+          <ac:spMkLst>
+            <pc:docMk/>
+            <pc:sldMk cId="2399125548" sldId="561"/>
+            <ac:spMk id="8" creationId="{1D023B14-53F7-478A-82D9-B053D0DD697F}"/>
+          </ac:spMkLst>
+        </pc:spChg>
+        <pc:cxnChg chg="del">
+          <ac:chgData name="Mike B" userId="5c4bf6a326bf31f5" providerId="LiveId" clId="{7DF94DDA-9ECE-405F-9D9F-F38BC4F3E028}" dt="2021-02-28T15:11:43.558" v="1116" actId="478"/>
+          <ac:cxnSpMkLst>
+            <pc:docMk/>
+            <pc:sldMk cId="2399125548" sldId="561"/>
+            <ac:cxnSpMk id="4" creationId="{00000000-0000-0000-0000-000000000000}"/>
+          </ac:cxnSpMkLst>
+        </pc:cxnChg>
+      </pc:sldChg>
+      <pc:sldChg chg="addSp delSp modSp add mod modAnim">
+        <pc:chgData name="Mike B" userId="5c4bf6a326bf31f5" providerId="LiveId" clId="{7DF94DDA-9ECE-405F-9D9F-F38BC4F3E028}" dt="2021-03-01T04:07:16.120" v="3306" actId="207"/>
+        <pc:sldMkLst>
+          <pc:docMk/>
+          <pc:sldMk cId="1160501262" sldId="574"/>
+        </pc:sldMkLst>
+        <pc:spChg chg="mod">
+          <ac:chgData name="Mike B" userId="5c4bf6a326bf31f5" providerId="LiveId" clId="{7DF94DDA-9ECE-405F-9D9F-F38BC4F3E028}" dt="2021-03-01T04:07:16.120" v="3306" actId="207"/>
+          <ac:spMkLst>
+            <pc:docMk/>
+            <pc:sldMk cId="1160501262" sldId="574"/>
+            <ac:spMk id="3" creationId="{00000000-0000-0000-0000-000000000000}"/>
+          </ac:spMkLst>
+        </pc:spChg>
+        <pc:spChg chg="add mod">
+          <ac:chgData name="Mike B" userId="5c4bf6a326bf31f5" providerId="LiveId" clId="{7DF94DDA-9ECE-405F-9D9F-F38BC4F3E028}" dt="2021-02-28T23:56:57.358" v="2364" actId="1076"/>
+          <ac:spMkLst>
+            <pc:docMk/>
+            <pc:sldMk cId="1160501262" sldId="574"/>
+            <ac:spMk id="4" creationId="{AE2B2776-AB9A-463A-B6DC-0E7A8625264C}"/>
+          </ac:spMkLst>
+        </pc:spChg>
+        <pc:spChg chg="mod">
+          <ac:chgData name="Mike B" userId="5c4bf6a326bf31f5" providerId="LiveId" clId="{7DF94DDA-9ECE-405F-9D9F-F38BC4F3E028}" dt="2021-02-28T23:56:12.070" v="2277" actId="1076"/>
+          <ac:spMkLst>
+            <pc:docMk/>
+            <pc:sldMk cId="1160501262" sldId="574"/>
+            <ac:spMk id="6" creationId="{B9922975-8A22-40B6-BAD2-1059091E1B2A}"/>
+          </ac:spMkLst>
+        </pc:spChg>
+        <pc:cxnChg chg="del">
+          <ac:chgData name="Mike B" userId="5c4bf6a326bf31f5" providerId="LiveId" clId="{7DF94DDA-9ECE-405F-9D9F-F38BC4F3E028}" dt="2021-02-28T15:04:25.933" v="1069" actId="478"/>
+          <ac:cxnSpMkLst>
+            <pc:docMk/>
+            <pc:sldMk cId="1160501262" sldId="574"/>
+            <ac:cxnSpMk id="4" creationId="{00000000-0000-0000-0000-000000000000}"/>
+          </ac:cxnSpMkLst>
+        </pc:cxnChg>
+      </pc:sldChg>
+      <pc:sldChg chg="delSp modSp add del mod">
+        <pc:chgData name="Mike B" userId="5c4bf6a326bf31f5" providerId="LiveId" clId="{7DF94DDA-9ECE-405F-9D9F-F38BC4F3E028}" dt="2021-02-28T23:38:49.548" v="1751" actId="2696"/>
+        <pc:sldMkLst>
+          <pc:docMk/>
+          <pc:sldMk cId="2581870377" sldId="575"/>
+        </pc:sldMkLst>
+        <pc:spChg chg="mod">
+          <ac:chgData name="Mike B" userId="5c4bf6a326bf31f5" providerId="LiveId" clId="{7DF94DDA-9ECE-405F-9D9F-F38BC4F3E028}" dt="2021-02-28T23:38:09.688" v="1745" actId="14100"/>
+          <ac:spMkLst>
+            <pc:docMk/>
+            <pc:sldMk cId="2581870377" sldId="575"/>
+            <ac:spMk id="3" creationId="{00000000-0000-0000-0000-000000000000}"/>
+          </ac:spMkLst>
+        </pc:spChg>
+        <pc:cxnChg chg="del">
+          <ac:chgData name="Mike B" userId="5c4bf6a326bf31f5" providerId="LiveId" clId="{7DF94DDA-9ECE-405F-9D9F-F38BC4F3E028}" dt="2021-02-28T15:04:35.743" v="1072" actId="478"/>
+          <ac:cxnSpMkLst>
+            <pc:docMk/>
+            <pc:sldMk cId="2581870377" sldId="575"/>
+            <ac:cxnSpMk id="4" creationId="{00000000-0000-0000-0000-000000000000}"/>
+          </ac:cxnSpMkLst>
+        </pc:cxnChg>
+      </pc:sldChg>
+      <pc:sldChg chg="delSp modSp add mod">
+        <pc:chgData name="Mike B" userId="5c4bf6a326bf31f5" providerId="LiveId" clId="{7DF94DDA-9ECE-405F-9D9F-F38BC4F3E028}" dt="2021-03-01T04:07:43.237" v="3313" actId="207"/>
+        <pc:sldMkLst>
+          <pc:docMk/>
+          <pc:sldMk cId="411321159" sldId="576"/>
+        </pc:sldMkLst>
+        <pc:spChg chg="mod">
+          <ac:chgData name="Mike B" userId="5c4bf6a326bf31f5" providerId="LiveId" clId="{7DF94DDA-9ECE-405F-9D9F-F38BC4F3E028}" dt="2021-02-28T15:03:40.245" v="1060" actId="27636"/>
+          <ac:spMkLst>
+            <pc:docMk/>
+            <pc:sldMk cId="411321159" sldId="576"/>
+            <ac:spMk id="2" creationId="{00000000-0000-0000-0000-000000000000}"/>
+          </ac:spMkLst>
+        </pc:spChg>
+        <pc:spChg chg="mod">
+          <ac:chgData name="Mike B" userId="5c4bf6a326bf31f5" providerId="LiveId" clId="{7DF94DDA-9ECE-405F-9D9F-F38BC4F3E028}" dt="2021-03-01T04:07:43.237" v="3313" actId="207"/>
+          <ac:spMkLst>
+            <pc:docMk/>
+            <pc:sldMk cId="411321159" sldId="576"/>
+            <ac:spMk id="3" creationId="{00000000-0000-0000-0000-000000000000}"/>
+          </ac:spMkLst>
+        </pc:spChg>
+        <pc:cxnChg chg="del">
+          <ac:chgData name="Mike B" userId="5c4bf6a326bf31f5" providerId="LiveId" clId="{7DF94DDA-9ECE-405F-9D9F-F38BC4F3E028}" dt="2021-02-28T15:04:49.365" v="1076" actId="478"/>
+          <ac:cxnSpMkLst>
+            <pc:docMk/>
+            <pc:sldMk cId="411321159" sldId="576"/>
+            <ac:cxnSpMk id="4" creationId="{00000000-0000-0000-0000-000000000000}"/>
+          </ac:cxnSpMkLst>
+        </pc:cxnChg>
+      </pc:sldChg>
+      <pc:sldChg chg="delSp add del mod">
+        <pc:chgData name="Mike B" userId="5c4bf6a326bf31f5" providerId="LiveId" clId="{7DF94DDA-9ECE-405F-9D9F-F38BC4F3E028}" dt="2021-02-28T15:35:11.921" v="1244" actId="2696"/>
+        <pc:sldMkLst>
+          <pc:docMk/>
+          <pc:sldMk cId="2594324043" sldId="577"/>
+        </pc:sldMkLst>
+        <pc:cxnChg chg="del">
+          <ac:chgData name="Mike B" userId="5c4bf6a326bf31f5" providerId="LiveId" clId="{7DF94DDA-9ECE-405F-9D9F-F38BC4F3E028}" dt="2021-02-28T15:11:46.331" v="1117" actId="478"/>
+          <ac:cxnSpMkLst>
+            <pc:docMk/>
+            <pc:sldMk cId="2594324043" sldId="577"/>
+            <ac:cxnSpMk id="4" creationId="{00000000-0000-0000-0000-000000000000}"/>
+          </ac:cxnSpMkLst>
+        </pc:cxnChg>
+      </pc:sldChg>
+      <pc:sldChg chg="delSp modSp add mod">
+        <pc:chgData name="Mike B" userId="5c4bf6a326bf31f5" providerId="LiveId" clId="{7DF94DDA-9ECE-405F-9D9F-F38BC4F3E028}" dt="2021-03-01T04:09:12.878" v="3351" actId="207"/>
+        <pc:sldMkLst>
+          <pc:docMk/>
+          <pc:sldMk cId="2019968474" sldId="610"/>
+        </pc:sldMkLst>
+        <pc:spChg chg="mod">
+          <ac:chgData name="Mike B" userId="5c4bf6a326bf31f5" providerId="LiveId" clId="{7DF94DDA-9ECE-405F-9D9F-F38BC4F3E028}" dt="2021-03-01T04:09:12.878" v="3351" actId="207"/>
+          <ac:spMkLst>
+            <pc:docMk/>
+            <pc:sldMk cId="2019968474" sldId="610"/>
+            <ac:spMk id="3" creationId="{00000000-0000-0000-0000-000000000000}"/>
+          </ac:spMkLst>
+        </pc:spChg>
+        <pc:cxnChg chg="del">
+          <ac:chgData name="Mike B" userId="5c4bf6a326bf31f5" providerId="LiveId" clId="{7DF94DDA-9ECE-405F-9D9F-F38BC4F3E028}" dt="2021-02-28T15:13:22.388" v="1121" actId="478"/>
+          <ac:cxnSpMkLst>
+            <pc:docMk/>
+            <pc:sldMk cId="2019968474" sldId="610"/>
+            <ac:cxnSpMk id="4" creationId="{00000000-0000-0000-0000-000000000000}"/>
+          </ac:cxnSpMkLst>
+        </pc:cxnChg>
+      </pc:sldChg>
+      <pc:sldChg chg="addSp delSp modSp add mod">
+        <pc:chgData name="Mike B" userId="5c4bf6a326bf31f5" providerId="LiveId" clId="{7DF94DDA-9ECE-405F-9D9F-F38BC4F3E028}" dt="2021-03-01T04:51:51.194" v="4289" actId="313"/>
+        <pc:sldMkLst>
+          <pc:docMk/>
+          <pc:sldMk cId="1514119804" sldId="612"/>
+        </pc:sldMkLst>
+        <pc:spChg chg="mod">
+          <ac:chgData name="Mike B" userId="5c4bf6a326bf31f5" providerId="LiveId" clId="{7DF94DDA-9ECE-405F-9D9F-F38BC4F3E028}" dt="2021-03-01T04:07:56.938" v="3317" actId="207"/>
+          <ac:spMkLst>
+            <pc:docMk/>
+            <pc:sldMk cId="1514119804" sldId="612"/>
+            <ac:spMk id="3" creationId="{00000000-0000-0000-0000-000000000000}"/>
+          </ac:spMkLst>
+        </pc:spChg>
+        <pc:spChg chg="add mod">
+          <ac:chgData name="Mike B" userId="5c4bf6a326bf31f5" providerId="LiveId" clId="{7DF94DDA-9ECE-405F-9D9F-F38BC4F3E028}" dt="2021-03-01T04:51:11.869" v="4281"/>
+          <ac:spMkLst>
+            <pc:docMk/>
+            <pc:sldMk cId="1514119804" sldId="612"/>
+            <ac:spMk id="6" creationId="{45FA2BCF-018F-4C05-9926-061CA9F2132C}"/>
+          </ac:spMkLst>
+        </pc:spChg>
+        <pc:spChg chg="del mod">
+          <ac:chgData name="Mike B" userId="5c4bf6a326bf31f5" providerId="LiveId" clId="{7DF94DDA-9ECE-405F-9D9F-F38BC4F3E028}" dt="2021-02-28T23:42:03.649" v="1815" actId="478"/>
+          <ac:spMkLst>
+            <pc:docMk/>
+            <pc:sldMk cId="1514119804" sldId="612"/>
+            <ac:spMk id="7" creationId="{00000000-0000-0000-0000-000000000000}"/>
+          </ac:spMkLst>
+        </pc:spChg>
+        <pc:spChg chg="add mod">
+          <ac:chgData name="Mike B" userId="5c4bf6a326bf31f5" providerId="LiveId" clId="{7DF94DDA-9ECE-405F-9D9F-F38BC4F3E028}" dt="2021-03-01T04:51:51.194" v="4289" actId="313"/>
+          <ac:spMkLst>
+            <pc:docMk/>
+            <pc:sldMk cId="1514119804" sldId="612"/>
+            <ac:spMk id="7" creationId="{5506FA8D-97A3-4114-9245-57C3D97E87A2}"/>
+          </ac:spMkLst>
+        </pc:spChg>
+        <pc:spChg chg="del mod">
+          <ac:chgData name="Mike B" userId="5c4bf6a326bf31f5" providerId="LiveId" clId="{7DF94DDA-9ECE-405F-9D9F-F38BC4F3E028}" dt="2021-02-28T23:42:03.649" v="1815" actId="478"/>
+          <ac:spMkLst>
+            <pc:docMk/>
+            <pc:sldMk cId="1514119804" sldId="612"/>
+            <ac:spMk id="8" creationId="{00000000-0000-0000-0000-000000000000}"/>
+          </ac:spMkLst>
+        </pc:spChg>
+        <pc:cxnChg chg="del">
+          <ac:chgData name="Mike B" userId="5c4bf6a326bf31f5" providerId="LiveId" clId="{7DF94DDA-9ECE-405F-9D9F-F38BC4F3E028}" dt="2021-02-28T15:06:53.802" v="1083" actId="478"/>
+          <ac:cxnSpMkLst>
+            <pc:docMk/>
+            <pc:sldMk cId="1514119804" sldId="612"/>
+            <ac:cxnSpMk id="4" creationId="{00000000-0000-0000-0000-000000000000}"/>
+          </ac:cxnSpMkLst>
+        </pc:cxnChg>
+      </pc:sldChg>
+      <pc:sldChg chg="delSp add del mod">
+        <pc:chgData name="Mike B" userId="5c4bf6a326bf31f5" providerId="LiveId" clId="{7DF94DDA-9ECE-405F-9D9F-F38BC4F3E028}" dt="2021-02-28T15:33:47.613" v="1223" actId="2696"/>
+        <pc:sldMkLst>
+          <pc:docMk/>
+          <pc:sldMk cId="950681160" sldId="613"/>
+        </pc:sldMkLst>
+        <pc:cxnChg chg="del">
+          <ac:chgData name="Mike B" userId="5c4bf6a326bf31f5" providerId="LiveId" clId="{7DF94DDA-9ECE-405F-9D9F-F38BC4F3E028}" dt="2021-02-28T15:06:43.128" v="1081" actId="478"/>
+          <ac:cxnSpMkLst>
+            <pc:docMk/>
+            <pc:sldMk cId="950681160" sldId="613"/>
+            <ac:cxnSpMk id="4" creationId="{00000000-0000-0000-0000-000000000000}"/>
+          </ac:cxnSpMkLst>
+        </pc:cxnChg>
+      </pc:sldChg>
+      <pc:sldChg chg="delSp add del mod">
+        <pc:chgData name="Mike B" userId="5c4bf6a326bf31f5" providerId="LiveId" clId="{7DF94DDA-9ECE-405F-9D9F-F38BC4F3E028}" dt="2021-02-28T15:33:47.613" v="1223" actId="2696"/>
+        <pc:sldMkLst>
+          <pc:docMk/>
+          <pc:sldMk cId="2391969476" sldId="614"/>
+        </pc:sldMkLst>
+        <pc:cxnChg chg="del">
+          <ac:chgData name="Mike B" userId="5c4bf6a326bf31f5" providerId="LiveId" clId="{7DF94DDA-9ECE-405F-9D9F-F38BC4F3E028}" dt="2021-02-28T15:06:47.674" v="1082" actId="478"/>
+          <ac:cxnSpMkLst>
+            <pc:docMk/>
+            <pc:sldMk cId="2391969476" sldId="614"/>
+            <ac:cxnSpMk id="4" creationId="{00000000-0000-0000-0000-000000000000}"/>
+          </ac:cxnSpMkLst>
+        </pc:cxnChg>
+      </pc:sldChg>
+      <pc:sldChg chg="delSp modSp add mod modAnim">
+        <pc:chgData name="Mike B" userId="5c4bf6a326bf31f5" providerId="LiveId" clId="{7DF94DDA-9ECE-405F-9D9F-F38BC4F3E028}" dt="2021-03-01T04:08:05.419" v="3319" actId="207"/>
+        <pc:sldMkLst>
+          <pc:docMk/>
+          <pc:sldMk cId="1583872248" sldId="615"/>
+        </pc:sldMkLst>
+        <pc:spChg chg="mod">
+          <ac:chgData name="Mike B" userId="5c4bf6a326bf31f5" providerId="LiveId" clId="{7DF94DDA-9ECE-405F-9D9F-F38BC4F3E028}" dt="2021-02-28T23:44:32.134" v="1857" actId="20577"/>
+          <ac:spMkLst>
+            <pc:docMk/>
+            <pc:sldMk cId="1583872248" sldId="615"/>
+            <ac:spMk id="2" creationId="{00000000-0000-0000-0000-000000000000}"/>
+          </ac:spMkLst>
+        </pc:spChg>
+        <pc:spChg chg="mod">
+          <ac:chgData name="Mike B" userId="5c4bf6a326bf31f5" providerId="LiveId" clId="{7DF94DDA-9ECE-405F-9D9F-F38BC4F3E028}" dt="2021-03-01T04:08:05.419" v="3319" actId="207"/>
+          <ac:spMkLst>
+            <pc:docMk/>
+            <pc:sldMk cId="1583872248" sldId="615"/>
+            <ac:spMk id="3" creationId="{00000000-0000-0000-0000-000000000000}"/>
+          </ac:spMkLst>
+        </pc:spChg>
+        <pc:cxnChg chg="del">
+          <ac:chgData name="Mike B" userId="5c4bf6a326bf31f5" providerId="LiveId" clId="{7DF94DDA-9ECE-405F-9D9F-F38BC4F3E028}" dt="2021-02-28T15:07:43.241" v="1088" actId="478"/>
+          <ac:cxnSpMkLst>
+            <pc:docMk/>
+            <pc:sldMk cId="1583872248" sldId="615"/>
+            <ac:cxnSpMk id="4" creationId="{00000000-0000-0000-0000-000000000000}"/>
+          </ac:cxnSpMkLst>
+        </pc:cxnChg>
+      </pc:sldChg>
+      <pc:sldChg chg="delSp modSp add mod">
+        <pc:chgData name="Mike B" userId="5c4bf6a326bf31f5" providerId="LiveId" clId="{7DF94DDA-9ECE-405F-9D9F-F38BC4F3E028}" dt="2021-03-01T04:08:30.375" v="3340" actId="20577"/>
+        <pc:sldMkLst>
+          <pc:docMk/>
+          <pc:sldMk cId="2952627972" sldId="616"/>
+        </pc:sldMkLst>
+        <pc:spChg chg="mod">
+          <ac:chgData name="Mike B" userId="5c4bf6a326bf31f5" providerId="LiveId" clId="{7DF94DDA-9ECE-405F-9D9F-F38BC4F3E028}" dt="2021-03-01T04:08:30.375" v="3340" actId="20577"/>
+          <ac:spMkLst>
+            <pc:docMk/>
+            <pc:sldMk cId="2952627972" sldId="616"/>
+            <ac:spMk id="3" creationId="{00000000-0000-0000-0000-000000000000}"/>
+          </ac:spMkLst>
+        </pc:spChg>
+        <pc:grpChg chg="mod">
+          <ac:chgData name="Mike B" userId="5c4bf6a326bf31f5" providerId="LiveId" clId="{7DF94DDA-9ECE-405F-9D9F-F38BC4F3E028}" dt="2021-02-28T23:47:05.981" v="2048" actId="1038"/>
+          <ac:grpSpMkLst>
+            <pc:docMk/>
+            <pc:sldMk cId="2952627972" sldId="616"/>
+            <ac:grpSpMk id="6" creationId="{BB034A2C-D9B3-4F8A-819D-28B91FD3F5F6}"/>
+          </ac:grpSpMkLst>
+        </pc:grpChg>
+        <pc:cxnChg chg="del">
+          <ac:chgData name="Mike B" userId="5c4bf6a326bf31f5" providerId="LiveId" clId="{7DF94DDA-9ECE-405F-9D9F-F38BC4F3E028}" dt="2021-02-28T15:09:05.030" v="1095" actId="478"/>
+          <ac:cxnSpMkLst>
+            <pc:docMk/>
+            <pc:sldMk cId="2952627972" sldId="616"/>
+            <ac:cxnSpMk id="4" creationId="{00000000-0000-0000-0000-000000000000}"/>
+          </ac:cxnSpMkLst>
+        </pc:cxnChg>
+      </pc:sldChg>
+      <pc:sldChg chg="delSp add mod">
+        <pc:chgData name="Mike B" userId="5c4bf6a326bf31f5" providerId="LiveId" clId="{7DF94DDA-9ECE-405F-9D9F-F38BC4F3E028}" dt="2021-02-28T15:04:11.734" v="1065" actId="478"/>
+        <pc:sldMkLst>
+          <pc:docMk/>
+          <pc:sldMk cId="3313291366" sldId="622"/>
+        </pc:sldMkLst>
+        <pc:cxnChg chg="del">
+          <ac:chgData name="Mike B" userId="5c4bf6a326bf31f5" providerId="LiveId" clId="{7DF94DDA-9ECE-405F-9D9F-F38BC4F3E028}" dt="2021-02-28T15:04:11.734" v="1065" actId="478"/>
+          <ac:cxnSpMkLst>
+            <pc:docMk/>
+            <pc:sldMk cId="3313291366" sldId="622"/>
+            <ac:cxnSpMk id="4" creationId="{00000000-0000-0000-0000-000000000000}"/>
+          </ac:cxnSpMkLst>
+        </pc:cxnChg>
+      </pc:sldChg>
+      <pc:sldChg chg="delSp add mod">
+        <pc:chgData name="Mike B" userId="5c4bf6a326bf31f5" providerId="LiveId" clId="{7DF94DDA-9ECE-405F-9D9F-F38BC4F3E028}" dt="2021-02-28T23:38:56.848" v="1752" actId="478"/>
+        <pc:sldMkLst>
+          <pc:docMk/>
+          <pc:sldMk cId="2359396820" sldId="632"/>
+        </pc:sldMkLst>
+        <pc:spChg chg="del">
+          <ac:chgData name="Mike B" userId="5c4bf6a326bf31f5" providerId="LiveId" clId="{7DF94DDA-9ECE-405F-9D9F-F38BC4F3E028}" dt="2021-02-28T23:38:56.848" v="1752" actId="478"/>
+          <ac:spMkLst>
+            <pc:docMk/>
+            <pc:sldMk cId="2359396820" sldId="632"/>
+            <ac:spMk id="3" creationId="{00000000-0000-0000-0000-000000000000}"/>
+          </ac:spMkLst>
+        </pc:spChg>
+        <pc:cxnChg chg="del">
+          <ac:chgData name="Mike B" userId="5c4bf6a326bf31f5" providerId="LiveId" clId="{7DF94DDA-9ECE-405F-9D9F-F38BC4F3E028}" dt="2021-02-28T15:04:39.120" v="1073" actId="478"/>
+          <ac:cxnSpMkLst>
+            <pc:docMk/>
+            <pc:sldMk cId="2359396820" sldId="632"/>
+            <ac:cxnSpMk id="4" creationId="{00000000-0000-0000-0000-000000000000}"/>
+          </ac:cxnSpMkLst>
+        </pc:cxnChg>
+      </pc:sldChg>
+      <pc:sldChg chg="addSp delSp add del mod">
+        <pc:chgData name="Mike B" userId="5c4bf6a326bf31f5" providerId="LiveId" clId="{7DF94DDA-9ECE-405F-9D9F-F38BC4F3E028}" dt="2021-02-28T15:11:30.204" v="1113"/>
+        <pc:sldMkLst>
+          <pc:docMk/>
+          <pc:sldMk cId="2246262014" sldId="633"/>
+        </pc:sldMkLst>
+        <pc:cxnChg chg="add del">
+          <ac:chgData name="Mike B" userId="5c4bf6a326bf31f5" providerId="LiveId" clId="{7DF94DDA-9ECE-405F-9D9F-F38BC4F3E028}" dt="2021-02-28T15:11:28.581" v="1112" actId="478"/>
+          <ac:cxnSpMkLst>
+            <pc:docMk/>
+            <pc:sldMk cId="2246262014" sldId="633"/>
+            <ac:cxnSpMk id="4" creationId="{00000000-0000-0000-0000-000000000000}"/>
+          </ac:cxnSpMkLst>
+        </pc:cxnChg>
+      </pc:sldChg>
+      <pc:sldChg chg="delSp modSp add mod">
+        <pc:chgData name="Mike B" userId="5c4bf6a326bf31f5" providerId="LiveId" clId="{7DF94DDA-9ECE-405F-9D9F-F38BC4F3E028}" dt="2021-03-01T04:09:09.970" v="3350" actId="207"/>
         <pc:sldMkLst>
           <pc:docMk/>
           <pc:sldMk cId="3749001237" sldId="633"/>
         </pc:sldMkLst>
         <pc:spChg chg="mod">
-          <ac:chgData name="Mike B" userId="5c4bf6a326bf31f5" providerId="LiveId" clId="{3432D430-2FD5-4C55-B9AB-5F320ADAA244}" dt="2022-02-12T20:27:24.449" v="59" actId="20577"/>
+          <ac:chgData name="Mike B" userId="5c4bf6a326bf31f5" providerId="LiveId" clId="{7DF94DDA-9ECE-405F-9D9F-F38BC4F3E028}" dt="2021-03-01T04:09:09.970" v="3350" actId="207"/>
           <ac:spMkLst>
             <pc:docMk/>
             <pc:sldMk cId="3749001237" sldId="633"/>
+            <ac:spMk id="3" creationId="{00000000-0000-0000-0000-000000000000}"/>
+          </ac:spMkLst>
+        </pc:spChg>
+        <pc:cxnChg chg="del">
+          <ac:chgData name="Mike B" userId="5c4bf6a326bf31f5" providerId="LiveId" clId="{7DF94DDA-9ECE-405F-9D9F-F38BC4F3E028}" dt="2021-02-28T15:12:43.169" v="1119" actId="478"/>
+          <ac:cxnSpMkLst>
+            <pc:docMk/>
+            <pc:sldMk cId="3749001237" sldId="633"/>
+            <ac:cxnSpMk id="4" creationId="{00000000-0000-0000-0000-000000000000}"/>
+          </ac:cxnSpMkLst>
+        </pc:cxnChg>
+      </pc:sldChg>
+      <pc:sldChg chg="delSp modSp add mod">
+        <pc:chgData name="Mike B" userId="5c4bf6a326bf31f5" providerId="LiveId" clId="{7DF94DDA-9ECE-405F-9D9F-F38BC4F3E028}" dt="2021-03-01T04:08:43.679" v="3343" actId="207"/>
+        <pc:sldMkLst>
+          <pc:docMk/>
+          <pc:sldMk cId="4108497874" sldId="634"/>
+        </pc:sldMkLst>
+        <pc:spChg chg="mod">
+          <ac:chgData name="Mike B" userId="5c4bf6a326bf31f5" providerId="LiveId" clId="{7DF94DDA-9ECE-405F-9D9F-F38BC4F3E028}" dt="2021-03-01T04:08:43.679" v="3343" actId="207"/>
+          <ac:spMkLst>
+            <pc:docMk/>
+            <pc:sldMk cId="4108497874" sldId="634"/>
+            <ac:spMk id="3" creationId="{00000000-0000-0000-0000-000000000000}"/>
+          </ac:spMkLst>
+        </pc:spChg>
+        <pc:cxnChg chg="del">
+          <ac:chgData name="Mike B" userId="5c4bf6a326bf31f5" providerId="LiveId" clId="{7DF94DDA-9ECE-405F-9D9F-F38BC4F3E028}" dt="2021-02-28T15:17:49.998" v="1147" actId="478"/>
+          <ac:cxnSpMkLst>
+            <pc:docMk/>
+            <pc:sldMk cId="4108497874" sldId="634"/>
+            <ac:cxnSpMk id="4" creationId="{00000000-0000-0000-0000-000000000000}"/>
+          </ac:cxnSpMkLst>
+        </pc:cxnChg>
+      </pc:sldChg>
+      <pc:sldChg chg="delSp modSp add mod modAnim">
+        <pc:chgData name="Mike B" userId="5c4bf6a326bf31f5" providerId="LiveId" clId="{7DF94DDA-9ECE-405F-9D9F-F38BC4F3E028}" dt="2021-03-01T04:08:55.428" v="3346" actId="207"/>
+        <pc:sldMkLst>
+          <pc:docMk/>
+          <pc:sldMk cId="2595072114" sldId="653"/>
+        </pc:sldMkLst>
+        <pc:spChg chg="mod">
+          <ac:chgData name="Mike B" userId="5c4bf6a326bf31f5" providerId="LiveId" clId="{7DF94DDA-9ECE-405F-9D9F-F38BC4F3E028}" dt="2021-02-28T23:50:14.296" v="2128" actId="20577"/>
+          <ac:spMkLst>
+            <pc:docMk/>
+            <pc:sldMk cId="2595072114" sldId="653"/>
             <ac:spMk id="2" creationId="{00000000-0000-0000-0000-000000000000}"/>
           </ac:spMkLst>
         </pc:spChg>
-      </pc:sldChg>
-      <pc:sldChg chg="modSp">
-        <pc:chgData name="Mike B" userId="5c4bf6a326bf31f5" providerId="LiveId" clId="{3432D430-2FD5-4C55-B9AB-5F320ADAA244}" dt="2022-02-21T17:18:01.634" v="67" actId="20577"/>
+        <pc:spChg chg="mod">
+          <ac:chgData name="Mike B" userId="5c4bf6a326bf31f5" providerId="LiveId" clId="{7DF94DDA-9ECE-405F-9D9F-F38BC4F3E028}" dt="2021-03-01T04:08:55.428" v="3346" actId="207"/>
+          <ac:spMkLst>
+            <pc:docMk/>
+            <pc:sldMk cId="2595072114" sldId="653"/>
+            <ac:spMk id="3" creationId="{00000000-0000-0000-0000-000000000000}"/>
+          </ac:spMkLst>
+        </pc:spChg>
+        <pc:picChg chg="mod">
+          <ac:chgData name="Mike B" userId="5c4bf6a326bf31f5" providerId="LiveId" clId="{7DF94DDA-9ECE-405F-9D9F-F38BC4F3E028}" dt="2021-02-28T23:50:26.575" v="2131" actId="1076"/>
+          <ac:picMkLst>
+            <pc:docMk/>
+            <pc:sldMk cId="2595072114" sldId="653"/>
+            <ac:picMk id="5" creationId="{00000000-0000-0000-0000-000000000000}"/>
+          </ac:picMkLst>
+        </pc:picChg>
+        <pc:cxnChg chg="del">
+          <ac:chgData name="Mike B" userId="5c4bf6a326bf31f5" providerId="LiveId" clId="{7DF94DDA-9ECE-405F-9D9F-F38BC4F3E028}" dt="2021-02-28T15:21:21.404" v="1151" actId="478"/>
+          <ac:cxnSpMkLst>
+            <pc:docMk/>
+            <pc:sldMk cId="2595072114" sldId="653"/>
+            <ac:cxnSpMk id="4" creationId="{00000000-0000-0000-0000-000000000000}"/>
+          </ac:cxnSpMkLst>
+        </pc:cxnChg>
+      </pc:sldChg>
+      <pc:sldChg chg="delSp modSp add mod">
+        <pc:chgData name="Mike B" userId="5c4bf6a326bf31f5" providerId="LiveId" clId="{7DF94DDA-9ECE-405F-9D9F-F38BC4F3E028}" dt="2021-03-01T04:08:59.386" v="3347" actId="207"/>
+        <pc:sldMkLst>
+          <pc:docMk/>
+          <pc:sldMk cId="2871737530" sldId="658"/>
+        </pc:sldMkLst>
+        <pc:spChg chg="mod">
+          <ac:chgData name="Mike B" userId="5c4bf6a326bf31f5" providerId="LiveId" clId="{7DF94DDA-9ECE-405F-9D9F-F38BC4F3E028}" dt="2021-03-01T00:00:18.052" v="2485" actId="5793"/>
+          <ac:spMkLst>
+            <pc:docMk/>
+            <pc:sldMk cId="2871737530" sldId="658"/>
+            <ac:spMk id="2" creationId="{00000000-0000-0000-0000-000000000000}"/>
+          </ac:spMkLst>
+        </pc:spChg>
+        <pc:spChg chg="mod">
+          <ac:chgData name="Mike B" userId="5c4bf6a326bf31f5" providerId="LiveId" clId="{7DF94DDA-9ECE-405F-9D9F-F38BC4F3E028}" dt="2021-03-01T04:08:59.386" v="3347" actId="207"/>
+          <ac:spMkLst>
+            <pc:docMk/>
+            <pc:sldMk cId="2871737530" sldId="658"/>
+            <ac:spMk id="3" creationId="{00000000-0000-0000-0000-000000000000}"/>
+          </ac:spMkLst>
+        </pc:spChg>
+        <pc:cxnChg chg="del">
+          <ac:chgData name="Mike B" userId="5c4bf6a326bf31f5" providerId="LiveId" clId="{7DF94DDA-9ECE-405F-9D9F-F38BC4F3E028}" dt="2021-02-28T15:23:20.435" v="1156" actId="478"/>
+          <ac:cxnSpMkLst>
+            <pc:docMk/>
+            <pc:sldMk cId="2871737530" sldId="658"/>
+            <ac:cxnSpMk id="4" creationId="{00000000-0000-0000-0000-000000000000}"/>
+          </ac:cxnSpMkLst>
+        </pc:cxnChg>
+      </pc:sldChg>
+      <pc:sldChg chg="addSp delSp modSp add mod">
+        <pc:chgData name="Mike B" userId="5c4bf6a326bf31f5" providerId="LiveId" clId="{7DF94DDA-9ECE-405F-9D9F-F38BC4F3E028}" dt="2021-03-01T04:09:02.141" v="3348" actId="207"/>
+        <pc:sldMkLst>
+          <pc:docMk/>
+          <pc:sldMk cId="467519752" sldId="661"/>
+        </pc:sldMkLst>
+        <pc:spChg chg="mod">
+          <ac:chgData name="Mike B" userId="5c4bf6a326bf31f5" providerId="LiveId" clId="{7DF94DDA-9ECE-405F-9D9F-F38BC4F3E028}" dt="2021-03-01T04:09:02.141" v="3348" actId="207"/>
+          <ac:spMkLst>
+            <pc:docMk/>
+            <pc:sldMk cId="467519752" sldId="661"/>
+            <ac:spMk id="3" creationId="{00000000-0000-0000-0000-000000000000}"/>
+          </ac:spMkLst>
+        </pc:spChg>
+        <pc:picChg chg="add mod">
+          <ac:chgData name="Mike B" userId="5c4bf6a326bf31f5" providerId="LiveId" clId="{7DF94DDA-9ECE-405F-9D9F-F38BC4F3E028}" dt="2021-03-01T00:07:54.454" v="2654" actId="1076"/>
+          <ac:picMkLst>
+            <pc:docMk/>
+            <pc:sldMk cId="467519752" sldId="661"/>
+            <ac:picMk id="2050" creationId="{E0D243AB-5CE5-4046-A7B0-F1070AFC5DF4}"/>
+          </ac:picMkLst>
+        </pc:picChg>
+        <pc:cxnChg chg="del">
+          <ac:chgData name="Mike B" userId="5c4bf6a326bf31f5" providerId="LiveId" clId="{7DF94DDA-9ECE-405F-9D9F-F38BC4F3E028}" dt="2021-02-28T15:23:49.119" v="1158" actId="478"/>
+          <ac:cxnSpMkLst>
+            <pc:docMk/>
+            <pc:sldMk cId="467519752" sldId="661"/>
+            <ac:cxnSpMk id="4" creationId="{00000000-0000-0000-0000-000000000000}"/>
+          </ac:cxnSpMkLst>
+        </pc:cxnChg>
+      </pc:sldChg>
+      <pc:sldChg chg="addSp delSp modSp add mod">
+        <pc:chgData name="Mike B" userId="5c4bf6a326bf31f5" providerId="LiveId" clId="{7DF94DDA-9ECE-405F-9D9F-F38BC4F3E028}" dt="2021-03-01T04:09:05.507" v="3349" actId="207"/>
+        <pc:sldMkLst>
+          <pc:docMk/>
+          <pc:sldMk cId="2470446495" sldId="662"/>
+        </pc:sldMkLst>
+        <pc:spChg chg="mod">
+          <ac:chgData name="Mike B" userId="5c4bf6a326bf31f5" providerId="LiveId" clId="{7DF94DDA-9ECE-405F-9D9F-F38BC4F3E028}" dt="2021-03-01T04:09:05.507" v="3349" actId="207"/>
+          <ac:spMkLst>
+            <pc:docMk/>
+            <pc:sldMk cId="2470446495" sldId="662"/>
+            <ac:spMk id="3" creationId="{00000000-0000-0000-0000-000000000000}"/>
+          </ac:spMkLst>
+        </pc:spChg>
+        <pc:picChg chg="add mod">
+          <ac:chgData name="Mike B" userId="5c4bf6a326bf31f5" providerId="LiveId" clId="{7DF94DDA-9ECE-405F-9D9F-F38BC4F3E028}" dt="2021-03-01T00:05:38.672" v="2647" actId="1076"/>
+          <ac:picMkLst>
+            <pc:docMk/>
+            <pc:sldMk cId="2470446495" sldId="662"/>
+            <ac:picMk id="1026" creationId="{C6CDC256-FF3E-4AE1-A90E-9DB11A3AB3C1}"/>
+          </ac:picMkLst>
+        </pc:picChg>
+        <pc:cxnChg chg="del">
+          <ac:chgData name="Mike B" userId="5c4bf6a326bf31f5" providerId="LiveId" clId="{7DF94DDA-9ECE-405F-9D9F-F38BC4F3E028}" dt="2021-02-28T15:24:17.696" v="1160" actId="478"/>
+          <ac:cxnSpMkLst>
+            <pc:docMk/>
+            <pc:sldMk cId="2470446495" sldId="662"/>
+            <ac:cxnSpMk id="4" creationId="{00000000-0000-0000-0000-000000000000}"/>
+          </ac:cxnSpMkLst>
+        </pc:cxnChg>
+      </pc:sldChg>
+      <pc:sldChg chg="delSp modSp add del mod">
+        <pc:chgData name="Mike B" userId="5c4bf6a326bf31f5" providerId="LiveId" clId="{7DF94DDA-9ECE-405F-9D9F-F38BC4F3E028}" dt="2021-02-28T23:52:34.034" v="2222" actId="47"/>
+        <pc:sldMkLst>
+          <pc:docMk/>
+          <pc:sldMk cId="2867110442" sldId="667"/>
+        </pc:sldMkLst>
+        <pc:spChg chg="mod">
+          <ac:chgData name="Mike B" userId="5c4bf6a326bf31f5" providerId="LiveId" clId="{7DF94DDA-9ECE-405F-9D9F-F38BC4F3E028}" dt="2021-02-28T15:21:52.889" v="1153" actId="27636"/>
+          <ac:spMkLst>
+            <pc:docMk/>
+            <pc:sldMk cId="2867110442" sldId="667"/>
+            <ac:spMk id="2" creationId="{00000000-0000-0000-0000-000000000000}"/>
+          </ac:spMkLst>
+        </pc:spChg>
+        <pc:cxnChg chg="del">
+          <ac:chgData name="Mike B" userId="5c4bf6a326bf31f5" providerId="LiveId" clId="{7DF94DDA-9ECE-405F-9D9F-F38BC4F3E028}" dt="2021-02-28T15:21:55.332" v="1154" actId="478"/>
+          <ac:cxnSpMkLst>
+            <pc:docMk/>
+            <pc:sldMk cId="2867110442" sldId="667"/>
+            <ac:cxnSpMk id="4" creationId="{00000000-0000-0000-0000-000000000000}"/>
+          </ac:cxnSpMkLst>
+        </pc:cxnChg>
+      </pc:sldChg>
+      <pc:sldChg chg="addSp delSp modSp add mod">
+        <pc:chgData name="Mike B" userId="5c4bf6a326bf31f5" providerId="LiveId" clId="{7DF94DDA-9ECE-405F-9D9F-F38BC4F3E028}" dt="2021-03-01T04:08:51.862" v="3345" actId="207"/>
+        <pc:sldMkLst>
+          <pc:docMk/>
+          <pc:sldMk cId="1971962464" sldId="690"/>
+        </pc:sldMkLst>
+        <pc:spChg chg="mod">
+          <ac:chgData name="Mike B" userId="5c4bf6a326bf31f5" providerId="LiveId" clId="{7DF94DDA-9ECE-405F-9D9F-F38BC4F3E028}" dt="2021-03-01T04:08:51.862" v="3345" actId="207"/>
+          <ac:spMkLst>
+            <pc:docMk/>
+            <pc:sldMk cId="1971962464" sldId="690"/>
+            <ac:spMk id="3" creationId="{00000000-0000-0000-0000-000000000000}"/>
+          </ac:spMkLst>
+        </pc:spChg>
+        <pc:spChg chg="mod">
+          <ac:chgData name="Mike B" userId="5c4bf6a326bf31f5" providerId="LiveId" clId="{7DF94DDA-9ECE-405F-9D9F-F38BC4F3E028}" dt="2021-02-28T23:49:41.371" v="2091" actId="1036"/>
+          <ac:spMkLst>
+            <pc:docMk/>
+            <pc:sldMk cId="1971962464" sldId="690"/>
+            <ac:spMk id="5" creationId="{00000000-0000-0000-0000-000000000000}"/>
+          </ac:spMkLst>
+        </pc:spChg>
+        <pc:spChg chg="mod">
+          <ac:chgData name="Mike B" userId="5c4bf6a326bf31f5" providerId="LiveId" clId="{7DF94DDA-9ECE-405F-9D9F-F38BC4F3E028}" dt="2021-02-28T23:49:41.371" v="2091" actId="1036"/>
+          <ac:spMkLst>
+            <pc:docMk/>
+            <pc:sldMk cId="1971962464" sldId="690"/>
+            <ac:spMk id="6" creationId="{00000000-0000-0000-0000-000000000000}"/>
+          </ac:spMkLst>
+        </pc:spChg>
+        <pc:spChg chg="add mod">
+          <ac:chgData name="Mike B" userId="5c4bf6a326bf31f5" providerId="LiveId" clId="{7DF94DDA-9ECE-405F-9D9F-F38BC4F3E028}" dt="2021-02-28T23:49:37.763" v="2081" actId="571"/>
+          <ac:spMkLst>
+            <pc:docMk/>
+            <pc:sldMk cId="1971962464" sldId="690"/>
+            <ac:spMk id="8" creationId="{185144BA-6626-4D4E-AE7F-A8E825150BDC}"/>
+          </ac:spMkLst>
+        </pc:spChg>
+        <pc:cxnChg chg="del">
+          <ac:chgData name="Mike B" userId="5c4bf6a326bf31f5" providerId="LiveId" clId="{7DF94DDA-9ECE-405F-9D9F-F38BC4F3E028}" dt="2021-02-28T15:19:54.213" v="1149" actId="478"/>
+          <ac:cxnSpMkLst>
+            <pc:docMk/>
+            <pc:sldMk cId="1971962464" sldId="690"/>
+            <ac:cxnSpMk id="4" creationId="{00000000-0000-0000-0000-000000000000}"/>
+          </ac:cxnSpMkLst>
+        </pc:cxnChg>
+      </pc:sldChg>
+      <pc:sldChg chg="delSp modSp add mod ord modAnim">
+        <pc:chgData name="Mike B" userId="5c4bf6a326bf31f5" providerId="LiveId" clId="{7DF94DDA-9ECE-405F-9D9F-F38BC4F3E028}" dt="2021-03-01T05:04:54.704" v="5252"/>
+        <pc:sldMkLst>
+          <pc:docMk/>
+          <pc:sldMk cId="4182831786" sldId="777"/>
+        </pc:sldMkLst>
+        <pc:spChg chg="mod">
+          <ac:chgData name="Mike B" userId="5c4bf6a326bf31f5" providerId="LiveId" clId="{7DF94DDA-9ECE-405F-9D9F-F38BC4F3E028}" dt="2021-03-01T04:49:31.140" v="4273" actId="20577"/>
+          <ac:spMkLst>
+            <pc:docMk/>
+            <pc:sldMk cId="4182831786" sldId="777"/>
+            <ac:spMk id="2" creationId="{00000000-0000-0000-0000-000000000000}"/>
+          </ac:spMkLst>
+        </pc:spChg>
+        <pc:spChg chg="mod">
+          <ac:chgData name="Mike B" userId="5c4bf6a326bf31f5" providerId="LiveId" clId="{7DF94DDA-9ECE-405F-9D9F-F38BC4F3E028}" dt="2021-03-01T05:04:37.827" v="5249" actId="20577"/>
+          <ac:spMkLst>
+            <pc:docMk/>
+            <pc:sldMk cId="4182831786" sldId="777"/>
+            <ac:spMk id="3" creationId="{00000000-0000-0000-0000-000000000000}"/>
+          </ac:spMkLst>
+        </pc:spChg>
+        <pc:picChg chg="del">
+          <ac:chgData name="Mike B" userId="5c4bf6a326bf31f5" providerId="LiveId" clId="{7DF94DDA-9ECE-405F-9D9F-F38BC4F3E028}" dt="2021-03-01T04:02:18.198" v="3285" actId="478"/>
+          <ac:picMkLst>
+            <pc:docMk/>
+            <pc:sldMk cId="4182831786" sldId="777"/>
+            <ac:picMk id="1026" creationId="{CB8555D6-502C-474E-BDBB-06EDBFE03767}"/>
+          </ac:picMkLst>
+        </pc:picChg>
+        <pc:cxnChg chg="del">
+          <ac:chgData name="Mike B" userId="5c4bf6a326bf31f5" providerId="LiveId" clId="{7DF94DDA-9ECE-405F-9D9F-F38BC4F3E028}" dt="2021-02-28T15:28:37.831" v="1164" actId="478"/>
+          <ac:cxnSpMkLst>
+            <pc:docMk/>
+            <pc:sldMk cId="4182831786" sldId="777"/>
+            <ac:cxnSpMk id="4" creationId="{00000000-0000-0000-0000-000000000000}"/>
+          </ac:cxnSpMkLst>
+        </pc:cxnChg>
+      </pc:sldChg>
+      <pc:sldChg chg="modSp add mod ord modAnim">
+        <pc:chgData name="Mike B" userId="5c4bf6a326bf31f5" providerId="LiveId" clId="{7DF94DDA-9ECE-405F-9D9F-F38BC4F3E028}" dt="2021-03-01T05:13:57.748" v="5889"/>
         <pc:sldMkLst>
           <pc:docMk/>
           <pc:sldMk cId="2691135494" sldId="778"/>
         </pc:sldMkLst>
         <pc:spChg chg="mod">
-          <ac:chgData name="Mike B" userId="5c4bf6a326bf31f5" providerId="LiveId" clId="{3432D430-2FD5-4C55-B9AB-5F320ADAA244}" dt="2022-02-21T17:18:01.634" v="67" actId="20577"/>
+          <ac:chgData name="Mike B" userId="5c4bf6a326bf31f5" providerId="LiveId" clId="{7DF94DDA-9ECE-405F-9D9F-F38BC4F3E028}" dt="2021-03-01T05:13:32.948" v="5886" actId="20577"/>
           <ac:spMkLst>
             <pc:docMk/>
             <pc:sldMk cId="2691135494" sldId="778"/>
@@ -290,14 +1905,45 @@
           </ac:spMkLst>
         </pc:spChg>
       </pc:sldChg>
-      <pc:sldChg chg="modSp mod">
-        <pc:chgData name="Mike B" userId="5c4bf6a326bf31f5" providerId="LiveId" clId="{3432D430-2FD5-4C55-B9AB-5F320ADAA244}" dt="2022-02-12T20:29:15.286" v="63" actId="20577"/>
+      <pc:sldChg chg="modSp add del mod">
+        <pc:chgData name="Mike B" userId="5c4bf6a326bf31f5" providerId="LiveId" clId="{7DF94DDA-9ECE-405F-9D9F-F38BC4F3E028}" dt="2021-03-01T05:22:41.563" v="5892" actId="2696"/>
+        <pc:sldMkLst>
+          <pc:docMk/>
+          <pc:sldMk cId="224866087" sldId="779"/>
+        </pc:sldMkLst>
+        <pc:spChg chg="mod">
+          <ac:chgData name="Mike B" userId="5c4bf6a326bf31f5" providerId="LiveId" clId="{7DF94DDA-9ECE-405F-9D9F-F38BC4F3E028}" dt="2021-03-01T04:45:05.724" v="4146" actId="20577"/>
+          <ac:spMkLst>
+            <pc:docMk/>
+            <pc:sldMk cId="224866087" sldId="779"/>
+            <ac:spMk id="2" creationId="{00000000-0000-0000-0000-000000000000}"/>
+          </ac:spMkLst>
+        </pc:spChg>
+        <pc:spChg chg="mod">
+          <ac:chgData name="Mike B" userId="5c4bf6a326bf31f5" providerId="LiveId" clId="{7DF94DDA-9ECE-405F-9D9F-F38BC4F3E028}" dt="2021-03-01T04:45:09.474" v="4148" actId="20577"/>
+          <ac:spMkLst>
+            <pc:docMk/>
+            <pc:sldMk cId="224866087" sldId="779"/>
+            <ac:spMk id="3" creationId="{00000000-0000-0000-0000-000000000000}"/>
+          </ac:spMkLst>
+        </pc:spChg>
+      </pc:sldChg>
+      <pc:sldChg chg="modSp add mod">
+        <pc:chgData name="Mike B" userId="5c4bf6a326bf31f5" providerId="LiveId" clId="{7DF94DDA-9ECE-405F-9D9F-F38BC4F3E028}" dt="2021-03-01T05:28:41.373" v="6418" actId="113"/>
         <pc:sldMkLst>
           <pc:docMk/>
           <pc:sldMk cId="494230690" sldId="780"/>
         </pc:sldMkLst>
         <pc:spChg chg="mod">
-          <ac:chgData name="Mike B" userId="5c4bf6a326bf31f5" providerId="LiveId" clId="{3432D430-2FD5-4C55-B9AB-5F320ADAA244}" dt="2022-02-12T20:29:15.286" v="63" actId="20577"/>
+          <ac:chgData name="Mike B" userId="5c4bf6a326bf31f5" providerId="LiveId" clId="{7DF94DDA-9ECE-405F-9D9F-F38BC4F3E028}" dt="2021-03-01T04:46:16.233" v="4219" actId="20577"/>
+          <ac:spMkLst>
+            <pc:docMk/>
+            <pc:sldMk cId="494230690" sldId="780"/>
+            <ac:spMk id="2" creationId="{00000000-0000-0000-0000-000000000000}"/>
+          </ac:spMkLst>
+        </pc:spChg>
+        <pc:spChg chg="mod">
+          <ac:chgData name="Mike B" userId="5c4bf6a326bf31f5" providerId="LiveId" clId="{7DF94DDA-9ECE-405F-9D9F-F38BC4F3E028}" dt="2021-03-01T05:28:41.373" v="6418" actId="113"/>
           <ac:spMkLst>
             <pc:docMk/>
             <pc:sldMk cId="494230690" sldId="780"/>
@@ -305,14 +1951,29 @@
           </ac:spMkLst>
         </pc:spChg>
       </pc:sldChg>
-      <pc:sldChg chg="modSp mod">
-        <pc:chgData name="Mike B" userId="5c4bf6a326bf31f5" providerId="LiveId" clId="{3432D430-2FD5-4C55-B9AB-5F320ADAA244}" dt="2022-02-12T20:29:22.156" v="66" actId="20577"/>
+      <pc:sldChg chg="modSp add modAnim">
+        <pc:chgData name="Mike B" userId="5c4bf6a326bf31f5" providerId="LiveId" clId="{7DF94DDA-9ECE-405F-9D9F-F38BC4F3E028}" dt="2021-03-01T05:16:38.528" v="5891" actId="113"/>
+        <pc:sldMkLst>
+          <pc:docMk/>
+          <pc:sldMk cId="1889596787" sldId="781"/>
+        </pc:sldMkLst>
+        <pc:spChg chg="mod">
+          <ac:chgData name="Mike B" userId="5c4bf6a326bf31f5" providerId="LiveId" clId="{7DF94DDA-9ECE-405F-9D9F-F38BC4F3E028}" dt="2021-03-01T05:16:38.528" v="5891" actId="113"/>
+          <ac:spMkLst>
+            <pc:docMk/>
+            <pc:sldMk cId="1889596787" sldId="781"/>
+            <ac:spMk id="3" creationId="{00000000-0000-0000-0000-000000000000}"/>
+          </ac:spMkLst>
+        </pc:spChg>
+      </pc:sldChg>
+      <pc:sldChg chg="modSp add mod">
+        <pc:chgData name="Mike B" userId="5c4bf6a326bf31f5" providerId="LiveId" clId="{7DF94DDA-9ECE-405F-9D9F-F38BC4F3E028}" dt="2021-03-01T05:33:47.333" v="6739" actId="113"/>
         <pc:sldMkLst>
           <pc:docMk/>
           <pc:sldMk cId="184063669" sldId="782"/>
         </pc:sldMkLst>
         <pc:spChg chg="mod">
-          <ac:chgData name="Mike B" userId="5c4bf6a326bf31f5" providerId="LiveId" clId="{3432D430-2FD5-4C55-B9AB-5F320ADAA244}" dt="2022-02-12T20:29:22.156" v="66" actId="20577"/>
+          <ac:chgData name="Mike B" userId="5c4bf6a326bf31f5" providerId="LiveId" clId="{7DF94DDA-9ECE-405F-9D9F-F38BC4F3E028}" dt="2021-03-01T05:33:47.333" v="6739" actId="113"/>
           <ac:spMkLst>
             <pc:docMk/>
             <pc:sldMk cId="184063669" sldId="782"/>
@@ -1265,20 +2926,759 @@
     </pc:docChg>
   </pc:docChgLst>
   <pc:docChgLst>
-    <pc:chgData name="Mike B" userId="5c4bf6a326bf31f5" providerId="LiveId" clId="{76DDEA14-774A-4263-9F62-41BDB638666F}"/>
-    <pc:docChg chg="undo custSel addSld delSld modSld">
-      <pc:chgData name="Mike B" userId="5c4bf6a326bf31f5" providerId="LiveId" clId="{76DDEA14-774A-4263-9F62-41BDB638666F}" dt="2025-01-08T17:34:27.689" v="776" actId="5793"/>
+    <pc:chgData name="Mike B" userId="5c4bf6a326bf31f5" providerId="LiveId" clId="{CA9E3862-C9B9-4CB0-9634-9A3C92A9E2D3}"/>
+    <pc:docChg chg="undo custSel addSld delSld modSld sldOrd">
+      <pc:chgData name="Mike B" userId="5c4bf6a326bf31f5" providerId="LiveId" clId="{CA9E3862-C9B9-4CB0-9634-9A3C92A9E2D3}" dt="2025-02-09T23:32:54.199" v="5733" actId="1076"/>
       <pc:docMkLst>
         <pc:docMk/>
       </pc:docMkLst>
       <pc:sldChg chg="modSp mod">
-        <pc:chgData name="Mike B" userId="5c4bf6a326bf31f5" providerId="LiveId" clId="{76DDEA14-774A-4263-9F62-41BDB638666F}" dt="2025-01-08T17:07:53.029" v="109" actId="20577"/>
+        <pc:chgData name="Mike B" userId="5c4bf6a326bf31f5" providerId="LiveId" clId="{CA9E3862-C9B9-4CB0-9634-9A3C92A9E2D3}" dt="2025-02-09T18:33:33.440" v="72" actId="1076"/>
         <pc:sldMkLst>
           <pc:docMk/>
           <pc:sldMk cId="0" sldId="256"/>
         </pc:sldMkLst>
         <pc:spChg chg="mod">
-          <ac:chgData name="Mike B" userId="5c4bf6a326bf31f5" providerId="LiveId" clId="{76DDEA14-774A-4263-9F62-41BDB638666F}" dt="2025-01-03T01:30:47.274" v="33" actId="20577"/>
+          <ac:chgData name="Mike B" userId="5c4bf6a326bf31f5" providerId="LiveId" clId="{CA9E3862-C9B9-4CB0-9634-9A3C92A9E2D3}" dt="2025-02-09T18:33:33.440" v="72" actId="1076"/>
+          <ac:spMkLst>
+            <pc:docMk/>
+            <pc:sldMk cId="0" sldId="256"/>
+            <ac:spMk id="2051" creationId="{00000000-0000-0000-0000-000000000000}"/>
+          </ac:spMkLst>
+        </pc:spChg>
+      </pc:sldChg>
+      <pc:sldChg chg="modSp mod">
+        <pc:chgData name="Mike B" userId="5c4bf6a326bf31f5" providerId="LiveId" clId="{CA9E3862-C9B9-4CB0-9634-9A3C92A9E2D3}" dt="2025-02-09T18:34:30.295" v="269" actId="20577"/>
+        <pc:sldMkLst>
+          <pc:docMk/>
+          <pc:sldMk cId="0" sldId="287"/>
+        </pc:sldMkLst>
+        <pc:spChg chg="mod">
+          <ac:chgData name="Mike B" userId="5c4bf6a326bf31f5" providerId="LiveId" clId="{CA9E3862-C9B9-4CB0-9634-9A3C92A9E2D3}" dt="2025-02-09T18:34:30.295" v="269" actId="20577"/>
+          <ac:spMkLst>
+            <pc:docMk/>
+            <pc:sldMk cId="0" sldId="287"/>
+            <ac:spMk id="119811" creationId="{00000000-0000-0000-0000-000000000000}"/>
+          </ac:spMkLst>
+        </pc:spChg>
+      </pc:sldChg>
+      <pc:sldChg chg="modSp mod">
+        <pc:chgData name="Mike B" userId="5c4bf6a326bf31f5" providerId="LiveId" clId="{CA9E3862-C9B9-4CB0-9634-9A3C92A9E2D3}" dt="2025-02-09T19:35:06.628" v="1958" actId="20577"/>
+        <pc:sldMkLst>
+          <pc:docMk/>
+          <pc:sldMk cId="1782408873" sldId="342"/>
+        </pc:sldMkLst>
+        <pc:spChg chg="mod">
+          <ac:chgData name="Mike B" userId="5c4bf6a326bf31f5" providerId="LiveId" clId="{CA9E3862-C9B9-4CB0-9634-9A3C92A9E2D3}" dt="2025-02-09T19:35:06.628" v="1958" actId="20577"/>
+          <ac:spMkLst>
+            <pc:docMk/>
+            <pc:sldMk cId="1782408873" sldId="342"/>
+            <ac:spMk id="3" creationId="{00000000-0000-0000-0000-000000000000}"/>
+          </ac:spMkLst>
+        </pc:spChg>
+        <pc:spChg chg="mod">
+          <ac:chgData name="Mike B" userId="5c4bf6a326bf31f5" providerId="LiveId" clId="{CA9E3862-C9B9-4CB0-9634-9A3C92A9E2D3}" dt="2025-02-09T18:34:46.281" v="323" actId="20577"/>
+          <ac:spMkLst>
+            <pc:docMk/>
+            <pc:sldMk cId="1782408873" sldId="342"/>
+            <ac:spMk id="4" creationId="{00000000-0000-0000-0000-000000000000}"/>
+          </ac:spMkLst>
+        </pc:spChg>
+      </pc:sldChg>
+      <pc:sldChg chg="modSp mod">
+        <pc:chgData name="Mike B" userId="5c4bf6a326bf31f5" providerId="LiveId" clId="{CA9E3862-C9B9-4CB0-9634-9A3C92A9E2D3}" dt="2025-02-09T18:36:57.922" v="412" actId="20577"/>
+        <pc:sldMkLst>
+          <pc:docMk/>
+          <pc:sldMk cId="3710951061" sldId="361"/>
+        </pc:sldMkLst>
+        <pc:spChg chg="mod">
+          <ac:chgData name="Mike B" userId="5c4bf6a326bf31f5" providerId="LiveId" clId="{CA9E3862-C9B9-4CB0-9634-9A3C92A9E2D3}" dt="2025-02-09T18:36:57.922" v="412" actId="20577"/>
+          <ac:spMkLst>
+            <pc:docMk/>
+            <pc:sldMk cId="3710951061" sldId="361"/>
+            <ac:spMk id="118787" creationId="{00000000-0000-0000-0000-000000000000}"/>
+          </ac:spMkLst>
+        </pc:spChg>
+      </pc:sldChg>
+      <pc:sldChg chg="delSp modSp add mod">
+        <pc:chgData name="Mike B" userId="5c4bf6a326bf31f5" providerId="LiveId" clId="{CA9E3862-C9B9-4CB0-9634-9A3C92A9E2D3}" dt="2025-02-09T19:05:31.108" v="786" actId="20577"/>
+        <pc:sldMkLst>
+          <pc:docMk/>
+          <pc:sldMk cId="3503305135" sldId="505"/>
+        </pc:sldMkLst>
+        <pc:spChg chg="mod">
+          <ac:chgData name="Mike B" userId="5c4bf6a326bf31f5" providerId="LiveId" clId="{CA9E3862-C9B9-4CB0-9634-9A3C92A9E2D3}" dt="2025-02-09T18:40:26.361" v="451" actId="20577"/>
+          <ac:spMkLst>
+            <pc:docMk/>
+            <pc:sldMk cId="3503305135" sldId="505"/>
+            <ac:spMk id="2" creationId="{00000000-0000-0000-0000-000000000000}"/>
+          </ac:spMkLst>
+        </pc:spChg>
+        <pc:spChg chg="mod">
+          <ac:chgData name="Mike B" userId="5c4bf6a326bf31f5" providerId="LiveId" clId="{CA9E3862-C9B9-4CB0-9634-9A3C92A9E2D3}" dt="2025-02-09T19:05:31.108" v="786" actId="20577"/>
+          <ac:spMkLst>
+            <pc:docMk/>
+            <pc:sldMk cId="3503305135" sldId="505"/>
+            <ac:spMk id="3" creationId="{00000000-0000-0000-0000-000000000000}"/>
+          </ac:spMkLst>
+        </pc:spChg>
+        <pc:cxnChg chg="del">
+          <ac:chgData name="Mike B" userId="5c4bf6a326bf31f5" providerId="LiveId" clId="{CA9E3862-C9B9-4CB0-9634-9A3C92A9E2D3}" dt="2025-02-09T18:37:33.691" v="414" actId="478"/>
+          <ac:cxnSpMkLst>
+            <pc:docMk/>
+            <pc:sldMk cId="3503305135" sldId="505"/>
+            <ac:cxnSpMk id="4" creationId="{00000000-0000-0000-0000-000000000000}"/>
+          </ac:cxnSpMkLst>
+        </pc:cxnChg>
+      </pc:sldChg>
+      <pc:sldChg chg="addSp delSp modSp mod ord delAnim modAnim">
+        <pc:chgData name="Mike B" userId="5c4bf6a326bf31f5" providerId="LiveId" clId="{CA9E3862-C9B9-4CB0-9634-9A3C92A9E2D3}" dt="2025-02-09T19:14:30.689" v="1483"/>
+        <pc:sldMkLst>
+          <pc:docMk/>
+          <pc:sldMk cId="3749001237" sldId="633"/>
+        </pc:sldMkLst>
+        <pc:spChg chg="mod">
+          <ac:chgData name="Mike B" userId="5c4bf6a326bf31f5" providerId="LiveId" clId="{CA9E3862-C9B9-4CB0-9634-9A3C92A9E2D3}" dt="2025-02-09T19:05:41.393" v="807" actId="20577"/>
+          <ac:spMkLst>
+            <pc:docMk/>
+            <pc:sldMk cId="3749001237" sldId="633"/>
+            <ac:spMk id="2" creationId="{00000000-0000-0000-0000-000000000000}"/>
+          </ac:spMkLst>
+        </pc:spChg>
+        <pc:spChg chg="del mod">
+          <ac:chgData name="Mike B" userId="5c4bf6a326bf31f5" providerId="LiveId" clId="{CA9E3862-C9B9-4CB0-9634-9A3C92A9E2D3}" dt="2025-02-09T19:07:29.774" v="811"/>
+          <ac:spMkLst>
+            <pc:docMk/>
+            <pc:sldMk cId="3749001237" sldId="633"/>
+            <ac:spMk id="3" creationId="{00000000-0000-0000-0000-000000000000}"/>
+          </ac:spMkLst>
+        </pc:spChg>
+        <pc:picChg chg="del">
+          <ac:chgData name="Mike B" userId="5c4bf6a326bf31f5" providerId="LiveId" clId="{CA9E3862-C9B9-4CB0-9634-9A3C92A9E2D3}" dt="2025-02-09T19:07:00.048" v="810" actId="478"/>
+          <ac:picMkLst>
+            <pc:docMk/>
+            <pc:sldMk cId="3749001237" sldId="633"/>
+            <ac:picMk id="4" creationId="{CB00E1B8-B613-75EC-1061-57D6DAE59F8C}"/>
+          </ac:picMkLst>
+        </pc:picChg>
+        <pc:picChg chg="add mod modCrop">
+          <ac:chgData name="Mike B" userId="5c4bf6a326bf31f5" providerId="LiveId" clId="{CA9E3862-C9B9-4CB0-9634-9A3C92A9E2D3}" dt="2025-02-09T19:07:59.252" v="825" actId="1076"/>
+          <ac:picMkLst>
+            <pc:docMk/>
+            <pc:sldMk cId="3749001237" sldId="633"/>
+            <ac:picMk id="7" creationId="{43ACC42A-32CC-DC90-C72B-939295007115}"/>
+          </ac:picMkLst>
+        </pc:picChg>
+        <pc:picChg chg="add mod">
+          <ac:chgData name="Mike B" userId="5c4bf6a326bf31f5" providerId="LiveId" clId="{CA9E3862-C9B9-4CB0-9634-9A3C92A9E2D3}" dt="2025-02-09T19:14:30.689" v="1483"/>
+          <ac:picMkLst>
+            <pc:docMk/>
+            <pc:sldMk cId="3749001237" sldId="633"/>
+            <ac:picMk id="9" creationId="{0C5FD40B-B37D-8672-73F1-1A8B6F3942FD}"/>
+          </ac:picMkLst>
+        </pc:picChg>
+      </pc:sldChg>
+      <pc:sldChg chg="modSp mod">
+        <pc:chgData name="Mike B" userId="5c4bf6a326bf31f5" providerId="LiveId" clId="{CA9E3862-C9B9-4CB0-9634-9A3C92A9E2D3}" dt="2025-02-09T19:13:58.342" v="1478" actId="20577"/>
+        <pc:sldMkLst>
+          <pc:docMk/>
+          <pc:sldMk cId="28306766" sldId="634"/>
+        </pc:sldMkLst>
+        <pc:spChg chg="mod">
+          <ac:chgData name="Mike B" userId="5c4bf6a326bf31f5" providerId="LiveId" clId="{CA9E3862-C9B9-4CB0-9634-9A3C92A9E2D3}" dt="2025-02-09T19:13:58.342" v="1478" actId="20577"/>
+          <ac:spMkLst>
+            <pc:docMk/>
+            <pc:sldMk cId="28306766" sldId="634"/>
+            <ac:spMk id="3" creationId="{00000000-0000-0000-0000-000000000000}"/>
+          </ac:spMkLst>
+        </pc:spChg>
+        <pc:spChg chg="mod">
+          <ac:chgData name="Mike B" userId="5c4bf6a326bf31f5" providerId="LiveId" clId="{CA9E3862-C9B9-4CB0-9634-9A3C92A9E2D3}" dt="2025-02-09T18:35:02.646" v="346" actId="20577"/>
+          <ac:spMkLst>
+            <pc:docMk/>
+            <pc:sldMk cId="28306766" sldId="634"/>
+            <ac:spMk id="4" creationId="{00000000-0000-0000-0000-000000000000}"/>
+          </ac:spMkLst>
+        </pc:spChg>
+      </pc:sldChg>
+      <pc:sldChg chg="del">
+        <pc:chgData name="Mike B" userId="5c4bf6a326bf31f5" providerId="LiveId" clId="{CA9E3862-C9B9-4CB0-9634-9A3C92A9E2D3}" dt="2025-02-09T19:28:41.254" v="1576" actId="2696"/>
+        <pc:sldMkLst>
+          <pc:docMk/>
+          <pc:sldMk cId="257875984" sldId="1229"/>
+        </pc:sldMkLst>
+      </pc:sldChg>
+      <pc:sldChg chg="del">
+        <pc:chgData name="Mike B" userId="5c4bf6a326bf31f5" providerId="LiveId" clId="{CA9E3862-C9B9-4CB0-9634-9A3C92A9E2D3}" dt="2025-02-09T19:23:25.884" v="1572" actId="2696"/>
+        <pc:sldMkLst>
+          <pc:docMk/>
+          <pc:sldMk cId="2843263528" sldId="1252"/>
+        </pc:sldMkLst>
+      </pc:sldChg>
+      <pc:sldChg chg="del">
+        <pc:chgData name="Mike B" userId="5c4bf6a326bf31f5" providerId="LiveId" clId="{CA9E3862-C9B9-4CB0-9634-9A3C92A9E2D3}" dt="2025-02-09T19:23:25.884" v="1572" actId="2696"/>
+        <pc:sldMkLst>
+          <pc:docMk/>
+          <pc:sldMk cId="557394895" sldId="1253"/>
+        </pc:sldMkLst>
+      </pc:sldChg>
+      <pc:sldChg chg="addSp modSp mod ord modAnim">
+        <pc:chgData name="Mike B" userId="5c4bf6a326bf31f5" providerId="LiveId" clId="{CA9E3862-C9B9-4CB0-9634-9A3C92A9E2D3}" dt="2025-02-09T23:32:54.199" v="5733" actId="1076"/>
+        <pc:sldMkLst>
+          <pc:docMk/>
+          <pc:sldMk cId="3984217516" sldId="1276"/>
+        </pc:sldMkLst>
+        <pc:spChg chg="mod">
+          <ac:chgData name="Mike B" userId="5c4bf6a326bf31f5" providerId="LiveId" clId="{CA9E3862-C9B9-4CB0-9634-9A3C92A9E2D3}" dt="2025-02-09T19:28:50.919" v="1590" actId="20577"/>
+          <ac:spMkLst>
+            <pc:docMk/>
+            <pc:sldMk cId="3984217516" sldId="1276"/>
+            <ac:spMk id="2" creationId="{00000000-0000-0000-0000-000000000000}"/>
+          </ac:spMkLst>
+        </pc:spChg>
+        <pc:spChg chg="mod">
+          <ac:chgData name="Mike B" userId="5c4bf6a326bf31f5" providerId="LiveId" clId="{CA9E3862-C9B9-4CB0-9634-9A3C92A9E2D3}" dt="2025-02-09T22:15:59.248" v="3360" actId="403"/>
+          <ac:spMkLst>
+            <pc:docMk/>
+            <pc:sldMk cId="3984217516" sldId="1276"/>
+            <ac:spMk id="3" creationId="{00000000-0000-0000-0000-000000000000}"/>
+          </ac:spMkLst>
+        </pc:spChg>
+        <pc:picChg chg="add mod">
+          <ac:chgData name="Mike B" userId="5c4bf6a326bf31f5" providerId="LiveId" clId="{CA9E3862-C9B9-4CB0-9634-9A3C92A9E2D3}" dt="2025-02-09T23:32:54.199" v="5733" actId="1076"/>
+          <ac:picMkLst>
+            <pc:docMk/>
+            <pc:sldMk cId="3984217516" sldId="1276"/>
+            <ac:picMk id="1026" creationId="{9F60C16B-5834-DD1F-E123-5EE1B2C4D0C9}"/>
+          </ac:picMkLst>
+        </pc:picChg>
+      </pc:sldChg>
+      <pc:sldChg chg="del">
+        <pc:chgData name="Mike B" userId="5c4bf6a326bf31f5" providerId="LiveId" clId="{CA9E3862-C9B9-4CB0-9634-9A3C92A9E2D3}" dt="2025-02-09T19:28:41.254" v="1576" actId="2696"/>
+        <pc:sldMkLst>
+          <pc:docMk/>
+          <pc:sldMk cId="67343306" sldId="1277"/>
+        </pc:sldMkLst>
+      </pc:sldChg>
+      <pc:sldChg chg="del">
+        <pc:chgData name="Mike B" userId="5c4bf6a326bf31f5" providerId="LiveId" clId="{CA9E3862-C9B9-4CB0-9634-9A3C92A9E2D3}" dt="2025-02-09T19:28:41.254" v="1576" actId="2696"/>
+        <pc:sldMkLst>
+          <pc:docMk/>
+          <pc:sldMk cId="885965288" sldId="1278"/>
+        </pc:sldMkLst>
+      </pc:sldChg>
+      <pc:sldChg chg="del">
+        <pc:chgData name="Mike B" userId="5c4bf6a326bf31f5" providerId="LiveId" clId="{CA9E3862-C9B9-4CB0-9634-9A3C92A9E2D3}" dt="2025-02-09T19:28:41.254" v="1576" actId="2696"/>
+        <pc:sldMkLst>
+          <pc:docMk/>
+          <pc:sldMk cId="1084163813" sldId="1279"/>
+        </pc:sldMkLst>
+      </pc:sldChg>
+      <pc:sldChg chg="del">
+        <pc:chgData name="Mike B" userId="5c4bf6a326bf31f5" providerId="LiveId" clId="{CA9E3862-C9B9-4CB0-9634-9A3C92A9E2D3}" dt="2025-02-09T19:28:41.254" v="1576" actId="2696"/>
+        <pc:sldMkLst>
+          <pc:docMk/>
+          <pc:sldMk cId="3503839129" sldId="1280"/>
+        </pc:sldMkLst>
+      </pc:sldChg>
+      <pc:sldChg chg="del">
+        <pc:chgData name="Mike B" userId="5c4bf6a326bf31f5" providerId="LiveId" clId="{CA9E3862-C9B9-4CB0-9634-9A3C92A9E2D3}" dt="2025-02-09T18:35:16.609" v="349" actId="2696"/>
+        <pc:sldMkLst>
+          <pc:docMk/>
+          <pc:sldMk cId="1487306533" sldId="1281"/>
+        </pc:sldMkLst>
+      </pc:sldChg>
+      <pc:sldChg chg="del">
+        <pc:chgData name="Mike B" userId="5c4bf6a326bf31f5" providerId="LiveId" clId="{CA9E3862-C9B9-4CB0-9634-9A3C92A9E2D3}" dt="2025-02-09T18:35:16.609" v="349" actId="2696"/>
+        <pc:sldMkLst>
+          <pc:docMk/>
+          <pc:sldMk cId="3136370519" sldId="1282"/>
+        </pc:sldMkLst>
+      </pc:sldChg>
+      <pc:sldChg chg="del">
+        <pc:chgData name="Mike B" userId="5c4bf6a326bf31f5" providerId="LiveId" clId="{CA9E3862-C9B9-4CB0-9634-9A3C92A9E2D3}" dt="2025-02-09T18:35:16.609" v="349" actId="2696"/>
+        <pc:sldMkLst>
+          <pc:docMk/>
+          <pc:sldMk cId="1178536652" sldId="1283"/>
+        </pc:sldMkLst>
+      </pc:sldChg>
+      <pc:sldChg chg="del">
+        <pc:chgData name="Mike B" userId="5c4bf6a326bf31f5" providerId="LiveId" clId="{CA9E3862-C9B9-4CB0-9634-9A3C92A9E2D3}" dt="2025-02-09T18:35:16.609" v="349" actId="2696"/>
+        <pc:sldMkLst>
+          <pc:docMk/>
+          <pc:sldMk cId="39351176" sldId="1284"/>
+        </pc:sldMkLst>
+      </pc:sldChg>
+      <pc:sldChg chg="del">
+        <pc:chgData name="Mike B" userId="5c4bf6a326bf31f5" providerId="LiveId" clId="{CA9E3862-C9B9-4CB0-9634-9A3C92A9E2D3}" dt="2025-02-09T18:35:16.609" v="349" actId="2696"/>
+        <pc:sldMkLst>
+          <pc:docMk/>
+          <pc:sldMk cId="281512540" sldId="1285"/>
+        </pc:sldMkLst>
+      </pc:sldChg>
+      <pc:sldChg chg="del">
+        <pc:chgData name="Mike B" userId="5c4bf6a326bf31f5" providerId="LiveId" clId="{CA9E3862-C9B9-4CB0-9634-9A3C92A9E2D3}" dt="2025-02-09T19:08:16.694" v="826" actId="2696"/>
+        <pc:sldMkLst>
+          <pc:docMk/>
+          <pc:sldMk cId="262171497" sldId="1286"/>
+        </pc:sldMkLst>
+      </pc:sldChg>
+      <pc:sldChg chg="add">
+        <pc:chgData name="Mike B" userId="5c4bf6a326bf31f5" providerId="LiveId" clId="{CA9E3862-C9B9-4CB0-9634-9A3C92A9E2D3}" dt="2025-02-09T18:40:17.464" v="417" actId="2890"/>
+        <pc:sldMkLst>
+          <pc:docMk/>
+          <pc:sldMk cId="4223104604" sldId="1287"/>
+        </pc:sldMkLst>
+      </pc:sldChg>
+      <pc:sldChg chg="modSp add mod">
+        <pc:chgData name="Mike B" userId="5c4bf6a326bf31f5" providerId="LiveId" clId="{CA9E3862-C9B9-4CB0-9634-9A3C92A9E2D3}" dt="2025-02-09T19:13:22.557" v="1371" actId="20577"/>
+        <pc:sldMkLst>
+          <pc:docMk/>
+          <pc:sldMk cId="3072931977" sldId="1288"/>
+        </pc:sldMkLst>
+        <pc:spChg chg="mod">
+          <ac:chgData name="Mike B" userId="5c4bf6a326bf31f5" providerId="LiveId" clId="{CA9E3862-C9B9-4CB0-9634-9A3C92A9E2D3}" dt="2025-02-09T19:10:39.355" v="903" actId="20577"/>
+          <ac:spMkLst>
+            <pc:docMk/>
+            <pc:sldMk cId="3072931977" sldId="1288"/>
+            <ac:spMk id="2" creationId="{00000000-0000-0000-0000-000000000000}"/>
+          </ac:spMkLst>
+        </pc:spChg>
+        <pc:spChg chg="mod">
+          <ac:chgData name="Mike B" userId="5c4bf6a326bf31f5" providerId="LiveId" clId="{CA9E3862-C9B9-4CB0-9634-9A3C92A9E2D3}" dt="2025-02-09T19:13:22.557" v="1371" actId="20577"/>
+          <ac:spMkLst>
+            <pc:docMk/>
+            <pc:sldMk cId="3072931977" sldId="1288"/>
+            <ac:spMk id="3" creationId="{00000000-0000-0000-0000-000000000000}"/>
+          </ac:spMkLst>
+        </pc:spChg>
+      </pc:sldChg>
+      <pc:sldChg chg="modSp add mod">
+        <pc:chgData name="Mike B" userId="5c4bf6a326bf31f5" providerId="LiveId" clId="{CA9E3862-C9B9-4CB0-9634-9A3C92A9E2D3}" dt="2025-02-09T19:22:36.220" v="1571" actId="1038"/>
+        <pc:sldMkLst>
+          <pc:docMk/>
+          <pc:sldMk cId="1356249108" sldId="1289"/>
+        </pc:sldMkLst>
+        <pc:spChg chg="mod">
+          <ac:chgData name="Mike B" userId="5c4bf6a326bf31f5" providerId="LiveId" clId="{CA9E3862-C9B9-4CB0-9634-9A3C92A9E2D3}" dt="2025-02-09T19:22:24.648" v="1568" actId="1076"/>
+          <ac:spMkLst>
+            <pc:docMk/>
+            <pc:sldMk cId="1356249108" sldId="1289"/>
+            <ac:spMk id="3" creationId="{00000000-0000-0000-0000-000000000000}"/>
+          </ac:spMkLst>
+        </pc:spChg>
+        <pc:spChg chg="mod">
+          <ac:chgData name="Mike B" userId="5c4bf6a326bf31f5" providerId="LiveId" clId="{CA9E3862-C9B9-4CB0-9634-9A3C92A9E2D3}" dt="2025-02-09T19:22:36.220" v="1571" actId="1038"/>
+          <ac:spMkLst>
+            <pc:docMk/>
+            <pc:sldMk cId="1356249108" sldId="1289"/>
+            <ac:spMk id="5" creationId="{EDD27F39-B0E5-4270-9E07-7D3312174843}"/>
+          </ac:spMkLst>
+        </pc:spChg>
+        <pc:spChg chg="mod">
+          <ac:chgData name="Mike B" userId="5c4bf6a326bf31f5" providerId="LiveId" clId="{CA9E3862-C9B9-4CB0-9634-9A3C92A9E2D3}" dt="2025-02-09T19:22:36.220" v="1571" actId="1038"/>
+          <ac:spMkLst>
+            <pc:docMk/>
+            <pc:sldMk cId="1356249108" sldId="1289"/>
+            <ac:spMk id="6" creationId="{FB2B3AEB-675E-D391-D802-572497FB434F}"/>
+          </ac:spMkLst>
+        </pc:spChg>
+      </pc:sldChg>
+      <pc:sldChg chg="modSp add">
+        <pc:chgData name="Mike B" userId="5c4bf6a326bf31f5" providerId="LiveId" clId="{CA9E3862-C9B9-4CB0-9634-9A3C92A9E2D3}" dt="2025-02-09T19:20:08.260" v="1567"/>
+        <pc:sldMkLst>
+          <pc:docMk/>
+          <pc:sldMk cId="1353297581" sldId="1290"/>
+        </pc:sldMkLst>
+        <pc:spChg chg="mod">
+          <ac:chgData name="Mike B" userId="5c4bf6a326bf31f5" providerId="LiveId" clId="{CA9E3862-C9B9-4CB0-9634-9A3C92A9E2D3}" dt="2025-02-09T19:19:49.438" v="1565"/>
+          <ac:spMkLst>
+            <pc:docMk/>
+            <pc:sldMk cId="1353297581" sldId="1290"/>
+            <ac:spMk id="5" creationId="{A1E53B62-D028-483B-9C41-F3886C2FEC52}"/>
+          </ac:spMkLst>
+        </pc:spChg>
+        <pc:spChg chg="mod">
+          <ac:chgData name="Mike B" userId="5c4bf6a326bf31f5" providerId="LiveId" clId="{CA9E3862-C9B9-4CB0-9634-9A3C92A9E2D3}" dt="2025-02-09T19:20:08.260" v="1567"/>
+          <ac:spMkLst>
+            <pc:docMk/>
+            <pc:sldMk cId="1353297581" sldId="1290"/>
+            <ac:spMk id="7" creationId="{BF315F32-BA82-AD04-3557-E8C8A2C21ACF}"/>
+          </ac:spMkLst>
+        </pc:spChg>
+      </pc:sldChg>
+      <pc:sldChg chg="add del">
+        <pc:chgData name="Mike B" userId="5c4bf6a326bf31f5" providerId="LiveId" clId="{CA9E3862-C9B9-4CB0-9634-9A3C92A9E2D3}" dt="2025-02-09T19:28:41.254" v="1576" actId="2696"/>
+        <pc:sldMkLst>
+          <pc:docMk/>
+          <pc:sldMk cId="1291721348" sldId="1291"/>
+        </pc:sldMkLst>
+      </pc:sldChg>
+      <pc:sldChg chg="modSp add mod modAnim">
+        <pc:chgData name="Mike B" userId="5c4bf6a326bf31f5" providerId="LiveId" clId="{CA9E3862-C9B9-4CB0-9634-9A3C92A9E2D3}" dt="2025-02-09T22:47:25.414" v="5407"/>
+        <pc:sldMkLst>
+          <pc:docMk/>
+          <pc:sldMk cId="1622789267" sldId="1291"/>
+        </pc:sldMkLst>
+        <pc:spChg chg="mod">
+          <ac:chgData name="Mike B" userId="5c4bf6a326bf31f5" providerId="LiveId" clId="{CA9E3862-C9B9-4CB0-9634-9A3C92A9E2D3}" dt="2025-02-09T19:29:29.852" v="1651" actId="20577"/>
+          <ac:spMkLst>
+            <pc:docMk/>
+            <pc:sldMk cId="1622789267" sldId="1291"/>
+            <ac:spMk id="2" creationId="{00000000-0000-0000-0000-000000000000}"/>
+          </ac:spMkLst>
+        </pc:spChg>
+        <pc:spChg chg="mod">
+          <ac:chgData name="Mike B" userId="5c4bf6a326bf31f5" providerId="LiveId" clId="{CA9E3862-C9B9-4CB0-9634-9A3C92A9E2D3}" dt="2025-02-09T22:19:51.237" v="3682" actId="20577"/>
+          <ac:spMkLst>
+            <pc:docMk/>
+            <pc:sldMk cId="1622789267" sldId="1291"/>
+            <ac:spMk id="3" creationId="{00000000-0000-0000-0000-000000000000}"/>
+          </ac:spMkLst>
+        </pc:spChg>
+      </pc:sldChg>
+      <pc:sldChg chg="modSp add mod modAnim">
+        <pc:chgData name="Mike B" userId="5c4bf6a326bf31f5" providerId="LiveId" clId="{CA9E3862-C9B9-4CB0-9634-9A3C92A9E2D3}" dt="2025-02-09T22:47:16.672" v="5405"/>
+        <pc:sldMkLst>
+          <pc:docMk/>
+          <pc:sldMk cId="3949934018" sldId="1292"/>
+        </pc:sldMkLst>
+        <pc:spChg chg="mod">
+          <ac:chgData name="Mike B" userId="5c4bf6a326bf31f5" providerId="LiveId" clId="{CA9E3862-C9B9-4CB0-9634-9A3C92A9E2D3}" dt="2025-02-09T19:29:18.690" v="1618" actId="20577"/>
+          <ac:spMkLst>
+            <pc:docMk/>
+            <pc:sldMk cId="3949934018" sldId="1292"/>
+            <ac:spMk id="2" creationId="{00000000-0000-0000-0000-000000000000}"/>
+          </ac:spMkLst>
+        </pc:spChg>
+        <pc:spChg chg="mod">
+          <ac:chgData name="Mike B" userId="5c4bf6a326bf31f5" providerId="LiveId" clId="{CA9E3862-C9B9-4CB0-9634-9A3C92A9E2D3}" dt="2025-02-09T22:15:51.404" v="3357" actId="403"/>
+          <ac:spMkLst>
+            <pc:docMk/>
+            <pc:sldMk cId="3949934018" sldId="1292"/>
+            <ac:spMk id="3" creationId="{00000000-0000-0000-0000-000000000000}"/>
+          </ac:spMkLst>
+        </pc:spChg>
+      </pc:sldChg>
+      <pc:sldChg chg="addSp modSp add mod modAnim">
+        <pc:chgData name="Mike B" userId="5c4bf6a326bf31f5" providerId="LiveId" clId="{CA9E3862-C9B9-4CB0-9634-9A3C92A9E2D3}" dt="2025-02-09T22:47:40.131" v="5411"/>
+        <pc:sldMkLst>
+          <pc:docMk/>
+          <pc:sldMk cId="3294465588" sldId="1293"/>
+        </pc:sldMkLst>
+        <pc:spChg chg="mod">
+          <ac:chgData name="Mike B" userId="5c4bf6a326bf31f5" providerId="LiveId" clId="{CA9E3862-C9B9-4CB0-9634-9A3C92A9E2D3}" dt="2025-02-09T19:29:55.442" v="1655" actId="20577"/>
+          <ac:spMkLst>
+            <pc:docMk/>
+            <pc:sldMk cId="3294465588" sldId="1293"/>
+            <ac:spMk id="2" creationId="{00000000-0000-0000-0000-000000000000}"/>
+          </ac:spMkLst>
+        </pc:spChg>
+        <pc:spChg chg="mod">
+          <ac:chgData name="Mike B" userId="5c4bf6a326bf31f5" providerId="LiveId" clId="{CA9E3862-C9B9-4CB0-9634-9A3C92A9E2D3}" dt="2025-02-09T22:21:19.146" v="3764" actId="404"/>
+          <ac:spMkLst>
+            <pc:docMk/>
+            <pc:sldMk cId="3294465588" sldId="1293"/>
+            <ac:spMk id="3" creationId="{00000000-0000-0000-0000-000000000000}"/>
+          </ac:spMkLst>
+        </pc:spChg>
+        <pc:spChg chg="add mod">
+          <ac:chgData name="Mike B" userId="5c4bf6a326bf31f5" providerId="LiveId" clId="{CA9E3862-C9B9-4CB0-9634-9A3C92A9E2D3}" dt="2025-02-09T22:16:52.717" v="3456" actId="1036"/>
+          <ac:spMkLst>
+            <pc:docMk/>
+            <pc:sldMk cId="3294465588" sldId="1293"/>
+            <ac:spMk id="4" creationId="{C6676B5C-CC1C-B9D0-47DC-69DC834B15DB}"/>
+          </ac:spMkLst>
+        </pc:spChg>
+        <pc:spChg chg="add mod">
+          <ac:chgData name="Mike B" userId="5c4bf6a326bf31f5" providerId="LiveId" clId="{CA9E3862-C9B9-4CB0-9634-9A3C92A9E2D3}" dt="2025-02-09T22:16:52.717" v="3456" actId="1036"/>
+          <ac:spMkLst>
+            <pc:docMk/>
+            <pc:sldMk cId="3294465588" sldId="1293"/>
+            <ac:spMk id="6" creationId="{46FAB627-5928-6AAA-6AA0-9D9AD7CAF1C4}"/>
+          </ac:spMkLst>
+        </pc:spChg>
+      </pc:sldChg>
+      <pc:sldChg chg="addSp modSp add del mod modAnim">
+        <pc:chgData name="Mike B" userId="5c4bf6a326bf31f5" providerId="LiveId" clId="{CA9E3862-C9B9-4CB0-9634-9A3C92A9E2D3}" dt="2025-02-09T22:22:53.008" v="3784" actId="2696"/>
+        <pc:sldMkLst>
+          <pc:docMk/>
+          <pc:sldMk cId="382575988" sldId="1294"/>
+        </pc:sldMkLst>
+        <pc:spChg chg="mod">
+          <ac:chgData name="Mike B" userId="5c4bf6a326bf31f5" providerId="LiveId" clId="{CA9E3862-C9B9-4CB0-9634-9A3C92A9E2D3}" dt="2025-02-09T19:30:02.395" v="1659" actId="20577"/>
+          <ac:spMkLst>
+            <pc:docMk/>
+            <pc:sldMk cId="382575988" sldId="1294"/>
+            <ac:spMk id="2" creationId="{00000000-0000-0000-0000-000000000000}"/>
+          </ac:spMkLst>
+        </pc:spChg>
+        <pc:spChg chg="mod">
+          <ac:chgData name="Mike B" userId="5c4bf6a326bf31f5" providerId="LiveId" clId="{CA9E3862-C9B9-4CB0-9634-9A3C92A9E2D3}" dt="2025-02-09T19:51:16.220" v="2408" actId="20577"/>
+          <ac:spMkLst>
+            <pc:docMk/>
+            <pc:sldMk cId="382575988" sldId="1294"/>
+            <ac:spMk id="3" creationId="{00000000-0000-0000-0000-000000000000}"/>
+          </ac:spMkLst>
+        </pc:spChg>
+        <pc:spChg chg="add mod">
+          <ac:chgData name="Mike B" userId="5c4bf6a326bf31f5" providerId="LiveId" clId="{CA9E3862-C9B9-4CB0-9634-9A3C92A9E2D3}" dt="2025-02-09T19:45:18.079" v="2006" actId="20577"/>
+          <ac:spMkLst>
+            <pc:docMk/>
+            <pc:sldMk cId="382575988" sldId="1294"/>
+            <ac:spMk id="4" creationId="{4701E165-13EA-E50B-A0FC-6CDA04E5AB90}"/>
+          </ac:spMkLst>
+        </pc:spChg>
+      </pc:sldChg>
+      <pc:sldChg chg="modSp add mod modAnim">
+        <pc:chgData name="Mike B" userId="5c4bf6a326bf31f5" providerId="LiveId" clId="{CA9E3862-C9B9-4CB0-9634-9A3C92A9E2D3}" dt="2025-02-09T22:47:57.330" v="5415"/>
+        <pc:sldMkLst>
+          <pc:docMk/>
+          <pc:sldMk cId="3647041996" sldId="1295"/>
+        </pc:sldMkLst>
+        <pc:spChg chg="mod">
+          <ac:chgData name="Mike B" userId="5c4bf6a326bf31f5" providerId="LiveId" clId="{CA9E3862-C9B9-4CB0-9634-9A3C92A9E2D3}" dt="2025-02-09T19:30:12.860" v="1699" actId="20577"/>
+          <ac:spMkLst>
+            <pc:docMk/>
+            <pc:sldMk cId="3647041996" sldId="1295"/>
+            <ac:spMk id="2" creationId="{00000000-0000-0000-0000-000000000000}"/>
+          </ac:spMkLst>
+        </pc:spChg>
+        <pc:spChg chg="mod">
+          <ac:chgData name="Mike B" userId="5c4bf6a326bf31f5" providerId="LiveId" clId="{CA9E3862-C9B9-4CB0-9634-9A3C92A9E2D3}" dt="2025-02-09T19:55:05.717" v="2879" actId="403"/>
+          <ac:spMkLst>
+            <pc:docMk/>
+            <pc:sldMk cId="3647041996" sldId="1295"/>
+            <ac:spMk id="3" creationId="{00000000-0000-0000-0000-000000000000}"/>
+          </ac:spMkLst>
+        </pc:spChg>
+      </pc:sldChg>
+      <pc:sldChg chg="modSp add mod ord modAnim">
+        <pc:chgData name="Mike B" userId="5c4bf6a326bf31f5" providerId="LiveId" clId="{CA9E3862-C9B9-4CB0-9634-9A3C92A9E2D3}" dt="2025-02-09T22:48:06.459" v="5417"/>
+        <pc:sldMkLst>
+          <pc:docMk/>
+          <pc:sldMk cId="2409391132" sldId="1296"/>
+        </pc:sldMkLst>
+        <pc:spChg chg="mod">
+          <ac:chgData name="Mike B" userId="5c4bf6a326bf31f5" providerId="LiveId" clId="{CA9E3862-C9B9-4CB0-9634-9A3C92A9E2D3}" dt="2025-02-09T19:31:06.346" v="1749" actId="20577"/>
+          <ac:spMkLst>
+            <pc:docMk/>
+            <pc:sldMk cId="2409391132" sldId="1296"/>
+            <ac:spMk id="2" creationId="{00000000-0000-0000-0000-000000000000}"/>
+          </ac:spMkLst>
+        </pc:spChg>
+        <pc:spChg chg="mod">
+          <ac:chgData name="Mike B" userId="5c4bf6a326bf31f5" providerId="LiveId" clId="{CA9E3862-C9B9-4CB0-9634-9A3C92A9E2D3}" dt="2025-02-09T22:28:24.204" v="4143" actId="20577"/>
+          <ac:spMkLst>
+            <pc:docMk/>
+            <pc:sldMk cId="2409391132" sldId="1296"/>
+            <ac:spMk id="3" creationId="{00000000-0000-0000-0000-000000000000}"/>
+          </ac:spMkLst>
+        </pc:spChg>
+      </pc:sldChg>
+      <pc:sldChg chg="modSp add mod modAnim">
+        <pc:chgData name="Mike B" userId="5c4bf6a326bf31f5" providerId="LiveId" clId="{CA9E3862-C9B9-4CB0-9634-9A3C92A9E2D3}" dt="2025-02-09T22:48:17.698" v="5420"/>
+        <pc:sldMkLst>
+          <pc:docMk/>
+          <pc:sldMk cId="2529125202" sldId="1297"/>
+        </pc:sldMkLst>
+        <pc:spChg chg="mod">
+          <ac:chgData name="Mike B" userId="5c4bf6a326bf31f5" providerId="LiveId" clId="{CA9E3862-C9B9-4CB0-9634-9A3C92A9E2D3}" dt="2025-02-09T22:31:39.345" v="4149" actId="20577"/>
+          <ac:spMkLst>
+            <pc:docMk/>
+            <pc:sldMk cId="2529125202" sldId="1297"/>
+            <ac:spMk id="2" creationId="{00000000-0000-0000-0000-000000000000}"/>
+          </ac:spMkLst>
+        </pc:spChg>
+        <pc:spChg chg="mod">
+          <ac:chgData name="Mike B" userId="5c4bf6a326bf31f5" providerId="LiveId" clId="{CA9E3862-C9B9-4CB0-9634-9A3C92A9E2D3}" dt="2025-02-09T22:34:13.159" v="4535" actId="403"/>
+          <ac:spMkLst>
+            <pc:docMk/>
+            <pc:sldMk cId="2529125202" sldId="1297"/>
+            <ac:spMk id="3" creationId="{00000000-0000-0000-0000-000000000000}"/>
+          </ac:spMkLst>
+        </pc:spChg>
+      </pc:sldChg>
+      <pc:sldChg chg="addSp modSp add mod modAnim">
+        <pc:chgData name="Mike B" userId="5c4bf6a326bf31f5" providerId="LiveId" clId="{CA9E3862-C9B9-4CB0-9634-9A3C92A9E2D3}" dt="2025-02-09T22:48:57.947" v="5425"/>
+        <pc:sldMkLst>
+          <pc:docMk/>
+          <pc:sldMk cId="2111262421" sldId="1298"/>
+        </pc:sldMkLst>
+        <pc:spChg chg="mod">
+          <ac:chgData name="Mike B" userId="5c4bf6a326bf31f5" providerId="LiveId" clId="{CA9E3862-C9B9-4CB0-9634-9A3C92A9E2D3}" dt="2025-02-09T19:31:51.528" v="1821" actId="20577"/>
+          <ac:spMkLst>
+            <pc:docMk/>
+            <pc:sldMk cId="2111262421" sldId="1298"/>
+            <ac:spMk id="2" creationId="{00000000-0000-0000-0000-000000000000}"/>
+          </ac:spMkLst>
+        </pc:spChg>
+        <pc:spChg chg="mod">
+          <ac:chgData name="Mike B" userId="5c4bf6a326bf31f5" providerId="LiveId" clId="{CA9E3862-C9B9-4CB0-9634-9A3C92A9E2D3}" dt="2025-02-09T22:39:00.843" v="5029" actId="5793"/>
+          <ac:spMkLst>
+            <pc:docMk/>
+            <pc:sldMk cId="2111262421" sldId="1298"/>
+            <ac:spMk id="3" creationId="{00000000-0000-0000-0000-000000000000}"/>
+          </ac:spMkLst>
+        </pc:spChg>
+        <pc:spChg chg="add mod">
+          <ac:chgData name="Mike B" userId="5c4bf6a326bf31f5" providerId="LiveId" clId="{CA9E3862-C9B9-4CB0-9634-9A3C92A9E2D3}" dt="2025-02-09T22:40:16.559" v="5082" actId="1076"/>
+          <ac:spMkLst>
+            <pc:docMk/>
+            <pc:sldMk cId="2111262421" sldId="1298"/>
+            <ac:spMk id="4" creationId="{80D6E680-4D54-97DA-0F99-D20A33ADD02F}"/>
+          </ac:spMkLst>
+        </pc:spChg>
+        <pc:spChg chg="add mod">
+          <ac:chgData name="Mike B" userId="5c4bf6a326bf31f5" providerId="LiveId" clId="{CA9E3862-C9B9-4CB0-9634-9A3C92A9E2D3}" dt="2025-02-09T22:41:23.295" v="5232" actId="20577"/>
+          <ac:spMkLst>
+            <pc:docMk/>
+            <pc:sldMk cId="2111262421" sldId="1298"/>
+            <ac:spMk id="7" creationId="{BA46F3A1-9011-ECAA-7A4A-61AD4D2D0E91}"/>
+          </ac:spMkLst>
+        </pc:spChg>
+      </pc:sldChg>
+      <pc:sldChg chg="modSp add del mod">
+        <pc:chgData name="Mike B" userId="5c4bf6a326bf31f5" providerId="LiveId" clId="{CA9E3862-C9B9-4CB0-9634-9A3C92A9E2D3}" dt="2025-02-09T22:41:54.934" v="5235" actId="2696"/>
+        <pc:sldMkLst>
+          <pc:docMk/>
+          <pc:sldMk cId="3162972403" sldId="1299"/>
+        </pc:sldMkLst>
+        <pc:spChg chg="mod">
+          <ac:chgData name="Mike B" userId="5c4bf6a326bf31f5" providerId="LiveId" clId="{CA9E3862-C9B9-4CB0-9634-9A3C92A9E2D3}" dt="2025-02-09T19:32:02.750" v="1835" actId="20577"/>
+          <ac:spMkLst>
+            <pc:docMk/>
+            <pc:sldMk cId="3162972403" sldId="1299"/>
+            <ac:spMk id="2" creationId="{00000000-0000-0000-0000-000000000000}"/>
+          </ac:spMkLst>
+        </pc:spChg>
+      </pc:sldChg>
+      <pc:sldChg chg="addSp modSp add mod modAnim">
+        <pc:chgData name="Mike B" userId="5c4bf6a326bf31f5" providerId="LiveId" clId="{CA9E3862-C9B9-4CB0-9634-9A3C92A9E2D3}" dt="2025-02-09T23:25:22.683" v="5729"/>
+        <pc:sldMkLst>
+          <pc:docMk/>
+          <pc:sldMk cId="4141790607" sldId="1300"/>
+        </pc:sldMkLst>
+        <pc:spChg chg="mod">
+          <ac:chgData name="Mike B" userId="5c4bf6a326bf31f5" providerId="LiveId" clId="{CA9E3862-C9B9-4CB0-9634-9A3C92A9E2D3}" dt="2025-02-09T19:34:07.330" v="1880" actId="20577"/>
+          <ac:spMkLst>
+            <pc:docMk/>
+            <pc:sldMk cId="4141790607" sldId="1300"/>
+            <ac:spMk id="2" creationId="{00000000-0000-0000-0000-000000000000}"/>
+          </ac:spMkLst>
+        </pc:spChg>
+        <pc:spChg chg="mod">
+          <ac:chgData name="Mike B" userId="5c4bf6a326bf31f5" providerId="LiveId" clId="{CA9E3862-C9B9-4CB0-9634-9A3C92A9E2D3}" dt="2025-02-09T23:25:16.320" v="5728" actId="5793"/>
+          <ac:spMkLst>
+            <pc:docMk/>
+            <pc:sldMk cId="4141790607" sldId="1300"/>
+            <ac:spMk id="3" creationId="{00000000-0000-0000-0000-000000000000}"/>
+          </ac:spMkLst>
+        </pc:spChg>
+        <pc:spChg chg="add mod">
+          <ac:chgData name="Mike B" userId="5c4bf6a326bf31f5" providerId="LiveId" clId="{CA9E3862-C9B9-4CB0-9634-9A3C92A9E2D3}" dt="2025-02-09T23:25:08.586" v="5706" actId="1036"/>
+          <ac:spMkLst>
+            <pc:docMk/>
+            <pc:sldMk cId="4141790607" sldId="1300"/>
+            <ac:spMk id="4" creationId="{7E9EB34D-0BB1-2ACF-D31C-A21C59CCC48A}"/>
+          </ac:spMkLst>
+        </pc:spChg>
+      </pc:sldChg>
+      <pc:sldChg chg="delSp modSp add mod modAnim">
+        <pc:chgData name="Mike B" userId="5c4bf6a326bf31f5" providerId="LiveId" clId="{CA9E3862-C9B9-4CB0-9634-9A3C92A9E2D3}" dt="2025-02-09T22:47:50.677" v="5414"/>
+        <pc:sldMkLst>
+          <pc:docMk/>
+          <pc:sldMk cId="1714629401" sldId="1301"/>
+        </pc:sldMkLst>
+        <pc:spChg chg="mod">
+          <ac:chgData name="Mike B" userId="5c4bf6a326bf31f5" providerId="LiveId" clId="{CA9E3862-C9B9-4CB0-9634-9A3C92A9E2D3}" dt="2025-02-09T22:22:02.713" v="3767" actId="20577"/>
+          <ac:spMkLst>
+            <pc:docMk/>
+            <pc:sldMk cId="1714629401" sldId="1301"/>
+            <ac:spMk id="2" creationId="{00000000-0000-0000-0000-000000000000}"/>
+          </ac:spMkLst>
+        </pc:spChg>
+        <pc:spChg chg="mod">
+          <ac:chgData name="Mike B" userId="5c4bf6a326bf31f5" providerId="LiveId" clId="{CA9E3862-C9B9-4CB0-9634-9A3C92A9E2D3}" dt="2025-02-09T22:23:45.993" v="3886" actId="20577"/>
+          <ac:spMkLst>
+            <pc:docMk/>
+            <pc:sldMk cId="1714629401" sldId="1301"/>
+            <ac:spMk id="3" creationId="{00000000-0000-0000-0000-000000000000}"/>
+          </ac:spMkLst>
+        </pc:spChg>
+        <pc:spChg chg="mod">
+          <ac:chgData name="Mike B" userId="5c4bf6a326bf31f5" providerId="LiveId" clId="{CA9E3862-C9B9-4CB0-9634-9A3C92A9E2D3}" dt="2025-02-09T22:22:49.790" v="3783"/>
+          <ac:spMkLst>
+            <pc:docMk/>
+            <pc:sldMk cId="1714629401" sldId="1301"/>
+            <ac:spMk id="4" creationId="{C6676B5C-CC1C-B9D0-47DC-69DC834B15DB}"/>
+          </ac:spMkLst>
+        </pc:spChg>
+        <pc:spChg chg="del mod">
+          <ac:chgData name="Mike B" userId="5c4bf6a326bf31f5" providerId="LiveId" clId="{CA9E3862-C9B9-4CB0-9634-9A3C92A9E2D3}" dt="2025-02-09T22:22:40.774" v="3779" actId="478"/>
+          <ac:spMkLst>
+            <pc:docMk/>
+            <pc:sldMk cId="1714629401" sldId="1301"/>
+            <ac:spMk id="6" creationId="{46FAB627-5928-6AAA-6AA0-9D9AD7CAF1C4}"/>
+          </ac:spMkLst>
+        </pc:spChg>
+      </pc:sldChg>
+      <pc:sldChg chg="modSp add mod modAnim">
+        <pc:chgData name="Mike B" userId="5c4bf6a326bf31f5" providerId="LiveId" clId="{CA9E3862-C9B9-4CB0-9634-9A3C92A9E2D3}" dt="2025-02-09T22:49:18.911" v="5428"/>
+        <pc:sldMkLst>
+          <pc:docMk/>
+          <pc:sldMk cId="897715183" sldId="1302"/>
+        </pc:sldMkLst>
+        <pc:spChg chg="mod">
+          <ac:chgData name="Mike B" userId="5c4bf6a326bf31f5" providerId="LiveId" clId="{CA9E3862-C9B9-4CB0-9634-9A3C92A9E2D3}" dt="2025-02-09T22:41:51.481" v="5234"/>
+          <ac:spMkLst>
+            <pc:docMk/>
+            <pc:sldMk cId="897715183" sldId="1302"/>
+            <ac:spMk id="2" creationId="{00000000-0000-0000-0000-000000000000}"/>
+          </ac:spMkLst>
+        </pc:spChg>
+        <pc:spChg chg="mod">
+          <ac:chgData name="Mike B" userId="5c4bf6a326bf31f5" providerId="LiveId" clId="{CA9E3862-C9B9-4CB0-9634-9A3C92A9E2D3}" dt="2025-02-09T22:45:33.072" v="5394" actId="20577"/>
+          <ac:spMkLst>
+            <pc:docMk/>
+            <pc:sldMk cId="897715183" sldId="1302"/>
+            <ac:spMk id="3" creationId="{00000000-0000-0000-0000-000000000000}"/>
+          </ac:spMkLst>
+        </pc:spChg>
+        <pc:spChg chg="mod">
+          <ac:chgData name="Mike B" userId="5c4bf6a326bf31f5" providerId="LiveId" clId="{CA9E3862-C9B9-4CB0-9634-9A3C92A9E2D3}" dt="2025-02-09T22:45:36.592" v="5399" actId="1035"/>
+          <ac:spMkLst>
+            <pc:docMk/>
+            <pc:sldMk cId="897715183" sldId="1302"/>
+            <ac:spMk id="4" creationId="{80D6E680-4D54-97DA-0F99-D20A33ADD02F}"/>
+          </ac:spMkLst>
+        </pc:spChg>
+        <pc:spChg chg="mod">
+          <ac:chgData name="Mike B" userId="5c4bf6a326bf31f5" providerId="LiveId" clId="{CA9E3862-C9B9-4CB0-9634-9A3C92A9E2D3}" dt="2025-02-09T22:43:36.913" v="5336" actId="20577"/>
+          <ac:spMkLst>
+            <pc:docMk/>
+            <pc:sldMk cId="897715183" sldId="1302"/>
+            <ac:spMk id="7" creationId="{BA46F3A1-9011-ECAA-7A4A-61AD4D2D0E91}"/>
+          </ac:spMkLst>
+        </pc:spChg>
+      </pc:sldChg>
+    </pc:docChg>
+  </pc:docChgLst>
+  <pc:docChgLst>
+    <pc:chgData name="Mike B" userId="5c4bf6a326bf31f5" providerId="LiveId" clId="{5474326C-47B7-4F19-AE21-DC1CDA7C4ACC}"/>
+    <pc:docChg chg="undo custSel addSld delSld modSld sldOrd">
+      <pc:chgData name="Mike B" userId="5c4bf6a326bf31f5" providerId="LiveId" clId="{5474326C-47B7-4F19-AE21-DC1CDA7C4ACC}" dt="2021-02-15T05:33:39.983" v="7117" actId="47"/>
+      <pc:docMkLst>
+        <pc:docMk/>
+      </pc:docMkLst>
+      <pc:sldChg chg="addSp delSp modSp mod">
+        <pc:chgData name="Mike B" userId="5c4bf6a326bf31f5" providerId="LiveId" clId="{5474326C-47B7-4F19-AE21-DC1CDA7C4ACC}" dt="2021-02-15T01:18:22.249" v="1243" actId="1035"/>
+        <pc:sldMkLst>
+          <pc:docMk/>
+          <pc:sldMk cId="0" sldId="256"/>
+        </pc:sldMkLst>
+        <pc:spChg chg="mod">
+          <ac:chgData name="Mike B" userId="5c4bf6a326bf31f5" providerId="LiveId" clId="{5474326C-47B7-4F19-AE21-DC1CDA7C4ACC}" dt="2021-02-15T01:18:12.126" v="1232" actId="1076"/>
           <ac:spMkLst>
             <pc:docMk/>
             <pc:sldMk cId="0" sldId="256"/>
@@ -1286,22 +3686,66 @@
           </ac:spMkLst>
         </pc:spChg>
         <pc:spChg chg="mod">
-          <ac:chgData name="Mike B" userId="5c4bf6a326bf31f5" providerId="LiveId" clId="{76DDEA14-774A-4263-9F62-41BDB638666F}" dt="2025-01-08T17:07:53.029" v="109" actId="20577"/>
+          <ac:chgData name="Mike B" userId="5c4bf6a326bf31f5" providerId="LiveId" clId="{5474326C-47B7-4F19-AE21-DC1CDA7C4ACC}" dt="2021-02-15T01:18:22.249" v="1243" actId="1035"/>
           <ac:spMkLst>
             <pc:docMk/>
             <pc:sldMk cId="0" sldId="256"/>
             <ac:spMk id="2051" creationId="{00000000-0000-0000-0000-000000000000}"/>
           </ac:spMkLst>
         </pc:spChg>
+        <pc:picChg chg="del">
+          <ac:chgData name="Mike B" userId="5c4bf6a326bf31f5" providerId="LiveId" clId="{5474326C-47B7-4F19-AE21-DC1CDA7C4ACC}" dt="2021-02-14T18:25:43.093" v="30" actId="478"/>
+          <ac:picMkLst>
+            <pc:docMk/>
+            <pc:sldMk cId="0" sldId="256"/>
+            <ac:picMk id="2" creationId="{8CB9F1A3-C69F-4449-9172-D3D2A61AAF3E}"/>
+          </ac:picMkLst>
+        </pc:picChg>
+        <pc:picChg chg="add mod">
+          <ac:chgData name="Mike B" userId="5c4bf6a326bf31f5" providerId="LiveId" clId="{5474326C-47B7-4F19-AE21-DC1CDA7C4ACC}" dt="2021-02-15T01:18:18.167" v="1233" actId="1076"/>
+          <ac:picMkLst>
+            <pc:docMk/>
+            <pc:sldMk cId="0" sldId="256"/>
+            <ac:picMk id="1026" creationId="{F7CA50F3-6B84-436F-9841-37B8A8433136}"/>
+          </ac:picMkLst>
+        </pc:picChg>
+      </pc:sldChg>
+      <pc:sldChg chg="del">
+        <pc:chgData name="Mike B" userId="5c4bf6a326bf31f5" providerId="LiveId" clId="{5474326C-47B7-4F19-AE21-DC1CDA7C4ACC}" dt="2021-02-15T00:32:27.031" v="365" actId="2696"/>
+        <pc:sldMkLst>
+          <pc:docMk/>
+          <pc:sldMk cId="0" sldId="258"/>
+        </pc:sldMkLst>
+      </pc:sldChg>
+      <pc:sldChg chg="del">
+        <pc:chgData name="Mike B" userId="5c4bf6a326bf31f5" providerId="LiveId" clId="{5474326C-47B7-4F19-AE21-DC1CDA7C4ACC}" dt="2021-02-15T00:32:27.031" v="365" actId="2696"/>
+        <pc:sldMkLst>
+          <pc:docMk/>
+          <pc:sldMk cId="0" sldId="259"/>
+        </pc:sldMkLst>
+      </pc:sldChg>
+      <pc:sldChg chg="del">
+        <pc:chgData name="Mike B" userId="5c4bf6a326bf31f5" providerId="LiveId" clId="{5474326C-47B7-4F19-AE21-DC1CDA7C4ACC}" dt="2021-02-15T00:32:27.031" v="365" actId="2696"/>
+        <pc:sldMkLst>
+          <pc:docMk/>
+          <pc:sldMk cId="0" sldId="260"/>
+        </pc:sldMkLst>
+      </pc:sldChg>
+      <pc:sldChg chg="del">
+        <pc:chgData name="Mike B" userId="5c4bf6a326bf31f5" providerId="LiveId" clId="{5474326C-47B7-4F19-AE21-DC1CDA7C4ACC}" dt="2021-02-15T00:32:27.031" v="365" actId="2696"/>
+        <pc:sldMkLst>
+          <pc:docMk/>
+          <pc:sldMk cId="0" sldId="286"/>
+        </pc:sldMkLst>
       </pc:sldChg>
       <pc:sldChg chg="modSp mod">
-        <pc:chgData name="Mike B" userId="5c4bf6a326bf31f5" providerId="LiveId" clId="{76DDEA14-774A-4263-9F62-41BDB638666F}" dt="2025-01-08T17:09:24.385" v="138" actId="113"/>
+        <pc:chgData name="Mike B" userId="5c4bf6a326bf31f5" providerId="LiveId" clId="{5474326C-47B7-4F19-AE21-DC1CDA7C4ACC}" dt="2021-02-15T01:28:00.394" v="1494" actId="113"/>
         <pc:sldMkLst>
           <pc:docMk/>
           <pc:sldMk cId="0" sldId="287"/>
         </pc:sldMkLst>
         <pc:spChg chg="mod">
-          <ac:chgData name="Mike B" userId="5c4bf6a326bf31f5" providerId="LiveId" clId="{76DDEA14-774A-4263-9F62-41BDB638666F}" dt="2025-01-08T17:09:24.385" v="138" actId="113"/>
+          <ac:chgData name="Mike B" userId="5c4bf6a326bf31f5" providerId="LiveId" clId="{5474326C-47B7-4F19-AE21-DC1CDA7C4ACC}" dt="2021-02-15T01:28:00.394" v="1494" actId="113"/>
           <ac:spMkLst>
             <pc:docMk/>
             <pc:sldMk cId="0" sldId="287"/>
@@ -1309,14 +3753,35 @@
           </ac:spMkLst>
         </pc:spChg>
       </pc:sldChg>
+      <pc:sldChg chg="del">
+        <pc:chgData name="Mike B" userId="5c4bf6a326bf31f5" providerId="LiveId" clId="{5474326C-47B7-4F19-AE21-DC1CDA7C4ACC}" dt="2021-02-15T00:32:27.031" v="365" actId="2696"/>
+        <pc:sldMkLst>
+          <pc:docMk/>
+          <pc:sldMk cId="0" sldId="289"/>
+        </pc:sldMkLst>
+      </pc:sldChg>
+      <pc:sldChg chg="del">
+        <pc:chgData name="Mike B" userId="5c4bf6a326bf31f5" providerId="LiveId" clId="{5474326C-47B7-4F19-AE21-DC1CDA7C4ACC}" dt="2021-02-15T00:32:27.031" v="365" actId="2696"/>
+        <pc:sldMkLst>
+          <pc:docMk/>
+          <pc:sldMk cId="0" sldId="314"/>
+        </pc:sldMkLst>
+      </pc:sldChg>
+      <pc:sldChg chg="del">
+        <pc:chgData name="Mike B" userId="5c4bf6a326bf31f5" providerId="LiveId" clId="{5474326C-47B7-4F19-AE21-DC1CDA7C4ACC}" dt="2021-02-15T00:32:27.031" v="365" actId="2696"/>
+        <pc:sldMkLst>
+          <pc:docMk/>
+          <pc:sldMk cId="0" sldId="315"/>
+        </pc:sldMkLst>
+      </pc:sldChg>
       <pc:sldChg chg="modSp mod">
-        <pc:chgData name="Mike B" userId="5c4bf6a326bf31f5" providerId="LiveId" clId="{76DDEA14-774A-4263-9F62-41BDB638666F}" dt="2025-01-08T17:11:58.783" v="229" actId="20577"/>
+        <pc:chgData name="Mike B" userId="5c4bf6a326bf31f5" providerId="LiveId" clId="{5474326C-47B7-4F19-AE21-DC1CDA7C4ACC}" dt="2021-02-15T05:02:40.737" v="5831" actId="20577"/>
         <pc:sldMkLst>
           <pc:docMk/>
           <pc:sldMk cId="1782408873" sldId="342"/>
         </pc:sldMkLst>
         <pc:spChg chg="mod">
-          <ac:chgData name="Mike B" userId="5c4bf6a326bf31f5" providerId="LiveId" clId="{76DDEA14-774A-4263-9F62-41BDB638666F}" dt="2025-01-03T01:32:08.225" v="80" actId="20577"/>
+          <ac:chgData name="Mike B" userId="5c4bf6a326bf31f5" providerId="LiveId" clId="{5474326C-47B7-4F19-AE21-DC1CDA7C4ACC}" dt="2021-02-15T05:02:40.737" v="5831" actId="20577"/>
           <ac:spMkLst>
             <pc:docMk/>
             <pc:sldMk cId="1782408873" sldId="342"/>
@@ -1324,7 +3789,7 @@
           </ac:spMkLst>
         </pc:spChg>
         <pc:spChg chg="mod">
-          <ac:chgData name="Mike B" userId="5c4bf6a326bf31f5" providerId="LiveId" clId="{76DDEA14-774A-4263-9F62-41BDB638666F}" dt="2025-01-08T17:11:58.783" v="229" actId="20577"/>
+          <ac:chgData name="Mike B" userId="5c4bf6a326bf31f5" providerId="LiveId" clId="{5474326C-47B7-4F19-AE21-DC1CDA7C4ACC}" dt="2021-02-15T00:32:02.645" v="362" actId="20577"/>
           <ac:spMkLst>
             <pc:docMk/>
             <pc:sldMk cId="1782408873" sldId="342"/>
@@ -1332,207 +3797,824 @@
           </ac:spMkLst>
         </pc:spChg>
       </pc:sldChg>
+      <pc:sldChg chg="del">
+        <pc:chgData name="Mike B" userId="5c4bf6a326bf31f5" providerId="LiveId" clId="{5474326C-47B7-4F19-AE21-DC1CDA7C4ACC}" dt="2021-02-15T00:32:27.031" v="365" actId="2696"/>
+        <pc:sldMkLst>
+          <pc:docMk/>
+          <pc:sldMk cId="1183369332" sldId="343"/>
+        </pc:sldMkLst>
+      </pc:sldChg>
+      <pc:sldChg chg="del">
+        <pc:chgData name="Mike B" userId="5c4bf6a326bf31f5" providerId="LiveId" clId="{5474326C-47B7-4F19-AE21-DC1CDA7C4ACC}" dt="2021-02-15T00:31:44.297" v="294" actId="47"/>
+        <pc:sldMkLst>
+          <pc:docMk/>
+          <pc:sldMk cId="3084806832" sldId="344"/>
+        </pc:sldMkLst>
+      </pc:sldChg>
+      <pc:sldChg chg="del">
+        <pc:chgData name="Mike B" userId="5c4bf6a326bf31f5" providerId="LiveId" clId="{5474326C-47B7-4F19-AE21-DC1CDA7C4ACC}" dt="2021-02-15T00:32:27.031" v="365" actId="2696"/>
+        <pc:sldMkLst>
+          <pc:docMk/>
+          <pc:sldMk cId="2010948640" sldId="345"/>
+        </pc:sldMkLst>
+      </pc:sldChg>
+      <pc:sldChg chg="del">
+        <pc:chgData name="Mike B" userId="5c4bf6a326bf31f5" providerId="LiveId" clId="{5474326C-47B7-4F19-AE21-DC1CDA7C4ACC}" dt="2021-02-15T00:32:43.659" v="366" actId="2696"/>
+        <pc:sldMkLst>
+          <pc:docMk/>
+          <pc:sldMk cId="3488452319" sldId="346"/>
+        </pc:sldMkLst>
+      </pc:sldChg>
+      <pc:sldChg chg="del">
+        <pc:chgData name="Mike B" userId="5c4bf6a326bf31f5" providerId="LiveId" clId="{5474326C-47B7-4F19-AE21-DC1CDA7C4ACC}" dt="2021-02-15T00:32:43.659" v="366" actId="2696"/>
+        <pc:sldMkLst>
+          <pc:docMk/>
+          <pc:sldMk cId="3867550512" sldId="347"/>
+        </pc:sldMkLst>
+      </pc:sldChg>
+      <pc:sldChg chg="del">
+        <pc:chgData name="Mike B" userId="5c4bf6a326bf31f5" providerId="LiveId" clId="{5474326C-47B7-4F19-AE21-DC1CDA7C4ACC}" dt="2021-02-15T00:32:43.659" v="366" actId="2696"/>
+        <pc:sldMkLst>
+          <pc:docMk/>
+          <pc:sldMk cId="1838634856" sldId="348"/>
+        </pc:sldMkLst>
+      </pc:sldChg>
+      <pc:sldChg chg="del">
+        <pc:chgData name="Mike B" userId="5c4bf6a326bf31f5" providerId="LiveId" clId="{5474326C-47B7-4F19-AE21-DC1CDA7C4ACC}" dt="2021-02-15T00:32:43.659" v="366" actId="2696"/>
+        <pc:sldMkLst>
+          <pc:docMk/>
+          <pc:sldMk cId="3846588128" sldId="349"/>
+        </pc:sldMkLst>
+      </pc:sldChg>
+      <pc:sldChg chg="del">
+        <pc:chgData name="Mike B" userId="5c4bf6a326bf31f5" providerId="LiveId" clId="{5474326C-47B7-4F19-AE21-DC1CDA7C4ACC}" dt="2021-02-15T00:33:16.501" v="368" actId="47"/>
+        <pc:sldMkLst>
+          <pc:docMk/>
+          <pc:sldMk cId="2437259987" sldId="350"/>
+        </pc:sldMkLst>
+      </pc:sldChg>
+      <pc:sldChg chg="addSp modSp mod ord">
+        <pc:chgData name="Mike B" userId="5c4bf6a326bf31f5" providerId="LiveId" clId="{5474326C-47B7-4F19-AE21-DC1CDA7C4ACC}" dt="2021-02-15T02:41:58.119" v="2217"/>
+        <pc:sldMkLst>
+          <pc:docMk/>
+          <pc:sldMk cId="1325281248" sldId="351"/>
+        </pc:sldMkLst>
+        <pc:spChg chg="mod">
+          <ac:chgData name="Mike B" userId="5c4bf6a326bf31f5" providerId="LiveId" clId="{5474326C-47B7-4F19-AE21-DC1CDA7C4ACC}" dt="2021-02-15T01:31:33.537" v="1545" actId="20577"/>
+          <ac:spMkLst>
+            <pc:docMk/>
+            <pc:sldMk cId="1325281248" sldId="351"/>
+            <ac:spMk id="118786" creationId="{00000000-0000-0000-0000-000000000000}"/>
+          </ac:spMkLst>
+        </pc:spChg>
+        <pc:spChg chg="mod">
+          <ac:chgData name="Mike B" userId="5c4bf6a326bf31f5" providerId="LiveId" clId="{5474326C-47B7-4F19-AE21-DC1CDA7C4ACC}" dt="2021-02-15T01:32:02.619" v="1552" actId="33524"/>
+          <ac:spMkLst>
+            <pc:docMk/>
+            <pc:sldMk cId="1325281248" sldId="351"/>
+            <ac:spMk id="118787" creationId="{00000000-0000-0000-0000-000000000000}"/>
+          </ac:spMkLst>
+        </pc:spChg>
+        <pc:picChg chg="add mod">
+          <ac:chgData name="Mike B" userId="5c4bf6a326bf31f5" providerId="LiveId" clId="{5474326C-47B7-4F19-AE21-DC1CDA7C4ACC}" dt="2021-02-15T01:32:17.222" v="1554" actId="1076"/>
+          <ac:picMkLst>
+            <pc:docMk/>
+            <pc:sldMk cId="1325281248" sldId="351"/>
+            <ac:picMk id="4" creationId="{53D3FC98-1CD3-49DC-8006-ECB56B39996E}"/>
+          </ac:picMkLst>
+        </pc:picChg>
+      </pc:sldChg>
+      <pc:sldChg chg="del">
+        <pc:chgData name="Mike B" userId="5c4bf6a326bf31f5" providerId="LiveId" clId="{5474326C-47B7-4F19-AE21-DC1CDA7C4ACC}" dt="2021-02-15T00:32:43.659" v="366" actId="2696"/>
+        <pc:sldMkLst>
+          <pc:docMk/>
+          <pc:sldMk cId="1009829887" sldId="352"/>
+        </pc:sldMkLst>
+      </pc:sldChg>
+      <pc:sldChg chg="del">
+        <pc:chgData name="Mike B" userId="5c4bf6a326bf31f5" providerId="LiveId" clId="{5474326C-47B7-4F19-AE21-DC1CDA7C4ACC}" dt="2021-02-15T00:32:43.659" v="366" actId="2696"/>
+        <pc:sldMkLst>
+          <pc:docMk/>
+          <pc:sldMk cId="4231128118" sldId="353"/>
+        </pc:sldMkLst>
+      </pc:sldChg>
+      <pc:sldChg chg="del">
+        <pc:chgData name="Mike B" userId="5c4bf6a326bf31f5" providerId="LiveId" clId="{5474326C-47B7-4F19-AE21-DC1CDA7C4ACC}" dt="2021-02-15T00:33:11.293" v="367" actId="2696"/>
+        <pc:sldMkLst>
+          <pc:docMk/>
+          <pc:sldMk cId="1264676594" sldId="354"/>
+        </pc:sldMkLst>
+      </pc:sldChg>
+      <pc:sldChg chg="del">
+        <pc:chgData name="Mike B" userId="5c4bf6a326bf31f5" providerId="LiveId" clId="{5474326C-47B7-4F19-AE21-DC1CDA7C4ACC}" dt="2021-02-15T00:33:11.293" v="367" actId="2696"/>
+        <pc:sldMkLst>
+          <pc:docMk/>
+          <pc:sldMk cId="1206764417" sldId="355"/>
+        </pc:sldMkLst>
+      </pc:sldChg>
+      <pc:sldChg chg="del">
+        <pc:chgData name="Mike B" userId="5c4bf6a326bf31f5" providerId="LiveId" clId="{5474326C-47B7-4F19-AE21-DC1CDA7C4ACC}" dt="2021-02-15T00:33:11.293" v="367" actId="2696"/>
+        <pc:sldMkLst>
+          <pc:docMk/>
+          <pc:sldMk cId="961794258" sldId="356"/>
+        </pc:sldMkLst>
+      </pc:sldChg>
+      <pc:sldChg chg="del">
+        <pc:chgData name="Mike B" userId="5c4bf6a326bf31f5" providerId="LiveId" clId="{5474326C-47B7-4F19-AE21-DC1CDA7C4ACC}" dt="2021-02-15T00:33:11.293" v="367" actId="2696"/>
+        <pc:sldMkLst>
+          <pc:docMk/>
+          <pc:sldMk cId="796462156" sldId="357"/>
+        </pc:sldMkLst>
+      </pc:sldChg>
+      <pc:sldChg chg="del">
+        <pc:chgData name="Mike B" userId="5c4bf6a326bf31f5" providerId="LiveId" clId="{5474326C-47B7-4F19-AE21-DC1CDA7C4ACC}" dt="2021-02-15T00:33:11.293" v="367" actId="2696"/>
+        <pc:sldMkLst>
+          <pc:docMk/>
+          <pc:sldMk cId="493414955" sldId="358"/>
+        </pc:sldMkLst>
+      </pc:sldChg>
+      <pc:sldChg chg="del">
+        <pc:chgData name="Mike B" userId="5c4bf6a326bf31f5" providerId="LiveId" clId="{5474326C-47B7-4F19-AE21-DC1CDA7C4ACC}" dt="2021-02-15T01:35:22" v="1555" actId="47"/>
+        <pc:sldMkLst>
+          <pc:docMk/>
+          <pc:sldMk cId="2010995209" sldId="359"/>
+        </pc:sldMkLst>
+      </pc:sldChg>
       <pc:sldChg chg="modSp add mod">
-        <pc:chgData name="Mike B" userId="5c4bf6a326bf31f5" providerId="LiveId" clId="{76DDEA14-774A-4263-9F62-41BDB638666F}" dt="2025-01-08T17:11:44.916" v="200" actId="20577"/>
-        <pc:sldMkLst>
-          <pc:docMk/>
-          <pc:sldMk cId="1183369332" sldId="343"/>
-        </pc:sldMkLst>
-        <pc:spChg chg="mod">
-          <ac:chgData name="Mike B" userId="5c4bf6a326bf31f5" providerId="LiveId" clId="{76DDEA14-774A-4263-9F62-41BDB638666F}" dt="2025-01-08T17:11:44.916" v="200" actId="20577"/>
-          <ac:spMkLst>
-            <pc:docMk/>
-            <pc:sldMk cId="1183369332" sldId="343"/>
+        <pc:chgData name="Mike B" userId="5c4bf6a326bf31f5" providerId="LiveId" clId="{5474326C-47B7-4F19-AE21-DC1CDA7C4ACC}" dt="2021-02-15T01:57:28.527" v="1976"/>
+        <pc:sldMkLst>
+          <pc:docMk/>
+          <pc:sldMk cId="529469595" sldId="360"/>
+        </pc:sldMkLst>
+        <pc:spChg chg="mod">
+          <ac:chgData name="Mike B" userId="5c4bf6a326bf31f5" providerId="LiveId" clId="{5474326C-47B7-4F19-AE21-DC1CDA7C4ACC}" dt="2021-02-15T01:57:28.527" v="1976"/>
+          <ac:spMkLst>
+            <pc:docMk/>
+            <pc:sldMk cId="529469595" sldId="360"/>
+            <ac:spMk id="3" creationId="{00000000-0000-0000-0000-000000000000}"/>
+          </ac:spMkLst>
+        </pc:spChg>
+        <pc:spChg chg="mod">
+          <ac:chgData name="Mike B" userId="5c4bf6a326bf31f5" providerId="LiveId" clId="{5474326C-47B7-4F19-AE21-DC1CDA7C4ACC}" dt="2021-02-15T00:51:22.522" v="667" actId="20577"/>
+          <ac:spMkLst>
+            <pc:docMk/>
+            <pc:sldMk cId="529469595" sldId="360"/>
+            <ac:spMk id="4" creationId="{00000000-0000-0000-0000-000000000000}"/>
+          </ac:spMkLst>
+        </pc:spChg>
+      </pc:sldChg>
+      <pc:sldChg chg="add">
+        <pc:chgData name="Mike B" userId="5c4bf6a326bf31f5" providerId="LiveId" clId="{5474326C-47B7-4F19-AE21-DC1CDA7C4ACC}" dt="2021-02-15T00:53:10.873" v="781"/>
+        <pc:sldMkLst>
+          <pc:docMk/>
+          <pc:sldMk cId="3710951061" sldId="361"/>
+        </pc:sldMkLst>
+      </pc:sldChg>
+      <pc:sldChg chg="modSp add mod">
+        <pc:chgData name="Mike B" userId="5c4bf6a326bf31f5" providerId="LiveId" clId="{5474326C-47B7-4F19-AE21-DC1CDA7C4ACC}" dt="2021-02-15T00:54:11.254" v="811" actId="20577"/>
+        <pc:sldMkLst>
+          <pc:docMk/>
+          <pc:sldMk cId="2210892669" sldId="362"/>
+        </pc:sldMkLst>
+        <pc:spChg chg="mod">
+          <ac:chgData name="Mike B" userId="5c4bf6a326bf31f5" providerId="LiveId" clId="{5474326C-47B7-4F19-AE21-DC1CDA7C4ACC}" dt="2021-02-15T00:53:59.513" v="798"/>
+          <ac:spMkLst>
+            <pc:docMk/>
+            <pc:sldMk cId="2210892669" sldId="362"/>
+            <ac:spMk id="118786" creationId="{00000000-0000-0000-0000-000000000000}"/>
+          </ac:spMkLst>
+        </pc:spChg>
+        <pc:spChg chg="mod">
+          <ac:chgData name="Mike B" userId="5c4bf6a326bf31f5" providerId="LiveId" clId="{5474326C-47B7-4F19-AE21-DC1CDA7C4ACC}" dt="2021-02-15T00:54:11.254" v="811" actId="20577"/>
+          <ac:spMkLst>
+            <pc:docMk/>
+            <pc:sldMk cId="2210892669" sldId="362"/>
             <ac:spMk id="118787" creationId="{00000000-0000-0000-0000-000000000000}"/>
           </ac:spMkLst>
         </pc:spChg>
       </pc:sldChg>
+      <pc:sldChg chg="modSp add">
+        <pc:chgData name="Mike B" userId="5c4bf6a326bf31f5" providerId="LiveId" clId="{5474326C-47B7-4F19-AE21-DC1CDA7C4ACC}" dt="2021-02-15T00:54:41.777" v="814"/>
+        <pc:sldMkLst>
+          <pc:docMk/>
+          <pc:sldMk cId="3293972471" sldId="363"/>
+        </pc:sldMkLst>
+        <pc:spChg chg="mod">
+          <ac:chgData name="Mike B" userId="5c4bf6a326bf31f5" providerId="LiveId" clId="{5474326C-47B7-4F19-AE21-DC1CDA7C4ACC}" dt="2021-02-15T00:54:33.075" v="813"/>
+          <ac:spMkLst>
+            <pc:docMk/>
+            <pc:sldMk cId="3293972471" sldId="363"/>
+            <ac:spMk id="118786" creationId="{00000000-0000-0000-0000-000000000000}"/>
+          </ac:spMkLst>
+        </pc:spChg>
+        <pc:spChg chg="mod">
+          <ac:chgData name="Mike B" userId="5c4bf6a326bf31f5" providerId="LiveId" clId="{5474326C-47B7-4F19-AE21-DC1CDA7C4ACC}" dt="2021-02-15T00:54:41.777" v="814"/>
+          <ac:spMkLst>
+            <pc:docMk/>
+            <pc:sldMk cId="3293972471" sldId="363"/>
+            <ac:spMk id="118787" creationId="{00000000-0000-0000-0000-000000000000}"/>
+          </ac:spMkLst>
+        </pc:spChg>
+      </pc:sldChg>
+      <pc:sldChg chg="addSp delSp modSp add mod">
+        <pc:chgData name="Mike B" userId="5c4bf6a326bf31f5" providerId="LiveId" clId="{5474326C-47B7-4F19-AE21-DC1CDA7C4ACC}" dt="2021-02-15T01:03:43.859" v="884" actId="1076"/>
+        <pc:sldMkLst>
+          <pc:docMk/>
+          <pc:sldMk cId="1212003084" sldId="364"/>
+        </pc:sldMkLst>
+        <pc:spChg chg="mod">
+          <ac:chgData name="Mike B" userId="5c4bf6a326bf31f5" providerId="LiveId" clId="{5474326C-47B7-4F19-AE21-DC1CDA7C4ACC}" dt="2021-02-15T00:55:03.534" v="816"/>
+          <ac:spMkLst>
+            <pc:docMk/>
+            <pc:sldMk cId="1212003084" sldId="364"/>
+            <ac:spMk id="118786" creationId="{00000000-0000-0000-0000-000000000000}"/>
+          </ac:spMkLst>
+        </pc:spChg>
+        <pc:spChg chg="del mod">
+          <ac:chgData name="Mike B" userId="5c4bf6a326bf31f5" providerId="LiveId" clId="{5474326C-47B7-4F19-AE21-DC1CDA7C4ACC}" dt="2021-02-15T00:55:12.501" v="818" actId="478"/>
+          <ac:spMkLst>
+            <pc:docMk/>
+            <pc:sldMk cId="1212003084" sldId="364"/>
+            <ac:spMk id="118787" creationId="{00000000-0000-0000-0000-000000000000}"/>
+          </ac:spMkLst>
+        </pc:spChg>
+        <pc:picChg chg="add mod">
+          <ac:chgData name="Mike B" userId="5c4bf6a326bf31f5" providerId="LiveId" clId="{5474326C-47B7-4F19-AE21-DC1CDA7C4ACC}" dt="2021-02-15T01:03:43.859" v="884" actId="1076"/>
+          <ac:picMkLst>
+            <pc:docMk/>
+            <pc:sldMk cId="1212003084" sldId="364"/>
+            <ac:picMk id="4" creationId="{69214D0D-38FB-4DCD-9E03-BA28B18D7928}"/>
+          </ac:picMkLst>
+        </pc:picChg>
+      </pc:sldChg>
+      <pc:sldChg chg="addSp modSp add mod ord">
+        <pc:chgData name="Mike B" userId="5c4bf6a326bf31f5" providerId="LiveId" clId="{5474326C-47B7-4F19-AE21-DC1CDA7C4ACC}" dt="2021-02-15T00:56:11.958" v="831" actId="14100"/>
+        <pc:sldMkLst>
+          <pc:docMk/>
+          <pc:sldMk cId="3484477403" sldId="365"/>
+        </pc:sldMkLst>
+        <pc:spChg chg="mod">
+          <ac:chgData name="Mike B" userId="5c4bf6a326bf31f5" providerId="LiveId" clId="{5474326C-47B7-4F19-AE21-DC1CDA7C4ACC}" dt="2021-02-15T00:55:41.465" v="825"/>
+          <ac:spMkLst>
+            <pc:docMk/>
+            <pc:sldMk cId="3484477403" sldId="365"/>
+            <ac:spMk id="118786" creationId="{00000000-0000-0000-0000-000000000000}"/>
+          </ac:spMkLst>
+        </pc:spChg>
+        <pc:spChg chg="mod">
+          <ac:chgData name="Mike B" userId="5c4bf6a326bf31f5" providerId="LiveId" clId="{5474326C-47B7-4F19-AE21-DC1CDA7C4ACC}" dt="2021-02-15T00:56:11.958" v="831" actId="14100"/>
+          <ac:spMkLst>
+            <pc:docMk/>
+            <pc:sldMk cId="3484477403" sldId="365"/>
+            <ac:spMk id="118787" creationId="{00000000-0000-0000-0000-000000000000}"/>
+          </ac:spMkLst>
+        </pc:spChg>
+        <pc:picChg chg="add mod">
+          <ac:chgData name="Mike B" userId="5c4bf6a326bf31f5" providerId="LiveId" clId="{5474326C-47B7-4F19-AE21-DC1CDA7C4ACC}" dt="2021-02-15T00:55:57.849" v="829" actId="1076"/>
+          <ac:picMkLst>
+            <pc:docMk/>
+            <pc:sldMk cId="3484477403" sldId="365"/>
+            <ac:picMk id="4" creationId="{A84F97F6-E866-450F-9169-2B6B01E0AA42}"/>
+          </ac:picMkLst>
+        </pc:picChg>
+      </pc:sldChg>
+      <pc:sldChg chg="modSp add mod ord">
+        <pc:chgData name="Mike B" userId="5c4bf6a326bf31f5" providerId="LiveId" clId="{5474326C-47B7-4F19-AE21-DC1CDA7C4ACC}" dt="2021-02-15T01:21:16.461" v="1269" actId="113"/>
+        <pc:sldMkLst>
+          <pc:docMk/>
+          <pc:sldMk cId="2858190658" sldId="366"/>
+        </pc:sldMkLst>
+        <pc:spChg chg="mod">
+          <ac:chgData name="Mike B" userId="5c4bf6a326bf31f5" providerId="LiveId" clId="{5474326C-47B7-4F19-AE21-DC1CDA7C4ACC}" dt="2021-02-15T00:58:03.824" v="841" actId="20577"/>
+          <ac:spMkLst>
+            <pc:docMk/>
+            <pc:sldMk cId="2858190658" sldId="366"/>
+            <ac:spMk id="118786" creationId="{00000000-0000-0000-0000-000000000000}"/>
+          </ac:spMkLst>
+        </pc:spChg>
+        <pc:spChg chg="mod">
+          <ac:chgData name="Mike B" userId="5c4bf6a326bf31f5" providerId="LiveId" clId="{5474326C-47B7-4F19-AE21-DC1CDA7C4ACC}" dt="2021-02-15T01:21:16.461" v="1269" actId="113"/>
+          <ac:spMkLst>
+            <pc:docMk/>
+            <pc:sldMk cId="2858190658" sldId="366"/>
+            <ac:spMk id="118787" creationId="{00000000-0000-0000-0000-000000000000}"/>
+          </ac:spMkLst>
+        </pc:spChg>
+      </pc:sldChg>
+      <pc:sldChg chg="modSp add mod modAnim">
+        <pc:chgData name="Mike B" userId="5c4bf6a326bf31f5" providerId="LiveId" clId="{5474326C-47B7-4F19-AE21-DC1CDA7C4ACC}" dt="2021-02-15T01:15:20.658" v="1209"/>
+        <pc:sldMkLst>
+          <pc:docMk/>
+          <pc:sldMk cId="451094880" sldId="367"/>
+        </pc:sldMkLst>
+        <pc:spChg chg="mod">
+          <ac:chgData name="Mike B" userId="5c4bf6a326bf31f5" providerId="LiveId" clId="{5474326C-47B7-4F19-AE21-DC1CDA7C4ACC}" dt="2021-02-15T00:58:52.838" v="852" actId="20577"/>
+          <ac:spMkLst>
+            <pc:docMk/>
+            <pc:sldMk cId="451094880" sldId="367"/>
+            <ac:spMk id="118786" creationId="{00000000-0000-0000-0000-000000000000}"/>
+          </ac:spMkLst>
+        </pc:spChg>
+        <pc:spChg chg="mod">
+          <ac:chgData name="Mike B" userId="5c4bf6a326bf31f5" providerId="LiveId" clId="{5474326C-47B7-4F19-AE21-DC1CDA7C4ACC}" dt="2021-02-15T00:58:58.113" v="855" actId="20577"/>
+          <ac:spMkLst>
+            <pc:docMk/>
+            <pc:sldMk cId="451094880" sldId="367"/>
+            <ac:spMk id="118787" creationId="{00000000-0000-0000-0000-000000000000}"/>
+          </ac:spMkLst>
+        </pc:spChg>
+      </pc:sldChg>
+      <pc:sldChg chg="modSp add">
+        <pc:chgData name="Mike B" userId="5c4bf6a326bf31f5" providerId="LiveId" clId="{5474326C-47B7-4F19-AE21-DC1CDA7C4ACC}" dt="2021-02-15T00:59:31.987" v="858"/>
+        <pc:sldMkLst>
+          <pc:docMk/>
+          <pc:sldMk cId="2452405064" sldId="368"/>
+        </pc:sldMkLst>
+        <pc:spChg chg="mod">
+          <ac:chgData name="Mike B" userId="5c4bf6a326bf31f5" providerId="LiveId" clId="{5474326C-47B7-4F19-AE21-DC1CDA7C4ACC}" dt="2021-02-15T00:59:25.819" v="857"/>
+          <ac:spMkLst>
+            <pc:docMk/>
+            <pc:sldMk cId="2452405064" sldId="368"/>
+            <ac:spMk id="118786" creationId="{00000000-0000-0000-0000-000000000000}"/>
+          </ac:spMkLst>
+        </pc:spChg>
+        <pc:spChg chg="mod">
+          <ac:chgData name="Mike B" userId="5c4bf6a326bf31f5" providerId="LiveId" clId="{5474326C-47B7-4F19-AE21-DC1CDA7C4ACC}" dt="2021-02-15T00:59:31.987" v="858"/>
+          <ac:spMkLst>
+            <pc:docMk/>
+            <pc:sldMk cId="2452405064" sldId="368"/>
+            <ac:spMk id="118787" creationId="{00000000-0000-0000-0000-000000000000}"/>
+          </ac:spMkLst>
+        </pc:spChg>
+      </pc:sldChg>
+      <pc:sldChg chg="modSp add mod">
+        <pc:chgData name="Mike B" userId="5c4bf6a326bf31f5" providerId="LiveId" clId="{5474326C-47B7-4F19-AE21-DC1CDA7C4ACC}" dt="2021-02-15T00:59:58.412" v="862" actId="27636"/>
+        <pc:sldMkLst>
+          <pc:docMk/>
+          <pc:sldMk cId="70620622" sldId="369"/>
+        </pc:sldMkLst>
+        <pc:spChg chg="mod">
+          <ac:chgData name="Mike B" userId="5c4bf6a326bf31f5" providerId="LiveId" clId="{5474326C-47B7-4F19-AE21-DC1CDA7C4ACC}" dt="2021-02-15T00:59:48.477" v="860"/>
+          <ac:spMkLst>
+            <pc:docMk/>
+            <pc:sldMk cId="70620622" sldId="369"/>
+            <ac:spMk id="118786" creationId="{00000000-0000-0000-0000-000000000000}"/>
+          </ac:spMkLst>
+        </pc:spChg>
+        <pc:spChg chg="mod">
+          <ac:chgData name="Mike B" userId="5c4bf6a326bf31f5" providerId="LiveId" clId="{5474326C-47B7-4F19-AE21-DC1CDA7C4ACC}" dt="2021-02-15T00:59:58.412" v="862" actId="27636"/>
+          <ac:spMkLst>
+            <pc:docMk/>
+            <pc:sldMk cId="70620622" sldId="369"/>
+            <ac:spMk id="118787" creationId="{00000000-0000-0000-0000-000000000000}"/>
+          </ac:spMkLst>
+        </pc:spChg>
+      </pc:sldChg>
+      <pc:sldChg chg="modSp add mod">
+        <pc:chgData name="Mike B" userId="5c4bf6a326bf31f5" providerId="LiveId" clId="{5474326C-47B7-4F19-AE21-DC1CDA7C4ACC}" dt="2021-02-15T01:00:28.496" v="870" actId="27636"/>
+        <pc:sldMkLst>
+          <pc:docMk/>
+          <pc:sldMk cId="2546404588" sldId="370"/>
+        </pc:sldMkLst>
+        <pc:spChg chg="mod">
+          <ac:chgData name="Mike B" userId="5c4bf6a326bf31f5" providerId="LiveId" clId="{5474326C-47B7-4F19-AE21-DC1CDA7C4ACC}" dt="2021-02-15T01:00:14.236" v="864"/>
+          <ac:spMkLst>
+            <pc:docMk/>
+            <pc:sldMk cId="2546404588" sldId="370"/>
+            <ac:spMk id="118786" creationId="{00000000-0000-0000-0000-000000000000}"/>
+          </ac:spMkLst>
+        </pc:spChg>
+        <pc:spChg chg="mod">
+          <ac:chgData name="Mike B" userId="5c4bf6a326bf31f5" providerId="LiveId" clId="{5474326C-47B7-4F19-AE21-DC1CDA7C4ACC}" dt="2021-02-15T01:00:28.496" v="870" actId="27636"/>
+          <ac:spMkLst>
+            <pc:docMk/>
+            <pc:sldMk cId="2546404588" sldId="370"/>
+            <ac:spMk id="118787" creationId="{00000000-0000-0000-0000-000000000000}"/>
+          </ac:spMkLst>
+        </pc:spChg>
+      </pc:sldChg>
+      <pc:sldChg chg="modSp add mod">
+        <pc:chgData name="Mike B" userId="5c4bf6a326bf31f5" providerId="LiveId" clId="{5474326C-47B7-4F19-AE21-DC1CDA7C4ACC}" dt="2021-02-15T01:06:23.698" v="1115" actId="113"/>
+        <pc:sldMkLst>
+          <pc:docMk/>
+          <pc:sldMk cId="856936846" sldId="371"/>
+        </pc:sldMkLst>
+        <pc:spChg chg="mod">
+          <ac:chgData name="Mike B" userId="5c4bf6a326bf31f5" providerId="LiveId" clId="{5474326C-47B7-4F19-AE21-DC1CDA7C4ACC}" dt="2021-02-15T01:04:29.536" v="916" actId="20577"/>
+          <ac:spMkLst>
+            <pc:docMk/>
+            <pc:sldMk cId="856936846" sldId="371"/>
+            <ac:spMk id="118786" creationId="{00000000-0000-0000-0000-000000000000}"/>
+          </ac:spMkLst>
+        </pc:spChg>
+        <pc:spChg chg="mod">
+          <ac:chgData name="Mike B" userId="5c4bf6a326bf31f5" providerId="LiveId" clId="{5474326C-47B7-4F19-AE21-DC1CDA7C4ACC}" dt="2021-02-15T01:06:23.698" v="1115" actId="113"/>
+          <ac:spMkLst>
+            <pc:docMk/>
+            <pc:sldMk cId="856936846" sldId="371"/>
+            <ac:spMk id="118787" creationId="{00000000-0000-0000-0000-000000000000}"/>
+          </ac:spMkLst>
+        </pc:spChg>
+      </pc:sldChg>
+      <pc:sldChg chg="modSp add mod">
+        <pc:chgData name="Mike B" userId="5c4bf6a326bf31f5" providerId="LiveId" clId="{5474326C-47B7-4F19-AE21-DC1CDA7C4ACC}" dt="2021-02-15T03:28:08.251" v="2507" actId="20577"/>
+        <pc:sldMkLst>
+          <pc:docMk/>
+          <pc:sldMk cId="3221056995" sldId="372"/>
+        </pc:sldMkLst>
+        <pc:spChg chg="mod">
+          <ac:chgData name="Mike B" userId="5c4bf6a326bf31f5" providerId="LiveId" clId="{5474326C-47B7-4F19-AE21-DC1CDA7C4ACC}" dt="2021-02-15T01:06:44.074" v="1117"/>
+          <ac:spMkLst>
+            <pc:docMk/>
+            <pc:sldMk cId="3221056995" sldId="372"/>
+            <ac:spMk id="118786" creationId="{00000000-0000-0000-0000-000000000000}"/>
+          </ac:spMkLst>
+        </pc:spChg>
+        <pc:spChg chg="mod">
+          <ac:chgData name="Mike B" userId="5c4bf6a326bf31f5" providerId="LiveId" clId="{5474326C-47B7-4F19-AE21-DC1CDA7C4ACC}" dt="2021-02-15T03:28:08.251" v="2507" actId="20577"/>
+          <ac:spMkLst>
+            <pc:docMk/>
+            <pc:sldMk cId="3221056995" sldId="372"/>
+            <ac:spMk id="118787" creationId="{00000000-0000-0000-0000-000000000000}"/>
+          </ac:spMkLst>
+        </pc:spChg>
+      </pc:sldChg>
+      <pc:sldChg chg="modSp add mod">
+        <pc:chgData name="Mike B" userId="5c4bf6a326bf31f5" providerId="LiveId" clId="{5474326C-47B7-4F19-AE21-DC1CDA7C4ACC}" dt="2021-02-15T03:28:11.655" v="2508" actId="20577"/>
+        <pc:sldMkLst>
+          <pc:docMk/>
+          <pc:sldMk cId="1944185287" sldId="373"/>
+        </pc:sldMkLst>
+        <pc:spChg chg="mod">
+          <ac:chgData name="Mike B" userId="5c4bf6a326bf31f5" providerId="LiveId" clId="{5474326C-47B7-4F19-AE21-DC1CDA7C4ACC}" dt="2021-02-15T01:07:17" v="1120"/>
+          <ac:spMkLst>
+            <pc:docMk/>
+            <pc:sldMk cId="1944185287" sldId="373"/>
+            <ac:spMk id="118786" creationId="{00000000-0000-0000-0000-000000000000}"/>
+          </ac:spMkLst>
+        </pc:spChg>
+        <pc:spChg chg="mod">
+          <ac:chgData name="Mike B" userId="5c4bf6a326bf31f5" providerId="LiveId" clId="{5474326C-47B7-4F19-AE21-DC1CDA7C4ACC}" dt="2021-02-15T03:28:11.655" v="2508" actId="20577"/>
+          <ac:spMkLst>
+            <pc:docMk/>
+            <pc:sldMk cId="1944185287" sldId="373"/>
+            <ac:spMk id="118787" creationId="{00000000-0000-0000-0000-000000000000}"/>
+          </ac:spMkLst>
+        </pc:spChg>
+      </pc:sldChg>
+      <pc:sldChg chg="modSp add mod">
+        <pc:chgData name="Mike B" userId="5c4bf6a326bf31f5" providerId="LiveId" clId="{5474326C-47B7-4F19-AE21-DC1CDA7C4ACC}" dt="2021-02-15T05:33:28.108" v="7116" actId="20577"/>
+        <pc:sldMkLst>
+          <pc:docMk/>
+          <pc:sldMk cId="651667285" sldId="374"/>
+        </pc:sldMkLst>
+        <pc:spChg chg="mod">
+          <ac:chgData name="Mike B" userId="5c4bf6a326bf31f5" providerId="LiveId" clId="{5474326C-47B7-4F19-AE21-DC1CDA7C4ACC}" dt="2021-02-15T01:46:23.325" v="1656" actId="20577"/>
+          <ac:spMkLst>
+            <pc:docMk/>
+            <pc:sldMk cId="651667285" sldId="374"/>
+            <ac:spMk id="118786" creationId="{00000000-0000-0000-0000-000000000000}"/>
+          </ac:spMkLst>
+        </pc:spChg>
+        <pc:spChg chg="mod">
+          <ac:chgData name="Mike B" userId="5c4bf6a326bf31f5" providerId="LiveId" clId="{5474326C-47B7-4F19-AE21-DC1CDA7C4ACC}" dt="2021-02-15T05:33:28.108" v="7116" actId="20577"/>
+          <ac:spMkLst>
+            <pc:docMk/>
+            <pc:sldMk cId="651667285" sldId="374"/>
+            <ac:spMk id="118787" creationId="{00000000-0000-0000-0000-000000000000}"/>
+          </ac:spMkLst>
+        </pc:spChg>
+      </pc:sldChg>
+      <pc:sldChg chg="modSp add mod">
+        <pc:chgData name="Mike B" userId="5c4bf6a326bf31f5" providerId="LiveId" clId="{5474326C-47B7-4F19-AE21-DC1CDA7C4ACC}" dt="2021-02-15T05:29:12.587" v="7113" actId="113"/>
+        <pc:sldMkLst>
+          <pc:docMk/>
+          <pc:sldMk cId="2954013174" sldId="375"/>
+        </pc:sldMkLst>
+        <pc:spChg chg="mod">
+          <ac:chgData name="Mike B" userId="5c4bf6a326bf31f5" providerId="LiveId" clId="{5474326C-47B7-4F19-AE21-DC1CDA7C4ACC}" dt="2021-02-15T05:29:12.587" v="7113" actId="113"/>
+          <ac:spMkLst>
+            <pc:docMk/>
+            <pc:sldMk cId="2954013174" sldId="375"/>
+            <ac:spMk id="118786" creationId="{00000000-0000-0000-0000-000000000000}"/>
+          </ac:spMkLst>
+        </pc:spChg>
+        <pc:spChg chg="mod">
+          <ac:chgData name="Mike B" userId="5c4bf6a326bf31f5" providerId="LiveId" clId="{5474326C-47B7-4F19-AE21-DC1CDA7C4ACC}" dt="2021-02-15T05:27:14.110" v="7109" actId="114"/>
+          <ac:spMkLst>
+            <pc:docMk/>
+            <pc:sldMk cId="2954013174" sldId="375"/>
+            <ac:spMk id="118787" creationId="{00000000-0000-0000-0000-000000000000}"/>
+          </ac:spMkLst>
+        </pc:spChg>
+      </pc:sldChg>
+      <pc:sldChg chg="modSp add del mod">
+        <pc:chgData name="Mike B" userId="5c4bf6a326bf31f5" providerId="LiveId" clId="{5474326C-47B7-4F19-AE21-DC1CDA7C4ACC}" dt="2021-02-15T05:33:39.983" v="7117" actId="47"/>
+        <pc:sldMkLst>
+          <pc:docMk/>
+          <pc:sldMk cId="3860908849" sldId="376"/>
+        </pc:sldMkLst>
+        <pc:spChg chg="mod">
+          <ac:chgData name="Mike B" userId="5c4bf6a326bf31f5" providerId="LiveId" clId="{5474326C-47B7-4F19-AE21-DC1CDA7C4ACC}" dt="2021-02-15T05:29:16.602" v="7114" actId="113"/>
+          <ac:spMkLst>
+            <pc:docMk/>
+            <pc:sldMk cId="3860908849" sldId="376"/>
+            <ac:spMk id="118786" creationId="{00000000-0000-0000-0000-000000000000}"/>
+          </ac:spMkLst>
+        </pc:spChg>
+      </pc:sldChg>
+      <pc:sldChg chg="modSp add mod ord">
+        <pc:chgData name="Mike B" userId="5c4bf6a326bf31f5" providerId="LiveId" clId="{5474326C-47B7-4F19-AE21-DC1CDA7C4ACC}" dt="2021-02-15T04:13:17.521" v="2935" actId="20577"/>
+        <pc:sldMkLst>
+          <pc:docMk/>
+          <pc:sldMk cId="1838149284" sldId="377"/>
+        </pc:sldMkLst>
+        <pc:spChg chg="mod">
+          <ac:chgData name="Mike B" userId="5c4bf6a326bf31f5" providerId="LiveId" clId="{5474326C-47B7-4F19-AE21-DC1CDA7C4ACC}" dt="2021-02-15T02:41:01.979" v="2162" actId="20577"/>
+          <ac:spMkLst>
+            <pc:docMk/>
+            <pc:sldMk cId="1838149284" sldId="377"/>
+            <ac:spMk id="118786" creationId="{00000000-0000-0000-0000-000000000000}"/>
+          </ac:spMkLst>
+        </pc:spChg>
+        <pc:spChg chg="mod">
+          <ac:chgData name="Mike B" userId="5c4bf6a326bf31f5" providerId="LiveId" clId="{5474326C-47B7-4F19-AE21-DC1CDA7C4ACC}" dt="2021-02-15T04:13:17.521" v="2935" actId="20577"/>
+          <ac:spMkLst>
+            <pc:docMk/>
+            <pc:sldMk cId="1838149284" sldId="377"/>
+            <ac:spMk id="118787" creationId="{00000000-0000-0000-0000-000000000000}"/>
+          </ac:spMkLst>
+        </pc:spChg>
+      </pc:sldChg>
       <pc:sldChg chg="add">
-        <pc:chgData name="Mike B" userId="5c4bf6a326bf31f5" providerId="LiveId" clId="{76DDEA14-774A-4263-9F62-41BDB638666F}" dt="2025-01-08T17:10:28.173" v="140"/>
-        <pc:sldMkLst>
-          <pc:docMk/>
-          <pc:sldMk cId="2010995209" sldId="359"/>
-        </pc:sldMkLst>
-      </pc:sldChg>
-      <pc:sldChg chg="del">
-        <pc:chgData name="Mike B" userId="5c4bf6a326bf31f5" providerId="LiveId" clId="{76DDEA14-774A-4263-9F62-41BDB638666F}" dt="2025-01-03T01:30:05.973" v="2" actId="2696"/>
-        <pc:sldMkLst>
-          <pc:docMk/>
-          <pc:sldMk cId="529469595" sldId="360"/>
-        </pc:sldMkLst>
-      </pc:sldChg>
-      <pc:sldChg chg="modSp mod">
-        <pc:chgData name="Mike B" userId="5c4bf6a326bf31f5" providerId="LiveId" clId="{76DDEA14-774A-4263-9F62-41BDB638666F}" dt="2025-01-08T17:34:27.689" v="776" actId="5793"/>
-        <pc:sldMkLst>
-          <pc:docMk/>
-          <pc:sldMk cId="3710951061" sldId="361"/>
-        </pc:sldMkLst>
-        <pc:spChg chg="mod">
-          <ac:chgData name="Mike B" userId="5c4bf6a326bf31f5" providerId="LiveId" clId="{76DDEA14-774A-4263-9F62-41BDB638666F}" dt="2025-01-08T17:34:27.689" v="776" actId="5793"/>
-          <ac:spMkLst>
-            <pc:docMk/>
-            <pc:sldMk cId="3710951061" sldId="361"/>
+        <pc:chgData name="Mike B" userId="5c4bf6a326bf31f5" providerId="LiveId" clId="{5474326C-47B7-4F19-AE21-DC1CDA7C4ACC}" dt="2021-02-15T01:47:52.228" v="1673"/>
+        <pc:sldMkLst>
+          <pc:docMk/>
+          <pc:sldMk cId="131746319" sldId="378"/>
+        </pc:sldMkLst>
+      </pc:sldChg>
+      <pc:sldChg chg="addSp delSp modSp add mod">
+        <pc:chgData name="Mike B" userId="5c4bf6a326bf31f5" providerId="LiveId" clId="{5474326C-47B7-4F19-AE21-DC1CDA7C4ACC}" dt="2021-02-15T04:09:00.493" v="2600" actId="20577"/>
+        <pc:sldMkLst>
+          <pc:docMk/>
+          <pc:sldMk cId="4160569662" sldId="379"/>
+        </pc:sldMkLst>
+        <pc:spChg chg="add mod">
+          <ac:chgData name="Mike B" userId="5c4bf6a326bf31f5" providerId="LiveId" clId="{5474326C-47B7-4F19-AE21-DC1CDA7C4ACC}" dt="2021-02-15T04:09:00.493" v="2600" actId="20577"/>
+          <ac:spMkLst>
+            <pc:docMk/>
+            <pc:sldMk cId="4160569662" sldId="379"/>
+            <ac:spMk id="4" creationId="{5146CA55-AB49-460E-92F2-8F326F94B069}"/>
+          </ac:spMkLst>
+        </pc:spChg>
+        <pc:spChg chg="mod">
+          <ac:chgData name="Mike B" userId="5c4bf6a326bf31f5" providerId="LiveId" clId="{5474326C-47B7-4F19-AE21-DC1CDA7C4ACC}" dt="2021-02-15T03:11:53.449" v="2349" actId="20577"/>
+          <ac:spMkLst>
+            <pc:docMk/>
+            <pc:sldMk cId="4160569662" sldId="379"/>
+            <ac:spMk id="118786" creationId="{00000000-0000-0000-0000-000000000000}"/>
+          </ac:spMkLst>
+        </pc:spChg>
+        <pc:spChg chg="del mod">
+          <ac:chgData name="Mike B" userId="5c4bf6a326bf31f5" providerId="LiveId" clId="{5474326C-47B7-4F19-AE21-DC1CDA7C4ACC}" dt="2021-02-15T03:11:59.727" v="2351" actId="478"/>
+          <ac:spMkLst>
+            <pc:docMk/>
+            <pc:sldMk cId="4160569662" sldId="379"/>
             <ac:spMk id="118787" creationId="{00000000-0000-0000-0000-000000000000}"/>
           </ac:spMkLst>
         </pc:spChg>
-      </pc:sldChg>
-      <pc:sldChg chg="del">
-        <pc:chgData name="Mike B" userId="5c4bf6a326bf31f5" providerId="LiveId" clId="{76DDEA14-774A-4263-9F62-41BDB638666F}" dt="2025-01-03T01:30:11.056" v="3" actId="2696"/>
+        <pc:picChg chg="add del mod modCrop">
+          <ac:chgData name="Mike B" userId="5c4bf6a326bf31f5" providerId="LiveId" clId="{5474326C-47B7-4F19-AE21-DC1CDA7C4ACC}" dt="2021-02-15T03:11:19.998" v="2303" actId="478"/>
+          <ac:picMkLst>
+            <pc:docMk/>
+            <pc:sldMk cId="4160569662" sldId="379"/>
+            <ac:picMk id="2" creationId="{5F492187-087C-49F5-9C70-EC6350790E1C}"/>
+          </ac:picMkLst>
+        </pc:picChg>
+        <pc:picChg chg="add mod">
+          <ac:chgData name="Mike B" userId="5c4bf6a326bf31f5" providerId="LiveId" clId="{5474326C-47B7-4F19-AE21-DC1CDA7C4ACC}" dt="2021-02-15T03:12:07.569" v="2354" actId="1076"/>
+          <ac:picMkLst>
+            <pc:docMk/>
+            <pc:sldMk cId="4160569662" sldId="379"/>
+            <ac:picMk id="3" creationId="{7A836EF4-399B-449F-8EEC-57352B5A43BF}"/>
+          </ac:picMkLst>
+        </pc:picChg>
+        <pc:picChg chg="add del mod">
+          <ac:chgData name="Mike B" userId="5c4bf6a326bf31f5" providerId="LiveId" clId="{5474326C-47B7-4F19-AE21-DC1CDA7C4ACC}" dt="2021-02-15T03:11:30.176" v="2306" actId="478"/>
+          <ac:picMkLst>
+            <pc:docMk/>
+            <pc:sldMk cId="4160569662" sldId="379"/>
+            <ac:picMk id="5" creationId="{07C46305-168D-4829-8F62-89C55565F4E2}"/>
+          </ac:picMkLst>
+        </pc:picChg>
+      </pc:sldChg>
+      <pc:sldChg chg="modSp add mod">
+        <pc:chgData name="Mike B" userId="5c4bf6a326bf31f5" providerId="LiveId" clId="{5474326C-47B7-4F19-AE21-DC1CDA7C4ACC}" dt="2021-02-15T02:51:14.563" v="2248" actId="5793"/>
         <pc:sldMkLst>
           <pc:docMk/>
           <pc:sldMk cId="2370785148" sldId="380"/>
         </pc:sldMkLst>
-      </pc:sldChg>
-      <pc:sldChg chg="modSp modAnim">
-        <pc:chgData name="Mike B" userId="5c4bf6a326bf31f5" providerId="LiveId" clId="{76DDEA14-774A-4263-9F62-41BDB638666F}" dt="2025-01-08T17:12:41.775" v="231" actId="20577"/>
-        <pc:sldMkLst>
-          <pc:docMk/>
-          <pc:sldMk cId="3723772096" sldId="461"/>
-        </pc:sldMkLst>
-        <pc:spChg chg="mod">
-          <ac:chgData name="Mike B" userId="5c4bf6a326bf31f5" providerId="LiveId" clId="{76DDEA14-774A-4263-9F62-41BDB638666F}" dt="2025-01-08T17:12:41.775" v="231" actId="20577"/>
-          <ac:spMkLst>
-            <pc:docMk/>
-            <pc:sldMk cId="3723772096" sldId="461"/>
-            <ac:spMk id="2" creationId="{00000000-0000-0000-0000-000000000000}"/>
-          </ac:spMkLst>
-        </pc:spChg>
-      </pc:sldChg>
-      <pc:sldChg chg="modAnim">
-        <pc:chgData name="Mike B" userId="5c4bf6a326bf31f5" providerId="LiveId" clId="{76DDEA14-774A-4263-9F62-41BDB638666F}" dt="2025-01-08T17:12:53.469" v="232"/>
-        <pc:sldMkLst>
-          <pc:docMk/>
-          <pc:sldMk cId="1059591430" sldId="527"/>
-        </pc:sldMkLst>
-      </pc:sldChg>
-      <pc:sldChg chg="modSp">
-        <pc:chgData name="Mike B" userId="5c4bf6a326bf31f5" providerId="LiveId" clId="{76DDEA14-774A-4263-9F62-41BDB638666F}" dt="2025-01-08T17:13:20.664" v="256" actId="20577"/>
-        <pc:sldMkLst>
-          <pc:docMk/>
-          <pc:sldMk cId="881136697" sldId="529"/>
-        </pc:sldMkLst>
-        <pc:spChg chg="mod">
-          <ac:chgData name="Mike B" userId="5c4bf6a326bf31f5" providerId="LiveId" clId="{76DDEA14-774A-4263-9F62-41BDB638666F}" dt="2025-01-08T17:13:20.664" v="256" actId="20577"/>
-          <ac:spMkLst>
-            <pc:docMk/>
-            <pc:sldMk cId="881136697" sldId="529"/>
-            <ac:spMk id="3" creationId="{00000000-0000-0000-0000-000000000000}"/>
-          </ac:spMkLst>
-        </pc:spChg>
-      </pc:sldChg>
-      <pc:sldChg chg="modAnim">
-        <pc:chgData name="Mike B" userId="5c4bf6a326bf31f5" providerId="LiveId" clId="{76DDEA14-774A-4263-9F62-41BDB638666F}" dt="2025-01-08T17:14:42.790" v="260"/>
-        <pc:sldMkLst>
-          <pc:docMk/>
-          <pc:sldMk cId="3582481671" sldId="541"/>
-        </pc:sldMkLst>
-      </pc:sldChg>
-      <pc:sldChg chg="modSp mod">
-        <pc:chgData name="Mike B" userId="5c4bf6a326bf31f5" providerId="LiveId" clId="{76DDEA14-774A-4263-9F62-41BDB638666F}" dt="2025-01-08T17:15:41.888" v="293" actId="20577"/>
-        <pc:sldMkLst>
-          <pc:docMk/>
-          <pc:sldMk cId="1827963335" sldId="546"/>
-        </pc:sldMkLst>
-        <pc:spChg chg="mod">
-          <ac:chgData name="Mike B" userId="5c4bf6a326bf31f5" providerId="LiveId" clId="{76DDEA14-774A-4263-9F62-41BDB638666F}" dt="2025-01-08T17:15:41.888" v="293" actId="20577"/>
-          <ac:spMkLst>
-            <pc:docMk/>
-            <pc:sldMk cId="1827963335" sldId="546"/>
-            <ac:spMk id="3" creationId="{00000000-0000-0000-0000-000000000000}"/>
-          </ac:spMkLst>
-        </pc:spChg>
-      </pc:sldChg>
-      <pc:sldChg chg="modSp modAnim">
-        <pc:chgData name="Mike B" userId="5c4bf6a326bf31f5" providerId="LiveId" clId="{76DDEA14-774A-4263-9F62-41BDB638666F}" dt="2025-01-08T17:16:12.995" v="294" actId="20577"/>
-        <pc:sldMkLst>
-          <pc:docMk/>
-          <pc:sldMk cId="3625575901" sldId="551"/>
-        </pc:sldMkLst>
-        <pc:spChg chg="mod">
-          <ac:chgData name="Mike B" userId="5c4bf6a326bf31f5" providerId="LiveId" clId="{76DDEA14-774A-4263-9F62-41BDB638666F}" dt="2025-01-08T17:16:12.995" v="294" actId="20577"/>
-          <ac:spMkLst>
-            <pc:docMk/>
-            <pc:sldMk cId="3625575901" sldId="551"/>
-            <ac:spMk id="3" creationId="{00000000-0000-0000-0000-000000000000}"/>
-          </ac:spMkLst>
-        </pc:spChg>
-      </pc:sldChg>
-      <pc:sldChg chg="del">
-        <pc:chgData name="Mike B" userId="5c4bf6a326bf31f5" providerId="LiveId" clId="{76DDEA14-774A-4263-9F62-41BDB638666F}" dt="2025-01-03T01:29:40.919" v="0" actId="2696"/>
-        <pc:sldMkLst>
-          <pc:docMk/>
-          <pc:sldMk cId="4108497874" sldId="634"/>
-        </pc:sldMkLst>
-      </pc:sldChg>
-      <pc:sldChg chg="del">
-        <pc:chgData name="Mike B" userId="5c4bf6a326bf31f5" providerId="LiveId" clId="{76DDEA14-774A-4263-9F62-41BDB638666F}" dt="2025-01-03T01:29:40.919" v="0" actId="2696"/>
-        <pc:sldMkLst>
-          <pc:docMk/>
-          <pc:sldMk cId="2595072114" sldId="653"/>
-        </pc:sldMkLst>
-      </pc:sldChg>
-      <pc:sldChg chg="del">
-        <pc:chgData name="Mike B" userId="5c4bf6a326bf31f5" providerId="LiveId" clId="{76DDEA14-774A-4263-9F62-41BDB638666F}" dt="2025-01-03T01:29:40.919" v="0" actId="2696"/>
-        <pc:sldMkLst>
-          <pc:docMk/>
-          <pc:sldMk cId="2871737530" sldId="658"/>
-        </pc:sldMkLst>
-      </pc:sldChg>
-      <pc:sldChg chg="del">
-        <pc:chgData name="Mike B" userId="5c4bf6a326bf31f5" providerId="LiveId" clId="{76DDEA14-774A-4263-9F62-41BDB638666F}" dt="2025-01-03T01:29:40.919" v="0" actId="2696"/>
-        <pc:sldMkLst>
-          <pc:docMk/>
-          <pc:sldMk cId="467519752" sldId="661"/>
-        </pc:sldMkLst>
-      </pc:sldChg>
-      <pc:sldChg chg="del">
-        <pc:chgData name="Mike B" userId="5c4bf6a326bf31f5" providerId="LiveId" clId="{76DDEA14-774A-4263-9F62-41BDB638666F}" dt="2025-01-03T01:29:40.919" v="0" actId="2696"/>
-        <pc:sldMkLst>
-          <pc:docMk/>
-          <pc:sldMk cId="2470446495" sldId="662"/>
-        </pc:sldMkLst>
-      </pc:sldChg>
-      <pc:sldChg chg="del">
-        <pc:chgData name="Mike B" userId="5c4bf6a326bf31f5" providerId="LiveId" clId="{76DDEA14-774A-4263-9F62-41BDB638666F}" dt="2025-01-03T01:29:40.919" v="0" actId="2696"/>
-        <pc:sldMkLst>
-          <pc:docMk/>
-          <pc:sldMk cId="1971962464" sldId="690"/>
-        </pc:sldMkLst>
-      </pc:sldChg>
-      <pc:sldChg chg="del">
-        <pc:chgData name="Mike B" userId="5c4bf6a326bf31f5" providerId="LiveId" clId="{76DDEA14-774A-4263-9F62-41BDB638666F}" dt="2025-01-03T01:30:05.973" v="2" actId="2696"/>
-        <pc:sldMkLst>
-          <pc:docMk/>
-          <pc:sldMk cId="4182831786" sldId="777"/>
-        </pc:sldMkLst>
-      </pc:sldChg>
-      <pc:sldChg chg="del">
-        <pc:chgData name="Mike B" userId="5c4bf6a326bf31f5" providerId="LiveId" clId="{76DDEA14-774A-4263-9F62-41BDB638666F}" dt="2025-01-03T01:29:59.856" v="1" actId="2696"/>
-        <pc:sldMkLst>
-          <pc:docMk/>
-          <pc:sldMk cId="2691135494" sldId="778"/>
-        </pc:sldMkLst>
-      </pc:sldChg>
-      <pc:sldChg chg="del">
-        <pc:chgData name="Mike B" userId="5c4bf6a326bf31f5" providerId="LiveId" clId="{76DDEA14-774A-4263-9F62-41BDB638666F}" dt="2025-01-03T01:29:59.856" v="1" actId="2696"/>
-        <pc:sldMkLst>
-          <pc:docMk/>
-          <pc:sldMk cId="494230690" sldId="780"/>
-        </pc:sldMkLst>
-      </pc:sldChg>
-      <pc:sldChg chg="del">
-        <pc:chgData name="Mike B" userId="5c4bf6a326bf31f5" providerId="LiveId" clId="{76DDEA14-774A-4263-9F62-41BDB638666F}" dt="2025-01-03T01:29:59.856" v="1" actId="2696"/>
-        <pc:sldMkLst>
-          <pc:docMk/>
-          <pc:sldMk cId="1889596787" sldId="781"/>
-        </pc:sldMkLst>
-      </pc:sldChg>
-      <pc:sldChg chg="del">
-        <pc:chgData name="Mike B" userId="5c4bf6a326bf31f5" providerId="LiveId" clId="{76DDEA14-774A-4263-9F62-41BDB638666F}" dt="2025-01-03T01:29:59.856" v="1" actId="2696"/>
-        <pc:sldMkLst>
-          <pc:docMk/>
-          <pc:sldMk cId="184063669" sldId="782"/>
-        </pc:sldMkLst>
+        <pc:spChg chg="mod">
+          <ac:chgData name="Mike B" userId="5c4bf6a326bf31f5" providerId="LiveId" clId="{5474326C-47B7-4F19-AE21-DC1CDA7C4ACC}" dt="2021-02-15T01:57:08.800" v="1974" actId="20577"/>
+          <ac:spMkLst>
+            <pc:docMk/>
+            <pc:sldMk cId="2370785148" sldId="380"/>
+            <ac:spMk id="118786" creationId="{00000000-0000-0000-0000-000000000000}"/>
+          </ac:spMkLst>
+        </pc:spChg>
+        <pc:spChg chg="mod">
+          <ac:chgData name="Mike B" userId="5c4bf6a326bf31f5" providerId="LiveId" clId="{5474326C-47B7-4F19-AE21-DC1CDA7C4ACC}" dt="2021-02-15T02:51:14.563" v="2248" actId="5793"/>
+          <ac:spMkLst>
+            <pc:docMk/>
+            <pc:sldMk cId="2370785148" sldId="380"/>
+            <ac:spMk id="118787" creationId="{00000000-0000-0000-0000-000000000000}"/>
+          </ac:spMkLst>
+        </pc:spChg>
+      </pc:sldChg>
+      <pc:sldChg chg="modSp add mod">
+        <pc:chgData name="Mike B" userId="5c4bf6a326bf31f5" providerId="LiveId" clId="{5474326C-47B7-4F19-AE21-DC1CDA7C4ACC}" dt="2021-02-15T05:17:12.130" v="6677" actId="20577"/>
+        <pc:sldMkLst>
+          <pc:docMk/>
+          <pc:sldMk cId="785234097" sldId="381"/>
+        </pc:sldMkLst>
+        <pc:spChg chg="mod">
+          <ac:chgData name="Mike B" userId="5c4bf6a326bf31f5" providerId="LiveId" clId="{5474326C-47B7-4F19-AE21-DC1CDA7C4ACC}" dt="2021-02-15T05:17:12.130" v="6677" actId="20577"/>
+          <ac:spMkLst>
+            <pc:docMk/>
+            <pc:sldMk cId="785234097" sldId="381"/>
+            <ac:spMk id="118787" creationId="{00000000-0000-0000-0000-000000000000}"/>
+          </ac:spMkLst>
+        </pc:spChg>
+      </pc:sldChg>
+      <pc:sldChg chg="addSp modSp add mod">
+        <pc:chgData name="Mike B" userId="5c4bf6a326bf31f5" providerId="LiveId" clId="{5474326C-47B7-4F19-AE21-DC1CDA7C4ACC}" dt="2021-02-15T04:39:37.465" v="4706" actId="20577"/>
+        <pc:sldMkLst>
+          <pc:docMk/>
+          <pc:sldMk cId="904438427" sldId="382"/>
+        </pc:sldMkLst>
+        <pc:spChg chg="mod">
+          <ac:chgData name="Mike B" userId="5c4bf6a326bf31f5" providerId="LiveId" clId="{5474326C-47B7-4F19-AE21-DC1CDA7C4ACC}" dt="2021-02-15T02:41:20.252" v="2192" actId="20577"/>
+          <ac:spMkLst>
+            <pc:docMk/>
+            <pc:sldMk cId="904438427" sldId="382"/>
+            <ac:spMk id="118786" creationId="{00000000-0000-0000-0000-000000000000}"/>
+          </ac:spMkLst>
+        </pc:spChg>
+        <pc:spChg chg="mod">
+          <ac:chgData name="Mike B" userId="5c4bf6a326bf31f5" providerId="LiveId" clId="{5474326C-47B7-4F19-AE21-DC1CDA7C4ACC}" dt="2021-02-15T04:39:37.465" v="4706" actId="20577"/>
+          <ac:spMkLst>
+            <pc:docMk/>
+            <pc:sldMk cId="904438427" sldId="382"/>
+            <ac:spMk id="118787" creationId="{00000000-0000-0000-0000-000000000000}"/>
+          </ac:spMkLst>
+        </pc:spChg>
+        <pc:picChg chg="add mod">
+          <ac:chgData name="Mike B" userId="5c4bf6a326bf31f5" providerId="LiveId" clId="{5474326C-47B7-4F19-AE21-DC1CDA7C4ACC}" dt="2021-02-15T04:39:16.904" v="4688" actId="1076"/>
+          <ac:picMkLst>
+            <pc:docMk/>
+            <pc:sldMk cId="904438427" sldId="382"/>
+            <ac:picMk id="1026" creationId="{21091432-25CB-463D-B632-B1ECA1740C55}"/>
+          </ac:picMkLst>
+        </pc:picChg>
+      </pc:sldChg>
+      <pc:sldChg chg="modSp add mod modAnim">
+        <pc:chgData name="Mike B" userId="5c4bf6a326bf31f5" providerId="LiveId" clId="{5474326C-47B7-4F19-AE21-DC1CDA7C4ACC}" dt="2021-02-15T05:07:58.826" v="6516"/>
+        <pc:sldMkLst>
+          <pc:docMk/>
+          <pc:sldMk cId="2127158767" sldId="383"/>
+        </pc:sldMkLst>
+        <pc:spChg chg="mod">
+          <ac:chgData name="Mike B" userId="5c4bf6a326bf31f5" providerId="LiveId" clId="{5474326C-47B7-4F19-AE21-DC1CDA7C4ACC}" dt="2021-02-15T02:41:33.606" v="2212" actId="20577"/>
+          <ac:spMkLst>
+            <pc:docMk/>
+            <pc:sldMk cId="2127158767" sldId="383"/>
+            <ac:spMk id="118786" creationId="{00000000-0000-0000-0000-000000000000}"/>
+          </ac:spMkLst>
+        </pc:spChg>
+        <pc:spChg chg="mod">
+          <ac:chgData name="Mike B" userId="5c4bf6a326bf31f5" providerId="LiveId" clId="{5474326C-47B7-4F19-AE21-DC1CDA7C4ACC}" dt="2021-02-15T04:58:18.140" v="5830" actId="20577"/>
+          <ac:spMkLst>
+            <pc:docMk/>
+            <pc:sldMk cId="2127158767" sldId="383"/>
+            <ac:spMk id="118787" creationId="{00000000-0000-0000-0000-000000000000}"/>
+          </ac:spMkLst>
+        </pc:spChg>
+      </pc:sldChg>
+      <pc:sldChg chg="addSp modSp add mod modAnim">
+        <pc:chgData name="Mike B" userId="5c4bf6a326bf31f5" providerId="LiveId" clId="{5474326C-47B7-4F19-AE21-DC1CDA7C4ACC}" dt="2021-02-15T05:28:28.681" v="7112" actId="1076"/>
+        <pc:sldMkLst>
+          <pc:docMk/>
+          <pc:sldMk cId="3320146079" sldId="384"/>
+        </pc:sldMkLst>
+        <pc:spChg chg="mod">
+          <ac:chgData name="Mike B" userId="5c4bf6a326bf31f5" providerId="LiveId" clId="{5474326C-47B7-4F19-AE21-DC1CDA7C4ACC}" dt="2021-02-15T05:02:56.725" v="5859" actId="20577"/>
+          <ac:spMkLst>
+            <pc:docMk/>
+            <pc:sldMk cId="3320146079" sldId="384"/>
+            <ac:spMk id="118786" creationId="{00000000-0000-0000-0000-000000000000}"/>
+          </ac:spMkLst>
+        </pc:spChg>
+        <pc:spChg chg="mod">
+          <ac:chgData name="Mike B" userId="5c4bf6a326bf31f5" providerId="LiveId" clId="{5474326C-47B7-4F19-AE21-DC1CDA7C4ACC}" dt="2021-02-15T05:07:34.656" v="6514" actId="20577"/>
+          <ac:spMkLst>
+            <pc:docMk/>
+            <pc:sldMk cId="3320146079" sldId="384"/>
+            <ac:spMk id="118787" creationId="{00000000-0000-0000-0000-000000000000}"/>
+          </ac:spMkLst>
+        </pc:spChg>
+        <pc:picChg chg="add mod">
+          <ac:chgData name="Mike B" userId="5c4bf6a326bf31f5" providerId="LiveId" clId="{5474326C-47B7-4F19-AE21-DC1CDA7C4ACC}" dt="2021-02-15T05:28:28.681" v="7112" actId="1076"/>
+          <ac:picMkLst>
+            <pc:docMk/>
+            <pc:sldMk cId="3320146079" sldId="384"/>
+            <ac:picMk id="3074" creationId="{8A4C6E30-C00E-4816-B451-F4584F019A96}"/>
+          </ac:picMkLst>
+        </pc:picChg>
+      </pc:sldChg>
+      <pc:sldChg chg="modSp add mod">
+        <pc:chgData name="Mike B" userId="5c4bf6a326bf31f5" providerId="LiveId" clId="{5474326C-47B7-4F19-AE21-DC1CDA7C4ACC}" dt="2021-02-15T04:47:14" v="5071" actId="20577"/>
+        <pc:sldMkLst>
+          <pc:docMk/>
+          <pc:sldMk cId="2254575175" sldId="385"/>
+        </pc:sldMkLst>
+        <pc:spChg chg="mod">
+          <ac:chgData name="Mike B" userId="5c4bf6a326bf31f5" providerId="LiveId" clId="{5474326C-47B7-4F19-AE21-DC1CDA7C4ACC}" dt="2021-02-15T02:53:24.929" v="2296" actId="20577"/>
+          <ac:spMkLst>
+            <pc:docMk/>
+            <pc:sldMk cId="2254575175" sldId="385"/>
+            <ac:spMk id="118786" creationId="{00000000-0000-0000-0000-000000000000}"/>
+          </ac:spMkLst>
+        </pc:spChg>
+        <pc:spChg chg="mod">
+          <ac:chgData name="Mike B" userId="5c4bf6a326bf31f5" providerId="LiveId" clId="{5474326C-47B7-4F19-AE21-DC1CDA7C4ACC}" dt="2021-02-15T04:47:14" v="5071" actId="20577"/>
+          <ac:spMkLst>
+            <pc:docMk/>
+            <pc:sldMk cId="2254575175" sldId="385"/>
+            <ac:spMk id="118787" creationId="{00000000-0000-0000-0000-000000000000}"/>
+          </ac:spMkLst>
+        </pc:spChg>
+      </pc:sldChg>
+      <pc:sldChg chg="addSp delSp modSp add mod">
+        <pc:chgData name="Mike B" userId="5c4bf6a326bf31f5" providerId="LiveId" clId="{5474326C-47B7-4F19-AE21-DC1CDA7C4ACC}" dt="2021-02-15T04:22:52.912" v="4208" actId="1076"/>
+        <pc:sldMkLst>
+          <pc:docMk/>
+          <pc:sldMk cId="2320687358" sldId="386"/>
+        </pc:sldMkLst>
+        <pc:spChg chg="add mod">
+          <ac:chgData name="Mike B" userId="5c4bf6a326bf31f5" providerId="LiveId" clId="{5474326C-47B7-4F19-AE21-DC1CDA7C4ACC}" dt="2021-02-15T04:22:52.912" v="4208" actId="1076"/>
+          <ac:spMkLst>
+            <pc:docMk/>
+            <pc:sldMk cId="2320687358" sldId="386"/>
+            <ac:spMk id="3" creationId="{3A45D066-A7DD-4ECC-A6EA-269B462FAC86}"/>
+          </ac:spMkLst>
+        </pc:spChg>
+        <pc:spChg chg="mod">
+          <ac:chgData name="Mike B" userId="5c4bf6a326bf31f5" providerId="LiveId" clId="{5474326C-47B7-4F19-AE21-DC1CDA7C4ACC}" dt="2021-02-15T04:15:53.770" v="3017" actId="20577"/>
+          <ac:spMkLst>
+            <pc:docMk/>
+            <pc:sldMk cId="2320687358" sldId="386"/>
+            <ac:spMk id="118786" creationId="{00000000-0000-0000-0000-000000000000}"/>
+          </ac:spMkLst>
+        </pc:spChg>
+        <pc:spChg chg="del mod">
+          <ac:chgData name="Mike B" userId="5c4bf6a326bf31f5" providerId="LiveId" clId="{5474326C-47B7-4F19-AE21-DC1CDA7C4ACC}" dt="2021-02-15T04:14:16.739" v="2939" actId="3680"/>
+          <ac:spMkLst>
+            <pc:docMk/>
+            <pc:sldMk cId="2320687358" sldId="386"/>
+            <ac:spMk id="118787" creationId="{00000000-0000-0000-0000-000000000000}"/>
+          </ac:spMkLst>
+        </pc:spChg>
+        <pc:graphicFrameChg chg="add mod ord modGraphic">
+          <ac:chgData name="Mike B" userId="5c4bf6a326bf31f5" providerId="LiveId" clId="{5474326C-47B7-4F19-AE21-DC1CDA7C4ACC}" dt="2021-02-15T04:22:42.750" v="4206" actId="2062"/>
+          <ac:graphicFrameMkLst>
+            <pc:docMk/>
+            <pc:sldMk cId="2320687358" sldId="386"/>
+            <ac:graphicFrameMk id="2" creationId="{8B6DE30B-4F8C-4321-AE2E-EB830A84D5B9}"/>
+          </ac:graphicFrameMkLst>
+        </pc:graphicFrameChg>
+      </pc:sldChg>
+      <pc:sldChg chg="addSp modSp add mod">
+        <pc:chgData name="Mike B" userId="5c4bf6a326bf31f5" providerId="LiveId" clId="{5474326C-47B7-4F19-AE21-DC1CDA7C4ACC}" dt="2021-02-15T04:50:44.591" v="5217" actId="20577"/>
+        <pc:sldMkLst>
+          <pc:docMk/>
+          <pc:sldMk cId="882537844" sldId="387"/>
+        </pc:sldMkLst>
+        <pc:spChg chg="mod">
+          <ac:chgData name="Mike B" userId="5c4bf6a326bf31f5" providerId="LiveId" clId="{5474326C-47B7-4F19-AE21-DC1CDA7C4ACC}" dt="2021-02-15T04:50:44.591" v="5217" actId="20577"/>
+          <ac:spMkLst>
+            <pc:docMk/>
+            <pc:sldMk cId="882537844" sldId="387"/>
+            <ac:spMk id="118787" creationId="{00000000-0000-0000-0000-000000000000}"/>
+          </ac:spMkLst>
+        </pc:spChg>
+        <pc:picChg chg="add mod">
+          <ac:chgData name="Mike B" userId="5c4bf6a326bf31f5" providerId="LiveId" clId="{5474326C-47B7-4F19-AE21-DC1CDA7C4ACC}" dt="2021-02-15T04:50:19.148" v="5133" actId="1076"/>
+          <ac:picMkLst>
+            <pc:docMk/>
+            <pc:sldMk cId="882537844" sldId="387"/>
+            <ac:picMk id="2050" creationId="{21A69BB0-42BB-41F7-BB42-947DD19D55B7}"/>
+          </ac:picMkLst>
+        </pc:picChg>
       </pc:sldChg>
     </pc:docChg>
   </pc:docChgLst>
@@ -2858,2365 +5940,95 @@
     </pc:docChg>
   </pc:docChgLst>
   <pc:docChgLst>
-    <pc:chgData name="Mike B" userId="5c4bf6a326bf31f5" providerId="LiveId" clId="{D54D15A3-E6C3-44B4-BF6A-2689751A6590}"/>
-    <pc:docChg chg="undo custSel addSld delSld modSld sldOrd">
-      <pc:chgData name="Mike B" userId="5c4bf6a326bf31f5" providerId="LiveId" clId="{D54D15A3-E6C3-44B4-BF6A-2689751A6590}" dt="2025-02-02T21:18:22.482" v="5890" actId="404"/>
+    <pc:chgData name="Mike B" userId="5c4bf6a326bf31f5" providerId="LiveId" clId="{3432D430-2FD5-4C55-B9AB-5F320ADAA244}"/>
+    <pc:docChg chg="modSld">
+      <pc:chgData name="Mike B" userId="5c4bf6a326bf31f5" providerId="LiveId" clId="{3432D430-2FD5-4C55-B9AB-5F320ADAA244}" dt="2022-02-21T17:18:01.634" v="67" actId="20577"/>
       <pc:docMkLst>
         <pc:docMk/>
       </pc:docMkLst>
       <pc:sldChg chg="modSp mod">
-        <pc:chgData name="Mike B" userId="5c4bf6a326bf31f5" providerId="LiveId" clId="{D54D15A3-E6C3-44B4-BF6A-2689751A6590}" dt="2025-01-30T23:15:59.955" v="52" actId="20577"/>
-        <pc:sldMkLst>
-          <pc:docMk/>
-          <pc:sldMk cId="0" sldId="256"/>
-        </pc:sldMkLst>
-        <pc:spChg chg="mod">
-          <ac:chgData name="Mike B" userId="5c4bf6a326bf31f5" providerId="LiveId" clId="{D54D15A3-E6C3-44B4-BF6A-2689751A6590}" dt="2025-01-30T23:15:59.955" v="52" actId="20577"/>
-          <ac:spMkLst>
-            <pc:docMk/>
-            <pc:sldMk cId="0" sldId="256"/>
-            <ac:spMk id="2051" creationId="{00000000-0000-0000-0000-000000000000}"/>
+        <pc:chgData name="Mike B" userId="5c4bf6a326bf31f5" providerId="LiveId" clId="{3432D430-2FD5-4C55-B9AB-5F320ADAA244}" dt="2022-02-12T20:23:00.273" v="10" actId="20577"/>
+        <pc:sldMkLst>
+          <pc:docMk/>
+          <pc:sldMk cId="3723772096" sldId="461"/>
+        </pc:sldMkLst>
+        <pc:spChg chg="mod">
+          <ac:chgData name="Mike B" userId="5c4bf6a326bf31f5" providerId="LiveId" clId="{3432D430-2FD5-4C55-B9AB-5F320ADAA244}" dt="2022-02-12T20:23:00.273" v="10" actId="20577"/>
+          <ac:spMkLst>
+            <pc:docMk/>
+            <pc:sldMk cId="3723772096" sldId="461"/>
+            <ac:spMk id="2" creationId="{00000000-0000-0000-0000-000000000000}"/>
+          </ac:spMkLst>
+        </pc:spChg>
+      </pc:sldChg>
+      <pc:sldChg chg="modSp">
+        <pc:chgData name="Mike B" userId="5c4bf6a326bf31f5" providerId="LiveId" clId="{3432D430-2FD5-4C55-B9AB-5F320ADAA244}" dt="2022-02-12T20:23:21.673" v="11" actId="20577"/>
+        <pc:sldMkLst>
+          <pc:docMk/>
+          <pc:sldMk cId="881136697" sldId="529"/>
+        </pc:sldMkLst>
+        <pc:spChg chg="mod">
+          <ac:chgData name="Mike B" userId="5c4bf6a326bf31f5" providerId="LiveId" clId="{3432D430-2FD5-4C55-B9AB-5F320ADAA244}" dt="2022-02-12T20:23:21.673" v="11" actId="20577"/>
+          <ac:spMkLst>
+            <pc:docMk/>
+            <pc:sldMk cId="881136697" sldId="529"/>
+            <ac:spMk id="3" creationId="{00000000-0000-0000-0000-000000000000}"/>
           </ac:spMkLst>
         </pc:spChg>
       </pc:sldChg>
       <pc:sldChg chg="modSp mod">
-        <pc:chgData name="Mike B" userId="5c4bf6a326bf31f5" providerId="LiveId" clId="{D54D15A3-E6C3-44B4-BF6A-2689751A6590}" dt="2025-01-30T23:16:34.015" v="174" actId="20577"/>
-        <pc:sldMkLst>
-          <pc:docMk/>
-          <pc:sldMk cId="0" sldId="287"/>
-        </pc:sldMkLst>
-        <pc:spChg chg="mod">
-          <ac:chgData name="Mike B" userId="5c4bf6a326bf31f5" providerId="LiveId" clId="{D54D15A3-E6C3-44B4-BF6A-2689751A6590}" dt="2025-01-30T23:16:34.015" v="174" actId="20577"/>
-          <ac:spMkLst>
-            <pc:docMk/>
-            <pc:sldMk cId="0" sldId="287"/>
-            <ac:spMk id="119811" creationId="{00000000-0000-0000-0000-000000000000}"/>
+        <pc:chgData name="Mike B" userId="5c4bf6a326bf31f5" providerId="LiveId" clId="{3432D430-2FD5-4C55-B9AB-5F320ADAA244}" dt="2022-02-12T20:25:33.498" v="39" actId="20577"/>
+        <pc:sldMkLst>
+          <pc:docMk/>
+          <pc:sldMk cId="834623402" sldId="547"/>
+        </pc:sldMkLst>
+        <pc:spChg chg="mod">
+          <ac:chgData name="Mike B" userId="5c4bf6a326bf31f5" providerId="LiveId" clId="{3432D430-2FD5-4C55-B9AB-5F320ADAA244}" dt="2022-02-12T20:25:33.498" v="39" actId="20577"/>
+          <ac:spMkLst>
+            <pc:docMk/>
+            <pc:sldMk cId="834623402" sldId="547"/>
+            <ac:spMk id="3" creationId="{00000000-0000-0000-0000-000000000000}"/>
           </ac:spMkLst>
         </pc:spChg>
       </pc:sldChg>
       <pc:sldChg chg="modSp mod">
-        <pc:chgData name="Mike B" userId="5c4bf6a326bf31f5" providerId="LiveId" clId="{D54D15A3-E6C3-44B4-BF6A-2689751A6590}" dt="2025-02-02T17:07:13.971" v="603" actId="20577"/>
-        <pc:sldMkLst>
-          <pc:docMk/>
-          <pc:sldMk cId="1782408873" sldId="342"/>
-        </pc:sldMkLst>
-        <pc:spChg chg="mod">
-          <ac:chgData name="Mike B" userId="5c4bf6a326bf31f5" providerId="LiveId" clId="{D54D15A3-E6C3-44B4-BF6A-2689751A6590}" dt="2025-02-02T17:07:13.971" v="603" actId="20577"/>
-          <ac:spMkLst>
-            <pc:docMk/>
-            <pc:sldMk cId="1782408873" sldId="342"/>
+        <pc:chgData name="Mike B" userId="5c4bf6a326bf31f5" providerId="LiveId" clId="{3432D430-2FD5-4C55-B9AB-5F320ADAA244}" dt="2022-02-12T20:25:57.985" v="51" actId="20577"/>
+        <pc:sldMkLst>
+          <pc:docMk/>
+          <pc:sldMk cId="3625575901" sldId="551"/>
+        </pc:sldMkLst>
+        <pc:spChg chg="mod">
+          <ac:chgData name="Mike B" userId="5c4bf6a326bf31f5" providerId="LiveId" clId="{3432D430-2FD5-4C55-B9AB-5F320ADAA244}" dt="2022-02-12T20:25:57.985" v="51" actId="20577"/>
+          <ac:spMkLst>
+            <pc:docMk/>
+            <pc:sldMk cId="3625575901" sldId="551"/>
             <ac:spMk id="3" creationId="{00000000-0000-0000-0000-000000000000}"/>
           </ac:spMkLst>
         </pc:spChg>
-        <pc:spChg chg="mod">
-          <ac:chgData name="Mike B" userId="5c4bf6a326bf31f5" providerId="LiveId" clId="{D54D15A3-E6C3-44B4-BF6A-2689751A6590}" dt="2025-01-30T23:16:44.419" v="194" actId="20577"/>
-          <ac:spMkLst>
-            <pc:docMk/>
-            <pc:sldMk cId="1782408873" sldId="342"/>
-            <ac:spMk id="4" creationId="{00000000-0000-0000-0000-000000000000}"/>
-          </ac:spMkLst>
-        </pc:spChg>
-      </pc:sldChg>
-      <pc:sldChg chg="modSp mod">
-        <pc:chgData name="Mike B" userId="5c4bf6a326bf31f5" providerId="LiveId" clId="{D54D15A3-E6C3-44B4-BF6A-2689751A6590}" dt="2025-01-30T23:18:05.836" v="313" actId="20577"/>
-        <pc:sldMkLst>
-          <pc:docMk/>
-          <pc:sldMk cId="3710951061" sldId="361"/>
-        </pc:sldMkLst>
-        <pc:spChg chg="mod">
-          <ac:chgData name="Mike B" userId="5c4bf6a326bf31f5" providerId="LiveId" clId="{D54D15A3-E6C3-44B4-BF6A-2689751A6590}" dt="2025-01-30T23:18:05.836" v="313" actId="20577"/>
-          <ac:spMkLst>
-            <pc:docMk/>
-            <pc:sldMk cId="3710951061" sldId="361"/>
-            <ac:spMk id="118787" creationId="{00000000-0000-0000-0000-000000000000}"/>
-          </ac:spMkLst>
-        </pc:spChg>
-      </pc:sldChg>
-      <pc:sldChg chg="addSp modSp mod modAnim">
-        <pc:chgData name="Mike B" userId="5c4bf6a326bf31f5" providerId="LiveId" clId="{D54D15A3-E6C3-44B4-BF6A-2689751A6590}" dt="2025-02-02T20:21:43.911" v="3169"/>
+      </pc:sldChg>
+      <pc:sldChg chg="modSp modAnim">
+        <pc:chgData name="Mike B" userId="5c4bf6a326bf31f5" providerId="LiveId" clId="{3432D430-2FD5-4C55-B9AB-5F320ADAA244}" dt="2022-02-12T20:27:24.449" v="59" actId="20577"/>
         <pc:sldMkLst>
           <pc:docMk/>
           <pc:sldMk cId="3749001237" sldId="633"/>
         </pc:sldMkLst>
         <pc:spChg chg="mod">
-          <ac:chgData name="Mike B" userId="5c4bf6a326bf31f5" providerId="LiveId" clId="{D54D15A3-E6C3-44B4-BF6A-2689751A6590}" dt="2025-02-02T20:16:29.124" v="2878" actId="20577"/>
+          <ac:chgData name="Mike B" userId="5c4bf6a326bf31f5" providerId="LiveId" clId="{3432D430-2FD5-4C55-B9AB-5F320ADAA244}" dt="2022-02-12T20:27:24.449" v="59" actId="20577"/>
           <ac:spMkLst>
             <pc:docMk/>
             <pc:sldMk cId="3749001237" sldId="633"/>
             <ac:spMk id="2" creationId="{00000000-0000-0000-0000-000000000000}"/>
           </ac:spMkLst>
         </pc:spChg>
-        <pc:spChg chg="mod">
-          <ac:chgData name="Mike B" userId="5c4bf6a326bf31f5" providerId="LiveId" clId="{D54D15A3-E6C3-44B4-BF6A-2689751A6590}" dt="2025-02-02T20:20:20.455" v="3164" actId="27636"/>
-          <ac:spMkLst>
-            <pc:docMk/>
-            <pc:sldMk cId="3749001237" sldId="633"/>
-            <ac:spMk id="3" creationId="{00000000-0000-0000-0000-000000000000}"/>
-          </ac:spMkLst>
-        </pc:spChg>
-        <pc:picChg chg="add mod modCrop">
-          <ac:chgData name="Mike B" userId="5c4bf6a326bf31f5" providerId="LiveId" clId="{D54D15A3-E6C3-44B4-BF6A-2689751A6590}" dt="2025-02-02T20:20:36.407" v="3168" actId="1076"/>
-          <ac:picMkLst>
-            <pc:docMk/>
-            <pc:sldMk cId="3749001237" sldId="633"/>
-            <ac:picMk id="4" creationId="{CB00E1B8-B613-75EC-1061-57D6DAE59F8C}"/>
-          </ac:picMkLst>
-        </pc:picChg>
-      </pc:sldChg>
-      <pc:sldChg chg="modSp mod">
-        <pc:chgData name="Mike B" userId="5c4bf6a326bf31f5" providerId="LiveId" clId="{D54D15A3-E6C3-44B4-BF6A-2689751A6590}" dt="2025-02-02T21:10:21.724" v="5333" actId="20577"/>
-        <pc:sldMkLst>
-          <pc:docMk/>
-          <pc:sldMk cId="28306766" sldId="634"/>
-        </pc:sldMkLst>
-        <pc:spChg chg="mod">
-          <ac:chgData name="Mike B" userId="5c4bf6a326bf31f5" providerId="LiveId" clId="{D54D15A3-E6C3-44B4-BF6A-2689751A6590}" dt="2025-02-02T21:10:21.724" v="5333" actId="20577"/>
-          <ac:spMkLst>
-            <pc:docMk/>
-            <pc:sldMk cId="28306766" sldId="634"/>
-            <ac:spMk id="3" creationId="{00000000-0000-0000-0000-000000000000}"/>
-          </ac:spMkLst>
-        </pc:spChg>
-        <pc:spChg chg="mod">
-          <ac:chgData name="Mike B" userId="5c4bf6a326bf31f5" providerId="LiveId" clId="{D54D15A3-E6C3-44B4-BF6A-2689751A6590}" dt="2025-01-30T23:17:18.773" v="245" actId="20577"/>
-          <ac:spMkLst>
-            <pc:docMk/>
-            <pc:sldMk cId="28306766" sldId="634"/>
-            <ac:spMk id="4" creationId="{00000000-0000-0000-0000-000000000000}"/>
-          </ac:spMkLst>
-        </pc:spChg>
-      </pc:sldChg>
-      <pc:sldChg chg="modSp mod modAnim">
-        <pc:chgData name="Mike B" userId="5c4bf6a326bf31f5" providerId="LiveId" clId="{D54D15A3-E6C3-44B4-BF6A-2689751A6590}" dt="2025-02-02T17:09:46.907" v="986"/>
-        <pc:sldMkLst>
-          <pc:docMk/>
-          <pc:sldMk cId="257875984" sldId="1229"/>
-        </pc:sldMkLst>
-        <pc:spChg chg="mod">
-          <ac:chgData name="Mike B" userId="5c4bf6a326bf31f5" providerId="LiveId" clId="{D54D15A3-E6C3-44B4-BF6A-2689751A6590}" dt="2025-01-31T14:44:16.120" v="321" actId="20577"/>
-          <ac:spMkLst>
-            <pc:docMk/>
-            <pc:sldMk cId="257875984" sldId="1229"/>
-            <ac:spMk id="2" creationId="{00000000-0000-0000-0000-000000000000}"/>
-          </ac:spMkLst>
-        </pc:spChg>
-        <pc:spChg chg="mod">
-          <ac:chgData name="Mike B" userId="5c4bf6a326bf31f5" providerId="LiveId" clId="{D54D15A3-E6C3-44B4-BF6A-2689751A6590}" dt="2025-02-02T17:09:35.937" v="985" actId="20577"/>
-          <ac:spMkLst>
-            <pc:docMk/>
-            <pc:sldMk cId="257875984" sldId="1229"/>
-            <ac:spMk id="3" creationId="{00000000-0000-0000-0000-000000000000}"/>
-          </ac:spMkLst>
-        </pc:spChg>
-      </pc:sldChg>
-      <pc:sldChg chg="del">
-        <pc:chgData name="Mike B" userId="5c4bf6a326bf31f5" providerId="LiveId" clId="{D54D15A3-E6C3-44B4-BF6A-2689751A6590}" dt="2025-01-30T23:16:59.543" v="195" actId="2696"/>
-        <pc:sldMkLst>
-          <pc:docMk/>
-          <pc:sldMk cId="3587006028" sldId="1248"/>
-        </pc:sldMkLst>
-      </pc:sldChg>
-      <pc:sldChg chg="del">
-        <pc:chgData name="Mike B" userId="5c4bf6a326bf31f5" providerId="LiveId" clId="{D54D15A3-E6C3-44B4-BF6A-2689751A6590}" dt="2025-01-30T23:16:59.543" v="195" actId="2696"/>
-        <pc:sldMkLst>
-          <pc:docMk/>
-          <pc:sldMk cId="997888385" sldId="1249"/>
-        </pc:sldMkLst>
-      </pc:sldChg>
-      <pc:sldChg chg="del">
-        <pc:chgData name="Mike B" userId="5c4bf6a326bf31f5" providerId="LiveId" clId="{D54D15A3-E6C3-44B4-BF6A-2689751A6590}" dt="2025-01-30T23:16:59.543" v="195" actId="2696"/>
-        <pc:sldMkLst>
-          <pc:docMk/>
-          <pc:sldMk cId="1309747117" sldId="1250"/>
-        </pc:sldMkLst>
-      </pc:sldChg>
-      <pc:sldChg chg="del">
-        <pc:chgData name="Mike B" userId="5c4bf6a326bf31f5" providerId="LiveId" clId="{D54D15A3-E6C3-44B4-BF6A-2689751A6590}" dt="2025-01-30T23:16:59.543" v="195" actId="2696"/>
-        <pc:sldMkLst>
-          <pc:docMk/>
-          <pc:sldMk cId="1262794706" sldId="1251"/>
-        </pc:sldMkLst>
-      </pc:sldChg>
-      <pc:sldChg chg="modSp mod">
-        <pc:chgData name="Mike B" userId="5c4bf6a326bf31f5" providerId="LiveId" clId="{D54D15A3-E6C3-44B4-BF6A-2689751A6590}" dt="2025-02-02T17:03:48.330" v="409" actId="20577"/>
-        <pc:sldMkLst>
-          <pc:docMk/>
-          <pc:sldMk cId="2843263528" sldId="1252"/>
-        </pc:sldMkLst>
-        <pc:spChg chg="mod">
-          <ac:chgData name="Mike B" userId="5c4bf6a326bf31f5" providerId="LiveId" clId="{D54D15A3-E6C3-44B4-BF6A-2689751A6590}" dt="2025-02-02T17:03:48.330" v="409" actId="20577"/>
-          <ac:spMkLst>
-            <pc:docMk/>
-            <pc:sldMk cId="2843263528" sldId="1252"/>
-            <ac:spMk id="2" creationId="{00000000-0000-0000-0000-000000000000}"/>
-          </ac:spMkLst>
-        </pc:spChg>
-        <pc:spChg chg="mod">
-          <ac:chgData name="Mike B" userId="5c4bf6a326bf31f5" providerId="LiveId" clId="{D54D15A3-E6C3-44B4-BF6A-2689751A6590}" dt="2025-02-02T17:00:40.610" v="392" actId="113"/>
-          <ac:spMkLst>
-            <pc:docMk/>
-            <pc:sldMk cId="2843263528" sldId="1252"/>
-            <ac:spMk id="5" creationId="{EDD27F39-B0E5-4270-9E07-7D3312174843}"/>
-          </ac:spMkLst>
-        </pc:spChg>
-      </pc:sldChg>
-      <pc:sldChg chg="addSp delSp modSp mod">
-        <pc:chgData name="Mike B" userId="5c4bf6a326bf31f5" providerId="LiveId" clId="{D54D15A3-E6C3-44B4-BF6A-2689751A6590}" dt="2025-02-02T17:15:07.591" v="1043" actId="1076"/>
-        <pc:sldMkLst>
-          <pc:docMk/>
-          <pc:sldMk cId="557394895" sldId="1253"/>
-        </pc:sldMkLst>
-        <pc:spChg chg="mod">
-          <ac:chgData name="Mike B" userId="5c4bf6a326bf31f5" providerId="LiveId" clId="{D54D15A3-E6C3-44B4-BF6A-2689751A6590}" dt="2025-02-02T17:04:11.272" v="420" actId="20577"/>
-          <ac:spMkLst>
-            <pc:docMk/>
-            <pc:sldMk cId="557394895" sldId="1253"/>
-            <ac:spMk id="2" creationId="{00000000-0000-0000-0000-000000000000}"/>
-          </ac:spMkLst>
-        </pc:spChg>
-        <pc:spChg chg="mod">
-          <ac:chgData name="Mike B" userId="5c4bf6a326bf31f5" providerId="LiveId" clId="{D54D15A3-E6C3-44B4-BF6A-2689751A6590}" dt="2025-02-02T17:14:02.800" v="1036" actId="1036"/>
-          <ac:spMkLst>
-            <pc:docMk/>
-            <pc:sldMk cId="557394895" sldId="1253"/>
-            <ac:spMk id="3" creationId="{00000000-0000-0000-0000-000000000000}"/>
-          </ac:spMkLst>
-        </pc:spChg>
-        <pc:spChg chg="add mod">
-          <ac:chgData name="Mike B" userId="5c4bf6a326bf31f5" providerId="LiveId" clId="{D54D15A3-E6C3-44B4-BF6A-2689751A6590}" dt="2025-02-02T17:14:38.591" v="1038" actId="1076"/>
-          <ac:spMkLst>
-            <pc:docMk/>
-            <pc:sldMk cId="557394895" sldId="1253"/>
-            <ac:spMk id="4" creationId="{0C443EEA-3831-10E1-0893-457EC792D067}"/>
-          </ac:spMkLst>
-        </pc:spChg>
-        <pc:spChg chg="mod">
-          <ac:chgData name="Mike B" userId="5c4bf6a326bf31f5" providerId="LiveId" clId="{D54D15A3-E6C3-44B4-BF6A-2689751A6590}" dt="2025-01-31T14:57:49.558" v="366" actId="1076"/>
-          <ac:spMkLst>
-            <pc:docMk/>
-            <pc:sldMk cId="557394895" sldId="1253"/>
-            <ac:spMk id="5" creationId="{A1E53B62-D028-483B-9C41-F3886C2FEC52}"/>
-          </ac:spMkLst>
-        </pc:spChg>
-        <pc:spChg chg="del">
-          <ac:chgData name="Mike B" userId="5c4bf6a326bf31f5" providerId="LiveId" clId="{D54D15A3-E6C3-44B4-BF6A-2689751A6590}" dt="2025-01-31T14:57:51.550" v="367" actId="478"/>
-          <ac:spMkLst>
-            <pc:docMk/>
-            <pc:sldMk cId="557394895" sldId="1253"/>
-            <ac:spMk id="7" creationId="{2BD35E1F-E446-4DA4-8D93-72B01F435A8F}"/>
-          </ac:spMkLst>
-        </pc:spChg>
-        <pc:spChg chg="add mod">
-          <ac:chgData name="Mike B" userId="5c4bf6a326bf31f5" providerId="LiveId" clId="{D54D15A3-E6C3-44B4-BF6A-2689751A6590}" dt="2025-02-02T17:15:07.591" v="1043" actId="1076"/>
-          <ac:spMkLst>
-            <pc:docMk/>
-            <pc:sldMk cId="557394895" sldId="1253"/>
-            <ac:spMk id="7" creationId="{BF315F32-BA82-AD04-3557-E8C8A2C21ACF}"/>
-          </ac:spMkLst>
-        </pc:spChg>
-        <pc:spChg chg="del">
-          <ac:chgData name="Mike B" userId="5c4bf6a326bf31f5" providerId="LiveId" clId="{D54D15A3-E6C3-44B4-BF6A-2689751A6590}" dt="2025-01-31T14:57:32.278" v="362" actId="478"/>
-          <ac:spMkLst>
-            <pc:docMk/>
-            <pc:sldMk cId="557394895" sldId="1253"/>
-            <ac:spMk id="8" creationId="{B4375171-0B87-46C3-B544-4D1627B82381}"/>
-          </ac:spMkLst>
-        </pc:spChg>
-        <pc:spChg chg="del">
-          <ac:chgData name="Mike B" userId="5c4bf6a326bf31f5" providerId="LiveId" clId="{D54D15A3-E6C3-44B4-BF6A-2689751A6590}" dt="2025-01-31T14:57:35.138" v="363" actId="478"/>
-          <ac:spMkLst>
-            <pc:docMk/>
-            <pc:sldMk cId="557394895" sldId="1253"/>
-            <ac:spMk id="9" creationId="{64132EA2-9747-4C3B-BF0E-CAF934E98745}"/>
-          </ac:spMkLst>
-        </pc:spChg>
-        <pc:spChg chg="del">
-          <ac:chgData name="Mike B" userId="5c4bf6a326bf31f5" providerId="LiveId" clId="{D54D15A3-E6C3-44B4-BF6A-2689751A6590}" dt="2025-01-31T14:57:38.434" v="364" actId="478"/>
-          <ac:spMkLst>
-            <pc:docMk/>
-            <pc:sldMk cId="557394895" sldId="1253"/>
-            <ac:spMk id="10" creationId="{E23B17A6-515A-45DF-8898-48B6A5832005}"/>
-          </ac:spMkLst>
-        </pc:spChg>
-      </pc:sldChg>
-      <pc:sldChg chg="del">
-        <pc:chgData name="Mike B" userId="5c4bf6a326bf31f5" providerId="LiveId" clId="{D54D15A3-E6C3-44B4-BF6A-2689751A6590}" dt="2025-01-30T23:17:07.552" v="196" actId="2696"/>
-        <pc:sldMkLst>
-          <pc:docMk/>
-          <pc:sldMk cId="1080735625" sldId="1271"/>
-        </pc:sldMkLst>
-      </pc:sldChg>
-      <pc:sldChg chg="del">
-        <pc:chgData name="Mike B" userId="5c4bf6a326bf31f5" providerId="LiveId" clId="{D54D15A3-E6C3-44B4-BF6A-2689751A6590}" dt="2025-01-30T23:16:59.543" v="195" actId="2696"/>
-        <pc:sldMkLst>
-          <pc:docMk/>
-          <pc:sldMk cId="3686722547" sldId="1272"/>
-        </pc:sldMkLst>
-      </pc:sldChg>
-      <pc:sldChg chg="del">
-        <pc:chgData name="Mike B" userId="5c4bf6a326bf31f5" providerId="LiveId" clId="{D54D15A3-E6C3-44B4-BF6A-2689751A6590}" dt="2025-01-30T23:16:59.543" v="195" actId="2696"/>
-        <pc:sldMkLst>
-          <pc:docMk/>
-          <pc:sldMk cId="1062285755" sldId="1273"/>
-        </pc:sldMkLst>
-      </pc:sldChg>
-      <pc:sldChg chg="del">
-        <pc:chgData name="Mike B" userId="5c4bf6a326bf31f5" providerId="LiveId" clId="{D54D15A3-E6C3-44B4-BF6A-2689751A6590}" dt="2025-02-02T20:03:21.615" v="2774" actId="2696"/>
-        <pc:sldMkLst>
-          <pc:docMk/>
-          <pc:sldMk cId="1856009430" sldId="1274"/>
-        </pc:sldMkLst>
-      </pc:sldChg>
-      <pc:sldChg chg="modSp add del mod">
-        <pc:chgData name="Mike B" userId="5c4bf6a326bf31f5" providerId="LiveId" clId="{D54D15A3-E6C3-44B4-BF6A-2689751A6590}" dt="2025-02-02T17:16:13.262" v="1046" actId="2696"/>
-        <pc:sldMkLst>
-          <pc:docMk/>
-          <pc:sldMk cId="1556747576" sldId="1275"/>
-        </pc:sldMkLst>
-        <pc:spChg chg="mod">
-          <ac:chgData name="Mike B" userId="5c4bf6a326bf31f5" providerId="LiveId" clId="{D54D15A3-E6C3-44B4-BF6A-2689751A6590}" dt="2025-02-02T17:04:27.739" v="455" actId="20577"/>
-          <ac:spMkLst>
-            <pc:docMk/>
-            <pc:sldMk cId="1556747576" sldId="1275"/>
-            <ac:spMk id="2" creationId="{00000000-0000-0000-0000-000000000000}"/>
-          </ac:spMkLst>
-        </pc:spChg>
-      </pc:sldChg>
-      <pc:sldChg chg="del">
-        <pc:chgData name="Mike B" userId="5c4bf6a326bf31f5" providerId="LiveId" clId="{D54D15A3-E6C3-44B4-BF6A-2689751A6590}" dt="2025-01-30T23:17:31.210" v="248" actId="2696"/>
-        <pc:sldMkLst>
-          <pc:docMk/>
-          <pc:sldMk cId="2117449211" sldId="1275"/>
-        </pc:sldMkLst>
-      </pc:sldChg>
-      <pc:sldChg chg="modSp add mod ord modAnim">
-        <pc:chgData name="Mike B" userId="5c4bf6a326bf31f5" providerId="LiveId" clId="{D54D15A3-E6C3-44B4-BF6A-2689751A6590}" dt="2025-02-02T19:42:35.975" v="1702"/>
-        <pc:sldMkLst>
-          <pc:docMk/>
-          <pc:sldMk cId="3984217516" sldId="1276"/>
-        </pc:sldMkLst>
-        <pc:spChg chg="mod">
-          <ac:chgData name="Mike B" userId="5c4bf6a326bf31f5" providerId="LiveId" clId="{D54D15A3-E6C3-44B4-BF6A-2689751A6590}" dt="2025-02-02T17:16:10.591" v="1045"/>
-          <ac:spMkLst>
-            <pc:docMk/>
-            <pc:sldMk cId="3984217516" sldId="1276"/>
-            <ac:spMk id="2" creationId="{00000000-0000-0000-0000-000000000000}"/>
-          </ac:spMkLst>
-        </pc:spChg>
-        <pc:spChg chg="mod">
-          <ac:chgData name="Mike B" userId="5c4bf6a326bf31f5" providerId="LiveId" clId="{D54D15A3-E6C3-44B4-BF6A-2689751A6590}" dt="2025-02-02T19:41:34.022" v="1698" actId="5793"/>
-          <ac:spMkLst>
-            <pc:docMk/>
-            <pc:sldMk cId="3984217516" sldId="1276"/>
-            <ac:spMk id="3" creationId="{00000000-0000-0000-0000-000000000000}"/>
-          </ac:spMkLst>
-        </pc:spChg>
-      </pc:sldChg>
-      <pc:sldChg chg="del">
-        <pc:chgData name="Mike B" userId="5c4bf6a326bf31f5" providerId="LiveId" clId="{D54D15A3-E6C3-44B4-BF6A-2689751A6590}" dt="2025-01-30T23:17:31.210" v="248" actId="2696"/>
-        <pc:sldMkLst>
-          <pc:docMk/>
-          <pc:sldMk cId="4234455428" sldId="1276"/>
-        </pc:sldMkLst>
-      </pc:sldChg>
-      <pc:sldChg chg="addSp delSp modSp add mod modAnim">
-        <pc:chgData name="Mike B" userId="5c4bf6a326bf31f5" providerId="LiveId" clId="{D54D15A3-E6C3-44B4-BF6A-2689751A6590}" dt="2025-02-02T17:13:17.481" v="1025" actId="1076"/>
-        <pc:sldMkLst>
-          <pc:docMk/>
-          <pc:sldMk cId="67343306" sldId="1277"/>
-        </pc:sldMkLst>
-        <pc:spChg chg="mod">
-          <ac:chgData name="Mike B" userId="5c4bf6a326bf31f5" providerId="LiveId" clId="{D54D15A3-E6C3-44B4-BF6A-2689751A6590}" dt="2025-02-02T17:11:47.419" v="1010" actId="20577"/>
-          <ac:spMkLst>
-            <pc:docMk/>
-            <pc:sldMk cId="67343306" sldId="1277"/>
-            <ac:spMk id="2" creationId="{00000000-0000-0000-0000-000000000000}"/>
-          </ac:spMkLst>
-        </pc:spChg>
-        <pc:spChg chg="del mod">
-          <ac:chgData name="Mike B" userId="5c4bf6a326bf31f5" providerId="LiveId" clId="{D54D15A3-E6C3-44B4-BF6A-2689751A6590}" dt="2025-02-02T17:12:33.270" v="1013"/>
-          <ac:spMkLst>
-            <pc:docMk/>
-            <pc:sldMk cId="67343306" sldId="1277"/>
-            <ac:spMk id="3" creationId="{00000000-0000-0000-0000-000000000000}"/>
-          </ac:spMkLst>
-        </pc:spChg>
-        <pc:spChg chg="add del mod">
-          <ac:chgData name="Mike B" userId="5c4bf6a326bf31f5" providerId="LiveId" clId="{D54D15A3-E6C3-44B4-BF6A-2689751A6590}" dt="2025-02-02T17:13:08.850" v="1022" actId="478"/>
-          <ac:spMkLst>
-            <pc:docMk/>
-            <pc:sldMk cId="67343306" sldId="1277"/>
-            <ac:spMk id="8" creationId="{B6387F76-F240-1D3A-5A49-C111385ADAF3}"/>
-          </ac:spMkLst>
-        </pc:spChg>
-        <pc:picChg chg="add del mod modCrop">
-          <ac:chgData name="Mike B" userId="5c4bf6a326bf31f5" providerId="LiveId" clId="{D54D15A3-E6C3-44B4-BF6A-2689751A6590}" dt="2025-02-02T17:13:03.603" v="1021" actId="478"/>
-          <ac:picMkLst>
-            <pc:docMk/>
-            <pc:sldMk cId="67343306" sldId="1277"/>
-            <ac:picMk id="5" creationId="{0461E65F-B0AD-F4A6-F9B0-9DAE74453DAB}"/>
-          </ac:picMkLst>
-        </pc:picChg>
-        <pc:picChg chg="add mod">
-          <ac:chgData name="Mike B" userId="5c4bf6a326bf31f5" providerId="LiveId" clId="{D54D15A3-E6C3-44B4-BF6A-2689751A6590}" dt="2025-02-02T17:13:17.481" v="1025" actId="1076"/>
-          <ac:picMkLst>
-            <pc:docMk/>
-            <pc:sldMk cId="67343306" sldId="1277"/>
-            <ac:picMk id="6" creationId="{C4CE26A9-42D9-C0D1-98CB-CB92D65146BE}"/>
-          </ac:picMkLst>
-        </pc:picChg>
-      </pc:sldChg>
-      <pc:sldChg chg="del">
-        <pc:chgData name="Mike B" userId="5c4bf6a326bf31f5" providerId="LiveId" clId="{D54D15A3-E6C3-44B4-BF6A-2689751A6590}" dt="2025-01-30T23:17:31.210" v="248" actId="2696"/>
-        <pc:sldMkLst>
-          <pc:docMk/>
-          <pc:sldMk cId="4245031178" sldId="1277"/>
-        </pc:sldMkLst>
-      </pc:sldChg>
-      <pc:sldChg chg="del">
-        <pc:chgData name="Mike B" userId="5c4bf6a326bf31f5" providerId="LiveId" clId="{D54D15A3-E6C3-44B4-BF6A-2689751A6590}" dt="2025-01-30T23:17:31.210" v="248" actId="2696"/>
-        <pc:sldMkLst>
-          <pc:docMk/>
-          <pc:sldMk cId="679839182" sldId="1278"/>
-        </pc:sldMkLst>
-      </pc:sldChg>
-      <pc:sldChg chg="modSp add mod modAnim">
-        <pc:chgData name="Mike B" userId="5c4bf6a326bf31f5" providerId="LiveId" clId="{D54D15A3-E6C3-44B4-BF6A-2689751A6590}" dt="2025-02-02T19:55:41.076" v="2615"/>
-        <pc:sldMkLst>
-          <pc:docMk/>
-          <pc:sldMk cId="885965288" sldId="1278"/>
-        </pc:sldMkLst>
-        <pc:spChg chg="mod">
-          <ac:chgData name="Mike B" userId="5c4bf6a326bf31f5" providerId="LiveId" clId="{D54D15A3-E6C3-44B4-BF6A-2689751A6590}" dt="2025-02-02T19:46:46.828" v="1709" actId="20577"/>
-          <ac:spMkLst>
-            <pc:docMk/>
-            <pc:sldMk cId="885965288" sldId="1278"/>
-            <ac:spMk id="2" creationId="{00000000-0000-0000-0000-000000000000}"/>
-          </ac:spMkLst>
-        </pc:spChg>
-        <pc:spChg chg="mod">
-          <ac:chgData name="Mike B" userId="5c4bf6a326bf31f5" providerId="LiveId" clId="{D54D15A3-E6C3-44B4-BF6A-2689751A6590}" dt="2025-02-02T19:55:32.835" v="2614" actId="403"/>
-          <ac:spMkLst>
-            <pc:docMk/>
-            <pc:sldMk cId="885965288" sldId="1278"/>
-            <ac:spMk id="3" creationId="{00000000-0000-0000-0000-000000000000}"/>
-          </ac:spMkLst>
-        </pc:spChg>
-      </pc:sldChg>
-      <pc:sldChg chg="addSp modSp add mod">
-        <pc:chgData name="Mike B" userId="5c4bf6a326bf31f5" providerId="LiveId" clId="{D54D15A3-E6C3-44B4-BF6A-2689751A6590}" dt="2025-02-02T19:38:55.253" v="1355" actId="1076"/>
-        <pc:sldMkLst>
-          <pc:docMk/>
-          <pc:sldMk cId="1084163813" sldId="1279"/>
-        </pc:sldMkLst>
-        <pc:spChg chg="mod">
-          <ac:chgData name="Mike B" userId="5c4bf6a326bf31f5" providerId="LiveId" clId="{D54D15A3-E6C3-44B4-BF6A-2689751A6590}" dt="2025-02-02T17:24:20.145" v="1075" actId="20577"/>
-          <ac:spMkLst>
-            <pc:docMk/>
-            <pc:sldMk cId="1084163813" sldId="1279"/>
-            <ac:spMk id="2" creationId="{00000000-0000-0000-0000-000000000000}"/>
-          </ac:spMkLst>
-        </pc:spChg>
-        <pc:spChg chg="mod">
-          <ac:chgData name="Mike B" userId="5c4bf6a326bf31f5" providerId="LiveId" clId="{D54D15A3-E6C3-44B4-BF6A-2689751A6590}" dt="2025-02-02T19:38:51.306" v="1354" actId="5793"/>
-          <ac:spMkLst>
-            <pc:docMk/>
-            <pc:sldMk cId="1084163813" sldId="1279"/>
-            <ac:spMk id="3" creationId="{00000000-0000-0000-0000-000000000000}"/>
-          </ac:spMkLst>
-        </pc:spChg>
-        <pc:spChg chg="add mod">
-          <ac:chgData name="Mike B" userId="5c4bf6a326bf31f5" providerId="LiveId" clId="{D54D15A3-E6C3-44B4-BF6A-2689751A6590}" dt="2025-02-02T19:38:55.253" v="1355" actId="1076"/>
-          <ac:spMkLst>
-            <pc:docMk/>
-            <pc:sldMk cId="1084163813" sldId="1279"/>
-            <ac:spMk id="4" creationId="{8AEA0636-3372-4134-8CAF-AB21C67F5FC0}"/>
-          </ac:spMkLst>
-        </pc:spChg>
-      </pc:sldChg>
-      <pc:sldChg chg="del">
-        <pc:chgData name="Mike B" userId="5c4bf6a326bf31f5" providerId="LiveId" clId="{D54D15A3-E6C3-44B4-BF6A-2689751A6590}" dt="2025-01-30T23:17:31.210" v="248" actId="2696"/>
-        <pc:sldMkLst>
-          <pc:docMk/>
-          <pc:sldMk cId="2839674854" sldId="1279"/>
-        </pc:sldMkLst>
-      </pc:sldChg>
-      <pc:sldChg chg="modSp add mod modAnim">
-        <pc:chgData name="Mike B" userId="5c4bf6a326bf31f5" providerId="LiveId" clId="{D54D15A3-E6C3-44B4-BF6A-2689751A6590}" dt="2025-02-02T19:50:11.271" v="2085"/>
-        <pc:sldMkLst>
-          <pc:docMk/>
-          <pc:sldMk cId="3503839129" sldId="1280"/>
-        </pc:sldMkLst>
-        <pc:spChg chg="mod">
-          <ac:chgData name="Mike B" userId="5c4bf6a326bf31f5" providerId="LiveId" clId="{D54D15A3-E6C3-44B4-BF6A-2689751A6590}" dt="2025-02-02T19:46:59.289" v="1729" actId="20577"/>
-          <ac:spMkLst>
-            <pc:docMk/>
-            <pc:sldMk cId="3503839129" sldId="1280"/>
-            <ac:spMk id="2" creationId="{00000000-0000-0000-0000-000000000000}"/>
-          </ac:spMkLst>
-        </pc:spChg>
-        <pc:spChg chg="mod">
-          <ac:chgData name="Mike B" userId="5c4bf6a326bf31f5" providerId="LiveId" clId="{D54D15A3-E6C3-44B4-BF6A-2689751A6590}" dt="2025-02-02T19:49:46.582" v="2080" actId="404"/>
-          <ac:spMkLst>
-            <pc:docMk/>
-            <pc:sldMk cId="3503839129" sldId="1280"/>
-            <ac:spMk id="3" creationId="{00000000-0000-0000-0000-000000000000}"/>
-          </ac:spMkLst>
-        </pc:spChg>
-      </pc:sldChg>
-      <pc:sldChg chg="modSp add mod">
-        <pc:chgData name="Mike B" userId="5c4bf6a326bf31f5" providerId="LiveId" clId="{D54D15A3-E6C3-44B4-BF6A-2689751A6590}" dt="2025-02-02T20:34:45.813" v="3966" actId="404"/>
-        <pc:sldMkLst>
-          <pc:docMk/>
-          <pc:sldMk cId="1487306533" sldId="1281"/>
-        </pc:sldMkLst>
-        <pc:spChg chg="mod">
-          <ac:chgData name="Mike B" userId="5c4bf6a326bf31f5" providerId="LiveId" clId="{D54D15A3-E6C3-44B4-BF6A-2689751A6590}" dt="2025-02-02T20:31:15.806" v="3527" actId="20577"/>
-          <ac:spMkLst>
-            <pc:docMk/>
-            <pc:sldMk cId="1487306533" sldId="1281"/>
-            <ac:spMk id="2" creationId="{00000000-0000-0000-0000-000000000000}"/>
-          </ac:spMkLst>
-        </pc:spChg>
-        <pc:spChg chg="mod">
-          <ac:chgData name="Mike B" userId="5c4bf6a326bf31f5" providerId="LiveId" clId="{D54D15A3-E6C3-44B4-BF6A-2689751A6590}" dt="2025-02-02T20:34:45.813" v="3966" actId="404"/>
-          <ac:spMkLst>
-            <pc:docMk/>
-            <pc:sldMk cId="1487306533" sldId="1281"/>
-            <ac:spMk id="3" creationId="{00000000-0000-0000-0000-000000000000}"/>
-          </ac:spMkLst>
-        </pc:spChg>
-      </pc:sldChg>
-      <pc:sldChg chg="modSp add mod modAnim">
-        <pc:chgData name="Mike B" userId="5c4bf6a326bf31f5" providerId="LiveId" clId="{D54D15A3-E6C3-44B4-BF6A-2689751A6590}" dt="2025-02-02T20:59:44.980" v="5016"/>
-        <pc:sldMkLst>
-          <pc:docMk/>
-          <pc:sldMk cId="3136370519" sldId="1282"/>
-        </pc:sldMkLst>
-        <pc:spChg chg="mod">
-          <ac:chgData name="Mike B" userId="5c4bf6a326bf31f5" providerId="LiveId" clId="{D54D15A3-E6C3-44B4-BF6A-2689751A6590}" dt="2025-02-02T20:06:12.043" v="2832" actId="20577"/>
-          <ac:spMkLst>
-            <pc:docMk/>
-            <pc:sldMk cId="3136370519" sldId="1282"/>
-            <ac:spMk id="2" creationId="{00000000-0000-0000-0000-000000000000}"/>
-          </ac:spMkLst>
-        </pc:spChg>
-        <pc:spChg chg="mod">
-          <ac:chgData name="Mike B" userId="5c4bf6a326bf31f5" providerId="LiveId" clId="{D54D15A3-E6C3-44B4-BF6A-2689751A6590}" dt="2025-02-02T20:59:22.119" v="5013" actId="403"/>
-          <ac:spMkLst>
-            <pc:docMk/>
-            <pc:sldMk cId="3136370519" sldId="1282"/>
-            <ac:spMk id="3" creationId="{00000000-0000-0000-0000-000000000000}"/>
-          </ac:spMkLst>
-        </pc:spChg>
-      </pc:sldChg>
-      <pc:sldChg chg="modSp add mod">
-        <pc:chgData name="Mike B" userId="5c4bf6a326bf31f5" providerId="LiveId" clId="{D54D15A3-E6C3-44B4-BF6A-2689751A6590}" dt="2025-02-02T21:18:22.482" v="5890" actId="404"/>
-        <pc:sldMkLst>
-          <pc:docMk/>
-          <pc:sldMk cId="1178536652" sldId="1283"/>
-        </pc:sldMkLst>
-        <pc:spChg chg="mod">
-          <ac:chgData name="Mike B" userId="5c4bf6a326bf31f5" providerId="LiveId" clId="{D54D15A3-E6C3-44B4-BF6A-2689751A6590}" dt="2025-02-02T20:06:22.415" v="2865" actId="20577"/>
-          <ac:spMkLst>
-            <pc:docMk/>
-            <pc:sldMk cId="1178536652" sldId="1283"/>
-            <ac:spMk id="2" creationId="{00000000-0000-0000-0000-000000000000}"/>
-          </ac:spMkLst>
-        </pc:spChg>
-        <pc:spChg chg="mod">
-          <ac:chgData name="Mike B" userId="5c4bf6a326bf31f5" providerId="LiveId" clId="{D54D15A3-E6C3-44B4-BF6A-2689751A6590}" dt="2025-02-02T21:18:22.482" v="5890" actId="404"/>
-          <ac:spMkLst>
-            <pc:docMk/>
-            <pc:sldMk cId="1178536652" sldId="1283"/>
-            <ac:spMk id="3" creationId="{00000000-0000-0000-0000-000000000000}"/>
-          </ac:spMkLst>
-        </pc:spChg>
-      </pc:sldChg>
-      <pc:sldChg chg="addSp delSp modSp add mod delAnim modAnim">
-        <pc:chgData name="Mike B" userId="5c4bf6a326bf31f5" providerId="LiveId" clId="{D54D15A3-E6C3-44B4-BF6A-2689751A6590}" dt="2025-02-02T20:29:52.461" v="3490"/>
-        <pc:sldMkLst>
-          <pc:docMk/>
-          <pc:sldMk cId="39351176" sldId="1284"/>
-        </pc:sldMkLst>
-        <pc:spChg chg="mod">
-          <ac:chgData name="Mike B" userId="5c4bf6a326bf31f5" providerId="LiveId" clId="{D54D15A3-E6C3-44B4-BF6A-2689751A6590}" dt="2025-02-02T20:21:53.209" v="3176" actId="20577"/>
-          <ac:spMkLst>
-            <pc:docMk/>
-            <pc:sldMk cId="39351176" sldId="1284"/>
-            <ac:spMk id="2" creationId="{00000000-0000-0000-0000-000000000000}"/>
-          </ac:spMkLst>
-        </pc:spChg>
-        <pc:spChg chg="mod">
-          <ac:chgData name="Mike B" userId="5c4bf6a326bf31f5" providerId="LiveId" clId="{D54D15A3-E6C3-44B4-BF6A-2689751A6590}" dt="2025-02-02T20:27:30.250" v="3477" actId="20577"/>
-          <ac:spMkLst>
-            <pc:docMk/>
-            <pc:sldMk cId="39351176" sldId="1284"/>
-            <ac:spMk id="3" creationId="{00000000-0000-0000-0000-000000000000}"/>
-          </ac:spMkLst>
-        </pc:spChg>
-        <pc:picChg chg="del">
-          <ac:chgData name="Mike B" userId="5c4bf6a326bf31f5" providerId="LiveId" clId="{D54D15A3-E6C3-44B4-BF6A-2689751A6590}" dt="2025-02-02T20:27:01.237" v="3394" actId="478"/>
-          <ac:picMkLst>
-            <pc:docMk/>
-            <pc:sldMk cId="39351176" sldId="1284"/>
-            <ac:picMk id="4" creationId="{CB00E1B8-B613-75EC-1061-57D6DAE59F8C}"/>
-          </ac:picMkLst>
-        </pc:picChg>
-        <pc:picChg chg="add mod modCrop">
-          <ac:chgData name="Mike B" userId="5c4bf6a326bf31f5" providerId="LiveId" clId="{D54D15A3-E6C3-44B4-BF6A-2689751A6590}" dt="2025-02-02T20:29:36.732" v="3488" actId="1076"/>
-          <ac:picMkLst>
-            <pc:docMk/>
-            <pc:sldMk cId="39351176" sldId="1284"/>
-            <ac:picMk id="7" creationId="{391D50DC-10F9-600C-942B-A0C3FFD033CC}"/>
-          </ac:picMkLst>
-        </pc:picChg>
-      </pc:sldChg>
-      <pc:sldChg chg="modSp add mod">
-        <pc:chgData name="Mike B" userId="5c4bf6a326bf31f5" providerId="LiveId" clId="{D54D15A3-E6C3-44B4-BF6A-2689751A6590}" dt="2025-02-02T20:41:07.691" v="4424" actId="404"/>
-        <pc:sldMkLst>
-          <pc:docMk/>
-          <pc:sldMk cId="281512540" sldId="1285"/>
-        </pc:sldMkLst>
-        <pc:spChg chg="mod">
-          <ac:chgData name="Mike B" userId="5c4bf6a326bf31f5" providerId="LiveId" clId="{D54D15A3-E6C3-44B4-BF6A-2689751A6590}" dt="2025-02-02T20:41:07.691" v="4424" actId="404"/>
-          <ac:spMkLst>
-            <pc:docMk/>
-            <pc:sldMk cId="281512540" sldId="1285"/>
-            <ac:spMk id="3" creationId="{00000000-0000-0000-0000-000000000000}"/>
-          </ac:spMkLst>
-        </pc:spChg>
-      </pc:sldChg>
-      <pc:sldChg chg="modSp add mod modAnim">
-        <pc:chgData name="Mike B" userId="5c4bf6a326bf31f5" providerId="LiveId" clId="{D54D15A3-E6C3-44B4-BF6A-2689751A6590}" dt="2025-02-02T21:16:28.671" v="5888"/>
-        <pc:sldMkLst>
-          <pc:docMk/>
-          <pc:sldMk cId="262171497" sldId="1286"/>
-        </pc:sldMkLst>
-        <pc:spChg chg="mod">
-          <ac:chgData name="Mike B" userId="5c4bf6a326bf31f5" providerId="LiveId" clId="{D54D15A3-E6C3-44B4-BF6A-2689751A6590}" dt="2025-02-02T21:10:10.729" v="5319" actId="20577"/>
-          <ac:spMkLst>
-            <pc:docMk/>
-            <pc:sldMk cId="262171497" sldId="1286"/>
-            <ac:spMk id="2" creationId="{00000000-0000-0000-0000-000000000000}"/>
-          </ac:spMkLst>
-        </pc:spChg>
-        <pc:spChg chg="mod">
-          <ac:chgData name="Mike B" userId="5c4bf6a326bf31f5" providerId="LiveId" clId="{D54D15A3-E6C3-44B4-BF6A-2689751A6590}" dt="2025-02-02T21:16:06.038" v="5887" actId="20577"/>
-          <ac:spMkLst>
-            <pc:docMk/>
-            <pc:sldMk cId="262171497" sldId="1286"/>
-            <ac:spMk id="3" creationId="{00000000-0000-0000-0000-000000000000}"/>
-          </ac:spMkLst>
-        </pc:spChg>
-      </pc:sldChg>
-    </pc:docChg>
-  </pc:docChgLst>
-  <pc:docChgLst>
-    <pc:chgData name="Mike B" userId="5c4bf6a326bf31f5" providerId="LiveId" clId="{7DF94DDA-9ECE-405F-9D9F-F38BC4F3E028}"/>
-    <pc:docChg chg="undo custSel addSld delSld modSld sldOrd">
-      <pc:chgData name="Mike B" userId="5c4bf6a326bf31f5" providerId="LiveId" clId="{7DF94DDA-9ECE-405F-9D9F-F38BC4F3E028}" dt="2021-03-01T14:51:30.738" v="6740" actId="20577"/>
-      <pc:docMkLst>
-        <pc:docMk/>
-      </pc:docMkLst>
-      <pc:sldChg chg="modSp mod">
-        <pc:chgData name="Mike B" userId="5c4bf6a326bf31f5" providerId="LiveId" clId="{7DF94DDA-9ECE-405F-9D9F-F38BC4F3E028}" dt="2021-02-28T14:27:22.530" v="37" actId="20577"/>
-        <pc:sldMkLst>
-          <pc:docMk/>
-          <pc:sldMk cId="0" sldId="256"/>
-        </pc:sldMkLst>
-        <pc:spChg chg="mod">
-          <ac:chgData name="Mike B" userId="5c4bf6a326bf31f5" providerId="LiveId" clId="{7DF94DDA-9ECE-405F-9D9F-F38BC4F3E028}" dt="2021-02-28T14:27:22.530" v="37" actId="20577"/>
-          <ac:spMkLst>
-            <pc:docMk/>
-            <pc:sldMk cId="0" sldId="256"/>
-            <ac:spMk id="2051" creationId="{00000000-0000-0000-0000-000000000000}"/>
-          </ac:spMkLst>
-        </pc:spChg>
-      </pc:sldChg>
-      <pc:sldChg chg="modSp mod">
-        <pc:chgData name="Mike B" userId="5c4bf6a326bf31f5" providerId="LiveId" clId="{7DF94DDA-9ECE-405F-9D9F-F38BC4F3E028}" dt="2021-02-28T15:30:37.664" v="1166" actId="20577"/>
-        <pc:sldMkLst>
-          <pc:docMk/>
-          <pc:sldMk cId="0" sldId="287"/>
-        </pc:sldMkLst>
-        <pc:spChg chg="mod">
-          <ac:chgData name="Mike B" userId="5c4bf6a326bf31f5" providerId="LiveId" clId="{7DF94DDA-9ECE-405F-9D9F-F38BC4F3E028}" dt="2021-02-28T15:30:37.664" v="1166" actId="20577"/>
-          <ac:spMkLst>
-            <pc:docMk/>
-            <pc:sldMk cId="0" sldId="287"/>
-            <ac:spMk id="119811" creationId="{00000000-0000-0000-0000-000000000000}"/>
-          </ac:spMkLst>
-        </pc:spChg>
-      </pc:sldChg>
-      <pc:sldChg chg="modSp mod">
-        <pc:chgData name="Mike B" userId="5c4bf6a326bf31f5" providerId="LiveId" clId="{7DF94DDA-9ECE-405F-9D9F-F38BC4F3E028}" dt="2021-03-01T00:11:14.246" v="2813" actId="20578"/>
-        <pc:sldMkLst>
-          <pc:docMk/>
-          <pc:sldMk cId="1782408873" sldId="342"/>
-        </pc:sldMkLst>
-        <pc:spChg chg="mod">
-          <ac:chgData name="Mike B" userId="5c4bf6a326bf31f5" providerId="LiveId" clId="{7DF94DDA-9ECE-405F-9D9F-F38BC4F3E028}" dt="2021-03-01T00:11:14.246" v="2813" actId="20578"/>
-          <ac:spMkLst>
-            <pc:docMk/>
-            <pc:sldMk cId="1782408873" sldId="342"/>
-            <ac:spMk id="3" creationId="{00000000-0000-0000-0000-000000000000}"/>
-          </ac:spMkLst>
-        </pc:spChg>
-        <pc:spChg chg="mod">
-          <ac:chgData name="Mike B" userId="5c4bf6a326bf31f5" providerId="LiveId" clId="{7DF94DDA-9ECE-405F-9D9F-F38BC4F3E028}" dt="2021-02-28T14:30:53.135" v="212" actId="313"/>
-          <ac:spMkLst>
-            <pc:docMk/>
-            <pc:sldMk cId="1782408873" sldId="342"/>
-            <ac:spMk id="4" creationId="{00000000-0000-0000-0000-000000000000}"/>
-          </ac:spMkLst>
-        </pc:spChg>
-      </pc:sldChg>
-      <pc:sldChg chg="modSp mod">
-        <pc:chgData name="Mike B" userId="5c4bf6a326bf31f5" providerId="LiveId" clId="{7DF94DDA-9ECE-405F-9D9F-F38BC4F3E028}" dt="2021-03-01T04:02:11.234" v="3284" actId="20578"/>
-        <pc:sldMkLst>
-          <pc:docMk/>
-          <pc:sldMk cId="529469595" sldId="360"/>
-        </pc:sldMkLst>
-        <pc:spChg chg="mod">
-          <ac:chgData name="Mike B" userId="5c4bf6a326bf31f5" providerId="LiveId" clId="{7DF94DDA-9ECE-405F-9D9F-F38BC4F3E028}" dt="2021-03-01T04:02:11.234" v="3284" actId="20578"/>
-          <ac:spMkLst>
-            <pc:docMk/>
-            <pc:sldMk cId="529469595" sldId="360"/>
-            <ac:spMk id="3" creationId="{00000000-0000-0000-0000-000000000000}"/>
-          </ac:spMkLst>
-        </pc:spChg>
-        <pc:spChg chg="mod">
-          <ac:chgData name="Mike B" userId="5c4bf6a326bf31f5" providerId="LiveId" clId="{7DF94DDA-9ECE-405F-9D9F-F38BC4F3E028}" dt="2021-02-28T14:28:54.668" v="179" actId="20577"/>
-          <ac:spMkLst>
-            <pc:docMk/>
-            <pc:sldMk cId="529469595" sldId="360"/>
-            <ac:spMk id="4" creationId="{00000000-0000-0000-0000-000000000000}"/>
-          </ac:spMkLst>
-        </pc:spChg>
-      </pc:sldChg>
-      <pc:sldChg chg="modSp mod">
-        <pc:chgData name="Mike B" userId="5c4bf6a326bf31f5" providerId="LiveId" clId="{7DF94DDA-9ECE-405F-9D9F-F38BC4F3E028}" dt="2021-03-01T00:18:14.394" v="3085" actId="113"/>
-        <pc:sldMkLst>
-          <pc:docMk/>
-          <pc:sldMk cId="3710951061" sldId="361"/>
-        </pc:sldMkLst>
-        <pc:spChg chg="mod">
-          <ac:chgData name="Mike B" userId="5c4bf6a326bf31f5" providerId="LiveId" clId="{7DF94DDA-9ECE-405F-9D9F-F38BC4F3E028}" dt="2021-03-01T00:18:14.394" v="3085" actId="113"/>
-          <ac:spMkLst>
-            <pc:docMk/>
-            <pc:sldMk cId="3710951061" sldId="361"/>
-            <ac:spMk id="118787" creationId="{00000000-0000-0000-0000-000000000000}"/>
-          </ac:spMkLst>
-        </pc:spChg>
-      </pc:sldChg>
-      <pc:sldChg chg="modSp mod modAnim">
-        <pc:chgData name="Mike B" userId="5c4bf6a326bf31f5" providerId="LiveId" clId="{7DF94DDA-9ECE-405F-9D9F-F38BC4F3E028}" dt="2021-03-01T00:10:15.194" v="2812" actId="20577"/>
-        <pc:sldMkLst>
-          <pc:docMk/>
-          <pc:sldMk cId="2370785148" sldId="380"/>
-        </pc:sldMkLst>
-        <pc:spChg chg="mod">
-          <ac:chgData name="Mike B" userId="5c4bf6a326bf31f5" providerId="LiveId" clId="{7DF94DDA-9ECE-405F-9D9F-F38BC4F3E028}" dt="2021-02-28T14:39:21.274" v="577" actId="20577"/>
-          <ac:spMkLst>
-            <pc:docMk/>
-            <pc:sldMk cId="2370785148" sldId="380"/>
-            <ac:spMk id="118786" creationId="{00000000-0000-0000-0000-000000000000}"/>
-          </ac:spMkLst>
-        </pc:spChg>
-        <pc:spChg chg="mod">
-          <ac:chgData name="Mike B" userId="5c4bf6a326bf31f5" providerId="LiveId" clId="{7DF94DDA-9ECE-405F-9D9F-F38BC4F3E028}" dt="2021-03-01T00:10:15.194" v="2812" actId="20577"/>
-          <ac:spMkLst>
-            <pc:docMk/>
-            <pc:sldMk cId="2370785148" sldId="380"/>
-            <ac:spMk id="118787" creationId="{00000000-0000-0000-0000-000000000000}"/>
-          </ac:spMkLst>
-        </pc:spChg>
-      </pc:sldChg>
-      <pc:sldChg chg="del">
-        <pc:chgData name="Mike B" userId="5c4bf6a326bf31f5" providerId="LiveId" clId="{7DF94DDA-9ECE-405F-9D9F-F38BC4F3E028}" dt="2021-02-28T14:29:38.514" v="210" actId="2696"/>
-        <pc:sldMkLst>
-          <pc:docMk/>
-          <pc:sldMk cId="3304678067" sldId="381"/>
-        </pc:sldMkLst>
-      </pc:sldChg>
-      <pc:sldChg chg="del">
-        <pc:chgData name="Mike B" userId="5c4bf6a326bf31f5" providerId="LiveId" clId="{7DF94DDA-9ECE-405F-9D9F-F38BC4F3E028}" dt="2021-02-28T14:38:07.393" v="538" actId="2696"/>
-        <pc:sldMkLst>
-          <pc:docMk/>
-          <pc:sldMk cId="2102527257" sldId="383"/>
-        </pc:sldMkLst>
-      </pc:sldChg>
-      <pc:sldChg chg="del">
-        <pc:chgData name="Mike B" userId="5c4bf6a326bf31f5" providerId="LiveId" clId="{7DF94DDA-9ECE-405F-9D9F-F38BC4F3E028}" dt="2021-02-28T14:38:07.393" v="538" actId="2696"/>
-        <pc:sldMkLst>
-          <pc:docMk/>
-          <pc:sldMk cId="1773852483" sldId="384"/>
-        </pc:sldMkLst>
-      </pc:sldChg>
-      <pc:sldChg chg="del">
-        <pc:chgData name="Mike B" userId="5c4bf6a326bf31f5" providerId="LiveId" clId="{7DF94DDA-9ECE-405F-9D9F-F38BC4F3E028}" dt="2021-02-28T14:33:26.575" v="422" actId="2696"/>
-        <pc:sldMkLst>
-          <pc:docMk/>
-          <pc:sldMk cId="3247148916" sldId="385"/>
-        </pc:sldMkLst>
-      </pc:sldChg>
-      <pc:sldChg chg="del">
-        <pc:chgData name="Mike B" userId="5c4bf6a326bf31f5" providerId="LiveId" clId="{7DF94DDA-9ECE-405F-9D9F-F38BC4F3E028}" dt="2021-02-28T14:33:26.575" v="422" actId="2696"/>
-        <pc:sldMkLst>
-          <pc:docMk/>
-          <pc:sldMk cId="348951182" sldId="386"/>
-        </pc:sldMkLst>
-      </pc:sldChg>
-      <pc:sldChg chg="del">
-        <pc:chgData name="Mike B" userId="5c4bf6a326bf31f5" providerId="LiveId" clId="{7DF94DDA-9ECE-405F-9D9F-F38BC4F3E028}" dt="2021-02-28T14:33:26.575" v="422" actId="2696"/>
-        <pc:sldMkLst>
-          <pc:docMk/>
-          <pc:sldMk cId="2557632002" sldId="387"/>
-        </pc:sldMkLst>
-      </pc:sldChg>
-      <pc:sldChg chg="del">
-        <pc:chgData name="Mike B" userId="5c4bf6a326bf31f5" providerId="LiveId" clId="{7DF94DDA-9ECE-405F-9D9F-F38BC4F3E028}" dt="2021-02-28T14:33:26.575" v="422" actId="2696"/>
-        <pc:sldMkLst>
-          <pc:docMk/>
-          <pc:sldMk cId="953520603" sldId="388"/>
-        </pc:sldMkLst>
-      </pc:sldChg>
-      <pc:sldChg chg="del">
-        <pc:chgData name="Mike B" userId="5c4bf6a326bf31f5" providerId="LiveId" clId="{7DF94DDA-9ECE-405F-9D9F-F38BC4F3E028}" dt="2021-02-28T14:33:26.575" v="422" actId="2696"/>
-        <pc:sldMkLst>
-          <pc:docMk/>
-          <pc:sldMk cId="2172460907" sldId="389"/>
-        </pc:sldMkLst>
-      </pc:sldChg>
-      <pc:sldChg chg="del">
-        <pc:chgData name="Mike B" userId="5c4bf6a326bf31f5" providerId="LiveId" clId="{7DF94DDA-9ECE-405F-9D9F-F38BC4F3E028}" dt="2021-02-28T14:33:26.575" v="422" actId="2696"/>
-        <pc:sldMkLst>
-          <pc:docMk/>
-          <pc:sldMk cId="2684770879" sldId="390"/>
-        </pc:sldMkLst>
-      </pc:sldChg>
-      <pc:sldChg chg="del">
-        <pc:chgData name="Mike B" userId="5c4bf6a326bf31f5" providerId="LiveId" clId="{7DF94DDA-9ECE-405F-9D9F-F38BC4F3E028}" dt="2021-02-28T14:33:26.575" v="422" actId="2696"/>
-        <pc:sldMkLst>
-          <pc:docMk/>
-          <pc:sldMk cId="3991076418" sldId="391"/>
-        </pc:sldMkLst>
-      </pc:sldChg>
-      <pc:sldChg chg="del">
-        <pc:chgData name="Mike B" userId="5c4bf6a326bf31f5" providerId="LiveId" clId="{7DF94DDA-9ECE-405F-9D9F-F38BC4F3E028}" dt="2021-02-28T14:33:26.575" v="422" actId="2696"/>
-        <pc:sldMkLst>
-          <pc:docMk/>
-          <pc:sldMk cId="1164431390" sldId="392"/>
-        </pc:sldMkLst>
-      </pc:sldChg>
-      <pc:sldChg chg="del">
-        <pc:chgData name="Mike B" userId="5c4bf6a326bf31f5" providerId="LiveId" clId="{7DF94DDA-9ECE-405F-9D9F-F38BC4F3E028}" dt="2021-02-28T14:33:26.575" v="422" actId="2696"/>
-        <pc:sldMkLst>
-          <pc:docMk/>
-          <pc:sldMk cId="2386565080" sldId="393"/>
-        </pc:sldMkLst>
-      </pc:sldChg>
-      <pc:sldChg chg="del">
-        <pc:chgData name="Mike B" userId="5c4bf6a326bf31f5" providerId="LiveId" clId="{7DF94DDA-9ECE-405F-9D9F-F38BC4F3E028}" dt="2021-02-28T14:33:26.575" v="422" actId="2696"/>
-        <pc:sldMkLst>
-          <pc:docMk/>
-          <pc:sldMk cId="4142567852" sldId="394"/>
-        </pc:sldMkLst>
-      </pc:sldChg>
-      <pc:sldChg chg="del">
-        <pc:chgData name="Mike B" userId="5c4bf6a326bf31f5" providerId="LiveId" clId="{7DF94DDA-9ECE-405F-9D9F-F38BC4F3E028}" dt="2021-02-28T14:33:26.575" v="422" actId="2696"/>
-        <pc:sldMkLst>
-          <pc:docMk/>
-          <pc:sldMk cId="2197577944" sldId="395"/>
-        </pc:sldMkLst>
-      </pc:sldChg>
-      <pc:sldChg chg="del">
-        <pc:chgData name="Mike B" userId="5c4bf6a326bf31f5" providerId="LiveId" clId="{7DF94DDA-9ECE-405F-9D9F-F38BC4F3E028}" dt="2021-02-28T14:33:26.575" v="422" actId="2696"/>
-        <pc:sldMkLst>
-          <pc:docMk/>
-          <pc:sldMk cId="2091025658" sldId="396"/>
-        </pc:sldMkLst>
-      </pc:sldChg>
-      <pc:sldChg chg="del">
-        <pc:chgData name="Mike B" userId="5c4bf6a326bf31f5" providerId="LiveId" clId="{7DF94DDA-9ECE-405F-9D9F-F38BC4F3E028}" dt="2021-02-28T14:33:26.575" v="422" actId="2696"/>
-        <pc:sldMkLst>
-          <pc:docMk/>
-          <pc:sldMk cId="1031395241" sldId="397"/>
-        </pc:sldMkLst>
-      </pc:sldChg>
-      <pc:sldChg chg="del">
-        <pc:chgData name="Mike B" userId="5c4bf6a326bf31f5" providerId="LiveId" clId="{7DF94DDA-9ECE-405F-9D9F-F38BC4F3E028}" dt="2021-02-28T14:33:26.575" v="422" actId="2696"/>
-        <pc:sldMkLst>
-          <pc:docMk/>
-          <pc:sldMk cId="2995682161" sldId="398"/>
-        </pc:sldMkLst>
-      </pc:sldChg>
-      <pc:sldChg chg="del">
-        <pc:chgData name="Mike B" userId="5c4bf6a326bf31f5" providerId="LiveId" clId="{7DF94DDA-9ECE-405F-9D9F-F38BC4F3E028}" dt="2021-02-28T14:33:26.575" v="422" actId="2696"/>
-        <pc:sldMkLst>
-          <pc:docMk/>
-          <pc:sldMk cId="1880314613" sldId="399"/>
-        </pc:sldMkLst>
-      </pc:sldChg>
-      <pc:sldChg chg="del">
-        <pc:chgData name="Mike B" userId="5c4bf6a326bf31f5" providerId="LiveId" clId="{7DF94DDA-9ECE-405F-9D9F-F38BC4F3E028}" dt="2021-02-28T14:33:26.575" v="422" actId="2696"/>
-        <pc:sldMkLst>
-          <pc:docMk/>
-          <pc:sldMk cId="3453158775" sldId="400"/>
-        </pc:sldMkLst>
-      </pc:sldChg>
-      <pc:sldChg chg="del">
-        <pc:chgData name="Mike B" userId="5c4bf6a326bf31f5" providerId="LiveId" clId="{7DF94DDA-9ECE-405F-9D9F-F38BC4F3E028}" dt="2021-02-28T14:33:26.575" v="422" actId="2696"/>
-        <pc:sldMkLst>
-          <pc:docMk/>
-          <pc:sldMk cId="481810420" sldId="401"/>
-        </pc:sldMkLst>
-      </pc:sldChg>
-      <pc:sldChg chg="del">
-        <pc:chgData name="Mike B" userId="5c4bf6a326bf31f5" providerId="LiveId" clId="{7DF94DDA-9ECE-405F-9D9F-F38BC4F3E028}" dt="2021-02-28T14:33:26.575" v="422" actId="2696"/>
-        <pc:sldMkLst>
-          <pc:docMk/>
-          <pc:sldMk cId="2904931866" sldId="402"/>
-        </pc:sldMkLst>
-      </pc:sldChg>
-      <pc:sldChg chg="del">
-        <pc:chgData name="Mike B" userId="5c4bf6a326bf31f5" providerId="LiveId" clId="{7DF94DDA-9ECE-405F-9D9F-F38BC4F3E028}" dt="2021-02-28T14:29:38.514" v="210" actId="2696"/>
-        <pc:sldMkLst>
-          <pc:docMk/>
-          <pc:sldMk cId="748917724" sldId="403"/>
-        </pc:sldMkLst>
-      </pc:sldChg>
-      <pc:sldChg chg="del">
-        <pc:chgData name="Mike B" userId="5c4bf6a326bf31f5" providerId="LiveId" clId="{7DF94DDA-9ECE-405F-9D9F-F38BC4F3E028}" dt="2021-02-28T14:29:38.514" v="210" actId="2696"/>
-        <pc:sldMkLst>
-          <pc:docMk/>
-          <pc:sldMk cId="809038985" sldId="404"/>
-        </pc:sldMkLst>
-      </pc:sldChg>
-      <pc:sldChg chg="del">
-        <pc:chgData name="Mike B" userId="5c4bf6a326bf31f5" providerId="LiveId" clId="{7DF94DDA-9ECE-405F-9D9F-F38BC4F3E028}" dt="2021-02-28T14:29:38.514" v="210" actId="2696"/>
-        <pc:sldMkLst>
-          <pc:docMk/>
-          <pc:sldMk cId="2541846438" sldId="405"/>
-        </pc:sldMkLst>
-      </pc:sldChg>
-      <pc:sldChg chg="del">
-        <pc:chgData name="Mike B" userId="5c4bf6a326bf31f5" providerId="LiveId" clId="{7DF94DDA-9ECE-405F-9D9F-F38BC4F3E028}" dt="2021-02-28T14:29:38.514" v="210" actId="2696"/>
-        <pc:sldMkLst>
-          <pc:docMk/>
-          <pc:sldMk cId="1493681060" sldId="406"/>
-        </pc:sldMkLst>
-      </pc:sldChg>
-      <pc:sldChg chg="del">
-        <pc:chgData name="Mike B" userId="5c4bf6a326bf31f5" providerId="LiveId" clId="{7DF94DDA-9ECE-405F-9D9F-F38BC4F3E028}" dt="2021-02-28T14:29:38.514" v="210" actId="2696"/>
-        <pc:sldMkLst>
-          <pc:docMk/>
-          <pc:sldMk cId="4065525516" sldId="407"/>
-        </pc:sldMkLst>
-      </pc:sldChg>
-      <pc:sldChg chg="del">
-        <pc:chgData name="Mike B" userId="5c4bf6a326bf31f5" providerId="LiveId" clId="{7DF94DDA-9ECE-405F-9D9F-F38BC4F3E028}" dt="2021-02-28T14:29:38.514" v="210" actId="2696"/>
-        <pc:sldMkLst>
-          <pc:docMk/>
-          <pc:sldMk cId="2884384314" sldId="408"/>
-        </pc:sldMkLst>
-      </pc:sldChg>
-      <pc:sldChg chg="del">
-        <pc:chgData name="Mike B" userId="5c4bf6a326bf31f5" providerId="LiveId" clId="{7DF94DDA-9ECE-405F-9D9F-F38BC4F3E028}" dt="2021-02-28T14:29:38.514" v="210" actId="2696"/>
-        <pc:sldMkLst>
-          <pc:docMk/>
-          <pc:sldMk cId="782311710" sldId="409"/>
-        </pc:sldMkLst>
-      </pc:sldChg>
-      <pc:sldChg chg="del">
-        <pc:chgData name="Mike B" userId="5c4bf6a326bf31f5" providerId="LiveId" clId="{7DF94DDA-9ECE-405F-9D9F-F38BC4F3E028}" dt="2021-02-28T15:28:32.625" v="1161" actId="47"/>
-        <pc:sldMkLst>
-          <pc:docMk/>
-          <pc:sldMk cId="2207373313" sldId="410"/>
-        </pc:sldMkLst>
-      </pc:sldChg>
-      <pc:sldChg chg="del">
-        <pc:chgData name="Mike B" userId="5c4bf6a326bf31f5" providerId="LiveId" clId="{7DF94DDA-9ECE-405F-9D9F-F38BC4F3E028}" dt="2021-02-28T14:29:27.564" v="209" actId="2696"/>
-        <pc:sldMkLst>
-          <pc:docMk/>
-          <pc:sldMk cId="1530070045" sldId="411"/>
-        </pc:sldMkLst>
-      </pc:sldChg>
-      <pc:sldChg chg="del">
-        <pc:chgData name="Mike B" userId="5c4bf6a326bf31f5" providerId="LiveId" clId="{7DF94DDA-9ECE-405F-9D9F-F38BC4F3E028}" dt="2021-02-28T14:29:27.564" v="209" actId="2696"/>
-        <pc:sldMkLst>
-          <pc:docMk/>
-          <pc:sldMk cId="3518937777" sldId="414"/>
-        </pc:sldMkLst>
-      </pc:sldChg>
-      <pc:sldChg chg="del">
-        <pc:chgData name="Mike B" userId="5c4bf6a326bf31f5" providerId="LiveId" clId="{7DF94DDA-9ECE-405F-9D9F-F38BC4F3E028}" dt="2021-02-28T14:29:43.307" v="211" actId="2696"/>
-        <pc:sldMkLst>
-          <pc:docMk/>
-          <pc:sldMk cId="405960990" sldId="415"/>
-        </pc:sldMkLst>
-      </pc:sldChg>
-      <pc:sldChg chg="del">
-        <pc:chgData name="Mike B" userId="5c4bf6a326bf31f5" providerId="LiveId" clId="{7DF94DDA-9ECE-405F-9D9F-F38BC4F3E028}" dt="2021-02-28T14:33:26.575" v="422" actId="2696"/>
-        <pc:sldMkLst>
-          <pc:docMk/>
-          <pc:sldMk cId="2584877679" sldId="416"/>
-        </pc:sldMkLst>
-      </pc:sldChg>
-      <pc:sldChg chg="del">
-        <pc:chgData name="Mike B" userId="5c4bf6a326bf31f5" providerId="LiveId" clId="{7DF94DDA-9ECE-405F-9D9F-F38BC4F3E028}" dt="2021-02-28T14:33:26.575" v="422" actId="2696"/>
-        <pc:sldMkLst>
-          <pc:docMk/>
-          <pc:sldMk cId="3705536975" sldId="417"/>
-        </pc:sldMkLst>
-      </pc:sldChg>
-      <pc:sldChg chg="del">
-        <pc:chgData name="Mike B" userId="5c4bf6a326bf31f5" providerId="LiveId" clId="{7DF94DDA-9ECE-405F-9D9F-F38BC4F3E028}" dt="2021-02-28T14:33:26.575" v="422" actId="2696"/>
-        <pc:sldMkLst>
-          <pc:docMk/>
-          <pc:sldMk cId="913647142" sldId="418"/>
-        </pc:sldMkLst>
-      </pc:sldChg>
-      <pc:sldChg chg="del">
-        <pc:chgData name="Mike B" userId="5c4bf6a326bf31f5" providerId="LiveId" clId="{7DF94DDA-9ECE-405F-9D9F-F38BC4F3E028}" dt="2021-02-28T14:29:27.564" v="209" actId="2696"/>
-        <pc:sldMkLst>
-          <pc:docMk/>
-          <pc:sldMk cId="1909264245" sldId="419"/>
-        </pc:sldMkLst>
-      </pc:sldChg>
-      <pc:sldChg chg="del">
-        <pc:chgData name="Mike B" userId="5c4bf6a326bf31f5" providerId="LiveId" clId="{7DF94DDA-9ECE-405F-9D9F-F38BC4F3E028}" dt="2021-02-28T14:29:27.564" v="209" actId="2696"/>
-        <pc:sldMkLst>
-          <pc:docMk/>
-          <pc:sldMk cId="3306923412" sldId="420"/>
-        </pc:sldMkLst>
-      </pc:sldChg>
-      <pc:sldChg chg="delSp modSp add mod modAnim">
-        <pc:chgData name="Mike B" userId="5c4bf6a326bf31f5" providerId="LiveId" clId="{7DF94DDA-9ECE-405F-9D9F-F38BC4F3E028}" dt="2021-03-01T04:06:26.618" v="3299" actId="207"/>
-        <pc:sldMkLst>
-          <pc:docMk/>
-          <pc:sldMk cId="3723772096" sldId="461"/>
-        </pc:sldMkLst>
-        <pc:spChg chg="mod">
-          <ac:chgData name="Mike B" userId="5c4bf6a326bf31f5" providerId="LiveId" clId="{7DF94DDA-9ECE-405F-9D9F-F38BC4F3E028}" dt="2021-02-28T15:30:54.940" v="1175" actId="20577"/>
-          <ac:spMkLst>
-            <pc:docMk/>
-            <pc:sldMk cId="3723772096" sldId="461"/>
-            <ac:spMk id="2" creationId="{00000000-0000-0000-0000-000000000000}"/>
-          </ac:spMkLst>
-        </pc:spChg>
-        <pc:spChg chg="mod">
-          <ac:chgData name="Mike B" userId="5c4bf6a326bf31f5" providerId="LiveId" clId="{7DF94DDA-9ECE-405F-9D9F-F38BC4F3E028}" dt="2021-03-01T04:06:26.618" v="3299" actId="207"/>
-          <ac:spMkLst>
-            <pc:docMk/>
-            <pc:sldMk cId="3723772096" sldId="461"/>
-            <ac:spMk id="3" creationId="{00000000-0000-0000-0000-000000000000}"/>
-          </ac:spMkLst>
-        </pc:spChg>
-        <pc:cxnChg chg="del">
-          <ac:chgData name="Mike B" userId="5c4bf6a326bf31f5" providerId="LiveId" clId="{7DF94DDA-9ECE-405F-9D9F-F38BC4F3E028}" dt="2021-02-28T15:03:56.308" v="1061" actId="478"/>
-          <ac:cxnSpMkLst>
-            <pc:docMk/>
-            <pc:sldMk cId="3723772096" sldId="461"/>
-            <ac:cxnSpMk id="4" creationId="{00000000-0000-0000-0000-000000000000}"/>
-          </ac:cxnSpMkLst>
-        </pc:cxnChg>
-      </pc:sldChg>
-      <pc:sldChg chg="addSp delSp modSp add mod">
-        <pc:chgData name="Mike B" userId="5c4bf6a326bf31f5" providerId="LiveId" clId="{7DF94DDA-9ECE-405F-9D9F-F38BC4F3E028}" dt="2021-02-28T23:36:18.382" v="1727" actId="1076"/>
-        <pc:sldMkLst>
-          <pc:docMk/>
-          <pc:sldMk cId="19532457" sldId="479"/>
-        </pc:sldMkLst>
-        <pc:spChg chg="mod">
-          <ac:chgData name="Mike B" userId="5c4bf6a326bf31f5" providerId="LiveId" clId="{7DF94DDA-9ECE-405F-9D9F-F38BC4F3E028}" dt="2021-02-28T15:38:57.406" v="1245" actId="20577"/>
-          <ac:spMkLst>
-            <pc:docMk/>
-            <pc:sldMk cId="19532457" sldId="479"/>
-            <ac:spMk id="3" creationId="{00000000-0000-0000-0000-000000000000}"/>
-          </ac:spMkLst>
-        </pc:spChg>
-        <pc:spChg chg="add mod">
-          <ac:chgData name="Mike B" userId="5c4bf6a326bf31f5" providerId="LiveId" clId="{7DF94DDA-9ECE-405F-9D9F-F38BC4F3E028}" dt="2021-02-28T23:36:18.382" v="1727" actId="1076"/>
-          <ac:spMkLst>
-            <pc:docMk/>
-            <pc:sldMk cId="19532457" sldId="479"/>
-            <ac:spMk id="4" creationId="{E9479C41-BAB3-429A-8F34-7D64BCF3E453}"/>
-          </ac:spMkLst>
-        </pc:spChg>
-        <pc:cxnChg chg="del">
-          <ac:chgData name="Mike B" userId="5c4bf6a326bf31f5" providerId="LiveId" clId="{7DF94DDA-9ECE-405F-9D9F-F38BC4F3E028}" dt="2021-02-28T15:04:14.940" v="1066" actId="478"/>
-          <ac:cxnSpMkLst>
-            <pc:docMk/>
-            <pc:sldMk cId="19532457" sldId="479"/>
-            <ac:cxnSpMk id="4" creationId="{00000000-0000-0000-0000-000000000000}"/>
-          </ac:cxnSpMkLst>
-        </pc:cxnChg>
-      </pc:sldChg>
-      <pc:sldChg chg="delSp modSp add mod">
-        <pc:chgData name="Mike B" userId="5c4bf6a326bf31f5" providerId="LiveId" clId="{7DF94DDA-9ECE-405F-9D9F-F38BC4F3E028}" dt="2021-03-01T04:06:32.551" v="3300" actId="207"/>
-        <pc:sldMkLst>
-          <pc:docMk/>
-          <pc:sldMk cId="1059591430" sldId="527"/>
-        </pc:sldMkLst>
-        <pc:spChg chg="mod">
-          <ac:chgData name="Mike B" userId="5c4bf6a326bf31f5" providerId="LiveId" clId="{7DF94DDA-9ECE-405F-9D9F-F38BC4F3E028}" dt="2021-02-28T15:03:40.182" v="1058" actId="27636"/>
-          <ac:spMkLst>
-            <pc:docMk/>
-            <pc:sldMk cId="1059591430" sldId="527"/>
-            <ac:spMk id="2" creationId="{00000000-0000-0000-0000-000000000000}"/>
-          </ac:spMkLst>
-        </pc:spChg>
-        <pc:spChg chg="mod">
-          <ac:chgData name="Mike B" userId="5c4bf6a326bf31f5" providerId="LiveId" clId="{7DF94DDA-9ECE-405F-9D9F-F38BC4F3E028}" dt="2021-03-01T04:06:32.551" v="3300" actId="207"/>
-          <ac:spMkLst>
-            <pc:docMk/>
-            <pc:sldMk cId="1059591430" sldId="527"/>
-            <ac:spMk id="3" creationId="{00000000-0000-0000-0000-000000000000}"/>
-          </ac:spMkLst>
-        </pc:spChg>
-        <pc:cxnChg chg="del">
-          <ac:chgData name="Mike B" userId="5c4bf6a326bf31f5" providerId="LiveId" clId="{7DF94DDA-9ECE-405F-9D9F-F38BC4F3E028}" dt="2021-02-28T15:04:03.582" v="1063" actId="478"/>
-          <ac:cxnSpMkLst>
-            <pc:docMk/>
-            <pc:sldMk cId="1059591430" sldId="527"/>
-            <ac:cxnSpMk id="4" creationId="{00000000-0000-0000-0000-000000000000}"/>
-          </ac:cxnSpMkLst>
-        </pc:cxnChg>
-      </pc:sldChg>
-      <pc:sldChg chg="delSp modSp add mod">
-        <pc:chgData name="Mike B" userId="5c4bf6a326bf31f5" providerId="LiveId" clId="{7DF94DDA-9ECE-405F-9D9F-F38BC4F3E028}" dt="2021-03-01T04:06:53.159" v="3302" actId="207"/>
-        <pc:sldMkLst>
-          <pc:docMk/>
-          <pc:sldMk cId="881136697" sldId="529"/>
-        </pc:sldMkLst>
-        <pc:spChg chg="mod">
-          <ac:chgData name="Mike B" userId="5c4bf6a326bf31f5" providerId="LiveId" clId="{7DF94DDA-9ECE-405F-9D9F-F38BC4F3E028}" dt="2021-03-01T04:06:53.159" v="3302" actId="207"/>
-          <ac:spMkLst>
-            <pc:docMk/>
-            <pc:sldMk cId="881136697" sldId="529"/>
-            <ac:spMk id="3" creationId="{00000000-0000-0000-0000-000000000000}"/>
-          </ac:spMkLst>
-        </pc:spChg>
-        <pc:cxnChg chg="del">
-          <ac:chgData name="Mike B" userId="5c4bf6a326bf31f5" providerId="LiveId" clId="{7DF94DDA-9ECE-405F-9D9F-F38BC4F3E028}" dt="2021-02-28T15:04:07.755" v="1064" actId="478"/>
-          <ac:cxnSpMkLst>
-            <pc:docMk/>
-            <pc:sldMk cId="881136697" sldId="529"/>
-            <ac:cxnSpMk id="4" creationId="{00000000-0000-0000-0000-000000000000}"/>
-          </ac:cxnSpMkLst>
-        </pc:cxnChg>
-      </pc:sldChg>
-      <pc:sldChg chg="delSp modSp add mod">
-        <pc:chgData name="Mike B" userId="5c4bf6a326bf31f5" providerId="LiveId" clId="{7DF94DDA-9ECE-405F-9D9F-F38BC4F3E028}" dt="2021-03-01T04:07:01.320" v="3303" actId="207"/>
-        <pc:sldMkLst>
-          <pc:docMk/>
-          <pc:sldMk cId="1325292419" sldId="530"/>
-        </pc:sldMkLst>
-        <pc:spChg chg="mod">
-          <ac:chgData name="Mike B" userId="5c4bf6a326bf31f5" providerId="LiveId" clId="{7DF94DDA-9ECE-405F-9D9F-F38BC4F3E028}" dt="2021-03-01T04:07:01.320" v="3303" actId="207"/>
-          <ac:spMkLst>
-            <pc:docMk/>
-            <pc:sldMk cId="1325292419" sldId="530"/>
-            <ac:spMk id="3" creationId="{00000000-0000-0000-0000-000000000000}"/>
-          </ac:spMkLst>
-        </pc:spChg>
-        <pc:cxnChg chg="del">
-          <ac:chgData name="Mike B" userId="5c4bf6a326bf31f5" providerId="LiveId" clId="{7DF94DDA-9ECE-405F-9D9F-F38BC4F3E028}" dt="2021-02-28T15:04:18.639" v="1067" actId="478"/>
-          <ac:cxnSpMkLst>
-            <pc:docMk/>
-            <pc:sldMk cId="1325292419" sldId="530"/>
-            <ac:cxnSpMk id="4" creationId="{00000000-0000-0000-0000-000000000000}"/>
-          </ac:cxnSpMkLst>
-        </pc:cxnChg>
-      </pc:sldChg>
-      <pc:sldChg chg="delSp modSp add mod">
-        <pc:chgData name="Mike B" userId="5c4bf6a326bf31f5" providerId="LiveId" clId="{7DF94DDA-9ECE-405F-9D9F-F38BC4F3E028}" dt="2021-03-01T04:51:41.079" v="4283" actId="313"/>
-        <pc:sldMkLst>
-          <pc:docMk/>
-          <pc:sldMk cId="1907372075" sldId="531"/>
-        </pc:sldMkLst>
-        <pc:spChg chg="mod">
-          <ac:chgData name="Mike B" userId="5c4bf6a326bf31f5" providerId="LiveId" clId="{7DF94DDA-9ECE-405F-9D9F-F38BC4F3E028}" dt="2021-03-01T04:07:47.090" v="3314" actId="207"/>
-          <ac:spMkLst>
-            <pc:docMk/>
-            <pc:sldMk cId="1907372075" sldId="531"/>
-            <ac:spMk id="3" creationId="{00000000-0000-0000-0000-000000000000}"/>
-          </ac:spMkLst>
-        </pc:spChg>
-        <pc:spChg chg="mod">
-          <ac:chgData name="Mike B" userId="5c4bf6a326bf31f5" providerId="LiveId" clId="{7DF94DDA-9ECE-405F-9D9F-F38BC4F3E028}" dt="2021-02-28T23:40:16.938" v="1767" actId="1035"/>
-          <ac:spMkLst>
-            <pc:docMk/>
-            <pc:sldMk cId="1907372075" sldId="531"/>
-            <ac:spMk id="5" creationId="{00000000-0000-0000-0000-000000000000}"/>
-          </ac:spMkLst>
-        </pc:spChg>
-        <pc:spChg chg="mod">
-          <ac:chgData name="Mike B" userId="5c4bf6a326bf31f5" providerId="LiveId" clId="{7DF94DDA-9ECE-405F-9D9F-F38BC4F3E028}" dt="2021-03-01T04:51:41.079" v="4283" actId="313"/>
-          <ac:spMkLst>
-            <pc:docMk/>
-            <pc:sldMk cId="1907372075" sldId="531"/>
-            <ac:spMk id="6" creationId="{00000000-0000-0000-0000-000000000000}"/>
-          </ac:spMkLst>
-        </pc:spChg>
-        <pc:cxnChg chg="del">
-          <ac:chgData name="Mike B" userId="5c4bf6a326bf31f5" providerId="LiveId" clId="{7DF94DDA-9ECE-405F-9D9F-F38BC4F3E028}" dt="2021-02-28T15:06:33.272" v="1078" actId="478"/>
-          <ac:cxnSpMkLst>
-            <pc:docMk/>
-            <pc:sldMk cId="1907372075" sldId="531"/>
-            <ac:cxnSpMk id="4" creationId="{00000000-0000-0000-0000-000000000000}"/>
-          </ac:cxnSpMkLst>
-        </pc:cxnChg>
-      </pc:sldChg>
-      <pc:sldChg chg="delSp modSp add mod">
-        <pc:chgData name="Mike B" userId="5c4bf6a326bf31f5" providerId="LiveId" clId="{7DF94DDA-9ECE-405F-9D9F-F38BC4F3E028}" dt="2021-03-01T04:08:08.652" v="3320" actId="207"/>
-        <pc:sldMkLst>
-          <pc:docMk/>
-          <pc:sldMk cId="93588987" sldId="532"/>
-        </pc:sldMkLst>
-        <pc:spChg chg="mod">
-          <ac:chgData name="Mike B" userId="5c4bf6a326bf31f5" providerId="LiveId" clId="{7DF94DDA-9ECE-405F-9D9F-F38BC4F3E028}" dt="2021-02-28T23:45:49.089" v="1873" actId="20577"/>
-          <ac:spMkLst>
-            <pc:docMk/>
-            <pc:sldMk cId="93588987" sldId="532"/>
-            <ac:spMk id="2" creationId="{00000000-0000-0000-0000-000000000000}"/>
-          </ac:spMkLst>
-        </pc:spChg>
-        <pc:spChg chg="mod">
-          <ac:chgData name="Mike B" userId="5c4bf6a326bf31f5" providerId="LiveId" clId="{7DF94DDA-9ECE-405F-9D9F-F38BC4F3E028}" dt="2021-03-01T04:08:08.652" v="3320" actId="207"/>
-          <ac:spMkLst>
-            <pc:docMk/>
-            <pc:sldMk cId="93588987" sldId="532"/>
-            <ac:spMk id="3" creationId="{00000000-0000-0000-0000-000000000000}"/>
-          </ac:spMkLst>
-        </pc:spChg>
-        <pc:cxnChg chg="del">
-          <ac:chgData name="Mike B" userId="5c4bf6a326bf31f5" providerId="LiveId" clId="{7DF94DDA-9ECE-405F-9D9F-F38BC4F3E028}" dt="2021-02-28T15:08:47.183" v="1090" actId="478"/>
-          <ac:cxnSpMkLst>
-            <pc:docMk/>
-            <pc:sldMk cId="93588987" sldId="532"/>
-            <ac:cxnSpMk id="4" creationId="{00000000-0000-0000-0000-000000000000}"/>
-          </ac:cxnSpMkLst>
-        </pc:cxnChg>
-      </pc:sldChg>
-      <pc:sldChg chg="delSp add del mod">
-        <pc:chgData name="Mike B" userId="5c4bf6a326bf31f5" providerId="LiveId" clId="{7DF94DDA-9ECE-405F-9D9F-F38BC4F3E028}" dt="2021-02-28T15:31:05.802" v="1176" actId="47"/>
-        <pc:sldMkLst>
-          <pc:docMk/>
-          <pc:sldMk cId="175656085" sldId="534"/>
-        </pc:sldMkLst>
-        <pc:cxnChg chg="del">
-          <ac:chgData name="Mike B" userId="5c4bf6a326bf31f5" providerId="LiveId" clId="{7DF94DDA-9ECE-405F-9D9F-F38BC4F3E028}" dt="2021-02-28T15:04:00.088" v="1062" actId="478"/>
-          <ac:cxnSpMkLst>
-            <pc:docMk/>
-            <pc:sldMk cId="175656085" sldId="534"/>
-            <ac:cxnSpMk id="4" creationId="{00000000-0000-0000-0000-000000000000}"/>
-          </ac:cxnSpMkLst>
-        </pc:cxnChg>
-      </pc:sldChg>
-      <pc:sldChg chg="delSp modSp add mod">
-        <pc:chgData name="Mike B" userId="5c4bf6a326bf31f5" providerId="LiveId" clId="{7DF94DDA-9ECE-405F-9D9F-F38BC4F3E028}" dt="2021-03-01T04:08:34.571" v="3341" actId="207"/>
-        <pc:sldMkLst>
-          <pc:docMk/>
-          <pc:sldMk cId="2978715153" sldId="535"/>
-        </pc:sldMkLst>
-        <pc:spChg chg="mod">
-          <ac:chgData name="Mike B" userId="5c4bf6a326bf31f5" providerId="LiveId" clId="{7DF94DDA-9ECE-405F-9D9F-F38BC4F3E028}" dt="2021-02-28T15:10:31.101" v="1109" actId="20577"/>
-          <ac:spMkLst>
-            <pc:docMk/>
-            <pc:sldMk cId="2978715153" sldId="535"/>
-            <ac:spMk id="2" creationId="{00000000-0000-0000-0000-000000000000}"/>
-          </ac:spMkLst>
-        </pc:spChg>
-        <pc:spChg chg="mod">
-          <ac:chgData name="Mike B" userId="5c4bf6a326bf31f5" providerId="LiveId" clId="{7DF94DDA-9ECE-405F-9D9F-F38BC4F3E028}" dt="2021-03-01T04:08:34.571" v="3341" actId="207"/>
-          <ac:spMkLst>
-            <pc:docMk/>
-            <pc:sldMk cId="2978715153" sldId="535"/>
-            <ac:spMk id="3" creationId="{00000000-0000-0000-0000-000000000000}"/>
-          </ac:spMkLst>
-        </pc:spChg>
-        <pc:cxnChg chg="del">
-          <ac:chgData name="Mike B" userId="5c4bf6a326bf31f5" providerId="LiveId" clId="{7DF94DDA-9ECE-405F-9D9F-F38BC4F3E028}" dt="2021-02-28T15:10:26.391" v="1097" actId="478"/>
-          <ac:cxnSpMkLst>
-            <pc:docMk/>
-            <pc:sldMk cId="2978715153" sldId="535"/>
-            <ac:cxnSpMk id="4" creationId="{00000000-0000-0000-0000-000000000000}"/>
-          </ac:cxnSpMkLst>
-        </pc:cxnChg>
-      </pc:sldChg>
-      <pc:sldChg chg="delSp modSp add mod modAnim">
-        <pc:chgData name="Mike B" userId="5c4bf6a326bf31f5" providerId="LiveId" clId="{7DF94DDA-9ECE-405F-9D9F-F38BC4F3E028}" dt="2021-03-01T04:07:10.674" v="3305" actId="207"/>
-        <pc:sldMkLst>
-          <pc:docMk/>
-          <pc:sldMk cId="3692545775" sldId="539"/>
-        </pc:sldMkLst>
-        <pc:spChg chg="mod">
-          <ac:chgData name="Mike B" userId="5c4bf6a326bf31f5" providerId="LiveId" clId="{7DF94DDA-9ECE-405F-9D9F-F38BC4F3E028}" dt="2021-03-01T04:07:10.674" v="3305" actId="207"/>
-          <ac:spMkLst>
-            <pc:docMk/>
-            <pc:sldMk cId="3692545775" sldId="539"/>
-            <ac:spMk id="3" creationId="{00000000-0000-0000-0000-000000000000}"/>
-          </ac:spMkLst>
-        </pc:spChg>
-        <pc:cxnChg chg="del">
-          <ac:chgData name="Mike B" userId="5c4bf6a326bf31f5" providerId="LiveId" clId="{7DF94DDA-9ECE-405F-9D9F-F38BC4F3E028}" dt="2021-02-28T15:04:22.525" v="1068" actId="478"/>
-          <ac:cxnSpMkLst>
-            <pc:docMk/>
-            <pc:sldMk cId="3692545775" sldId="539"/>
-            <ac:cxnSpMk id="4" creationId="{00000000-0000-0000-0000-000000000000}"/>
-          </ac:cxnSpMkLst>
-        </pc:cxnChg>
-      </pc:sldChg>
-      <pc:sldChg chg="delSp modSp add mod">
-        <pc:chgData name="Mike B" userId="5c4bf6a326bf31f5" providerId="LiveId" clId="{7DF94DDA-9ECE-405F-9D9F-F38BC4F3E028}" dt="2021-03-01T04:07:19.815" v="3307" actId="207"/>
-        <pc:sldMkLst>
-          <pc:docMk/>
-          <pc:sldMk cId="3962995087" sldId="540"/>
-        </pc:sldMkLst>
-        <pc:spChg chg="mod">
-          <ac:chgData name="Mike B" userId="5c4bf6a326bf31f5" providerId="LiveId" clId="{7DF94DDA-9ECE-405F-9D9F-F38BC4F3E028}" dt="2021-03-01T04:07:19.815" v="3307" actId="207"/>
-          <ac:spMkLst>
-            <pc:docMk/>
-            <pc:sldMk cId="3962995087" sldId="540"/>
-            <ac:spMk id="3" creationId="{00000000-0000-0000-0000-000000000000}"/>
-          </ac:spMkLst>
-        </pc:spChg>
-        <pc:spChg chg="mod">
-          <ac:chgData name="Mike B" userId="5c4bf6a326bf31f5" providerId="LiveId" clId="{7DF94DDA-9ECE-405F-9D9F-F38BC4F3E028}" dt="2021-02-28T23:37:45.814" v="1741" actId="1076"/>
-          <ac:spMkLst>
-            <pc:docMk/>
-            <pc:sldMk cId="3962995087" sldId="540"/>
-            <ac:spMk id="6" creationId="{6A45DF02-8249-4545-B6E2-1EB0E8B565D6}"/>
-          </ac:spMkLst>
-        </pc:spChg>
-        <pc:cxnChg chg="del">
-          <ac:chgData name="Mike B" userId="5c4bf6a326bf31f5" providerId="LiveId" clId="{7DF94DDA-9ECE-405F-9D9F-F38BC4F3E028}" dt="2021-02-28T15:04:28.879" v="1070" actId="478"/>
-          <ac:cxnSpMkLst>
-            <pc:docMk/>
-            <pc:sldMk cId="3962995087" sldId="540"/>
-            <ac:cxnSpMk id="4" creationId="{00000000-0000-0000-0000-000000000000}"/>
-          </ac:cxnSpMkLst>
-        </pc:cxnChg>
-      </pc:sldChg>
-      <pc:sldChg chg="addSp delSp modSp add mod">
-        <pc:chgData name="Mike B" userId="5c4bf6a326bf31f5" providerId="LiveId" clId="{7DF94DDA-9ECE-405F-9D9F-F38BC4F3E028}" dt="2021-03-01T04:07:25.838" v="3309" actId="207"/>
-        <pc:sldMkLst>
-          <pc:docMk/>
-          <pc:sldMk cId="3582481671" sldId="541"/>
-        </pc:sldMkLst>
-        <pc:spChg chg="mod">
-          <ac:chgData name="Mike B" userId="5c4bf6a326bf31f5" providerId="LiveId" clId="{7DF94DDA-9ECE-405F-9D9F-F38BC4F3E028}" dt="2021-03-01T04:07:23.129" v="3308" actId="207"/>
-          <ac:spMkLst>
-            <pc:docMk/>
-            <pc:sldMk cId="3582481671" sldId="541"/>
-            <ac:spMk id="3" creationId="{00000000-0000-0000-0000-000000000000}"/>
-          </ac:spMkLst>
-        </pc:spChg>
-        <pc:spChg chg="mod">
-          <ac:chgData name="Mike B" userId="5c4bf6a326bf31f5" providerId="LiveId" clId="{7DF94DDA-9ECE-405F-9D9F-F38BC4F3E028}" dt="2021-02-28T23:38:01.993" v="1744" actId="1076"/>
-          <ac:spMkLst>
-            <pc:docMk/>
-            <pc:sldMk cId="3582481671" sldId="541"/>
-            <ac:spMk id="6" creationId="{A3160733-2392-4DF5-84F8-18CEA7EDDAE6}"/>
-          </ac:spMkLst>
-        </pc:spChg>
-        <pc:spChg chg="add mod">
-          <ac:chgData name="Mike B" userId="5c4bf6a326bf31f5" providerId="LiveId" clId="{7DF94DDA-9ECE-405F-9D9F-F38BC4F3E028}" dt="2021-03-01T04:07:25.838" v="3309" actId="207"/>
-          <ac:spMkLst>
-            <pc:docMk/>
-            <pc:sldMk cId="3582481671" sldId="541"/>
-            <ac:spMk id="7" creationId="{6EA6FD59-23CF-40B8-BDF1-443A09C544E8}"/>
-          </ac:spMkLst>
-        </pc:spChg>
-        <pc:spChg chg="add mod">
-          <ac:chgData name="Mike B" userId="5c4bf6a326bf31f5" providerId="LiveId" clId="{7DF94DDA-9ECE-405F-9D9F-F38BC4F3E028}" dt="2021-02-28T23:38:39.483" v="1750" actId="1076"/>
-          <ac:spMkLst>
-            <pc:docMk/>
-            <pc:sldMk cId="3582481671" sldId="541"/>
-            <ac:spMk id="8" creationId="{C7D25D19-4B94-449C-886D-DA7BC54D1279}"/>
-          </ac:spMkLst>
-        </pc:spChg>
-        <pc:cxnChg chg="del">
-          <ac:chgData name="Mike B" userId="5c4bf6a326bf31f5" providerId="LiveId" clId="{7DF94DDA-9ECE-405F-9D9F-F38BC4F3E028}" dt="2021-02-28T15:04:32.367" v="1071" actId="478"/>
-          <ac:cxnSpMkLst>
-            <pc:docMk/>
-            <pc:sldMk cId="3582481671" sldId="541"/>
-            <ac:cxnSpMk id="4" creationId="{00000000-0000-0000-0000-000000000000}"/>
-          </ac:cxnSpMkLst>
-        </pc:cxnChg>
-      </pc:sldChg>
-      <pc:sldChg chg="delSp modSp add mod">
-        <pc:chgData name="Mike B" userId="5c4bf6a326bf31f5" providerId="LiveId" clId="{7DF94DDA-9ECE-405F-9D9F-F38BC4F3E028}" dt="2021-03-01T04:07:31.105" v="3310" actId="207"/>
-        <pc:sldMkLst>
-          <pc:docMk/>
-          <pc:sldMk cId="3588296458" sldId="542"/>
-        </pc:sldMkLst>
-        <pc:spChg chg="mod">
-          <ac:chgData name="Mike B" userId="5c4bf6a326bf31f5" providerId="LiveId" clId="{7DF94DDA-9ECE-405F-9D9F-F38BC4F3E028}" dt="2021-03-01T04:07:31.105" v="3310" actId="207"/>
-          <ac:spMkLst>
-            <pc:docMk/>
-            <pc:sldMk cId="3588296458" sldId="542"/>
-            <ac:spMk id="3" creationId="{00000000-0000-0000-0000-000000000000}"/>
-          </ac:spMkLst>
-        </pc:spChg>
-        <pc:cxnChg chg="del">
-          <ac:chgData name="Mike B" userId="5c4bf6a326bf31f5" providerId="LiveId" clId="{7DF94DDA-9ECE-405F-9D9F-F38BC4F3E028}" dt="2021-02-28T15:04:42.670" v="1074" actId="478"/>
-          <ac:cxnSpMkLst>
-            <pc:docMk/>
-            <pc:sldMk cId="3588296458" sldId="542"/>
-            <ac:cxnSpMk id="4" creationId="{00000000-0000-0000-0000-000000000000}"/>
-          </ac:cxnSpMkLst>
-        </pc:cxnChg>
-      </pc:sldChg>
-      <pc:sldChg chg="delSp modSp add mod">
-        <pc:chgData name="Mike B" userId="5c4bf6a326bf31f5" providerId="LiveId" clId="{7DF94DDA-9ECE-405F-9D9F-F38BC4F3E028}" dt="2021-03-01T04:50:29.739" v="4278" actId="1035"/>
-        <pc:sldMkLst>
-          <pc:docMk/>
-          <pc:sldMk cId="2842592576" sldId="543"/>
-        </pc:sldMkLst>
-        <pc:spChg chg="mod">
-          <ac:chgData name="Mike B" userId="5c4bf6a326bf31f5" providerId="LiveId" clId="{7DF94DDA-9ECE-405F-9D9F-F38BC4F3E028}" dt="2021-02-28T15:03:40.239" v="1059" actId="27636"/>
-          <ac:spMkLst>
-            <pc:docMk/>
-            <pc:sldMk cId="2842592576" sldId="543"/>
-            <ac:spMk id="2" creationId="{00000000-0000-0000-0000-000000000000}"/>
-          </ac:spMkLst>
-        </pc:spChg>
-        <pc:spChg chg="mod">
-          <ac:chgData name="Mike B" userId="5c4bf6a326bf31f5" providerId="LiveId" clId="{7DF94DDA-9ECE-405F-9D9F-F38BC4F3E028}" dt="2021-03-01T04:07:36.304" v="3311" actId="207"/>
-          <ac:spMkLst>
-            <pc:docMk/>
-            <pc:sldMk cId="2842592576" sldId="543"/>
-            <ac:spMk id="3" creationId="{00000000-0000-0000-0000-000000000000}"/>
-          </ac:spMkLst>
-        </pc:spChg>
-        <pc:spChg chg="mod">
-          <ac:chgData name="Mike B" userId="5c4bf6a326bf31f5" providerId="LiveId" clId="{7DF94DDA-9ECE-405F-9D9F-F38BC4F3E028}" dt="2021-03-01T04:50:29.739" v="4278" actId="1035"/>
-          <ac:spMkLst>
-            <pc:docMk/>
-            <pc:sldMk cId="2842592576" sldId="543"/>
-            <ac:spMk id="10" creationId="{83801C14-2201-4CF4-AF88-5AE428E47E94}"/>
-          </ac:spMkLst>
-        </pc:spChg>
-        <pc:cxnChg chg="del">
-          <ac:chgData name="Mike B" userId="5c4bf6a326bf31f5" providerId="LiveId" clId="{7DF94DDA-9ECE-405F-9D9F-F38BC4F3E028}" dt="2021-02-28T15:04:46.009" v="1075" actId="478"/>
-          <ac:cxnSpMkLst>
-            <pc:docMk/>
-            <pc:sldMk cId="2842592576" sldId="543"/>
-            <ac:cxnSpMk id="4" creationId="{00000000-0000-0000-0000-000000000000}"/>
-          </ac:cxnSpMkLst>
-        </pc:cxnChg>
-      </pc:sldChg>
-      <pc:sldChg chg="addSp delSp modSp add mod">
-        <pc:chgData name="Mike B" userId="5c4bf6a326bf31f5" providerId="LiveId" clId="{7DF94DDA-9ECE-405F-9D9F-F38BC4F3E028}" dt="2021-03-01T04:51:44.564" v="4285" actId="313"/>
-        <pc:sldMkLst>
-          <pc:docMk/>
-          <pc:sldMk cId="1827963335" sldId="546"/>
-        </pc:sldMkLst>
-        <pc:spChg chg="mod">
-          <ac:chgData name="Mike B" userId="5c4bf6a326bf31f5" providerId="LiveId" clId="{7DF94DDA-9ECE-405F-9D9F-F38BC4F3E028}" dt="2021-03-01T04:07:50.322" v="3315" actId="207"/>
-          <ac:spMkLst>
-            <pc:docMk/>
-            <pc:sldMk cId="1827963335" sldId="546"/>
-            <ac:spMk id="3" creationId="{00000000-0000-0000-0000-000000000000}"/>
-          </ac:spMkLst>
-        </pc:spChg>
-        <pc:spChg chg="del mod">
-          <ac:chgData name="Mike B" userId="5c4bf6a326bf31f5" providerId="LiveId" clId="{7DF94DDA-9ECE-405F-9D9F-F38BC4F3E028}" dt="2021-02-28T23:43:33.588" v="1821" actId="478"/>
-          <ac:spMkLst>
-            <pc:docMk/>
-            <pc:sldMk cId="1827963335" sldId="546"/>
-            <ac:spMk id="5" creationId="{00000000-0000-0000-0000-000000000000}"/>
-          </ac:spMkLst>
-        </pc:spChg>
-        <pc:spChg chg="add mod">
-          <ac:chgData name="Mike B" userId="5c4bf6a326bf31f5" providerId="LiveId" clId="{7DF94DDA-9ECE-405F-9D9F-F38BC4F3E028}" dt="2021-03-01T04:51:07.052" v="4279"/>
-          <ac:spMkLst>
-            <pc:docMk/>
-            <pc:sldMk cId="1827963335" sldId="546"/>
-            <ac:spMk id="5" creationId="{A3327086-DF26-4D4D-BB7B-5BB6AB656859}"/>
-          </ac:spMkLst>
-        </pc:spChg>
-        <pc:spChg chg="del mod">
-          <ac:chgData name="Mike B" userId="5c4bf6a326bf31f5" providerId="LiveId" clId="{7DF94DDA-9ECE-405F-9D9F-F38BC4F3E028}" dt="2021-02-28T23:43:33.588" v="1821" actId="478"/>
-          <ac:spMkLst>
-            <pc:docMk/>
-            <pc:sldMk cId="1827963335" sldId="546"/>
-            <ac:spMk id="6" creationId="{00000000-0000-0000-0000-000000000000}"/>
-          </ac:spMkLst>
-        </pc:spChg>
-        <pc:spChg chg="add mod">
-          <ac:chgData name="Mike B" userId="5c4bf6a326bf31f5" providerId="LiveId" clId="{7DF94DDA-9ECE-405F-9D9F-F38BC4F3E028}" dt="2021-03-01T04:51:44.564" v="4285" actId="313"/>
-          <ac:spMkLst>
-            <pc:docMk/>
-            <pc:sldMk cId="1827963335" sldId="546"/>
-            <ac:spMk id="6" creationId="{4B7B5741-F367-4F71-BCE4-52C01146FFBB}"/>
-          </ac:spMkLst>
-        </pc:spChg>
-        <pc:cxnChg chg="del">
-          <ac:chgData name="Mike B" userId="5c4bf6a326bf31f5" providerId="LiveId" clId="{7DF94DDA-9ECE-405F-9D9F-F38BC4F3E028}" dt="2021-02-28T15:06:36.127" v="1079" actId="478"/>
-          <ac:cxnSpMkLst>
-            <pc:docMk/>
-            <pc:sldMk cId="1827963335" sldId="546"/>
-            <ac:cxnSpMk id="4" creationId="{00000000-0000-0000-0000-000000000000}"/>
-          </ac:cxnSpMkLst>
-        </pc:cxnChg>
-      </pc:sldChg>
-      <pc:sldChg chg="addSp delSp modSp add mod">
-        <pc:chgData name="Mike B" userId="5c4bf6a326bf31f5" providerId="LiveId" clId="{7DF94DDA-9ECE-405F-9D9F-F38BC4F3E028}" dt="2021-03-01T04:51:47.755" v="4287" actId="313"/>
-        <pc:sldMkLst>
-          <pc:docMk/>
-          <pc:sldMk cId="834623402" sldId="547"/>
-        </pc:sldMkLst>
-        <pc:spChg chg="mod">
-          <ac:chgData name="Mike B" userId="5c4bf6a326bf31f5" providerId="LiveId" clId="{7DF94DDA-9ECE-405F-9D9F-F38BC4F3E028}" dt="2021-03-01T04:07:53.533" v="3316" actId="207"/>
-          <ac:spMkLst>
-            <pc:docMk/>
-            <pc:sldMk cId="834623402" sldId="547"/>
-            <ac:spMk id="3" creationId="{00000000-0000-0000-0000-000000000000}"/>
-          </ac:spMkLst>
-        </pc:spChg>
-        <pc:spChg chg="del">
-          <ac:chgData name="Mike B" userId="5c4bf6a326bf31f5" providerId="LiveId" clId="{7DF94DDA-9ECE-405F-9D9F-F38BC4F3E028}" dt="2021-02-28T23:43:37.769" v="1822" actId="478"/>
-          <ac:spMkLst>
-            <pc:docMk/>
-            <pc:sldMk cId="834623402" sldId="547"/>
-            <ac:spMk id="5" creationId="{00000000-0000-0000-0000-000000000000}"/>
-          </ac:spMkLst>
-        </pc:spChg>
-        <pc:spChg chg="add mod">
-          <ac:chgData name="Mike B" userId="5c4bf6a326bf31f5" providerId="LiveId" clId="{7DF94DDA-9ECE-405F-9D9F-F38BC4F3E028}" dt="2021-03-01T04:51:09.948" v="4280"/>
-          <ac:spMkLst>
-            <pc:docMk/>
-            <pc:sldMk cId="834623402" sldId="547"/>
-            <ac:spMk id="5" creationId="{69863AD1-5CB6-4D26-9D87-3588D49B02FC}"/>
-          </ac:spMkLst>
-        </pc:spChg>
-        <pc:spChg chg="del">
-          <ac:chgData name="Mike B" userId="5c4bf6a326bf31f5" providerId="LiveId" clId="{7DF94DDA-9ECE-405F-9D9F-F38BC4F3E028}" dt="2021-02-28T23:43:37.769" v="1822" actId="478"/>
-          <ac:spMkLst>
-            <pc:docMk/>
-            <pc:sldMk cId="834623402" sldId="547"/>
-            <ac:spMk id="6" creationId="{00000000-0000-0000-0000-000000000000}"/>
-          </ac:spMkLst>
-        </pc:spChg>
-        <pc:spChg chg="add mod">
-          <ac:chgData name="Mike B" userId="5c4bf6a326bf31f5" providerId="LiveId" clId="{7DF94DDA-9ECE-405F-9D9F-F38BC4F3E028}" dt="2021-03-01T04:51:47.755" v="4287" actId="313"/>
-          <ac:spMkLst>
-            <pc:docMk/>
-            <pc:sldMk cId="834623402" sldId="547"/>
-            <ac:spMk id="6" creationId="{D49A8A5D-B3F1-4DEA-83AA-1CAC0EB4225A}"/>
-          </ac:spMkLst>
-        </pc:spChg>
-        <pc:cxnChg chg="del">
-          <ac:chgData name="Mike B" userId="5c4bf6a326bf31f5" providerId="LiveId" clId="{7DF94DDA-9ECE-405F-9D9F-F38BC4F3E028}" dt="2021-02-28T15:06:39.176" v="1080" actId="478"/>
-          <ac:cxnSpMkLst>
-            <pc:docMk/>
-            <pc:sldMk cId="834623402" sldId="547"/>
-            <ac:cxnSpMk id="4" creationId="{00000000-0000-0000-0000-000000000000}"/>
-          </ac:cxnSpMkLst>
-        </pc:cxnChg>
-      </pc:sldChg>
-      <pc:sldChg chg="delSp modSp add mod">
-        <pc:chgData name="Mike B" userId="5c4bf6a326bf31f5" providerId="LiveId" clId="{7DF94DDA-9ECE-405F-9D9F-F38BC4F3E028}" dt="2021-03-01T14:51:30.738" v="6740" actId="20577"/>
-        <pc:sldMkLst>
-          <pc:docMk/>
-          <pc:sldMk cId="3625575901" sldId="551"/>
-        </pc:sldMkLst>
-        <pc:spChg chg="mod">
-          <ac:chgData name="Mike B" userId="5c4bf6a326bf31f5" providerId="LiveId" clId="{7DF94DDA-9ECE-405F-9D9F-F38BC4F3E028}" dt="2021-02-28T15:07:10.969" v="1085" actId="27636"/>
-          <ac:spMkLst>
-            <pc:docMk/>
-            <pc:sldMk cId="3625575901" sldId="551"/>
-            <ac:spMk id="2" creationId="{00000000-0000-0000-0000-000000000000}"/>
-          </ac:spMkLst>
-        </pc:spChg>
-        <pc:spChg chg="mod">
-          <ac:chgData name="Mike B" userId="5c4bf6a326bf31f5" providerId="LiveId" clId="{7DF94DDA-9ECE-405F-9D9F-F38BC4F3E028}" dt="2021-03-01T14:51:30.738" v="6740" actId="20577"/>
-          <ac:spMkLst>
-            <pc:docMk/>
-            <pc:sldMk cId="3625575901" sldId="551"/>
-            <ac:spMk id="3" creationId="{00000000-0000-0000-0000-000000000000}"/>
-          </ac:spMkLst>
-        </pc:spChg>
-        <pc:cxnChg chg="del">
-          <ac:chgData name="Mike B" userId="5c4bf6a326bf31f5" providerId="LiveId" clId="{7DF94DDA-9ECE-405F-9D9F-F38BC4F3E028}" dt="2021-02-28T15:07:14.030" v="1086" actId="478"/>
-          <ac:cxnSpMkLst>
-            <pc:docMk/>
-            <pc:sldMk cId="3625575901" sldId="551"/>
-            <ac:cxnSpMk id="4" creationId="{00000000-0000-0000-0000-000000000000}"/>
-          </ac:cxnSpMkLst>
-        </pc:cxnChg>
-      </pc:sldChg>
-      <pc:sldChg chg="delSp modSp add mod">
-        <pc:chgData name="Mike B" userId="5c4bf6a326bf31f5" providerId="LiveId" clId="{7DF94DDA-9ECE-405F-9D9F-F38BC4F3E028}" dt="2021-03-01T05:06:03.442" v="5306" actId="1036"/>
-        <pc:sldMkLst>
-          <pc:docMk/>
-          <pc:sldMk cId="533390830" sldId="552"/>
-        </pc:sldMkLst>
-        <pc:spChg chg="mod">
-          <ac:chgData name="Mike B" userId="5c4bf6a326bf31f5" providerId="LiveId" clId="{7DF94DDA-9ECE-405F-9D9F-F38BC4F3E028}" dt="2021-03-01T05:06:03.442" v="5306" actId="1036"/>
-          <ac:spMkLst>
-            <pc:docMk/>
-            <pc:sldMk cId="533390830" sldId="552"/>
-            <ac:spMk id="3" creationId="{00000000-0000-0000-0000-000000000000}"/>
-          </ac:spMkLst>
-        </pc:spChg>
-        <pc:spChg chg="mod">
-          <ac:chgData name="Mike B" userId="5c4bf6a326bf31f5" providerId="LiveId" clId="{7DF94DDA-9ECE-405F-9D9F-F38BC4F3E028}" dt="2021-03-01T05:06:01.927" v="5305" actId="1076"/>
-          <ac:spMkLst>
-            <pc:docMk/>
-            <pc:sldMk cId="533390830" sldId="552"/>
-            <ac:spMk id="7" creationId="{C413173A-4A0D-47EB-9649-021A8D753F9C}"/>
-          </ac:spMkLst>
-        </pc:spChg>
-        <pc:cxnChg chg="del">
-          <ac:chgData name="Mike B" userId="5c4bf6a326bf31f5" providerId="LiveId" clId="{7DF94DDA-9ECE-405F-9D9F-F38BC4F3E028}" dt="2021-02-28T15:08:50.495" v="1091" actId="478"/>
-          <ac:cxnSpMkLst>
-            <pc:docMk/>
-            <pc:sldMk cId="533390830" sldId="552"/>
-            <ac:cxnSpMk id="4" creationId="{00000000-0000-0000-0000-000000000000}"/>
-          </ac:cxnSpMkLst>
-        </pc:cxnChg>
-      </pc:sldChg>
-      <pc:sldChg chg="delSp modSp add mod">
-        <pc:chgData name="Mike B" userId="5c4bf6a326bf31f5" providerId="LiveId" clId="{7DF94DDA-9ECE-405F-9D9F-F38BC4F3E028}" dt="2021-03-01T04:08:18.906" v="3322" actId="207"/>
-        <pc:sldMkLst>
-          <pc:docMk/>
-          <pc:sldMk cId="1479224400" sldId="553"/>
-        </pc:sldMkLst>
-        <pc:spChg chg="mod">
-          <ac:chgData name="Mike B" userId="5c4bf6a326bf31f5" providerId="LiveId" clId="{7DF94DDA-9ECE-405F-9D9F-F38BC4F3E028}" dt="2021-03-01T04:08:18.906" v="3322" actId="207"/>
-          <ac:spMkLst>
-            <pc:docMk/>
-            <pc:sldMk cId="1479224400" sldId="553"/>
-            <ac:spMk id="3" creationId="{00000000-0000-0000-0000-000000000000}"/>
-          </ac:spMkLst>
-        </pc:spChg>
-        <pc:grpChg chg="mod">
-          <ac:chgData name="Mike B" userId="5c4bf6a326bf31f5" providerId="LiveId" clId="{7DF94DDA-9ECE-405F-9D9F-F38BC4F3E028}" dt="2021-02-28T23:46:31.373" v="1923" actId="1038"/>
-          <ac:grpSpMkLst>
-            <pc:docMk/>
-            <pc:sldMk cId="1479224400" sldId="553"/>
-            <ac:grpSpMk id="17" creationId="{B7CBF61A-3F8E-4AAD-8EA6-A6FF15A6EA08}"/>
-          </ac:grpSpMkLst>
-        </pc:grpChg>
-        <pc:cxnChg chg="del">
-          <ac:chgData name="Mike B" userId="5c4bf6a326bf31f5" providerId="LiveId" clId="{7DF94DDA-9ECE-405F-9D9F-F38BC4F3E028}" dt="2021-02-28T15:08:58.938" v="1093" actId="478"/>
-          <ac:cxnSpMkLst>
-            <pc:docMk/>
-            <pc:sldMk cId="1479224400" sldId="553"/>
-            <ac:cxnSpMk id="4" creationId="{00000000-0000-0000-0000-000000000000}"/>
-          </ac:cxnSpMkLst>
-        </pc:cxnChg>
-      </pc:sldChg>
-      <pc:sldChg chg="delSp modSp add mod">
-        <pc:chgData name="Mike B" userId="5c4bf6a326bf31f5" providerId="LiveId" clId="{7DF94DDA-9ECE-405F-9D9F-F38BC4F3E028}" dt="2021-03-01T04:08:21.809" v="3323" actId="207"/>
-        <pc:sldMkLst>
-          <pc:docMk/>
-          <pc:sldMk cId="2740653528" sldId="554"/>
-        </pc:sldMkLst>
-        <pc:spChg chg="mod">
-          <ac:chgData name="Mike B" userId="5c4bf6a326bf31f5" providerId="LiveId" clId="{7DF94DDA-9ECE-405F-9D9F-F38BC4F3E028}" dt="2021-03-01T04:08:21.809" v="3323" actId="207"/>
-          <ac:spMkLst>
-            <pc:docMk/>
-            <pc:sldMk cId="2740653528" sldId="554"/>
-            <ac:spMk id="3" creationId="{00000000-0000-0000-0000-000000000000}"/>
-          </ac:spMkLst>
-        </pc:spChg>
-        <pc:grpChg chg="mod">
-          <ac:chgData name="Mike B" userId="5c4bf6a326bf31f5" providerId="LiveId" clId="{7DF94DDA-9ECE-405F-9D9F-F38BC4F3E028}" dt="2021-02-28T23:46:49.216" v="1986" actId="1035"/>
-          <ac:grpSpMkLst>
-            <pc:docMk/>
-            <pc:sldMk cId="2740653528" sldId="554"/>
-            <ac:grpSpMk id="19" creationId="{DFD401AF-AF20-4133-82D3-07D5623B08CB}"/>
-          </ac:grpSpMkLst>
-        </pc:grpChg>
-        <pc:cxnChg chg="del">
-          <ac:chgData name="Mike B" userId="5c4bf6a326bf31f5" providerId="LiveId" clId="{7DF94DDA-9ECE-405F-9D9F-F38BC4F3E028}" dt="2021-02-28T15:09:01.947" v="1094" actId="478"/>
-          <ac:cxnSpMkLst>
-            <pc:docMk/>
-            <pc:sldMk cId="2740653528" sldId="554"/>
-            <ac:cxnSpMk id="4" creationId="{00000000-0000-0000-0000-000000000000}"/>
-          </ac:cxnSpMkLst>
-        </pc:cxnChg>
-      </pc:sldChg>
-      <pc:sldChg chg="addSp delSp modSp add mod modAnim">
-        <pc:chgData name="Mike B" userId="5c4bf6a326bf31f5" providerId="LiveId" clId="{7DF94DDA-9ECE-405F-9D9F-F38BC4F3E028}" dt="2021-03-01T04:08:38.453" v="3342" actId="207"/>
-        <pc:sldMkLst>
-          <pc:docMk/>
-          <pc:sldMk cId="2399125548" sldId="561"/>
-        </pc:sldMkLst>
-        <pc:spChg chg="mod">
-          <ac:chgData name="Mike B" userId="5c4bf6a326bf31f5" providerId="LiveId" clId="{7DF94DDA-9ECE-405F-9D9F-F38BC4F3E028}" dt="2021-03-01T04:08:38.453" v="3342" actId="207"/>
-          <ac:spMkLst>
-            <pc:docMk/>
-            <pc:sldMk cId="2399125548" sldId="561"/>
-            <ac:spMk id="3" creationId="{00000000-0000-0000-0000-000000000000}"/>
-          </ac:spMkLst>
-        </pc:spChg>
-        <pc:spChg chg="mod">
-          <ac:chgData name="Mike B" userId="5c4bf6a326bf31f5" providerId="LiveId" clId="{7DF94DDA-9ECE-405F-9D9F-F38BC4F3E028}" dt="2021-02-28T23:48:09.098" v="2054" actId="1076"/>
-          <ac:spMkLst>
-            <pc:docMk/>
-            <pc:sldMk cId="2399125548" sldId="561"/>
-            <ac:spMk id="5" creationId="{00000000-0000-0000-0000-000000000000}"/>
-          </ac:spMkLst>
-        </pc:spChg>
-        <pc:spChg chg="add mod">
-          <ac:chgData name="Mike B" userId="5c4bf6a326bf31f5" providerId="LiveId" clId="{7DF94DDA-9ECE-405F-9D9F-F38BC4F3E028}" dt="2021-02-28T23:48:36.858" v="2062" actId="120"/>
-          <ac:spMkLst>
-            <pc:docMk/>
-            <pc:sldMk cId="2399125548" sldId="561"/>
-            <ac:spMk id="7" creationId="{771FB87A-D6FC-4FC1-81B0-C49E36365831}"/>
-          </ac:spMkLst>
-        </pc:spChg>
-        <pc:spChg chg="add mod">
-          <ac:chgData name="Mike B" userId="5c4bf6a326bf31f5" providerId="LiveId" clId="{7DF94DDA-9ECE-405F-9D9F-F38BC4F3E028}" dt="2021-02-28T23:48:11.987" v="2057" actId="1036"/>
-          <ac:spMkLst>
-            <pc:docMk/>
-            <pc:sldMk cId="2399125548" sldId="561"/>
-            <ac:spMk id="8" creationId="{1D023B14-53F7-478A-82D9-B053D0DD697F}"/>
-          </ac:spMkLst>
-        </pc:spChg>
-        <pc:cxnChg chg="del">
-          <ac:chgData name="Mike B" userId="5c4bf6a326bf31f5" providerId="LiveId" clId="{7DF94DDA-9ECE-405F-9D9F-F38BC4F3E028}" dt="2021-02-28T15:11:43.558" v="1116" actId="478"/>
-          <ac:cxnSpMkLst>
-            <pc:docMk/>
-            <pc:sldMk cId="2399125548" sldId="561"/>
-            <ac:cxnSpMk id="4" creationId="{00000000-0000-0000-0000-000000000000}"/>
-          </ac:cxnSpMkLst>
-        </pc:cxnChg>
-      </pc:sldChg>
-      <pc:sldChg chg="addSp delSp modSp add mod modAnim">
-        <pc:chgData name="Mike B" userId="5c4bf6a326bf31f5" providerId="LiveId" clId="{7DF94DDA-9ECE-405F-9D9F-F38BC4F3E028}" dt="2021-03-01T04:07:16.120" v="3306" actId="207"/>
-        <pc:sldMkLst>
-          <pc:docMk/>
-          <pc:sldMk cId="1160501262" sldId="574"/>
-        </pc:sldMkLst>
-        <pc:spChg chg="mod">
-          <ac:chgData name="Mike B" userId="5c4bf6a326bf31f5" providerId="LiveId" clId="{7DF94DDA-9ECE-405F-9D9F-F38BC4F3E028}" dt="2021-03-01T04:07:16.120" v="3306" actId="207"/>
-          <ac:spMkLst>
-            <pc:docMk/>
-            <pc:sldMk cId="1160501262" sldId="574"/>
-            <ac:spMk id="3" creationId="{00000000-0000-0000-0000-000000000000}"/>
-          </ac:spMkLst>
-        </pc:spChg>
-        <pc:spChg chg="add mod">
-          <ac:chgData name="Mike B" userId="5c4bf6a326bf31f5" providerId="LiveId" clId="{7DF94DDA-9ECE-405F-9D9F-F38BC4F3E028}" dt="2021-02-28T23:56:57.358" v="2364" actId="1076"/>
-          <ac:spMkLst>
-            <pc:docMk/>
-            <pc:sldMk cId="1160501262" sldId="574"/>
-            <ac:spMk id="4" creationId="{AE2B2776-AB9A-463A-B6DC-0E7A8625264C}"/>
-          </ac:spMkLst>
-        </pc:spChg>
-        <pc:spChg chg="mod">
-          <ac:chgData name="Mike B" userId="5c4bf6a326bf31f5" providerId="LiveId" clId="{7DF94DDA-9ECE-405F-9D9F-F38BC4F3E028}" dt="2021-02-28T23:56:12.070" v="2277" actId="1076"/>
-          <ac:spMkLst>
-            <pc:docMk/>
-            <pc:sldMk cId="1160501262" sldId="574"/>
-            <ac:spMk id="6" creationId="{B9922975-8A22-40B6-BAD2-1059091E1B2A}"/>
-          </ac:spMkLst>
-        </pc:spChg>
-        <pc:cxnChg chg="del">
-          <ac:chgData name="Mike B" userId="5c4bf6a326bf31f5" providerId="LiveId" clId="{7DF94DDA-9ECE-405F-9D9F-F38BC4F3E028}" dt="2021-02-28T15:04:25.933" v="1069" actId="478"/>
-          <ac:cxnSpMkLst>
-            <pc:docMk/>
-            <pc:sldMk cId="1160501262" sldId="574"/>
-            <ac:cxnSpMk id="4" creationId="{00000000-0000-0000-0000-000000000000}"/>
-          </ac:cxnSpMkLst>
-        </pc:cxnChg>
-      </pc:sldChg>
-      <pc:sldChg chg="delSp modSp add del mod">
-        <pc:chgData name="Mike B" userId="5c4bf6a326bf31f5" providerId="LiveId" clId="{7DF94DDA-9ECE-405F-9D9F-F38BC4F3E028}" dt="2021-02-28T23:38:49.548" v="1751" actId="2696"/>
-        <pc:sldMkLst>
-          <pc:docMk/>
-          <pc:sldMk cId="2581870377" sldId="575"/>
-        </pc:sldMkLst>
-        <pc:spChg chg="mod">
-          <ac:chgData name="Mike B" userId="5c4bf6a326bf31f5" providerId="LiveId" clId="{7DF94DDA-9ECE-405F-9D9F-F38BC4F3E028}" dt="2021-02-28T23:38:09.688" v="1745" actId="14100"/>
-          <ac:spMkLst>
-            <pc:docMk/>
-            <pc:sldMk cId="2581870377" sldId="575"/>
-            <ac:spMk id="3" creationId="{00000000-0000-0000-0000-000000000000}"/>
-          </ac:spMkLst>
-        </pc:spChg>
-        <pc:cxnChg chg="del">
-          <ac:chgData name="Mike B" userId="5c4bf6a326bf31f5" providerId="LiveId" clId="{7DF94DDA-9ECE-405F-9D9F-F38BC4F3E028}" dt="2021-02-28T15:04:35.743" v="1072" actId="478"/>
-          <ac:cxnSpMkLst>
-            <pc:docMk/>
-            <pc:sldMk cId="2581870377" sldId="575"/>
-            <ac:cxnSpMk id="4" creationId="{00000000-0000-0000-0000-000000000000}"/>
-          </ac:cxnSpMkLst>
-        </pc:cxnChg>
-      </pc:sldChg>
-      <pc:sldChg chg="delSp modSp add mod">
-        <pc:chgData name="Mike B" userId="5c4bf6a326bf31f5" providerId="LiveId" clId="{7DF94DDA-9ECE-405F-9D9F-F38BC4F3E028}" dt="2021-03-01T04:07:43.237" v="3313" actId="207"/>
-        <pc:sldMkLst>
-          <pc:docMk/>
-          <pc:sldMk cId="411321159" sldId="576"/>
-        </pc:sldMkLst>
-        <pc:spChg chg="mod">
-          <ac:chgData name="Mike B" userId="5c4bf6a326bf31f5" providerId="LiveId" clId="{7DF94DDA-9ECE-405F-9D9F-F38BC4F3E028}" dt="2021-02-28T15:03:40.245" v="1060" actId="27636"/>
-          <ac:spMkLst>
-            <pc:docMk/>
-            <pc:sldMk cId="411321159" sldId="576"/>
-            <ac:spMk id="2" creationId="{00000000-0000-0000-0000-000000000000}"/>
-          </ac:spMkLst>
-        </pc:spChg>
-        <pc:spChg chg="mod">
-          <ac:chgData name="Mike B" userId="5c4bf6a326bf31f5" providerId="LiveId" clId="{7DF94DDA-9ECE-405F-9D9F-F38BC4F3E028}" dt="2021-03-01T04:07:43.237" v="3313" actId="207"/>
-          <ac:spMkLst>
-            <pc:docMk/>
-            <pc:sldMk cId="411321159" sldId="576"/>
-            <ac:spMk id="3" creationId="{00000000-0000-0000-0000-000000000000}"/>
-          </ac:spMkLst>
-        </pc:spChg>
-        <pc:cxnChg chg="del">
-          <ac:chgData name="Mike B" userId="5c4bf6a326bf31f5" providerId="LiveId" clId="{7DF94DDA-9ECE-405F-9D9F-F38BC4F3E028}" dt="2021-02-28T15:04:49.365" v="1076" actId="478"/>
-          <ac:cxnSpMkLst>
-            <pc:docMk/>
-            <pc:sldMk cId="411321159" sldId="576"/>
-            <ac:cxnSpMk id="4" creationId="{00000000-0000-0000-0000-000000000000}"/>
-          </ac:cxnSpMkLst>
-        </pc:cxnChg>
-      </pc:sldChg>
-      <pc:sldChg chg="delSp add del mod">
-        <pc:chgData name="Mike B" userId="5c4bf6a326bf31f5" providerId="LiveId" clId="{7DF94DDA-9ECE-405F-9D9F-F38BC4F3E028}" dt="2021-02-28T15:35:11.921" v="1244" actId="2696"/>
-        <pc:sldMkLst>
-          <pc:docMk/>
-          <pc:sldMk cId="2594324043" sldId="577"/>
-        </pc:sldMkLst>
-        <pc:cxnChg chg="del">
-          <ac:chgData name="Mike B" userId="5c4bf6a326bf31f5" providerId="LiveId" clId="{7DF94DDA-9ECE-405F-9D9F-F38BC4F3E028}" dt="2021-02-28T15:11:46.331" v="1117" actId="478"/>
-          <ac:cxnSpMkLst>
-            <pc:docMk/>
-            <pc:sldMk cId="2594324043" sldId="577"/>
-            <ac:cxnSpMk id="4" creationId="{00000000-0000-0000-0000-000000000000}"/>
-          </ac:cxnSpMkLst>
-        </pc:cxnChg>
-      </pc:sldChg>
-      <pc:sldChg chg="delSp modSp add mod">
-        <pc:chgData name="Mike B" userId="5c4bf6a326bf31f5" providerId="LiveId" clId="{7DF94DDA-9ECE-405F-9D9F-F38BC4F3E028}" dt="2021-03-01T04:09:12.878" v="3351" actId="207"/>
-        <pc:sldMkLst>
-          <pc:docMk/>
-          <pc:sldMk cId="2019968474" sldId="610"/>
-        </pc:sldMkLst>
-        <pc:spChg chg="mod">
-          <ac:chgData name="Mike B" userId="5c4bf6a326bf31f5" providerId="LiveId" clId="{7DF94DDA-9ECE-405F-9D9F-F38BC4F3E028}" dt="2021-03-01T04:09:12.878" v="3351" actId="207"/>
-          <ac:spMkLst>
-            <pc:docMk/>
-            <pc:sldMk cId="2019968474" sldId="610"/>
-            <ac:spMk id="3" creationId="{00000000-0000-0000-0000-000000000000}"/>
-          </ac:spMkLst>
-        </pc:spChg>
-        <pc:cxnChg chg="del">
-          <ac:chgData name="Mike B" userId="5c4bf6a326bf31f5" providerId="LiveId" clId="{7DF94DDA-9ECE-405F-9D9F-F38BC4F3E028}" dt="2021-02-28T15:13:22.388" v="1121" actId="478"/>
-          <ac:cxnSpMkLst>
-            <pc:docMk/>
-            <pc:sldMk cId="2019968474" sldId="610"/>
-            <ac:cxnSpMk id="4" creationId="{00000000-0000-0000-0000-000000000000}"/>
-          </ac:cxnSpMkLst>
-        </pc:cxnChg>
-      </pc:sldChg>
-      <pc:sldChg chg="addSp delSp modSp add mod">
-        <pc:chgData name="Mike B" userId="5c4bf6a326bf31f5" providerId="LiveId" clId="{7DF94DDA-9ECE-405F-9D9F-F38BC4F3E028}" dt="2021-03-01T04:51:51.194" v="4289" actId="313"/>
-        <pc:sldMkLst>
-          <pc:docMk/>
-          <pc:sldMk cId="1514119804" sldId="612"/>
-        </pc:sldMkLst>
-        <pc:spChg chg="mod">
-          <ac:chgData name="Mike B" userId="5c4bf6a326bf31f5" providerId="LiveId" clId="{7DF94DDA-9ECE-405F-9D9F-F38BC4F3E028}" dt="2021-03-01T04:07:56.938" v="3317" actId="207"/>
-          <ac:spMkLst>
-            <pc:docMk/>
-            <pc:sldMk cId="1514119804" sldId="612"/>
-            <ac:spMk id="3" creationId="{00000000-0000-0000-0000-000000000000}"/>
-          </ac:spMkLst>
-        </pc:spChg>
-        <pc:spChg chg="add mod">
-          <ac:chgData name="Mike B" userId="5c4bf6a326bf31f5" providerId="LiveId" clId="{7DF94DDA-9ECE-405F-9D9F-F38BC4F3E028}" dt="2021-03-01T04:51:11.869" v="4281"/>
-          <ac:spMkLst>
-            <pc:docMk/>
-            <pc:sldMk cId="1514119804" sldId="612"/>
-            <ac:spMk id="6" creationId="{45FA2BCF-018F-4C05-9926-061CA9F2132C}"/>
-          </ac:spMkLst>
-        </pc:spChg>
-        <pc:spChg chg="del mod">
-          <ac:chgData name="Mike B" userId="5c4bf6a326bf31f5" providerId="LiveId" clId="{7DF94DDA-9ECE-405F-9D9F-F38BC4F3E028}" dt="2021-02-28T23:42:03.649" v="1815" actId="478"/>
-          <ac:spMkLst>
-            <pc:docMk/>
-            <pc:sldMk cId="1514119804" sldId="612"/>
-            <ac:spMk id="7" creationId="{00000000-0000-0000-0000-000000000000}"/>
-          </ac:spMkLst>
-        </pc:spChg>
-        <pc:spChg chg="add mod">
-          <ac:chgData name="Mike B" userId="5c4bf6a326bf31f5" providerId="LiveId" clId="{7DF94DDA-9ECE-405F-9D9F-F38BC4F3E028}" dt="2021-03-01T04:51:51.194" v="4289" actId="313"/>
-          <ac:spMkLst>
-            <pc:docMk/>
-            <pc:sldMk cId="1514119804" sldId="612"/>
-            <ac:spMk id="7" creationId="{5506FA8D-97A3-4114-9245-57C3D97E87A2}"/>
-          </ac:spMkLst>
-        </pc:spChg>
-        <pc:spChg chg="del mod">
-          <ac:chgData name="Mike B" userId="5c4bf6a326bf31f5" providerId="LiveId" clId="{7DF94DDA-9ECE-405F-9D9F-F38BC4F3E028}" dt="2021-02-28T23:42:03.649" v="1815" actId="478"/>
-          <ac:spMkLst>
-            <pc:docMk/>
-            <pc:sldMk cId="1514119804" sldId="612"/>
-            <ac:spMk id="8" creationId="{00000000-0000-0000-0000-000000000000}"/>
-          </ac:spMkLst>
-        </pc:spChg>
-        <pc:cxnChg chg="del">
-          <ac:chgData name="Mike B" userId="5c4bf6a326bf31f5" providerId="LiveId" clId="{7DF94DDA-9ECE-405F-9D9F-F38BC4F3E028}" dt="2021-02-28T15:06:53.802" v="1083" actId="478"/>
-          <ac:cxnSpMkLst>
-            <pc:docMk/>
-            <pc:sldMk cId="1514119804" sldId="612"/>
-            <ac:cxnSpMk id="4" creationId="{00000000-0000-0000-0000-000000000000}"/>
-          </ac:cxnSpMkLst>
-        </pc:cxnChg>
-      </pc:sldChg>
-      <pc:sldChg chg="delSp add del mod">
-        <pc:chgData name="Mike B" userId="5c4bf6a326bf31f5" providerId="LiveId" clId="{7DF94DDA-9ECE-405F-9D9F-F38BC4F3E028}" dt="2021-02-28T15:33:47.613" v="1223" actId="2696"/>
-        <pc:sldMkLst>
-          <pc:docMk/>
-          <pc:sldMk cId="950681160" sldId="613"/>
-        </pc:sldMkLst>
-        <pc:cxnChg chg="del">
-          <ac:chgData name="Mike B" userId="5c4bf6a326bf31f5" providerId="LiveId" clId="{7DF94DDA-9ECE-405F-9D9F-F38BC4F3E028}" dt="2021-02-28T15:06:43.128" v="1081" actId="478"/>
-          <ac:cxnSpMkLst>
-            <pc:docMk/>
-            <pc:sldMk cId="950681160" sldId="613"/>
-            <ac:cxnSpMk id="4" creationId="{00000000-0000-0000-0000-000000000000}"/>
-          </ac:cxnSpMkLst>
-        </pc:cxnChg>
-      </pc:sldChg>
-      <pc:sldChg chg="delSp add del mod">
-        <pc:chgData name="Mike B" userId="5c4bf6a326bf31f5" providerId="LiveId" clId="{7DF94DDA-9ECE-405F-9D9F-F38BC4F3E028}" dt="2021-02-28T15:33:47.613" v="1223" actId="2696"/>
-        <pc:sldMkLst>
-          <pc:docMk/>
-          <pc:sldMk cId="2391969476" sldId="614"/>
-        </pc:sldMkLst>
-        <pc:cxnChg chg="del">
-          <ac:chgData name="Mike B" userId="5c4bf6a326bf31f5" providerId="LiveId" clId="{7DF94DDA-9ECE-405F-9D9F-F38BC4F3E028}" dt="2021-02-28T15:06:47.674" v="1082" actId="478"/>
-          <ac:cxnSpMkLst>
-            <pc:docMk/>
-            <pc:sldMk cId="2391969476" sldId="614"/>
-            <ac:cxnSpMk id="4" creationId="{00000000-0000-0000-0000-000000000000}"/>
-          </ac:cxnSpMkLst>
-        </pc:cxnChg>
-      </pc:sldChg>
-      <pc:sldChg chg="delSp modSp add mod modAnim">
-        <pc:chgData name="Mike B" userId="5c4bf6a326bf31f5" providerId="LiveId" clId="{7DF94DDA-9ECE-405F-9D9F-F38BC4F3E028}" dt="2021-03-01T04:08:05.419" v="3319" actId="207"/>
-        <pc:sldMkLst>
-          <pc:docMk/>
-          <pc:sldMk cId="1583872248" sldId="615"/>
-        </pc:sldMkLst>
-        <pc:spChg chg="mod">
-          <ac:chgData name="Mike B" userId="5c4bf6a326bf31f5" providerId="LiveId" clId="{7DF94DDA-9ECE-405F-9D9F-F38BC4F3E028}" dt="2021-02-28T23:44:32.134" v="1857" actId="20577"/>
-          <ac:spMkLst>
-            <pc:docMk/>
-            <pc:sldMk cId="1583872248" sldId="615"/>
-            <ac:spMk id="2" creationId="{00000000-0000-0000-0000-000000000000}"/>
-          </ac:spMkLst>
-        </pc:spChg>
-        <pc:spChg chg="mod">
-          <ac:chgData name="Mike B" userId="5c4bf6a326bf31f5" providerId="LiveId" clId="{7DF94DDA-9ECE-405F-9D9F-F38BC4F3E028}" dt="2021-03-01T04:08:05.419" v="3319" actId="207"/>
-          <ac:spMkLst>
-            <pc:docMk/>
-            <pc:sldMk cId="1583872248" sldId="615"/>
-            <ac:spMk id="3" creationId="{00000000-0000-0000-0000-000000000000}"/>
-          </ac:spMkLst>
-        </pc:spChg>
-        <pc:cxnChg chg="del">
-          <ac:chgData name="Mike B" userId="5c4bf6a326bf31f5" providerId="LiveId" clId="{7DF94DDA-9ECE-405F-9D9F-F38BC4F3E028}" dt="2021-02-28T15:07:43.241" v="1088" actId="478"/>
-          <ac:cxnSpMkLst>
-            <pc:docMk/>
-            <pc:sldMk cId="1583872248" sldId="615"/>
-            <ac:cxnSpMk id="4" creationId="{00000000-0000-0000-0000-000000000000}"/>
-          </ac:cxnSpMkLst>
-        </pc:cxnChg>
-      </pc:sldChg>
-      <pc:sldChg chg="delSp modSp add mod">
-        <pc:chgData name="Mike B" userId="5c4bf6a326bf31f5" providerId="LiveId" clId="{7DF94DDA-9ECE-405F-9D9F-F38BC4F3E028}" dt="2021-03-01T04:08:30.375" v="3340" actId="20577"/>
-        <pc:sldMkLst>
-          <pc:docMk/>
-          <pc:sldMk cId="2952627972" sldId="616"/>
-        </pc:sldMkLst>
-        <pc:spChg chg="mod">
-          <ac:chgData name="Mike B" userId="5c4bf6a326bf31f5" providerId="LiveId" clId="{7DF94DDA-9ECE-405F-9D9F-F38BC4F3E028}" dt="2021-03-01T04:08:30.375" v="3340" actId="20577"/>
-          <ac:spMkLst>
-            <pc:docMk/>
-            <pc:sldMk cId="2952627972" sldId="616"/>
-            <ac:spMk id="3" creationId="{00000000-0000-0000-0000-000000000000}"/>
-          </ac:spMkLst>
-        </pc:spChg>
-        <pc:grpChg chg="mod">
-          <ac:chgData name="Mike B" userId="5c4bf6a326bf31f5" providerId="LiveId" clId="{7DF94DDA-9ECE-405F-9D9F-F38BC4F3E028}" dt="2021-02-28T23:47:05.981" v="2048" actId="1038"/>
-          <ac:grpSpMkLst>
-            <pc:docMk/>
-            <pc:sldMk cId="2952627972" sldId="616"/>
-            <ac:grpSpMk id="6" creationId="{BB034A2C-D9B3-4F8A-819D-28B91FD3F5F6}"/>
-          </ac:grpSpMkLst>
-        </pc:grpChg>
-        <pc:cxnChg chg="del">
-          <ac:chgData name="Mike B" userId="5c4bf6a326bf31f5" providerId="LiveId" clId="{7DF94DDA-9ECE-405F-9D9F-F38BC4F3E028}" dt="2021-02-28T15:09:05.030" v="1095" actId="478"/>
-          <ac:cxnSpMkLst>
-            <pc:docMk/>
-            <pc:sldMk cId="2952627972" sldId="616"/>
-            <ac:cxnSpMk id="4" creationId="{00000000-0000-0000-0000-000000000000}"/>
-          </ac:cxnSpMkLst>
-        </pc:cxnChg>
-      </pc:sldChg>
-      <pc:sldChg chg="delSp add mod">
-        <pc:chgData name="Mike B" userId="5c4bf6a326bf31f5" providerId="LiveId" clId="{7DF94DDA-9ECE-405F-9D9F-F38BC4F3E028}" dt="2021-02-28T15:04:11.734" v="1065" actId="478"/>
-        <pc:sldMkLst>
-          <pc:docMk/>
-          <pc:sldMk cId="3313291366" sldId="622"/>
-        </pc:sldMkLst>
-        <pc:cxnChg chg="del">
-          <ac:chgData name="Mike B" userId="5c4bf6a326bf31f5" providerId="LiveId" clId="{7DF94DDA-9ECE-405F-9D9F-F38BC4F3E028}" dt="2021-02-28T15:04:11.734" v="1065" actId="478"/>
-          <ac:cxnSpMkLst>
-            <pc:docMk/>
-            <pc:sldMk cId="3313291366" sldId="622"/>
-            <ac:cxnSpMk id="4" creationId="{00000000-0000-0000-0000-000000000000}"/>
-          </ac:cxnSpMkLst>
-        </pc:cxnChg>
-      </pc:sldChg>
-      <pc:sldChg chg="delSp add mod">
-        <pc:chgData name="Mike B" userId="5c4bf6a326bf31f5" providerId="LiveId" clId="{7DF94DDA-9ECE-405F-9D9F-F38BC4F3E028}" dt="2021-02-28T23:38:56.848" v="1752" actId="478"/>
-        <pc:sldMkLst>
-          <pc:docMk/>
-          <pc:sldMk cId="2359396820" sldId="632"/>
-        </pc:sldMkLst>
-        <pc:spChg chg="del">
-          <ac:chgData name="Mike B" userId="5c4bf6a326bf31f5" providerId="LiveId" clId="{7DF94DDA-9ECE-405F-9D9F-F38BC4F3E028}" dt="2021-02-28T23:38:56.848" v="1752" actId="478"/>
-          <ac:spMkLst>
-            <pc:docMk/>
-            <pc:sldMk cId="2359396820" sldId="632"/>
-            <ac:spMk id="3" creationId="{00000000-0000-0000-0000-000000000000}"/>
-          </ac:spMkLst>
-        </pc:spChg>
-        <pc:cxnChg chg="del">
-          <ac:chgData name="Mike B" userId="5c4bf6a326bf31f5" providerId="LiveId" clId="{7DF94DDA-9ECE-405F-9D9F-F38BC4F3E028}" dt="2021-02-28T15:04:39.120" v="1073" actId="478"/>
-          <ac:cxnSpMkLst>
-            <pc:docMk/>
-            <pc:sldMk cId="2359396820" sldId="632"/>
-            <ac:cxnSpMk id="4" creationId="{00000000-0000-0000-0000-000000000000}"/>
-          </ac:cxnSpMkLst>
-        </pc:cxnChg>
-      </pc:sldChg>
-      <pc:sldChg chg="addSp delSp add del mod">
-        <pc:chgData name="Mike B" userId="5c4bf6a326bf31f5" providerId="LiveId" clId="{7DF94DDA-9ECE-405F-9D9F-F38BC4F3E028}" dt="2021-02-28T15:11:30.204" v="1113"/>
-        <pc:sldMkLst>
-          <pc:docMk/>
-          <pc:sldMk cId="2246262014" sldId="633"/>
-        </pc:sldMkLst>
-        <pc:cxnChg chg="add del">
-          <ac:chgData name="Mike B" userId="5c4bf6a326bf31f5" providerId="LiveId" clId="{7DF94DDA-9ECE-405F-9D9F-F38BC4F3E028}" dt="2021-02-28T15:11:28.581" v="1112" actId="478"/>
-          <ac:cxnSpMkLst>
-            <pc:docMk/>
-            <pc:sldMk cId="2246262014" sldId="633"/>
-            <ac:cxnSpMk id="4" creationId="{00000000-0000-0000-0000-000000000000}"/>
-          </ac:cxnSpMkLst>
-        </pc:cxnChg>
-      </pc:sldChg>
-      <pc:sldChg chg="delSp modSp add mod">
-        <pc:chgData name="Mike B" userId="5c4bf6a326bf31f5" providerId="LiveId" clId="{7DF94DDA-9ECE-405F-9D9F-F38BC4F3E028}" dt="2021-03-01T04:09:09.970" v="3350" actId="207"/>
-        <pc:sldMkLst>
-          <pc:docMk/>
-          <pc:sldMk cId="3749001237" sldId="633"/>
-        </pc:sldMkLst>
-        <pc:spChg chg="mod">
-          <ac:chgData name="Mike B" userId="5c4bf6a326bf31f5" providerId="LiveId" clId="{7DF94DDA-9ECE-405F-9D9F-F38BC4F3E028}" dt="2021-03-01T04:09:09.970" v="3350" actId="207"/>
-          <ac:spMkLst>
-            <pc:docMk/>
-            <pc:sldMk cId="3749001237" sldId="633"/>
-            <ac:spMk id="3" creationId="{00000000-0000-0000-0000-000000000000}"/>
-          </ac:spMkLst>
-        </pc:spChg>
-        <pc:cxnChg chg="del">
-          <ac:chgData name="Mike B" userId="5c4bf6a326bf31f5" providerId="LiveId" clId="{7DF94DDA-9ECE-405F-9D9F-F38BC4F3E028}" dt="2021-02-28T15:12:43.169" v="1119" actId="478"/>
-          <ac:cxnSpMkLst>
-            <pc:docMk/>
-            <pc:sldMk cId="3749001237" sldId="633"/>
-            <ac:cxnSpMk id="4" creationId="{00000000-0000-0000-0000-000000000000}"/>
-          </ac:cxnSpMkLst>
-        </pc:cxnChg>
-      </pc:sldChg>
-      <pc:sldChg chg="delSp modSp add mod">
-        <pc:chgData name="Mike B" userId="5c4bf6a326bf31f5" providerId="LiveId" clId="{7DF94DDA-9ECE-405F-9D9F-F38BC4F3E028}" dt="2021-03-01T04:08:43.679" v="3343" actId="207"/>
-        <pc:sldMkLst>
-          <pc:docMk/>
-          <pc:sldMk cId="4108497874" sldId="634"/>
-        </pc:sldMkLst>
-        <pc:spChg chg="mod">
-          <ac:chgData name="Mike B" userId="5c4bf6a326bf31f5" providerId="LiveId" clId="{7DF94DDA-9ECE-405F-9D9F-F38BC4F3E028}" dt="2021-03-01T04:08:43.679" v="3343" actId="207"/>
-          <ac:spMkLst>
-            <pc:docMk/>
-            <pc:sldMk cId="4108497874" sldId="634"/>
-            <ac:spMk id="3" creationId="{00000000-0000-0000-0000-000000000000}"/>
-          </ac:spMkLst>
-        </pc:spChg>
-        <pc:cxnChg chg="del">
-          <ac:chgData name="Mike B" userId="5c4bf6a326bf31f5" providerId="LiveId" clId="{7DF94DDA-9ECE-405F-9D9F-F38BC4F3E028}" dt="2021-02-28T15:17:49.998" v="1147" actId="478"/>
-          <ac:cxnSpMkLst>
-            <pc:docMk/>
-            <pc:sldMk cId="4108497874" sldId="634"/>
-            <ac:cxnSpMk id="4" creationId="{00000000-0000-0000-0000-000000000000}"/>
-          </ac:cxnSpMkLst>
-        </pc:cxnChg>
-      </pc:sldChg>
-      <pc:sldChg chg="delSp modSp add mod modAnim">
-        <pc:chgData name="Mike B" userId="5c4bf6a326bf31f5" providerId="LiveId" clId="{7DF94DDA-9ECE-405F-9D9F-F38BC4F3E028}" dt="2021-03-01T04:08:55.428" v="3346" actId="207"/>
-        <pc:sldMkLst>
-          <pc:docMk/>
-          <pc:sldMk cId="2595072114" sldId="653"/>
-        </pc:sldMkLst>
-        <pc:spChg chg="mod">
-          <ac:chgData name="Mike B" userId="5c4bf6a326bf31f5" providerId="LiveId" clId="{7DF94DDA-9ECE-405F-9D9F-F38BC4F3E028}" dt="2021-02-28T23:50:14.296" v="2128" actId="20577"/>
-          <ac:spMkLst>
-            <pc:docMk/>
-            <pc:sldMk cId="2595072114" sldId="653"/>
-            <ac:spMk id="2" creationId="{00000000-0000-0000-0000-000000000000}"/>
-          </ac:spMkLst>
-        </pc:spChg>
-        <pc:spChg chg="mod">
-          <ac:chgData name="Mike B" userId="5c4bf6a326bf31f5" providerId="LiveId" clId="{7DF94DDA-9ECE-405F-9D9F-F38BC4F3E028}" dt="2021-03-01T04:08:55.428" v="3346" actId="207"/>
-          <ac:spMkLst>
-            <pc:docMk/>
-            <pc:sldMk cId="2595072114" sldId="653"/>
-            <ac:spMk id="3" creationId="{00000000-0000-0000-0000-000000000000}"/>
-          </ac:spMkLst>
-        </pc:spChg>
-        <pc:picChg chg="mod">
-          <ac:chgData name="Mike B" userId="5c4bf6a326bf31f5" providerId="LiveId" clId="{7DF94DDA-9ECE-405F-9D9F-F38BC4F3E028}" dt="2021-02-28T23:50:26.575" v="2131" actId="1076"/>
-          <ac:picMkLst>
-            <pc:docMk/>
-            <pc:sldMk cId="2595072114" sldId="653"/>
-            <ac:picMk id="5" creationId="{00000000-0000-0000-0000-000000000000}"/>
-          </ac:picMkLst>
-        </pc:picChg>
-        <pc:cxnChg chg="del">
-          <ac:chgData name="Mike B" userId="5c4bf6a326bf31f5" providerId="LiveId" clId="{7DF94DDA-9ECE-405F-9D9F-F38BC4F3E028}" dt="2021-02-28T15:21:21.404" v="1151" actId="478"/>
-          <ac:cxnSpMkLst>
-            <pc:docMk/>
-            <pc:sldMk cId="2595072114" sldId="653"/>
-            <ac:cxnSpMk id="4" creationId="{00000000-0000-0000-0000-000000000000}"/>
-          </ac:cxnSpMkLst>
-        </pc:cxnChg>
-      </pc:sldChg>
-      <pc:sldChg chg="delSp modSp add mod">
-        <pc:chgData name="Mike B" userId="5c4bf6a326bf31f5" providerId="LiveId" clId="{7DF94DDA-9ECE-405F-9D9F-F38BC4F3E028}" dt="2021-03-01T04:08:59.386" v="3347" actId="207"/>
-        <pc:sldMkLst>
-          <pc:docMk/>
-          <pc:sldMk cId="2871737530" sldId="658"/>
-        </pc:sldMkLst>
-        <pc:spChg chg="mod">
-          <ac:chgData name="Mike B" userId="5c4bf6a326bf31f5" providerId="LiveId" clId="{7DF94DDA-9ECE-405F-9D9F-F38BC4F3E028}" dt="2021-03-01T00:00:18.052" v="2485" actId="5793"/>
-          <ac:spMkLst>
-            <pc:docMk/>
-            <pc:sldMk cId="2871737530" sldId="658"/>
-            <ac:spMk id="2" creationId="{00000000-0000-0000-0000-000000000000}"/>
-          </ac:spMkLst>
-        </pc:spChg>
-        <pc:spChg chg="mod">
-          <ac:chgData name="Mike B" userId="5c4bf6a326bf31f5" providerId="LiveId" clId="{7DF94DDA-9ECE-405F-9D9F-F38BC4F3E028}" dt="2021-03-01T04:08:59.386" v="3347" actId="207"/>
-          <ac:spMkLst>
-            <pc:docMk/>
-            <pc:sldMk cId="2871737530" sldId="658"/>
-            <ac:spMk id="3" creationId="{00000000-0000-0000-0000-000000000000}"/>
-          </ac:spMkLst>
-        </pc:spChg>
-        <pc:cxnChg chg="del">
-          <ac:chgData name="Mike B" userId="5c4bf6a326bf31f5" providerId="LiveId" clId="{7DF94DDA-9ECE-405F-9D9F-F38BC4F3E028}" dt="2021-02-28T15:23:20.435" v="1156" actId="478"/>
-          <ac:cxnSpMkLst>
-            <pc:docMk/>
-            <pc:sldMk cId="2871737530" sldId="658"/>
-            <ac:cxnSpMk id="4" creationId="{00000000-0000-0000-0000-000000000000}"/>
-          </ac:cxnSpMkLst>
-        </pc:cxnChg>
-      </pc:sldChg>
-      <pc:sldChg chg="addSp delSp modSp add mod">
-        <pc:chgData name="Mike B" userId="5c4bf6a326bf31f5" providerId="LiveId" clId="{7DF94DDA-9ECE-405F-9D9F-F38BC4F3E028}" dt="2021-03-01T04:09:02.141" v="3348" actId="207"/>
-        <pc:sldMkLst>
-          <pc:docMk/>
-          <pc:sldMk cId="467519752" sldId="661"/>
-        </pc:sldMkLst>
-        <pc:spChg chg="mod">
-          <ac:chgData name="Mike B" userId="5c4bf6a326bf31f5" providerId="LiveId" clId="{7DF94DDA-9ECE-405F-9D9F-F38BC4F3E028}" dt="2021-03-01T04:09:02.141" v="3348" actId="207"/>
-          <ac:spMkLst>
-            <pc:docMk/>
-            <pc:sldMk cId="467519752" sldId="661"/>
-            <ac:spMk id="3" creationId="{00000000-0000-0000-0000-000000000000}"/>
-          </ac:spMkLst>
-        </pc:spChg>
-        <pc:picChg chg="add mod">
-          <ac:chgData name="Mike B" userId="5c4bf6a326bf31f5" providerId="LiveId" clId="{7DF94DDA-9ECE-405F-9D9F-F38BC4F3E028}" dt="2021-03-01T00:07:54.454" v="2654" actId="1076"/>
-          <ac:picMkLst>
-            <pc:docMk/>
-            <pc:sldMk cId="467519752" sldId="661"/>
-            <ac:picMk id="2050" creationId="{E0D243AB-5CE5-4046-A7B0-F1070AFC5DF4}"/>
-          </ac:picMkLst>
-        </pc:picChg>
-        <pc:cxnChg chg="del">
-          <ac:chgData name="Mike B" userId="5c4bf6a326bf31f5" providerId="LiveId" clId="{7DF94DDA-9ECE-405F-9D9F-F38BC4F3E028}" dt="2021-02-28T15:23:49.119" v="1158" actId="478"/>
-          <ac:cxnSpMkLst>
-            <pc:docMk/>
-            <pc:sldMk cId="467519752" sldId="661"/>
-            <ac:cxnSpMk id="4" creationId="{00000000-0000-0000-0000-000000000000}"/>
-          </ac:cxnSpMkLst>
-        </pc:cxnChg>
-      </pc:sldChg>
-      <pc:sldChg chg="addSp delSp modSp add mod">
-        <pc:chgData name="Mike B" userId="5c4bf6a326bf31f5" providerId="LiveId" clId="{7DF94DDA-9ECE-405F-9D9F-F38BC4F3E028}" dt="2021-03-01T04:09:05.507" v="3349" actId="207"/>
-        <pc:sldMkLst>
-          <pc:docMk/>
-          <pc:sldMk cId="2470446495" sldId="662"/>
-        </pc:sldMkLst>
-        <pc:spChg chg="mod">
-          <ac:chgData name="Mike B" userId="5c4bf6a326bf31f5" providerId="LiveId" clId="{7DF94DDA-9ECE-405F-9D9F-F38BC4F3E028}" dt="2021-03-01T04:09:05.507" v="3349" actId="207"/>
-          <ac:spMkLst>
-            <pc:docMk/>
-            <pc:sldMk cId="2470446495" sldId="662"/>
-            <ac:spMk id="3" creationId="{00000000-0000-0000-0000-000000000000}"/>
-          </ac:spMkLst>
-        </pc:spChg>
-        <pc:picChg chg="add mod">
-          <ac:chgData name="Mike B" userId="5c4bf6a326bf31f5" providerId="LiveId" clId="{7DF94DDA-9ECE-405F-9D9F-F38BC4F3E028}" dt="2021-03-01T00:05:38.672" v="2647" actId="1076"/>
-          <ac:picMkLst>
-            <pc:docMk/>
-            <pc:sldMk cId="2470446495" sldId="662"/>
-            <ac:picMk id="1026" creationId="{C6CDC256-FF3E-4AE1-A90E-9DB11A3AB3C1}"/>
-          </ac:picMkLst>
-        </pc:picChg>
-        <pc:cxnChg chg="del">
-          <ac:chgData name="Mike B" userId="5c4bf6a326bf31f5" providerId="LiveId" clId="{7DF94DDA-9ECE-405F-9D9F-F38BC4F3E028}" dt="2021-02-28T15:24:17.696" v="1160" actId="478"/>
-          <ac:cxnSpMkLst>
-            <pc:docMk/>
-            <pc:sldMk cId="2470446495" sldId="662"/>
-            <ac:cxnSpMk id="4" creationId="{00000000-0000-0000-0000-000000000000}"/>
-          </ac:cxnSpMkLst>
-        </pc:cxnChg>
-      </pc:sldChg>
-      <pc:sldChg chg="delSp modSp add del mod">
-        <pc:chgData name="Mike B" userId="5c4bf6a326bf31f5" providerId="LiveId" clId="{7DF94DDA-9ECE-405F-9D9F-F38BC4F3E028}" dt="2021-02-28T23:52:34.034" v="2222" actId="47"/>
-        <pc:sldMkLst>
-          <pc:docMk/>
-          <pc:sldMk cId="2867110442" sldId="667"/>
-        </pc:sldMkLst>
-        <pc:spChg chg="mod">
-          <ac:chgData name="Mike B" userId="5c4bf6a326bf31f5" providerId="LiveId" clId="{7DF94DDA-9ECE-405F-9D9F-F38BC4F3E028}" dt="2021-02-28T15:21:52.889" v="1153" actId="27636"/>
-          <ac:spMkLst>
-            <pc:docMk/>
-            <pc:sldMk cId="2867110442" sldId="667"/>
-            <ac:spMk id="2" creationId="{00000000-0000-0000-0000-000000000000}"/>
-          </ac:spMkLst>
-        </pc:spChg>
-        <pc:cxnChg chg="del">
-          <ac:chgData name="Mike B" userId="5c4bf6a326bf31f5" providerId="LiveId" clId="{7DF94DDA-9ECE-405F-9D9F-F38BC4F3E028}" dt="2021-02-28T15:21:55.332" v="1154" actId="478"/>
-          <ac:cxnSpMkLst>
-            <pc:docMk/>
-            <pc:sldMk cId="2867110442" sldId="667"/>
-            <ac:cxnSpMk id="4" creationId="{00000000-0000-0000-0000-000000000000}"/>
-          </ac:cxnSpMkLst>
-        </pc:cxnChg>
-      </pc:sldChg>
-      <pc:sldChg chg="addSp delSp modSp add mod">
-        <pc:chgData name="Mike B" userId="5c4bf6a326bf31f5" providerId="LiveId" clId="{7DF94DDA-9ECE-405F-9D9F-F38BC4F3E028}" dt="2021-03-01T04:08:51.862" v="3345" actId="207"/>
-        <pc:sldMkLst>
-          <pc:docMk/>
-          <pc:sldMk cId="1971962464" sldId="690"/>
-        </pc:sldMkLst>
-        <pc:spChg chg="mod">
-          <ac:chgData name="Mike B" userId="5c4bf6a326bf31f5" providerId="LiveId" clId="{7DF94DDA-9ECE-405F-9D9F-F38BC4F3E028}" dt="2021-03-01T04:08:51.862" v="3345" actId="207"/>
-          <ac:spMkLst>
-            <pc:docMk/>
-            <pc:sldMk cId="1971962464" sldId="690"/>
-            <ac:spMk id="3" creationId="{00000000-0000-0000-0000-000000000000}"/>
-          </ac:spMkLst>
-        </pc:spChg>
-        <pc:spChg chg="mod">
-          <ac:chgData name="Mike B" userId="5c4bf6a326bf31f5" providerId="LiveId" clId="{7DF94DDA-9ECE-405F-9D9F-F38BC4F3E028}" dt="2021-02-28T23:49:41.371" v="2091" actId="1036"/>
-          <ac:spMkLst>
-            <pc:docMk/>
-            <pc:sldMk cId="1971962464" sldId="690"/>
-            <ac:spMk id="5" creationId="{00000000-0000-0000-0000-000000000000}"/>
-          </ac:spMkLst>
-        </pc:spChg>
-        <pc:spChg chg="mod">
-          <ac:chgData name="Mike B" userId="5c4bf6a326bf31f5" providerId="LiveId" clId="{7DF94DDA-9ECE-405F-9D9F-F38BC4F3E028}" dt="2021-02-28T23:49:41.371" v="2091" actId="1036"/>
-          <ac:spMkLst>
-            <pc:docMk/>
-            <pc:sldMk cId="1971962464" sldId="690"/>
-            <ac:spMk id="6" creationId="{00000000-0000-0000-0000-000000000000}"/>
-          </ac:spMkLst>
-        </pc:spChg>
-        <pc:spChg chg="add mod">
-          <ac:chgData name="Mike B" userId="5c4bf6a326bf31f5" providerId="LiveId" clId="{7DF94DDA-9ECE-405F-9D9F-F38BC4F3E028}" dt="2021-02-28T23:49:37.763" v="2081" actId="571"/>
-          <ac:spMkLst>
-            <pc:docMk/>
-            <pc:sldMk cId="1971962464" sldId="690"/>
-            <ac:spMk id="8" creationId="{185144BA-6626-4D4E-AE7F-A8E825150BDC}"/>
-          </ac:spMkLst>
-        </pc:spChg>
-        <pc:cxnChg chg="del">
-          <ac:chgData name="Mike B" userId="5c4bf6a326bf31f5" providerId="LiveId" clId="{7DF94DDA-9ECE-405F-9D9F-F38BC4F3E028}" dt="2021-02-28T15:19:54.213" v="1149" actId="478"/>
-          <ac:cxnSpMkLst>
-            <pc:docMk/>
-            <pc:sldMk cId="1971962464" sldId="690"/>
-            <ac:cxnSpMk id="4" creationId="{00000000-0000-0000-0000-000000000000}"/>
-          </ac:cxnSpMkLst>
-        </pc:cxnChg>
-      </pc:sldChg>
-      <pc:sldChg chg="delSp modSp add mod ord modAnim">
-        <pc:chgData name="Mike B" userId="5c4bf6a326bf31f5" providerId="LiveId" clId="{7DF94DDA-9ECE-405F-9D9F-F38BC4F3E028}" dt="2021-03-01T05:04:54.704" v="5252"/>
-        <pc:sldMkLst>
-          <pc:docMk/>
-          <pc:sldMk cId="4182831786" sldId="777"/>
-        </pc:sldMkLst>
-        <pc:spChg chg="mod">
-          <ac:chgData name="Mike B" userId="5c4bf6a326bf31f5" providerId="LiveId" clId="{7DF94DDA-9ECE-405F-9D9F-F38BC4F3E028}" dt="2021-03-01T04:49:31.140" v="4273" actId="20577"/>
-          <ac:spMkLst>
-            <pc:docMk/>
-            <pc:sldMk cId="4182831786" sldId="777"/>
-            <ac:spMk id="2" creationId="{00000000-0000-0000-0000-000000000000}"/>
-          </ac:spMkLst>
-        </pc:spChg>
-        <pc:spChg chg="mod">
-          <ac:chgData name="Mike B" userId="5c4bf6a326bf31f5" providerId="LiveId" clId="{7DF94DDA-9ECE-405F-9D9F-F38BC4F3E028}" dt="2021-03-01T05:04:37.827" v="5249" actId="20577"/>
-          <ac:spMkLst>
-            <pc:docMk/>
-            <pc:sldMk cId="4182831786" sldId="777"/>
-            <ac:spMk id="3" creationId="{00000000-0000-0000-0000-000000000000}"/>
-          </ac:spMkLst>
-        </pc:spChg>
-        <pc:picChg chg="del">
-          <ac:chgData name="Mike B" userId="5c4bf6a326bf31f5" providerId="LiveId" clId="{7DF94DDA-9ECE-405F-9D9F-F38BC4F3E028}" dt="2021-03-01T04:02:18.198" v="3285" actId="478"/>
-          <ac:picMkLst>
-            <pc:docMk/>
-            <pc:sldMk cId="4182831786" sldId="777"/>
-            <ac:picMk id="1026" creationId="{CB8555D6-502C-474E-BDBB-06EDBFE03767}"/>
-          </ac:picMkLst>
-        </pc:picChg>
-        <pc:cxnChg chg="del">
-          <ac:chgData name="Mike B" userId="5c4bf6a326bf31f5" providerId="LiveId" clId="{7DF94DDA-9ECE-405F-9D9F-F38BC4F3E028}" dt="2021-02-28T15:28:37.831" v="1164" actId="478"/>
-          <ac:cxnSpMkLst>
-            <pc:docMk/>
-            <pc:sldMk cId="4182831786" sldId="777"/>
-            <ac:cxnSpMk id="4" creationId="{00000000-0000-0000-0000-000000000000}"/>
-          </ac:cxnSpMkLst>
-        </pc:cxnChg>
-      </pc:sldChg>
-      <pc:sldChg chg="modSp add mod ord modAnim">
-        <pc:chgData name="Mike B" userId="5c4bf6a326bf31f5" providerId="LiveId" clId="{7DF94DDA-9ECE-405F-9D9F-F38BC4F3E028}" dt="2021-03-01T05:13:57.748" v="5889"/>
+      </pc:sldChg>
+      <pc:sldChg chg="modSp">
+        <pc:chgData name="Mike B" userId="5c4bf6a326bf31f5" providerId="LiveId" clId="{3432D430-2FD5-4C55-B9AB-5F320ADAA244}" dt="2022-02-21T17:18:01.634" v="67" actId="20577"/>
         <pc:sldMkLst>
           <pc:docMk/>
           <pc:sldMk cId="2691135494" sldId="778"/>
         </pc:sldMkLst>
         <pc:spChg chg="mod">
-          <ac:chgData name="Mike B" userId="5c4bf6a326bf31f5" providerId="LiveId" clId="{7DF94DDA-9ECE-405F-9D9F-F38BC4F3E028}" dt="2021-03-01T05:13:32.948" v="5886" actId="20577"/>
+          <ac:chgData name="Mike B" userId="5c4bf6a326bf31f5" providerId="LiveId" clId="{3432D430-2FD5-4C55-B9AB-5F320ADAA244}" dt="2022-02-21T17:18:01.634" v="67" actId="20577"/>
           <ac:spMkLst>
             <pc:docMk/>
             <pc:sldMk cId="2691135494" sldId="778"/>
@@ -5224,45 +6036,14 @@
           </ac:spMkLst>
         </pc:spChg>
       </pc:sldChg>
-      <pc:sldChg chg="modSp add del mod">
-        <pc:chgData name="Mike B" userId="5c4bf6a326bf31f5" providerId="LiveId" clId="{7DF94DDA-9ECE-405F-9D9F-F38BC4F3E028}" dt="2021-03-01T05:22:41.563" v="5892" actId="2696"/>
-        <pc:sldMkLst>
-          <pc:docMk/>
-          <pc:sldMk cId="224866087" sldId="779"/>
-        </pc:sldMkLst>
-        <pc:spChg chg="mod">
-          <ac:chgData name="Mike B" userId="5c4bf6a326bf31f5" providerId="LiveId" clId="{7DF94DDA-9ECE-405F-9D9F-F38BC4F3E028}" dt="2021-03-01T04:45:05.724" v="4146" actId="20577"/>
-          <ac:spMkLst>
-            <pc:docMk/>
-            <pc:sldMk cId="224866087" sldId="779"/>
-            <ac:spMk id="2" creationId="{00000000-0000-0000-0000-000000000000}"/>
-          </ac:spMkLst>
-        </pc:spChg>
-        <pc:spChg chg="mod">
-          <ac:chgData name="Mike B" userId="5c4bf6a326bf31f5" providerId="LiveId" clId="{7DF94DDA-9ECE-405F-9D9F-F38BC4F3E028}" dt="2021-03-01T04:45:09.474" v="4148" actId="20577"/>
-          <ac:spMkLst>
-            <pc:docMk/>
-            <pc:sldMk cId="224866087" sldId="779"/>
-            <ac:spMk id="3" creationId="{00000000-0000-0000-0000-000000000000}"/>
-          </ac:spMkLst>
-        </pc:spChg>
-      </pc:sldChg>
-      <pc:sldChg chg="modSp add mod">
-        <pc:chgData name="Mike B" userId="5c4bf6a326bf31f5" providerId="LiveId" clId="{7DF94DDA-9ECE-405F-9D9F-F38BC4F3E028}" dt="2021-03-01T05:28:41.373" v="6418" actId="113"/>
+      <pc:sldChg chg="modSp mod">
+        <pc:chgData name="Mike B" userId="5c4bf6a326bf31f5" providerId="LiveId" clId="{3432D430-2FD5-4C55-B9AB-5F320ADAA244}" dt="2022-02-12T20:29:15.286" v="63" actId="20577"/>
         <pc:sldMkLst>
           <pc:docMk/>
           <pc:sldMk cId="494230690" sldId="780"/>
         </pc:sldMkLst>
         <pc:spChg chg="mod">
-          <ac:chgData name="Mike B" userId="5c4bf6a326bf31f5" providerId="LiveId" clId="{7DF94DDA-9ECE-405F-9D9F-F38BC4F3E028}" dt="2021-03-01T04:46:16.233" v="4219" actId="20577"/>
-          <ac:spMkLst>
-            <pc:docMk/>
-            <pc:sldMk cId="494230690" sldId="780"/>
-            <ac:spMk id="2" creationId="{00000000-0000-0000-0000-000000000000}"/>
-          </ac:spMkLst>
-        </pc:spChg>
-        <pc:spChg chg="mod">
-          <ac:chgData name="Mike B" userId="5c4bf6a326bf31f5" providerId="LiveId" clId="{7DF94DDA-9ECE-405F-9D9F-F38BC4F3E028}" dt="2021-03-01T05:28:41.373" v="6418" actId="113"/>
+          <ac:chgData name="Mike B" userId="5c4bf6a326bf31f5" providerId="LiveId" clId="{3432D430-2FD5-4C55-B9AB-5F320ADAA244}" dt="2022-02-12T20:29:15.286" v="63" actId="20577"/>
           <ac:spMkLst>
             <pc:docMk/>
             <pc:sldMk cId="494230690" sldId="780"/>
@@ -5270,1728 +6051,20 @@
           </ac:spMkLst>
         </pc:spChg>
       </pc:sldChg>
-      <pc:sldChg chg="modSp add modAnim">
-        <pc:chgData name="Mike B" userId="5c4bf6a326bf31f5" providerId="LiveId" clId="{7DF94DDA-9ECE-405F-9D9F-F38BC4F3E028}" dt="2021-03-01T05:16:38.528" v="5891" actId="113"/>
-        <pc:sldMkLst>
-          <pc:docMk/>
-          <pc:sldMk cId="1889596787" sldId="781"/>
-        </pc:sldMkLst>
-        <pc:spChg chg="mod">
-          <ac:chgData name="Mike B" userId="5c4bf6a326bf31f5" providerId="LiveId" clId="{7DF94DDA-9ECE-405F-9D9F-F38BC4F3E028}" dt="2021-03-01T05:16:38.528" v="5891" actId="113"/>
-          <ac:spMkLst>
-            <pc:docMk/>
-            <pc:sldMk cId="1889596787" sldId="781"/>
-            <ac:spMk id="3" creationId="{00000000-0000-0000-0000-000000000000}"/>
-          </ac:spMkLst>
-        </pc:spChg>
-      </pc:sldChg>
-      <pc:sldChg chg="modSp add mod">
-        <pc:chgData name="Mike B" userId="5c4bf6a326bf31f5" providerId="LiveId" clId="{7DF94DDA-9ECE-405F-9D9F-F38BC4F3E028}" dt="2021-03-01T05:33:47.333" v="6739" actId="113"/>
+      <pc:sldChg chg="modSp mod">
+        <pc:chgData name="Mike B" userId="5c4bf6a326bf31f5" providerId="LiveId" clId="{3432D430-2FD5-4C55-B9AB-5F320ADAA244}" dt="2022-02-12T20:29:22.156" v="66" actId="20577"/>
         <pc:sldMkLst>
           <pc:docMk/>
           <pc:sldMk cId="184063669" sldId="782"/>
         </pc:sldMkLst>
         <pc:spChg chg="mod">
-          <ac:chgData name="Mike B" userId="5c4bf6a326bf31f5" providerId="LiveId" clId="{7DF94DDA-9ECE-405F-9D9F-F38BC4F3E028}" dt="2021-03-01T05:33:47.333" v="6739" actId="113"/>
+          <ac:chgData name="Mike B" userId="5c4bf6a326bf31f5" providerId="LiveId" clId="{3432D430-2FD5-4C55-B9AB-5F320ADAA244}" dt="2022-02-12T20:29:22.156" v="66" actId="20577"/>
           <ac:spMkLst>
             <pc:docMk/>
             <pc:sldMk cId="184063669" sldId="782"/>
             <ac:spMk id="3" creationId="{00000000-0000-0000-0000-000000000000}"/>
           </ac:spMkLst>
         </pc:spChg>
-      </pc:sldChg>
-    </pc:docChg>
-  </pc:docChgLst>
-  <pc:docChgLst>
-    <pc:chgData name="Mike B" userId="5c4bf6a326bf31f5" providerId="LiveId" clId="{CA9E3862-C9B9-4CB0-9634-9A3C92A9E2D3}"/>
-    <pc:docChg chg="undo custSel addSld delSld modSld sldOrd">
-      <pc:chgData name="Mike B" userId="5c4bf6a326bf31f5" providerId="LiveId" clId="{CA9E3862-C9B9-4CB0-9634-9A3C92A9E2D3}" dt="2025-02-09T23:32:54.199" v="5733" actId="1076"/>
-      <pc:docMkLst>
-        <pc:docMk/>
-      </pc:docMkLst>
-      <pc:sldChg chg="modSp mod">
-        <pc:chgData name="Mike B" userId="5c4bf6a326bf31f5" providerId="LiveId" clId="{CA9E3862-C9B9-4CB0-9634-9A3C92A9E2D3}" dt="2025-02-09T18:33:33.440" v="72" actId="1076"/>
-        <pc:sldMkLst>
-          <pc:docMk/>
-          <pc:sldMk cId="0" sldId="256"/>
-        </pc:sldMkLst>
-        <pc:spChg chg="mod">
-          <ac:chgData name="Mike B" userId="5c4bf6a326bf31f5" providerId="LiveId" clId="{CA9E3862-C9B9-4CB0-9634-9A3C92A9E2D3}" dt="2025-02-09T18:33:33.440" v="72" actId="1076"/>
-          <ac:spMkLst>
-            <pc:docMk/>
-            <pc:sldMk cId="0" sldId="256"/>
-            <ac:spMk id="2051" creationId="{00000000-0000-0000-0000-000000000000}"/>
-          </ac:spMkLst>
-        </pc:spChg>
-      </pc:sldChg>
-      <pc:sldChg chg="modSp mod">
-        <pc:chgData name="Mike B" userId="5c4bf6a326bf31f5" providerId="LiveId" clId="{CA9E3862-C9B9-4CB0-9634-9A3C92A9E2D3}" dt="2025-02-09T18:34:30.295" v="269" actId="20577"/>
-        <pc:sldMkLst>
-          <pc:docMk/>
-          <pc:sldMk cId="0" sldId="287"/>
-        </pc:sldMkLst>
-        <pc:spChg chg="mod">
-          <ac:chgData name="Mike B" userId="5c4bf6a326bf31f5" providerId="LiveId" clId="{CA9E3862-C9B9-4CB0-9634-9A3C92A9E2D3}" dt="2025-02-09T18:34:30.295" v="269" actId="20577"/>
-          <ac:spMkLst>
-            <pc:docMk/>
-            <pc:sldMk cId="0" sldId="287"/>
-            <ac:spMk id="119811" creationId="{00000000-0000-0000-0000-000000000000}"/>
-          </ac:spMkLst>
-        </pc:spChg>
-      </pc:sldChg>
-      <pc:sldChg chg="modSp mod">
-        <pc:chgData name="Mike B" userId="5c4bf6a326bf31f5" providerId="LiveId" clId="{CA9E3862-C9B9-4CB0-9634-9A3C92A9E2D3}" dt="2025-02-09T19:35:06.628" v="1958" actId="20577"/>
-        <pc:sldMkLst>
-          <pc:docMk/>
-          <pc:sldMk cId="1782408873" sldId="342"/>
-        </pc:sldMkLst>
-        <pc:spChg chg="mod">
-          <ac:chgData name="Mike B" userId="5c4bf6a326bf31f5" providerId="LiveId" clId="{CA9E3862-C9B9-4CB0-9634-9A3C92A9E2D3}" dt="2025-02-09T19:35:06.628" v="1958" actId="20577"/>
-          <ac:spMkLst>
-            <pc:docMk/>
-            <pc:sldMk cId="1782408873" sldId="342"/>
-            <ac:spMk id="3" creationId="{00000000-0000-0000-0000-000000000000}"/>
-          </ac:spMkLst>
-        </pc:spChg>
-        <pc:spChg chg="mod">
-          <ac:chgData name="Mike B" userId="5c4bf6a326bf31f5" providerId="LiveId" clId="{CA9E3862-C9B9-4CB0-9634-9A3C92A9E2D3}" dt="2025-02-09T18:34:46.281" v="323" actId="20577"/>
-          <ac:spMkLst>
-            <pc:docMk/>
-            <pc:sldMk cId="1782408873" sldId="342"/>
-            <ac:spMk id="4" creationId="{00000000-0000-0000-0000-000000000000}"/>
-          </ac:spMkLst>
-        </pc:spChg>
-      </pc:sldChg>
-      <pc:sldChg chg="modSp mod">
-        <pc:chgData name="Mike B" userId="5c4bf6a326bf31f5" providerId="LiveId" clId="{CA9E3862-C9B9-4CB0-9634-9A3C92A9E2D3}" dt="2025-02-09T18:36:57.922" v="412" actId="20577"/>
-        <pc:sldMkLst>
-          <pc:docMk/>
-          <pc:sldMk cId="3710951061" sldId="361"/>
-        </pc:sldMkLst>
-        <pc:spChg chg="mod">
-          <ac:chgData name="Mike B" userId="5c4bf6a326bf31f5" providerId="LiveId" clId="{CA9E3862-C9B9-4CB0-9634-9A3C92A9E2D3}" dt="2025-02-09T18:36:57.922" v="412" actId="20577"/>
-          <ac:spMkLst>
-            <pc:docMk/>
-            <pc:sldMk cId="3710951061" sldId="361"/>
-            <ac:spMk id="118787" creationId="{00000000-0000-0000-0000-000000000000}"/>
-          </ac:spMkLst>
-        </pc:spChg>
-      </pc:sldChg>
-      <pc:sldChg chg="delSp modSp add mod">
-        <pc:chgData name="Mike B" userId="5c4bf6a326bf31f5" providerId="LiveId" clId="{CA9E3862-C9B9-4CB0-9634-9A3C92A9E2D3}" dt="2025-02-09T19:05:31.108" v="786" actId="20577"/>
-        <pc:sldMkLst>
-          <pc:docMk/>
-          <pc:sldMk cId="3503305135" sldId="505"/>
-        </pc:sldMkLst>
-        <pc:spChg chg="mod">
-          <ac:chgData name="Mike B" userId="5c4bf6a326bf31f5" providerId="LiveId" clId="{CA9E3862-C9B9-4CB0-9634-9A3C92A9E2D3}" dt="2025-02-09T18:40:26.361" v="451" actId="20577"/>
-          <ac:spMkLst>
-            <pc:docMk/>
-            <pc:sldMk cId="3503305135" sldId="505"/>
-            <ac:spMk id="2" creationId="{00000000-0000-0000-0000-000000000000}"/>
-          </ac:spMkLst>
-        </pc:spChg>
-        <pc:spChg chg="mod">
-          <ac:chgData name="Mike B" userId="5c4bf6a326bf31f5" providerId="LiveId" clId="{CA9E3862-C9B9-4CB0-9634-9A3C92A9E2D3}" dt="2025-02-09T19:05:31.108" v="786" actId="20577"/>
-          <ac:spMkLst>
-            <pc:docMk/>
-            <pc:sldMk cId="3503305135" sldId="505"/>
-            <ac:spMk id="3" creationId="{00000000-0000-0000-0000-000000000000}"/>
-          </ac:spMkLst>
-        </pc:spChg>
-        <pc:cxnChg chg="del">
-          <ac:chgData name="Mike B" userId="5c4bf6a326bf31f5" providerId="LiveId" clId="{CA9E3862-C9B9-4CB0-9634-9A3C92A9E2D3}" dt="2025-02-09T18:37:33.691" v="414" actId="478"/>
-          <ac:cxnSpMkLst>
-            <pc:docMk/>
-            <pc:sldMk cId="3503305135" sldId="505"/>
-            <ac:cxnSpMk id="4" creationId="{00000000-0000-0000-0000-000000000000}"/>
-          </ac:cxnSpMkLst>
-        </pc:cxnChg>
-      </pc:sldChg>
-      <pc:sldChg chg="addSp delSp modSp mod ord delAnim modAnim">
-        <pc:chgData name="Mike B" userId="5c4bf6a326bf31f5" providerId="LiveId" clId="{CA9E3862-C9B9-4CB0-9634-9A3C92A9E2D3}" dt="2025-02-09T19:14:30.689" v="1483"/>
-        <pc:sldMkLst>
-          <pc:docMk/>
-          <pc:sldMk cId="3749001237" sldId="633"/>
-        </pc:sldMkLst>
-        <pc:spChg chg="mod">
-          <ac:chgData name="Mike B" userId="5c4bf6a326bf31f5" providerId="LiveId" clId="{CA9E3862-C9B9-4CB0-9634-9A3C92A9E2D3}" dt="2025-02-09T19:05:41.393" v="807" actId="20577"/>
-          <ac:spMkLst>
-            <pc:docMk/>
-            <pc:sldMk cId="3749001237" sldId="633"/>
-            <ac:spMk id="2" creationId="{00000000-0000-0000-0000-000000000000}"/>
-          </ac:spMkLst>
-        </pc:spChg>
-        <pc:spChg chg="del mod">
-          <ac:chgData name="Mike B" userId="5c4bf6a326bf31f5" providerId="LiveId" clId="{CA9E3862-C9B9-4CB0-9634-9A3C92A9E2D3}" dt="2025-02-09T19:07:29.774" v="811"/>
-          <ac:spMkLst>
-            <pc:docMk/>
-            <pc:sldMk cId="3749001237" sldId="633"/>
-            <ac:spMk id="3" creationId="{00000000-0000-0000-0000-000000000000}"/>
-          </ac:spMkLst>
-        </pc:spChg>
-        <pc:picChg chg="del">
-          <ac:chgData name="Mike B" userId="5c4bf6a326bf31f5" providerId="LiveId" clId="{CA9E3862-C9B9-4CB0-9634-9A3C92A9E2D3}" dt="2025-02-09T19:07:00.048" v="810" actId="478"/>
-          <ac:picMkLst>
-            <pc:docMk/>
-            <pc:sldMk cId="3749001237" sldId="633"/>
-            <ac:picMk id="4" creationId="{CB00E1B8-B613-75EC-1061-57D6DAE59F8C}"/>
-          </ac:picMkLst>
-        </pc:picChg>
-        <pc:picChg chg="add mod modCrop">
-          <ac:chgData name="Mike B" userId="5c4bf6a326bf31f5" providerId="LiveId" clId="{CA9E3862-C9B9-4CB0-9634-9A3C92A9E2D3}" dt="2025-02-09T19:07:59.252" v="825" actId="1076"/>
-          <ac:picMkLst>
-            <pc:docMk/>
-            <pc:sldMk cId="3749001237" sldId="633"/>
-            <ac:picMk id="7" creationId="{43ACC42A-32CC-DC90-C72B-939295007115}"/>
-          </ac:picMkLst>
-        </pc:picChg>
-        <pc:picChg chg="add mod">
-          <ac:chgData name="Mike B" userId="5c4bf6a326bf31f5" providerId="LiveId" clId="{CA9E3862-C9B9-4CB0-9634-9A3C92A9E2D3}" dt="2025-02-09T19:14:30.689" v="1483"/>
-          <ac:picMkLst>
-            <pc:docMk/>
-            <pc:sldMk cId="3749001237" sldId="633"/>
-            <ac:picMk id="9" creationId="{0C5FD40B-B37D-8672-73F1-1A8B6F3942FD}"/>
-          </ac:picMkLst>
-        </pc:picChg>
-      </pc:sldChg>
-      <pc:sldChg chg="modSp mod">
-        <pc:chgData name="Mike B" userId="5c4bf6a326bf31f5" providerId="LiveId" clId="{CA9E3862-C9B9-4CB0-9634-9A3C92A9E2D3}" dt="2025-02-09T19:13:58.342" v="1478" actId="20577"/>
-        <pc:sldMkLst>
-          <pc:docMk/>
-          <pc:sldMk cId="28306766" sldId="634"/>
-        </pc:sldMkLst>
-        <pc:spChg chg="mod">
-          <ac:chgData name="Mike B" userId="5c4bf6a326bf31f5" providerId="LiveId" clId="{CA9E3862-C9B9-4CB0-9634-9A3C92A9E2D3}" dt="2025-02-09T19:13:58.342" v="1478" actId="20577"/>
-          <ac:spMkLst>
-            <pc:docMk/>
-            <pc:sldMk cId="28306766" sldId="634"/>
-            <ac:spMk id="3" creationId="{00000000-0000-0000-0000-000000000000}"/>
-          </ac:spMkLst>
-        </pc:spChg>
-        <pc:spChg chg="mod">
-          <ac:chgData name="Mike B" userId="5c4bf6a326bf31f5" providerId="LiveId" clId="{CA9E3862-C9B9-4CB0-9634-9A3C92A9E2D3}" dt="2025-02-09T18:35:02.646" v="346" actId="20577"/>
-          <ac:spMkLst>
-            <pc:docMk/>
-            <pc:sldMk cId="28306766" sldId="634"/>
-            <ac:spMk id="4" creationId="{00000000-0000-0000-0000-000000000000}"/>
-          </ac:spMkLst>
-        </pc:spChg>
-      </pc:sldChg>
-      <pc:sldChg chg="del">
-        <pc:chgData name="Mike B" userId="5c4bf6a326bf31f5" providerId="LiveId" clId="{CA9E3862-C9B9-4CB0-9634-9A3C92A9E2D3}" dt="2025-02-09T19:28:41.254" v="1576" actId="2696"/>
-        <pc:sldMkLst>
-          <pc:docMk/>
-          <pc:sldMk cId="257875984" sldId="1229"/>
-        </pc:sldMkLst>
-      </pc:sldChg>
-      <pc:sldChg chg="del">
-        <pc:chgData name="Mike B" userId="5c4bf6a326bf31f5" providerId="LiveId" clId="{CA9E3862-C9B9-4CB0-9634-9A3C92A9E2D3}" dt="2025-02-09T19:23:25.884" v="1572" actId="2696"/>
-        <pc:sldMkLst>
-          <pc:docMk/>
-          <pc:sldMk cId="2843263528" sldId="1252"/>
-        </pc:sldMkLst>
-      </pc:sldChg>
-      <pc:sldChg chg="del">
-        <pc:chgData name="Mike B" userId="5c4bf6a326bf31f5" providerId="LiveId" clId="{CA9E3862-C9B9-4CB0-9634-9A3C92A9E2D3}" dt="2025-02-09T19:23:25.884" v="1572" actId="2696"/>
-        <pc:sldMkLst>
-          <pc:docMk/>
-          <pc:sldMk cId="557394895" sldId="1253"/>
-        </pc:sldMkLst>
-      </pc:sldChg>
-      <pc:sldChg chg="addSp modSp mod ord modAnim">
-        <pc:chgData name="Mike B" userId="5c4bf6a326bf31f5" providerId="LiveId" clId="{CA9E3862-C9B9-4CB0-9634-9A3C92A9E2D3}" dt="2025-02-09T23:32:54.199" v="5733" actId="1076"/>
-        <pc:sldMkLst>
-          <pc:docMk/>
-          <pc:sldMk cId="3984217516" sldId="1276"/>
-        </pc:sldMkLst>
-        <pc:spChg chg="mod">
-          <ac:chgData name="Mike B" userId="5c4bf6a326bf31f5" providerId="LiveId" clId="{CA9E3862-C9B9-4CB0-9634-9A3C92A9E2D3}" dt="2025-02-09T19:28:50.919" v="1590" actId="20577"/>
-          <ac:spMkLst>
-            <pc:docMk/>
-            <pc:sldMk cId="3984217516" sldId="1276"/>
-            <ac:spMk id="2" creationId="{00000000-0000-0000-0000-000000000000}"/>
-          </ac:spMkLst>
-        </pc:spChg>
-        <pc:spChg chg="mod">
-          <ac:chgData name="Mike B" userId="5c4bf6a326bf31f5" providerId="LiveId" clId="{CA9E3862-C9B9-4CB0-9634-9A3C92A9E2D3}" dt="2025-02-09T22:15:59.248" v="3360" actId="403"/>
-          <ac:spMkLst>
-            <pc:docMk/>
-            <pc:sldMk cId="3984217516" sldId="1276"/>
-            <ac:spMk id="3" creationId="{00000000-0000-0000-0000-000000000000}"/>
-          </ac:spMkLst>
-        </pc:spChg>
-        <pc:picChg chg="add mod">
-          <ac:chgData name="Mike B" userId="5c4bf6a326bf31f5" providerId="LiveId" clId="{CA9E3862-C9B9-4CB0-9634-9A3C92A9E2D3}" dt="2025-02-09T23:32:54.199" v="5733" actId="1076"/>
-          <ac:picMkLst>
-            <pc:docMk/>
-            <pc:sldMk cId="3984217516" sldId="1276"/>
-            <ac:picMk id="1026" creationId="{9F60C16B-5834-DD1F-E123-5EE1B2C4D0C9}"/>
-          </ac:picMkLst>
-        </pc:picChg>
-      </pc:sldChg>
-      <pc:sldChg chg="del">
-        <pc:chgData name="Mike B" userId="5c4bf6a326bf31f5" providerId="LiveId" clId="{CA9E3862-C9B9-4CB0-9634-9A3C92A9E2D3}" dt="2025-02-09T19:28:41.254" v="1576" actId="2696"/>
-        <pc:sldMkLst>
-          <pc:docMk/>
-          <pc:sldMk cId="67343306" sldId="1277"/>
-        </pc:sldMkLst>
-      </pc:sldChg>
-      <pc:sldChg chg="del">
-        <pc:chgData name="Mike B" userId="5c4bf6a326bf31f5" providerId="LiveId" clId="{CA9E3862-C9B9-4CB0-9634-9A3C92A9E2D3}" dt="2025-02-09T19:28:41.254" v="1576" actId="2696"/>
-        <pc:sldMkLst>
-          <pc:docMk/>
-          <pc:sldMk cId="885965288" sldId="1278"/>
-        </pc:sldMkLst>
-      </pc:sldChg>
-      <pc:sldChg chg="del">
-        <pc:chgData name="Mike B" userId="5c4bf6a326bf31f5" providerId="LiveId" clId="{CA9E3862-C9B9-4CB0-9634-9A3C92A9E2D3}" dt="2025-02-09T19:28:41.254" v="1576" actId="2696"/>
-        <pc:sldMkLst>
-          <pc:docMk/>
-          <pc:sldMk cId="1084163813" sldId="1279"/>
-        </pc:sldMkLst>
-      </pc:sldChg>
-      <pc:sldChg chg="del">
-        <pc:chgData name="Mike B" userId="5c4bf6a326bf31f5" providerId="LiveId" clId="{CA9E3862-C9B9-4CB0-9634-9A3C92A9E2D3}" dt="2025-02-09T19:28:41.254" v="1576" actId="2696"/>
-        <pc:sldMkLst>
-          <pc:docMk/>
-          <pc:sldMk cId="3503839129" sldId="1280"/>
-        </pc:sldMkLst>
-      </pc:sldChg>
-      <pc:sldChg chg="del">
-        <pc:chgData name="Mike B" userId="5c4bf6a326bf31f5" providerId="LiveId" clId="{CA9E3862-C9B9-4CB0-9634-9A3C92A9E2D3}" dt="2025-02-09T18:35:16.609" v="349" actId="2696"/>
-        <pc:sldMkLst>
-          <pc:docMk/>
-          <pc:sldMk cId="1487306533" sldId="1281"/>
-        </pc:sldMkLst>
-      </pc:sldChg>
-      <pc:sldChg chg="del">
-        <pc:chgData name="Mike B" userId="5c4bf6a326bf31f5" providerId="LiveId" clId="{CA9E3862-C9B9-4CB0-9634-9A3C92A9E2D3}" dt="2025-02-09T18:35:16.609" v="349" actId="2696"/>
-        <pc:sldMkLst>
-          <pc:docMk/>
-          <pc:sldMk cId="3136370519" sldId="1282"/>
-        </pc:sldMkLst>
-      </pc:sldChg>
-      <pc:sldChg chg="del">
-        <pc:chgData name="Mike B" userId="5c4bf6a326bf31f5" providerId="LiveId" clId="{CA9E3862-C9B9-4CB0-9634-9A3C92A9E2D3}" dt="2025-02-09T18:35:16.609" v="349" actId="2696"/>
-        <pc:sldMkLst>
-          <pc:docMk/>
-          <pc:sldMk cId="1178536652" sldId="1283"/>
-        </pc:sldMkLst>
-      </pc:sldChg>
-      <pc:sldChg chg="del">
-        <pc:chgData name="Mike B" userId="5c4bf6a326bf31f5" providerId="LiveId" clId="{CA9E3862-C9B9-4CB0-9634-9A3C92A9E2D3}" dt="2025-02-09T18:35:16.609" v="349" actId="2696"/>
-        <pc:sldMkLst>
-          <pc:docMk/>
-          <pc:sldMk cId="39351176" sldId="1284"/>
-        </pc:sldMkLst>
-      </pc:sldChg>
-      <pc:sldChg chg="del">
-        <pc:chgData name="Mike B" userId="5c4bf6a326bf31f5" providerId="LiveId" clId="{CA9E3862-C9B9-4CB0-9634-9A3C92A9E2D3}" dt="2025-02-09T18:35:16.609" v="349" actId="2696"/>
-        <pc:sldMkLst>
-          <pc:docMk/>
-          <pc:sldMk cId="281512540" sldId="1285"/>
-        </pc:sldMkLst>
-      </pc:sldChg>
-      <pc:sldChg chg="del">
-        <pc:chgData name="Mike B" userId="5c4bf6a326bf31f5" providerId="LiveId" clId="{CA9E3862-C9B9-4CB0-9634-9A3C92A9E2D3}" dt="2025-02-09T19:08:16.694" v="826" actId="2696"/>
-        <pc:sldMkLst>
-          <pc:docMk/>
-          <pc:sldMk cId="262171497" sldId="1286"/>
-        </pc:sldMkLst>
-      </pc:sldChg>
-      <pc:sldChg chg="add">
-        <pc:chgData name="Mike B" userId="5c4bf6a326bf31f5" providerId="LiveId" clId="{CA9E3862-C9B9-4CB0-9634-9A3C92A9E2D3}" dt="2025-02-09T18:40:17.464" v="417" actId="2890"/>
-        <pc:sldMkLst>
-          <pc:docMk/>
-          <pc:sldMk cId="4223104604" sldId="1287"/>
-        </pc:sldMkLst>
-      </pc:sldChg>
-      <pc:sldChg chg="modSp add mod">
-        <pc:chgData name="Mike B" userId="5c4bf6a326bf31f5" providerId="LiveId" clId="{CA9E3862-C9B9-4CB0-9634-9A3C92A9E2D3}" dt="2025-02-09T19:13:22.557" v="1371" actId="20577"/>
-        <pc:sldMkLst>
-          <pc:docMk/>
-          <pc:sldMk cId="3072931977" sldId="1288"/>
-        </pc:sldMkLst>
-        <pc:spChg chg="mod">
-          <ac:chgData name="Mike B" userId="5c4bf6a326bf31f5" providerId="LiveId" clId="{CA9E3862-C9B9-4CB0-9634-9A3C92A9E2D3}" dt="2025-02-09T19:10:39.355" v="903" actId="20577"/>
-          <ac:spMkLst>
-            <pc:docMk/>
-            <pc:sldMk cId="3072931977" sldId="1288"/>
-            <ac:spMk id="2" creationId="{00000000-0000-0000-0000-000000000000}"/>
-          </ac:spMkLst>
-        </pc:spChg>
-        <pc:spChg chg="mod">
-          <ac:chgData name="Mike B" userId="5c4bf6a326bf31f5" providerId="LiveId" clId="{CA9E3862-C9B9-4CB0-9634-9A3C92A9E2D3}" dt="2025-02-09T19:13:22.557" v="1371" actId="20577"/>
-          <ac:spMkLst>
-            <pc:docMk/>
-            <pc:sldMk cId="3072931977" sldId="1288"/>
-            <ac:spMk id="3" creationId="{00000000-0000-0000-0000-000000000000}"/>
-          </ac:spMkLst>
-        </pc:spChg>
-      </pc:sldChg>
-      <pc:sldChg chg="modSp add mod">
-        <pc:chgData name="Mike B" userId="5c4bf6a326bf31f5" providerId="LiveId" clId="{CA9E3862-C9B9-4CB0-9634-9A3C92A9E2D3}" dt="2025-02-09T19:22:36.220" v="1571" actId="1038"/>
-        <pc:sldMkLst>
-          <pc:docMk/>
-          <pc:sldMk cId="1356249108" sldId="1289"/>
-        </pc:sldMkLst>
-        <pc:spChg chg="mod">
-          <ac:chgData name="Mike B" userId="5c4bf6a326bf31f5" providerId="LiveId" clId="{CA9E3862-C9B9-4CB0-9634-9A3C92A9E2D3}" dt="2025-02-09T19:22:24.648" v="1568" actId="1076"/>
-          <ac:spMkLst>
-            <pc:docMk/>
-            <pc:sldMk cId="1356249108" sldId="1289"/>
-            <ac:spMk id="3" creationId="{00000000-0000-0000-0000-000000000000}"/>
-          </ac:spMkLst>
-        </pc:spChg>
-        <pc:spChg chg="mod">
-          <ac:chgData name="Mike B" userId="5c4bf6a326bf31f5" providerId="LiveId" clId="{CA9E3862-C9B9-4CB0-9634-9A3C92A9E2D3}" dt="2025-02-09T19:22:36.220" v="1571" actId="1038"/>
-          <ac:spMkLst>
-            <pc:docMk/>
-            <pc:sldMk cId="1356249108" sldId="1289"/>
-            <ac:spMk id="5" creationId="{EDD27F39-B0E5-4270-9E07-7D3312174843}"/>
-          </ac:spMkLst>
-        </pc:spChg>
-        <pc:spChg chg="mod">
-          <ac:chgData name="Mike B" userId="5c4bf6a326bf31f5" providerId="LiveId" clId="{CA9E3862-C9B9-4CB0-9634-9A3C92A9E2D3}" dt="2025-02-09T19:22:36.220" v="1571" actId="1038"/>
-          <ac:spMkLst>
-            <pc:docMk/>
-            <pc:sldMk cId="1356249108" sldId="1289"/>
-            <ac:spMk id="6" creationId="{FB2B3AEB-675E-D391-D802-572497FB434F}"/>
-          </ac:spMkLst>
-        </pc:spChg>
-      </pc:sldChg>
-      <pc:sldChg chg="modSp add">
-        <pc:chgData name="Mike B" userId="5c4bf6a326bf31f5" providerId="LiveId" clId="{CA9E3862-C9B9-4CB0-9634-9A3C92A9E2D3}" dt="2025-02-09T19:20:08.260" v="1567"/>
-        <pc:sldMkLst>
-          <pc:docMk/>
-          <pc:sldMk cId="1353297581" sldId="1290"/>
-        </pc:sldMkLst>
-        <pc:spChg chg="mod">
-          <ac:chgData name="Mike B" userId="5c4bf6a326bf31f5" providerId="LiveId" clId="{CA9E3862-C9B9-4CB0-9634-9A3C92A9E2D3}" dt="2025-02-09T19:19:49.438" v="1565"/>
-          <ac:spMkLst>
-            <pc:docMk/>
-            <pc:sldMk cId="1353297581" sldId="1290"/>
-            <ac:spMk id="5" creationId="{A1E53B62-D028-483B-9C41-F3886C2FEC52}"/>
-          </ac:spMkLst>
-        </pc:spChg>
-        <pc:spChg chg="mod">
-          <ac:chgData name="Mike B" userId="5c4bf6a326bf31f5" providerId="LiveId" clId="{CA9E3862-C9B9-4CB0-9634-9A3C92A9E2D3}" dt="2025-02-09T19:20:08.260" v="1567"/>
-          <ac:spMkLst>
-            <pc:docMk/>
-            <pc:sldMk cId="1353297581" sldId="1290"/>
-            <ac:spMk id="7" creationId="{BF315F32-BA82-AD04-3557-E8C8A2C21ACF}"/>
-          </ac:spMkLst>
-        </pc:spChg>
-      </pc:sldChg>
-      <pc:sldChg chg="add del">
-        <pc:chgData name="Mike B" userId="5c4bf6a326bf31f5" providerId="LiveId" clId="{CA9E3862-C9B9-4CB0-9634-9A3C92A9E2D3}" dt="2025-02-09T19:28:41.254" v="1576" actId="2696"/>
-        <pc:sldMkLst>
-          <pc:docMk/>
-          <pc:sldMk cId="1291721348" sldId="1291"/>
-        </pc:sldMkLst>
-      </pc:sldChg>
-      <pc:sldChg chg="modSp add mod modAnim">
-        <pc:chgData name="Mike B" userId="5c4bf6a326bf31f5" providerId="LiveId" clId="{CA9E3862-C9B9-4CB0-9634-9A3C92A9E2D3}" dt="2025-02-09T22:47:25.414" v="5407"/>
-        <pc:sldMkLst>
-          <pc:docMk/>
-          <pc:sldMk cId="1622789267" sldId="1291"/>
-        </pc:sldMkLst>
-        <pc:spChg chg="mod">
-          <ac:chgData name="Mike B" userId="5c4bf6a326bf31f5" providerId="LiveId" clId="{CA9E3862-C9B9-4CB0-9634-9A3C92A9E2D3}" dt="2025-02-09T19:29:29.852" v="1651" actId="20577"/>
-          <ac:spMkLst>
-            <pc:docMk/>
-            <pc:sldMk cId="1622789267" sldId="1291"/>
-            <ac:spMk id="2" creationId="{00000000-0000-0000-0000-000000000000}"/>
-          </ac:spMkLst>
-        </pc:spChg>
-        <pc:spChg chg="mod">
-          <ac:chgData name="Mike B" userId="5c4bf6a326bf31f5" providerId="LiveId" clId="{CA9E3862-C9B9-4CB0-9634-9A3C92A9E2D3}" dt="2025-02-09T22:19:51.237" v="3682" actId="20577"/>
-          <ac:spMkLst>
-            <pc:docMk/>
-            <pc:sldMk cId="1622789267" sldId="1291"/>
-            <ac:spMk id="3" creationId="{00000000-0000-0000-0000-000000000000}"/>
-          </ac:spMkLst>
-        </pc:spChg>
-      </pc:sldChg>
-      <pc:sldChg chg="modSp add mod modAnim">
-        <pc:chgData name="Mike B" userId="5c4bf6a326bf31f5" providerId="LiveId" clId="{CA9E3862-C9B9-4CB0-9634-9A3C92A9E2D3}" dt="2025-02-09T22:47:16.672" v="5405"/>
-        <pc:sldMkLst>
-          <pc:docMk/>
-          <pc:sldMk cId="3949934018" sldId="1292"/>
-        </pc:sldMkLst>
-        <pc:spChg chg="mod">
-          <ac:chgData name="Mike B" userId="5c4bf6a326bf31f5" providerId="LiveId" clId="{CA9E3862-C9B9-4CB0-9634-9A3C92A9E2D3}" dt="2025-02-09T19:29:18.690" v="1618" actId="20577"/>
-          <ac:spMkLst>
-            <pc:docMk/>
-            <pc:sldMk cId="3949934018" sldId="1292"/>
-            <ac:spMk id="2" creationId="{00000000-0000-0000-0000-000000000000}"/>
-          </ac:spMkLst>
-        </pc:spChg>
-        <pc:spChg chg="mod">
-          <ac:chgData name="Mike B" userId="5c4bf6a326bf31f5" providerId="LiveId" clId="{CA9E3862-C9B9-4CB0-9634-9A3C92A9E2D3}" dt="2025-02-09T22:15:51.404" v="3357" actId="403"/>
-          <ac:spMkLst>
-            <pc:docMk/>
-            <pc:sldMk cId="3949934018" sldId="1292"/>
-            <ac:spMk id="3" creationId="{00000000-0000-0000-0000-000000000000}"/>
-          </ac:spMkLst>
-        </pc:spChg>
-      </pc:sldChg>
-      <pc:sldChg chg="addSp modSp add mod modAnim">
-        <pc:chgData name="Mike B" userId="5c4bf6a326bf31f5" providerId="LiveId" clId="{CA9E3862-C9B9-4CB0-9634-9A3C92A9E2D3}" dt="2025-02-09T22:47:40.131" v="5411"/>
-        <pc:sldMkLst>
-          <pc:docMk/>
-          <pc:sldMk cId="3294465588" sldId="1293"/>
-        </pc:sldMkLst>
-        <pc:spChg chg="mod">
-          <ac:chgData name="Mike B" userId="5c4bf6a326bf31f5" providerId="LiveId" clId="{CA9E3862-C9B9-4CB0-9634-9A3C92A9E2D3}" dt="2025-02-09T19:29:55.442" v="1655" actId="20577"/>
-          <ac:spMkLst>
-            <pc:docMk/>
-            <pc:sldMk cId="3294465588" sldId="1293"/>
-            <ac:spMk id="2" creationId="{00000000-0000-0000-0000-000000000000}"/>
-          </ac:spMkLst>
-        </pc:spChg>
-        <pc:spChg chg="mod">
-          <ac:chgData name="Mike B" userId="5c4bf6a326bf31f5" providerId="LiveId" clId="{CA9E3862-C9B9-4CB0-9634-9A3C92A9E2D3}" dt="2025-02-09T22:21:19.146" v="3764" actId="404"/>
-          <ac:spMkLst>
-            <pc:docMk/>
-            <pc:sldMk cId="3294465588" sldId="1293"/>
-            <ac:spMk id="3" creationId="{00000000-0000-0000-0000-000000000000}"/>
-          </ac:spMkLst>
-        </pc:spChg>
-        <pc:spChg chg="add mod">
-          <ac:chgData name="Mike B" userId="5c4bf6a326bf31f5" providerId="LiveId" clId="{CA9E3862-C9B9-4CB0-9634-9A3C92A9E2D3}" dt="2025-02-09T22:16:52.717" v="3456" actId="1036"/>
-          <ac:spMkLst>
-            <pc:docMk/>
-            <pc:sldMk cId="3294465588" sldId="1293"/>
-            <ac:spMk id="4" creationId="{C6676B5C-CC1C-B9D0-47DC-69DC834B15DB}"/>
-          </ac:spMkLst>
-        </pc:spChg>
-        <pc:spChg chg="add mod">
-          <ac:chgData name="Mike B" userId="5c4bf6a326bf31f5" providerId="LiveId" clId="{CA9E3862-C9B9-4CB0-9634-9A3C92A9E2D3}" dt="2025-02-09T22:16:52.717" v="3456" actId="1036"/>
-          <ac:spMkLst>
-            <pc:docMk/>
-            <pc:sldMk cId="3294465588" sldId="1293"/>
-            <ac:spMk id="6" creationId="{46FAB627-5928-6AAA-6AA0-9D9AD7CAF1C4}"/>
-          </ac:spMkLst>
-        </pc:spChg>
-      </pc:sldChg>
-      <pc:sldChg chg="addSp modSp add del mod modAnim">
-        <pc:chgData name="Mike B" userId="5c4bf6a326bf31f5" providerId="LiveId" clId="{CA9E3862-C9B9-4CB0-9634-9A3C92A9E2D3}" dt="2025-02-09T22:22:53.008" v="3784" actId="2696"/>
-        <pc:sldMkLst>
-          <pc:docMk/>
-          <pc:sldMk cId="382575988" sldId="1294"/>
-        </pc:sldMkLst>
-        <pc:spChg chg="mod">
-          <ac:chgData name="Mike B" userId="5c4bf6a326bf31f5" providerId="LiveId" clId="{CA9E3862-C9B9-4CB0-9634-9A3C92A9E2D3}" dt="2025-02-09T19:30:02.395" v="1659" actId="20577"/>
-          <ac:spMkLst>
-            <pc:docMk/>
-            <pc:sldMk cId="382575988" sldId="1294"/>
-            <ac:spMk id="2" creationId="{00000000-0000-0000-0000-000000000000}"/>
-          </ac:spMkLst>
-        </pc:spChg>
-        <pc:spChg chg="mod">
-          <ac:chgData name="Mike B" userId="5c4bf6a326bf31f5" providerId="LiveId" clId="{CA9E3862-C9B9-4CB0-9634-9A3C92A9E2D3}" dt="2025-02-09T19:51:16.220" v="2408" actId="20577"/>
-          <ac:spMkLst>
-            <pc:docMk/>
-            <pc:sldMk cId="382575988" sldId="1294"/>
-            <ac:spMk id="3" creationId="{00000000-0000-0000-0000-000000000000}"/>
-          </ac:spMkLst>
-        </pc:spChg>
-        <pc:spChg chg="add mod">
-          <ac:chgData name="Mike B" userId="5c4bf6a326bf31f5" providerId="LiveId" clId="{CA9E3862-C9B9-4CB0-9634-9A3C92A9E2D3}" dt="2025-02-09T19:45:18.079" v="2006" actId="20577"/>
-          <ac:spMkLst>
-            <pc:docMk/>
-            <pc:sldMk cId="382575988" sldId="1294"/>
-            <ac:spMk id="4" creationId="{4701E165-13EA-E50B-A0FC-6CDA04E5AB90}"/>
-          </ac:spMkLst>
-        </pc:spChg>
-      </pc:sldChg>
-      <pc:sldChg chg="modSp add mod modAnim">
-        <pc:chgData name="Mike B" userId="5c4bf6a326bf31f5" providerId="LiveId" clId="{CA9E3862-C9B9-4CB0-9634-9A3C92A9E2D3}" dt="2025-02-09T22:47:57.330" v="5415"/>
-        <pc:sldMkLst>
-          <pc:docMk/>
-          <pc:sldMk cId="3647041996" sldId="1295"/>
-        </pc:sldMkLst>
-        <pc:spChg chg="mod">
-          <ac:chgData name="Mike B" userId="5c4bf6a326bf31f5" providerId="LiveId" clId="{CA9E3862-C9B9-4CB0-9634-9A3C92A9E2D3}" dt="2025-02-09T19:30:12.860" v="1699" actId="20577"/>
-          <ac:spMkLst>
-            <pc:docMk/>
-            <pc:sldMk cId="3647041996" sldId="1295"/>
-            <ac:spMk id="2" creationId="{00000000-0000-0000-0000-000000000000}"/>
-          </ac:spMkLst>
-        </pc:spChg>
-        <pc:spChg chg="mod">
-          <ac:chgData name="Mike B" userId="5c4bf6a326bf31f5" providerId="LiveId" clId="{CA9E3862-C9B9-4CB0-9634-9A3C92A9E2D3}" dt="2025-02-09T19:55:05.717" v="2879" actId="403"/>
-          <ac:spMkLst>
-            <pc:docMk/>
-            <pc:sldMk cId="3647041996" sldId="1295"/>
-            <ac:spMk id="3" creationId="{00000000-0000-0000-0000-000000000000}"/>
-          </ac:spMkLst>
-        </pc:spChg>
-      </pc:sldChg>
-      <pc:sldChg chg="modSp add mod ord modAnim">
-        <pc:chgData name="Mike B" userId="5c4bf6a326bf31f5" providerId="LiveId" clId="{CA9E3862-C9B9-4CB0-9634-9A3C92A9E2D3}" dt="2025-02-09T22:48:06.459" v="5417"/>
-        <pc:sldMkLst>
-          <pc:docMk/>
-          <pc:sldMk cId="2409391132" sldId="1296"/>
-        </pc:sldMkLst>
-        <pc:spChg chg="mod">
-          <ac:chgData name="Mike B" userId="5c4bf6a326bf31f5" providerId="LiveId" clId="{CA9E3862-C9B9-4CB0-9634-9A3C92A9E2D3}" dt="2025-02-09T19:31:06.346" v="1749" actId="20577"/>
-          <ac:spMkLst>
-            <pc:docMk/>
-            <pc:sldMk cId="2409391132" sldId="1296"/>
-            <ac:spMk id="2" creationId="{00000000-0000-0000-0000-000000000000}"/>
-          </ac:spMkLst>
-        </pc:spChg>
-        <pc:spChg chg="mod">
-          <ac:chgData name="Mike B" userId="5c4bf6a326bf31f5" providerId="LiveId" clId="{CA9E3862-C9B9-4CB0-9634-9A3C92A9E2D3}" dt="2025-02-09T22:28:24.204" v="4143" actId="20577"/>
-          <ac:spMkLst>
-            <pc:docMk/>
-            <pc:sldMk cId="2409391132" sldId="1296"/>
-            <ac:spMk id="3" creationId="{00000000-0000-0000-0000-000000000000}"/>
-          </ac:spMkLst>
-        </pc:spChg>
-      </pc:sldChg>
-      <pc:sldChg chg="modSp add mod modAnim">
-        <pc:chgData name="Mike B" userId="5c4bf6a326bf31f5" providerId="LiveId" clId="{CA9E3862-C9B9-4CB0-9634-9A3C92A9E2D3}" dt="2025-02-09T22:48:17.698" v="5420"/>
-        <pc:sldMkLst>
-          <pc:docMk/>
-          <pc:sldMk cId="2529125202" sldId="1297"/>
-        </pc:sldMkLst>
-        <pc:spChg chg="mod">
-          <ac:chgData name="Mike B" userId="5c4bf6a326bf31f5" providerId="LiveId" clId="{CA9E3862-C9B9-4CB0-9634-9A3C92A9E2D3}" dt="2025-02-09T22:31:39.345" v="4149" actId="20577"/>
-          <ac:spMkLst>
-            <pc:docMk/>
-            <pc:sldMk cId="2529125202" sldId="1297"/>
-            <ac:spMk id="2" creationId="{00000000-0000-0000-0000-000000000000}"/>
-          </ac:spMkLst>
-        </pc:spChg>
-        <pc:spChg chg="mod">
-          <ac:chgData name="Mike B" userId="5c4bf6a326bf31f5" providerId="LiveId" clId="{CA9E3862-C9B9-4CB0-9634-9A3C92A9E2D3}" dt="2025-02-09T22:34:13.159" v="4535" actId="403"/>
-          <ac:spMkLst>
-            <pc:docMk/>
-            <pc:sldMk cId="2529125202" sldId="1297"/>
-            <ac:spMk id="3" creationId="{00000000-0000-0000-0000-000000000000}"/>
-          </ac:spMkLst>
-        </pc:spChg>
-      </pc:sldChg>
-      <pc:sldChg chg="addSp modSp add mod modAnim">
-        <pc:chgData name="Mike B" userId="5c4bf6a326bf31f5" providerId="LiveId" clId="{CA9E3862-C9B9-4CB0-9634-9A3C92A9E2D3}" dt="2025-02-09T22:48:57.947" v="5425"/>
-        <pc:sldMkLst>
-          <pc:docMk/>
-          <pc:sldMk cId="2111262421" sldId="1298"/>
-        </pc:sldMkLst>
-        <pc:spChg chg="mod">
-          <ac:chgData name="Mike B" userId="5c4bf6a326bf31f5" providerId="LiveId" clId="{CA9E3862-C9B9-4CB0-9634-9A3C92A9E2D3}" dt="2025-02-09T19:31:51.528" v="1821" actId="20577"/>
-          <ac:spMkLst>
-            <pc:docMk/>
-            <pc:sldMk cId="2111262421" sldId="1298"/>
-            <ac:spMk id="2" creationId="{00000000-0000-0000-0000-000000000000}"/>
-          </ac:spMkLst>
-        </pc:spChg>
-        <pc:spChg chg="mod">
-          <ac:chgData name="Mike B" userId="5c4bf6a326bf31f5" providerId="LiveId" clId="{CA9E3862-C9B9-4CB0-9634-9A3C92A9E2D3}" dt="2025-02-09T22:39:00.843" v="5029" actId="5793"/>
-          <ac:spMkLst>
-            <pc:docMk/>
-            <pc:sldMk cId="2111262421" sldId="1298"/>
-            <ac:spMk id="3" creationId="{00000000-0000-0000-0000-000000000000}"/>
-          </ac:spMkLst>
-        </pc:spChg>
-        <pc:spChg chg="add mod">
-          <ac:chgData name="Mike B" userId="5c4bf6a326bf31f5" providerId="LiveId" clId="{CA9E3862-C9B9-4CB0-9634-9A3C92A9E2D3}" dt="2025-02-09T22:40:16.559" v="5082" actId="1076"/>
-          <ac:spMkLst>
-            <pc:docMk/>
-            <pc:sldMk cId="2111262421" sldId="1298"/>
-            <ac:spMk id="4" creationId="{80D6E680-4D54-97DA-0F99-D20A33ADD02F}"/>
-          </ac:spMkLst>
-        </pc:spChg>
-        <pc:spChg chg="add mod">
-          <ac:chgData name="Mike B" userId="5c4bf6a326bf31f5" providerId="LiveId" clId="{CA9E3862-C9B9-4CB0-9634-9A3C92A9E2D3}" dt="2025-02-09T22:41:23.295" v="5232" actId="20577"/>
-          <ac:spMkLst>
-            <pc:docMk/>
-            <pc:sldMk cId="2111262421" sldId="1298"/>
-            <ac:spMk id="7" creationId="{BA46F3A1-9011-ECAA-7A4A-61AD4D2D0E91}"/>
-          </ac:spMkLst>
-        </pc:spChg>
-      </pc:sldChg>
-      <pc:sldChg chg="modSp add del mod">
-        <pc:chgData name="Mike B" userId="5c4bf6a326bf31f5" providerId="LiveId" clId="{CA9E3862-C9B9-4CB0-9634-9A3C92A9E2D3}" dt="2025-02-09T22:41:54.934" v="5235" actId="2696"/>
-        <pc:sldMkLst>
-          <pc:docMk/>
-          <pc:sldMk cId="3162972403" sldId="1299"/>
-        </pc:sldMkLst>
-        <pc:spChg chg="mod">
-          <ac:chgData name="Mike B" userId="5c4bf6a326bf31f5" providerId="LiveId" clId="{CA9E3862-C9B9-4CB0-9634-9A3C92A9E2D3}" dt="2025-02-09T19:32:02.750" v="1835" actId="20577"/>
-          <ac:spMkLst>
-            <pc:docMk/>
-            <pc:sldMk cId="3162972403" sldId="1299"/>
-            <ac:spMk id="2" creationId="{00000000-0000-0000-0000-000000000000}"/>
-          </ac:spMkLst>
-        </pc:spChg>
-      </pc:sldChg>
-      <pc:sldChg chg="addSp modSp add mod modAnim">
-        <pc:chgData name="Mike B" userId="5c4bf6a326bf31f5" providerId="LiveId" clId="{CA9E3862-C9B9-4CB0-9634-9A3C92A9E2D3}" dt="2025-02-09T23:25:22.683" v="5729"/>
-        <pc:sldMkLst>
-          <pc:docMk/>
-          <pc:sldMk cId="4141790607" sldId="1300"/>
-        </pc:sldMkLst>
-        <pc:spChg chg="mod">
-          <ac:chgData name="Mike B" userId="5c4bf6a326bf31f5" providerId="LiveId" clId="{CA9E3862-C9B9-4CB0-9634-9A3C92A9E2D3}" dt="2025-02-09T19:34:07.330" v="1880" actId="20577"/>
-          <ac:spMkLst>
-            <pc:docMk/>
-            <pc:sldMk cId="4141790607" sldId="1300"/>
-            <ac:spMk id="2" creationId="{00000000-0000-0000-0000-000000000000}"/>
-          </ac:spMkLst>
-        </pc:spChg>
-        <pc:spChg chg="mod">
-          <ac:chgData name="Mike B" userId="5c4bf6a326bf31f5" providerId="LiveId" clId="{CA9E3862-C9B9-4CB0-9634-9A3C92A9E2D3}" dt="2025-02-09T23:25:16.320" v="5728" actId="5793"/>
-          <ac:spMkLst>
-            <pc:docMk/>
-            <pc:sldMk cId="4141790607" sldId="1300"/>
-            <ac:spMk id="3" creationId="{00000000-0000-0000-0000-000000000000}"/>
-          </ac:spMkLst>
-        </pc:spChg>
-        <pc:spChg chg="add mod">
-          <ac:chgData name="Mike B" userId="5c4bf6a326bf31f5" providerId="LiveId" clId="{CA9E3862-C9B9-4CB0-9634-9A3C92A9E2D3}" dt="2025-02-09T23:25:08.586" v="5706" actId="1036"/>
-          <ac:spMkLst>
-            <pc:docMk/>
-            <pc:sldMk cId="4141790607" sldId="1300"/>
-            <ac:spMk id="4" creationId="{7E9EB34D-0BB1-2ACF-D31C-A21C59CCC48A}"/>
-          </ac:spMkLst>
-        </pc:spChg>
-      </pc:sldChg>
-      <pc:sldChg chg="delSp modSp add mod modAnim">
-        <pc:chgData name="Mike B" userId="5c4bf6a326bf31f5" providerId="LiveId" clId="{CA9E3862-C9B9-4CB0-9634-9A3C92A9E2D3}" dt="2025-02-09T22:47:50.677" v="5414"/>
-        <pc:sldMkLst>
-          <pc:docMk/>
-          <pc:sldMk cId="1714629401" sldId="1301"/>
-        </pc:sldMkLst>
-        <pc:spChg chg="mod">
-          <ac:chgData name="Mike B" userId="5c4bf6a326bf31f5" providerId="LiveId" clId="{CA9E3862-C9B9-4CB0-9634-9A3C92A9E2D3}" dt="2025-02-09T22:22:02.713" v="3767" actId="20577"/>
-          <ac:spMkLst>
-            <pc:docMk/>
-            <pc:sldMk cId="1714629401" sldId="1301"/>
-            <ac:spMk id="2" creationId="{00000000-0000-0000-0000-000000000000}"/>
-          </ac:spMkLst>
-        </pc:spChg>
-        <pc:spChg chg="mod">
-          <ac:chgData name="Mike B" userId="5c4bf6a326bf31f5" providerId="LiveId" clId="{CA9E3862-C9B9-4CB0-9634-9A3C92A9E2D3}" dt="2025-02-09T22:23:45.993" v="3886" actId="20577"/>
-          <ac:spMkLst>
-            <pc:docMk/>
-            <pc:sldMk cId="1714629401" sldId="1301"/>
-            <ac:spMk id="3" creationId="{00000000-0000-0000-0000-000000000000}"/>
-          </ac:spMkLst>
-        </pc:spChg>
-        <pc:spChg chg="mod">
-          <ac:chgData name="Mike B" userId="5c4bf6a326bf31f5" providerId="LiveId" clId="{CA9E3862-C9B9-4CB0-9634-9A3C92A9E2D3}" dt="2025-02-09T22:22:49.790" v="3783"/>
-          <ac:spMkLst>
-            <pc:docMk/>
-            <pc:sldMk cId="1714629401" sldId="1301"/>
-            <ac:spMk id="4" creationId="{C6676B5C-CC1C-B9D0-47DC-69DC834B15DB}"/>
-          </ac:spMkLst>
-        </pc:spChg>
-        <pc:spChg chg="del mod">
-          <ac:chgData name="Mike B" userId="5c4bf6a326bf31f5" providerId="LiveId" clId="{CA9E3862-C9B9-4CB0-9634-9A3C92A9E2D3}" dt="2025-02-09T22:22:40.774" v="3779" actId="478"/>
-          <ac:spMkLst>
-            <pc:docMk/>
-            <pc:sldMk cId="1714629401" sldId="1301"/>
-            <ac:spMk id="6" creationId="{46FAB627-5928-6AAA-6AA0-9D9AD7CAF1C4}"/>
-          </ac:spMkLst>
-        </pc:spChg>
-      </pc:sldChg>
-      <pc:sldChg chg="modSp add mod modAnim">
-        <pc:chgData name="Mike B" userId="5c4bf6a326bf31f5" providerId="LiveId" clId="{CA9E3862-C9B9-4CB0-9634-9A3C92A9E2D3}" dt="2025-02-09T22:49:18.911" v="5428"/>
-        <pc:sldMkLst>
-          <pc:docMk/>
-          <pc:sldMk cId="897715183" sldId="1302"/>
-        </pc:sldMkLst>
-        <pc:spChg chg="mod">
-          <ac:chgData name="Mike B" userId="5c4bf6a326bf31f5" providerId="LiveId" clId="{CA9E3862-C9B9-4CB0-9634-9A3C92A9E2D3}" dt="2025-02-09T22:41:51.481" v="5234"/>
-          <ac:spMkLst>
-            <pc:docMk/>
-            <pc:sldMk cId="897715183" sldId="1302"/>
-            <ac:spMk id="2" creationId="{00000000-0000-0000-0000-000000000000}"/>
-          </ac:spMkLst>
-        </pc:spChg>
-        <pc:spChg chg="mod">
-          <ac:chgData name="Mike B" userId="5c4bf6a326bf31f5" providerId="LiveId" clId="{CA9E3862-C9B9-4CB0-9634-9A3C92A9E2D3}" dt="2025-02-09T22:45:33.072" v="5394" actId="20577"/>
-          <ac:spMkLst>
-            <pc:docMk/>
-            <pc:sldMk cId="897715183" sldId="1302"/>
-            <ac:spMk id="3" creationId="{00000000-0000-0000-0000-000000000000}"/>
-          </ac:spMkLst>
-        </pc:spChg>
-        <pc:spChg chg="mod">
-          <ac:chgData name="Mike B" userId="5c4bf6a326bf31f5" providerId="LiveId" clId="{CA9E3862-C9B9-4CB0-9634-9A3C92A9E2D3}" dt="2025-02-09T22:45:36.592" v="5399" actId="1035"/>
-          <ac:spMkLst>
-            <pc:docMk/>
-            <pc:sldMk cId="897715183" sldId="1302"/>
-            <ac:spMk id="4" creationId="{80D6E680-4D54-97DA-0F99-D20A33ADD02F}"/>
-          </ac:spMkLst>
-        </pc:spChg>
-        <pc:spChg chg="mod">
-          <ac:chgData name="Mike B" userId="5c4bf6a326bf31f5" providerId="LiveId" clId="{CA9E3862-C9B9-4CB0-9634-9A3C92A9E2D3}" dt="2025-02-09T22:43:36.913" v="5336" actId="20577"/>
-          <ac:spMkLst>
-            <pc:docMk/>
-            <pc:sldMk cId="897715183" sldId="1302"/>
-            <ac:spMk id="7" creationId="{BA46F3A1-9011-ECAA-7A4A-61AD4D2D0E91}"/>
-          </ac:spMkLst>
-        </pc:spChg>
-      </pc:sldChg>
-    </pc:docChg>
-  </pc:docChgLst>
-  <pc:docChgLst>
-    <pc:chgData name="Mike B" userId="5c4bf6a326bf31f5" providerId="LiveId" clId="{5474326C-47B7-4F19-AE21-DC1CDA7C4ACC}"/>
-    <pc:docChg chg="undo custSel addSld delSld modSld sldOrd">
-      <pc:chgData name="Mike B" userId="5c4bf6a326bf31f5" providerId="LiveId" clId="{5474326C-47B7-4F19-AE21-DC1CDA7C4ACC}" dt="2021-02-15T05:33:39.983" v="7117" actId="47"/>
-      <pc:docMkLst>
-        <pc:docMk/>
-      </pc:docMkLst>
-      <pc:sldChg chg="addSp delSp modSp mod">
-        <pc:chgData name="Mike B" userId="5c4bf6a326bf31f5" providerId="LiveId" clId="{5474326C-47B7-4F19-AE21-DC1CDA7C4ACC}" dt="2021-02-15T01:18:22.249" v="1243" actId="1035"/>
-        <pc:sldMkLst>
-          <pc:docMk/>
-          <pc:sldMk cId="0" sldId="256"/>
-        </pc:sldMkLst>
-        <pc:spChg chg="mod">
-          <ac:chgData name="Mike B" userId="5c4bf6a326bf31f5" providerId="LiveId" clId="{5474326C-47B7-4F19-AE21-DC1CDA7C4ACC}" dt="2021-02-15T01:18:12.126" v="1232" actId="1076"/>
-          <ac:spMkLst>
-            <pc:docMk/>
-            <pc:sldMk cId="0" sldId="256"/>
-            <ac:spMk id="2050" creationId="{00000000-0000-0000-0000-000000000000}"/>
-          </ac:spMkLst>
-        </pc:spChg>
-        <pc:spChg chg="mod">
-          <ac:chgData name="Mike B" userId="5c4bf6a326bf31f5" providerId="LiveId" clId="{5474326C-47B7-4F19-AE21-DC1CDA7C4ACC}" dt="2021-02-15T01:18:22.249" v="1243" actId="1035"/>
-          <ac:spMkLst>
-            <pc:docMk/>
-            <pc:sldMk cId="0" sldId="256"/>
-            <ac:spMk id="2051" creationId="{00000000-0000-0000-0000-000000000000}"/>
-          </ac:spMkLst>
-        </pc:spChg>
-        <pc:picChg chg="del">
-          <ac:chgData name="Mike B" userId="5c4bf6a326bf31f5" providerId="LiveId" clId="{5474326C-47B7-4F19-AE21-DC1CDA7C4ACC}" dt="2021-02-14T18:25:43.093" v="30" actId="478"/>
-          <ac:picMkLst>
-            <pc:docMk/>
-            <pc:sldMk cId="0" sldId="256"/>
-            <ac:picMk id="2" creationId="{8CB9F1A3-C69F-4449-9172-D3D2A61AAF3E}"/>
-          </ac:picMkLst>
-        </pc:picChg>
-        <pc:picChg chg="add mod">
-          <ac:chgData name="Mike B" userId="5c4bf6a326bf31f5" providerId="LiveId" clId="{5474326C-47B7-4F19-AE21-DC1CDA7C4ACC}" dt="2021-02-15T01:18:18.167" v="1233" actId="1076"/>
-          <ac:picMkLst>
-            <pc:docMk/>
-            <pc:sldMk cId="0" sldId="256"/>
-            <ac:picMk id="1026" creationId="{F7CA50F3-6B84-436F-9841-37B8A8433136}"/>
-          </ac:picMkLst>
-        </pc:picChg>
-      </pc:sldChg>
-      <pc:sldChg chg="del">
-        <pc:chgData name="Mike B" userId="5c4bf6a326bf31f5" providerId="LiveId" clId="{5474326C-47B7-4F19-AE21-DC1CDA7C4ACC}" dt="2021-02-15T00:32:27.031" v="365" actId="2696"/>
-        <pc:sldMkLst>
-          <pc:docMk/>
-          <pc:sldMk cId="0" sldId="258"/>
-        </pc:sldMkLst>
-      </pc:sldChg>
-      <pc:sldChg chg="del">
-        <pc:chgData name="Mike B" userId="5c4bf6a326bf31f5" providerId="LiveId" clId="{5474326C-47B7-4F19-AE21-DC1CDA7C4ACC}" dt="2021-02-15T00:32:27.031" v="365" actId="2696"/>
-        <pc:sldMkLst>
-          <pc:docMk/>
-          <pc:sldMk cId="0" sldId="259"/>
-        </pc:sldMkLst>
-      </pc:sldChg>
-      <pc:sldChg chg="del">
-        <pc:chgData name="Mike B" userId="5c4bf6a326bf31f5" providerId="LiveId" clId="{5474326C-47B7-4F19-AE21-DC1CDA7C4ACC}" dt="2021-02-15T00:32:27.031" v="365" actId="2696"/>
-        <pc:sldMkLst>
-          <pc:docMk/>
-          <pc:sldMk cId="0" sldId="260"/>
-        </pc:sldMkLst>
-      </pc:sldChg>
-      <pc:sldChg chg="del">
-        <pc:chgData name="Mike B" userId="5c4bf6a326bf31f5" providerId="LiveId" clId="{5474326C-47B7-4F19-AE21-DC1CDA7C4ACC}" dt="2021-02-15T00:32:27.031" v="365" actId="2696"/>
-        <pc:sldMkLst>
-          <pc:docMk/>
-          <pc:sldMk cId="0" sldId="286"/>
-        </pc:sldMkLst>
-      </pc:sldChg>
-      <pc:sldChg chg="modSp mod">
-        <pc:chgData name="Mike B" userId="5c4bf6a326bf31f5" providerId="LiveId" clId="{5474326C-47B7-4F19-AE21-DC1CDA7C4ACC}" dt="2021-02-15T01:28:00.394" v="1494" actId="113"/>
-        <pc:sldMkLst>
-          <pc:docMk/>
-          <pc:sldMk cId="0" sldId="287"/>
-        </pc:sldMkLst>
-        <pc:spChg chg="mod">
-          <ac:chgData name="Mike B" userId="5c4bf6a326bf31f5" providerId="LiveId" clId="{5474326C-47B7-4F19-AE21-DC1CDA7C4ACC}" dt="2021-02-15T01:28:00.394" v="1494" actId="113"/>
-          <ac:spMkLst>
-            <pc:docMk/>
-            <pc:sldMk cId="0" sldId="287"/>
-            <ac:spMk id="119811" creationId="{00000000-0000-0000-0000-000000000000}"/>
-          </ac:spMkLst>
-        </pc:spChg>
-      </pc:sldChg>
-      <pc:sldChg chg="del">
-        <pc:chgData name="Mike B" userId="5c4bf6a326bf31f5" providerId="LiveId" clId="{5474326C-47B7-4F19-AE21-DC1CDA7C4ACC}" dt="2021-02-15T00:32:27.031" v="365" actId="2696"/>
-        <pc:sldMkLst>
-          <pc:docMk/>
-          <pc:sldMk cId="0" sldId="289"/>
-        </pc:sldMkLst>
-      </pc:sldChg>
-      <pc:sldChg chg="del">
-        <pc:chgData name="Mike B" userId="5c4bf6a326bf31f5" providerId="LiveId" clId="{5474326C-47B7-4F19-AE21-DC1CDA7C4ACC}" dt="2021-02-15T00:32:27.031" v="365" actId="2696"/>
-        <pc:sldMkLst>
-          <pc:docMk/>
-          <pc:sldMk cId="0" sldId="314"/>
-        </pc:sldMkLst>
-      </pc:sldChg>
-      <pc:sldChg chg="del">
-        <pc:chgData name="Mike B" userId="5c4bf6a326bf31f5" providerId="LiveId" clId="{5474326C-47B7-4F19-AE21-DC1CDA7C4ACC}" dt="2021-02-15T00:32:27.031" v="365" actId="2696"/>
-        <pc:sldMkLst>
-          <pc:docMk/>
-          <pc:sldMk cId="0" sldId="315"/>
-        </pc:sldMkLst>
-      </pc:sldChg>
-      <pc:sldChg chg="modSp mod">
-        <pc:chgData name="Mike B" userId="5c4bf6a326bf31f5" providerId="LiveId" clId="{5474326C-47B7-4F19-AE21-DC1CDA7C4ACC}" dt="2021-02-15T05:02:40.737" v="5831" actId="20577"/>
-        <pc:sldMkLst>
-          <pc:docMk/>
-          <pc:sldMk cId="1782408873" sldId="342"/>
-        </pc:sldMkLst>
-        <pc:spChg chg="mod">
-          <ac:chgData name="Mike B" userId="5c4bf6a326bf31f5" providerId="LiveId" clId="{5474326C-47B7-4F19-AE21-DC1CDA7C4ACC}" dt="2021-02-15T05:02:40.737" v="5831" actId="20577"/>
-          <ac:spMkLst>
-            <pc:docMk/>
-            <pc:sldMk cId="1782408873" sldId="342"/>
-            <ac:spMk id="3" creationId="{00000000-0000-0000-0000-000000000000}"/>
-          </ac:spMkLst>
-        </pc:spChg>
-        <pc:spChg chg="mod">
-          <ac:chgData name="Mike B" userId="5c4bf6a326bf31f5" providerId="LiveId" clId="{5474326C-47B7-4F19-AE21-DC1CDA7C4ACC}" dt="2021-02-15T00:32:02.645" v="362" actId="20577"/>
-          <ac:spMkLst>
-            <pc:docMk/>
-            <pc:sldMk cId="1782408873" sldId="342"/>
-            <ac:spMk id="4" creationId="{00000000-0000-0000-0000-000000000000}"/>
-          </ac:spMkLst>
-        </pc:spChg>
-      </pc:sldChg>
-      <pc:sldChg chg="del">
-        <pc:chgData name="Mike B" userId="5c4bf6a326bf31f5" providerId="LiveId" clId="{5474326C-47B7-4F19-AE21-DC1CDA7C4ACC}" dt="2021-02-15T00:32:27.031" v="365" actId="2696"/>
-        <pc:sldMkLst>
-          <pc:docMk/>
-          <pc:sldMk cId="1183369332" sldId="343"/>
-        </pc:sldMkLst>
-      </pc:sldChg>
-      <pc:sldChg chg="del">
-        <pc:chgData name="Mike B" userId="5c4bf6a326bf31f5" providerId="LiveId" clId="{5474326C-47B7-4F19-AE21-DC1CDA7C4ACC}" dt="2021-02-15T00:31:44.297" v="294" actId="47"/>
-        <pc:sldMkLst>
-          <pc:docMk/>
-          <pc:sldMk cId="3084806832" sldId="344"/>
-        </pc:sldMkLst>
-      </pc:sldChg>
-      <pc:sldChg chg="del">
-        <pc:chgData name="Mike B" userId="5c4bf6a326bf31f5" providerId="LiveId" clId="{5474326C-47B7-4F19-AE21-DC1CDA7C4ACC}" dt="2021-02-15T00:32:27.031" v="365" actId="2696"/>
-        <pc:sldMkLst>
-          <pc:docMk/>
-          <pc:sldMk cId="2010948640" sldId="345"/>
-        </pc:sldMkLst>
-      </pc:sldChg>
-      <pc:sldChg chg="del">
-        <pc:chgData name="Mike B" userId="5c4bf6a326bf31f5" providerId="LiveId" clId="{5474326C-47B7-4F19-AE21-DC1CDA7C4ACC}" dt="2021-02-15T00:32:43.659" v="366" actId="2696"/>
-        <pc:sldMkLst>
-          <pc:docMk/>
-          <pc:sldMk cId="3488452319" sldId="346"/>
-        </pc:sldMkLst>
-      </pc:sldChg>
-      <pc:sldChg chg="del">
-        <pc:chgData name="Mike B" userId="5c4bf6a326bf31f5" providerId="LiveId" clId="{5474326C-47B7-4F19-AE21-DC1CDA7C4ACC}" dt="2021-02-15T00:32:43.659" v="366" actId="2696"/>
-        <pc:sldMkLst>
-          <pc:docMk/>
-          <pc:sldMk cId="3867550512" sldId="347"/>
-        </pc:sldMkLst>
-      </pc:sldChg>
-      <pc:sldChg chg="del">
-        <pc:chgData name="Mike B" userId="5c4bf6a326bf31f5" providerId="LiveId" clId="{5474326C-47B7-4F19-AE21-DC1CDA7C4ACC}" dt="2021-02-15T00:32:43.659" v="366" actId="2696"/>
-        <pc:sldMkLst>
-          <pc:docMk/>
-          <pc:sldMk cId="1838634856" sldId="348"/>
-        </pc:sldMkLst>
-      </pc:sldChg>
-      <pc:sldChg chg="del">
-        <pc:chgData name="Mike B" userId="5c4bf6a326bf31f5" providerId="LiveId" clId="{5474326C-47B7-4F19-AE21-DC1CDA7C4ACC}" dt="2021-02-15T00:32:43.659" v="366" actId="2696"/>
-        <pc:sldMkLst>
-          <pc:docMk/>
-          <pc:sldMk cId="3846588128" sldId="349"/>
-        </pc:sldMkLst>
-      </pc:sldChg>
-      <pc:sldChg chg="del">
-        <pc:chgData name="Mike B" userId="5c4bf6a326bf31f5" providerId="LiveId" clId="{5474326C-47B7-4F19-AE21-DC1CDA7C4ACC}" dt="2021-02-15T00:33:16.501" v="368" actId="47"/>
-        <pc:sldMkLst>
-          <pc:docMk/>
-          <pc:sldMk cId="2437259987" sldId="350"/>
-        </pc:sldMkLst>
-      </pc:sldChg>
-      <pc:sldChg chg="addSp modSp mod ord">
-        <pc:chgData name="Mike B" userId="5c4bf6a326bf31f5" providerId="LiveId" clId="{5474326C-47B7-4F19-AE21-DC1CDA7C4ACC}" dt="2021-02-15T02:41:58.119" v="2217"/>
-        <pc:sldMkLst>
-          <pc:docMk/>
-          <pc:sldMk cId="1325281248" sldId="351"/>
-        </pc:sldMkLst>
-        <pc:spChg chg="mod">
-          <ac:chgData name="Mike B" userId="5c4bf6a326bf31f5" providerId="LiveId" clId="{5474326C-47B7-4F19-AE21-DC1CDA7C4ACC}" dt="2021-02-15T01:31:33.537" v="1545" actId="20577"/>
-          <ac:spMkLst>
-            <pc:docMk/>
-            <pc:sldMk cId="1325281248" sldId="351"/>
-            <ac:spMk id="118786" creationId="{00000000-0000-0000-0000-000000000000}"/>
-          </ac:spMkLst>
-        </pc:spChg>
-        <pc:spChg chg="mod">
-          <ac:chgData name="Mike B" userId="5c4bf6a326bf31f5" providerId="LiveId" clId="{5474326C-47B7-4F19-AE21-DC1CDA7C4ACC}" dt="2021-02-15T01:32:02.619" v="1552" actId="33524"/>
-          <ac:spMkLst>
-            <pc:docMk/>
-            <pc:sldMk cId="1325281248" sldId="351"/>
-            <ac:spMk id="118787" creationId="{00000000-0000-0000-0000-000000000000}"/>
-          </ac:spMkLst>
-        </pc:spChg>
-        <pc:picChg chg="add mod">
-          <ac:chgData name="Mike B" userId="5c4bf6a326bf31f5" providerId="LiveId" clId="{5474326C-47B7-4F19-AE21-DC1CDA7C4ACC}" dt="2021-02-15T01:32:17.222" v="1554" actId="1076"/>
-          <ac:picMkLst>
-            <pc:docMk/>
-            <pc:sldMk cId="1325281248" sldId="351"/>
-            <ac:picMk id="4" creationId="{53D3FC98-1CD3-49DC-8006-ECB56B39996E}"/>
-          </ac:picMkLst>
-        </pc:picChg>
-      </pc:sldChg>
-      <pc:sldChg chg="del">
-        <pc:chgData name="Mike B" userId="5c4bf6a326bf31f5" providerId="LiveId" clId="{5474326C-47B7-4F19-AE21-DC1CDA7C4ACC}" dt="2021-02-15T00:32:43.659" v="366" actId="2696"/>
-        <pc:sldMkLst>
-          <pc:docMk/>
-          <pc:sldMk cId="1009829887" sldId="352"/>
-        </pc:sldMkLst>
-      </pc:sldChg>
-      <pc:sldChg chg="del">
-        <pc:chgData name="Mike B" userId="5c4bf6a326bf31f5" providerId="LiveId" clId="{5474326C-47B7-4F19-AE21-DC1CDA7C4ACC}" dt="2021-02-15T00:32:43.659" v="366" actId="2696"/>
-        <pc:sldMkLst>
-          <pc:docMk/>
-          <pc:sldMk cId="4231128118" sldId="353"/>
-        </pc:sldMkLst>
-      </pc:sldChg>
-      <pc:sldChg chg="del">
-        <pc:chgData name="Mike B" userId="5c4bf6a326bf31f5" providerId="LiveId" clId="{5474326C-47B7-4F19-AE21-DC1CDA7C4ACC}" dt="2021-02-15T00:33:11.293" v="367" actId="2696"/>
-        <pc:sldMkLst>
-          <pc:docMk/>
-          <pc:sldMk cId="1264676594" sldId="354"/>
-        </pc:sldMkLst>
-      </pc:sldChg>
-      <pc:sldChg chg="del">
-        <pc:chgData name="Mike B" userId="5c4bf6a326bf31f5" providerId="LiveId" clId="{5474326C-47B7-4F19-AE21-DC1CDA7C4ACC}" dt="2021-02-15T00:33:11.293" v="367" actId="2696"/>
-        <pc:sldMkLst>
-          <pc:docMk/>
-          <pc:sldMk cId="1206764417" sldId="355"/>
-        </pc:sldMkLst>
-      </pc:sldChg>
-      <pc:sldChg chg="del">
-        <pc:chgData name="Mike B" userId="5c4bf6a326bf31f5" providerId="LiveId" clId="{5474326C-47B7-4F19-AE21-DC1CDA7C4ACC}" dt="2021-02-15T00:33:11.293" v="367" actId="2696"/>
-        <pc:sldMkLst>
-          <pc:docMk/>
-          <pc:sldMk cId="961794258" sldId="356"/>
-        </pc:sldMkLst>
-      </pc:sldChg>
-      <pc:sldChg chg="del">
-        <pc:chgData name="Mike B" userId="5c4bf6a326bf31f5" providerId="LiveId" clId="{5474326C-47B7-4F19-AE21-DC1CDA7C4ACC}" dt="2021-02-15T00:33:11.293" v="367" actId="2696"/>
-        <pc:sldMkLst>
-          <pc:docMk/>
-          <pc:sldMk cId="796462156" sldId="357"/>
-        </pc:sldMkLst>
-      </pc:sldChg>
-      <pc:sldChg chg="del">
-        <pc:chgData name="Mike B" userId="5c4bf6a326bf31f5" providerId="LiveId" clId="{5474326C-47B7-4F19-AE21-DC1CDA7C4ACC}" dt="2021-02-15T00:33:11.293" v="367" actId="2696"/>
-        <pc:sldMkLst>
-          <pc:docMk/>
-          <pc:sldMk cId="493414955" sldId="358"/>
-        </pc:sldMkLst>
-      </pc:sldChg>
-      <pc:sldChg chg="del">
-        <pc:chgData name="Mike B" userId="5c4bf6a326bf31f5" providerId="LiveId" clId="{5474326C-47B7-4F19-AE21-DC1CDA7C4ACC}" dt="2021-02-15T01:35:22" v="1555" actId="47"/>
-        <pc:sldMkLst>
-          <pc:docMk/>
-          <pc:sldMk cId="2010995209" sldId="359"/>
-        </pc:sldMkLst>
-      </pc:sldChg>
-      <pc:sldChg chg="modSp add mod">
-        <pc:chgData name="Mike B" userId="5c4bf6a326bf31f5" providerId="LiveId" clId="{5474326C-47B7-4F19-AE21-DC1CDA7C4ACC}" dt="2021-02-15T01:57:28.527" v="1976"/>
-        <pc:sldMkLst>
-          <pc:docMk/>
-          <pc:sldMk cId="529469595" sldId="360"/>
-        </pc:sldMkLst>
-        <pc:spChg chg="mod">
-          <ac:chgData name="Mike B" userId="5c4bf6a326bf31f5" providerId="LiveId" clId="{5474326C-47B7-4F19-AE21-DC1CDA7C4ACC}" dt="2021-02-15T01:57:28.527" v="1976"/>
-          <ac:spMkLst>
-            <pc:docMk/>
-            <pc:sldMk cId="529469595" sldId="360"/>
-            <ac:spMk id="3" creationId="{00000000-0000-0000-0000-000000000000}"/>
-          </ac:spMkLst>
-        </pc:spChg>
-        <pc:spChg chg="mod">
-          <ac:chgData name="Mike B" userId="5c4bf6a326bf31f5" providerId="LiveId" clId="{5474326C-47B7-4F19-AE21-DC1CDA7C4ACC}" dt="2021-02-15T00:51:22.522" v="667" actId="20577"/>
-          <ac:spMkLst>
-            <pc:docMk/>
-            <pc:sldMk cId="529469595" sldId="360"/>
-            <ac:spMk id="4" creationId="{00000000-0000-0000-0000-000000000000}"/>
-          </ac:spMkLst>
-        </pc:spChg>
-      </pc:sldChg>
-      <pc:sldChg chg="add">
-        <pc:chgData name="Mike B" userId="5c4bf6a326bf31f5" providerId="LiveId" clId="{5474326C-47B7-4F19-AE21-DC1CDA7C4ACC}" dt="2021-02-15T00:53:10.873" v="781"/>
-        <pc:sldMkLst>
-          <pc:docMk/>
-          <pc:sldMk cId="3710951061" sldId="361"/>
-        </pc:sldMkLst>
-      </pc:sldChg>
-      <pc:sldChg chg="modSp add mod">
-        <pc:chgData name="Mike B" userId="5c4bf6a326bf31f5" providerId="LiveId" clId="{5474326C-47B7-4F19-AE21-DC1CDA7C4ACC}" dt="2021-02-15T00:54:11.254" v="811" actId="20577"/>
-        <pc:sldMkLst>
-          <pc:docMk/>
-          <pc:sldMk cId="2210892669" sldId="362"/>
-        </pc:sldMkLst>
-        <pc:spChg chg="mod">
-          <ac:chgData name="Mike B" userId="5c4bf6a326bf31f5" providerId="LiveId" clId="{5474326C-47B7-4F19-AE21-DC1CDA7C4ACC}" dt="2021-02-15T00:53:59.513" v="798"/>
-          <ac:spMkLst>
-            <pc:docMk/>
-            <pc:sldMk cId="2210892669" sldId="362"/>
-            <ac:spMk id="118786" creationId="{00000000-0000-0000-0000-000000000000}"/>
-          </ac:spMkLst>
-        </pc:spChg>
-        <pc:spChg chg="mod">
-          <ac:chgData name="Mike B" userId="5c4bf6a326bf31f5" providerId="LiveId" clId="{5474326C-47B7-4F19-AE21-DC1CDA7C4ACC}" dt="2021-02-15T00:54:11.254" v="811" actId="20577"/>
-          <ac:spMkLst>
-            <pc:docMk/>
-            <pc:sldMk cId="2210892669" sldId="362"/>
-            <ac:spMk id="118787" creationId="{00000000-0000-0000-0000-000000000000}"/>
-          </ac:spMkLst>
-        </pc:spChg>
-      </pc:sldChg>
-      <pc:sldChg chg="modSp add">
-        <pc:chgData name="Mike B" userId="5c4bf6a326bf31f5" providerId="LiveId" clId="{5474326C-47B7-4F19-AE21-DC1CDA7C4ACC}" dt="2021-02-15T00:54:41.777" v="814"/>
-        <pc:sldMkLst>
-          <pc:docMk/>
-          <pc:sldMk cId="3293972471" sldId="363"/>
-        </pc:sldMkLst>
-        <pc:spChg chg="mod">
-          <ac:chgData name="Mike B" userId="5c4bf6a326bf31f5" providerId="LiveId" clId="{5474326C-47B7-4F19-AE21-DC1CDA7C4ACC}" dt="2021-02-15T00:54:33.075" v="813"/>
-          <ac:spMkLst>
-            <pc:docMk/>
-            <pc:sldMk cId="3293972471" sldId="363"/>
-            <ac:spMk id="118786" creationId="{00000000-0000-0000-0000-000000000000}"/>
-          </ac:spMkLst>
-        </pc:spChg>
-        <pc:spChg chg="mod">
-          <ac:chgData name="Mike B" userId="5c4bf6a326bf31f5" providerId="LiveId" clId="{5474326C-47B7-4F19-AE21-DC1CDA7C4ACC}" dt="2021-02-15T00:54:41.777" v="814"/>
-          <ac:spMkLst>
-            <pc:docMk/>
-            <pc:sldMk cId="3293972471" sldId="363"/>
-            <ac:spMk id="118787" creationId="{00000000-0000-0000-0000-000000000000}"/>
-          </ac:spMkLst>
-        </pc:spChg>
-      </pc:sldChg>
-      <pc:sldChg chg="addSp delSp modSp add mod">
-        <pc:chgData name="Mike B" userId="5c4bf6a326bf31f5" providerId="LiveId" clId="{5474326C-47B7-4F19-AE21-DC1CDA7C4ACC}" dt="2021-02-15T01:03:43.859" v="884" actId="1076"/>
-        <pc:sldMkLst>
-          <pc:docMk/>
-          <pc:sldMk cId="1212003084" sldId="364"/>
-        </pc:sldMkLst>
-        <pc:spChg chg="mod">
-          <ac:chgData name="Mike B" userId="5c4bf6a326bf31f5" providerId="LiveId" clId="{5474326C-47B7-4F19-AE21-DC1CDA7C4ACC}" dt="2021-02-15T00:55:03.534" v="816"/>
-          <ac:spMkLst>
-            <pc:docMk/>
-            <pc:sldMk cId="1212003084" sldId="364"/>
-            <ac:spMk id="118786" creationId="{00000000-0000-0000-0000-000000000000}"/>
-          </ac:spMkLst>
-        </pc:spChg>
-        <pc:spChg chg="del mod">
-          <ac:chgData name="Mike B" userId="5c4bf6a326bf31f5" providerId="LiveId" clId="{5474326C-47B7-4F19-AE21-DC1CDA7C4ACC}" dt="2021-02-15T00:55:12.501" v="818" actId="478"/>
-          <ac:spMkLst>
-            <pc:docMk/>
-            <pc:sldMk cId="1212003084" sldId="364"/>
-            <ac:spMk id="118787" creationId="{00000000-0000-0000-0000-000000000000}"/>
-          </ac:spMkLst>
-        </pc:spChg>
-        <pc:picChg chg="add mod">
-          <ac:chgData name="Mike B" userId="5c4bf6a326bf31f5" providerId="LiveId" clId="{5474326C-47B7-4F19-AE21-DC1CDA7C4ACC}" dt="2021-02-15T01:03:43.859" v="884" actId="1076"/>
-          <ac:picMkLst>
-            <pc:docMk/>
-            <pc:sldMk cId="1212003084" sldId="364"/>
-            <ac:picMk id="4" creationId="{69214D0D-38FB-4DCD-9E03-BA28B18D7928}"/>
-          </ac:picMkLst>
-        </pc:picChg>
-      </pc:sldChg>
-      <pc:sldChg chg="addSp modSp add mod ord">
-        <pc:chgData name="Mike B" userId="5c4bf6a326bf31f5" providerId="LiveId" clId="{5474326C-47B7-4F19-AE21-DC1CDA7C4ACC}" dt="2021-02-15T00:56:11.958" v="831" actId="14100"/>
-        <pc:sldMkLst>
-          <pc:docMk/>
-          <pc:sldMk cId="3484477403" sldId="365"/>
-        </pc:sldMkLst>
-        <pc:spChg chg="mod">
-          <ac:chgData name="Mike B" userId="5c4bf6a326bf31f5" providerId="LiveId" clId="{5474326C-47B7-4F19-AE21-DC1CDA7C4ACC}" dt="2021-02-15T00:55:41.465" v="825"/>
-          <ac:spMkLst>
-            <pc:docMk/>
-            <pc:sldMk cId="3484477403" sldId="365"/>
-            <ac:spMk id="118786" creationId="{00000000-0000-0000-0000-000000000000}"/>
-          </ac:spMkLst>
-        </pc:spChg>
-        <pc:spChg chg="mod">
-          <ac:chgData name="Mike B" userId="5c4bf6a326bf31f5" providerId="LiveId" clId="{5474326C-47B7-4F19-AE21-DC1CDA7C4ACC}" dt="2021-02-15T00:56:11.958" v="831" actId="14100"/>
-          <ac:spMkLst>
-            <pc:docMk/>
-            <pc:sldMk cId="3484477403" sldId="365"/>
-            <ac:spMk id="118787" creationId="{00000000-0000-0000-0000-000000000000}"/>
-          </ac:spMkLst>
-        </pc:spChg>
-        <pc:picChg chg="add mod">
-          <ac:chgData name="Mike B" userId="5c4bf6a326bf31f5" providerId="LiveId" clId="{5474326C-47B7-4F19-AE21-DC1CDA7C4ACC}" dt="2021-02-15T00:55:57.849" v="829" actId="1076"/>
-          <ac:picMkLst>
-            <pc:docMk/>
-            <pc:sldMk cId="3484477403" sldId="365"/>
-            <ac:picMk id="4" creationId="{A84F97F6-E866-450F-9169-2B6B01E0AA42}"/>
-          </ac:picMkLst>
-        </pc:picChg>
-      </pc:sldChg>
-      <pc:sldChg chg="modSp add mod ord">
-        <pc:chgData name="Mike B" userId="5c4bf6a326bf31f5" providerId="LiveId" clId="{5474326C-47B7-4F19-AE21-DC1CDA7C4ACC}" dt="2021-02-15T01:21:16.461" v="1269" actId="113"/>
-        <pc:sldMkLst>
-          <pc:docMk/>
-          <pc:sldMk cId="2858190658" sldId="366"/>
-        </pc:sldMkLst>
-        <pc:spChg chg="mod">
-          <ac:chgData name="Mike B" userId="5c4bf6a326bf31f5" providerId="LiveId" clId="{5474326C-47B7-4F19-AE21-DC1CDA7C4ACC}" dt="2021-02-15T00:58:03.824" v="841" actId="20577"/>
-          <ac:spMkLst>
-            <pc:docMk/>
-            <pc:sldMk cId="2858190658" sldId="366"/>
-            <ac:spMk id="118786" creationId="{00000000-0000-0000-0000-000000000000}"/>
-          </ac:spMkLst>
-        </pc:spChg>
-        <pc:spChg chg="mod">
-          <ac:chgData name="Mike B" userId="5c4bf6a326bf31f5" providerId="LiveId" clId="{5474326C-47B7-4F19-AE21-DC1CDA7C4ACC}" dt="2021-02-15T01:21:16.461" v="1269" actId="113"/>
-          <ac:spMkLst>
-            <pc:docMk/>
-            <pc:sldMk cId="2858190658" sldId="366"/>
-            <ac:spMk id="118787" creationId="{00000000-0000-0000-0000-000000000000}"/>
-          </ac:spMkLst>
-        </pc:spChg>
-      </pc:sldChg>
-      <pc:sldChg chg="modSp add mod modAnim">
-        <pc:chgData name="Mike B" userId="5c4bf6a326bf31f5" providerId="LiveId" clId="{5474326C-47B7-4F19-AE21-DC1CDA7C4ACC}" dt="2021-02-15T01:15:20.658" v="1209"/>
-        <pc:sldMkLst>
-          <pc:docMk/>
-          <pc:sldMk cId="451094880" sldId="367"/>
-        </pc:sldMkLst>
-        <pc:spChg chg="mod">
-          <ac:chgData name="Mike B" userId="5c4bf6a326bf31f5" providerId="LiveId" clId="{5474326C-47B7-4F19-AE21-DC1CDA7C4ACC}" dt="2021-02-15T00:58:52.838" v="852" actId="20577"/>
-          <ac:spMkLst>
-            <pc:docMk/>
-            <pc:sldMk cId="451094880" sldId="367"/>
-            <ac:spMk id="118786" creationId="{00000000-0000-0000-0000-000000000000}"/>
-          </ac:spMkLst>
-        </pc:spChg>
-        <pc:spChg chg="mod">
-          <ac:chgData name="Mike B" userId="5c4bf6a326bf31f5" providerId="LiveId" clId="{5474326C-47B7-4F19-AE21-DC1CDA7C4ACC}" dt="2021-02-15T00:58:58.113" v="855" actId="20577"/>
-          <ac:spMkLst>
-            <pc:docMk/>
-            <pc:sldMk cId="451094880" sldId="367"/>
-            <ac:spMk id="118787" creationId="{00000000-0000-0000-0000-000000000000}"/>
-          </ac:spMkLst>
-        </pc:spChg>
-      </pc:sldChg>
-      <pc:sldChg chg="modSp add">
-        <pc:chgData name="Mike B" userId="5c4bf6a326bf31f5" providerId="LiveId" clId="{5474326C-47B7-4F19-AE21-DC1CDA7C4ACC}" dt="2021-02-15T00:59:31.987" v="858"/>
-        <pc:sldMkLst>
-          <pc:docMk/>
-          <pc:sldMk cId="2452405064" sldId="368"/>
-        </pc:sldMkLst>
-        <pc:spChg chg="mod">
-          <ac:chgData name="Mike B" userId="5c4bf6a326bf31f5" providerId="LiveId" clId="{5474326C-47B7-4F19-AE21-DC1CDA7C4ACC}" dt="2021-02-15T00:59:25.819" v="857"/>
-          <ac:spMkLst>
-            <pc:docMk/>
-            <pc:sldMk cId="2452405064" sldId="368"/>
-            <ac:spMk id="118786" creationId="{00000000-0000-0000-0000-000000000000}"/>
-          </ac:spMkLst>
-        </pc:spChg>
-        <pc:spChg chg="mod">
-          <ac:chgData name="Mike B" userId="5c4bf6a326bf31f5" providerId="LiveId" clId="{5474326C-47B7-4F19-AE21-DC1CDA7C4ACC}" dt="2021-02-15T00:59:31.987" v="858"/>
-          <ac:spMkLst>
-            <pc:docMk/>
-            <pc:sldMk cId="2452405064" sldId="368"/>
-            <ac:spMk id="118787" creationId="{00000000-0000-0000-0000-000000000000}"/>
-          </ac:spMkLst>
-        </pc:spChg>
-      </pc:sldChg>
-      <pc:sldChg chg="modSp add mod">
-        <pc:chgData name="Mike B" userId="5c4bf6a326bf31f5" providerId="LiveId" clId="{5474326C-47B7-4F19-AE21-DC1CDA7C4ACC}" dt="2021-02-15T00:59:58.412" v="862" actId="27636"/>
-        <pc:sldMkLst>
-          <pc:docMk/>
-          <pc:sldMk cId="70620622" sldId="369"/>
-        </pc:sldMkLst>
-        <pc:spChg chg="mod">
-          <ac:chgData name="Mike B" userId="5c4bf6a326bf31f5" providerId="LiveId" clId="{5474326C-47B7-4F19-AE21-DC1CDA7C4ACC}" dt="2021-02-15T00:59:48.477" v="860"/>
-          <ac:spMkLst>
-            <pc:docMk/>
-            <pc:sldMk cId="70620622" sldId="369"/>
-            <ac:spMk id="118786" creationId="{00000000-0000-0000-0000-000000000000}"/>
-          </ac:spMkLst>
-        </pc:spChg>
-        <pc:spChg chg="mod">
-          <ac:chgData name="Mike B" userId="5c4bf6a326bf31f5" providerId="LiveId" clId="{5474326C-47B7-4F19-AE21-DC1CDA7C4ACC}" dt="2021-02-15T00:59:58.412" v="862" actId="27636"/>
-          <ac:spMkLst>
-            <pc:docMk/>
-            <pc:sldMk cId="70620622" sldId="369"/>
-            <ac:spMk id="118787" creationId="{00000000-0000-0000-0000-000000000000}"/>
-          </ac:spMkLst>
-        </pc:spChg>
-      </pc:sldChg>
-      <pc:sldChg chg="modSp add mod">
-        <pc:chgData name="Mike B" userId="5c4bf6a326bf31f5" providerId="LiveId" clId="{5474326C-47B7-4F19-AE21-DC1CDA7C4ACC}" dt="2021-02-15T01:00:28.496" v="870" actId="27636"/>
-        <pc:sldMkLst>
-          <pc:docMk/>
-          <pc:sldMk cId="2546404588" sldId="370"/>
-        </pc:sldMkLst>
-        <pc:spChg chg="mod">
-          <ac:chgData name="Mike B" userId="5c4bf6a326bf31f5" providerId="LiveId" clId="{5474326C-47B7-4F19-AE21-DC1CDA7C4ACC}" dt="2021-02-15T01:00:14.236" v="864"/>
-          <ac:spMkLst>
-            <pc:docMk/>
-            <pc:sldMk cId="2546404588" sldId="370"/>
-            <ac:spMk id="118786" creationId="{00000000-0000-0000-0000-000000000000}"/>
-          </ac:spMkLst>
-        </pc:spChg>
-        <pc:spChg chg="mod">
-          <ac:chgData name="Mike B" userId="5c4bf6a326bf31f5" providerId="LiveId" clId="{5474326C-47B7-4F19-AE21-DC1CDA7C4ACC}" dt="2021-02-15T01:00:28.496" v="870" actId="27636"/>
-          <ac:spMkLst>
-            <pc:docMk/>
-            <pc:sldMk cId="2546404588" sldId="370"/>
-            <ac:spMk id="118787" creationId="{00000000-0000-0000-0000-000000000000}"/>
-          </ac:spMkLst>
-        </pc:spChg>
-      </pc:sldChg>
-      <pc:sldChg chg="modSp add mod">
-        <pc:chgData name="Mike B" userId="5c4bf6a326bf31f5" providerId="LiveId" clId="{5474326C-47B7-4F19-AE21-DC1CDA7C4ACC}" dt="2021-02-15T01:06:23.698" v="1115" actId="113"/>
-        <pc:sldMkLst>
-          <pc:docMk/>
-          <pc:sldMk cId="856936846" sldId="371"/>
-        </pc:sldMkLst>
-        <pc:spChg chg="mod">
-          <ac:chgData name="Mike B" userId="5c4bf6a326bf31f5" providerId="LiveId" clId="{5474326C-47B7-4F19-AE21-DC1CDA7C4ACC}" dt="2021-02-15T01:04:29.536" v="916" actId="20577"/>
-          <ac:spMkLst>
-            <pc:docMk/>
-            <pc:sldMk cId="856936846" sldId="371"/>
-            <ac:spMk id="118786" creationId="{00000000-0000-0000-0000-000000000000}"/>
-          </ac:spMkLst>
-        </pc:spChg>
-        <pc:spChg chg="mod">
-          <ac:chgData name="Mike B" userId="5c4bf6a326bf31f5" providerId="LiveId" clId="{5474326C-47B7-4F19-AE21-DC1CDA7C4ACC}" dt="2021-02-15T01:06:23.698" v="1115" actId="113"/>
-          <ac:spMkLst>
-            <pc:docMk/>
-            <pc:sldMk cId="856936846" sldId="371"/>
-            <ac:spMk id="118787" creationId="{00000000-0000-0000-0000-000000000000}"/>
-          </ac:spMkLst>
-        </pc:spChg>
-      </pc:sldChg>
-      <pc:sldChg chg="modSp add mod">
-        <pc:chgData name="Mike B" userId="5c4bf6a326bf31f5" providerId="LiveId" clId="{5474326C-47B7-4F19-AE21-DC1CDA7C4ACC}" dt="2021-02-15T03:28:08.251" v="2507" actId="20577"/>
-        <pc:sldMkLst>
-          <pc:docMk/>
-          <pc:sldMk cId="3221056995" sldId="372"/>
-        </pc:sldMkLst>
-        <pc:spChg chg="mod">
-          <ac:chgData name="Mike B" userId="5c4bf6a326bf31f5" providerId="LiveId" clId="{5474326C-47B7-4F19-AE21-DC1CDA7C4ACC}" dt="2021-02-15T01:06:44.074" v="1117"/>
-          <ac:spMkLst>
-            <pc:docMk/>
-            <pc:sldMk cId="3221056995" sldId="372"/>
-            <ac:spMk id="118786" creationId="{00000000-0000-0000-0000-000000000000}"/>
-          </ac:spMkLst>
-        </pc:spChg>
-        <pc:spChg chg="mod">
-          <ac:chgData name="Mike B" userId="5c4bf6a326bf31f5" providerId="LiveId" clId="{5474326C-47B7-4F19-AE21-DC1CDA7C4ACC}" dt="2021-02-15T03:28:08.251" v="2507" actId="20577"/>
-          <ac:spMkLst>
-            <pc:docMk/>
-            <pc:sldMk cId="3221056995" sldId="372"/>
-            <ac:spMk id="118787" creationId="{00000000-0000-0000-0000-000000000000}"/>
-          </ac:spMkLst>
-        </pc:spChg>
-      </pc:sldChg>
-      <pc:sldChg chg="modSp add mod">
-        <pc:chgData name="Mike B" userId="5c4bf6a326bf31f5" providerId="LiveId" clId="{5474326C-47B7-4F19-AE21-DC1CDA7C4ACC}" dt="2021-02-15T03:28:11.655" v="2508" actId="20577"/>
-        <pc:sldMkLst>
-          <pc:docMk/>
-          <pc:sldMk cId="1944185287" sldId="373"/>
-        </pc:sldMkLst>
-        <pc:spChg chg="mod">
-          <ac:chgData name="Mike B" userId="5c4bf6a326bf31f5" providerId="LiveId" clId="{5474326C-47B7-4F19-AE21-DC1CDA7C4ACC}" dt="2021-02-15T01:07:17" v="1120"/>
-          <ac:spMkLst>
-            <pc:docMk/>
-            <pc:sldMk cId="1944185287" sldId="373"/>
-            <ac:spMk id="118786" creationId="{00000000-0000-0000-0000-000000000000}"/>
-          </ac:spMkLst>
-        </pc:spChg>
-        <pc:spChg chg="mod">
-          <ac:chgData name="Mike B" userId="5c4bf6a326bf31f5" providerId="LiveId" clId="{5474326C-47B7-4F19-AE21-DC1CDA7C4ACC}" dt="2021-02-15T03:28:11.655" v="2508" actId="20577"/>
-          <ac:spMkLst>
-            <pc:docMk/>
-            <pc:sldMk cId="1944185287" sldId="373"/>
-            <ac:spMk id="118787" creationId="{00000000-0000-0000-0000-000000000000}"/>
-          </ac:spMkLst>
-        </pc:spChg>
-      </pc:sldChg>
-      <pc:sldChg chg="modSp add mod">
-        <pc:chgData name="Mike B" userId="5c4bf6a326bf31f5" providerId="LiveId" clId="{5474326C-47B7-4F19-AE21-DC1CDA7C4ACC}" dt="2021-02-15T05:33:28.108" v="7116" actId="20577"/>
-        <pc:sldMkLst>
-          <pc:docMk/>
-          <pc:sldMk cId="651667285" sldId="374"/>
-        </pc:sldMkLst>
-        <pc:spChg chg="mod">
-          <ac:chgData name="Mike B" userId="5c4bf6a326bf31f5" providerId="LiveId" clId="{5474326C-47B7-4F19-AE21-DC1CDA7C4ACC}" dt="2021-02-15T01:46:23.325" v="1656" actId="20577"/>
-          <ac:spMkLst>
-            <pc:docMk/>
-            <pc:sldMk cId="651667285" sldId="374"/>
-            <ac:spMk id="118786" creationId="{00000000-0000-0000-0000-000000000000}"/>
-          </ac:spMkLst>
-        </pc:spChg>
-        <pc:spChg chg="mod">
-          <ac:chgData name="Mike B" userId="5c4bf6a326bf31f5" providerId="LiveId" clId="{5474326C-47B7-4F19-AE21-DC1CDA7C4ACC}" dt="2021-02-15T05:33:28.108" v="7116" actId="20577"/>
-          <ac:spMkLst>
-            <pc:docMk/>
-            <pc:sldMk cId="651667285" sldId="374"/>
-            <ac:spMk id="118787" creationId="{00000000-0000-0000-0000-000000000000}"/>
-          </ac:spMkLst>
-        </pc:spChg>
-      </pc:sldChg>
-      <pc:sldChg chg="modSp add mod">
-        <pc:chgData name="Mike B" userId="5c4bf6a326bf31f5" providerId="LiveId" clId="{5474326C-47B7-4F19-AE21-DC1CDA7C4ACC}" dt="2021-02-15T05:29:12.587" v="7113" actId="113"/>
-        <pc:sldMkLst>
-          <pc:docMk/>
-          <pc:sldMk cId="2954013174" sldId="375"/>
-        </pc:sldMkLst>
-        <pc:spChg chg="mod">
-          <ac:chgData name="Mike B" userId="5c4bf6a326bf31f5" providerId="LiveId" clId="{5474326C-47B7-4F19-AE21-DC1CDA7C4ACC}" dt="2021-02-15T05:29:12.587" v="7113" actId="113"/>
-          <ac:spMkLst>
-            <pc:docMk/>
-            <pc:sldMk cId="2954013174" sldId="375"/>
-            <ac:spMk id="118786" creationId="{00000000-0000-0000-0000-000000000000}"/>
-          </ac:spMkLst>
-        </pc:spChg>
-        <pc:spChg chg="mod">
-          <ac:chgData name="Mike B" userId="5c4bf6a326bf31f5" providerId="LiveId" clId="{5474326C-47B7-4F19-AE21-DC1CDA7C4ACC}" dt="2021-02-15T05:27:14.110" v="7109" actId="114"/>
-          <ac:spMkLst>
-            <pc:docMk/>
-            <pc:sldMk cId="2954013174" sldId="375"/>
-            <ac:spMk id="118787" creationId="{00000000-0000-0000-0000-000000000000}"/>
-          </ac:spMkLst>
-        </pc:spChg>
-      </pc:sldChg>
-      <pc:sldChg chg="modSp add del mod">
-        <pc:chgData name="Mike B" userId="5c4bf6a326bf31f5" providerId="LiveId" clId="{5474326C-47B7-4F19-AE21-DC1CDA7C4ACC}" dt="2021-02-15T05:33:39.983" v="7117" actId="47"/>
-        <pc:sldMkLst>
-          <pc:docMk/>
-          <pc:sldMk cId="3860908849" sldId="376"/>
-        </pc:sldMkLst>
-        <pc:spChg chg="mod">
-          <ac:chgData name="Mike B" userId="5c4bf6a326bf31f5" providerId="LiveId" clId="{5474326C-47B7-4F19-AE21-DC1CDA7C4ACC}" dt="2021-02-15T05:29:16.602" v="7114" actId="113"/>
-          <ac:spMkLst>
-            <pc:docMk/>
-            <pc:sldMk cId="3860908849" sldId="376"/>
-            <ac:spMk id="118786" creationId="{00000000-0000-0000-0000-000000000000}"/>
-          </ac:spMkLst>
-        </pc:spChg>
-      </pc:sldChg>
-      <pc:sldChg chg="modSp add mod ord">
-        <pc:chgData name="Mike B" userId="5c4bf6a326bf31f5" providerId="LiveId" clId="{5474326C-47B7-4F19-AE21-DC1CDA7C4ACC}" dt="2021-02-15T04:13:17.521" v="2935" actId="20577"/>
-        <pc:sldMkLst>
-          <pc:docMk/>
-          <pc:sldMk cId="1838149284" sldId="377"/>
-        </pc:sldMkLst>
-        <pc:spChg chg="mod">
-          <ac:chgData name="Mike B" userId="5c4bf6a326bf31f5" providerId="LiveId" clId="{5474326C-47B7-4F19-AE21-DC1CDA7C4ACC}" dt="2021-02-15T02:41:01.979" v="2162" actId="20577"/>
-          <ac:spMkLst>
-            <pc:docMk/>
-            <pc:sldMk cId="1838149284" sldId="377"/>
-            <ac:spMk id="118786" creationId="{00000000-0000-0000-0000-000000000000}"/>
-          </ac:spMkLst>
-        </pc:spChg>
-        <pc:spChg chg="mod">
-          <ac:chgData name="Mike B" userId="5c4bf6a326bf31f5" providerId="LiveId" clId="{5474326C-47B7-4F19-AE21-DC1CDA7C4ACC}" dt="2021-02-15T04:13:17.521" v="2935" actId="20577"/>
-          <ac:spMkLst>
-            <pc:docMk/>
-            <pc:sldMk cId="1838149284" sldId="377"/>
-            <ac:spMk id="118787" creationId="{00000000-0000-0000-0000-000000000000}"/>
-          </ac:spMkLst>
-        </pc:spChg>
-      </pc:sldChg>
-      <pc:sldChg chg="add">
-        <pc:chgData name="Mike B" userId="5c4bf6a326bf31f5" providerId="LiveId" clId="{5474326C-47B7-4F19-AE21-DC1CDA7C4ACC}" dt="2021-02-15T01:47:52.228" v="1673"/>
-        <pc:sldMkLst>
-          <pc:docMk/>
-          <pc:sldMk cId="131746319" sldId="378"/>
-        </pc:sldMkLst>
-      </pc:sldChg>
-      <pc:sldChg chg="addSp delSp modSp add mod">
-        <pc:chgData name="Mike B" userId="5c4bf6a326bf31f5" providerId="LiveId" clId="{5474326C-47B7-4F19-AE21-DC1CDA7C4ACC}" dt="2021-02-15T04:09:00.493" v="2600" actId="20577"/>
-        <pc:sldMkLst>
-          <pc:docMk/>
-          <pc:sldMk cId="4160569662" sldId="379"/>
-        </pc:sldMkLst>
-        <pc:spChg chg="add mod">
-          <ac:chgData name="Mike B" userId="5c4bf6a326bf31f5" providerId="LiveId" clId="{5474326C-47B7-4F19-AE21-DC1CDA7C4ACC}" dt="2021-02-15T04:09:00.493" v="2600" actId="20577"/>
-          <ac:spMkLst>
-            <pc:docMk/>
-            <pc:sldMk cId="4160569662" sldId="379"/>
-            <ac:spMk id="4" creationId="{5146CA55-AB49-460E-92F2-8F326F94B069}"/>
-          </ac:spMkLst>
-        </pc:spChg>
-        <pc:spChg chg="mod">
-          <ac:chgData name="Mike B" userId="5c4bf6a326bf31f5" providerId="LiveId" clId="{5474326C-47B7-4F19-AE21-DC1CDA7C4ACC}" dt="2021-02-15T03:11:53.449" v="2349" actId="20577"/>
-          <ac:spMkLst>
-            <pc:docMk/>
-            <pc:sldMk cId="4160569662" sldId="379"/>
-            <ac:spMk id="118786" creationId="{00000000-0000-0000-0000-000000000000}"/>
-          </ac:spMkLst>
-        </pc:spChg>
-        <pc:spChg chg="del mod">
-          <ac:chgData name="Mike B" userId="5c4bf6a326bf31f5" providerId="LiveId" clId="{5474326C-47B7-4F19-AE21-DC1CDA7C4ACC}" dt="2021-02-15T03:11:59.727" v="2351" actId="478"/>
-          <ac:spMkLst>
-            <pc:docMk/>
-            <pc:sldMk cId="4160569662" sldId="379"/>
-            <ac:spMk id="118787" creationId="{00000000-0000-0000-0000-000000000000}"/>
-          </ac:spMkLst>
-        </pc:spChg>
-        <pc:picChg chg="add del mod modCrop">
-          <ac:chgData name="Mike B" userId="5c4bf6a326bf31f5" providerId="LiveId" clId="{5474326C-47B7-4F19-AE21-DC1CDA7C4ACC}" dt="2021-02-15T03:11:19.998" v="2303" actId="478"/>
-          <ac:picMkLst>
-            <pc:docMk/>
-            <pc:sldMk cId="4160569662" sldId="379"/>
-            <ac:picMk id="2" creationId="{5F492187-087C-49F5-9C70-EC6350790E1C}"/>
-          </ac:picMkLst>
-        </pc:picChg>
-        <pc:picChg chg="add mod">
-          <ac:chgData name="Mike B" userId="5c4bf6a326bf31f5" providerId="LiveId" clId="{5474326C-47B7-4F19-AE21-DC1CDA7C4ACC}" dt="2021-02-15T03:12:07.569" v="2354" actId="1076"/>
-          <ac:picMkLst>
-            <pc:docMk/>
-            <pc:sldMk cId="4160569662" sldId="379"/>
-            <ac:picMk id="3" creationId="{7A836EF4-399B-449F-8EEC-57352B5A43BF}"/>
-          </ac:picMkLst>
-        </pc:picChg>
-        <pc:picChg chg="add del mod">
-          <ac:chgData name="Mike B" userId="5c4bf6a326bf31f5" providerId="LiveId" clId="{5474326C-47B7-4F19-AE21-DC1CDA7C4ACC}" dt="2021-02-15T03:11:30.176" v="2306" actId="478"/>
-          <ac:picMkLst>
-            <pc:docMk/>
-            <pc:sldMk cId="4160569662" sldId="379"/>
-            <ac:picMk id="5" creationId="{07C46305-168D-4829-8F62-89C55565F4E2}"/>
-          </ac:picMkLst>
-        </pc:picChg>
-      </pc:sldChg>
-      <pc:sldChg chg="modSp add mod">
-        <pc:chgData name="Mike B" userId="5c4bf6a326bf31f5" providerId="LiveId" clId="{5474326C-47B7-4F19-AE21-DC1CDA7C4ACC}" dt="2021-02-15T02:51:14.563" v="2248" actId="5793"/>
-        <pc:sldMkLst>
-          <pc:docMk/>
-          <pc:sldMk cId="2370785148" sldId="380"/>
-        </pc:sldMkLst>
-        <pc:spChg chg="mod">
-          <ac:chgData name="Mike B" userId="5c4bf6a326bf31f5" providerId="LiveId" clId="{5474326C-47B7-4F19-AE21-DC1CDA7C4ACC}" dt="2021-02-15T01:57:08.800" v="1974" actId="20577"/>
-          <ac:spMkLst>
-            <pc:docMk/>
-            <pc:sldMk cId="2370785148" sldId="380"/>
-            <ac:spMk id="118786" creationId="{00000000-0000-0000-0000-000000000000}"/>
-          </ac:spMkLst>
-        </pc:spChg>
-        <pc:spChg chg="mod">
-          <ac:chgData name="Mike B" userId="5c4bf6a326bf31f5" providerId="LiveId" clId="{5474326C-47B7-4F19-AE21-DC1CDA7C4ACC}" dt="2021-02-15T02:51:14.563" v="2248" actId="5793"/>
-          <ac:spMkLst>
-            <pc:docMk/>
-            <pc:sldMk cId="2370785148" sldId="380"/>
-            <ac:spMk id="118787" creationId="{00000000-0000-0000-0000-000000000000}"/>
-          </ac:spMkLst>
-        </pc:spChg>
-      </pc:sldChg>
-      <pc:sldChg chg="modSp add mod">
-        <pc:chgData name="Mike B" userId="5c4bf6a326bf31f5" providerId="LiveId" clId="{5474326C-47B7-4F19-AE21-DC1CDA7C4ACC}" dt="2021-02-15T05:17:12.130" v="6677" actId="20577"/>
-        <pc:sldMkLst>
-          <pc:docMk/>
-          <pc:sldMk cId="785234097" sldId="381"/>
-        </pc:sldMkLst>
-        <pc:spChg chg="mod">
-          <ac:chgData name="Mike B" userId="5c4bf6a326bf31f5" providerId="LiveId" clId="{5474326C-47B7-4F19-AE21-DC1CDA7C4ACC}" dt="2021-02-15T05:17:12.130" v="6677" actId="20577"/>
-          <ac:spMkLst>
-            <pc:docMk/>
-            <pc:sldMk cId="785234097" sldId="381"/>
-            <ac:spMk id="118787" creationId="{00000000-0000-0000-0000-000000000000}"/>
-          </ac:spMkLst>
-        </pc:spChg>
-      </pc:sldChg>
-      <pc:sldChg chg="addSp modSp add mod">
-        <pc:chgData name="Mike B" userId="5c4bf6a326bf31f5" providerId="LiveId" clId="{5474326C-47B7-4F19-AE21-DC1CDA7C4ACC}" dt="2021-02-15T04:39:37.465" v="4706" actId="20577"/>
-        <pc:sldMkLst>
-          <pc:docMk/>
-          <pc:sldMk cId="904438427" sldId="382"/>
-        </pc:sldMkLst>
-        <pc:spChg chg="mod">
-          <ac:chgData name="Mike B" userId="5c4bf6a326bf31f5" providerId="LiveId" clId="{5474326C-47B7-4F19-AE21-DC1CDA7C4ACC}" dt="2021-02-15T02:41:20.252" v="2192" actId="20577"/>
-          <ac:spMkLst>
-            <pc:docMk/>
-            <pc:sldMk cId="904438427" sldId="382"/>
-            <ac:spMk id="118786" creationId="{00000000-0000-0000-0000-000000000000}"/>
-          </ac:spMkLst>
-        </pc:spChg>
-        <pc:spChg chg="mod">
-          <ac:chgData name="Mike B" userId="5c4bf6a326bf31f5" providerId="LiveId" clId="{5474326C-47B7-4F19-AE21-DC1CDA7C4ACC}" dt="2021-02-15T04:39:37.465" v="4706" actId="20577"/>
-          <ac:spMkLst>
-            <pc:docMk/>
-            <pc:sldMk cId="904438427" sldId="382"/>
-            <ac:spMk id="118787" creationId="{00000000-0000-0000-0000-000000000000}"/>
-          </ac:spMkLst>
-        </pc:spChg>
-        <pc:picChg chg="add mod">
-          <ac:chgData name="Mike B" userId="5c4bf6a326bf31f5" providerId="LiveId" clId="{5474326C-47B7-4F19-AE21-DC1CDA7C4ACC}" dt="2021-02-15T04:39:16.904" v="4688" actId="1076"/>
-          <ac:picMkLst>
-            <pc:docMk/>
-            <pc:sldMk cId="904438427" sldId="382"/>
-            <ac:picMk id="1026" creationId="{21091432-25CB-463D-B632-B1ECA1740C55}"/>
-          </ac:picMkLst>
-        </pc:picChg>
-      </pc:sldChg>
-      <pc:sldChg chg="modSp add mod modAnim">
-        <pc:chgData name="Mike B" userId="5c4bf6a326bf31f5" providerId="LiveId" clId="{5474326C-47B7-4F19-AE21-DC1CDA7C4ACC}" dt="2021-02-15T05:07:58.826" v="6516"/>
-        <pc:sldMkLst>
-          <pc:docMk/>
-          <pc:sldMk cId="2127158767" sldId="383"/>
-        </pc:sldMkLst>
-        <pc:spChg chg="mod">
-          <ac:chgData name="Mike B" userId="5c4bf6a326bf31f5" providerId="LiveId" clId="{5474326C-47B7-4F19-AE21-DC1CDA7C4ACC}" dt="2021-02-15T02:41:33.606" v="2212" actId="20577"/>
-          <ac:spMkLst>
-            <pc:docMk/>
-            <pc:sldMk cId="2127158767" sldId="383"/>
-            <ac:spMk id="118786" creationId="{00000000-0000-0000-0000-000000000000}"/>
-          </ac:spMkLst>
-        </pc:spChg>
-        <pc:spChg chg="mod">
-          <ac:chgData name="Mike B" userId="5c4bf6a326bf31f5" providerId="LiveId" clId="{5474326C-47B7-4F19-AE21-DC1CDA7C4ACC}" dt="2021-02-15T04:58:18.140" v="5830" actId="20577"/>
-          <ac:spMkLst>
-            <pc:docMk/>
-            <pc:sldMk cId="2127158767" sldId="383"/>
-            <ac:spMk id="118787" creationId="{00000000-0000-0000-0000-000000000000}"/>
-          </ac:spMkLst>
-        </pc:spChg>
-      </pc:sldChg>
-      <pc:sldChg chg="addSp modSp add mod modAnim">
-        <pc:chgData name="Mike B" userId="5c4bf6a326bf31f5" providerId="LiveId" clId="{5474326C-47B7-4F19-AE21-DC1CDA7C4ACC}" dt="2021-02-15T05:28:28.681" v="7112" actId="1076"/>
-        <pc:sldMkLst>
-          <pc:docMk/>
-          <pc:sldMk cId="3320146079" sldId="384"/>
-        </pc:sldMkLst>
-        <pc:spChg chg="mod">
-          <ac:chgData name="Mike B" userId="5c4bf6a326bf31f5" providerId="LiveId" clId="{5474326C-47B7-4F19-AE21-DC1CDA7C4ACC}" dt="2021-02-15T05:02:56.725" v="5859" actId="20577"/>
-          <ac:spMkLst>
-            <pc:docMk/>
-            <pc:sldMk cId="3320146079" sldId="384"/>
-            <ac:spMk id="118786" creationId="{00000000-0000-0000-0000-000000000000}"/>
-          </ac:spMkLst>
-        </pc:spChg>
-        <pc:spChg chg="mod">
-          <ac:chgData name="Mike B" userId="5c4bf6a326bf31f5" providerId="LiveId" clId="{5474326C-47B7-4F19-AE21-DC1CDA7C4ACC}" dt="2021-02-15T05:07:34.656" v="6514" actId="20577"/>
-          <ac:spMkLst>
-            <pc:docMk/>
-            <pc:sldMk cId="3320146079" sldId="384"/>
-            <ac:spMk id="118787" creationId="{00000000-0000-0000-0000-000000000000}"/>
-          </ac:spMkLst>
-        </pc:spChg>
-        <pc:picChg chg="add mod">
-          <ac:chgData name="Mike B" userId="5c4bf6a326bf31f5" providerId="LiveId" clId="{5474326C-47B7-4F19-AE21-DC1CDA7C4ACC}" dt="2021-02-15T05:28:28.681" v="7112" actId="1076"/>
-          <ac:picMkLst>
-            <pc:docMk/>
-            <pc:sldMk cId="3320146079" sldId="384"/>
-            <ac:picMk id="3074" creationId="{8A4C6E30-C00E-4816-B451-F4584F019A96}"/>
-          </ac:picMkLst>
-        </pc:picChg>
-      </pc:sldChg>
-      <pc:sldChg chg="modSp add mod">
-        <pc:chgData name="Mike B" userId="5c4bf6a326bf31f5" providerId="LiveId" clId="{5474326C-47B7-4F19-AE21-DC1CDA7C4ACC}" dt="2021-02-15T04:47:14" v="5071" actId="20577"/>
-        <pc:sldMkLst>
-          <pc:docMk/>
-          <pc:sldMk cId="2254575175" sldId="385"/>
-        </pc:sldMkLst>
-        <pc:spChg chg="mod">
-          <ac:chgData name="Mike B" userId="5c4bf6a326bf31f5" providerId="LiveId" clId="{5474326C-47B7-4F19-AE21-DC1CDA7C4ACC}" dt="2021-02-15T02:53:24.929" v="2296" actId="20577"/>
-          <ac:spMkLst>
-            <pc:docMk/>
-            <pc:sldMk cId="2254575175" sldId="385"/>
-            <ac:spMk id="118786" creationId="{00000000-0000-0000-0000-000000000000}"/>
-          </ac:spMkLst>
-        </pc:spChg>
-        <pc:spChg chg="mod">
-          <ac:chgData name="Mike B" userId="5c4bf6a326bf31f5" providerId="LiveId" clId="{5474326C-47B7-4F19-AE21-DC1CDA7C4ACC}" dt="2021-02-15T04:47:14" v="5071" actId="20577"/>
-          <ac:spMkLst>
-            <pc:docMk/>
-            <pc:sldMk cId="2254575175" sldId="385"/>
-            <ac:spMk id="118787" creationId="{00000000-0000-0000-0000-000000000000}"/>
-          </ac:spMkLst>
-        </pc:spChg>
-      </pc:sldChg>
-      <pc:sldChg chg="addSp delSp modSp add mod">
-        <pc:chgData name="Mike B" userId="5c4bf6a326bf31f5" providerId="LiveId" clId="{5474326C-47B7-4F19-AE21-DC1CDA7C4ACC}" dt="2021-02-15T04:22:52.912" v="4208" actId="1076"/>
-        <pc:sldMkLst>
-          <pc:docMk/>
-          <pc:sldMk cId="2320687358" sldId="386"/>
-        </pc:sldMkLst>
-        <pc:spChg chg="add mod">
-          <ac:chgData name="Mike B" userId="5c4bf6a326bf31f5" providerId="LiveId" clId="{5474326C-47B7-4F19-AE21-DC1CDA7C4ACC}" dt="2021-02-15T04:22:52.912" v="4208" actId="1076"/>
-          <ac:spMkLst>
-            <pc:docMk/>
-            <pc:sldMk cId="2320687358" sldId="386"/>
-            <ac:spMk id="3" creationId="{3A45D066-A7DD-4ECC-A6EA-269B462FAC86}"/>
-          </ac:spMkLst>
-        </pc:spChg>
-        <pc:spChg chg="mod">
-          <ac:chgData name="Mike B" userId="5c4bf6a326bf31f5" providerId="LiveId" clId="{5474326C-47B7-4F19-AE21-DC1CDA7C4ACC}" dt="2021-02-15T04:15:53.770" v="3017" actId="20577"/>
-          <ac:spMkLst>
-            <pc:docMk/>
-            <pc:sldMk cId="2320687358" sldId="386"/>
-            <ac:spMk id="118786" creationId="{00000000-0000-0000-0000-000000000000}"/>
-          </ac:spMkLst>
-        </pc:spChg>
-        <pc:spChg chg="del mod">
-          <ac:chgData name="Mike B" userId="5c4bf6a326bf31f5" providerId="LiveId" clId="{5474326C-47B7-4F19-AE21-DC1CDA7C4ACC}" dt="2021-02-15T04:14:16.739" v="2939" actId="3680"/>
-          <ac:spMkLst>
-            <pc:docMk/>
-            <pc:sldMk cId="2320687358" sldId="386"/>
-            <ac:spMk id="118787" creationId="{00000000-0000-0000-0000-000000000000}"/>
-          </ac:spMkLst>
-        </pc:spChg>
-        <pc:graphicFrameChg chg="add mod ord modGraphic">
-          <ac:chgData name="Mike B" userId="5c4bf6a326bf31f5" providerId="LiveId" clId="{5474326C-47B7-4F19-AE21-DC1CDA7C4ACC}" dt="2021-02-15T04:22:42.750" v="4206" actId="2062"/>
-          <ac:graphicFrameMkLst>
-            <pc:docMk/>
-            <pc:sldMk cId="2320687358" sldId="386"/>
-            <ac:graphicFrameMk id="2" creationId="{8B6DE30B-4F8C-4321-AE2E-EB830A84D5B9}"/>
-          </ac:graphicFrameMkLst>
-        </pc:graphicFrameChg>
-      </pc:sldChg>
-      <pc:sldChg chg="addSp modSp add mod">
-        <pc:chgData name="Mike B" userId="5c4bf6a326bf31f5" providerId="LiveId" clId="{5474326C-47B7-4F19-AE21-DC1CDA7C4ACC}" dt="2021-02-15T04:50:44.591" v="5217" actId="20577"/>
-        <pc:sldMkLst>
-          <pc:docMk/>
-          <pc:sldMk cId="882537844" sldId="387"/>
-        </pc:sldMkLst>
-        <pc:spChg chg="mod">
-          <ac:chgData name="Mike B" userId="5c4bf6a326bf31f5" providerId="LiveId" clId="{5474326C-47B7-4F19-AE21-DC1CDA7C4ACC}" dt="2021-02-15T04:50:44.591" v="5217" actId="20577"/>
-          <ac:spMkLst>
-            <pc:docMk/>
-            <pc:sldMk cId="882537844" sldId="387"/>
-            <ac:spMk id="118787" creationId="{00000000-0000-0000-0000-000000000000}"/>
-          </ac:spMkLst>
-        </pc:spChg>
-        <pc:picChg chg="add mod">
-          <ac:chgData name="Mike B" userId="5c4bf6a326bf31f5" providerId="LiveId" clId="{5474326C-47B7-4F19-AE21-DC1CDA7C4ACC}" dt="2021-02-15T04:50:19.148" v="5133" actId="1076"/>
-          <ac:picMkLst>
-            <pc:docMk/>
-            <pc:sldMk cId="882537844" sldId="387"/>
-            <ac:picMk id="2050" creationId="{21A69BB0-42BB-41F7-BB42-947DD19D55B7}"/>
-          </ac:picMkLst>
-        </pc:picChg>
       </pc:sldChg>
     </pc:docChg>
   </pc:docChgLst>
@@ -7844,6 +6917,933 @@
             <ac:spMk id="3" creationId="{00000000-0000-0000-0000-000000000000}"/>
           </ac:spMkLst>
         </pc:spChg>
+      </pc:sldChg>
+    </pc:docChg>
+  </pc:docChgLst>
+  <pc:docChgLst>
+    <pc:chgData name="Mike B" userId="5c4bf6a326bf31f5" providerId="LiveId" clId="{D54D15A3-E6C3-44B4-BF6A-2689751A6590}"/>
+    <pc:docChg chg="undo custSel addSld delSld modSld sldOrd">
+      <pc:chgData name="Mike B" userId="5c4bf6a326bf31f5" providerId="LiveId" clId="{D54D15A3-E6C3-44B4-BF6A-2689751A6590}" dt="2025-02-02T21:18:22.482" v="5890" actId="404"/>
+      <pc:docMkLst>
+        <pc:docMk/>
+      </pc:docMkLst>
+      <pc:sldChg chg="modSp mod">
+        <pc:chgData name="Mike B" userId="5c4bf6a326bf31f5" providerId="LiveId" clId="{D54D15A3-E6C3-44B4-BF6A-2689751A6590}" dt="2025-01-30T23:15:59.955" v="52" actId="20577"/>
+        <pc:sldMkLst>
+          <pc:docMk/>
+          <pc:sldMk cId="0" sldId="256"/>
+        </pc:sldMkLst>
+        <pc:spChg chg="mod">
+          <ac:chgData name="Mike B" userId="5c4bf6a326bf31f5" providerId="LiveId" clId="{D54D15A3-E6C3-44B4-BF6A-2689751A6590}" dt="2025-01-30T23:15:59.955" v="52" actId="20577"/>
+          <ac:spMkLst>
+            <pc:docMk/>
+            <pc:sldMk cId="0" sldId="256"/>
+            <ac:spMk id="2051" creationId="{00000000-0000-0000-0000-000000000000}"/>
+          </ac:spMkLst>
+        </pc:spChg>
+      </pc:sldChg>
+      <pc:sldChg chg="modSp mod">
+        <pc:chgData name="Mike B" userId="5c4bf6a326bf31f5" providerId="LiveId" clId="{D54D15A3-E6C3-44B4-BF6A-2689751A6590}" dt="2025-01-30T23:16:34.015" v="174" actId="20577"/>
+        <pc:sldMkLst>
+          <pc:docMk/>
+          <pc:sldMk cId="0" sldId="287"/>
+        </pc:sldMkLst>
+        <pc:spChg chg="mod">
+          <ac:chgData name="Mike B" userId="5c4bf6a326bf31f5" providerId="LiveId" clId="{D54D15A3-E6C3-44B4-BF6A-2689751A6590}" dt="2025-01-30T23:16:34.015" v="174" actId="20577"/>
+          <ac:spMkLst>
+            <pc:docMk/>
+            <pc:sldMk cId="0" sldId="287"/>
+            <ac:spMk id="119811" creationId="{00000000-0000-0000-0000-000000000000}"/>
+          </ac:spMkLst>
+        </pc:spChg>
+      </pc:sldChg>
+      <pc:sldChg chg="modSp mod">
+        <pc:chgData name="Mike B" userId="5c4bf6a326bf31f5" providerId="LiveId" clId="{D54D15A3-E6C3-44B4-BF6A-2689751A6590}" dt="2025-02-02T17:07:13.971" v="603" actId="20577"/>
+        <pc:sldMkLst>
+          <pc:docMk/>
+          <pc:sldMk cId="1782408873" sldId="342"/>
+        </pc:sldMkLst>
+        <pc:spChg chg="mod">
+          <ac:chgData name="Mike B" userId="5c4bf6a326bf31f5" providerId="LiveId" clId="{D54D15A3-E6C3-44B4-BF6A-2689751A6590}" dt="2025-02-02T17:07:13.971" v="603" actId="20577"/>
+          <ac:spMkLst>
+            <pc:docMk/>
+            <pc:sldMk cId="1782408873" sldId="342"/>
+            <ac:spMk id="3" creationId="{00000000-0000-0000-0000-000000000000}"/>
+          </ac:spMkLst>
+        </pc:spChg>
+        <pc:spChg chg="mod">
+          <ac:chgData name="Mike B" userId="5c4bf6a326bf31f5" providerId="LiveId" clId="{D54D15A3-E6C3-44B4-BF6A-2689751A6590}" dt="2025-01-30T23:16:44.419" v="194" actId="20577"/>
+          <ac:spMkLst>
+            <pc:docMk/>
+            <pc:sldMk cId="1782408873" sldId="342"/>
+            <ac:spMk id="4" creationId="{00000000-0000-0000-0000-000000000000}"/>
+          </ac:spMkLst>
+        </pc:spChg>
+      </pc:sldChg>
+      <pc:sldChg chg="modSp mod">
+        <pc:chgData name="Mike B" userId="5c4bf6a326bf31f5" providerId="LiveId" clId="{D54D15A3-E6C3-44B4-BF6A-2689751A6590}" dt="2025-01-30T23:18:05.836" v="313" actId="20577"/>
+        <pc:sldMkLst>
+          <pc:docMk/>
+          <pc:sldMk cId="3710951061" sldId="361"/>
+        </pc:sldMkLst>
+        <pc:spChg chg="mod">
+          <ac:chgData name="Mike B" userId="5c4bf6a326bf31f5" providerId="LiveId" clId="{D54D15A3-E6C3-44B4-BF6A-2689751A6590}" dt="2025-01-30T23:18:05.836" v="313" actId="20577"/>
+          <ac:spMkLst>
+            <pc:docMk/>
+            <pc:sldMk cId="3710951061" sldId="361"/>
+            <ac:spMk id="118787" creationId="{00000000-0000-0000-0000-000000000000}"/>
+          </ac:spMkLst>
+        </pc:spChg>
+      </pc:sldChg>
+      <pc:sldChg chg="addSp modSp mod modAnim">
+        <pc:chgData name="Mike B" userId="5c4bf6a326bf31f5" providerId="LiveId" clId="{D54D15A3-E6C3-44B4-BF6A-2689751A6590}" dt="2025-02-02T20:21:43.911" v="3169"/>
+        <pc:sldMkLst>
+          <pc:docMk/>
+          <pc:sldMk cId="3749001237" sldId="633"/>
+        </pc:sldMkLst>
+        <pc:spChg chg="mod">
+          <ac:chgData name="Mike B" userId="5c4bf6a326bf31f5" providerId="LiveId" clId="{D54D15A3-E6C3-44B4-BF6A-2689751A6590}" dt="2025-02-02T20:16:29.124" v="2878" actId="20577"/>
+          <ac:spMkLst>
+            <pc:docMk/>
+            <pc:sldMk cId="3749001237" sldId="633"/>
+            <ac:spMk id="2" creationId="{00000000-0000-0000-0000-000000000000}"/>
+          </ac:spMkLst>
+        </pc:spChg>
+        <pc:spChg chg="mod">
+          <ac:chgData name="Mike B" userId="5c4bf6a326bf31f5" providerId="LiveId" clId="{D54D15A3-E6C3-44B4-BF6A-2689751A6590}" dt="2025-02-02T20:20:20.455" v="3164" actId="27636"/>
+          <ac:spMkLst>
+            <pc:docMk/>
+            <pc:sldMk cId="3749001237" sldId="633"/>
+            <ac:spMk id="3" creationId="{00000000-0000-0000-0000-000000000000}"/>
+          </ac:spMkLst>
+        </pc:spChg>
+        <pc:picChg chg="add mod modCrop">
+          <ac:chgData name="Mike B" userId="5c4bf6a326bf31f5" providerId="LiveId" clId="{D54D15A3-E6C3-44B4-BF6A-2689751A6590}" dt="2025-02-02T20:20:36.407" v="3168" actId="1076"/>
+          <ac:picMkLst>
+            <pc:docMk/>
+            <pc:sldMk cId="3749001237" sldId="633"/>
+            <ac:picMk id="4" creationId="{CB00E1B8-B613-75EC-1061-57D6DAE59F8C}"/>
+          </ac:picMkLst>
+        </pc:picChg>
+      </pc:sldChg>
+      <pc:sldChg chg="modSp mod">
+        <pc:chgData name="Mike B" userId="5c4bf6a326bf31f5" providerId="LiveId" clId="{D54D15A3-E6C3-44B4-BF6A-2689751A6590}" dt="2025-02-02T21:10:21.724" v="5333" actId="20577"/>
+        <pc:sldMkLst>
+          <pc:docMk/>
+          <pc:sldMk cId="28306766" sldId="634"/>
+        </pc:sldMkLst>
+        <pc:spChg chg="mod">
+          <ac:chgData name="Mike B" userId="5c4bf6a326bf31f5" providerId="LiveId" clId="{D54D15A3-E6C3-44B4-BF6A-2689751A6590}" dt="2025-02-02T21:10:21.724" v="5333" actId="20577"/>
+          <ac:spMkLst>
+            <pc:docMk/>
+            <pc:sldMk cId="28306766" sldId="634"/>
+            <ac:spMk id="3" creationId="{00000000-0000-0000-0000-000000000000}"/>
+          </ac:spMkLst>
+        </pc:spChg>
+        <pc:spChg chg="mod">
+          <ac:chgData name="Mike B" userId="5c4bf6a326bf31f5" providerId="LiveId" clId="{D54D15A3-E6C3-44B4-BF6A-2689751A6590}" dt="2025-01-30T23:17:18.773" v="245" actId="20577"/>
+          <ac:spMkLst>
+            <pc:docMk/>
+            <pc:sldMk cId="28306766" sldId="634"/>
+            <ac:spMk id="4" creationId="{00000000-0000-0000-0000-000000000000}"/>
+          </ac:spMkLst>
+        </pc:spChg>
+      </pc:sldChg>
+      <pc:sldChg chg="modSp mod modAnim">
+        <pc:chgData name="Mike B" userId="5c4bf6a326bf31f5" providerId="LiveId" clId="{D54D15A3-E6C3-44B4-BF6A-2689751A6590}" dt="2025-02-02T17:09:46.907" v="986"/>
+        <pc:sldMkLst>
+          <pc:docMk/>
+          <pc:sldMk cId="257875984" sldId="1229"/>
+        </pc:sldMkLst>
+        <pc:spChg chg="mod">
+          <ac:chgData name="Mike B" userId="5c4bf6a326bf31f5" providerId="LiveId" clId="{D54D15A3-E6C3-44B4-BF6A-2689751A6590}" dt="2025-01-31T14:44:16.120" v="321" actId="20577"/>
+          <ac:spMkLst>
+            <pc:docMk/>
+            <pc:sldMk cId="257875984" sldId="1229"/>
+            <ac:spMk id="2" creationId="{00000000-0000-0000-0000-000000000000}"/>
+          </ac:spMkLst>
+        </pc:spChg>
+        <pc:spChg chg="mod">
+          <ac:chgData name="Mike B" userId="5c4bf6a326bf31f5" providerId="LiveId" clId="{D54D15A3-E6C3-44B4-BF6A-2689751A6590}" dt="2025-02-02T17:09:35.937" v="985" actId="20577"/>
+          <ac:spMkLst>
+            <pc:docMk/>
+            <pc:sldMk cId="257875984" sldId="1229"/>
+            <ac:spMk id="3" creationId="{00000000-0000-0000-0000-000000000000}"/>
+          </ac:spMkLst>
+        </pc:spChg>
+      </pc:sldChg>
+      <pc:sldChg chg="del">
+        <pc:chgData name="Mike B" userId="5c4bf6a326bf31f5" providerId="LiveId" clId="{D54D15A3-E6C3-44B4-BF6A-2689751A6590}" dt="2025-01-30T23:16:59.543" v="195" actId="2696"/>
+        <pc:sldMkLst>
+          <pc:docMk/>
+          <pc:sldMk cId="3587006028" sldId="1248"/>
+        </pc:sldMkLst>
+      </pc:sldChg>
+      <pc:sldChg chg="del">
+        <pc:chgData name="Mike B" userId="5c4bf6a326bf31f5" providerId="LiveId" clId="{D54D15A3-E6C3-44B4-BF6A-2689751A6590}" dt="2025-01-30T23:16:59.543" v="195" actId="2696"/>
+        <pc:sldMkLst>
+          <pc:docMk/>
+          <pc:sldMk cId="997888385" sldId="1249"/>
+        </pc:sldMkLst>
+      </pc:sldChg>
+      <pc:sldChg chg="del">
+        <pc:chgData name="Mike B" userId="5c4bf6a326bf31f5" providerId="LiveId" clId="{D54D15A3-E6C3-44B4-BF6A-2689751A6590}" dt="2025-01-30T23:16:59.543" v="195" actId="2696"/>
+        <pc:sldMkLst>
+          <pc:docMk/>
+          <pc:sldMk cId="1309747117" sldId="1250"/>
+        </pc:sldMkLst>
+      </pc:sldChg>
+      <pc:sldChg chg="del">
+        <pc:chgData name="Mike B" userId="5c4bf6a326bf31f5" providerId="LiveId" clId="{D54D15A3-E6C3-44B4-BF6A-2689751A6590}" dt="2025-01-30T23:16:59.543" v="195" actId="2696"/>
+        <pc:sldMkLst>
+          <pc:docMk/>
+          <pc:sldMk cId="1262794706" sldId="1251"/>
+        </pc:sldMkLst>
+      </pc:sldChg>
+      <pc:sldChg chg="modSp mod">
+        <pc:chgData name="Mike B" userId="5c4bf6a326bf31f5" providerId="LiveId" clId="{D54D15A3-E6C3-44B4-BF6A-2689751A6590}" dt="2025-02-02T17:03:48.330" v="409" actId="20577"/>
+        <pc:sldMkLst>
+          <pc:docMk/>
+          <pc:sldMk cId="2843263528" sldId="1252"/>
+        </pc:sldMkLst>
+        <pc:spChg chg="mod">
+          <ac:chgData name="Mike B" userId="5c4bf6a326bf31f5" providerId="LiveId" clId="{D54D15A3-E6C3-44B4-BF6A-2689751A6590}" dt="2025-02-02T17:03:48.330" v="409" actId="20577"/>
+          <ac:spMkLst>
+            <pc:docMk/>
+            <pc:sldMk cId="2843263528" sldId="1252"/>
+            <ac:spMk id="2" creationId="{00000000-0000-0000-0000-000000000000}"/>
+          </ac:spMkLst>
+        </pc:spChg>
+        <pc:spChg chg="mod">
+          <ac:chgData name="Mike B" userId="5c4bf6a326bf31f5" providerId="LiveId" clId="{D54D15A3-E6C3-44B4-BF6A-2689751A6590}" dt="2025-02-02T17:00:40.610" v="392" actId="113"/>
+          <ac:spMkLst>
+            <pc:docMk/>
+            <pc:sldMk cId="2843263528" sldId="1252"/>
+            <ac:spMk id="5" creationId="{EDD27F39-B0E5-4270-9E07-7D3312174843}"/>
+          </ac:spMkLst>
+        </pc:spChg>
+      </pc:sldChg>
+      <pc:sldChg chg="addSp delSp modSp mod">
+        <pc:chgData name="Mike B" userId="5c4bf6a326bf31f5" providerId="LiveId" clId="{D54D15A3-E6C3-44B4-BF6A-2689751A6590}" dt="2025-02-02T17:15:07.591" v="1043" actId="1076"/>
+        <pc:sldMkLst>
+          <pc:docMk/>
+          <pc:sldMk cId="557394895" sldId="1253"/>
+        </pc:sldMkLst>
+        <pc:spChg chg="mod">
+          <ac:chgData name="Mike B" userId="5c4bf6a326bf31f5" providerId="LiveId" clId="{D54D15A3-E6C3-44B4-BF6A-2689751A6590}" dt="2025-02-02T17:04:11.272" v="420" actId="20577"/>
+          <ac:spMkLst>
+            <pc:docMk/>
+            <pc:sldMk cId="557394895" sldId="1253"/>
+            <ac:spMk id="2" creationId="{00000000-0000-0000-0000-000000000000}"/>
+          </ac:spMkLst>
+        </pc:spChg>
+        <pc:spChg chg="mod">
+          <ac:chgData name="Mike B" userId="5c4bf6a326bf31f5" providerId="LiveId" clId="{D54D15A3-E6C3-44B4-BF6A-2689751A6590}" dt="2025-02-02T17:14:02.800" v="1036" actId="1036"/>
+          <ac:spMkLst>
+            <pc:docMk/>
+            <pc:sldMk cId="557394895" sldId="1253"/>
+            <ac:spMk id="3" creationId="{00000000-0000-0000-0000-000000000000}"/>
+          </ac:spMkLst>
+        </pc:spChg>
+        <pc:spChg chg="add mod">
+          <ac:chgData name="Mike B" userId="5c4bf6a326bf31f5" providerId="LiveId" clId="{D54D15A3-E6C3-44B4-BF6A-2689751A6590}" dt="2025-02-02T17:14:38.591" v="1038" actId="1076"/>
+          <ac:spMkLst>
+            <pc:docMk/>
+            <pc:sldMk cId="557394895" sldId="1253"/>
+            <ac:spMk id="4" creationId="{0C443EEA-3831-10E1-0893-457EC792D067}"/>
+          </ac:spMkLst>
+        </pc:spChg>
+        <pc:spChg chg="mod">
+          <ac:chgData name="Mike B" userId="5c4bf6a326bf31f5" providerId="LiveId" clId="{D54D15A3-E6C3-44B4-BF6A-2689751A6590}" dt="2025-01-31T14:57:49.558" v="366" actId="1076"/>
+          <ac:spMkLst>
+            <pc:docMk/>
+            <pc:sldMk cId="557394895" sldId="1253"/>
+            <ac:spMk id="5" creationId="{A1E53B62-D028-483B-9C41-F3886C2FEC52}"/>
+          </ac:spMkLst>
+        </pc:spChg>
+        <pc:spChg chg="del">
+          <ac:chgData name="Mike B" userId="5c4bf6a326bf31f5" providerId="LiveId" clId="{D54D15A3-E6C3-44B4-BF6A-2689751A6590}" dt="2025-01-31T14:57:51.550" v="367" actId="478"/>
+          <ac:spMkLst>
+            <pc:docMk/>
+            <pc:sldMk cId="557394895" sldId="1253"/>
+            <ac:spMk id="7" creationId="{2BD35E1F-E446-4DA4-8D93-72B01F435A8F}"/>
+          </ac:spMkLst>
+        </pc:spChg>
+        <pc:spChg chg="add mod">
+          <ac:chgData name="Mike B" userId="5c4bf6a326bf31f5" providerId="LiveId" clId="{D54D15A3-E6C3-44B4-BF6A-2689751A6590}" dt="2025-02-02T17:15:07.591" v="1043" actId="1076"/>
+          <ac:spMkLst>
+            <pc:docMk/>
+            <pc:sldMk cId="557394895" sldId="1253"/>
+            <ac:spMk id="7" creationId="{BF315F32-BA82-AD04-3557-E8C8A2C21ACF}"/>
+          </ac:spMkLst>
+        </pc:spChg>
+        <pc:spChg chg="del">
+          <ac:chgData name="Mike B" userId="5c4bf6a326bf31f5" providerId="LiveId" clId="{D54D15A3-E6C3-44B4-BF6A-2689751A6590}" dt="2025-01-31T14:57:32.278" v="362" actId="478"/>
+          <ac:spMkLst>
+            <pc:docMk/>
+            <pc:sldMk cId="557394895" sldId="1253"/>
+            <ac:spMk id="8" creationId="{B4375171-0B87-46C3-B544-4D1627B82381}"/>
+          </ac:spMkLst>
+        </pc:spChg>
+        <pc:spChg chg="del">
+          <ac:chgData name="Mike B" userId="5c4bf6a326bf31f5" providerId="LiveId" clId="{D54D15A3-E6C3-44B4-BF6A-2689751A6590}" dt="2025-01-31T14:57:35.138" v="363" actId="478"/>
+          <ac:spMkLst>
+            <pc:docMk/>
+            <pc:sldMk cId="557394895" sldId="1253"/>
+            <ac:spMk id="9" creationId="{64132EA2-9747-4C3B-BF0E-CAF934E98745}"/>
+          </ac:spMkLst>
+        </pc:spChg>
+        <pc:spChg chg="del">
+          <ac:chgData name="Mike B" userId="5c4bf6a326bf31f5" providerId="LiveId" clId="{D54D15A3-E6C3-44B4-BF6A-2689751A6590}" dt="2025-01-31T14:57:38.434" v="364" actId="478"/>
+          <ac:spMkLst>
+            <pc:docMk/>
+            <pc:sldMk cId="557394895" sldId="1253"/>
+            <ac:spMk id="10" creationId="{E23B17A6-515A-45DF-8898-48B6A5832005}"/>
+          </ac:spMkLst>
+        </pc:spChg>
+      </pc:sldChg>
+      <pc:sldChg chg="del">
+        <pc:chgData name="Mike B" userId="5c4bf6a326bf31f5" providerId="LiveId" clId="{D54D15A3-E6C3-44B4-BF6A-2689751A6590}" dt="2025-01-30T23:17:07.552" v="196" actId="2696"/>
+        <pc:sldMkLst>
+          <pc:docMk/>
+          <pc:sldMk cId="1080735625" sldId="1271"/>
+        </pc:sldMkLst>
+      </pc:sldChg>
+      <pc:sldChg chg="del">
+        <pc:chgData name="Mike B" userId="5c4bf6a326bf31f5" providerId="LiveId" clId="{D54D15A3-E6C3-44B4-BF6A-2689751A6590}" dt="2025-01-30T23:16:59.543" v="195" actId="2696"/>
+        <pc:sldMkLst>
+          <pc:docMk/>
+          <pc:sldMk cId="3686722547" sldId="1272"/>
+        </pc:sldMkLst>
+      </pc:sldChg>
+      <pc:sldChg chg="del">
+        <pc:chgData name="Mike B" userId="5c4bf6a326bf31f5" providerId="LiveId" clId="{D54D15A3-E6C3-44B4-BF6A-2689751A6590}" dt="2025-01-30T23:16:59.543" v="195" actId="2696"/>
+        <pc:sldMkLst>
+          <pc:docMk/>
+          <pc:sldMk cId="1062285755" sldId="1273"/>
+        </pc:sldMkLst>
+      </pc:sldChg>
+      <pc:sldChg chg="del">
+        <pc:chgData name="Mike B" userId="5c4bf6a326bf31f5" providerId="LiveId" clId="{D54D15A3-E6C3-44B4-BF6A-2689751A6590}" dt="2025-02-02T20:03:21.615" v="2774" actId="2696"/>
+        <pc:sldMkLst>
+          <pc:docMk/>
+          <pc:sldMk cId="1856009430" sldId="1274"/>
+        </pc:sldMkLst>
+      </pc:sldChg>
+      <pc:sldChg chg="modSp add del mod">
+        <pc:chgData name="Mike B" userId="5c4bf6a326bf31f5" providerId="LiveId" clId="{D54D15A3-E6C3-44B4-BF6A-2689751A6590}" dt="2025-02-02T17:16:13.262" v="1046" actId="2696"/>
+        <pc:sldMkLst>
+          <pc:docMk/>
+          <pc:sldMk cId="1556747576" sldId="1275"/>
+        </pc:sldMkLst>
+        <pc:spChg chg="mod">
+          <ac:chgData name="Mike B" userId="5c4bf6a326bf31f5" providerId="LiveId" clId="{D54D15A3-E6C3-44B4-BF6A-2689751A6590}" dt="2025-02-02T17:04:27.739" v="455" actId="20577"/>
+          <ac:spMkLst>
+            <pc:docMk/>
+            <pc:sldMk cId="1556747576" sldId="1275"/>
+            <ac:spMk id="2" creationId="{00000000-0000-0000-0000-000000000000}"/>
+          </ac:spMkLst>
+        </pc:spChg>
+      </pc:sldChg>
+      <pc:sldChg chg="del">
+        <pc:chgData name="Mike B" userId="5c4bf6a326bf31f5" providerId="LiveId" clId="{D54D15A3-E6C3-44B4-BF6A-2689751A6590}" dt="2025-01-30T23:17:31.210" v="248" actId="2696"/>
+        <pc:sldMkLst>
+          <pc:docMk/>
+          <pc:sldMk cId="2117449211" sldId="1275"/>
+        </pc:sldMkLst>
+      </pc:sldChg>
+      <pc:sldChg chg="modSp add mod ord modAnim">
+        <pc:chgData name="Mike B" userId="5c4bf6a326bf31f5" providerId="LiveId" clId="{D54D15A3-E6C3-44B4-BF6A-2689751A6590}" dt="2025-02-02T19:42:35.975" v="1702"/>
+        <pc:sldMkLst>
+          <pc:docMk/>
+          <pc:sldMk cId="3984217516" sldId="1276"/>
+        </pc:sldMkLst>
+        <pc:spChg chg="mod">
+          <ac:chgData name="Mike B" userId="5c4bf6a326bf31f5" providerId="LiveId" clId="{D54D15A3-E6C3-44B4-BF6A-2689751A6590}" dt="2025-02-02T17:16:10.591" v="1045"/>
+          <ac:spMkLst>
+            <pc:docMk/>
+            <pc:sldMk cId="3984217516" sldId="1276"/>
+            <ac:spMk id="2" creationId="{00000000-0000-0000-0000-000000000000}"/>
+          </ac:spMkLst>
+        </pc:spChg>
+        <pc:spChg chg="mod">
+          <ac:chgData name="Mike B" userId="5c4bf6a326bf31f5" providerId="LiveId" clId="{D54D15A3-E6C3-44B4-BF6A-2689751A6590}" dt="2025-02-02T19:41:34.022" v="1698" actId="5793"/>
+          <ac:spMkLst>
+            <pc:docMk/>
+            <pc:sldMk cId="3984217516" sldId="1276"/>
+            <ac:spMk id="3" creationId="{00000000-0000-0000-0000-000000000000}"/>
+          </ac:spMkLst>
+        </pc:spChg>
+      </pc:sldChg>
+      <pc:sldChg chg="del">
+        <pc:chgData name="Mike B" userId="5c4bf6a326bf31f5" providerId="LiveId" clId="{D54D15A3-E6C3-44B4-BF6A-2689751A6590}" dt="2025-01-30T23:17:31.210" v="248" actId="2696"/>
+        <pc:sldMkLst>
+          <pc:docMk/>
+          <pc:sldMk cId="4234455428" sldId="1276"/>
+        </pc:sldMkLst>
+      </pc:sldChg>
+      <pc:sldChg chg="addSp delSp modSp add mod modAnim">
+        <pc:chgData name="Mike B" userId="5c4bf6a326bf31f5" providerId="LiveId" clId="{D54D15A3-E6C3-44B4-BF6A-2689751A6590}" dt="2025-02-02T17:13:17.481" v="1025" actId="1076"/>
+        <pc:sldMkLst>
+          <pc:docMk/>
+          <pc:sldMk cId="67343306" sldId="1277"/>
+        </pc:sldMkLst>
+        <pc:spChg chg="mod">
+          <ac:chgData name="Mike B" userId="5c4bf6a326bf31f5" providerId="LiveId" clId="{D54D15A3-E6C3-44B4-BF6A-2689751A6590}" dt="2025-02-02T17:11:47.419" v="1010" actId="20577"/>
+          <ac:spMkLst>
+            <pc:docMk/>
+            <pc:sldMk cId="67343306" sldId="1277"/>
+            <ac:spMk id="2" creationId="{00000000-0000-0000-0000-000000000000}"/>
+          </ac:spMkLst>
+        </pc:spChg>
+        <pc:spChg chg="del mod">
+          <ac:chgData name="Mike B" userId="5c4bf6a326bf31f5" providerId="LiveId" clId="{D54D15A3-E6C3-44B4-BF6A-2689751A6590}" dt="2025-02-02T17:12:33.270" v="1013"/>
+          <ac:spMkLst>
+            <pc:docMk/>
+            <pc:sldMk cId="67343306" sldId="1277"/>
+            <ac:spMk id="3" creationId="{00000000-0000-0000-0000-000000000000}"/>
+          </ac:spMkLst>
+        </pc:spChg>
+        <pc:spChg chg="add del mod">
+          <ac:chgData name="Mike B" userId="5c4bf6a326bf31f5" providerId="LiveId" clId="{D54D15A3-E6C3-44B4-BF6A-2689751A6590}" dt="2025-02-02T17:13:08.850" v="1022" actId="478"/>
+          <ac:spMkLst>
+            <pc:docMk/>
+            <pc:sldMk cId="67343306" sldId="1277"/>
+            <ac:spMk id="8" creationId="{B6387F76-F240-1D3A-5A49-C111385ADAF3}"/>
+          </ac:spMkLst>
+        </pc:spChg>
+        <pc:picChg chg="add del mod modCrop">
+          <ac:chgData name="Mike B" userId="5c4bf6a326bf31f5" providerId="LiveId" clId="{D54D15A3-E6C3-44B4-BF6A-2689751A6590}" dt="2025-02-02T17:13:03.603" v="1021" actId="478"/>
+          <ac:picMkLst>
+            <pc:docMk/>
+            <pc:sldMk cId="67343306" sldId="1277"/>
+            <ac:picMk id="5" creationId="{0461E65F-B0AD-F4A6-F9B0-9DAE74453DAB}"/>
+          </ac:picMkLst>
+        </pc:picChg>
+        <pc:picChg chg="add mod">
+          <ac:chgData name="Mike B" userId="5c4bf6a326bf31f5" providerId="LiveId" clId="{D54D15A3-E6C3-44B4-BF6A-2689751A6590}" dt="2025-02-02T17:13:17.481" v="1025" actId="1076"/>
+          <ac:picMkLst>
+            <pc:docMk/>
+            <pc:sldMk cId="67343306" sldId="1277"/>
+            <ac:picMk id="6" creationId="{C4CE26A9-42D9-C0D1-98CB-CB92D65146BE}"/>
+          </ac:picMkLst>
+        </pc:picChg>
+      </pc:sldChg>
+      <pc:sldChg chg="del">
+        <pc:chgData name="Mike B" userId="5c4bf6a326bf31f5" providerId="LiveId" clId="{D54D15A3-E6C3-44B4-BF6A-2689751A6590}" dt="2025-01-30T23:17:31.210" v="248" actId="2696"/>
+        <pc:sldMkLst>
+          <pc:docMk/>
+          <pc:sldMk cId="4245031178" sldId="1277"/>
+        </pc:sldMkLst>
+      </pc:sldChg>
+      <pc:sldChg chg="del">
+        <pc:chgData name="Mike B" userId="5c4bf6a326bf31f5" providerId="LiveId" clId="{D54D15A3-E6C3-44B4-BF6A-2689751A6590}" dt="2025-01-30T23:17:31.210" v="248" actId="2696"/>
+        <pc:sldMkLst>
+          <pc:docMk/>
+          <pc:sldMk cId="679839182" sldId="1278"/>
+        </pc:sldMkLst>
+      </pc:sldChg>
+      <pc:sldChg chg="modSp add mod modAnim">
+        <pc:chgData name="Mike B" userId="5c4bf6a326bf31f5" providerId="LiveId" clId="{D54D15A3-E6C3-44B4-BF6A-2689751A6590}" dt="2025-02-02T19:55:41.076" v="2615"/>
+        <pc:sldMkLst>
+          <pc:docMk/>
+          <pc:sldMk cId="885965288" sldId="1278"/>
+        </pc:sldMkLst>
+        <pc:spChg chg="mod">
+          <ac:chgData name="Mike B" userId="5c4bf6a326bf31f5" providerId="LiveId" clId="{D54D15A3-E6C3-44B4-BF6A-2689751A6590}" dt="2025-02-02T19:46:46.828" v="1709" actId="20577"/>
+          <ac:spMkLst>
+            <pc:docMk/>
+            <pc:sldMk cId="885965288" sldId="1278"/>
+            <ac:spMk id="2" creationId="{00000000-0000-0000-0000-000000000000}"/>
+          </ac:spMkLst>
+        </pc:spChg>
+        <pc:spChg chg="mod">
+          <ac:chgData name="Mike B" userId="5c4bf6a326bf31f5" providerId="LiveId" clId="{D54D15A3-E6C3-44B4-BF6A-2689751A6590}" dt="2025-02-02T19:55:32.835" v="2614" actId="403"/>
+          <ac:spMkLst>
+            <pc:docMk/>
+            <pc:sldMk cId="885965288" sldId="1278"/>
+            <ac:spMk id="3" creationId="{00000000-0000-0000-0000-000000000000}"/>
+          </ac:spMkLst>
+        </pc:spChg>
+      </pc:sldChg>
+      <pc:sldChg chg="addSp modSp add mod">
+        <pc:chgData name="Mike B" userId="5c4bf6a326bf31f5" providerId="LiveId" clId="{D54D15A3-E6C3-44B4-BF6A-2689751A6590}" dt="2025-02-02T19:38:55.253" v="1355" actId="1076"/>
+        <pc:sldMkLst>
+          <pc:docMk/>
+          <pc:sldMk cId="1084163813" sldId="1279"/>
+        </pc:sldMkLst>
+        <pc:spChg chg="mod">
+          <ac:chgData name="Mike B" userId="5c4bf6a326bf31f5" providerId="LiveId" clId="{D54D15A3-E6C3-44B4-BF6A-2689751A6590}" dt="2025-02-02T17:24:20.145" v="1075" actId="20577"/>
+          <ac:spMkLst>
+            <pc:docMk/>
+            <pc:sldMk cId="1084163813" sldId="1279"/>
+            <ac:spMk id="2" creationId="{00000000-0000-0000-0000-000000000000}"/>
+          </ac:spMkLst>
+        </pc:spChg>
+        <pc:spChg chg="mod">
+          <ac:chgData name="Mike B" userId="5c4bf6a326bf31f5" providerId="LiveId" clId="{D54D15A3-E6C3-44B4-BF6A-2689751A6590}" dt="2025-02-02T19:38:51.306" v="1354" actId="5793"/>
+          <ac:spMkLst>
+            <pc:docMk/>
+            <pc:sldMk cId="1084163813" sldId="1279"/>
+            <ac:spMk id="3" creationId="{00000000-0000-0000-0000-000000000000}"/>
+          </ac:spMkLst>
+        </pc:spChg>
+        <pc:spChg chg="add mod">
+          <ac:chgData name="Mike B" userId="5c4bf6a326bf31f5" providerId="LiveId" clId="{D54D15A3-E6C3-44B4-BF6A-2689751A6590}" dt="2025-02-02T19:38:55.253" v="1355" actId="1076"/>
+          <ac:spMkLst>
+            <pc:docMk/>
+            <pc:sldMk cId="1084163813" sldId="1279"/>
+            <ac:spMk id="4" creationId="{8AEA0636-3372-4134-8CAF-AB21C67F5FC0}"/>
+          </ac:spMkLst>
+        </pc:spChg>
+      </pc:sldChg>
+      <pc:sldChg chg="del">
+        <pc:chgData name="Mike B" userId="5c4bf6a326bf31f5" providerId="LiveId" clId="{D54D15A3-E6C3-44B4-BF6A-2689751A6590}" dt="2025-01-30T23:17:31.210" v="248" actId="2696"/>
+        <pc:sldMkLst>
+          <pc:docMk/>
+          <pc:sldMk cId="2839674854" sldId="1279"/>
+        </pc:sldMkLst>
+      </pc:sldChg>
+      <pc:sldChg chg="modSp add mod modAnim">
+        <pc:chgData name="Mike B" userId="5c4bf6a326bf31f5" providerId="LiveId" clId="{D54D15A3-E6C3-44B4-BF6A-2689751A6590}" dt="2025-02-02T19:50:11.271" v="2085"/>
+        <pc:sldMkLst>
+          <pc:docMk/>
+          <pc:sldMk cId="3503839129" sldId="1280"/>
+        </pc:sldMkLst>
+        <pc:spChg chg="mod">
+          <ac:chgData name="Mike B" userId="5c4bf6a326bf31f5" providerId="LiveId" clId="{D54D15A3-E6C3-44B4-BF6A-2689751A6590}" dt="2025-02-02T19:46:59.289" v="1729" actId="20577"/>
+          <ac:spMkLst>
+            <pc:docMk/>
+            <pc:sldMk cId="3503839129" sldId="1280"/>
+            <ac:spMk id="2" creationId="{00000000-0000-0000-0000-000000000000}"/>
+          </ac:spMkLst>
+        </pc:spChg>
+        <pc:spChg chg="mod">
+          <ac:chgData name="Mike B" userId="5c4bf6a326bf31f5" providerId="LiveId" clId="{D54D15A3-E6C3-44B4-BF6A-2689751A6590}" dt="2025-02-02T19:49:46.582" v="2080" actId="404"/>
+          <ac:spMkLst>
+            <pc:docMk/>
+            <pc:sldMk cId="3503839129" sldId="1280"/>
+            <ac:spMk id="3" creationId="{00000000-0000-0000-0000-000000000000}"/>
+          </ac:spMkLst>
+        </pc:spChg>
+      </pc:sldChg>
+      <pc:sldChg chg="modSp add mod">
+        <pc:chgData name="Mike B" userId="5c4bf6a326bf31f5" providerId="LiveId" clId="{D54D15A3-E6C3-44B4-BF6A-2689751A6590}" dt="2025-02-02T20:34:45.813" v="3966" actId="404"/>
+        <pc:sldMkLst>
+          <pc:docMk/>
+          <pc:sldMk cId="1487306533" sldId="1281"/>
+        </pc:sldMkLst>
+        <pc:spChg chg="mod">
+          <ac:chgData name="Mike B" userId="5c4bf6a326bf31f5" providerId="LiveId" clId="{D54D15A3-E6C3-44B4-BF6A-2689751A6590}" dt="2025-02-02T20:31:15.806" v="3527" actId="20577"/>
+          <ac:spMkLst>
+            <pc:docMk/>
+            <pc:sldMk cId="1487306533" sldId="1281"/>
+            <ac:spMk id="2" creationId="{00000000-0000-0000-0000-000000000000}"/>
+          </ac:spMkLst>
+        </pc:spChg>
+        <pc:spChg chg="mod">
+          <ac:chgData name="Mike B" userId="5c4bf6a326bf31f5" providerId="LiveId" clId="{D54D15A3-E6C3-44B4-BF6A-2689751A6590}" dt="2025-02-02T20:34:45.813" v="3966" actId="404"/>
+          <ac:spMkLst>
+            <pc:docMk/>
+            <pc:sldMk cId="1487306533" sldId="1281"/>
+            <ac:spMk id="3" creationId="{00000000-0000-0000-0000-000000000000}"/>
+          </ac:spMkLst>
+        </pc:spChg>
+      </pc:sldChg>
+      <pc:sldChg chg="modSp add mod modAnim">
+        <pc:chgData name="Mike B" userId="5c4bf6a326bf31f5" providerId="LiveId" clId="{D54D15A3-E6C3-44B4-BF6A-2689751A6590}" dt="2025-02-02T20:59:44.980" v="5016"/>
+        <pc:sldMkLst>
+          <pc:docMk/>
+          <pc:sldMk cId="3136370519" sldId="1282"/>
+        </pc:sldMkLst>
+        <pc:spChg chg="mod">
+          <ac:chgData name="Mike B" userId="5c4bf6a326bf31f5" providerId="LiveId" clId="{D54D15A3-E6C3-44B4-BF6A-2689751A6590}" dt="2025-02-02T20:06:12.043" v="2832" actId="20577"/>
+          <ac:spMkLst>
+            <pc:docMk/>
+            <pc:sldMk cId="3136370519" sldId="1282"/>
+            <ac:spMk id="2" creationId="{00000000-0000-0000-0000-000000000000}"/>
+          </ac:spMkLst>
+        </pc:spChg>
+        <pc:spChg chg="mod">
+          <ac:chgData name="Mike B" userId="5c4bf6a326bf31f5" providerId="LiveId" clId="{D54D15A3-E6C3-44B4-BF6A-2689751A6590}" dt="2025-02-02T20:59:22.119" v="5013" actId="403"/>
+          <ac:spMkLst>
+            <pc:docMk/>
+            <pc:sldMk cId="3136370519" sldId="1282"/>
+            <ac:spMk id="3" creationId="{00000000-0000-0000-0000-000000000000}"/>
+          </ac:spMkLst>
+        </pc:spChg>
+      </pc:sldChg>
+      <pc:sldChg chg="modSp add mod">
+        <pc:chgData name="Mike B" userId="5c4bf6a326bf31f5" providerId="LiveId" clId="{D54D15A3-E6C3-44B4-BF6A-2689751A6590}" dt="2025-02-02T21:18:22.482" v="5890" actId="404"/>
+        <pc:sldMkLst>
+          <pc:docMk/>
+          <pc:sldMk cId="1178536652" sldId="1283"/>
+        </pc:sldMkLst>
+        <pc:spChg chg="mod">
+          <ac:chgData name="Mike B" userId="5c4bf6a326bf31f5" providerId="LiveId" clId="{D54D15A3-E6C3-44B4-BF6A-2689751A6590}" dt="2025-02-02T20:06:22.415" v="2865" actId="20577"/>
+          <ac:spMkLst>
+            <pc:docMk/>
+            <pc:sldMk cId="1178536652" sldId="1283"/>
+            <ac:spMk id="2" creationId="{00000000-0000-0000-0000-000000000000}"/>
+          </ac:spMkLst>
+        </pc:spChg>
+        <pc:spChg chg="mod">
+          <ac:chgData name="Mike B" userId="5c4bf6a326bf31f5" providerId="LiveId" clId="{D54D15A3-E6C3-44B4-BF6A-2689751A6590}" dt="2025-02-02T21:18:22.482" v="5890" actId="404"/>
+          <ac:spMkLst>
+            <pc:docMk/>
+            <pc:sldMk cId="1178536652" sldId="1283"/>
+            <ac:spMk id="3" creationId="{00000000-0000-0000-0000-000000000000}"/>
+          </ac:spMkLst>
+        </pc:spChg>
+      </pc:sldChg>
+      <pc:sldChg chg="addSp delSp modSp add mod delAnim modAnim">
+        <pc:chgData name="Mike B" userId="5c4bf6a326bf31f5" providerId="LiveId" clId="{D54D15A3-E6C3-44B4-BF6A-2689751A6590}" dt="2025-02-02T20:29:52.461" v="3490"/>
+        <pc:sldMkLst>
+          <pc:docMk/>
+          <pc:sldMk cId="39351176" sldId="1284"/>
+        </pc:sldMkLst>
+        <pc:spChg chg="mod">
+          <ac:chgData name="Mike B" userId="5c4bf6a326bf31f5" providerId="LiveId" clId="{D54D15A3-E6C3-44B4-BF6A-2689751A6590}" dt="2025-02-02T20:21:53.209" v="3176" actId="20577"/>
+          <ac:spMkLst>
+            <pc:docMk/>
+            <pc:sldMk cId="39351176" sldId="1284"/>
+            <ac:spMk id="2" creationId="{00000000-0000-0000-0000-000000000000}"/>
+          </ac:spMkLst>
+        </pc:spChg>
+        <pc:spChg chg="mod">
+          <ac:chgData name="Mike B" userId="5c4bf6a326bf31f5" providerId="LiveId" clId="{D54D15A3-E6C3-44B4-BF6A-2689751A6590}" dt="2025-02-02T20:27:30.250" v="3477" actId="20577"/>
+          <ac:spMkLst>
+            <pc:docMk/>
+            <pc:sldMk cId="39351176" sldId="1284"/>
+            <ac:spMk id="3" creationId="{00000000-0000-0000-0000-000000000000}"/>
+          </ac:spMkLst>
+        </pc:spChg>
+        <pc:picChg chg="del">
+          <ac:chgData name="Mike B" userId="5c4bf6a326bf31f5" providerId="LiveId" clId="{D54D15A3-E6C3-44B4-BF6A-2689751A6590}" dt="2025-02-02T20:27:01.237" v="3394" actId="478"/>
+          <ac:picMkLst>
+            <pc:docMk/>
+            <pc:sldMk cId="39351176" sldId="1284"/>
+            <ac:picMk id="4" creationId="{CB00E1B8-B613-75EC-1061-57D6DAE59F8C}"/>
+          </ac:picMkLst>
+        </pc:picChg>
+        <pc:picChg chg="add mod modCrop">
+          <ac:chgData name="Mike B" userId="5c4bf6a326bf31f5" providerId="LiveId" clId="{D54D15A3-E6C3-44B4-BF6A-2689751A6590}" dt="2025-02-02T20:29:36.732" v="3488" actId="1076"/>
+          <ac:picMkLst>
+            <pc:docMk/>
+            <pc:sldMk cId="39351176" sldId="1284"/>
+            <ac:picMk id="7" creationId="{391D50DC-10F9-600C-942B-A0C3FFD033CC}"/>
+          </ac:picMkLst>
+        </pc:picChg>
+      </pc:sldChg>
+      <pc:sldChg chg="modSp add mod">
+        <pc:chgData name="Mike B" userId="5c4bf6a326bf31f5" providerId="LiveId" clId="{D54D15A3-E6C3-44B4-BF6A-2689751A6590}" dt="2025-02-02T20:41:07.691" v="4424" actId="404"/>
+        <pc:sldMkLst>
+          <pc:docMk/>
+          <pc:sldMk cId="281512540" sldId="1285"/>
+        </pc:sldMkLst>
+        <pc:spChg chg="mod">
+          <ac:chgData name="Mike B" userId="5c4bf6a326bf31f5" providerId="LiveId" clId="{D54D15A3-E6C3-44B4-BF6A-2689751A6590}" dt="2025-02-02T20:41:07.691" v="4424" actId="404"/>
+          <ac:spMkLst>
+            <pc:docMk/>
+            <pc:sldMk cId="281512540" sldId="1285"/>
+            <ac:spMk id="3" creationId="{00000000-0000-0000-0000-000000000000}"/>
+          </ac:spMkLst>
+        </pc:spChg>
+      </pc:sldChg>
+      <pc:sldChg chg="modSp add mod modAnim">
+        <pc:chgData name="Mike B" userId="5c4bf6a326bf31f5" providerId="LiveId" clId="{D54D15A3-E6C3-44B4-BF6A-2689751A6590}" dt="2025-02-02T21:16:28.671" v="5888"/>
+        <pc:sldMkLst>
+          <pc:docMk/>
+          <pc:sldMk cId="262171497" sldId="1286"/>
+        </pc:sldMkLst>
+        <pc:spChg chg="mod">
+          <ac:chgData name="Mike B" userId="5c4bf6a326bf31f5" providerId="LiveId" clId="{D54D15A3-E6C3-44B4-BF6A-2689751A6590}" dt="2025-02-02T21:10:10.729" v="5319" actId="20577"/>
+          <ac:spMkLst>
+            <pc:docMk/>
+            <pc:sldMk cId="262171497" sldId="1286"/>
+            <ac:spMk id="2" creationId="{00000000-0000-0000-0000-000000000000}"/>
+          </ac:spMkLst>
+        </pc:spChg>
+        <pc:spChg chg="mod">
+          <ac:chgData name="Mike B" userId="5c4bf6a326bf31f5" providerId="LiveId" clId="{D54D15A3-E6C3-44B4-BF6A-2689751A6590}" dt="2025-02-02T21:16:06.038" v="5887" actId="20577"/>
+          <ac:spMkLst>
+            <pc:docMk/>
+            <pc:sldMk cId="262171497" sldId="1286"/>
+            <ac:spMk id="3" creationId="{00000000-0000-0000-0000-000000000000}"/>
+          </ac:spMkLst>
+        </pc:spChg>
+      </pc:sldChg>
+    </pc:docChg>
+  </pc:docChgLst>
+  <pc:docChgLst>
+    <pc:chgData name="Mike B" userId="5c4bf6a326bf31f5" providerId="LiveId" clId="{76DDEA14-774A-4263-9F62-41BDB638666F}"/>
+    <pc:docChg chg="undo custSel addSld delSld modSld">
+      <pc:chgData name="Mike B" userId="5c4bf6a326bf31f5" providerId="LiveId" clId="{76DDEA14-774A-4263-9F62-41BDB638666F}" dt="2025-01-08T17:34:27.689" v="776" actId="5793"/>
+      <pc:docMkLst>
+        <pc:docMk/>
+      </pc:docMkLst>
+      <pc:sldChg chg="modSp mod">
+        <pc:chgData name="Mike B" userId="5c4bf6a326bf31f5" providerId="LiveId" clId="{76DDEA14-774A-4263-9F62-41BDB638666F}" dt="2025-01-08T17:07:53.029" v="109" actId="20577"/>
+        <pc:sldMkLst>
+          <pc:docMk/>
+          <pc:sldMk cId="0" sldId="256"/>
+        </pc:sldMkLst>
+        <pc:spChg chg="mod">
+          <ac:chgData name="Mike B" userId="5c4bf6a326bf31f5" providerId="LiveId" clId="{76DDEA14-774A-4263-9F62-41BDB638666F}" dt="2025-01-03T01:30:47.274" v="33" actId="20577"/>
+          <ac:spMkLst>
+            <pc:docMk/>
+            <pc:sldMk cId="0" sldId="256"/>
+            <ac:spMk id="2050" creationId="{00000000-0000-0000-0000-000000000000}"/>
+          </ac:spMkLst>
+        </pc:spChg>
+        <pc:spChg chg="mod">
+          <ac:chgData name="Mike B" userId="5c4bf6a326bf31f5" providerId="LiveId" clId="{76DDEA14-774A-4263-9F62-41BDB638666F}" dt="2025-01-08T17:07:53.029" v="109" actId="20577"/>
+          <ac:spMkLst>
+            <pc:docMk/>
+            <pc:sldMk cId="0" sldId="256"/>
+            <ac:spMk id="2051" creationId="{00000000-0000-0000-0000-000000000000}"/>
+          </ac:spMkLst>
+        </pc:spChg>
+      </pc:sldChg>
+      <pc:sldChg chg="modSp mod">
+        <pc:chgData name="Mike B" userId="5c4bf6a326bf31f5" providerId="LiveId" clId="{76DDEA14-774A-4263-9F62-41BDB638666F}" dt="2025-01-08T17:09:24.385" v="138" actId="113"/>
+        <pc:sldMkLst>
+          <pc:docMk/>
+          <pc:sldMk cId="0" sldId="287"/>
+        </pc:sldMkLst>
+        <pc:spChg chg="mod">
+          <ac:chgData name="Mike B" userId="5c4bf6a326bf31f5" providerId="LiveId" clId="{76DDEA14-774A-4263-9F62-41BDB638666F}" dt="2025-01-08T17:09:24.385" v="138" actId="113"/>
+          <ac:spMkLst>
+            <pc:docMk/>
+            <pc:sldMk cId="0" sldId="287"/>
+            <ac:spMk id="119811" creationId="{00000000-0000-0000-0000-000000000000}"/>
+          </ac:spMkLst>
+        </pc:spChg>
+      </pc:sldChg>
+      <pc:sldChg chg="modSp mod">
+        <pc:chgData name="Mike B" userId="5c4bf6a326bf31f5" providerId="LiveId" clId="{76DDEA14-774A-4263-9F62-41BDB638666F}" dt="2025-01-08T17:11:58.783" v="229" actId="20577"/>
+        <pc:sldMkLst>
+          <pc:docMk/>
+          <pc:sldMk cId="1782408873" sldId="342"/>
+        </pc:sldMkLst>
+        <pc:spChg chg="mod">
+          <ac:chgData name="Mike B" userId="5c4bf6a326bf31f5" providerId="LiveId" clId="{76DDEA14-774A-4263-9F62-41BDB638666F}" dt="2025-01-03T01:32:08.225" v="80" actId="20577"/>
+          <ac:spMkLst>
+            <pc:docMk/>
+            <pc:sldMk cId="1782408873" sldId="342"/>
+            <ac:spMk id="3" creationId="{00000000-0000-0000-0000-000000000000}"/>
+          </ac:spMkLst>
+        </pc:spChg>
+        <pc:spChg chg="mod">
+          <ac:chgData name="Mike B" userId="5c4bf6a326bf31f5" providerId="LiveId" clId="{76DDEA14-774A-4263-9F62-41BDB638666F}" dt="2025-01-08T17:11:58.783" v="229" actId="20577"/>
+          <ac:spMkLst>
+            <pc:docMk/>
+            <pc:sldMk cId="1782408873" sldId="342"/>
+            <ac:spMk id="4" creationId="{00000000-0000-0000-0000-000000000000}"/>
+          </ac:spMkLst>
+        </pc:spChg>
+      </pc:sldChg>
+      <pc:sldChg chg="modSp add mod">
+        <pc:chgData name="Mike B" userId="5c4bf6a326bf31f5" providerId="LiveId" clId="{76DDEA14-774A-4263-9F62-41BDB638666F}" dt="2025-01-08T17:11:44.916" v="200" actId="20577"/>
+        <pc:sldMkLst>
+          <pc:docMk/>
+          <pc:sldMk cId="1183369332" sldId="343"/>
+        </pc:sldMkLst>
+        <pc:spChg chg="mod">
+          <ac:chgData name="Mike B" userId="5c4bf6a326bf31f5" providerId="LiveId" clId="{76DDEA14-774A-4263-9F62-41BDB638666F}" dt="2025-01-08T17:11:44.916" v="200" actId="20577"/>
+          <ac:spMkLst>
+            <pc:docMk/>
+            <pc:sldMk cId="1183369332" sldId="343"/>
+            <ac:spMk id="118787" creationId="{00000000-0000-0000-0000-000000000000}"/>
+          </ac:spMkLst>
+        </pc:spChg>
+      </pc:sldChg>
+      <pc:sldChg chg="add">
+        <pc:chgData name="Mike B" userId="5c4bf6a326bf31f5" providerId="LiveId" clId="{76DDEA14-774A-4263-9F62-41BDB638666F}" dt="2025-01-08T17:10:28.173" v="140"/>
+        <pc:sldMkLst>
+          <pc:docMk/>
+          <pc:sldMk cId="2010995209" sldId="359"/>
+        </pc:sldMkLst>
+      </pc:sldChg>
+      <pc:sldChg chg="del">
+        <pc:chgData name="Mike B" userId="5c4bf6a326bf31f5" providerId="LiveId" clId="{76DDEA14-774A-4263-9F62-41BDB638666F}" dt="2025-01-03T01:30:05.973" v="2" actId="2696"/>
+        <pc:sldMkLst>
+          <pc:docMk/>
+          <pc:sldMk cId="529469595" sldId="360"/>
+        </pc:sldMkLst>
+      </pc:sldChg>
+      <pc:sldChg chg="modSp mod">
+        <pc:chgData name="Mike B" userId="5c4bf6a326bf31f5" providerId="LiveId" clId="{76DDEA14-774A-4263-9F62-41BDB638666F}" dt="2025-01-08T17:34:27.689" v="776" actId="5793"/>
+        <pc:sldMkLst>
+          <pc:docMk/>
+          <pc:sldMk cId="3710951061" sldId="361"/>
+        </pc:sldMkLst>
+        <pc:spChg chg="mod">
+          <ac:chgData name="Mike B" userId="5c4bf6a326bf31f5" providerId="LiveId" clId="{76DDEA14-774A-4263-9F62-41BDB638666F}" dt="2025-01-08T17:34:27.689" v="776" actId="5793"/>
+          <ac:spMkLst>
+            <pc:docMk/>
+            <pc:sldMk cId="3710951061" sldId="361"/>
+            <ac:spMk id="118787" creationId="{00000000-0000-0000-0000-000000000000}"/>
+          </ac:spMkLst>
+        </pc:spChg>
+      </pc:sldChg>
+      <pc:sldChg chg="del">
+        <pc:chgData name="Mike B" userId="5c4bf6a326bf31f5" providerId="LiveId" clId="{76DDEA14-774A-4263-9F62-41BDB638666F}" dt="2025-01-03T01:30:11.056" v="3" actId="2696"/>
+        <pc:sldMkLst>
+          <pc:docMk/>
+          <pc:sldMk cId="2370785148" sldId="380"/>
+        </pc:sldMkLst>
+      </pc:sldChg>
+      <pc:sldChg chg="modSp modAnim">
+        <pc:chgData name="Mike B" userId="5c4bf6a326bf31f5" providerId="LiveId" clId="{76DDEA14-774A-4263-9F62-41BDB638666F}" dt="2025-01-08T17:12:41.775" v="231" actId="20577"/>
+        <pc:sldMkLst>
+          <pc:docMk/>
+          <pc:sldMk cId="3723772096" sldId="461"/>
+        </pc:sldMkLst>
+        <pc:spChg chg="mod">
+          <ac:chgData name="Mike B" userId="5c4bf6a326bf31f5" providerId="LiveId" clId="{76DDEA14-774A-4263-9F62-41BDB638666F}" dt="2025-01-08T17:12:41.775" v="231" actId="20577"/>
+          <ac:spMkLst>
+            <pc:docMk/>
+            <pc:sldMk cId="3723772096" sldId="461"/>
+            <ac:spMk id="2" creationId="{00000000-0000-0000-0000-000000000000}"/>
+          </ac:spMkLst>
+        </pc:spChg>
+      </pc:sldChg>
+      <pc:sldChg chg="modAnim">
+        <pc:chgData name="Mike B" userId="5c4bf6a326bf31f5" providerId="LiveId" clId="{76DDEA14-774A-4263-9F62-41BDB638666F}" dt="2025-01-08T17:12:53.469" v="232"/>
+        <pc:sldMkLst>
+          <pc:docMk/>
+          <pc:sldMk cId="1059591430" sldId="527"/>
+        </pc:sldMkLst>
+      </pc:sldChg>
+      <pc:sldChg chg="modSp">
+        <pc:chgData name="Mike B" userId="5c4bf6a326bf31f5" providerId="LiveId" clId="{76DDEA14-774A-4263-9F62-41BDB638666F}" dt="2025-01-08T17:13:20.664" v="256" actId="20577"/>
+        <pc:sldMkLst>
+          <pc:docMk/>
+          <pc:sldMk cId="881136697" sldId="529"/>
+        </pc:sldMkLst>
+        <pc:spChg chg="mod">
+          <ac:chgData name="Mike B" userId="5c4bf6a326bf31f5" providerId="LiveId" clId="{76DDEA14-774A-4263-9F62-41BDB638666F}" dt="2025-01-08T17:13:20.664" v="256" actId="20577"/>
+          <ac:spMkLst>
+            <pc:docMk/>
+            <pc:sldMk cId="881136697" sldId="529"/>
+            <ac:spMk id="3" creationId="{00000000-0000-0000-0000-000000000000}"/>
+          </ac:spMkLst>
+        </pc:spChg>
+      </pc:sldChg>
+      <pc:sldChg chg="modAnim">
+        <pc:chgData name="Mike B" userId="5c4bf6a326bf31f5" providerId="LiveId" clId="{76DDEA14-774A-4263-9F62-41BDB638666F}" dt="2025-01-08T17:14:42.790" v="260"/>
+        <pc:sldMkLst>
+          <pc:docMk/>
+          <pc:sldMk cId="3582481671" sldId="541"/>
+        </pc:sldMkLst>
+      </pc:sldChg>
+      <pc:sldChg chg="modSp mod">
+        <pc:chgData name="Mike B" userId="5c4bf6a326bf31f5" providerId="LiveId" clId="{76DDEA14-774A-4263-9F62-41BDB638666F}" dt="2025-01-08T17:15:41.888" v="293" actId="20577"/>
+        <pc:sldMkLst>
+          <pc:docMk/>
+          <pc:sldMk cId="1827963335" sldId="546"/>
+        </pc:sldMkLst>
+        <pc:spChg chg="mod">
+          <ac:chgData name="Mike B" userId="5c4bf6a326bf31f5" providerId="LiveId" clId="{76DDEA14-774A-4263-9F62-41BDB638666F}" dt="2025-01-08T17:15:41.888" v="293" actId="20577"/>
+          <ac:spMkLst>
+            <pc:docMk/>
+            <pc:sldMk cId="1827963335" sldId="546"/>
+            <ac:spMk id="3" creationId="{00000000-0000-0000-0000-000000000000}"/>
+          </ac:spMkLst>
+        </pc:spChg>
+      </pc:sldChg>
+      <pc:sldChg chg="modSp modAnim">
+        <pc:chgData name="Mike B" userId="5c4bf6a326bf31f5" providerId="LiveId" clId="{76DDEA14-774A-4263-9F62-41BDB638666F}" dt="2025-01-08T17:16:12.995" v="294" actId="20577"/>
+        <pc:sldMkLst>
+          <pc:docMk/>
+          <pc:sldMk cId="3625575901" sldId="551"/>
+        </pc:sldMkLst>
+        <pc:spChg chg="mod">
+          <ac:chgData name="Mike B" userId="5c4bf6a326bf31f5" providerId="LiveId" clId="{76DDEA14-774A-4263-9F62-41BDB638666F}" dt="2025-01-08T17:16:12.995" v="294" actId="20577"/>
+          <ac:spMkLst>
+            <pc:docMk/>
+            <pc:sldMk cId="3625575901" sldId="551"/>
+            <ac:spMk id="3" creationId="{00000000-0000-0000-0000-000000000000}"/>
+          </ac:spMkLst>
+        </pc:spChg>
+      </pc:sldChg>
+      <pc:sldChg chg="del">
+        <pc:chgData name="Mike B" userId="5c4bf6a326bf31f5" providerId="LiveId" clId="{76DDEA14-774A-4263-9F62-41BDB638666F}" dt="2025-01-03T01:29:40.919" v="0" actId="2696"/>
+        <pc:sldMkLst>
+          <pc:docMk/>
+          <pc:sldMk cId="4108497874" sldId="634"/>
+        </pc:sldMkLst>
+      </pc:sldChg>
+      <pc:sldChg chg="del">
+        <pc:chgData name="Mike B" userId="5c4bf6a326bf31f5" providerId="LiveId" clId="{76DDEA14-774A-4263-9F62-41BDB638666F}" dt="2025-01-03T01:29:40.919" v="0" actId="2696"/>
+        <pc:sldMkLst>
+          <pc:docMk/>
+          <pc:sldMk cId="2595072114" sldId="653"/>
+        </pc:sldMkLst>
+      </pc:sldChg>
+      <pc:sldChg chg="del">
+        <pc:chgData name="Mike B" userId="5c4bf6a326bf31f5" providerId="LiveId" clId="{76DDEA14-774A-4263-9F62-41BDB638666F}" dt="2025-01-03T01:29:40.919" v="0" actId="2696"/>
+        <pc:sldMkLst>
+          <pc:docMk/>
+          <pc:sldMk cId="2871737530" sldId="658"/>
+        </pc:sldMkLst>
+      </pc:sldChg>
+      <pc:sldChg chg="del">
+        <pc:chgData name="Mike B" userId="5c4bf6a326bf31f5" providerId="LiveId" clId="{76DDEA14-774A-4263-9F62-41BDB638666F}" dt="2025-01-03T01:29:40.919" v="0" actId="2696"/>
+        <pc:sldMkLst>
+          <pc:docMk/>
+          <pc:sldMk cId="467519752" sldId="661"/>
+        </pc:sldMkLst>
+      </pc:sldChg>
+      <pc:sldChg chg="del">
+        <pc:chgData name="Mike B" userId="5c4bf6a326bf31f5" providerId="LiveId" clId="{76DDEA14-774A-4263-9F62-41BDB638666F}" dt="2025-01-03T01:29:40.919" v="0" actId="2696"/>
+        <pc:sldMkLst>
+          <pc:docMk/>
+          <pc:sldMk cId="2470446495" sldId="662"/>
+        </pc:sldMkLst>
+      </pc:sldChg>
+      <pc:sldChg chg="del">
+        <pc:chgData name="Mike B" userId="5c4bf6a326bf31f5" providerId="LiveId" clId="{76DDEA14-774A-4263-9F62-41BDB638666F}" dt="2025-01-03T01:29:40.919" v="0" actId="2696"/>
+        <pc:sldMkLst>
+          <pc:docMk/>
+          <pc:sldMk cId="1971962464" sldId="690"/>
+        </pc:sldMkLst>
+      </pc:sldChg>
+      <pc:sldChg chg="del">
+        <pc:chgData name="Mike B" userId="5c4bf6a326bf31f5" providerId="LiveId" clId="{76DDEA14-774A-4263-9F62-41BDB638666F}" dt="2025-01-03T01:30:05.973" v="2" actId="2696"/>
+        <pc:sldMkLst>
+          <pc:docMk/>
+          <pc:sldMk cId="4182831786" sldId="777"/>
+        </pc:sldMkLst>
+      </pc:sldChg>
+      <pc:sldChg chg="del">
+        <pc:chgData name="Mike B" userId="5c4bf6a326bf31f5" providerId="LiveId" clId="{76DDEA14-774A-4263-9F62-41BDB638666F}" dt="2025-01-03T01:29:59.856" v="1" actId="2696"/>
+        <pc:sldMkLst>
+          <pc:docMk/>
+          <pc:sldMk cId="2691135494" sldId="778"/>
+        </pc:sldMkLst>
+      </pc:sldChg>
+      <pc:sldChg chg="del">
+        <pc:chgData name="Mike B" userId="5c4bf6a326bf31f5" providerId="LiveId" clId="{76DDEA14-774A-4263-9F62-41BDB638666F}" dt="2025-01-03T01:29:59.856" v="1" actId="2696"/>
+        <pc:sldMkLst>
+          <pc:docMk/>
+          <pc:sldMk cId="494230690" sldId="780"/>
+        </pc:sldMkLst>
+      </pc:sldChg>
+      <pc:sldChg chg="del">
+        <pc:chgData name="Mike B" userId="5c4bf6a326bf31f5" providerId="LiveId" clId="{76DDEA14-774A-4263-9F62-41BDB638666F}" dt="2025-01-03T01:29:59.856" v="1" actId="2696"/>
+        <pc:sldMkLst>
+          <pc:docMk/>
+          <pc:sldMk cId="1889596787" sldId="781"/>
+        </pc:sldMkLst>
+      </pc:sldChg>
+      <pc:sldChg chg="del">
+        <pc:chgData name="Mike B" userId="5c4bf6a326bf31f5" providerId="LiveId" clId="{76DDEA14-774A-4263-9F62-41BDB638666F}" dt="2025-01-03T01:29:59.856" v="1" actId="2696"/>
+        <pc:sldMkLst>
+          <pc:docMk/>
+          <pc:sldMk cId="184063669" sldId="782"/>
+        </pc:sldMkLst>
       </pc:sldChg>
     </pc:docChg>
   </pc:docChgLst>
@@ -8018,7 +8018,7 @@
           <a:p>
             <a:fld id="{A96E0CAE-2DE7-439C-BCF1-8B171D71348A}" type="datetimeFigureOut">
               <a:rPr lang="en-US" smtClean="0"/>
-              <a:t>2/9/2025</a:t>
+              <a:t>2/10/25</a:t>
             </a:fld>
             <a:endParaRPr lang="en-US"/>
           </a:p>
@@ -8329,7 +8329,19 @@
           <a:bodyPr/>
           <a:lstStyle/>
           <a:p>
+            <a:r>
+              <a:rPr lang="en-US" dirty="0"/>
+              <a:t>Multiplying by -2 makes the error a chi-square distribution</a:t>
+            </a:r>
+          </a:p>
+          <a:p>
             <a:endParaRPr lang="en-US" dirty="0"/>
+          </a:p>
+          <a:p>
+            <a:r>
+              <a:rPr lang="en-US" dirty="0"/>
+              <a:t>Not relevant to compare models (if they have different sample sizes)</a:t>
+            </a:r>
           </a:p>
         </p:txBody>
       </p:sp>
@@ -8749,7 +8761,19 @@
           <a:bodyPr/>
           <a:lstStyle/>
           <a:p>
+            <a:r>
+              <a:rPr lang="en-US" dirty="0"/>
+              <a:t>This Random Intercept Model - 5 Parameters</a:t>
+            </a:r>
+          </a:p>
+          <a:p>
             <a:endParaRPr lang="en-US" dirty="0"/>
+          </a:p>
+          <a:p>
+            <a:r>
+              <a:rPr lang="en-US" dirty="0"/>
+              <a:t>Null Model – 3 Parameters</a:t>
+            </a:r>
           </a:p>
         </p:txBody>
       </p:sp>
@@ -8780,6 +8804,152 @@
     <p:extLst>
       <p:ext uri="{BB962C8B-B14F-4D97-AF65-F5344CB8AC3E}">
         <p14:creationId xmlns:p14="http://schemas.microsoft.com/office/powerpoint/2010/main" val="4159421401"/>
+      </p:ext>
+    </p:extLst>
+  </p:cSld>
+  <p:clrMapOvr>
+    <a:masterClrMapping/>
+  </p:clrMapOvr>
+</p:notes>
+</file>
+
+<file path=ppt/notesSlides/notesSlide15.xml><?xml version="1.0" encoding="utf-8"?>
+<p:notes xmlns:a="http://schemas.openxmlformats.org/drawingml/2006/main" xmlns:r="http://schemas.openxmlformats.org/officeDocument/2006/relationships" xmlns:p="http://schemas.openxmlformats.org/presentationml/2006/main">
+  <p:cSld>
+    <p:spTree>
+      <p:nvGrpSpPr>
+        <p:cNvPr id="1" name=""/>
+        <p:cNvGrpSpPr/>
+        <p:nvPr/>
+      </p:nvGrpSpPr>
+      <p:grpSpPr>
+        <a:xfrm>
+          <a:off x="0" y="0"/>
+          <a:ext cx="0" cy="0"/>
+          <a:chOff x="0" y="0"/>
+          <a:chExt cx="0" cy="0"/>
+        </a:xfrm>
+      </p:grpSpPr>
+      <p:sp>
+        <p:nvSpPr>
+          <p:cNvPr id="2" name="Slide Image Placeholder 1"/>
+          <p:cNvSpPr>
+            <a:spLocks noGrp="1" noRot="1" noChangeAspect="1"/>
+          </p:cNvSpPr>
+          <p:nvPr>
+            <p:ph type="sldImg"/>
+          </p:nvPr>
+        </p:nvSpPr>
+        <p:spPr/>
+      </p:sp>
+      <p:sp>
+        <p:nvSpPr>
+          <p:cNvPr id="3" name="Notes Placeholder 2"/>
+          <p:cNvSpPr>
+            <a:spLocks noGrp="1"/>
+          </p:cNvSpPr>
+          <p:nvPr>
+            <p:ph type="body" idx="1"/>
+          </p:nvPr>
+        </p:nvSpPr>
+        <p:spPr/>
+        <p:txBody>
+          <a:bodyPr/>
+          <a:lstStyle/>
+          <a:p>
+            <a:r>
+              <a:rPr lang="en-US" b="1" i="0" dirty="0">
+                <a:solidFill>
+                  <a:srgbClr val="001D35"/>
+                </a:solidFill>
+                <a:effectLst/>
+                <a:latin typeface="Google Sans"/>
+              </a:rPr>
+              <a:t>Saturated model</a:t>
+            </a:r>
+            <a:r>
+              <a:rPr lang="en-US" b="0" i="0" dirty="0">
+                <a:solidFill>
+                  <a:srgbClr val="001D35"/>
+                </a:solidFill>
+                <a:effectLst/>
+                <a:latin typeface="Google Sans"/>
+              </a:rPr>
+              <a:t> represents a model that includes all possible relationships between variables, perfectly fitting the data by having a parameter for every variance and covariance, </a:t>
+            </a:r>
+          </a:p>
+          <a:p>
+            <a:r>
+              <a:rPr lang="en-US" b="0" i="0" dirty="0">
+                <a:solidFill>
+                  <a:srgbClr val="001D35"/>
+                </a:solidFill>
+                <a:effectLst/>
+                <a:latin typeface="Google Sans"/>
+              </a:rPr>
+              <a:t>while an </a:t>
+            </a:r>
+            <a:r>
+              <a:rPr lang="en-US" b="1" i="0">
+                <a:solidFill>
+                  <a:srgbClr val="001D35"/>
+                </a:solidFill>
+                <a:effectLst/>
+                <a:latin typeface="Google Sans"/>
+              </a:rPr>
+              <a:t>Unsaturated model</a:t>
+            </a:r>
+            <a:r>
+              <a:rPr lang="en-US" b="0" i="0">
+                <a:solidFill>
+                  <a:srgbClr val="001D35"/>
+                </a:solidFill>
+                <a:effectLst/>
+                <a:latin typeface="Google Sans"/>
+              </a:rPr>
+              <a:t> </a:t>
+            </a:r>
+            <a:r>
+              <a:rPr lang="en-US" b="0" i="0" dirty="0">
+                <a:solidFill>
+                  <a:srgbClr val="001D35"/>
+                </a:solidFill>
+                <a:effectLst/>
+                <a:latin typeface="Google Sans"/>
+              </a:rPr>
+              <a:t>is a model with fewer parameters than the available data, meaning it does not capture all possible relationships and therefore does not perfectly fit the data</a:t>
+            </a:r>
+            <a:endParaRPr lang="en-US" dirty="0"/>
+          </a:p>
+        </p:txBody>
+      </p:sp>
+      <p:sp>
+        <p:nvSpPr>
+          <p:cNvPr id="4" name="Slide Number Placeholder 3"/>
+          <p:cNvSpPr>
+            <a:spLocks noGrp="1"/>
+          </p:cNvSpPr>
+          <p:nvPr>
+            <p:ph type="sldNum" sz="quarter" idx="5"/>
+          </p:nvPr>
+        </p:nvSpPr>
+        <p:spPr/>
+        <p:txBody>
+          <a:bodyPr/>
+          <a:lstStyle/>
+          <a:p>
+            <a:fld id="{516DE6E6-06DE-4D07-B2DE-BB58C9CFFF00}" type="slidenum">
+              <a:rPr lang="en-US" smtClean="0"/>
+              <a:t>22</a:t>
+            </a:fld>
+            <a:endParaRPr lang="en-US"/>
+          </a:p>
+        </p:txBody>
+      </p:sp>
+    </p:spTree>
+    <p:extLst>
+      <p:ext uri="{BB962C8B-B14F-4D97-AF65-F5344CB8AC3E}">
+        <p14:creationId xmlns:p14="http://schemas.microsoft.com/office/powerpoint/2010/main" val="3564479103"/>
       </p:ext>
     </p:extLst>
   </p:cSld>
@@ -9001,7 +9171,19 @@
           <a:bodyPr/>
           <a:lstStyle/>
           <a:p>
+            <a:r>
+              <a:rPr lang="en-US" dirty="0"/>
+              <a:t>For smaller sample, use AIC</a:t>
+            </a:r>
+          </a:p>
+          <a:p>
             <a:endParaRPr lang="en-US" dirty="0"/>
+          </a:p>
+          <a:p>
+            <a:r>
+              <a:rPr lang="en-US" dirty="0"/>
+              <a:t>AIC prioritizes good predictions more than the true model, as n becomes larger AIC will always select the more complex model (with larger parameters)</a:t>
+            </a:r>
           </a:p>
         </p:txBody>
       </p:sp>
@@ -9085,7 +9267,19 @@
           <a:bodyPr/>
           <a:lstStyle/>
           <a:p>
+            <a:r>
+              <a:rPr lang="en-US" dirty="0"/>
+              <a:t>For larger sample sizes – Use BIC</a:t>
+            </a:r>
+          </a:p>
+          <a:p>
             <a:endParaRPr lang="en-US" dirty="0"/>
+          </a:p>
+          <a:p>
+            <a:r>
+              <a:rPr lang="en-US" dirty="0"/>
+              <a:t>BIC is stricter and aims to find the true model, but it might miss some complexity in the data. —&gt; selects simpler model</a:t>
+            </a:r>
           </a:p>
         </p:txBody>
       </p:sp>
@@ -9421,7 +9615,16 @@
           <a:bodyPr/>
           <a:lstStyle/>
           <a:p>
-            <a:endParaRPr lang="en-US" dirty="0"/>
+            <a:r>
+              <a:rPr lang="en-US" dirty="0"/>
+              <a:t>BG – PRV can be done for random slope model </a:t>
+            </a:r>
+          </a:p>
+          <a:p>
+            <a:r>
+              <a:rPr lang="en-US" dirty="0"/>
+              <a:t>OR both slope and intercept as long as they don’t covary (Variance Component/ VC ) and NOT unstructured (UN)</a:t>
+            </a:r>
           </a:p>
         </p:txBody>
       </p:sp>
@@ -13742,8 +13945,8 @@
           </a:p>
         </p:txBody>
       </p:sp>
-      <mc:AlternateContent xmlns:mc="http://schemas.openxmlformats.org/markup-compatibility/2006">
-        <mc:Choice xmlns:a14="http://schemas.microsoft.com/office/drawing/2010/main" Requires="a14">
+      <mc:AlternateContent xmlns:mc="http://schemas.openxmlformats.org/markup-compatibility/2006" xmlns:a14="http://schemas.microsoft.com/office/drawing/2010/main">
+        <mc:Choice Requires="a14">
           <p:sp>
             <p:nvSpPr>
               <p:cNvPr id="4" name="TextBox 3">
@@ -13853,7 +14056,7 @@
             </p:txBody>
           </p:sp>
         </mc:Choice>
-        <mc:Fallback>
+        <mc:Fallback xmlns="">
           <p:sp>
             <p:nvSpPr>
               <p:cNvPr id="4" name="TextBox 3">
@@ -14364,8 +14567,8 @@
           </a:p>
         </p:txBody>
       </p:sp>
-      <mc:AlternateContent xmlns:mc="http://schemas.openxmlformats.org/markup-compatibility/2006">
-        <mc:Choice xmlns:a14="http://schemas.microsoft.com/office/drawing/2010/main" Requires="a14">
+      <mc:AlternateContent xmlns:mc="http://schemas.openxmlformats.org/markup-compatibility/2006" xmlns:a14="http://schemas.microsoft.com/office/drawing/2010/main">
+        <mc:Choice Requires="a14">
           <p:sp>
             <p:nvSpPr>
               <p:cNvPr id="4" name="TextBox 3">
@@ -14405,13 +14608,7 @@
                         <a:rPr lang="en-US" sz="2800" b="0" i="1" smtClean="0">
                           <a:latin typeface="Cambria Math" panose="02040503050406030204" pitchFamily="18" charset="0"/>
                         </a:rPr>
-                        <m:t>𝑊</m:t>
-                      </m:r>
-                      <m:r>
-                        <a:rPr lang="en-US" sz="2800" b="0" i="1" smtClean="0">
-                          <a:latin typeface="Cambria Math" panose="02040503050406030204" pitchFamily="18" charset="0"/>
-                        </a:rPr>
-                        <m:t>𝐺</m:t>
+                        <m:t>𝑊𝐺</m:t>
                       </m:r>
                       <m:r>
                         <a:rPr lang="en-US" sz="2800" b="0" i="1" smtClean="0">
@@ -14441,13 +14638,7 @@
                         <a:rPr lang="en-US" sz="2800" b="0" i="1" smtClean="0">
                           <a:latin typeface="Cambria Math" panose="02040503050406030204" pitchFamily="18" charset="0"/>
                         </a:rPr>
-                        <m:t>𝑅𝑒𝑠𝑖𝑑</m:t>
-                      </m:r>
-                      <m:r>
-                        <a:rPr lang="en-US" sz="2800" b="0" i="1" smtClean="0">
-                          <a:latin typeface="Cambria Math" panose="02040503050406030204" pitchFamily="18" charset="0"/>
-                        </a:rPr>
-                        <m:t>𝑁𝑢𝑙𝑙</m:t>
+                        <m:t>𝑅𝑒𝑠𝑖𝑑𝑁𝑢𝑙𝑙</m:t>
                       </m:r>
                       <m:r>
                         <a:rPr lang="en-US" sz="2800" b="0" i="1" smtClean="0">
@@ -14459,13 +14650,7 @@
                         <a:rPr lang="en-US" sz="2800" b="0" i="1" smtClean="0">
                           <a:latin typeface="Cambria Math" panose="02040503050406030204" pitchFamily="18" charset="0"/>
                         </a:rPr>
-                        <m:t>𝑅𝑒𝑠𝑖𝑑</m:t>
-                      </m:r>
-                      <m:r>
-                        <a:rPr lang="en-US" sz="2800" b="0" i="1" smtClean="0">
-                          <a:latin typeface="Cambria Math" panose="02040503050406030204" pitchFamily="18" charset="0"/>
-                        </a:rPr>
-                        <m:t>𝐹𝑢𝑙𝑙</m:t>
+                        <m:t>𝑅𝑒𝑠𝑖𝑑𝐹𝑢𝑙𝑙</m:t>
                       </m:r>
                       <m:r>
                         <a:rPr lang="en-US" sz="2800" i="1">
@@ -14483,13 +14668,7 @@
                         <a:rPr lang="en-US" sz="2800" b="0" i="1" smtClean="0">
                           <a:latin typeface="Cambria Math" panose="02040503050406030204" pitchFamily="18" charset="0"/>
                         </a:rPr>
-                        <m:t>𝑅𝑒𝑠𝑖𝑑</m:t>
-                      </m:r>
-                      <m:r>
-                        <a:rPr lang="en-US" sz="2800" b="0" i="1" smtClean="0">
-                          <a:latin typeface="Cambria Math" panose="02040503050406030204" pitchFamily="18" charset="0"/>
-                        </a:rPr>
-                        <m:t>𝑁𝑢𝑙𝑙</m:t>
+                        <m:t>𝑅𝑒𝑠𝑖𝑑𝑁𝑢𝑙𝑙</m:t>
                       </m:r>
                     </m:oMath>
                   </m:oMathPara>
@@ -14499,7 +14678,7 @@
             </p:txBody>
           </p:sp>
         </mc:Choice>
-        <mc:Fallback>
+        <mc:Fallback xmlns="">
           <p:sp>
             <p:nvSpPr>
               <p:cNvPr id="4" name="TextBox 3">
@@ -15019,8 +15198,8 @@
           </a:p>
         </p:txBody>
       </p:sp>
-      <mc:AlternateContent xmlns:mc="http://schemas.openxmlformats.org/markup-compatibility/2006">
-        <mc:Choice xmlns:a14="http://schemas.microsoft.com/office/drawing/2010/main" Requires="a14">
+      <mc:AlternateContent xmlns:mc="http://schemas.openxmlformats.org/markup-compatibility/2006" xmlns:a14="http://schemas.microsoft.com/office/drawing/2010/main">
+        <mc:Choice Requires="a14">
           <p:sp>
             <p:nvSpPr>
               <p:cNvPr id="4" name="TextBox 3">
@@ -15066,13 +15245,7 @@
                         <a:rPr lang="en-US" sz="2800" b="0" i="1" smtClean="0">
                           <a:latin typeface="Cambria Math" panose="02040503050406030204" pitchFamily="18" charset="0"/>
                         </a:rPr>
-                        <m:t>2=1 −</m:t>
-                      </m:r>
-                      <m:r>
-                        <a:rPr lang="en-US" sz="2800" b="0" i="1" smtClean="0">
-                          <a:latin typeface="Cambria Math" panose="02040503050406030204" pitchFamily="18" charset="0"/>
-                        </a:rPr>
-                        <m:t>[</m:t>
+                        <m:t>2=1 −[</m:t>
                       </m:r>
                       <m:f>
                         <m:fPr>
@@ -15161,7 +15334,7 @@
             </p:txBody>
           </p:sp>
         </mc:Choice>
-        <mc:Fallback>
+        <mc:Fallback xmlns="">
           <p:sp>
             <p:nvSpPr>
               <p:cNvPr id="4" name="TextBox 3">
@@ -15696,8 +15869,8 @@
           </a:p>
         </p:txBody>
       </p:sp>
-      <mc:AlternateContent xmlns:mc="http://schemas.openxmlformats.org/markup-compatibility/2006">
-        <mc:Choice xmlns:a14="http://schemas.microsoft.com/office/drawing/2010/main" Requires="a14">
+      <mc:AlternateContent xmlns:mc="http://schemas.openxmlformats.org/markup-compatibility/2006" xmlns:a14="http://schemas.microsoft.com/office/drawing/2010/main">
+        <mc:Choice Requires="a14">
           <p:sp>
             <p:nvSpPr>
               <p:cNvPr id="3" name="Content Placeholder 2"/>
@@ -15838,7 +16011,7 @@
             </p:txBody>
           </p:sp>
         </mc:Choice>
-        <mc:Fallback>
+        <mc:Fallback xmlns="">
           <p:sp>
             <p:nvSpPr>
               <p:cNvPr id="3" name="Content Placeholder 2"/>
@@ -15876,8 +16049,8 @@
           </p:sp>
         </mc:Fallback>
       </mc:AlternateContent>
-      <mc:AlternateContent xmlns:mc="http://schemas.openxmlformats.org/markup-compatibility/2006">
-        <mc:Choice xmlns:a14="http://schemas.microsoft.com/office/drawing/2010/main" Requires="a14">
+      <mc:AlternateContent xmlns:mc="http://schemas.openxmlformats.org/markup-compatibility/2006" xmlns:a14="http://schemas.microsoft.com/office/drawing/2010/main">
+        <mc:Choice Requires="a14">
           <p:sp>
             <p:nvSpPr>
               <p:cNvPr id="5" name="TextBox 4">
@@ -16154,7 +16327,7 @@
             </p:txBody>
           </p:sp>
         </mc:Choice>
-        <mc:Fallback>
+        <mc:Fallback xmlns="">
           <p:sp>
             <p:nvSpPr>
               <p:cNvPr id="5" name="TextBox 4">
@@ -16447,8 +16620,8 @@
           </p:sp>
         </mc:Fallback>
       </mc:AlternateContent>
-      <mc:AlternateContent xmlns:mc="http://schemas.openxmlformats.org/markup-compatibility/2006">
-        <mc:Choice xmlns:a14="http://schemas.microsoft.com/office/drawing/2010/main" Requires="a14">
+      <mc:AlternateContent xmlns:mc="http://schemas.openxmlformats.org/markup-compatibility/2006" xmlns:a14="http://schemas.microsoft.com/office/drawing/2010/main">
+        <mc:Choice Requires="a14">
           <p:sp>
             <p:nvSpPr>
               <p:cNvPr id="5" name="TextBox 4">
@@ -16505,13 +16678,7 @@
                             <a:rPr lang="en-US" sz="2800" i="1">
                               <a:latin typeface="Cambria Math" panose="02040503050406030204" pitchFamily="18" charset="0"/>
                             </a:rPr>
-                            <m:t>𝑖</m:t>
-                          </m:r>
-                          <m:r>
-                            <a:rPr lang="en-US" sz="2800" i="1">
-                              <a:latin typeface="Cambria Math" panose="02040503050406030204" pitchFamily="18" charset="0"/>
-                            </a:rPr>
-                            <m:t>𝑗</m:t>
+                            <m:t>𝑖𝑗</m:t>
                           </m:r>
                         </m:sub>
                       </m:sSub>
@@ -16698,13 +16865,7 @@
                             <a:rPr lang="en-US" sz="2800" i="1">
                               <a:latin typeface="Cambria Math" panose="02040503050406030204" pitchFamily="18" charset="0"/>
                             </a:rPr>
-                            <m:t>𝑖</m:t>
-                          </m:r>
-                          <m:r>
-                            <a:rPr lang="en-US" sz="2800" i="1">
-                              <a:latin typeface="Cambria Math" panose="02040503050406030204" pitchFamily="18" charset="0"/>
-                            </a:rPr>
-                            <m:t>𝑗</m:t>
+                            <m:t>𝑖𝑗</m:t>
                           </m:r>
                         </m:sub>
                       </m:sSub>
@@ -16716,7 +16877,7 @@
             </p:txBody>
           </p:sp>
         </mc:Choice>
-        <mc:Fallback>
+        <mc:Fallback xmlns="">
           <p:sp>
             <p:nvSpPr>
               <p:cNvPr id="5" name="TextBox 4">
@@ -17029,8 +17190,8 @@
           </a:p>
         </p:txBody>
       </p:sp>
-      <mc:AlternateContent xmlns:mc="http://schemas.openxmlformats.org/markup-compatibility/2006">
-        <mc:Choice xmlns:a14="http://schemas.microsoft.com/office/drawing/2010/main" Requires="a14">
+      <mc:AlternateContent xmlns:mc="http://schemas.openxmlformats.org/markup-compatibility/2006" xmlns:a14="http://schemas.microsoft.com/office/drawing/2010/main">
+        <mc:Choice Requires="a14">
           <p:sp>
             <p:nvSpPr>
               <p:cNvPr id="7" name="TextBox 6">
@@ -17320,7 +17481,7 @@
             </p:txBody>
           </p:sp>
         </mc:Choice>
-        <mc:Fallback>
+        <mc:Fallback xmlns="">
           <p:sp>
             <p:nvSpPr>
               <p:cNvPr id="7" name="TextBox 6">
@@ -19329,8 +19490,8 @@
           </a:p>
         </p:txBody>
       </p:sp>
-      <mc:AlternateContent xmlns:mc="http://schemas.openxmlformats.org/markup-compatibility/2006">
-        <mc:Choice xmlns:a14="http://schemas.microsoft.com/office/drawing/2010/main" Requires="a14">
+      <mc:AlternateContent xmlns:mc="http://schemas.openxmlformats.org/markup-compatibility/2006" xmlns:a14="http://schemas.microsoft.com/office/drawing/2010/main">
+        <mc:Choice Requires="a14">
           <p:sp>
             <p:nvSpPr>
               <p:cNvPr id="4" name="TextBox 3">
@@ -19416,7 +19577,7 @@
             </p:txBody>
           </p:sp>
         </mc:Choice>
-        <mc:Fallback>
+        <mc:Fallback xmlns="">
           <p:sp>
             <p:nvSpPr>
               <p:cNvPr id="4" name="TextBox 3">
@@ -19461,8 +19622,8 @@
           </p:sp>
         </mc:Fallback>
       </mc:AlternateContent>
-      <mc:AlternateContent xmlns:mc="http://schemas.openxmlformats.org/markup-compatibility/2006">
-        <mc:Choice xmlns:a14="http://schemas.microsoft.com/office/drawing/2010/main" Requires="a14">
+      <mc:AlternateContent xmlns:mc="http://schemas.openxmlformats.org/markup-compatibility/2006" xmlns:a14="http://schemas.microsoft.com/office/drawing/2010/main">
+        <mc:Choice Requires="a14">
           <p:sp>
             <p:nvSpPr>
               <p:cNvPr id="6" name="TextBox 5">
@@ -19566,7 +19727,7 @@
             </p:txBody>
           </p:sp>
         </mc:Choice>
-        <mc:Fallback>
+        <mc:Fallback xmlns="">
           <p:sp>
             <p:nvSpPr>
               <p:cNvPr id="6" name="TextBox 5">
@@ -19776,12 +19937,26 @@
                   <a:schemeClr val="tx1"/>
                 </a:solidFill>
               </a:rPr>
-              <a:t>n = either the Level 1 or Level 2 sample size</a:t>
+              <a:t>n = either the Level 1 or Level 2 </a:t>
+            </a:r>
+            <a:r>
+              <a:rPr lang="en-US" i="1" dirty="0">
+                <a:solidFill>
+                  <a:schemeClr val="tx1"/>
+                </a:solidFill>
+                <a:highlight>
+                  <a:srgbClr val="FFFF00"/>
+                </a:highlight>
+              </a:rPr>
+              <a:t>sample size</a:t>
             </a:r>
             <a:endParaRPr lang="en-US" sz="2000" i="1" dirty="0">
               <a:solidFill>
                 <a:schemeClr val="tx1"/>
               </a:solidFill>
+              <a:highlight>
+                <a:srgbClr val="FFFF00"/>
+              </a:highlight>
             </a:endParaRPr>
           </a:p>
         </p:txBody>
@@ -19815,8 +19990,8 @@
           </a:p>
         </p:txBody>
       </p:sp>
-      <mc:AlternateContent xmlns:mc="http://schemas.openxmlformats.org/markup-compatibility/2006">
-        <mc:Choice xmlns:a14="http://schemas.microsoft.com/office/drawing/2010/main" Requires="a14">
+      <mc:AlternateContent xmlns:mc="http://schemas.openxmlformats.org/markup-compatibility/2006" xmlns:a14="http://schemas.microsoft.com/office/drawing/2010/main">
+        <mc:Choice Requires="a14">
           <p:sp>
             <p:nvSpPr>
               <p:cNvPr id="4" name="TextBox 3">
@@ -19862,13 +20037,7 @@
                         <a:rPr lang="en-US" sz="2800" i="1">
                           <a:latin typeface="Cambria Math" panose="02040503050406030204" pitchFamily="18" charset="0"/>
                         </a:rPr>
-                        <m:t>=</m:t>
-                      </m:r>
-                      <m:r>
-                        <a:rPr lang="en-US" sz="2800" i="1">
-                          <a:latin typeface="Cambria Math" panose="02040503050406030204" pitchFamily="18" charset="0"/>
-                        </a:rPr>
-                        <m:t>−2</m:t>
+                        <m:t>=−2</m:t>
                       </m:r>
                       <m:r>
                         <a:rPr lang="en-US" sz="2800" i="1">
@@ -19929,7 +20098,7 @@
             </p:txBody>
           </p:sp>
         </mc:Choice>
-        <mc:Fallback>
+        <mc:Fallback xmlns="">
           <p:sp>
             <p:nvSpPr>
               <p:cNvPr id="4" name="TextBox 3">

--- a/Week 4/Session 4 - Goodness of Fit in Multilevel Models and Random Intercept Models.pptx
+++ b/Week 4/Session 4 - Goodness of Fit in Multilevel Models and Random Intercept Models.pptx
@@ -6069,20 +6069,28 @@
     </pc:docChg>
   </pc:docChgLst>
   <pc:docChgLst>
-    <pc:chgData name="Mike B" userId="5c4bf6a326bf31f5" providerId="LiveId" clId="{FF56B4CD-FB53-42B1-BFE2-76D3C46DB09C}"/>
-    <pc:docChg chg="undo custSel addSld delSld modSld sldOrd">
-      <pc:chgData name="Mike B" userId="5c4bf6a326bf31f5" providerId="LiveId" clId="{FF56B4CD-FB53-42B1-BFE2-76D3C46DB09C}" dt="2025-01-27T15:06:23.113" v="3686" actId="20577"/>
+    <pc:chgData name="Mike B" userId="5c4bf6a326bf31f5" providerId="LiveId" clId="{76DDEA14-774A-4263-9F62-41BDB638666F}"/>
+    <pc:docChg chg="undo custSel addSld delSld modSld">
+      <pc:chgData name="Mike B" userId="5c4bf6a326bf31f5" providerId="LiveId" clId="{76DDEA14-774A-4263-9F62-41BDB638666F}" dt="2025-01-08T17:34:27.689" v="776" actId="5793"/>
       <pc:docMkLst>
         <pc:docMk/>
       </pc:docMkLst>
       <pc:sldChg chg="modSp mod">
-        <pc:chgData name="Mike B" userId="5c4bf6a326bf31f5" providerId="LiveId" clId="{FF56B4CD-FB53-42B1-BFE2-76D3C46DB09C}" dt="2025-01-26T20:31:45.677" v="891" actId="1038"/>
+        <pc:chgData name="Mike B" userId="5c4bf6a326bf31f5" providerId="LiveId" clId="{76DDEA14-774A-4263-9F62-41BDB638666F}" dt="2025-01-08T17:07:53.029" v="109" actId="20577"/>
         <pc:sldMkLst>
           <pc:docMk/>
           <pc:sldMk cId="0" sldId="256"/>
         </pc:sldMkLst>
         <pc:spChg chg="mod">
-          <ac:chgData name="Mike B" userId="5c4bf6a326bf31f5" providerId="LiveId" clId="{FF56B4CD-FB53-42B1-BFE2-76D3C46DB09C}" dt="2025-01-26T20:31:45.677" v="891" actId="1038"/>
+          <ac:chgData name="Mike B" userId="5c4bf6a326bf31f5" providerId="LiveId" clId="{76DDEA14-774A-4263-9F62-41BDB638666F}" dt="2025-01-03T01:30:47.274" v="33" actId="20577"/>
+          <ac:spMkLst>
+            <pc:docMk/>
+            <pc:sldMk cId="0" sldId="256"/>
+            <ac:spMk id="2050" creationId="{00000000-0000-0000-0000-000000000000}"/>
+          </ac:spMkLst>
+        </pc:spChg>
+        <pc:spChg chg="mod">
+          <ac:chgData name="Mike B" userId="5c4bf6a326bf31f5" providerId="LiveId" clId="{76DDEA14-774A-4263-9F62-41BDB638666F}" dt="2025-01-08T17:07:53.029" v="109" actId="20577"/>
           <ac:spMkLst>
             <pc:docMk/>
             <pc:sldMk cId="0" sldId="256"/>
@@ -6091,13 +6099,13 @@
         </pc:spChg>
       </pc:sldChg>
       <pc:sldChg chg="modSp mod">
-        <pc:chgData name="Mike B" userId="5c4bf6a326bf31f5" providerId="LiveId" clId="{FF56B4CD-FB53-42B1-BFE2-76D3C46DB09C}" dt="2025-01-25T20:38:34.969" v="220" actId="14"/>
+        <pc:chgData name="Mike B" userId="5c4bf6a326bf31f5" providerId="LiveId" clId="{76DDEA14-774A-4263-9F62-41BDB638666F}" dt="2025-01-08T17:09:24.385" v="138" actId="113"/>
         <pc:sldMkLst>
           <pc:docMk/>
           <pc:sldMk cId="0" sldId="287"/>
         </pc:sldMkLst>
         <pc:spChg chg="mod">
-          <ac:chgData name="Mike B" userId="5c4bf6a326bf31f5" providerId="LiveId" clId="{FF56B4CD-FB53-42B1-BFE2-76D3C46DB09C}" dt="2025-01-25T20:38:34.969" v="220" actId="14"/>
+          <ac:chgData name="Mike B" userId="5c4bf6a326bf31f5" providerId="LiveId" clId="{76DDEA14-774A-4263-9F62-41BDB638666F}" dt="2025-01-08T17:09:24.385" v="138" actId="113"/>
           <ac:spMkLst>
             <pc:docMk/>
             <pc:sldMk cId="0" sldId="287"/>
@@ -6106,13 +6114,13 @@
         </pc:spChg>
       </pc:sldChg>
       <pc:sldChg chg="modSp mod">
-        <pc:chgData name="Mike B" userId="5c4bf6a326bf31f5" providerId="LiveId" clId="{FF56B4CD-FB53-42B1-BFE2-76D3C46DB09C}" dt="2025-01-26T20:04:02.933" v="849" actId="20577"/>
+        <pc:chgData name="Mike B" userId="5c4bf6a326bf31f5" providerId="LiveId" clId="{76DDEA14-774A-4263-9F62-41BDB638666F}" dt="2025-01-08T17:11:58.783" v="229" actId="20577"/>
         <pc:sldMkLst>
           <pc:docMk/>
           <pc:sldMk cId="1782408873" sldId="342"/>
         </pc:sldMkLst>
         <pc:spChg chg="mod">
-          <ac:chgData name="Mike B" userId="5c4bf6a326bf31f5" providerId="LiveId" clId="{FF56B4CD-FB53-42B1-BFE2-76D3C46DB09C}" dt="2025-01-26T20:04:02.933" v="849" actId="20577"/>
+          <ac:chgData name="Mike B" userId="5c4bf6a326bf31f5" providerId="LiveId" clId="{76DDEA14-774A-4263-9F62-41BDB638666F}" dt="2025-01-03T01:32:08.225" v="80" actId="20577"/>
           <ac:spMkLst>
             <pc:docMk/>
             <pc:sldMk cId="1782408873" sldId="342"/>
@@ -6120,7 +6128,7 @@
           </ac:spMkLst>
         </pc:spChg>
         <pc:spChg chg="mod">
-          <ac:chgData name="Mike B" userId="5c4bf6a326bf31f5" providerId="LiveId" clId="{FF56B4CD-FB53-42B1-BFE2-76D3C46DB09C}" dt="2025-01-25T20:41:10.882" v="269" actId="20577"/>
+          <ac:chgData name="Mike B" userId="5c4bf6a326bf31f5" providerId="LiveId" clId="{76DDEA14-774A-4263-9F62-41BDB638666F}" dt="2025-01-08T17:11:58.783" v="229" actId="20577"/>
           <ac:spMkLst>
             <pc:docMk/>
             <pc:sldMk cId="1782408873" sldId="342"/>
@@ -6128,28 +6136,43 @@
           </ac:spMkLst>
         </pc:spChg>
       </pc:sldChg>
+      <pc:sldChg chg="modSp add mod">
+        <pc:chgData name="Mike B" userId="5c4bf6a326bf31f5" providerId="LiveId" clId="{76DDEA14-774A-4263-9F62-41BDB638666F}" dt="2025-01-08T17:11:44.916" v="200" actId="20577"/>
+        <pc:sldMkLst>
+          <pc:docMk/>
+          <pc:sldMk cId="1183369332" sldId="343"/>
+        </pc:sldMkLst>
+        <pc:spChg chg="mod">
+          <ac:chgData name="Mike B" userId="5c4bf6a326bf31f5" providerId="LiveId" clId="{76DDEA14-774A-4263-9F62-41BDB638666F}" dt="2025-01-08T17:11:44.916" v="200" actId="20577"/>
+          <ac:spMkLst>
+            <pc:docMk/>
+            <pc:sldMk cId="1183369332" sldId="343"/>
+            <ac:spMk id="118787" creationId="{00000000-0000-0000-0000-000000000000}"/>
+          </ac:spMkLst>
+        </pc:spChg>
+      </pc:sldChg>
+      <pc:sldChg chg="add">
+        <pc:chgData name="Mike B" userId="5c4bf6a326bf31f5" providerId="LiveId" clId="{76DDEA14-774A-4263-9F62-41BDB638666F}" dt="2025-01-08T17:10:28.173" v="140"/>
+        <pc:sldMkLst>
+          <pc:docMk/>
+          <pc:sldMk cId="2010995209" sldId="359"/>
+        </pc:sldMkLst>
+      </pc:sldChg>
       <pc:sldChg chg="del">
-        <pc:chgData name="Mike B" userId="5c4bf6a326bf31f5" providerId="LiveId" clId="{FF56B4CD-FB53-42B1-BFE2-76D3C46DB09C}" dt="2025-01-25T20:40:57.913" v="233" actId="2696"/>
-        <pc:sldMkLst>
-          <pc:docMk/>
-          <pc:sldMk cId="1183369332" sldId="343"/>
-        </pc:sldMkLst>
-      </pc:sldChg>
-      <pc:sldChg chg="del">
-        <pc:chgData name="Mike B" userId="5c4bf6a326bf31f5" providerId="LiveId" clId="{FF56B4CD-FB53-42B1-BFE2-76D3C46DB09C}" dt="2025-01-25T20:38:50.132" v="221" actId="2696"/>
-        <pc:sldMkLst>
-          <pc:docMk/>
-          <pc:sldMk cId="2010995209" sldId="359"/>
+        <pc:chgData name="Mike B" userId="5c4bf6a326bf31f5" providerId="LiveId" clId="{76DDEA14-774A-4263-9F62-41BDB638666F}" dt="2025-01-03T01:30:05.973" v="2" actId="2696"/>
+        <pc:sldMkLst>
+          <pc:docMk/>
+          <pc:sldMk cId="529469595" sldId="360"/>
         </pc:sldMkLst>
       </pc:sldChg>
       <pc:sldChg chg="modSp mod">
-        <pc:chgData name="Mike B" userId="5c4bf6a326bf31f5" providerId="LiveId" clId="{FF56B4CD-FB53-42B1-BFE2-76D3C46DB09C}" dt="2025-01-26T20:32:54.155" v="930" actId="20577"/>
+        <pc:chgData name="Mike B" userId="5c4bf6a326bf31f5" providerId="LiveId" clId="{76DDEA14-774A-4263-9F62-41BDB638666F}" dt="2025-01-08T17:34:27.689" v="776" actId="5793"/>
         <pc:sldMkLst>
           <pc:docMk/>
           <pc:sldMk cId="3710951061" sldId="361"/>
         </pc:sldMkLst>
         <pc:spChg chg="mod">
-          <ac:chgData name="Mike B" userId="5c4bf6a326bf31f5" providerId="LiveId" clId="{FF56B4CD-FB53-42B1-BFE2-76D3C46DB09C}" dt="2025-01-26T20:32:54.155" v="930" actId="20577"/>
+          <ac:chgData name="Mike B" userId="5c4bf6a326bf31f5" providerId="LiveId" clId="{76DDEA14-774A-4263-9F62-41BDB638666F}" dt="2025-01-08T17:34:27.689" v="776" actId="5793"/>
           <ac:spMkLst>
             <pc:docMk/>
             <pc:sldMk cId="3710951061" sldId="361"/>
@@ -6158,765 +6181,162 @@
         </pc:spChg>
       </pc:sldChg>
       <pc:sldChg chg="del">
-        <pc:chgData name="Mike B" userId="5c4bf6a326bf31f5" providerId="LiveId" clId="{FF56B4CD-FB53-42B1-BFE2-76D3C46DB09C}" dt="2025-01-26T19:26:52.188" v="311" actId="47"/>
+        <pc:chgData name="Mike B" userId="5c4bf6a326bf31f5" providerId="LiveId" clId="{76DDEA14-774A-4263-9F62-41BDB638666F}" dt="2025-01-03T01:30:11.056" v="3" actId="2696"/>
+        <pc:sldMkLst>
+          <pc:docMk/>
+          <pc:sldMk cId="2370785148" sldId="380"/>
+        </pc:sldMkLst>
+      </pc:sldChg>
+      <pc:sldChg chg="modSp modAnim">
+        <pc:chgData name="Mike B" userId="5c4bf6a326bf31f5" providerId="LiveId" clId="{76DDEA14-774A-4263-9F62-41BDB638666F}" dt="2025-01-08T17:12:41.775" v="231" actId="20577"/>
         <pc:sldMkLst>
           <pc:docMk/>
           <pc:sldMk cId="3723772096" sldId="461"/>
         </pc:sldMkLst>
+        <pc:spChg chg="mod">
+          <ac:chgData name="Mike B" userId="5c4bf6a326bf31f5" providerId="LiveId" clId="{76DDEA14-774A-4263-9F62-41BDB638666F}" dt="2025-01-08T17:12:41.775" v="231" actId="20577"/>
+          <ac:spMkLst>
+            <pc:docMk/>
+            <pc:sldMk cId="3723772096" sldId="461"/>
+            <ac:spMk id="2" creationId="{00000000-0000-0000-0000-000000000000}"/>
+          </ac:spMkLst>
+        </pc:spChg>
+      </pc:sldChg>
+      <pc:sldChg chg="modAnim">
+        <pc:chgData name="Mike B" userId="5c4bf6a326bf31f5" providerId="LiveId" clId="{76DDEA14-774A-4263-9F62-41BDB638666F}" dt="2025-01-08T17:12:53.469" v="232"/>
+        <pc:sldMkLst>
+          <pc:docMk/>
+          <pc:sldMk cId="1059591430" sldId="527"/>
+        </pc:sldMkLst>
+      </pc:sldChg>
+      <pc:sldChg chg="modSp">
+        <pc:chgData name="Mike B" userId="5c4bf6a326bf31f5" providerId="LiveId" clId="{76DDEA14-774A-4263-9F62-41BDB638666F}" dt="2025-01-08T17:13:20.664" v="256" actId="20577"/>
+        <pc:sldMkLst>
+          <pc:docMk/>
+          <pc:sldMk cId="881136697" sldId="529"/>
+        </pc:sldMkLst>
+        <pc:spChg chg="mod">
+          <ac:chgData name="Mike B" userId="5c4bf6a326bf31f5" providerId="LiveId" clId="{76DDEA14-774A-4263-9F62-41BDB638666F}" dt="2025-01-08T17:13:20.664" v="256" actId="20577"/>
+          <ac:spMkLst>
+            <pc:docMk/>
+            <pc:sldMk cId="881136697" sldId="529"/>
+            <ac:spMk id="3" creationId="{00000000-0000-0000-0000-000000000000}"/>
+          </ac:spMkLst>
+        </pc:spChg>
+      </pc:sldChg>
+      <pc:sldChg chg="modAnim">
+        <pc:chgData name="Mike B" userId="5c4bf6a326bf31f5" providerId="LiveId" clId="{76DDEA14-774A-4263-9F62-41BDB638666F}" dt="2025-01-08T17:14:42.790" v="260"/>
+        <pc:sldMkLst>
+          <pc:docMk/>
+          <pc:sldMk cId="3582481671" sldId="541"/>
+        </pc:sldMkLst>
+      </pc:sldChg>
+      <pc:sldChg chg="modSp mod">
+        <pc:chgData name="Mike B" userId="5c4bf6a326bf31f5" providerId="LiveId" clId="{76DDEA14-774A-4263-9F62-41BDB638666F}" dt="2025-01-08T17:15:41.888" v="293" actId="20577"/>
+        <pc:sldMkLst>
+          <pc:docMk/>
+          <pc:sldMk cId="1827963335" sldId="546"/>
+        </pc:sldMkLst>
+        <pc:spChg chg="mod">
+          <ac:chgData name="Mike B" userId="5c4bf6a326bf31f5" providerId="LiveId" clId="{76DDEA14-774A-4263-9F62-41BDB638666F}" dt="2025-01-08T17:15:41.888" v="293" actId="20577"/>
+          <ac:spMkLst>
+            <pc:docMk/>
+            <pc:sldMk cId="1827963335" sldId="546"/>
+            <ac:spMk id="3" creationId="{00000000-0000-0000-0000-000000000000}"/>
+          </ac:spMkLst>
+        </pc:spChg>
+      </pc:sldChg>
+      <pc:sldChg chg="modSp modAnim">
+        <pc:chgData name="Mike B" userId="5c4bf6a326bf31f5" providerId="LiveId" clId="{76DDEA14-774A-4263-9F62-41BDB638666F}" dt="2025-01-08T17:16:12.995" v="294" actId="20577"/>
+        <pc:sldMkLst>
+          <pc:docMk/>
+          <pc:sldMk cId="3625575901" sldId="551"/>
+        </pc:sldMkLst>
+        <pc:spChg chg="mod">
+          <ac:chgData name="Mike B" userId="5c4bf6a326bf31f5" providerId="LiveId" clId="{76DDEA14-774A-4263-9F62-41BDB638666F}" dt="2025-01-08T17:16:12.995" v="294" actId="20577"/>
+          <ac:spMkLst>
+            <pc:docMk/>
+            <pc:sldMk cId="3625575901" sldId="551"/>
+            <ac:spMk id="3" creationId="{00000000-0000-0000-0000-000000000000}"/>
+          </ac:spMkLst>
+        </pc:spChg>
       </pc:sldChg>
       <pc:sldChg chg="del">
-        <pc:chgData name="Mike B" userId="5c4bf6a326bf31f5" providerId="LiveId" clId="{FF56B4CD-FB53-42B1-BFE2-76D3C46DB09C}" dt="2025-01-26T20:06:08.394" v="871" actId="2696"/>
-        <pc:sldMkLst>
-          <pc:docMk/>
-          <pc:sldMk cId="19532457" sldId="479"/>
+        <pc:chgData name="Mike B" userId="5c4bf6a326bf31f5" providerId="LiveId" clId="{76DDEA14-774A-4263-9F62-41BDB638666F}" dt="2025-01-03T01:29:40.919" v="0" actId="2696"/>
+        <pc:sldMkLst>
+          <pc:docMk/>
+          <pc:sldMk cId="4108497874" sldId="634"/>
         </pc:sldMkLst>
       </pc:sldChg>
       <pc:sldChg chg="del">
-        <pc:chgData name="Mike B" userId="5c4bf6a326bf31f5" providerId="LiveId" clId="{FF56B4CD-FB53-42B1-BFE2-76D3C46DB09C}" dt="2025-01-26T20:06:08.394" v="871" actId="2696"/>
-        <pc:sldMkLst>
-          <pc:docMk/>
-          <pc:sldMk cId="1059591430" sldId="527"/>
+        <pc:chgData name="Mike B" userId="5c4bf6a326bf31f5" providerId="LiveId" clId="{76DDEA14-774A-4263-9F62-41BDB638666F}" dt="2025-01-03T01:29:40.919" v="0" actId="2696"/>
+        <pc:sldMkLst>
+          <pc:docMk/>
+          <pc:sldMk cId="2595072114" sldId="653"/>
         </pc:sldMkLst>
       </pc:sldChg>
       <pc:sldChg chg="del">
-        <pc:chgData name="Mike B" userId="5c4bf6a326bf31f5" providerId="LiveId" clId="{FF56B4CD-FB53-42B1-BFE2-76D3C46DB09C}" dt="2025-01-26T20:06:08.394" v="871" actId="2696"/>
-        <pc:sldMkLst>
-          <pc:docMk/>
-          <pc:sldMk cId="881136697" sldId="529"/>
+        <pc:chgData name="Mike B" userId="5c4bf6a326bf31f5" providerId="LiveId" clId="{76DDEA14-774A-4263-9F62-41BDB638666F}" dt="2025-01-03T01:29:40.919" v="0" actId="2696"/>
+        <pc:sldMkLst>
+          <pc:docMk/>
+          <pc:sldMk cId="2871737530" sldId="658"/>
         </pc:sldMkLst>
       </pc:sldChg>
       <pc:sldChg chg="del">
-        <pc:chgData name="Mike B" userId="5c4bf6a326bf31f5" providerId="LiveId" clId="{FF56B4CD-FB53-42B1-BFE2-76D3C46DB09C}" dt="2025-01-26T20:06:08.394" v="871" actId="2696"/>
-        <pc:sldMkLst>
-          <pc:docMk/>
-          <pc:sldMk cId="1325292419" sldId="530"/>
+        <pc:chgData name="Mike B" userId="5c4bf6a326bf31f5" providerId="LiveId" clId="{76DDEA14-774A-4263-9F62-41BDB638666F}" dt="2025-01-03T01:29:40.919" v="0" actId="2696"/>
+        <pc:sldMkLst>
+          <pc:docMk/>
+          <pc:sldMk cId="467519752" sldId="661"/>
         </pc:sldMkLst>
       </pc:sldChg>
       <pc:sldChg chg="del">
-        <pc:chgData name="Mike B" userId="5c4bf6a326bf31f5" providerId="LiveId" clId="{FF56B4CD-FB53-42B1-BFE2-76D3C46DB09C}" dt="2025-01-26T20:06:33.241" v="872" actId="2696"/>
-        <pc:sldMkLst>
-          <pc:docMk/>
-          <pc:sldMk cId="1907372075" sldId="531"/>
+        <pc:chgData name="Mike B" userId="5c4bf6a326bf31f5" providerId="LiveId" clId="{76DDEA14-774A-4263-9F62-41BDB638666F}" dt="2025-01-03T01:29:40.919" v="0" actId="2696"/>
+        <pc:sldMkLst>
+          <pc:docMk/>
+          <pc:sldMk cId="2470446495" sldId="662"/>
         </pc:sldMkLst>
       </pc:sldChg>
       <pc:sldChg chg="del">
-        <pc:chgData name="Mike B" userId="5c4bf6a326bf31f5" providerId="LiveId" clId="{FF56B4CD-FB53-42B1-BFE2-76D3C46DB09C}" dt="2025-01-26T20:06:33.241" v="872" actId="2696"/>
-        <pc:sldMkLst>
-          <pc:docMk/>
-          <pc:sldMk cId="93588987" sldId="532"/>
+        <pc:chgData name="Mike B" userId="5c4bf6a326bf31f5" providerId="LiveId" clId="{76DDEA14-774A-4263-9F62-41BDB638666F}" dt="2025-01-03T01:29:40.919" v="0" actId="2696"/>
+        <pc:sldMkLst>
+          <pc:docMk/>
+          <pc:sldMk cId="1971962464" sldId="690"/>
         </pc:sldMkLst>
       </pc:sldChg>
       <pc:sldChg chg="del">
-        <pc:chgData name="Mike B" userId="5c4bf6a326bf31f5" providerId="LiveId" clId="{FF56B4CD-FB53-42B1-BFE2-76D3C46DB09C}" dt="2025-01-26T20:06:33.241" v="872" actId="2696"/>
-        <pc:sldMkLst>
-          <pc:docMk/>
-          <pc:sldMk cId="2978715153" sldId="535"/>
+        <pc:chgData name="Mike B" userId="5c4bf6a326bf31f5" providerId="LiveId" clId="{76DDEA14-774A-4263-9F62-41BDB638666F}" dt="2025-01-03T01:30:05.973" v="2" actId="2696"/>
+        <pc:sldMkLst>
+          <pc:docMk/>
+          <pc:sldMk cId="4182831786" sldId="777"/>
         </pc:sldMkLst>
       </pc:sldChg>
       <pc:sldChg chg="del">
-        <pc:chgData name="Mike B" userId="5c4bf6a326bf31f5" providerId="LiveId" clId="{FF56B4CD-FB53-42B1-BFE2-76D3C46DB09C}" dt="2025-01-26T20:06:08.394" v="871" actId="2696"/>
-        <pc:sldMkLst>
-          <pc:docMk/>
-          <pc:sldMk cId="3692545775" sldId="539"/>
+        <pc:chgData name="Mike B" userId="5c4bf6a326bf31f5" providerId="LiveId" clId="{76DDEA14-774A-4263-9F62-41BDB638666F}" dt="2025-01-03T01:29:59.856" v="1" actId="2696"/>
+        <pc:sldMkLst>
+          <pc:docMk/>
+          <pc:sldMk cId="2691135494" sldId="778"/>
         </pc:sldMkLst>
       </pc:sldChg>
       <pc:sldChg chg="del">
-        <pc:chgData name="Mike B" userId="5c4bf6a326bf31f5" providerId="LiveId" clId="{FF56B4CD-FB53-42B1-BFE2-76D3C46DB09C}" dt="2025-01-26T20:06:33.241" v="872" actId="2696"/>
-        <pc:sldMkLst>
-          <pc:docMk/>
-          <pc:sldMk cId="3962995087" sldId="540"/>
+        <pc:chgData name="Mike B" userId="5c4bf6a326bf31f5" providerId="LiveId" clId="{76DDEA14-774A-4263-9F62-41BDB638666F}" dt="2025-01-03T01:29:59.856" v="1" actId="2696"/>
+        <pc:sldMkLst>
+          <pc:docMk/>
+          <pc:sldMk cId="494230690" sldId="780"/>
         </pc:sldMkLst>
       </pc:sldChg>
       <pc:sldChg chg="del">
-        <pc:chgData name="Mike B" userId="5c4bf6a326bf31f5" providerId="LiveId" clId="{FF56B4CD-FB53-42B1-BFE2-76D3C46DB09C}" dt="2025-01-26T20:06:33.241" v="872" actId="2696"/>
-        <pc:sldMkLst>
-          <pc:docMk/>
-          <pc:sldMk cId="3582481671" sldId="541"/>
+        <pc:chgData name="Mike B" userId="5c4bf6a326bf31f5" providerId="LiveId" clId="{76DDEA14-774A-4263-9F62-41BDB638666F}" dt="2025-01-03T01:29:59.856" v="1" actId="2696"/>
+        <pc:sldMkLst>
+          <pc:docMk/>
+          <pc:sldMk cId="1889596787" sldId="781"/>
         </pc:sldMkLst>
       </pc:sldChg>
       <pc:sldChg chg="del">
-        <pc:chgData name="Mike B" userId="5c4bf6a326bf31f5" providerId="LiveId" clId="{FF56B4CD-FB53-42B1-BFE2-76D3C46DB09C}" dt="2025-01-26T20:06:33.241" v="872" actId="2696"/>
-        <pc:sldMkLst>
-          <pc:docMk/>
-          <pc:sldMk cId="3588296458" sldId="542"/>
-        </pc:sldMkLst>
-      </pc:sldChg>
-      <pc:sldChg chg="del">
-        <pc:chgData name="Mike B" userId="5c4bf6a326bf31f5" providerId="LiveId" clId="{FF56B4CD-FB53-42B1-BFE2-76D3C46DB09C}" dt="2025-01-26T20:06:33.241" v="872" actId="2696"/>
-        <pc:sldMkLst>
-          <pc:docMk/>
-          <pc:sldMk cId="2842592576" sldId="543"/>
-        </pc:sldMkLst>
-      </pc:sldChg>
-      <pc:sldChg chg="del">
-        <pc:chgData name="Mike B" userId="5c4bf6a326bf31f5" providerId="LiveId" clId="{FF56B4CD-FB53-42B1-BFE2-76D3C46DB09C}" dt="2025-01-26T20:06:33.241" v="872" actId="2696"/>
-        <pc:sldMkLst>
-          <pc:docMk/>
-          <pc:sldMk cId="1827963335" sldId="546"/>
-        </pc:sldMkLst>
-      </pc:sldChg>
-      <pc:sldChg chg="del">
-        <pc:chgData name="Mike B" userId="5c4bf6a326bf31f5" providerId="LiveId" clId="{FF56B4CD-FB53-42B1-BFE2-76D3C46DB09C}" dt="2025-01-26T20:06:33.241" v="872" actId="2696"/>
-        <pc:sldMkLst>
-          <pc:docMk/>
-          <pc:sldMk cId="834623402" sldId="547"/>
-        </pc:sldMkLst>
-      </pc:sldChg>
-      <pc:sldChg chg="del">
-        <pc:chgData name="Mike B" userId="5c4bf6a326bf31f5" providerId="LiveId" clId="{FF56B4CD-FB53-42B1-BFE2-76D3C46DB09C}" dt="2025-01-26T20:06:33.241" v="872" actId="2696"/>
-        <pc:sldMkLst>
-          <pc:docMk/>
-          <pc:sldMk cId="3625575901" sldId="551"/>
-        </pc:sldMkLst>
-      </pc:sldChg>
-      <pc:sldChg chg="del">
-        <pc:chgData name="Mike B" userId="5c4bf6a326bf31f5" providerId="LiveId" clId="{FF56B4CD-FB53-42B1-BFE2-76D3C46DB09C}" dt="2025-01-26T20:06:33.241" v="872" actId="2696"/>
-        <pc:sldMkLst>
-          <pc:docMk/>
-          <pc:sldMk cId="533390830" sldId="552"/>
-        </pc:sldMkLst>
-      </pc:sldChg>
-      <pc:sldChg chg="del">
-        <pc:chgData name="Mike B" userId="5c4bf6a326bf31f5" providerId="LiveId" clId="{FF56B4CD-FB53-42B1-BFE2-76D3C46DB09C}" dt="2025-01-26T20:06:33.241" v="872" actId="2696"/>
-        <pc:sldMkLst>
-          <pc:docMk/>
-          <pc:sldMk cId="1479224400" sldId="553"/>
-        </pc:sldMkLst>
-      </pc:sldChg>
-      <pc:sldChg chg="del">
-        <pc:chgData name="Mike B" userId="5c4bf6a326bf31f5" providerId="LiveId" clId="{FF56B4CD-FB53-42B1-BFE2-76D3C46DB09C}" dt="2025-01-26T20:06:33.241" v="872" actId="2696"/>
-        <pc:sldMkLst>
-          <pc:docMk/>
-          <pc:sldMk cId="2740653528" sldId="554"/>
-        </pc:sldMkLst>
-      </pc:sldChg>
-      <pc:sldChg chg="del">
-        <pc:chgData name="Mike B" userId="5c4bf6a326bf31f5" providerId="LiveId" clId="{FF56B4CD-FB53-42B1-BFE2-76D3C46DB09C}" dt="2025-01-26T20:06:33.241" v="872" actId="2696"/>
-        <pc:sldMkLst>
-          <pc:docMk/>
-          <pc:sldMk cId="2399125548" sldId="561"/>
-        </pc:sldMkLst>
-      </pc:sldChg>
-      <pc:sldChg chg="del">
-        <pc:chgData name="Mike B" userId="5c4bf6a326bf31f5" providerId="LiveId" clId="{FF56B4CD-FB53-42B1-BFE2-76D3C46DB09C}" dt="2025-01-26T20:06:33.241" v="872" actId="2696"/>
-        <pc:sldMkLst>
-          <pc:docMk/>
-          <pc:sldMk cId="1160501262" sldId="574"/>
-        </pc:sldMkLst>
-      </pc:sldChg>
-      <pc:sldChg chg="del">
-        <pc:chgData name="Mike B" userId="5c4bf6a326bf31f5" providerId="LiveId" clId="{FF56B4CD-FB53-42B1-BFE2-76D3C46DB09C}" dt="2025-01-26T20:06:33.241" v="872" actId="2696"/>
-        <pc:sldMkLst>
-          <pc:docMk/>
-          <pc:sldMk cId="411321159" sldId="576"/>
-        </pc:sldMkLst>
-      </pc:sldChg>
-      <pc:sldChg chg="del">
-        <pc:chgData name="Mike B" userId="5c4bf6a326bf31f5" providerId="LiveId" clId="{FF56B4CD-FB53-42B1-BFE2-76D3C46DB09C}" dt="2025-01-26T21:08:06.035" v="1719" actId="2696"/>
-        <pc:sldMkLst>
-          <pc:docMk/>
-          <pc:sldMk cId="2019968474" sldId="610"/>
-        </pc:sldMkLst>
-      </pc:sldChg>
-      <pc:sldChg chg="del">
-        <pc:chgData name="Mike B" userId="5c4bf6a326bf31f5" providerId="LiveId" clId="{FF56B4CD-FB53-42B1-BFE2-76D3C46DB09C}" dt="2025-01-26T20:06:33.241" v="872" actId="2696"/>
-        <pc:sldMkLst>
-          <pc:docMk/>
-          <pc:sldMk cId="1514119804" sldId="612"/>
-        </pc:sldMkLst>
-      </pc:sldChg>
-      <pc:sldChg chg="del">
-        <pc:chgData name="Mike B" userId="5c4bf6a326bf31f5" providerId="LiveId" clId="{FF56B4CD-FB53-42B1-BFE2-76D3C46DB09C}" dt="2025-01-26T20:06:33.241" v="872" actId="2696"/>
-        <pc:sldMkLst>
-          <pc:docMk/>
-          <pc:sldMk cId="1583872248" sldId="615"/>
-        </pc:sldMkLst>
-      </pc:sldChg>
-      <pc:sldChg chg="del">
-        <pc:chgData name="Mike B" userId="5c4bf6a326bf31f5" providerId="LiveId" clId="{FF56B4CD-FB53-42B1-BFE2-76D3C46DB09C}" dt="2025-01-26T20:06:33.241" v="872" actId="2696"/>
-        <pc:sldMkLst>
-          <pc:docMk/>
-          <pc:sldMk cId="2952627972" sldId="616"/>
-        </pc:sldMkLst>
-      </pc:sldChg>
-      <pc:sldChg chg="del">
-        <pc:chgData name="Mike B" userId="5c4bf6a326bf31f5" providerId="LiveId" clId="{FF56B4CD-FB53-42B1-BFE2-76D3C46DB09C}" dt="2025-01-26T20:06:08.394" v="871" actId="2696"/>
-        <pc:sldMkLst>
-          <pc:docMk/>
-          <pc:sldMk cId="3313291366" sldId="622"/>
-        </pc:sldMkLst>
-      </pc:sldChg>
-      <pc:sldChg chg="del">
-        <pc:chgData name="Mike B" userId="5c4bf6a326bf31f5" providerId="LiveId" clId="{FF56B4CD-FB53-42B1-BFE2-76D3C46DB09C}" dt="2025-01-26T20:06:33.241" v="872" actId="2696"/>
-        <pc:sldMkLst>
-          <pc:docMk/>
-          <pc:sldMk cId="2359396820" sldId="632"/>
-        </pc:sldMkLst>
-      </pc:sldChg>
-      <pc:sldChg chg="modSp mod modAnim">
-        <pc:chgData name="Mike B" userId="5c4bf6a326bf31f5" providerId="LiveId" clId="{FF56B4CD-FB53-42B1-BFE2-76D3C46DB09C}" dt="2025-01-26T21:02:56.672" v="1532" actId="20577"/>
-        <pc:sldMkLst>
-          <pc:docMk/>
-          <pc:sldMk cId="3749001237" sldId="633"/>
-        </pc:sldMkLst>
-        <pc:spChg chg="mod">
-          <ac:chgData name="Mike B" userId="5c4bf6a326bf31f5" providerId="LiveId" clId="{FF56B4CD-FB53-42B1-BFE2-76D3C46DB09C}" dt="2025-01-26T20:34:45.579" v="942" actId="20577"/>
-          <ac:spMkLst>
-            <pc:docMk/>
-            <pc:sldMk cId="3749001237" sldId="633"/>
-            <ac:spMk id="2" creationId="{00000000-0000-0000-0000-000000000000}"/>
-          </ac:spMkLst>
-        </pc:spChg>
-        <pc:spChg chg="mod">
-          <ac:chgData name="Mike B" userId="5c4bf6a326bf31f5" providerId="LiveId" clId="{FF56B4CD-FB53-42B1-BFE2-76D3C46DB09C}" dt="2025-01-26T21:02:56.672" v="1532" actId="20577"/>
-          <ac:spMkLst>
-            <pc:docMk/>
-            <pc:sldMk cId="3749001237" sldId="633"/>
-            <ac:spMk id="3" creationId="{00000000-0000-0000-0000-000000000000}"/>
-          </ac:spMkLst>
-        </pc:spChg>
-      </pc:sldChg>
-      <pc:sldChg chg="modSp add mod ord">
-        <pc:chgData name="Mike B" userId="5c4bf6a326bf31f5" providerId="LiveId" clId="{FF56B4CD-FB53-42B1-BFE2-76D3C46DB09C}" dt="2025-01-26T21:16:21.642" v="2025" actId="20577"/>
-        <pc:sldMkLst>
-          <pc:docMk/>
-          <pc:sldMk cId="28306766" sldId="634"/>
-        </pc:sldMkLst>
-        <pc:spChg chg="mod">
-          <ac:chgData name="Mike B" userId="5c4bf6a326bf31f5" providerId="LiveId" clId="{FF56B4CD-FB53-42B1-BFE2-76D3C46DB09C}" dt="2025-01-26T21:16:21.642" v="2025" actId="20577"/>
-          <ac:spMkLst>
-            <pc:docMk/>
-            <pc:sldMk cId="28306766" sldId="634"/>
-            <ac:spMk id="3" creationId="{00000000-0000-0000-0000-000000000000}"/>
-          </ac:spMkLst>
-        </pc:spChg>
-        <pc:spChg chg="mod">
-          <ac:chgData name="Mike B" userId="5c4bf6a326bf31f5" providerId="LiveId" clId="{FF56B4CD-FB53-42B1-BFE2-76D3C46DB09C}" dt="2025-01-25T20:41:31.943" v="289" actId="20577"/>
-          <ac:spMkLst>
-            <pc:docMk/>
-            <pc:sldMk cId="28306766" sldId="634"/>
-            <ac:spMk id="4" creationId="{00000000-0000-0000-0000-000000000000}"/>
-          </ac:spMkLst>
-        </pc:spChg>
-      </pc:sldChg>
-      <pc:sldChg chg="delSp modSp add mod">
-        <pc:chgData name="Mike B" userId="5c4bf6a326bf31f5" providerId="LiveId" clId="{FF56B4CD-FB53-42B1-BFE2-76D3C46DB09C}" dt="2025-01-27T15:06:23.113" v="3686" actId="20577"/>
-        <pc:sldMkLst>
-          <pc:docMk/>
-          <pc:sldMk cId="257875984" sldId="1229"/>
-        </pc:sldMkLst>
-        <pc:spChg chg="mod">
-          <ac:chgData name="Mike B" userId="5c4bf6a326bf31f5" providerId="LiveId" clId="{FF56B4CD-FB53-42B1-BFE2-76D3C46DB09C}" dt="2025-01-26T19:23:59.208" v="293" actId="1076"/>
-          <ac:spMkLst>
-            <pc:docMk/>
-            <pc:sldMk cId="257875984" sldId="1229"/>
-            <ac:spMk id="2" creationId="{00000000-0000-0000-0000-000000000000}"/>
-          </ac:spMkLst>
-        </pc:spChg>
-        <pc:spChg chg="mod">
-          <ac:chgData name="Mike B" userId="5c4bf6a326bf31f5" providerId="LiveId" clId="{FF56B4CD-FB53-42B1-BFE2-76D3C46DB09C}" dt="2025-01-27T15:06:23.113" v="3686" actId="20577"/>
-          <ac:spMkLst>
-            <pc:docMk/>
-            <pc:sldMk cId="257875984" sldId="1229"/>
-            <ac:spMk id="3" creationId="{00000000-0000-0000-0000-000000000000}"/>
-          </ac:spMkLst>
-        </pc:spChg>
-        <pc:cxnChg chg="del">
-          <ac:chgData name="Mike B" userId="5c4bf6a326bf31f5" providerId="LiveId" clId="{FF56B4CD-FB53-42B1-BFE2-76D3C46DB09C}" dt="2025-01-26T19:23:55.259" v="292" actId="478"/>
-          <ac:cxnSpMkLst>
-            <pc:docMk/>
-            <pc:sldMk cId="257875984" sldId="1229"/>
-            <ac:cxnSpMk id="4" creationId="{00000000-0000-0000-0000-000000000000}"/>
-          </ac:cxnSpMkLst>
-        </pc:cxnChg>
-      </pc:sldChg>
-      <pc:sldChg chg="delSp modSp add mod modAnim">
-        <pc:chgData name="Mike B" userId="5c4bf6a326bf31f5" providerId="LiveId" clId="{FF56B4CD-FB53-42B1-BFE2-76D3C46DB09C}" dt="2025-01-26T20:58:06.238" v="1391" actId="20577"/>
-        <pc:sldMkLst>
-          <pc:docMk/>
-          <pc:sldMk cId="3587006028" sldId="1248"/>
-        </pc:sldMkLst>
-        <pc:spChg chg="mod">
-          <ac:chgData name="Mike B" userId="5c4bf6a326bf31f5" providerId="LiveId" clId="{FF56B4CD-FB53-42B1-BFE2-76D3C46DB09C}" dt="2025-01-26T20:58:06.238" v="1391" actId="20577"/>
-          <ac:spMkLst>
-            <pc:docMk/>
-            <pc:sldMk cId="3587006028" sldId="1248"/>
-            <ac:spMk id="3" creationId="{00000000-0000-0000-0000-000000000000}"/>
-          </ac:spMkLst>
-        </pc:spChg>
-        <pc:cxnChg chg="del">
-          <ac:chgData name="Mike B" userId="5c4bf6a326bf31f5" providerId="LiveId" clId="{FF56B4CD-FB53-42B1-BFE2-76D3C46DB09C}" dt="2025-01-26T19:24:11.040" v="296" actId="478"/>
-          <ac:cxnSpMkLst>
-            <pc:docMk/>
-            <pc:sldMk cId="3587006028" sldId="1248"/>
-            <ac:cxnSpMk id="4" creationId="{00000000-0000-0000-0000-000000000000}"/>
-          </ac:cxnSpMkLst>
-        </pc:cxnChg>
-      </pc:sldChg>
-      <pc:sldChg chg="delSp modSp add mod">
-        <pc:chgData name="Mike B" userId="5c4bf6a326bf31f5" providerId="LiveId" clId="{FF56B4CD-FB53-42B1-BFE2-76D3C46DB09C}" dt="2025-01-26T19:24:28.998" v="301" actId="14100"/>
-        <pc:sldMkLst>
-          <pc:docMk/>
-          <pc:sldMk cId="997888385" sldId="1249"/>
-        </pc:sldMkLst>
-        <pc:spChg chg="mod">
-          <ac:chgData name="Mike B" userId="5c4bf6a326bf31f5" providerId="LiveId" clId="{FF56B4CD-FB53-42B1-BFE2-76D3C46DB09C}" dt="2025-01-26T19:24:28.998" v="301" actId="14100"/>
-          <ac:spMkLst>
-            <pc:docMk/>
-            <pc:sldMk cId="997888385" sldId="1249"/>
-            <ac:spMk id="3" creationId="{00000000-0000-0000-0000-000000000000}"/>
-          </ac:spMkLst>
-        </pc:spChg>
-        <pc:cxnChg chg="del">
-          <ac:chgData name="Mike B" userId="5c4bf6a326bf31f5" providerId="LiveId" clId="{FF56B4CD-FB53-42B1-BFE2-76D3C46DB09C}" dt="2025-01-26T19:24:22.466" v="299" actId="478"/>
-          <ac:cxnSpMkLst>
-            <pc:docMk/>
-            <pc:sldMk cId="997888385" sldId="1249"/>
-            <ac:cxnSpMk id="4" creationId="{00000000-0000-0000-0000-000000000000}"/>
-          </ac:cxnSpMkLst>
-        </pc:cxnChg>
-      </pc:sldChg>
-      <pc:sldChg chg="addSp delSp modSp add mod ord">
-        <pc:chgData name="Mike B" userId="5c4bf6a326bf31f5" providerId="LiveId" clId="{FF56B4CD-FB53-42B1-BFE2-76D3C46DB09C}" dt="2025-01-26T19:56:14.509" v="503" actId="1038"/>
-        <pc:sldMkLst>
-          <pc:docMk/>
-          <pc:sldMk cId="1309747117" sldId="1250"/>
-        </pc:sldMkLst>
-        <pc:spChg chg="mod">
-          <ac:chgData name="Mike B" userId="5c4bf6a326bf31f5" providerId="LiveId" clId="{FF56B4CD-FB53-42B1-BFE2-76D3C46DB09C}" dt="2025-01-26T19:55:10.526" v="483" actId="20577"/>
-          <ac:spMkLst>
-            <pc:docMk/>
-            <pc:sldMk cId="1309747117" sldId="1250"/>
-            <ac:spMk id="2" creationId="{00000000-0000-0000-0000-000000000000}"/>
-          </ac:spMkLst>
-        </pc:spChg>
-        <pc:spChg chg="del">
-          <ac:chgData name="Mike B" userId="5c4bf6a326bf31f5" providerId="LiveId" clId="{FF56B4CD-FB53-42B1-BFE2-76D3C46DB09C}" dt="2025-01-26T19:55:37.415" v="486"/>
-          <ac:spMkLst>
-            <pc:docMk/>
-            <pc:sldMk cId="1309747117" sldId="1250"/>
-            <ac:spMk id="3" creationId="{00000000-0000-0000-0000-000000000000}"/>
-          </ac:spMkLst>
-        </pc:spChg>
-        <pc:picChg chg="add mod modCrop">
-          <ac:chgData name="Mike B" userId="5c4bf6a326bf31f5" providerId="LiveId" clId="{FF56B4CD-FB53-42B1-BFE2-76D3C46DB09C}" dt="2025-01-26T19:56:14.509" v="503" actId="1038"/>
-          <ac:picMkLst>
-            <pc:docMk/>
-            <pc:sldMk cId="1309747117" sldId="1250"/>
-            <ac:picMk id="6" creationId="{0FEEC4E3-5D24-5458-89B3-A4ED85DDF04B}"/>
-          </ac:picMkLst>
-        </pc:picChg>
-        <pc:picChg chg="del">
-          <ac:chgData name="Mike B" userId="5c4bf6a326bf31f5" providerId="LiveId" clId="{FF56B4CD-FB53-42B1-BFE2-76D3C46DB09C}" dt="2025-01-26T19:55:03.787" v="456" actId="478"/>
-          <ac:picMkLst>
-            <pc:docMk/>
-            <pc:sldMk cId="1309747117" sldId="1250"/>
-            <ac:picMk id="2050" creationId="{481DEE82-BAAF-4D58-BCD1-A9F3826D593B}"/>
-          </ac:picMkLst>
-        </pc:picChg>
-        <pc:cxnChg chg="del">
-          <ac:chgData name="Mike B" userId="5c4bf6a326bf31f5" providerId="LiveId" clId="{FF56B4CD-FB53-42B1-BFE2-76D3C46DB09C}" dt="2025-01-26T19:26:32.115" v="306" actId="478"/>
-          <ac:cxnSpMkLst>
-            <pc:docMk/>
-            <pc:sldMk cId="1309747117" sldId="1250"/>
-            <ac:cxnSpMk id="4" creationId="{00000000-0000-0000-0000-000000000000}"/>
-          </ac:cxnSpMkLst>
-        </pc:cxnChg>
-      </pc:sldChg>
-      <pc:sldChg chg="addSp delSp modSp add mod">
-        <pc:chgData name="Mike B" userId="5c4bf6a326bf31f5" providerId="LiveId" clId="{FF56B4CD-FB53-42B1-BFE2-76D3C46DB09C}" dt="2025-01-26T19:53:24.851" v="448" actId="20577"/>
-        <pc:sldMkLst>
-          <pc:docMk/>
-          <pc:sldMk cId="1262794706" sldId="1251"/>
-        </pc:sldMkLst>
-        <pc:spChg chg="mod">
-          <ac:chgData name="Mike B" userId="5c4bf6a326bf31f5" providerId="LiveId" clId="{FF56B4CD-FB53-42B1-BFE2-76D3C46DB09C}" dt="2025-01-26T19:26:28.856" v="303" actId="27636"/>
-          <ac:spMkLst>
-            <pc:docMk/>
-            <pc:sldMk cId="1262794706" sldId="1251"/>
-            <ac:spMk id="2" creationId="{00000000-0000-0000-0000-000000000000}"/>
-          </ac:spMkLst>
-        </pc:spChg>
-        <pc:spChg chg="mod">
-          <ac:chgData name="Mike B" userId="5c4bf6a326bf31f5" providerId="LiveId" clId="{FF56B4CD-FB53-42B1-BFE2-76D3C46DB09C}" dt="2025-01-26T19:53:24.851" v="448" actId="20577"/>
-          <ac:spMkLst>
-            <pc:docMk/>
-            <pc:sldMk cId="1262794706" sldId="1251"/>
-            <ac:spMk id="3" creationId="{00000000-0000-0000-0000-000000000000}"/>
-          </ac:spMkLst>
-        </pc:spChg>
-        <pc:spChg chg="mod">
-          <ac:chgData name="Mike B" userId="5c4bf6a326bf31f5" providerId="LiveId" clId="{FF56B4CD-FB53-42B1-BFE2-76D3C46DB09C}" dt="2025-01-26T19:46:04.684" v="320" actId="1076"/>
-          <ac:spMkLst>
-            <pc:docMk/>
-            <pc:sldMk cId="1262794706" sldId="1251"/>
-            <ac:spMk id="5" creationId="{6F1B6C25-410A-44A0-8064-2B05EB5AFBD8}"/>
-          </ac:spMkLst>
-        </pc:spChg>
-        <pc:spChg chg="add mod ord">
-          <ac:chgData name="Mike B" userId="5c4bf6a326bf31f5" providerId="LiveId" clId="{FF56B4CD-FB53-42B1-BFE2-76D3C46DB09C}" dt="2025-01-26T19:45:47.130" v="313" actId="167"/>
-          <ac:spMkLst>
-            <pc:docMk/>
-            <pc:sldMk cId="1262794706" sldId="1251"/>
-            <ac:spMk id="6" creationId="{94C35C3F-55ED-C70F-224B-533AB567A479}"/>
-          </ac:spMkLst>
-        </pc:spChg>
-        <pc:cxnChg chg="del">
-          <ac:chgData name="Mike B" userId="5c4bf6a326bf31f5" providerId="LiveId" clId="{FF56B4CD-FB53-42B1-BFE2-76D3C46DB09C}" dt="2025-01-26T19:26:35.681" v="307" actId="478"/>
-          <ac:cxnSpMkLst>
-            <pc:docMk/>
-            <pc:sldMk cId="1262794706" sldId="1251"/>
-            <ac:cxnSpMk id="4" creationId="{00000000-0000-0000-0000-000000000000}"/>
-          </ac:cxnSpMkLst>
-        </pc:cxnChg>
-      </pc:sldChg>
-      <pc:sldChg chg="addSp delSp modSp add mod">
-        <pc:chgData name="Mike B" userId="5c4bf6a326bf31f5" providerId="LiveId" clId="{FF56B4CD-FB53-42B1-BFE2-76D3C46DB09C}" dt="2025-01-26T19:53:38.053" v="454" actId="20577"/>
-        <pc:sldMkLst>
-          <pc:docMk/>
-          <pc:sldMk cId="2843263528" sldId="1252"/>
-        </pc:sldMkLst>
-        <pc:spChg chg="mod">
-          <ac:chgData name="Mike B" userId="5c4bf6a326bf31f5" providerId="LiveId" clId="{FF56B4CD-FB53-42B1-BFE2-76D3C46DB09C}" dt="2025-01-26T19:53:38.053" v="454" actId="20577"/>
-          <ac:spMkLst>
-            <pc:docMk/>
-            <pc:sldMk cId="2843263528" sldId="1252"/>
-            <ac:spMk id="3" creationId="{00000000-0000-0000-0000-000000000000}"/>
-          </ac:spMkLst>
-        </pc:spChg>
-        <pc:spChg chg="mod">
-          <ac:chgData name="Mike B" userId="5c4bf6a326bf31f5" providerId="LiveId" clId="{FF56B4CD-FB53-42B1-BFE2-76D3C46DB09C}" dt="2025-01-26T19:46:34.629" v="328" actId="403"/>
-          <ac:spMkLst>
-            <pc:docMk/>
-            <pc:sldMk cId="2843263528" sldId="1252"/>
-            <ac:spMk id="5" creationId="{EDD27F39-B0E5-4270-9E07-7D3312174843}"/>
-          </ac:spMkLst>
-        </pc:spChg>
-        <pc:spChg chg="add mod ord">
-          <ac:chgData name="Mike B" userId="5c4bf6a326bf31f5" providerId="LiveId" clId="{FF56B4CD-FB53-42B1-BFE2-76D3C46DB09C}" dt="2025-01-26T19:46:15.442" v="322" actId="167"/>
-          <ac:spMkLst>
-            <pc:docMk/>
-            <pc:sldMk cId="2843263528" sldId="1252"/>
-            <ac:spMk id="6" creationId="{FB2B3AEB-675E-D391-D802-572497FB434F}"/>
-          </ac:spMkLst>
-        </pc:spChg>
-        <pc:cxnChg chg="del">
-          <ac:chgData name="Mike B" userId="5c4bf6a326bf31f5" providerId="LiveId" clId="{FF56B4CD-FB53-42B1-BFE2-76D3C46DB09C}" dt="2025-01-26T19:26:39.433" v="308" actId="478"/>
-          <ac:cxnSpMkLst>
-            <pc:docMk/>
-            <pc:sldMk cId="2843263528" sldId="1252"/>
-            <ac:cxnSpMk id="4" creationId="{00000000-0000-0000-0000-000000000000}"/>
-          </ac:cxnSpMkLst>
-        </pc:cxnChg>
-      </pc:sldChg>
-      <pc:sldChg chg="delSp modSp add mod">
-        <pc:chgData name="Mike B" userId="5c4bf6a326bf31f5" providerId="LiveId" clId="{FF56B4CD-FB53-42B1-BFE2-76D3C46DB09C}" dt="2025-01-26T19:26:42.881" v="309" actId="478"/>
-        <pc:sldMkLst>
-          <pc:docMk/>
-          <pc:sldMk cId="557394895" sldId="1253"/>
-        </pc:sldMkLst>
-        <pc:spChg chg="mod">
-          <ac:chgData name="Mike B" userId="5c4bf6a326bf31f5" providerId="LiveId" clId="{FF56B4CD-FB53-42B1-BFE2-76D3C46DB09C}" dt="2025-01-26T19:26:28.860" v="304" actId="27636"/>
-          <ac:spMkLst>
-            <pc:docMk/>
-            <pc:sldMk cId="557394895" sldId="1253"/>
-            <ac:spMk id="2" creationId="{00000000-0000-0000-0000-000000000000}"/>
-          </ac:spMkLst>
-        </pc:spChg>
-        <pc:cxnChg chg="del">
-          <ac:chgData name="Mike B" userId="5c4bf6a326bf31f5" providerId="LiveId" clId="{FF56B4CD-FB53-42B1-BFE2-76D3C46DB09C}" dt="2025-01-26T19:26:42.881" v="309" actId="478"/>
-          <ac:cxnSpMkLst>
-            <pc:docMk/>
-            <pc:sldMk cId="557394895" sldId="1253"/>
-            <ac:cxnSpMk id="4" creationId="{00000000-0000-0000-0000-000000000000}"/>
-          </ac:cxnSpMkLst>
-        </pc:cxnChg>
-      </pc:sldChg>
-      <pc:sldChg chg="modSp add del mod">
-        <pc:chgData name="Mike B" userId="5c4bf6a326bf31f5" providerId="LiveId" clId="{FF56B4CD-FB53-42B1-BFE2-76D3C46DB09C}" dt="2025-01-26T19:26:47.127" v="310" actId="2696"/>
-        <pc:sldMkLst>
-          <pc:docMk/>
-          <pc:sldMk cId="3611231521" sldId="1268"/>
-        </pc:sldMkLst>
-        <pc:spChg chg="mod">
-          <ac:chgData name="Mike B" userId="5c4bf6a326bf31f5" providerId="LiveId" clId="{FF56B4CD-FB53-42B1-BFE2-76D3C46DB09C}" dt="2025-01-26T19:26:28.862" v="305" actId="27636"/>
-          <ac:spMkLst>
-            <pc:docMk/>
-            <pc:sldMk cId="3611231521" sldId="1268"/>
-            <ac:spMk id="2" creationId="{00000000-0000-0000-0000-000000000000}"/>
-          </ac:spMkLst>
-        </pc:spChg>
-      </pc:sldChg>
-      <pc:sldChg chg="delSp modSp add mod">
-        <pc:chgData name="Mike B" userId="5c4bf6a326bf31f5" providerId="LiveId" clId="{FF56B4CD-FB53-42B1-BFE2-76D3C46DB09C}" dt="2025-01-26T19:47:04.753" v="341" actId="1035"/>
-        <pc:sldMkLst>
-          <pc:docMk/>
-          <pc:sldMk cId="1080735625" sldId="1271"/>
-        </pc:sldMkLst>
-        <pc:spChg chg="mod">
-          <ac:chgData name="Mike B" userId="5c4bf6a326bf31f5" providerId="LiveId" clId="{FF56B4CD-FB53-42B1-BFE2-76D3C46DB09C}" dt="2025-01-26T19:47:04.753" v="341" actId="1035"/>
-          <ac:spMkLst>
-            <pc:docMk/>
-            <pc:sldMk cId="1080735625" sldId="1271"/>
-            <ac:spMk id="3" creationId="{00000000-0000-0000-0000-000000000000}"/>
-          </ac:spMkLst>
-        </pc:spChg>
-        <pc:spChg chg="mod">
-          <ac:chgData name="Mike B" userId="5c4bf6a326bf31f5" providerId="LiveId" clId="{FF56B4CD-FB53-42B1-BFE2-76D3C46DB09C}" dt="2025-01-26T19:47:01.261" v="335" actId="1035"/>
-          <ac:spMkLst>
-            <pc:docMk/>
-            <pc:sldMk cId="1080735625" sldId="1271"/>
-            <ac:spMk id="5" creationId="{A1E53B62-D028-483B-9C41-F3886C2FEC52}"/>
-          </ac:spMkLst>
-        </pc:spChg>
-        <pc:spChg chg="mod">
-          <ac:chgData name="Mike B" userId="5c4bf6a326bf31f5" providerId="LiveId" clId="{FF56B4CD-FB53-42B1-BFE2-76D3C46DB09C}" dt="2025-01-26T19:47:01.261" v="335" actId="1035"/>
-          <ac:spMkLst>
-            <pc:docMk/>
-            <pc:sldMk cId="1080735625" sldId="1271"/>
-            <ac:spMk id="6" creationId="{D50D6CE2-336F-49F4-AF3F-E2EAA3159A25}"/>
-          </ac:spMkLst>
-        </pc:spChg>
-        <pc:spChg chg="mod">
-          <ac:chgData name="Mike B" userId="5c4bf6a326bf31f5" providerId="LiveId" clId="{FF56B4CD-FB53-42B1-BFE2-76D3C46DB09C}" dt="2025-01-26T19:47:01.261" v="335" actId="1035"/>
-          <ac:spMkLst>
-            <pc:docMk/>
-            <pc:sldMk cId="1080735625" sldId="1271"/>
-            <ac:spMk id="7" creationId="{2BD35E1F-E446-4DA4-8D93-72B01F435A8F}"/>
-          </ac:spMkLst>
-        </pc:spChg>
-        <pc:spChg chg="mod">
-          <ac:chgData name="Mike B" userId="5c4bf6a326bf31f5" providerId="LiveId" clId="{FF56B4CD-FB53-42B1-BFE2-76D3C46DB09C}" dt="2025-01-26T19:47:01.261" v="335" actId="1035"/>
-          <ac:spMkLst>
-            <pc:docMk/>
-            <pc:sldMk cId="1080735625" sldId="1271"/>
-            <ac:spMk id="8" creationId="{A0C5724A-425E-4E88-9E38-5C0B78C74B7D}"/>
-          </ac:spMkLst>
-        </pc:spChg>
-        <pc:spChg chg="mod">
-          <ac:chgData name="Mike B" userId="5c4bf6a326bf31f5" providerId="LiveId" clId="{FF56B4CD-FB53-42B1-BFE2-76D3C46DB09C}" dt="2025-01-26T19:47:01.261" v="335" actId="1035"/>
-          <ac:spMkLst>
-            <pc:docMk/>
-            <pc:sldMk cId="1080735625" sldId="1271"/>
-            <ac:spMk id="9" creationId="{4C8BFC3B-FFBC-4873-9213-54A26EA1D548}"/>
-          </ac:spMkLst>
-        </pc:spChg>
-        <pc:spChg chg="mod">
-          <ac:chgData name="Mike B" userId="5c4bf6a326bf31f5" providerId="LiveId" clId="{FF56B4CD-FB53-42B1-BFE2-76D3C46DB09C}" dt="2025-01-26T19:47:01.261" v="335" actId="1035"/>
-          <ac:spMkLst>
-            <pc:docMk/>
-            <pc:sldMk cId="1080735625" sldId="1271"/>
-            <ac:spMk id="10" creationId="{BA28AA88-E0E0-49B7-B6CF-93ADA1291E8D}"/>
-          </ac:spMkLst>
-        </pc:spChg>
-        <pc:spChg chg="mod">
-          <ac:chgData name="Mike B" userId="5c4bf6a326bf31f5" providerId="LiveId" clId="{FF56B4CD-FB53-42B1-BFE2-76D3C46DB09C}" dt="2025-01-26T19:47:01.261" v="335" actId="1035"/>
-          <ac:spMkLst>
-            <pc:docMk/>
-            <pc:sldMk cId="1080735625" sldId="1271"/>
-            <ac:spMk id="11" creationId="{27436062-359A-4DC8-9DA3-A0B95D1EA878}"/>
-          </ac:spMkLst>
-        </pc:spChg>
-        <pc:spChg chg="mod">
-          <ac:chgData name="Mike B" userId="5c4bf6a326bf31f5" providerId="LiveId" clId="{FF56B4CD-FB53-42B1-BFE2-76D3C46DB09C}" dt="2025-01-26T19:47:01.261" v="335" actId="1035"/>
-          <ac:spMkLst>
-            <pc:docMk/>
-            <pc:sldMk cId="1080735625" sldId="1271"/>
-            <ac:spMk id="12" creationId="{17CBDA31-FD79-4343-8E2D-A267CBFEBAD8}"/>
-          </ac:spMkLst>
-        </pc:spChg>
-        <pc:cxnChg chg="del">
-          <ac:chgData name="Mike B" userId="5c4bf6a326bf31f5" providerId="LiveId" clId="{FF56B4CD-FB53-42B1-BFE2-76D3C46DB09C}" dt="2025-01-26T19:46:52.669" v="329" actId="478"/>
-          <ac:cxnSpMkLst>
-            <pc:docMk/>
-            <pc:sldMk cId="1080735625" sldId="1271"/>
-            <ac:cxnSpMk id="4" creationId="{00000000-0000-0000-0000-000000000000}"/>
-          </ac:cxnSpMkLst>
-        </pc:cxnChg>
-      </pc:sldChg>
-      <pc:sldChg chg="modSp add mod ord modAnim">
-        <pc:chgData name="Mike B" userId="5c4bf6a326bf31f5" providerId="LiveId" clId="{FF56B4CD-FB53-42B1-BFE2-76D3C46DB09C}" dt="2025-01-26T20:32:23.437" v="895" actId="403"/>
-        <pc:sldMkLst>
-          <pc:docMk/>
-          <pc:sldMk cId="3686722547" sldId="1272"/>
-        </pc:sldMkLst>
-        <pc:spChg chg="mod">
-          <ac:chgData name="Mike B" userId="5c4bf6a326bf31f5" providerId="LiveId" clId="{FF56B4CD-FB53-42B1-BFE2-76D3C46DB09C}" dt="2025-01-26T19:49:40.918" v="375" actId="20577"/>
-          <ac:spMkLst>
-            <pc:docMk/>
-            <pc:sldMk cId="3686722547" sldId="1272"/>
-            <ac:spMk id="2" creationId="{00000000-0000-0000-0000-000000000000}"/>
-          </ac:spMkLst>
-        </pc:spChg>
-        <pc:spChg chg="mod">
-          <ac:chgData name="Mike B" userId="5c4bf6a326bf31f5" providerId="LiveId" clId="{FF56B4CD-FB53-42B1-BFE2-76D3C46DB09C}" dt="2025-01-26T20:32:23.437" v="895" actId="403"/>
-          <ac:spMkLst>
-            <pc:docMk/>
-            <pc:sldMk cId="3686722547" sldId="1272"/>
-            <ac:spMk id="3" creationId="{00000000-0000-0000-0000-000000000000}"/>
-          </ac:spMkLst>
-        </pc:spChg>
-      </pc:sldChg>
-      <pc:sldChg chg="add">
-        <pc:chgData name="Mike B" userId="5c4bf6a326bf31f5" providerId="LiveId" clId="{FF56B4CD-FB53-42B1-BFE2-76D3C46DB09C}" dt="2025-01-26T19:55:00.719" v="455" actId="2890"/>
-        <pc:sldMkLst>
-          <pc:docMk/>
-          <pc:sldMk cId="1062285755" sldId="1273"/>
-        </pc:sldMkLst>
-      </pc:sldChg>
-      <pc:sldChg chg="addSp modSp add mod">
-        <pc:chgData name="Mike B" userId="5c4bf6a326bf31f5" providerId="LiveId" clId="{FF56B4CD-FB53-42B1-BFE2-76D3C46DB09C}" dt="2025-01-26T20:50:21.188" v="967" actId="1038"/>
-        <pc:sldMkLst>
-          <pc:docMk/>
-          <pc:sldMk cId="1856009430" sldId="1274"/>
-        </pc:sldMkLst>
-        <pc:picChg chg="add mod">
-          <ac:chgData name="Mike B" userId="5c4bf6a326bf31f5" providerId="LiveId" clId="{FF56B4CD-FB53-42B1-BFE2-76D3C46DB09C}" dt="2025-01-26T20:50:21.188" v="967" actId="1038"/>
-          <ac:picMkLst>
-            <pc:docMk/>
-            <pc:sldMk cId="1856009430" sldId="1274"/>
-            <ac:picMk id="6" creationId="{D20775EA-BF4A-669C-894B-C961EE1E735A}"/>
-          </ac:picMkLst>
-        </pc:picChg>
-        <pc:picChg chg="add mod">
-          <ac:chgData name="Mike B" userId="5c4bf6a326bf31f5" providerId="LiveId" clId="{FF56B4CD-FB53-42B1-BFE2-76D3C46DB09C}" dt="2025-01-26T20:50:17.169" v="953" actId="1038"/>
-          <ac:picMkLst>
-            <pc:docMk/>
-            <pc:sldMk cId="1856009430" sldId="1274"/>
-            <ac:picMk id="8" creationId="{768D35D0-2E37-E0DE-1A46-22143658A216}"/>
-          </ac:picMkLst>
-        </pc:picChg>
-      </pc:sldChg>
-      <pc:sldChg chg="modSp add mod modAnim">
-        <pc:chgData name="Mike B" userId="5c4bf6a326bf31f5" providerId="LiveId" clId="{FF56B4CD-FB53-42B1-BFE2-76D3C46DB09C}" dt="2025-01-26T21:07:51.772" v="1718" actId="20577"/>
-        <pc:sldMkLst>
-          <pc:docMk/>
-          <pc:sldMk cId="2117449211" sldId="1275"/>
-        </pc:sldMkLst>
-        <pc:spChg chg="mod">
-          <ac:chgData name="Mike B" userId="5c4bf6a326bf31f5" providerId="LiveId" clId="{FF56B4CD-FB53-42B1-BFE2-76D3C46DB09C}" dt="2025-01-26T21:07:51.772" v="1718" actId="20577"/>
-          <ac:spMkLst>
-            <pc:docMk/>
-            <pc:sldMk cId="2117449211" sldId="1275"/>
-            <ac:spMk id="2" creationId="{00000000-0000-0000-0000-000000000000}"/>
-          </ac:spMkLst>
-        </pc:spChg>
-        <pc:spChg chg="mod">
-          <ac:chgData name="Mike B" userId="5c4bf6a326bf31f5" providerId="LiveId" clId="{FF56B4CD-FB53-42B1-BFE2-76D3C46DB09C}" dt="2025-01-26T21:07:40.102" v="1689" actId="20577"/>
-          <ac:spMkLst>
-            <pc:docMk/>
-            <pc:sldMk cId="2117449211" sldId="1275"/>
-            <ac:spMk id="3" creationId="{00000000-0000-0000-0000-000000000000}"/>
-          </ac:spMkLst>
-        </pc:spChg>
-      </pc:sldChg>
-      <pc:sldChg chg="modSp add mod">
-        <pc:chgData name="Mike B" userId="5c4bf6a326bf31f5" providerId="LiveId" clId="{FF56B4CD-FB53-42B1-BFE2-76D3C46DB09C}" dt="2025-01-26T21:13:26.931" v="1945" actId="15"/>
-        <pc:sldMkLst>
-          <pc:docMk/>
-          <pc:sldMk cId="4234455428" sldId="1276"/>
-        </pc:sldMkLst>
-        <pc:spChg chg="mod">
-          <ac:chgData name="Mike B" userId="5c4bf6a326bf31f5" providerId="LiveId" clId="{FF56B4CD-FB53-42B1-BFE2-76D3C46DB09C}" dt="2025-01-26T21:08:21.468" v="1745" actId="20577"/>
-          <ac:spMkLst>
-            <pc:docMk/>
-            <pc:sldMk cId="4234455428" sldId="1276"/>
-            <ac:spMk id="2" creationId="{00000000-0000-0000-0000-000000000000}"/>
-          </ac:spMkLst>
-        </pc:spChg>
-        <pc:spChg chg="mod">
-          <ac:chgData name="Mike B" userId="5c4bf6a326bf31f5" providerId="LiveId" clId="{FF56B4CD-FB53-42B1-BFE2-76D3C46DB09C}" dt="2025-01-26T21:13:26.931" v="1945" actId="15"/>
-          <ac:spMkLst>
-            <pc:docMk/>
-            <pc:sldMk cId="4234455428" sldId="1276"/>
-            <ac:spMk id="3" creationId="{00000000-0000-0000-0000-000000000000}"/>
-          </ac:spMkLst>
-        </pc:spChg>
-      </pc:sldChg>
-      <pc:sldChg chg="addSp modSp add mod">
-        <pc:chgData name="Mike B" userId="5c4bf6a326bf31f5" providerId="LiveId" clId="{FF56B4CD-FB53-42B1-BFE2-76D3C46DB09C}" dt="2025-01-26T21:22:05.040" v="2454" actId="403"/>
-        <pc:sldMkLst>
-          <pc:docMk/>
-          <pc:sldMk cId="4245031178" sldId="1277"/>
-        </pc:sldMkLst>
-        <pc:spChg chg="mod">
-          <ac:chgData name="Mike B" userId="5c4bf6a326bf31f5" providerId="LiveId" clId="{FF56B4CD-FB53-42B1-BFE2-76D3C46DB09C}" dt="2025-01-26T21:16:54.144" v="2056" actId="20577"/>
-          <ac:spMkLst>
-            <pc:docMk/>
-            <pc:sldMk cId="4245031178" sldId="1277"/>
-            <ac:spMk id="2" creationId="{00000000-0000-0000-0000-000000000000}"/>
-          </ac:spMkLst>
-        </pc:spChg>
-        <pc:spChg chg="mod">
-          <ac:chgData name="Mike B" userId="5c4bf6a326bf31f5" providerId="LiveId" clId="{FF56B4CD-FB53-42B1-BFE2-76D3C46DB09C}" dt="2025-01-26T21:22:05.040" v="2454" actId="403"/>
-          <ac:spMkLst>
-            <pc:docMk/>
-            <pc:sldMk cId="4245031178" sldId="1277"/>
-            <ac:spMk id="3" creationId="{00000000-0000-0000-0000-000000000000}"/>
-          </ac:spMkLst>
-        </pc:spChg>
-        <pc:picChg chg="add mod">
-          <ac:chgData name="Mike B" userId="5c4bf6a326bf31f5" providerId="LiveId" clId="{FF56B4CD-FB53-42B1-BFE2-76D3C46DB09C}" dt="2025-01-26T21:20:42.564" v="2274" actId="1076"/>
-          <ac:picMkLst>
-            <pc:docMk/>
-            <pc:sldMk cId="4245031178" sldId="1277"/>
-            <ac:picMk id="1026" creationId="{D2E33714-7789-3060-A758-4B9A3B5803E7}"/>
-          </ac:picMkLst>
-        </pc:picChg>
-      </pc:sldChg>
-      <pc:sldChg chg="addSp delSp modSp add mod">
-        <pc:chgData name="Mike B" userId="5c4bf6a326bf31f5" providerId="LiveId" clId="{FF56B4CD-FB53-42B1-BFE2-76D3C46DB09C}" dt="2025-01-26T21:44:07.263" v="3672" actId="403"/>
-        <pc:sldMkLst>
-          <pc:docMk/>
-          <pc:sldMk cId="679839182" sldId="1278"/>
-        </pc:sldMkLst>
-        <pc:spChg chg="mod">
-          <ac:chgData name="Mike B" userId="5c4bf6a326bf31f5" providerId="LiveId" clId="{FF56B4CD-FB53-42B1-BFE2-76D3C46DB09C}" dt="2025-01-26T21:44:07.263" v="3672" actId="403"/>
-          <ac:spMkLst>
-            <pc:docMk/>
-            <pc:sldMk cId="679839182" sldId="1278"/>
-            <ac:spMk id="3" creationId="{00000000-0000-0000-0000-000000000000}"/>
-          </ac:spMkLst>
-        </pc:spChg>
-        <pc:picChg chg="del">
-          <ac:chgData name="Mike B" userId="5c4bf6a326bf31f5" providerId="LiveId" clId="{FF56B4CD-FB53-42B1-BFE2-76D3C46DB09C}" dt="2025-01-26T21:27:05.776" v="2891" actId="478"/>
-          <ac:picMkLst>
-            <pc:docMk/>
-            <pc:sldMk cId="679839182" sldId="1278"/>
-            <ac:picMk id="1026" creationId="{D2E33714-7789-3060-A758-4B9A3B5803E7}"/>
-          </ac:picMkLst>
-        </pc:picChg>
-        <pc:picChg chg="add mod">
-          <ac:chgData name="Mike B" userId="5c4bf6a326bf31f5" providerId="LiveId" clId="{FF56B4CD-FB53-42B1-BFE2-76D3C46DB09C}" dt="2025-01-26T21:27:18.546" v="2895" actId="14100"/>
-          <ac:picMkLst>
-            <pc:docMk/>
-            <pc:sldMk cId="679839182" sldId="1278"/>
-            <ac:picMk id="2050" creationId="{8CAB1B62-7403-AAC5-4A74-20874A0161A5}"/>
-          </ac:picMkLst>
-        </pc:picChg>
-      </pc:sldChg>
-      <pc:sldChg chg="modSp add mod ord">
-        <pc:chgData name="Mike B" userId="5c4bf6a326bf31f5" providerId="LiveId" clId="{FF56B4CD-FB53-42B1-BFE2-76D3C46DB09C}" dt="2025-01-26T21:44:26.548" v="3685" actId="20577"/>
-        <pc:sldMkLst>
-          <pc:docMk/>
-          <pc:sldMk cId="2839674854" sldId="1279"/>
-        </pc:sldMkLst>
-        <pc:spChg chg="mod">
-          <ac:chgData name="Mike B" userId="5c4bf6a326bf31f5" providerId="LiveId" clId="{FF56B4CD-FB53-42B1-BFE2-76D3C46DB09C}" dt="2025-01-26T21:28:20.160" v="2930" actId="20577"/>
-          <ac:spMkLst>
-            <pc:docMk/>
-            <pc:sldMk cId="2839674854" sldId="1279"/>
-            <ac:spMk id="2" creationId="{00000000-0000-0000-0000-000000000000}"/>
-          </ac:spMkLst>
-        </pc:spChg>
-        <pc:spChg chg="mod">
-          <ac:chgData name="Mike B" userId="5c4bf6a326bf31f5" providerId="LiveId" clId="{FF56B4CD-FB53-42B1-BFE2-76D3C46DB09C}" dt="2025-01-26T21:44:26.548" v="3685" actId="20577"/>
-          <ac:spMkLst>
-            <pc:docMk/>
-            <pc:sldMk cId="2839674854" sldId="1279"/>
-            <ac:spMk id="3" creationId="{00000000-0000-0000-0000-000000000000}"/>
-          </ac:spMkLst>
-        </pc:spChg>
+        <pc:chgData name="Mike B" userId="5c4bf6a326bf31f5" providerId="LiveId" clId="{76DDEA14-774A-4263-9F62-41BDB638666F}" dt="2025-01-03T01:29:59.856" v="1" actId="2696"/>
+        <pc:sldMkLst>
+          <pc:docMk/>
+          <pc:sldMk cId="184063669" sldId="782"/>
+        </pc:sldMkLst>
       </pc:sldChg>
     </pc:docChg>
   </pc:docChgLst>
@@ -7576,28 +6996,20 @@
     </pc:docChg>
   </pc:docChgLst>
   <pc:docChgLst>
-    <pc:chgData name="Mike B" userId="5c4bf6a326bf31f5" providerId="LiveId" clId="{76DDEA14-774A-4263-9F62-41BDB638666F}"/>
-    <pc:docChg chg="undo custSel addSld delSld modSld">
-      <pc:chgData name="Mike B" userId="5c4bf6a326bf31f5" providerId="LiveId" clId="{76DDEA14-774A-4263-9F62-41BDB638666F}" dt="2025-01-08T17:34:27.689" v="776" actId="5793"/>
+    <pc:chgData name="Mike B" userId="5c4bf6a326bf31f5" providerId="LiveId" clId="{FF56B4CD-FB53-42B1-BFE2-76D3C46DB09C}"/>
+    <pc:docChg chg="undo custSel addSld delSld modSld sldOrd">
+      <pc:chgData name="Mike B" userId="5c4bf6a326bf31f5" providerId="LiveId" clId="{FF56B4CD-FB53-42B1-BFE2-76D3C46DB09C}" dt="2025-01-27T15:06:23.113" v="3686" actId="20577"/>
       <pc:docMkLst>
         <pc:docMk/>
       </pc:docMkLst>
       <pc:sldChg chg="modSp mod">
-        <pc:chgData name="Mike B" userId="5c4bf6a326bf31f5" providerId="LiveId" clId="{76DDEA14-774A-4263-9F62-41BDB638666F}" dt="2025-01-08T17:07:53.029" v="109" actId="20577"/>
+        <pc:chgData name="Mike B" userId="5c4bf6a326bf31f5" providerId="LiveId" clId="{FF56B4CD-FB53-42B1-BFE2-76D3C46DB09C}" dt="2025-01-26T20:31:45.677" v="891" actId="1038"/>
         <pc:sldMkLst>
           <pc:docMk/>
           <pc:sldMk cId="0" sldId="256"/>
         </pc:sldMkLst>
         <pc:spChg chg="mod">
-          <ac:chgData name="Mike B" userId="5c4bf6a326bf31f5" providerId="LiveId" clId="{76DDEA14-774A-4263-9F62-41BDB638666F}" dt="2025-01-03T01:30:47.274" v="33" actId="20577"/>
-          <ac:spMkLst>
-            <pc:docMk/>
-            <pc:sldMk cId="0" sldId="256"/>
-            <ac:spMk id="2050" creationId="{00000000-0000-0000-0000-000000000000}"/>
-          </ac:spMkLst>
-        </pc:spChg>
-        <pc:spChg chg="mod">
-          <ac:chgData name="Mike B" userId="5c4bf6a326bf31f5" providerId="LiveId" clId="{76DDEA14-774A-4263-9F62-41BDB638666F}" dt="2025-01-08T17:07:53.029" v="109" actId="20577"/>
+          <ac:chgData name="Mike B" userId="5c4bf6a326bf31f5" providerId="LiveId" clId="{FF56B4CD-FB53-42B1-BFE2-76D3C46DB09C}" dt="2025-01-26T20:31:45.677" v="891" actId="1038"/>
           <ac:spMkLst>
             <pc:docMk/>
             <pc:sldMk cId="0" sldId="256"/>
@@ -7606,13 +7018,13 @@
         </pc:spChg>
       </pc:sldChg>
       <pc:sldChg chg="modSp mod">
-        <pc:chgData name="Mike B" userId="5c4bf6a326bf31f5" providerId="LiveId" clId="{76DDEA14-774A-4263-9F62-41BDB638666F}" dt="2025-01-08T17:09:24.385" v="138" actId="113"/>
+        <pc:chgData name="Mike B" userId="5c4bf6a326bf31f5" providerId="LiveId" clId="{FF56B4CD-FB53-42B1-BFE2-76D3C46DB09C}" dt="2025-01-25T20:38:34.969" v="220" actId="14"/>
         <pc:sldMkLst>
           <pc:docMk/>
           <pc:sldMk cId="0" sldId="287"/>
         </pc:sldMkLst>
         <pc:spChg chg="mod">
-          <ac:chgData name="Mike B" userId="5c4bf6a326bf31f5" providerId="LiveId" clId="{76DDEA14-774A-4263-9F62-41BDB638666F}" dt="2025-01-08T17:09:24.385" v="138" actId="113"/>
+          <ac:chgData name="Mike B" userId="5c4bf6a326bf31f5" providerId="LiveId" clId="{FF56B4CD-FB53-42B1-BFE2-76D3C46DB09C}" dt="2025-01-25T20:38:34.969" v="220" actId="14"/>
           <ac:spMkLst>
             <pc:docMk/>
             <pc:sldMk cId="0" sldId="287"/>
@@ -7621,13 +7033,13 @@
         </pc:spChg>
       </pc:sldChg>
       <pc:sldChg chg="modSp mod">
-        <pc:chgData name="Mike B" userId="5c4bf6a326bf31f5" providerId="LiveId" clId="{76DDEA14-774A-4263-9F62-41BDB638666F}" dt="2025-01-08T17:11:58.783" v="229" actId="20577"/>
+        <pc:chgData name="Mike B" userId="5c4bf6a326bf31f5" providerId="LiveId" clId="{FF56B4CD-FB53-42B1-BFE2-76D3C46DB09C}" dt="2025-01-26T20:04:02.933" v="849" actId="20577"/>
         <pc:sldMkLst>
           <pc:docMk/>
           <pc:sldMk cId="1782408873" sldId="342"/>
         </pc:sldMkLst>
         <pc:spChg chg="mod">
-          <ac:chgData name="Mike B" userId="5c4bf6a326bf31f5" providerId="LiveId" clId="{76DDEA14-774A-4263-9F62-41BDB638666F}" dt="2025-01-03T01:32:08.225" v="80" actId="20577"/>
+          <ac:chgData name="Mike B" userId="5c4bf6a326bf31f5" providerId="LiveId" clId="{FF56B4CD-FB53-42B1-BFE2-76D3C46DB09C}" dt="2025-01-26T20:04:02.933" v="849" actId="20577"/>
           <ac:spMkLst>
             <pc:docMk/>
             <pc:sldMk cId="1782408873" sldId="342"/>
@@ -7635,7 +7047,7 @@
           </ac:spMkLst>
         </pc:spChg>
         <pc:spChg chg="mod">
-          <ac:chgData name="Mike B" userId="5c4bf6a326bf31f5" providerId="LiveId" clId="{76DDEA14-774A-4263-9F62-41BDB638666F}" dt="2025-01-08T17:11:58.783" v="229" actId="20577"/>
+          <ac:chgData name="Mike B" userId="5c4bf6a326bf31f5" providerId="LiveId" clId="{FF56B4CD-FB53-42B1-BFE2-76D3C46DB09C}" dt="2025-01-25T20:41:10.882" v="269" actId="20577"/>
           <ac:spMkLst>
             <pc:docMk/>
             <pc:sldMk cId="1782408873" sldId="342"/>
@@ -7643,43 +7055,28 @@
           </ac:spMkLst>
         </pc:spChg>
       </pc:sldChg>
-      <pc:sldChg chg="modSp add mod">
-        <pc:chgData name="Mike B" userId="5c4bf6a326bf31f5" providerId="LiveId" clId="{76DDEA14-774A-4263-9F62-41BDB638666F}" dt="2025-01-08T17:11:44.916" v="200" actId="20577"/>
+      <pc:sldChg chg="del">
+        <pc:chgData name="Mike B" userId="5c4bf6a326bf31f5" providerId="LiveId" clId="{FF56B4CD-FB53-42B1-BFE2-76D3C46DB09C}" dt="2025-01-25T20:40:57.913" v="233" actId="2696"/>
         <pc:sldMkLst>
           <pc:docMk/>
           <pc:sldMk cId="1183369332" sldId="343"/>
         </pc:sldMkLst>
-        <pc:spChg chg="mod">
-          <ac:chgData name="Mike B" userId="5c4bf6a326bf31f5" providerId="LiveId" clId="{76DDEA14-774A-4263-9F62-41BDB638666F}" dt="2025-01-08T17:11:44.916" v="200" actId="20577"/>
-          <ac:spMkLst>
-            <pc:docMk/>
-            <pc:sldMk cId="1183369332" sldId="343"/>
-            <ac:spMk id="118787" creationId="{00000000-0000-0000-0000-000000000000}"/>
-          </ac:spMkLst>
-        </pc:spChg>
-      </pc:sldChg>
-      <pc:sldChg chg="add">
-        <pc:chgData name="Mike B" userId="5c4bf6a326bf31f5" providerId="LiveId" clId="{76DDEA14-774A-4263-9F62-41BDB638666F}" dt="2025-01-08T17:10:28.173" v="140"/>
+      </pc:sldChg>
+      <pc:sldChg chg="del">
+        <pc:chgData name="Mike B" userId="5c4bf6a326bf31f5" providerId="LiveId" clId="{FF56B4CD-FB53-42B1-BFE2-76D3C46DB09C}" dt="2025-01-25T20:38:50.132" v="221" actId="2696"/>
         <pc:sldMkLst>
           <pc:docMk/>
           <pc:sldMk cId="2010995209" sldId="359"/>
         </pc:sldMkLst>
       </pc:sldChg>
-      <pc:sldChg chg="del">
-        <pc:chgData name="Mike B" userId="5c4bf6a326bf31f5" providerId="LiveId" clId="{76DDEA14-774A-4263-9F62-41BDB638666F}" dt="2025-01-03T01:30:05.973" v="2" actId="2696"/>
-        <pc:sldMkLst>
-          <pc:docMk/>
-          <pc:sldMk cId="529469595" sldId="360"/>
-        </pc:sldMkLst>
-      </pc:sldChg>
       <pc:sldChg chg="modSp mod">
-        <pc:chgData name="Mike B" userId="5c4bf6a326bf31f5" providerId="LiveId" clId="{76DDEA14-774A-4263-9F62-41BDB638666F}" dt="2025-01-08T17:34:27.689" v="776" actId="5793"/>
+        <pc:chgData name="Mike B" userId="5c4bf6a326bf31f5" providerId="LiveId" clId="{FF56B4CD-FB53-42B1-BFE2-76D3C46DB09C}" dt="2025-01-26T20:32:54.155" v="930" actId="20577"/>
         <pc:sldMkLst>
           <pc:docMk/>
           <pc:sldMk cId="3710951061" sldId="361"/>
         </pc:sldMkLst>
         <pc:spChg chg="mod">
-          <ac:chgData name="Mike B" userId="5c4bf6a326bf31f5" providerId="LiveId" clId="{76DDEA14-774A-4263-9F62-41BDB638666F}" dt="2025-01-08T17:34:27.689" v="776" actId="5793"/>
+          <ac:chgData name="Mike B" userId="5c4bf6a326bf31f5" providerId="LiveId" clId="{FF56B4CD-FB53-42B1-BFE2-76D3C46DB09C}" dt="2025-01-26T20:32:54.155" v="930" actId="20577"/>
           <ac:spMkLst>
             <pc:docMk/>
             <pc:sldMk cId="3710951061" sldId="361"/>
@@ -7688,162 +7085,765 @@
         </pc:spChg>
       </pc:sldChg>
       <pc:sldChg chg="del">
-        <pc:chgData name="Mike B" userId="5c4bf6a326bf31f5" providerId="LiveId" clId="{76DDEA14-774A-4263-9F62-41BDB638666F}" dt="2025-01-03T01:30:11.056" v="3" actId="2696"/>
-        <pc:sldMkLst>
-          <pc:docMk/>
-          <pc:sldMk cId="2370785148" sldId="380"/>
-        </pc:sldMkLst>
-      </pc:sldChg>
-      <pc:sldChg chg="modSp modAnim">
-        <pc:chgData name="Mike B" userId="5c4bf6a326bf31f5" providerId="LiveId" clId="{76DDEA14-774A-4263-9F62-41BDB638666F}" dt="2025-01-08T17:12:41.775" v="231" actId="20577"/>
+        <pc:chgData name="Mike B" userId="5c4bf6a326bf31f5" providerId="LiveId" clId="{FF56B4CD-FB53-42B1-BFE2-76D3C46DB09C}" dt="2025-01-26T19:26:52.188" v="311" actId="47"/>
         <pc:sldMkLst>
           <pc:docMk/>
           <pc:sldMk cId="3723772096" sldId="461"/>
         </pc:sldMkLst>
-        <pc:spChg chg="mod">
-          <ac:chgData name="Mike B" userId="5c4bf6a326bf31f5" providerId="LiveId" clId="{76DDEA14-774A-4263-9F62-41BDB638666F}" dt="2025-01-08T17:12:41.775" v="231" actId="20577"/>
-          <ac:spMkLst>
-            <pc:docMk/>
-            <pc:sldMk cId="3723772096" sldId="461"/>
+      </pc:sldChg>
+      <pc:sldChg chg="del">
+        <pc:chgData name="Mike B" userId="5c4bf6a326bf31f5" providerId="LiveId" clId="{FF56B4CD-FB53-42B1-BFE2-76D3C46DB09C}" dt="2025-01-26T20:06:08.394" v="871" actId="2696"/>
+        <pc:sldMkLst>
+          <pc:docMk/>
+          <pc:sldMk cId="19532457" sldId="479"/>
+        </pc:sldMkLst>
+      </pc:sldChg>
+      <pc:sldChg chg="del">
+        <pc:chgData name="Mike B" userId="5c4bf6a326bf31f5" providerId="LiveId" clId="{FF56B4CD-FB53-42B1-BFE2-76D3C46DB09C}" dt="2025-01-26T20:06:08.394" v="871" actId="2696"/>
+        <pc:sldMkLst>
+          <pc:docMk/>
+          <pc:sldMk cId="1059591430" sldId="527"/>
+        </pc:sldMkLst>
+      </pc:sldChg>
+      <pc:sldChg chg="del">
+        <pc:chgData name="Mike B" userId="5c4bf6a326bf31f5" providerId="LiveId" clId="{FF56B4CD-FB53-42B1-BFE2-76D3C46DB09C}" dt="2025-01-26T20:06:08.394" v="871" actId="2696"/>
+        <pc:sldMkLst>
+          <pc:docMk/>
+          <pc:sldMk cId="881136697" sldId="529"/>
+        </pc:sldMkLst>
+      </pc:sldChg>
+      <pc:sldChg chg="del">
+        <pc:chgData name="Mike B" userId="5c4bf6a326bf31f5" providerId="LiveId" clId="{FF56B4CD-FB53-42B1-BFE2-76D3C46DB09C}" dt="2025-01-26T20:06:08.394" v="871" actId="2696"/>
+        <pc:sldMkLst>
+          <pc:docMk/>
+          <pc:sldMk cId="1325292419" sldId="530"/>
+        </pc:sldMkLst>
+      </pc:sldChg>
+      <pc:sldChg chg="del">
+        <pc:chgData name="Mike B" userId="5c4bf6a326bf31f5" providerId="LiveId" clId="{FF56B4CD-FB53-42B1-BFE2-76D3C46DB09C}" dt="2025-01-26T20:06:33.241" v="872" actId="2696"/>
+        <pc:sldMkLst>
+          <pc:docMk/>
+          <pc:sldMk cId="1907372075" sldId="531"/>
+        </pc:sldMkLst>
+      </pc:sldChg>
+      <pc:sldChg chg="del">
+        <pc:chgData name="Mike B" userId="5c4bf6a326bf31f5" providerId="LiveId" clId="{FF56B4CD-FB53-42B1-BFE2-76D3C46DB09C}" dt="2025-01-26T20:06:33.241" v="872" actId="2696"/>
+        <pc:sldMkLst>
+          <pc:docMk/>
+          <pc:sldMk cId="93588987" sldId="532"/>
+        </pc:sldMkLst>
+      </pc:sldChg>
+      <pc:sldChg chg="del">
+        <pc:chgData name="Mike B" userId="5c4bf6a326bf31f5" providerId="LiveId" clId="{FF56B4CD-FB53-42B1-BFE2-76D3C46DB09C}" dt="2025-01-26T20:06:33.241" v="872" actId="2696"/>
+        <pc:sldMkLst>
+          <pc:docMk/>
+          <pc:sldMk cId="2978715153" sldId="535"/>
+        </pc:sldMkLst>
+      </pc:sldChg>
+      <pc:sldChg chg="del">
+        <pc:chgData name="Mike B" userId="5c4bf6a326bf31f5" providerId="LiveId" clId="{FF56B4CD-FB53-42B1-BFE2-76D3C46DB09C}" dt="2025-01-26T20:06:08.394" v="871" actId="2696"/>
+        <pc:sldMkLst>
+          <pc:docMk/>
+          <pc:sldMk cId="3692545775" sldId="539"/>
+        </pc:sldMkLst>
+      </pc:sldChg>
+      <pc:sldChg chg="del">
+        <pc:chgData name="Mike B" userId="5c4bf6a326bf31f5" providerId="LiveId" clId="{FF56B4CD-FB53-42B1-BFE2-76D3C46DB09C}" dt="2025-01-26T20:06:33.241" v="872" actId="2696"/>
+        <pc:sldMkLst>
+          <pc:docMk/>
+          <pc:sldMk cId="3962995087" sldId="540"/>
+        </pc:sldMkLst>
+      </pc:sldChg>
+      <pc:sldChg chg="del">
+        <pc:chgData name="Mike B" userId="5c4bf6a326bf31f5" providerId="LiveId" clId="{FF56B4CD-FB53-42B1-BFE2-76D3C46DB09C}" dt="2025-01-26T20:06:33.241" v="872" actId="2696"/>
+        <pc:sldMkLst>
+          <pc:docMk/>
+          <pc:sldMk cId="3582481671" sldId="541"/>
+        </pc:sldMkLst>
+      </pc:sldChg>
+      <pc:sldChg chg="del">
+        <pc:chgData name="Mike B" userId="5c4bf6a326bf31f5" providerId="LiveId" clId="{FF56B4CD-FB53-42B1-BFE2-76D3C46DB09C}" dt="2025-01-26T20:06:33.241" v="872" actId="2696"/>
+        <pc:sldMkLst>
+          <pc:docMk/>
+          <pc:sldMk cId="3588296458" sldId="542"/>
+        </pc:sldMkLst>
+      </pc:sldChg>
+      <pc:sldChg chg="del">
+        <pc:chgData name="Mike B" userId="5c4bf6a326bf31f5" providerId="LiveId" clId="{FF56B4CD-FB53-42B1-BFE2-76D3C46DB09C}" dt="2025-01-26T20:06:33.241" v="872" actId="2696"/>
+        <pc:sldMkLst>
+          <pc:docMk/>
+          <pc:sldMk cId="2842592576" sldId="543"/>
+        </pc:sldMkLst>
+      </pc:sldChg>
+      <pc:sldChg chg="del">
+        <pc:chgData name="Mike B" userId="5c4bf6a326bf31f5" providerId="LiveId" clId="{FF56B4CD-FB53-42B1-BFE2-76D3C46DB09C}" dt="2025-01-26T20:06:33.241" v="872" actId="2696"/>
+        <pc:sldMkLst>
+          <pc:docMk/>
+          <pc:sldMk cId="1827963335" sldId="546"/>
+        </pc:sldMkLst>
+      </pc:sldChg>
+      <pc:sldChg chg="del">
+        <pc:chgData name="Mike B" userId="5c4bf6a326bf31f5" providerId="LiveId" clId="{FF56B4CD-FB53-42B1-BFE2-76D3C46DB09C}" dt="2025-01-26T20:06:33.241" v="872" actId="2696"/>
+        <pc:sldMkLst>
+          <pc:docMk/>
+          <pc:sldMk cId="834623402" sldId="547"/>
+        </pc:sldMkLst>
+      </pc:sldChg>
+      <pc:sldChg chg="del">
+        <pc:chgData name="Mike B" userId="5c4bf6a326bf31f5" providerId="LiveId" clId="{FF56B4CD-FB53-42B1-BFE2-76D3C46DB09C}" dt="2025-01-26T20:06:33.241" v="872" actId="2696"/>
+        <pc:sldMkLst>
+          <pc:docMk/>
+          <pc:sldMk cId="3625575901" sldId="551"/>
+        </pc:sldMkLst>
+      </pc:sldChg>
+      <pc:sldChg chg="del">
+        <pc:chgData name="Mike B" userId="5c4bf6a326bf31f5" providerId="LiveId" clId="{FF56B4CD-FB53-42B1-BFE2-76D3C46DB09C}" dt="2025-01-26T20:06:33.241" v="872" actId="2696"/>
+        <pc:sldMkLst>
+          <pc:docMk/>
+          <pc:sldMk cId="533390830" sldId="552"/>
+        </pc:sldMkLst>
+      </pc:sldChg>
+      <pc:sldChg chg="del">
+        <pc:chgData name="Mike B" userId="5c4bf6a326bf31f5" providerId="LiveId" clId="{FF56B4CD-FB53-42B1-BFE2-76D3C46DB09C}" dt="2025-01-26T20:06:33.241" v="872" actId="2696"/>
+        <pc:sldMkLst>
+          <pc:docMk/>
+          <pc:sldMk cId="1479224400" sldId="553"/>
+        </pc:sldMkLst>
+      </pc:sldChg>
+      <pc:sldChg chg="del">
+        <pc:chgData name="Mike B" userId="5c4bf6a326bf31f5" providerId="LiveId" clId="{FF56B4CD-FB53-42B1-BFE2-76D3C46DB09C}" dt="2025-01-26T20:06:33.241" v="872" actId="2696"/>
+        <pc:sldMkLst>
+          <pc:docMk/>
+          <pc:sldMk cId="2740653528" sldId="554"/>
+        </pc:sldMkLst>
+      </pc:sldChg>
+      <pc:sldChg chg="del">
+        <pc:chgData name="Mike B" userId="5c4bf6a326bf31f5" providerId="LiveId" clId="{FF56B4CD-FB53-42B1-BFE2-76D3C46DB09C}" dt="2025-01-26T20:06:33.241" v="872" actId="2696"/>
+        <pc:sldMkLst>
+          <pc:docMk/>
+          <pc:sldMk cId="2399125548" sldId="561"/>
+        </pc:sldMkLst>
+      </pc:sldChg>
+      <pc:sldChg chg="del">
+        <pc:chgData name="Mike B" userId="5c4bf6a326bf31f5" providerId="LiveId" clId="{FF56B4CD-FB53-42B1-BFE2-76D3C46DB09C}" dt="2025-01-26T20:06:33.241" v="872" actId="2696"/>
+        <pc:sldMkLst>
+          <pc:docMk/>
+          <pc:sldMk cId="1160501262" sldId="574"/>
+        </pc:sldMkLst>
+      </pc:sldChg>
+      <pc:sldChg chg="del">
+        <pc:chgData name="Mike B" userId="5c4bf6a326bf31f5" providerId="LiveId" clId="{FF56B4CD-FB53-42B1-BFE2-76D3C46DB09C}" dt="2025-01-26T20:06:33.241" v="872" actId="2696"/>
+        <pc:sldMkLst>
+          <pc:docMk/>
+          <pc:sldMk cId="411321159" sldId="576"/>
+        </pc:sldMkLst>
+      </pc:sldChg>
+      <pc:sldChg chg="del">
+        <pc:chgData name="Mike B" userId="5c4bf6a326bf31f5" providerId="LiveId" clId="{FF56B4CD-FB53-42B1-BFE2-76D3C46DB09C}" dt="2025-01-26T21:08:06.035" v="1719" actId="2696"/>
+        <pc:sldMkLst>
+          <pc:docMk/>
+          <pc:sldMk cId="2019968474" sldId="610"/>
+        </pc:sldMkLst>
+      </pc:sldChg>
+      <pc:sldChg chg="del">
+        <pc:chgData name="Mike B" userId="5c4bf6a326bf31f5" providerId="LiveId" clId="{FF56B4CD-FB53-42B1-BFE2-76D3C46DB09C}" dt="2025-01-26T20:06:33.241" v="872" actId="2696"/>
+        <pc:sldMkLst>
+          <pc:docMk/>
+          <pc:sldMk cId="1514119804" sldId="612"/>
+        </pc:sldMkLst>
+      </pc:sldChg>
+      <pc:sldChg chg="del">
+        <pc:chgData name="Mike B" userId="5c4bf6a326bf31f5" providerId="LiveId" clId="{FF56B4CD-FB53-42B1-BFE2-76D3C46DB09C}" dt="2025-01-26T20:06:33.241" v="872" actId="2696"/>
+        <pc:sldMkLst>
+          <pc:docMk/>
+          <pc:sldMk cId="1583872248" sldId="615"/>
+        </pc:sldMkLst>
+      </pc:sldChg>
+      <pc:sldChg chg="del">
+        <pc:chgData name="Mike B" userId="5c4bf6a326bf31f5" providerId="LiveId" clId="{FF56B4CD-FB53-42B1-BFE2-76D3C46DB09C}" dt="2025-01-26T20:06:33.241" v="872" actId="2696"/>
+        <pc:sldMkLst>
+          <pc:docMk/>
+          <pc:sldMk cId="2952627972" sldId="616"/>
+        </pc:sldMkLst>
+      </pc:sldChg>
+      <pc:sldChg chg="del">
+        <pc:chgData name="Mike B" userId="5c4bf6a326bf31f5" providerId="LiveId" clId="{FF56B4CD-FB53-42B1-BFE2-76D3C46DB09C}" dt="2025-01-26T20:06:08.394" v="871" actId="2696"/>
+        <pc:sldMkLst>
+          <pc:docMk/>
+          <pc:sldMk cId="3313291366" sldId="622"/>
+        </pc:sldMkLst>
+      </pc:sldChg>
+      <pc:sldChg chg="del">
+        <pc:chgData name="Mike B" userId="5c4bf6a326bf31f5" providerId="LiveId" clId="{FF56B4CD-FB53-42B1-BFE2-76D3C46DB09C}" dt="2025-01-26T20:06:33.241" v="872" actId="2696"/>
+        <pc:sldMkLst>
+          <pc:docMk/>
+          <pc:sldMk cId="2359396820" sldId="632"/>
+        </pc:sldMkLst>
+      </pc:sldChg>
+      <pc:sldChg chg="modSp mod modAnim">
+        <pc:chgData name="Mike B" userId="5c4bf6a326bf31f5" providerId="LiveId" clId="{FF56B4CD-FB53-42B1-BFE2-76D3C46DB09C}" dt="2025-01-26T21:02:56.672" v="1532" actId="20577"/>
+        <pc:sldMkLst>
+          <pc:docMk/>
+          <pc:sldMk cId="3749001237" sldId="633"/>
+        </pc:sldMkLst>
+        <pc:spChg chg="mod">
+          <ac:chgData name="Mike B" userId="5c4bf6a326bf31f5" providerId="LiveId" clId="{FF56B4CD-FB53-42B1-BFE2-76D3C46DB09C}" dt="2025-01-26T20:34:45.579" v="942" actId="20577"/>
+          <ac:spMkLst>
+            <pc:docMk/>
+            <pc:sldMk cId="3749001237" sldId="633"/>
             <ac:spMk id="2" creationId="{00000000-0000-0000-0000-000000000000}"/>
           </ac:spMkLst>
         </pc:spChg>
-      </pc:sldChg>
-      <pc:sldChg chg="modAnim">
-        <pc:chgData name="Mike B" userId="5c4bf6a326bf31f5" providerId="LiveId" clId="{76DDEA14-774A-4263-9F62-41BDB638666F}" dt="2025-01-08T17:12:53.469" v="232"/>
-        <pc:sldMkLst>
-          <pc:docMk/>
-          <pc:sldMk cId="1059591430" sldId="527"/>
-        </pc:sldMkLst>
-      </pc:sldChg>
-      <pc:sldChg chg="modSp">
-        <pc:chgData name="Mike B" userId="5c4bf6a326bf31f5" providerId="LiveId" clId="{76DDEA14-774A-4263-9F62-41BDB638666F}" dt="2025-01-08T17:13:20.664" v="256" actId="20577"/>
-        <pc:sldMkLst>
-          <pc:docMk/>
-          <pc:sldMk cId="881136697" sldId="529"/>
-        </pc:sldMkLst>
-        <pc:spChg chg="mod">
-          <ac:chgData name="Mike B" userId="5c4bf6a326bf31f5" providerId="LiveId" clId="{76DDEA14-774A-4263-9F62-41BDB638666F}" dt="2025-01-08T17:13:20.664" v="256" actId="20577"/>
-          <ac:spMkLst>
-            <pc:docMk/>
-            <pc:sldMk cId="881136697" sldId="529"/>
+        <pc:spChg chg="mod">
+          <ac:chgData name="Mike B" userId="5c4bf6a326bf31f5" providerId="LiveId" clId="{FF56B4CD-FB53-42B1-BFE2-76D3C46DB09C}" dt="2025-01-26T21:02:56.672" v="1532" actId="20577"/>
+          <ac:spMkLst>
+            <pc:docMk/>
+            <pc:sldMk cId="3749001237" sldId="633"/>
             <ac:spMk id="3" creationId="{00000000-0000-0000-0000-000000000000}"/>
           </ac:spMkLst>
         </pc:spChg>
       </pc:sldChg>
-      <pc:sldChg chg="modAnim">
-        <pc:chgData name="Mike B" userId="5c4bf6a326bf31f5" providerId="LiveId" clId="{76DDEA14-774A-4263-9F62-41BDB638666F}" dt="2025-01-08T17:14:42.790" v="260"/>
-        <pc:sldMkLst>
-          <pc:docMk/>
-          <pc:sldMk cId="3582481671" sldId="541"/>
-        </pc:sldMkLst>
-      </pc:sldChg>
-      <pc:sldChg chg="modSp mod">
-        <pc:chgData name="Mike B" userId="5c4bf6a326bf31f5" providerId="LiveId" clId="{76DDEA14-774A-4263-9F62-41BDB638666F}" dt="2025-01-08T17:15:41.888" v="293" actId="20577"/>
-        <pc:sldMkLst>
-          <pc:docMk/>
-          <pc:sldMk cId="1827963335" sldId="546"/>
-        </pc:sldMkLst>
-        <pc:spChg chg="mod">
-          <ac:chgData name="Mike B" userId="5c4bf6a326bf31f5" providerId="LiveId" clId="{76DDEA14-774A-4263-9F62-41BDB638666F}" dt="2025-01-08T17:15:41.888" v="293" actId="20577"/>
-          <ac:spMkLst>
-            <pc:docMk/>
-            <pc:sldMk cId="1827963335" sldId="546"/>
+      <pc:sldChg chg="modSp add mod ord">
+        <pc:chgData name="Mike B" userId="5c4bf6a326bf31f5" providerId="LiveId" clId="{FF56B4CD-FB53-42B1-BFE2-76D3C46DB09C}" dt="2025-01-26T21:16:21.642" v="2025" actId="20577"/>
+        <pc:sldMkLst>
+          <pc:docMk/>
+          <pc:sldMk cId="28306766" sldId="634"/>
+        </pc:sldMkLst>
+        <pc:spChg chg="mod">
+          <ac:chgData name="Mike B" userId="5c4bf6a326bf31f5" providerId="LiveId" clId="{FF56B4CD-FB53-42B1-BFE2-76D3C46DB09C}" dt="2025-01-26T21:16:21.642" v="2025" actId="20577"/>
+          <ac:spMkLst>
+            <pc:docMk/>
+            <pc:sldMk cId="28306766" sldId="634"/>
             <ac:spMk id="3" creationId="{00000000-0000-0000-0000-000000000000}"/>
           </ac:spMkLst>
         </pc:spChg>
-      </pc:sldChg>
-      <pc:sldChg chg="modSp modAnim">
-        <pc:chgData name="Mike B" userId="5c4bf6a326bf31f5" providerId="LiveId" clId="{76DDEA14-774A-4263-9F62-41BDB638666F}" dt="2025-01-08T17:16:12.995" v="294" actId="20577"/>
-        <pc:sldMkLst>
-          <pc:docMk/>
-          <pc:sldMk cId="3625575901" sldId="551"/>
-        </pc:sldMkLst>
-        <pc:spChg chg="mod">
-          <ac:chgData name="Mike B" userId="5c4bf6a326bf31f5" providerId="LiveId" clId="{76DDEA14-774A-4263-9F62-41BDB638666F}" dt="2025-01-08T17:16:12.995" v="294" actId="20577"/>
-          <ac:spMkLst>
-            <pc:docMk/>
-            <pc:sldMk cId="3625575901" sldId="551"/>
+        <pc:spChg chg="mod">
+          <ac:chgData name="Mike B" userId="5c4bf6a326bf31f5" providerId="LiveId" clId="{FF56B4CD-FB53-42B1-BFE2-76D3C46DB09C}" dt="2025-01-25T20:41:31.943" v="289" actId="20577"/>
+          <ac:spMkLst>
+            <pc:docMk/>
+            <pc:sldMk cId="28306766" sldId="634"/>
+            <ac:spMk id="4" creationId="{00000000-0000-0000-0000-000000000000}"/>
+          </ac:spMkLst>
+        </pc:spChg>
+      </pc:sldChg>
+      <pc:sldChg chg="delSp modSp add mod">
+        <pc:chgData name="Mike B" userId="5c4bf6a326bf31f5" providerId="LiveId" clId="{FF56B4CD-FB53-42B1-BFE2-76D3C46DB09C}" dt="2025-01-27T15:06:23.113" v="3686" actId="20577"/>
+        <pc:sldMkLst>
+          <pc:docMk/>
+          <pc:sldMk cId="257875984" sldId="1229"/>
+        </pc:sldMkLst>
+        <pc:spChg chg="mod">
+          <ac:chgData name="Mike B" userId="5c4bf6a326bf31f5" providerId="LiveId" clId="{FF56B4CD-FB53-42B1-BFE2-76D3C46DB09C}" dt="2025-01-26T19:23:59.208" v="293" actId="1076"/>
+          <ac:spMkLst>
+            <pc:docMk/>
+            <pc:sldMk cId="257875984" sldId="1229"/>
+            <ac:spMk id="2" creationId="{00000000-0000-0000-0000-000000000000}"/>
+          </ac:spMkLst>
+        </pc:spChg>
+        <pc:spChg chg="mod">
+          <ac:chgData name="Mike B" userId="5c4bf6a326bf31f5" providerId="LiveId" clId="{FF56B4CD-FB53-42B1-BFE2-76D3C46DB09C}" dt="2025-01-27T15:06:23.113" v="3686" actId="20577"/>
+          <ac:spMkLst>
+            <pc:docMk/>
+            <pc:sldMk cId="257875984" sldId="1229"/>
             <ac:spMk id="3" creationId="{00000000-0000-0000-0000-000000000000}"/>
           </ac:spMkLst>
         </pc:spChg>
-      </pc:sldChg>
-      <pc:sldChg chg="del">
-        <pc:chgData name="Mike B" userId="5c4bf6a326bf31f5" providerId="LiveId" clId="{76DDEA14-774A-4263-9F62-41BDB638666F}" dt="2025-01-03T01:29:40.919" v="0" actId="2696"/>
-        <pc:sldMkLst>
-          <pc:docMk/>
-          <pc:sldMk cId="4108497874" sldId="634"/>
-        </pc:sldMkLst>
-      </pc:sldChg>
-      <pc:sldChg chg="del">
-        <pc:chgData name="Mike B" userId="5c4bf6a326bf31f5" providerId="LiveId" clId="{76DDEA14-774A-4263-9F62-41BDB638666F}" dt="2025-01-03T01:29:40.919" v="0" actId="2696"/>
-        <pc:sldMkLst>
-          <pc:docMk/>
-          <pc:sldMk cId="2595072114" sldId="653"/>
-        </pc:sldMkLst>
-      </pc:sldChg>
-      <pc:sldChg chg="del">
-        <pc:chgData name="Mike B" userId="5c4bf6a326bf31f5" providerId="LiveId" clId="{76DDEA14-774A-4263-9F62-41BDB638666F}" dt="2025-01-03T01:29:40.919" v="0" actId="2696"/>
-        <pc:sldMkLst>
-          <pc:docMk/>
-          <pc:sldMk cId="2871737530" sldId="658"/>
-        </pc:sldMkLst>
-      </pc:sldChg>
-      <pc:sldChg chg="del">
-        <pc:chgData name="Mike B" userId="5c4bf6a326bf31f5" providerId="LiveId" clId="{76DDEA14-774A-4263-9F62-41BDB638666F}" dt="2025-01-03T01:29:40.919" v="0" actId="2696"/>
-        <pc:sldMkLst>
-          <pc:docMk/>
-          <pc:sldMk cId="467519752" sldId="661"/>
-        </pc:sldMkLst>
-      </pc:sldChg>
-      <pc:sldChg chg="del">
-        <pc:chgData name="Mike B" userId="5c4bf6a326bf31f5" providerId="LiveId" clId="{76DDEA14-774A-4263-9F62-41BDB638666F}" dt="2025-01-03T01:29:40.919" v="0" actId="2696"/>
-        <pc:sldMkLst>
-          <pc:docMk/>
-          <pc:sldMk cId="2470446495" sldId="662"/>
-        </pc:sldMkLst>
-      </pc:sldChg>
-      <pc:sldChg chg="del">
-        <pc:chgData name="Mike B" userId="5c4bf6a326bf31f5" providerId="LiveId" clId="{76DDEA14-774A-4263-9F62-41BDB638666F}" dt="2025-01-03T01:29:40.919" v="0" actId="2696"/>
-        <pc:sldMkLst>
-          <pc:docMk/>
-          <pc:sldMk cId="1971962464" sldId="690"/>
-        </pc:sldMkLst>
-      </pc:sldChg>
-      <pc:sldChg chg="del">
-        <pc:chgData name="Mike B" userId="5c4bf6a326bf31f5" providerId="LiveId" clId="{76DDEA14-774A-4263-9F62-41BDB638666F}" dt="2025-01-03T01:30:05.973" v="2" actId="2696"/>
-        <pc:sldMkLst>
-          <pc:docMk/>
-          <pc:sldMk cId="4182831786" sldId="777"/>
-        </pc:sldMkLst>
-      </pc:sldChg>
-      <pc:sldChg chg="del">
-        <pc:chgData name="Mike B" userId="5c4bf6a326bf31f5" providerId="LiveId" clId="{76DDEA14-774A-4263-9F62-41BDB638666F}" dt="2025-01-03T01:29:59.856" v="1" actId="2696"/>
-        <pc:sldMkLst>
-          <pc:docMk/>
-          <pc:sldMk cId="2691135494" sldId="778"/>
-        </pc:sldMkLst>
-      </pc:sldChg>
-      <pc:sldChg chg="del">
-        <pc:chgData name="Mike B" userId="5c4bf6a326bf31f5" providerId="LiveId" clId="{76DDEA14-774A-4263-9F62-41BDB638666F}" dt="2025-01-03T01:29:59.856" v="1" actId="2696"/>
-        <pc:sldMkLst>
-          <pc:docMk/>
-          <pc:sldMk cId="494230690" sldId="780"/>
-        </pc:sldMkLst>
-      </pc:sldChg>
-      <pc:sldChg chg="del">
-        <pc:chgData name="Mike B" userId="5c4bf6a326bf31f5" providerId="LiveId" clId="{76DDEA14-774A-4263-9F62-41BDB638666F}" dt="2025-01-03T01:29:59.856" v="1" actId="2696"/>
-        <pc:sldMkLst>
-          <pc:docMk/>
-          <pc:sldMk cId="1889596787" sldId="781"/>
-        </pc:sldMkLst>
-      </pc:sldChg>
-      <pc:sldChg chg="del">
-        <pc:chgData name="Mike B" userId="5c4bf6a326bf31f5" providerId="LiveId" clId="{76DDEA14-774A-4263-9F62-41BDB638666F}" dt="2025-01-03T01:29:59.856" v="1" actId="2696"/>
-        <pc:sldMkLst>
-          <pc:docMk/>
-          <pc:sldMk cId="184063669" sldId="782"/>
-        </pc:sldMkLst>
+        <pc:cxnChg chg="del">
+          <ac:chgData name="Mike B" userId="5c4bf6a326bf31f5" providerId="LiveId" clId="{FF56B4CD-FB53-42B1-BFE2-76D3C46DB09C}" dt="2025-01-26T19:23:55.259" v="292" actId="478"/>
+          <ac:cxnSpMkLst>
+            <pc:docMk/>
+            <pc:sldMk cId="257875984" sldId="1229"/>
+            <ac:cxnSpMk id="4" creationId="{00000000-0000-0000-0000-000000000000}"/>
+          </ac:cxnSpMkLst>
+        </pc:cxnChg>
+      </pc:sldChg>
+      <pc:sldChg chg="delSp modSp add mod modAnim">
+        <pc:chgData name="Mike B" userId="5c4bf6a326bf31f5" providerId="LiveId" clId="{FF56B4CD-FB53-42B1-BFE2-76D3C46DB09C}" dt="2025-01-26T20:58:06.238" v="1391" actId="20577"/>
+        <pc:sldMkLst>
+          <pc:docMk/>
+          <pc:sldMk cId="3587006028" sldId="1248"/>
+        </pc:sldMkLst>
+        <pc:spChg chg="mod">
+          <ac:chgData name="Mike B" userId="5c4bf6a326bf31f5" providerId="LiveId" clId="{FF56B4CD-FB53-42B1-BFE2-76D3C46DB09C}" dt="2025-01-26T20:58:06.238" v="1391" actId="20577"/>
+          <ac:spMkLst>
+            <pc:docMk/>
+            <pc:sldMk cId="3587006028" sldId="1248"/>
+            <ac:spMk id="3" creationId="{00000000-0000-0000-0000-000000000000}"/>
+          </ac:spMkLst>
+        </pc:spChg>
+        <pc:cxnChg chg="del">
+          <ac:chgData name="Mike B" userId="5c4bf6a326bf31f5" providerId="LiveId" clId="{FF56B4CD-FB53-42B1-BFE2-76D3C46DB09C}" dt="2025-01-26T19:24:11.040" v="296" actId="478"/>
+          <ac:cxnSpMkLst>
+            <pc:docMk/>
+            <pc:sldMk cId="3587006028" sldId="1248"/>
+            <ac:cxnSpMk id="4" creationId="{00000000-0000-0000-0000-000000000000}"/>
+          </ac:cxnSpMkLst>
+        </pc:cxnChg>
+      </pc:sldChg>
+      <pc:sldChg chg="delSp modSp add mod">
+        <pc:chgData name="Mike B" userId="5c4bf6a326bf31f5" providerId="LiveId" clId="{FF56B4CD-FB53-42B1-BFE2-76D3C46DB09C}" dt="2025-01-26T19:24:28.998" v="301" actId="14100"/>
+        <pc:sldMkLst>
+          <pc:docMk/>
+          <pc:sldMk cId="997888385" sldId="1249"/>
+        </pc:sldMkLst>
+        <pc:spChg chg="mod">
+          <ac:chgData name="Mike B" userId="5c4bf6a326bf31f5" providerId="LiveId" clId="{FF56B4CD-FB53-42B1-BFE2-76D3C46DB09C}" dt="2025-01-26T19:24:28.998" v="301" actId="14100"/>
+          <ac:spMkLst>
+            <pc:docMk/>
+            <pc:sldMk cId="997888385" sldId="1249"/>
+            <ac:spMk id="3" creationId="{00000000-0000-0000-0000-000000000000}"/>
+          </ac:spMkLst>
+        </pc:spChg>
+        <pc:cxnChg chg="del">
+          <ac:chgData name="Mike B" userId="5c4bf6a326bf31f5" providerId="LiveId" clId="{FF56B4CD-FB53-42B1-BFE2-76D3C46DB09C}" dt="2025-01-26T19:24:22.466" v="299" actId="478"/>
+          <ac:cxnSpMkLst>
+            <pc:docMk/>
+            <pc:sldMk cId="997888385" sldId="1249"/>
+            <ac:cxnSpMk id="4" creationId="{00000000-0000-0000-0000-000000000000}"/>
+          </ac:cxnSpMkLst>
+        </pc:cxnChg>
+      </pc:sldChg>
+      <pc:sldChg chg="addSp delSp modSp add mod ord">
+        <pc:chgData name="Mike B" userId="5c4bf6a326bf31f5" providerId="LiveId" clId="{FF56B4CD-FB53-42B1-BFE2-76D3C46DB09C}" dt="2025-01-26T19:56:14.509" v="503" actId="1038"/>
+        <pc:sldMkLst>
+          <pc:docMk/>
+          <pc:sldMk cId="1309747117" sldId="1250"/>
+        </pc:sldMkLst>
+        <pc:spChg chg="mod">
+          <ac:chgData name="Mike B" userId="5c4bf6a326bf31f5" providerId="LiveId" clId="{FF56B4CD-FB53-42B1-BFE2-76D3C46DB09C}" dt="2025-01-26T19:55:10.526" v="483" actId="20577"/>
+          <ac:spMkLst>
+            <pc:docMk/>
+            <pc:sldMk cId="1309747117" sldId="1250"/>
+            <ac:spMk id="2" creationId="{00000000-0000-0000-0000-000000000000}"/>
+          </ac:spMkLst>
+        </pc:spChg>
+        <pc:spChg chg="del">
+          <ac:chgData name="Mike B" userId="5c4bf6a326bf31f5" providerId="LiveId" clId="{FF56B4CD-FB53-42B1-BFE2-76D3C46DB09C}" dt="2025-01-26T19:55:37.415" v="486"/>
+          <ac:spMkLst>
+            <pc:docMk/>
+            <pc:sldMk cId="1309747117" sldId="1250"/>
+            <ac:spMk id="3" creationId="{00000000-0000-0000-0000-000000000000}"/>
+          </ac:spMkLst>
+        </pc:spChg>
+        <pc:picChg chg="add mod modCrop">
+          <ac:chgData name="Mike B" userId="5c4bf6a326bf31f5" providerId="LiveId" clId="{FF56B4CD-FB53-42B1-BFE2-76D3C46DB09C}" dt="2025-01-26T19:56:14.509" v="503" actId="1038"/>
+          <ac:picMkLst>
+            <pc:docMk/>
+            <pc:sldMk cId="1309747117" sldId="1250"/>
+            <ac:picMk id="6" creationId="{0FEEC4E3-5D24-5458-89B3-A4ED85DDF04B}"/>
+          </ac:picMkLst>
+        </pc:picChg>
+        <pc:picChg chg="del">
+          <ac:chgData name="Mike B" userId="5c4bf6a326bf31f5" providerId="LiveId" clId="{FF56B4CD-FB53-42B1-BFE2-76D3C46DB09C}" dt="2025-01-26T19:55:03.787" v="456" actId="478"/>
+          <ac:picMkLst>
+            <pc:docMk/>
+            <pc:sldMk cId="1309747117" sldId="1250"/>
+            <ac:picMk id="2050" creationId="{481DEE82-BAAF-4D58-BCD1-A9F3826D593B}"/>
+          </ac:picMkLst>
+        </pc:picChg>
+        <pc:cxnChg chg="del">
+          <ac:chgData name="Mike B" userId="5c4bf6a326bf31f5" providerId="LiveId" clId="{FF56B4CD-FB53-42B1-BFE2-76D3C46DB09C}" dt="2025-01-26T19:26:32.115" v="306" actId="478"/>
+          <ac:cxnSpMkLst>
+            <pc:docMk/>
+            <pc:sldMk cId="1309747117" sldId="1250"/>
+            <ac:cxnSpMk id="4" creationId="{00000000-0000-0000-0000-000000000000}"/>
+          </ac:cxnSpMkLst>
+        </pc:cxnChg>
+      </pc:sldChg>
+      <pc:sldChg chg="addSp delSp modSp add mod">
+        <pc:chgData name="Mike B" userId="5c4bf6a326bf31f5" providerId="LiveId" clId="{FF56B4CD-FB53-42B1-BFE2-76D3C46DB09C}" dt="2025-01-26T19:53:24.851" v="448" actId="20577"/>
+        <pc:sldMkLst>
+          <pc:docMk/>
+          <pc:sldMk cId="1262794706" sldId="1251"/>
+        </pc:sldMkLst>
+        <pc:spChg chg="mod">
+          <ac:chgData name="Mike B" userId="5c4bf6a326bf31f5" providerId="LiveId" clId="{FF56B4CD-FB53-42B1-BFE2-76D3C46DB09C}" dt="2025-01-26T19:26:28.856" v="303" actId="27636"/>
+          <ac:spMkLst>
+            <pc:docMk/>
+            <pc:sldMk cId="1262794706" sldId="1251"/>
+            <ac:spMk id="2" creationId="{00000000-0000-0000-0000-000000000000}"/>
+          </ac:spMkLst>
+        </pc:spChg>
+        <pc:spChg chg="mod">
+          <ac:chgData name="Mike B" userId="5c4bf6a326bf31f5" providerId="LiveId" clId="{FF56B4CD-FB53-42B1-BFE2-76D3C46DB09C}" dt="2025-01-26T19:53:24.851" v="448" actId="20577"/>
+          <ac:spMkLst>
+            <pc:docMk/>
+            <pc:sldMk cId="1262794706" sldId="1251"/>
+            <ac:spMk id="3" creationId="{00000000-0000-0000-0000-000000000000}"/>
+          </ac:spMkLst>
+        </pc:spChg>
+        <pc:spChg chg="mod">
+          <ac:chgData name="Mike B" userId="5c4bf6a326bf31f5" providerId="LiveId" clId="{FF56B4CD-FB53-42B1-BFE2-76D3C46DB09C}" dt="2025-01-26T19:46:04.684" v="320" actId="1076"/>
+          <ac:spMkLst>
+            <pc:docMk/>
+            <pc:sldMk cId="1262794706" sldId="1251"/>
+            <ac:spMk id="5" creationId="{6F1B6C25-410A-44A0-8064-2B05EB5AFBD8}"/>
+          </ac:spMkLst>
+        </pc:spChg>
+        <pc:spChg chg="add mod ord">
+          <ac:chgData name="Mike B" userId="5c4bf6a326bf31f5" providerId="LiveId" clId="{FF56B4CD-FB53-42B1-BFE2-76D3C46DB09C}" dt="2025-01-26T19:45:47.130" v="313" actId="167"/>
+          <ac:spMkLst>
+            <pc:docMk/>
+            <pc:sldMk cId="1262794706" sldId="1251"/>
+            <ac:spMk id="6" creationId="{94C35C3F-55ED-C70F-224B-533AB567A479}"/>
+          </ac:spMkLst>
+        </pc:spChg>
+        <pc:cxnChg chg="del">
+          <ac:chgData name="Mike B" userId="5c4bf6a326bf31f5" providerId="LiveId" clId="{FF56B4CD-FB53-42B1-BFE2-76D3C46DB09C}" dt="2025-01-26T19:26:35.681" v="307" actId="478"/>
+          <ac:cxnSpMkLst>
+            <pc:docMk/>
+            <pc:sldMk cId="1262794706" sldId="1251"/>
+            <ac:cxnSpMk id="4" creationId="{00000000-0000-0000-0000-000000000000}"/>
+          </ac:cxnSpMkLst>
+        </pc:cxnChg>
+      </pc:sldChg>
+      <pc:sldChg chg="addSp delSp modSp add mod">
+        <pc:chgData name="Mike B" userId="5c4bf6a326bf31f5" providerId="LiveId" clId="{FF56B4CD-FB53-42B1-BFE2-76D3C46DB09C}" dt="2025-01-26T19:53:38.053" v="454" actId="20577"/>
+        <pc:sldMkLst>
+          <pc:docMk/>
+          <pc:sldMk cId="2843263528" sldId="1252"/>
+        </pc:sldMkLst>
+        <pc:spChg chg="mod">
+          <ac:chgData name="Mike B" userId="5c4bf6a326bf31f5" providerId="LiveId" clId="{FF56B4CD-FB53-42B1-BFE2-76D3C46DB09C}" dt="2025-01-26T19:53:38.053" v="454" actId="20577"/>
+          <ac:spMkLst>
+            <pc:docMk/>
+            <pc:sldMk cId="2843263528" sldId="1252"/>
+            <ac:spMk id="3" creationId="{00000000-0000-0000-0000-000000000000}"/>
+          </ac:spMkLst>
+        </pc:spChg>
+        <pc:spChg chg="mod">
+          <ac:chgData name="Mike B" userId="5c4bf6a326bf31f5" providerId="LiveId" clId="{FF56B4CD-FB53-42B1-BFE2-76D3C46DB09C}" dt="2025-01-26T19:46:34.629" v="328" actId="403"/>
+          <ac:spMkLst>
+            <pc:docMk/>
+            <pc:sldMk cId="2843263528" sldId="1252"/>
+            <ac:spMk id="5" creationId="{EDD27F39-B0E5-4270-9E07-7D3312174843}"/>
+          </ac:spMkLst>
+        </pc:spChg>
+        <pc:spChg chg="add mod ord">
+          <ac:chgData name="Mike B" userId="5c4bf6a326bf31f5" providerId="LiveId" clId="{FF56B4CD-FB53-42B1-BFE2-76D3C46DB09C}" dt="2025-01-26T19:46:15.442" v="322" actId="167"/>
+          <ac:spMkLst>
+            <pc:docMk/>
+            <pc:sldMk cId="2843263528" sldId="1252"/>
+            <ac:spMk id="6" creationId="{FB2B3AEB-675E-D391-D802-572497FB434F}"/>
+          </ac:spMkLst>
+        </pc:spChg>
+        <pc:cxnChg chg="del">
+          <ac:chgData name="Mike B" userId="5c4bf6a326bf31f5" providerId="LiveId" clId="{FF56B4CD-FB53-42B1-BFE2-76D3C46DB09C}" dt="2025-01-26T19:26:39.433" v="308" actId="478"/>
+          <ac:cxnSpMkLst>
+            <pc:docMk/>
+            <pc:sldMk cId="2843263528" sldId="1252"/>
+            <ac:cxnSpMk id="4" creationId="{00000000-0000-0000-0000-000000000000}"/>
+          </ac:cxnSpMkLst>
+        </pc:cxnChg>
+      </pc:sldChg>
+      <pc:sldChg chg="delSp modSp add mod">
+        <pc:chgData name="Mike B" userId="5c4bf6a326bf31f5" providerId="LiveId" clId="{FF56B4CD-FB53-42B1-BFE2-76D3C46DB09C}" dt="2025-01-26T19:26:42.881" v="309" actId="478"/>
+        <pc:sldMkLst>
+          <pc:docMk/>
+          <pc:sldMk cId="557394895" sldId="1253"/>
+        </pc:sldMkLst>
+        <pc:spChg chg="mod">
+          <ac:chgData name="Mike B" userId="5c4bf6a326bf31f5" providerId="LiveId" clId="{FF56B4CD-FB53-42B1-BFE2-76D3C46DB09C}" dt="2025-01-26T19:26:28.860" v="304" actId="27636"/>
+          <ac:spMkLst>
+            <pc:docMk/>
+            <pc:sldMk cId="557394895" sldId="1253"/>
+            <ac:spMk id="2" creationId="{00000000-0000-0000-0000-000000000000}"/>
+          </ac:spMkLst>
+        </pc:spChg>
+        <pc:cxnChg chg="del">
+          <ac:chgData name="Mike B" userId="5c4bf6a326bf31f5" providerId="LiveId" clId="{FF56B4CD-FB53-42B1-BFE2-76D3C46DB09C}" dt="2025-01-26T19:26:42.881" v="309" actId="478"/>
+          <ac:cxnSpMkLst>
+            <pc:docMk/>
+            <pc:sldMk cId="557394895" sldId="1253"/>
+            <ac:cxnSpMk id="4" creationId="{00000000-0000-0000-0000-000000000000}"/>
+          </ac:cxnSpMkLst>
+        </pc:cxnChg>
+      </pc:sldChg>
+      <pc:sldChg chg="modSp add del mod">
+        <pc:chgData name="Mike B" userId="5c4bf6a326bf31f5" providerId="LiveId" clId="{FF56B4CD-FB53-42B1-BFE2-76D3C46DB09C}" dt="2025-01-26T19:26:47.127" v="310" actId="2696"/>
+        <pc:sldMkLst>
+          <pc:docMk/>
+          <pc:sldMk cId="3611231521" sldId="1268"/>
+        </pc:sldMkLst>
+        <pc:spChg chg="mod">
+          <ac:chgData name="Mike B" userId="5c4bf6a326bf31f5" providerId="LiveId" clId="{FF56B4CD-FB53-42B1-BFE2-76D3C46DB09C}" dt="2025-01-26T19:26:28.862" v="305" actId="27636"/>
+          <ac:spMkLst>
+            <pc:docMk/>
+            <pc:sldMk cId="3611231521" sldId="1268"/>
+            <ac:spMk id="2" creationId="{00000000-0000-0000-0000-000000000000}"/>
+          </ac:spMkLst>
+        </pc:spChg>
+      </pc:sldChg>
+      <pc:sldChg chg="delSp modSp add mod">
+        <pc:chgData name="Mike B" userId="5c4bf6a326bf31f5" providerId="LiveId" clId="{FF56B4CD-FB53-42B1-BFE2-76D3C46DB09C}" dt="2025-01-26T19:47:04.753" v="341" actId="1035"/>
+        <pc:sldMkLst>
+          <pc:docMk/>
+          <pc:sldMk cId="1080735625" sldId="1271"/>
+        </pc:sldMkLst>
+        <pc:spChg chg="mod">
+          <ac:chgData name="Mike B" userId="5c4bf6a326bf31f5" providerId="LiveId" clId="{FF56B4CD-FB53-42B1-BFE2-76D3C46DB09C}" dt="2025-01-26T19:47:04.753" v="341" actId="1035"/>
+          <ac:spMkLst>
+            <pc:docMk/>
+            <pc:sldMk cId="1080735625" sldId="1271"/>
+            <ac:spMk id="3" creationId="{00000000-0000-0000-0000-000000000000}"/>
+          </ac:spMkLst>
+        </pc:spChg>
+        <pc:spChg chg="mod">
+          <ac:chgData name="Mike B" userId="5c4bf6a326bf31f5" providerId="LiveId" clId="{FF56B4CD-FB53-42B1-BFE2-76D3C46DB09C}" dt="2025-01-26T19:47:01.261" v="335" actId="1035"/>
+          <ac:spMkLst>
+            <pc:docMk/>
+            <pc:sldMk cId="1080735625" sldId="1271"/>
+            <ac:spMk id="5" creationId="{A1E53B62-D028-483B-9C41-F3886C2FEC52}"/>
+          </ac:spMkLst>
+        </pc:spChg>
+        <pc:spChg chg="mod">
+          <ac:chgData name="Mike B" userId="5c4bf6a326bf31f5" providerId="LiveId" clId="{FF56B4CD-FB53-42B1-BFE2-76D3C46DB09C}" dt="2025-01-26T19:47:01.261" v="335" actId="1035"/>
+          <ac:spMkLst>
+            <pc:docMk/>
+            <pc:sldMk cId="1080735625" sldId="1271"/>
+            <ac:spMk id="6" creationId="{D50D6CE2-336F-49F4-AF3F-E2EAA3159A25}"/>
+          </ac:spMkLst>
+        </pc:spChg>
+        <pc:spChg chg="mod">
+          <ac:chgData name="Mike B" userId="5c4bf6a326bf31f5" providerId="LiveId" clId="{FF56B4CD-FB53-42B1-BFE2-76D3C46DB09C}" dt="2025-01-26T19:47:01.261" v="335" actId="1035"/>
+          <ac:spMkLst>
+            <pc:docMk/>
+            <pc:sldMk cId="1080735625" sldId="1271"/>
+            <ac:spMk id="7" creationId="{2BD35E1F-E446-4DA4-8D93-72B01F435A8F}"/>
+          </ac:spMkLst>
+        </pc:spChg>
+        <pc:spChg chg="mod">
+          <ac:chgData name="Mike B" userId="5c4bf6a326bf31f5" providerId="LiveId" clId="{FF56B4CD-FB53-42B1-BFE2-76D3C46DB09C}" dt="2025-01-26T19:47:01.261" v="335" actId="1035"/>
+          <ac:spMkLst>
+            <pc:docMk/>
+            <pc:sldMk cId="1080735625" sldId="1271"/>
+            <ac:spMk id="8" creationId="{A0C5724A-425E-4E88-9E38-5C0B78C74B7D}"/>
+          </ac:spMkLst>
+        </pc:spChg>
+        <pc:spChg chg="mod">
+          <ac:chgData name="Mike B" userId="5c4bf6a326bf31f5" providerId="LiveId" clId="{FF56B4CD-FB53-42B1-BFE2-76D3C46DB09C}" dt="2025-01-26T19:47:01.261" v="335" actId="1035"/>
+          <ac:spMkLst>
+            <pc:docMk/>
+            <pc:sldMk cId="1080735625" sldId="1271"/>
+            <ac:spMk id="9" creationId="{4C8BFC3B-FFBC-4873-9213-54A26EA1D548}"/>
+          </ac:spMkLst>
+        </pc:spChg>
+        <pc:spChg chg="mod">
+          <ac:chgData name="Mike B" userId="5c4bf6a326bf31f5" providerId="LiveId" clId="{FF56B4CD-FB53-42B1-BFE2-76D3C46DB09C}" dt="2025-01-26T19:47:01.261" v="335" actId="1035"/>
+          <ac:spMkLst>
+            <pc:docMk/>
+            <pc:sldMk cId="1080735625" sldId="1271"/>
+            <ac:spMk id="10" creationId="{BA28AA88-E0E0-49B7-B6CF-93ADA1291E8D}"/>
+          </ac:spMkLst>
+        </pc:spChg>
+        <pc:spChg chg="mod">
+          <ac:chgData name="Mike B" userId="5c4bf6a326bf31f5" providerId="LiveId" clId="{FF56B4CD-FB53-42B1-BFE2-76D3C46DB09C}" dt="2025-01-26T19:47:01.261" v="335" actId="1035"/>
+          <ac:spMkLst>
+            <pc:docMk/>
+            <pc:sldMk cId="1080735625" sldId="1271"/>
+            <ac:spMk id="11" creationId="{27436062-359A-4DC8-9DA3-A0B95D1EA878}"/>
+          </ac:spMkLst>
+        </pc:spChg>
+        <pc:spChg chg="mod">
+          <ac:chgData name="Mike B" userId="5c4bf6a326bf31f5" providerId="LiveId" clId="{FF56B4CD-FB53-42B1-BFE2-76D3C46DB09C}" dt="2025-01-26T19:47:01.261" v="335" actId="1035"/>
+          <ac:spMkLst>
+            <pc:docMk/>
+            <pc:sldMk cId="1080735625" sldId="1271"/>
+            <ac:spMk id="12" creationId="{17CBDA31-FD79-4343-8E2D-A267CBFEBAD8}"/>
+          </ac:spMkLst>
+        </pc:spChg>
+        <pc:cxnChg chg="del">
+          <ac:chgData name="Mike B" userId="5c4bf6a326bf31f5" providerId="LiveId" clId="{FF56B4CD-FB53-42B1-BFE2-76D3C46DB09C}" dt="2025-01-26T19:46:52.669" v="329" actId="478"/>
+          <ac:cxnSpMkLst>
+            <pc:docMk/>
+            <pc:sldMk cId="1080735625" sldId="1271"/>
+            <ac:cxnSpMk id="4" creationId="{00000000-0000-0000-0000-000000000000}"/>
+          </ac:cxnSpMkLst>
+        </pc:cxnChg>
+      </pc:sldChg>
+      <pc:sldChg chg="modSp add mod ord modAnim">
+        <pc:chgData name="Mike B" userId="5c4bf6a326bf31f5" providerId="LiveId" clId="{FF56B4CD-FB53-42B1-BFE2-76D3C46DB09C}" dt="2025-01-26T20:32:23.437" v="895" actId="403"/>
+        <pc:sldMkLst>
+          <pc:docMk/>
+          <pc:sldMk cId="3686722547" sldId="1272"/>
+        </pc:sldMkLst>
+        <pc:spChg chg="mod">
+          <ac:chgData name="Mike B" userId="5c4bf6a326bf31f5" providerId="LiveId" clId="{FF56B4CD-FB53-42B1-BFE2-76D3C46DB09C}" dt="2025-01-26T19:49:40.918" v="375" actId="20577"/>
+          <ac:spMkLst>
+            <pc:docMk/>
+            <pc:sldMk cId="3686722547" sldId="1272"/>
+            <ac:spMk id="2" creationId="{00000000-0000-0000-0000-000000000000}"/>
+          </ac:spMkLst>
+        </pc:spChg>
+        <pc:spChg chg="mod">
+          <ac:chgData name="Mike B" userId="5c4bf6a326bf31f5" providerId="LiveId" clId="{FF56B4CD-FB53-42B1-BFE2-76D3C46DB09C}" dt="2025-01-26T20:32:23.437" v="895" actId="403"/>
+          <ac:spMkLst>
+            <pc:docMk/>
+            <pc:sldMk cId="3686722547" sldId="1272"/>
+            <ac:spMk id="3" creationId="{00000000-0000-0000-0000-000000000000}"/>
+          </ac:spMkLst>
+        </pc:spChg>
+      </pc:sldChg>
+      <pc:sldChg chg="add">
+        <pc:chgData name="Mike B" userId="5c4bf6a326bf31f5" providerId="LiveId" clId="{FF56B4CD-FB53-42B1-BFE2-76D3C46DB09C}" dt="2025-01-26T19:55:00.719" v="455" actId="2890"/>
+        <pc:sldMkLst>
+          <pc:docMk/>
+          <pc:sldMk cId="1062285755" sldId="1273"/>
+        </pc:sldMkLst>
+      </pc:sldChg>
+      <pc:sldChg chg="addSp modSp add mod">
+        <pc:chgData name="Mike B" userId="5c4bf6a326bf31f5" providerId="LiveId" clId="{FF56B4CD-FB53-42B1-BFE2-76D3C46DB09C}" dt="2025-01-26T20:50:21.188" v="967" actId="1038"/>
+        <pc:sldMkLst>
+          <pc:docMk/>
+          <pc:sldMk cId="1856009430" sldId="1274"/>
+        </pc:sldMkLst>
+        <pc:picChg chg="add mod">
+          <ac:chgData name="Mike B" userId="5c4bf6a326bf31f5" providerId="LiveId" clId="{FF56B4CD-FB53-42B1-BFE2-76D3C46DB09C}" dt="2025-01-26T20:50:21.188" v="967" actId="1038"/>
+          <ac:picMkLst>
+            <pc:docMk/>
+            <pc:sldMk cId="1856009430" sldId="1274"/>
+            <ac:picMk id="6" creationId="{D20775EA-BF4A-669C-894B-C961EE1E735A}"/>
+          </ac:picMkLst>
+        </pc:picChg>
+        <pc:picChg chg="add mod">
+          <ac:chgData name="Mike B" userId="5c4bf6a326bf31f5" providerId="LiveId" clId="{FF56B4CD-FB53-42B1-BFE2-76D3C46DB09C}" dt="2025-01-26T20:50:17.169" v="953" actId="1038"/>
+          <ac:picMkLst>
+            <pc:docMk/>
+            <pc:sldMk cId="1856009430" sldId="1274"/>
+            <ac:picMk id="8" creationId="{768D35D0-2E37-E0DE-1A46-22143658A216}"/>
+          </ac:picMkLst>
+        </pc:picChg>
+      </pc:sldChg>
+      <pc:sldChg chg="modSp add mod modAnim">
+        <pc:chgData name="Mike B" userId="5c4bf6a326bf31f5" providerId="LiveId" clId="{FF56B4CD-FB53-42B1-BFE2-76D3C46DB09C}" dt="2025-01-26T21:07:51.772" v="1718" actId="20577"/>
+        <pc:sldMkLst>
+          <pc:docMk/>
+          <pc:sldMk cId="2117449211" sldId="1275"/>
+        </pc:sldMkLst>
+        <pc:spChg chg="mod">
+          <ac:chgData name="Mike B" userId="5c4bf6a326bf31f5" providerId="LiveId" clId="{FF56B4CD-FB53-42B1-BFE2-76D3C46DB09C}" dt="2025-01-26T21:07:51.772" v="1718" actId="20577"/>
+          <ac:spMkLst>
+            <pc:docMk/>
+            <pc:sldMk cId="2117449211" sldId="1275"/>
+            <ac:spMk id="2" creationId="{00000000-0000-0000-0000-000000000000}"/>
+          </ac:spMkLst>
+        </pc:spChg>
+        <pc:spChg chg="mod">
+          <ac:chgData name="Mike B" userId="5c4bf6a326bf31f5" providerId="LiveId" clId="{FF56B4CD-FB53-42B1-BFE2-76D3C46DB09C}" dt="2025-01-26T21:07:40.102" v="1689" actId="20577"/>
+          <ac:spMkLst>
+            <pc:docMk/>
+            <pc:sldMk cId="2117449211" sldId="1275"/>
+            <ac:spMk id="3" creationId="{00000000-0000-0000-0000-000000000000}"/>
+          </ac:spMkLst>
+        </pc:spChg>
+      </pc:sldChg>
+      <pc:sldChg chg="modSp add mod">
+        <pc:chgData name="Mike B" userId="5c4bf6a326bf31f5" providerId="LiveId" clId="{FF56B4CD-FB53-42B1-BFE2-76D3C46DB09C}" dt="2025-01-26T21:13:26.931" v="1945" actId="15"/>
+        <pc:sldMkLst>
+          <pc:docMk/>
+          <pc:sldMk cId="4234455428" sldId="1276"/>
+        </pc:sldMkLst>
+        <pc:spChg chg="mod">
+          <ac:chgData name="Mike B" userId="5c4bf6a326bf31f5" providerId="LiveId" clId="{FF56B4CD-FB53-42B1-BFE2-76D3C46DB09C}" dt="2025-01-26T21:08:21.468" v="1745" actId="20577"/>
+          <ac:spMkLst>
+            <pc:docMk/>
+            <pc:sldMk cId="4234455428" sldId="1276"/>
+            <ac:spMk id="2" creationId="{00000000-0000-0000-0000-000000000000}"/>
+          </ac:spMkLst>
+        </pc:spChg>
+        <pc:spChg chg="mod">
+          <ac:chgData name="Mike B" userId="5c4bf6a326bf31f5" providerId="LiveId" clId="{FF56B4CD-FB53-42B1-BFE2-76D3C46DB09C}" dt="2025-01-26T21:13:26.931" v="1945" actId="15"/>
+          <ac:spMkLst>
+            <pc:docMk/>
+            <pc:sldMk cId="4234455428" sldId="1276"/>
+            <ac:spMk id="3" creationId="{00000000-0000-0000-0000-000000000000}"/>
+          </ac:spMkLst>
+        </pc:spChg>
+      </pc:sldChg>
+      <pc:sldChg chg="addSp modSp add mod">
+        <pc:chgData name="Mike B" userId="5c4bf6a326bf31f5" providerId="LiveId" clId="{FF56B4CD-FB53-42B1-BFE2-76D3C46DB09C}" dt="2025-01-26T21:22:05.040" v="2454" actId="403"/>
+        <pc:sldMkLst>
+          <pc:docMk/>
+          <pc:sldMk cId="4245031178" sldId="1277"/>
+        </pc:sldMkLst>
+        <pc:spChg chg="mod">
+          <ac:chgData name="Mike B" userId="5c4bf6a326bf31f5" providerId="LiveId" clId="{FF56B4CD-FB53-42B1-BFE2-76D3C46DB09C}" dt="2025-01-26T21:16:54.144" v="2056" actId="20577"/>
+          <ac:spMkLst>
+            <pc:docMk/>
+            <pc:sldMk cId="4245031178" sldId="1277"/>
+            <ac:spMk id="2" creationId="{00000000-0000-0000-0000-000000000000}"/>
+          </ac:spMkLst>
+        </pc:spChg>
+        <pc:spChg chg="mod">
+          <ac:chgData name="Mike B" userId="5c4bf6a326bf31f5" providerId="LiveId" clId="{FF56B4CD-FB53-42B1-BFE2-76D3C46DB09C}" dt="2025-01-26T21:22:05.040" v="2454" actId="403"/>
+          <ac:spMkLst>
+            <pc:docMk/>
+            <pc:sldMk cId="4245031178" sldId="1277"/>
+            <ac:spMk id="3" creationId="{00000000-0000-0000-0000-000000000000}"/>
+          </ac:spMkLst>
+        </pc:spChg>
+        <pc:picChg chg="add mod">
+          <ac:chgData name="Mike B" userId="5c4bf6a326bf31f5" providerId="LiveId" clId="{FF56B4CD-FB53-42B1-BFE2-76D3C46DB09C}" dt="2025-01-26T21:20:42.564" v="2274" actId="1076"/>
+          <ac:picMkLst>
+            <pc:docMk/>
+            <pc:sldMk cId="4245031178" sldId="1277"/>
+            <ac:picMk id="1026" creationId="{D2E33714-7789-3060-A758-4B9A3B5803E7}"/>
+          </ac:picMkLst>
+        </pc:picChg>
+      </pc:sldChg>
+      <pc:sldChg chg="addSp delSp modSp add mod">
+        <pc:chgData name="Mike B" userId="5c4bf6a326bf31f5" providerId="LiveId" clId="{FF56B4CD-FB53-42B1-BFE2-76D3C46DB09C}" dt="2025-01-26T21:44:07.263" v="3672" actId="403"/>
+        <pc:sldMkLst>
+          <pc:docMk/>
+          <pc:sldMk cId="679839182" sldId="1278"/>
+        </pc:sldMkLst>
+        <pc:spChg chg="mod">
+          <ac:chgData name="Mike B" userId="5c4bf6a326bf31f5" providerId="LiveId" clId="{FF56B4CD-FB53-42B1-BFE2-76D3C46DB09C}" dt="2025-01-26T21:44:07.263" v="3672" actId="403"/>
+          <ac:spMkLst>
+            <pc:docMk/>
+            <pc:sldMk cId="679839182" sldId="1278"/>
+            <ac:spMk id="3" creationId="{00000000-0000-0000-0000-000000000000}"/>
+          </ac:spMkLst>
+        </pc:spChg>
+        <pc:picChg chg="del">
+          <ac:chgData name="Mike B" userId="5c4bf6a326bf31f5" providerId="LiveId" clId="{FF56B4CD-FB53-42B1-BFE2-76D3C46DB09C}" dt="2025-01-26T21:27:05.776" v="2891" actId="478"/>
+          <ac:picMkLst>
+            <pc:docMk/>
+            <pc:sldMk cId="679839182" sldId="1278"/>
+            <ac:picMk id="1026" creationId="{D2E33714-7789-3060-A758-4B9A3B5803E7}"/>
+          </ac:picMkLst>
+        </pc:picChg>
+        <pc:picChg chg="add mod">
+          <ac:chgData name="Mike B" userId="5c4bf6a326bf31f5" providerId="LiveId" clId="{FF56B4CD-FB53-42B1-BFE2-76D3C46DB09C}" dt="2025-01-26T21:27:18.546" v="2895" actId="14100"/>
+          <ac:picMkLst>
+            <pc:docMk/>
+            <pc:sldMk cId="679839182" sldId="1278"/>
+            <ac:picMk id="2050" creationId="{8CAB1B62-7403-AAC5-4A74-20874A0161A5}"/>
+          </ac:picMkLst>
+        </pc:picChg>
+      </pc:sldChg>
+      <pc:sldChg chg="modSp add mod ord">
+        <pc:chgData name="Mike B" userId="5c4bf6a326bf31f5" providerId="LiveId" clId="{FF56B4CD-FB53-42B1-BFE2-76D3C46DB09C}" dt="2025-01-26T21:44:26.548" v="3685" actId="20577"/>
+        <pc:sldMkLst>
+          <pc:docMk/>
+          <pc:sldMk cId="2839674854" sldId="1279"/>
+        </pc:sldMkLst>
+        <pc:spChg chg="mod">
+          <ac:chgData name="Mike B" userId="5c4bf6a326bf31f5" providerId="LiveId" clId="{FF56B4CD-FB53-42B1-BFE2-76D3C46DB09C}" dt="2025-01-26T21:28:20.160" v="2930" actId="20577"/>
+          <ac:spMkLst>
+            <pc:docMk/>
+            <pc:sldMk cId="2839674854" sldId="1279"/>
+            <ac:spMk id="2" creationId="{00000000-0000-0000-0000-000000000000}"/>
+          </ac:spMkLst>
+        </pc:spChg>
+        <pc:spChg chg="mod">
+          <ac:chgData name="Mike B" userId="5c4bf6a326bf31f5" providerId="LiveId" clId="{FF56B4CD-FB53-42B1-BFE2-76D3C46DB09C}" dt="2025-01-26T21:44:26.548" v="3685" actId="20577"/>
+          <ac:spMkLst>
+            <pc:docMk/>
+            <pc:sldMk cId="2839674854" sldId="1279"/>
+            <ac:spMk id="3" creationId="{00000000-0000-0000-0000-000000000000}"/>
+          </ac:spMkLst>
+        </pc:spChg>
       </pc:sldChg>
     </pc:docChg>
   </pc:docChgLst>
@@ -8018,7 +8018,7 @@
           <a:p>
             <a:fld id="{A96E0CAE-2DE7-439C-BCF1-8B171D71348A}" type="datetimeFigureOut">
               <a:rPr lang="en-US" smtClean="0"/>
-              <a:t>2/10/25</a:t>
+              <a:t>2/21/25</a:t>
             </a:fld>
             <a:endParaRPr lang="en-US"/>
           </a:p>
